--- a/Dokumenty/Obrona/Prezentacja.pptx
+++ b/Dokumenty/Obrona/Prezentacja.pptx
@@ -5,27 +5,30 @@
     <p:sldMasterId id="2147483648" r:id="rId1"/>
   </p:sldMasterIdLst>
   <p:notesMasterIdLst>
-    <p:notesMasterId r:id="rId20"/>
+    <p:notesMasterId r:id="rId23"/>
   </p:notesMasterIdLst>
   <p:sldIdLst>
     <p:sldId id="256" r:id="rId2"/>
     <p:sldId id="257" r:id="rId3"/>
-    <p:sldId id="266" r:id="rId4"/>
-    <p:sldId id="258" r:id="rId5"/>
-    <p:sldId id="259" r:id="rId6"/>
-    <p:sldId id="260" r:id="rId7"/>
-    <p:sldId id="261" r:id="rId8"/>
-    <p:sldId id="262" r:id="rId9"/>
-    <p:sldId id="263" r:id="rId10"/>
-    <p:sldId id="264" r:id="rId11"/>
-    <p:sldId id="265" r:id="rId12"/>
-    <p:sldId id="267" r:id="rId13"/>
-    <p:sldId id="268" r:id="rId14"/>
-    <p:sldId id="269" r:id="rId15"/>
-    <p:sldId id="270" r:id="rId16"/>
-    <p:sldId id="271" r:id="rId17"/>
-    <p:sldId id="272" r:id="rId18"/>
-    <p:sldId id="273" r:id="rId19"/>
+    <p:sldId id="275" r:id="rId4"/>
+    <p:sldId id="266" r:id="rId5"/>
+    <p:sldId id="276" r:id="rId6"/>
+    <p:sldId id="258" r:id="rId7"/>
+    <p:sldId id="259" r:id="rId8"/>
+    <p:sldId id="260" r:id="rId9"/>
+    <p:sldId id="261" r:id="rId10"/>
+    <p:sldId id="262" r:id="rId11"/>
+    <p:sldId id="263" r:id="rId12"/>
+    <p:sldId id="264" r:id="rId13"/>
+    <p:sldId id="265" r:id="rId14"/>
+    <p:sldId id="267" r:id="rId15"/>
+    <p:sldId id="268" r:id="rId16"/>
+    <p:sldId id="269" r:id="rId17"/>
+    <p:sldId id="270" r:id="rId18"/>
+    <p:sldId id="271" r:id="rId19"/>
+    <p:sldId id="272" r:id="rId20"/>
+    <p:sldId id="273" r:id="rId21"/>
+    <p:sldId id="274" r:id="rId22"/>
   </p:sldIdLst>
   <p:sldSz cx="9144000" cy="6858000" type="screen4x3"/>
   <p:notesSz cx="6858000" cy="9144000"/>
@@ -209,7 +212,8 @@
           <a:p>
             <a:fld id="{6140D49B-E59E-4DEF-9E25-A60BC4E3CE4F}" type="datetimeFigureOut">
               <a:rPr lang="pl-PL" smtClean="0"/>
-              <a:t>2016-05-15</a:t>
+              <a:pPr/>
+              <a:t>2016-05-16</a:t>
             </a:fld>
             <a:endParaRPr lang="pl-PL"/>
           </a:p>
@@ -370,6 +374,7 @@
           <a:p>
             <a:fld id="{A221A992-22D9-4EF5-B468-BF47D09055D6}" type="slidenum">
               <a:rPr lang="pl-PL" smtClean="0"/>
+              <a:pPr/>
               <a:t>‹#›</a:t>
             </a:fld>
             <a:endParaRPr lang="pl-PL"/>
@@ -575,6 +580,7 @@
           <a:p>
             <a:fld id="{A221A992-22D9-4EF5-B468-BF47D09055D6}" type="slidenum">
               <a:rPr lang="pl-PL" smtClean="0"/>
+              <a:pPr/>
               <a:t>1</a:t>
             </a:fld>
             <a:endParaRPr lang="pl-PL"/>
@@ -976,6 +982,7 @@
           <a:p>
             <a:fld id="{A221A992-22D9-4EF5-B468-BF47D09055D6}" type="slidenum">
               <a:rPr lang="pl-PL" smtClean="0"/>
+              <a:pPr/>
               <a:t>2</a:t>
             </a:fld>
             <a:endParaRPr lang="pl-PL"/>
@@ -1362,7 +1369,8 @@
           <a:p>
             <a:fld id="{A221A992-22D9-4EF5-B468-BF47D09055D6}" type="slidenum">
               <a:rPr lang="pl-PL" smtClean="0"/>
-              <a:t>4</a:t>
+              <a:pPr/>
+              <a:t>6</a:t>
             </a:fld>
             <a:endParaRPr lang="pl-PL"/>
           </a:p>
@@ -1710,7 +1718,8 @@
           <a:p>
             <a:fld id="{A221A992-22D9-4EF5-B468-BF47D09055D6}" type="slidenum">
               <a:rPr lang="pl-PL" smtClean="0"/>
-              <a:t>6</a:t>
+              <a:pPr/>
+              <a:t>8</a:t>
             </a:fld>
             <a:endParaRPr lang="pl-PL"/>
           </a:p>
@@ -1851,7 +1860,8 @@
           <a:p>
             <a:fld id="{A221A992-22D9-4EF5-B468-BF47D09055D6}" type="slidenum">
               <a:rPr lang="pl-PL" smtClean="0"/>
-              <a:t>7</a:t>
+              <a:pPr/>
+              <a:t>9</a:t>
             </a:fld>
             <a:endParaRPr lang="pl-PL"/>
           </a:p>
@@ -2175,7 +2185,8 @@
           <a:p>
             <a:fld id="{A221A992-22D9-4EF5-B468-BF47D09055D6}" type="slidenum">
               <a:rPr lang="pl-PL" smtClean="0"/>
-              <a:t>8</a:t>
+              <a:pPr/>
+              <a:t>10</a:t>
             </a:fld>
             <a:endParaRPr lang="pl-PL"/>
           </a:p>
@@ -2296,7 +2307,8 @@
           <a:p>
             <a:fld id="{A221A992-22D9-4EF5-B468-BF47D09055D6}" type="slidenum">
               <a:rPr lang="pl-PL" smtClean="0"/>
-              <a:t>9</a:t>
+              <a:pPr/>
+              <a:t>11</a:t>
             </a:fld>
             <a:endParaRPr lang="pl-PL"/>
           </a:p>
@@ -2417,7 +2429,8 @@
           <a:p>
             <a:fld id="{A221A992-22D9-4EF5-B468-BF47D09055D6}" type="slidenum">
               <a:rPr lang="pl-PL" smtClean="0"/>
-              <a:t>10</a:t>
+              <a:pPr/>
+              <a:t>12</a:t>
             </a:fld>
             <a:endParaRPr lang="pl-PL"/>
           </a:p>
@@ -2612,7 +2625,8 @@
           <a:p>
             <a:fld id="{26454A93-E770-450C-BF74-798E16E1408D}" type="datetimeFigureOut">
               <a:rPr lang="pl-PL" smtClean="0"/>
-              <a:t>2016-05-15</a:t>
+              <a:pPr/>
+              <a:t>2016-05-16</a:t>
             </a:fld>
             <a:endParaRPr lang="pl-PL"/>
           </a:p>
@@ -2654,6 +2668,7 @@
           <a:p>
             <a:fld id="{A86EB35D-FC76-4174-B170-43E8B411DCA1}" type="slidenum">
               <a:rPr lang="pl-PL" smtClean="0"/>
+              <a:pPr/>
               <a:t>‹#›</a:t>
             </a:fld>
             <a:endParaRPr lang="pl-PL"/>
@@ -2777,7 +2792,8 @@
           <a:p>
             <a:fld id="{26454A93-E770-450C-BF74-798E16E1408D}" type="datetimeFigureOut">
               <a:rPr lang="pl-PL" smtClean="0"/>
-              <a:t>2016-05-15</a:t>
+              <a:pPr/>
+              <a:t>2016-05-16</a:t>
             </a:fld>
             <a:endParaRPr lang="pl-PL"/>
           </a:p>
@@ -2819,6 +2835,7 @@
           <a:p>
             <a:fld id="{A86EB35D-FC76-4174-B170-43E8B411DCA1}" type="slidenum">
               <a:rPr lang="pl-PL" smtClean="0"/>
+              <a:pPr/>
               <a:t>‹#›</a:t>
             </a:fld>
             <a:endParaRPr lang="pl-PL"/>
@@ -2952,7 +2969,8 @@
           <a:p>
             <a:fld id="{26454A93-E770-450C-BF74-798E16E1408D}" type="datetimeFigureOut">
               <a:rPr lang="pl-PL" smtClean="0"/>
-              <a:t>2016-05-15</a:t>
+              <a:pPr/>
+              <a:t>2016-05-16</a:t>
             </a:fld>
             <a:endParaRPr lang="pl-PL"/>
           </a:p>
@@ -2994,6 +3012,7 @@
           <a:p>
             <a:fld id="{A86EB35D-FC76-4174-B170-43E8B411DCA1}" type="slidenum">
               <a:rPr lang="pl-PL" smtClean="0"/>
+              <a:pPr/>
               <a:t>‹#›</a:t>
             </a:fld>
             <a:endParaRPr lang="pl-PL"/>
@@ -3117,7 +3136,8 @@
           <a:p>
             <a:fld id="{26454A93-E770-450C-BF74-798E16E1408D}" type="datetimeFigureOut">
               <a:rPr lang="pl-PL" smtClean="0"/>
-              <a:t>2016-05-15</a:t>
+              <a:pPr/>
+              <a:t>2016-05-16</a:t>
             </a:fld>
             <a:endParaRPr lang="pl-PL"/>
           </a:p>
@@ -3159,6 +3179,7 @@
           <a:p>
             <a:fld id="{A86EB35D-FC76-4174-B170-43E8B411DCA1}" type="slidenum">
               <a:rPr lang="pl-PL" smtClean="0"/>
+              <a:pPr/>
               <a:t>‹#›</a:t>
             </a:fld>
             <a:endParaRPr lang="pl-PL"/>
@@ -3358,7 +3379,8 @@
           <a:p>
             <a:fld id="{26454A93-E770-450C-BF74-798E16E1408D}" type="datetimeFigureOut">
               <a:rPr lang="pl-PL" smtClean="0"/>
-              <a:t>2016-05-15</a:t>
+              <a:pPr/>
+              <a:t>2016-05-16</a:t>
             </a:fld>
             <a:endParaRPr lang="pl-PL"/>
           </a:p>
@@ -3400,6 +3422,7 @@
           <a:p>
             <a:fld id="{A86EB35D-FC76-4174-B170-43E8B411DCA1}" type="slidenum">
               <a:rPr lang="pl-PL" smtClean="0"/>
+              <a:pPr/>
               <a:t>‹#›</a:t>
             </a:fld>
             <a:endParaRPr lang="pl-PL"/>
@@ -3641,7 +3664,8 @@
           <a:p>
             <a:fld id="{26454A93-E770-450C-BF74-798E16E1408D}" type="datetimeFigureOut">
               <a:rPr lang="pl-PL" smtClean="0"/>
-              <a:t>2016-05-15</a:t>
+              <a:pPr/>
+              <a:t>2016-05-16</a:t>
             </a:fld>
             <a:endParaRPr lang="pl-PL"/>
           </a:p>
@@ -3683,6 +3707,7 @@
           <a:p>
             <a:fld id="{A86EB35D-FC76-4174-B170-43E8B411DCA1}" type="slidenum">
               <a:rPr lang="pl-PL" smtClean="0"/>
+              <a:pPr/>
               <a:t>‹#›</a:t>
             </a:fld>
             <a:endParaRPr lang="pl-PL"/>
@@ -4058,7 +4083,8 @@
           <a:p>
             <a:fld id="{26454A93-E770-450C-BF74-798E16E1408D}" type="datetimeFigureOut">
               <a:rPr lang="pl-PL" smtClean="0"/>
-              <a:t>2016-05-15</a:t>
+              <a:pPr/>
+              <a:t>2016-05-16</a:t>
             </a:fld>
             <a:endParaRPr lang="pl-PL"/>
           </a:p>
@@ -4100,6 +4126,7 @@
           <a:p>
             <a:fld id="{A86EB35D-FC76-4174-B170-43E8B411DCA1}" type="slidenum">
               <a:rPr lang="pl-PL" smtClean="0"/>
+              <a:pPr/>
               <a:t>‹#›</a:t>
             </a:fld>
             <a:endParaRPr lang="pl-PL"/>
@@ -4171,7 +4198,8 @@
           <a:p>
             <a:fld id="{26454A93-E770-450C-BF74-798E16E1408D}" type="datetimeFigureOut">
               <a:rPr lang="pl-PL" smtClean="0"/>
-              <a:t>2016-05-15</a:t>
+              <a:pPr/>
+              <a:t>2016-05-16</a:t>
             </a:fld>
             <a:endParaRPr lang="pl-PL"/>
           </a:p>
@@ -4213,6 +4241,7 @@
           <a:p>
             <a:fld id="{A86EB35D-FC76-4174-B170-43E8B411DCA1}" type="slidenum">
               <a:rPr lang="pl-PL" smtClean="0"/>
+              <a:pPr/>
               <a:t>‹#›</a:t>
             </a:fld>
             <a:endParaRPr lang="pl-PL"/>
@@ -4261,7 +4290,8 @@
           <a:p>
             <a:fld id="{26454A93-E770-450C-BF74-798E16E1408D}" type="datetimeFigureOut">
               <a:rPr lang="pl-PL" smtClean="0"/>
-              <a:t>2016-05-15</a:t>
+              <a:pPr/>
+              <a:t>2016-05-16</a:t>
             </a:fld>
             <a:endParaRPr lang="pl-PL"/>
           </a:p>
@@ -4303,6 +4333,7 @@
           <a:p>
             <a:fld id="{A86EB35D-FC76-4174-B170-43E8B411DCA1}" type="slidenum">
               <a:rPr lang="pl-PL" smtClean="0"/>
+              <a:pPr/>
               <a:t>‹#›</a:t>
             </a:fld>
             <a:endParaRPr lang="pl-PL"/>
@@ -4533,7 +4564,8 @@
           <a:p>
             <a:fld id="{26454A93-E770-450C-BF74-798E16E1408D}" type="datetimeFigureOut">
               <a:rPr lang="pl-PL" smtClean="0"/>
-              <a:t>2016-05-15</a:t>
+              <a:pPr/>
+              <a:t>2016-05-16</a:t>
             </a:fld>
             <a:endParaRPr lang="pl-PL"/>
           </a:p>
@@ -4575,6 +4607,7 @@
           <a:p>
             <a:fld id="{A86EB35D-FC76-4174-B170-43E8B411DCA1}" type="slidenum">
               <a:rPr lang="pl-PL" smtClean="0"/>
+              <a:pPr/>
               <a:t>‹#›</a:t>
             </a:fld>
             <a:endParaRPr lang="pl-PL"/>
@@ -4781,7 +4814,8 @@
           <a:p>
             <a:fld id="{26454A93-E770-450C-BF74-798E16E1408D}" type="datetimeFigureOut">
               <a:rPr lang="pl-PL" smtClean="0"/>
-              <a:t>2016-05-15</a:t>
+              <a:pPr/>
+              <a:t>2016-05-16</a:t>
             </a:fld>
             <a:endParaRPr lang="pl-PL"/>
           </a:p>
@@ -4823,6 +4857,7 @@
           <a:p>
             <a:fld id="{A86EB35D-FC76-4174-B170-43E8B411DCA1}" type="slidenum">
               <a:rPr lang="pl-PL" smtClean="0"/>
+              <a:pPr/>
               <a:t>‹#›</a:t>
             </a:fld>
             <a:endParaRPr lang="pl-PL"/>
@@ -5004,7 +5039,8 @@
           <a:p>
             <a:fld id="{26454A93-E770-450C-BF74-798E16E1408D}" type="datetimeFigureOut">
               <a:rPr lang="pl-PL" smtClean="0"/>
-              <a:t>2016-05-15</a:t>
+              <a:pPr/>
+              <a:t>2016-05-16</a:t>
             </a:fld>
             <a:endParaRPr lang="pl-PL"/>
           </a:p>
@@ -5082,6 +5118,7 @@
           <a:p>
             <a:fld id="{A86EB35D-FC76-4174-B170-43E8B411DCA1}" type="slidenum">
               <a:rPr lang="pl-PL" smtClean="0"/>
+              <a:pPr/>
               <a:t>‹#›</a:t>
             </a:fld>
             <a:endParaRPr lang="pl-PL"/>
@@ -5492,12 +5529,7 @@
             <p:ph type="title"/>
           </p:nvPr>
         </p:nvSpPr>
-        <p:spPr>
-          <a:xfrm>
-            <a:off x="467544" y="0"/>
-            <a:ext cx="8229600" cy="1143000"/>
-          </a:xfrm>
-        </p:spPr>
+        <p:spPr/>
         <p:txBody>
           <a:bodyPr>
             <a:normAutofit/>
@@ -5506,7 +5538,15 @@
           <a:p>
             <a:r>
               <a:rPr lang="pl-PL" sz="2500" dirty="0" smtClean="0"/>
-              <a:t>Przykładowy wynik algorytmu</a:t>
+              <a:t>Algorytm wyznaczania obszarów </a:t>
+            </a:r>
+            <a:r>
+              <a:rPr lang="pl-PL" sz="2500" dirty="0" err="1" smtClean="0"/>
+              <a:t>wewnatrz</a:t>
+            </a:r>
+            <a:r>
+              <a:rPr lang="pl-PL" sz="2500" dirty="0" smtClean="0"/>
+              <a:t> otoczki niezarejestrowanych przez kamerę</a:t>
             </a:r>
             <a:endParaRPr lang="pl-PL" sz="2500" dirty="0"/>
           </a:p>
@@ -5514,7 +5554,7 @@
       </p:sp>
       <p:pic>
         <p:nvPicPr>
-          <p:cNvPr id="4" name="Obraz 3" descr="algorytm2_wynik_pro2.jpg"/>
+          <p:cNvPr id="4" name="Obraz 3" descr="algorytm2-1-new2.jpg"/>
           <p:cNvPicPr/>
           <p:nvPr/>
         </p:nvPicPr>
@@ -5526,8 +5566,8 @@
         </p:blipFill>
         <p:spPr>
           <a:xfrm>
-            <a:off x="1115616" y="764704"/>
-            <a:ext cx="6768751" cy="6093296"/>
+            <a:off x="0" y="1412776"/>
+            <a:ext cx="9144000" cy="4968552"/>
           </a:xfrm>
           <a:prstGeom prst="rect">
             <a:avLst/>
@@ -5579,34 +5619,33 @@
         <p:spPr/>
         <p:txBody>
           <a:bodyPr>
-            <a:normAutofit fontScale="90000"/>
+            <a:normAutofit/>
           </a:bodyPr>
           <a:lstStyle/>
           <a:p>
             <a:r>
-              <a:rPr lang="pl-PL" dirty="0" smtClean="0"/>
-              <a:t>Zobrazowanie problemu wyznaczania otoczki wklęsłej</a:t>
-            </a:r>
-            <a:endParaRPr lang="pl-PL" dirty="0"/>
+              <a:rPr lang="pl-PL" sz="2500" dirty="0"/>
+              <a:t>Linie, reprezentujące fragmenty obszarów wewnątrz otoczki niezarejestrowanych przez kamerę</a:t>
+            </a:r>
           </a:p>
         </p:txBody>
       </p:sp>
       <p:pic>
         <p:nvPicPr>
-          <p:cNvPr id="4" name="Obraz 3" descr="Otoczka_problem.jpg"/>
+          <p:cNvPr id="4" name="Obraz 3" descr="algorytm2-2.jpg"/>
           <p:cNvPicPr/>
           <p:nvPr/>
         </p:nvPicPr>
         <p:blipFill>
-          <a:blip r:embed="rId2" cstate="print"/>
+          <a:blip r:embed="rId3" cstate="print"/>
           <a:stretch>
             <a:fillRect/>
           </a:stretch>
         </p:blipFill>
         <p:spPr>
           <a:xfrm>
-            <a:off x="899592" y="1844824"/>
-            <a:ext cx="7344815" cy="4536504"/>
+            <a:off x="1475656" y="1196752"/>
+            <a:ext cx="6336704" cy="5661248"/>
           </a:xfrm>
           <a:prstGeom prst="rect">
             <a:avLst/>
@@ -5655,6 +5694,169 @@
             <p:ph type="title"/>
           </p:nvPr>
         </p:nvSpPr>
+        <p:spPr>
+          <a:xfrm>
+            <a:off x="467544" y="0"/>
+            <a:ext cx="8229600" cy="1143000"/>
+          </a:xfrm>
+        </p:spPr>
+        <p:txBody>
+          <a:bodyPr>
+            <a:normAutofit/>
+          </a:bodyPr>
+          <a:lstStyle/>
+          <a:p>
+            <a:r>
+              <a:rPr lang="pl-PL" sz="2500" dirty="0" smtClean="0"/>
+              <a:t>Przykładowy wynik algorytmu</a:t>
+            </a:r>
+            <a:endParaRPr lang="pl-PL" sz="2500" dirty="0"/>
+          </a:p>
+        </p:txBody>
+      </p:sp>
+      <p:pic>
+        <p:nvPicPr>
+          <p:cNvPr id="4" name="Obraz 3" descr="algorytm2_wynik_pro2.jpg"/>
+          <p:cNvPicPr/>
+          <p:nvPr/>
+        </p:nvPicPr>
+        <p:blipFill>
+          <a:blip r:embed="rId3" cstate="print"/>
+          <a:stretch>
+            <a:fillRect/>
+          </a:stretch>
+        </p:blipFill>
+        <p:spPr>
+          <a:xfrm>
+            <a:off x="1115616" y="764704"/>
+            <a:ext cx="6768751" cy="6093296"/>
+          </a:xfrm>
+          <a:prstGeom prst="rect">
+            <a:avLst/>
+          </a:prstGeom>
+        </p:spPr>
+      </p:pic>
+    </p:spTree>
+  </p:cSld>
+  <p:clrMapOvr>
+    <a:masterClrMapping/>
+  </p:clrMapOvr>
+  <p:timing>
+    <p:tnLst>
+      <p:par>
+        <p:cTn id="1" dur="indefinite" restart="never" nodeType="tmRoot"/>
+      </p:par>
+    </p:tnLst>
+  </p:timing>
+</p:sld>
+</file>
+
+<file path=ppt/slides/slide13.xml><?xml version="1.0" encoding="utf-8"?>
+<p:sld xmlns:a="http://schemas.openxmlformats.org/drawingml/2006/main" xmlns:r="http://schemas.openxmlformats.org/officeDocument/2006/relationships" xmlns:p="http://schemas.openxmlformats.org/presentationml/2006/main">
+  <p:cSld>
+    <p:spTree>
+      <p:nvGrpSpPr>
+        <p:cNvPr id="1" name=""/>
+        <p:cNvGrpSpPr/>
+        <p:nvPr/>
+      </p:nvGrpSpPr>
+      <p:grpSpPr>
+        <a:xfrm>
+          <a:off x="0" y="0"/>
+          <a:ext cx="0" cy="0"/>
+          <a:chOff x="0" y="0"/>
+          <a:chExt cx="0" cy="0"/>
+        </a:xfrm>
+      </p:grpSpPr>
+      <p:sp>
+        <p:nvSpPr>
+          <p:cNvPr id="2" name="Tytuł 1"/>
+          <p:cNvSpPr>
+            <a:spLocks noGrp="1"/>
+          </p:cNvSpPr>
+          <p:nvPr>
+            <p:ph type="title"/>
+          </p:nvPr>
+        </p:nvSpPr>
+        <p:spPr/>
+        <p:txBody>
+          <a:bodyPr>
+            <a:normAutofit fontScale="90000"/>
+          </a:bodyPr>
+          <a:lstStyle/>
+          <a:p>
+            <a:r>
+              <a:rPr lang="pl-PL" dirty="0" smtClean="0"/>
+              <a:t>Zobrazowanie problemu wyznaczania otoczki wklęsłej</a:t>
+            </a:r>
+            <a:endParaRPr lang="pl-PL" dirty="0"/>
+          </a:p>
+        </p:txBody>
+      </p:sp>
+      <p:pic>
+        <p:nvPicPr>
+          <p:cNvPr id="4" name="Obraz 3" descr="Otoczka_problem.jpg"/>
+          <p:cNvPicPr/>
+          <p:nvPr/>
+        </p:nvPicPr>
+        <p:blipFill>
+          <a:blip r:embed="rId2" cstate="print"/>
+          <a:stretch>
+            <a:fillRect/>
+          </a:stretch>
+        </p:blipFill>
+        <p:spPr>
+          <a:xfrm>
+            <a:off x="899592" y="1844824"/>
+            <a:ext cx="7344815" cy="4536504"/>
+          </a:xfrm>
+          <a:prstGeom prst="rect">
+            <a:avLst/>
+          </a:prstGeom>
+        </p:spPr>
+      </p:pic>
+    </p:spTree>
+  </p:cSld>
+  <p:clrMapOvr>
+    <a:masterClrMapping/>
+  </p:clrMapOvr>
+  <p:timing>
+    <p:tnLst>
+      <p:par>
+        <p:cTn id="1" dur="indefinite" restart="never" nodeType="tmRoot"/>
+      </p:par>
+    </p:tnLst>
+  </p:timing>
+</p:sld>
+</file>
+
+<file path=ppt/slides/slide14.xml><?xml version="1.0" encoding="utf-8"?>
+<p:sld xmlns:a="http://schemas.openxmlformats.org/drawingml/2006/main" xmlns:r="http://schemas.openxmlformats.org/officeDocument/2006/relationships" xmlns:p="http://schemas.openxmlformats.org/presentationml/2006/main">
+  <p:cSld>
+    <p:spTree>
+      <p:nvGrpSpPr>
+        <p:cNvPr id="1" name=""/>
+        <p:cNvGrpSpPr/>
+        <p:nvPr/>
+      </p:nvGrpSpPr>
+      <p:grpSpPr>
+        <a:xfrm>
+          <a:off x="0" y="0"/>
+          <a:ext cx="0" cy="0"/>
+          <a:chOff x="0" y="0"/>
+          <a:chExt cx="0" cy="0"/>
+        </a:xfrm>
+      </p:grpSpPr>
+      <p:sp>
+        <p:nvSpPr>
+          <p:cNvPr id="2" name="Tytuł 1"/>
+          <p:cNvSpPr>
+            <a:spLocks noGrp="1"/>
+          </p:cNvSpPr>
+          <p:nvPr>
+            <p:ph type="title"/>
+          </p:nvPr>
+        </p:nvSpPr>
         <p:spPr/>
         <p:txBody>
           <a:bodyPr>
@@ -5705,10 +5907,17 @@
   <p:clrMapOvr>
     <a:masterClrMapping/>
   </p:clrMapOvr>
+  <p:timing>
+    <p:tnLst>
+      <p:par>
+        <p:cTn id="1" dur="indefinite" restart="never" nodeType="tmRoot"/>
+      </p:par>
+    </p:tnLst>
+  </p:timing>
 </p:sld>
 </file>
 
-<file path=ppt/slides/slide13.xml><?xml version="1.0" encoding="utf-8"?>
+<file path=ppt/slides/slide15.xml><?xml version="1.0" encoding="utf-8"?>
 <p:sld xmlns:a="http://schemas.openxmlformats.org/drawingml/2006/main" xmlns:r="http://schemas.openxmlformats.org/officeDocument/2006/relationships" xmlns:p="http://schemas.openxmlformats.org/presentationml/2006/main">
   <p:cSld>
     <p:spTree>
@@ -5790,10 +5999,17 @@
   <p:clrMapOvr>
     <a:masterClrMapping/>
   </p:clrMapOvr>
+  <p:timing>
+    <p:tnLst>
+      <p:par>
+        <p:cTn id="1" dur="indefinite" restart="never" nodeType="tmRoot"/>
+      </p:par>
+    </p:tnLst>
+  </p:timing>
 </p:sld>
 </file>
 
-<file path=ppt/slides/slide14.xml><?xml version="1.0" encoding="utf-8"?>
+<file path=ppt/slides/slide16.xml><?xml version="1.0" encoding="utf-8"?>
 <p:sld xmlns:a="http://schemas.openxmlformats.org/drawingml/2006/main" xmlns:r="http://schemas.openxmlformats.org/officeDocument/2006/relationships" xmlns:p="http://schemas.openxmlformats.org/presentationml/2006/main">
   <p:cSld>
     <p:spTree>
@@ -5875,10 +6091,17 @@
   <p:clrMapOvr>
     <a:masterClrMapping/>
   </p:clrMapOvr>
+  <p:timing>
+    <p:tnLst>
+      <p:par>
+        <p:cTn id="1" dur="indefinite" restart="never" nodeType="tmRoot"/>
+      </p:par>
+    </p:tnLst>
+  </p:timing>
 </p:sld>
 </file>
 
-<file path=ppt/slides/slide15.xml><?xml version="1.0" encoding="utf-8"?>
+<file path=ppt/slides/slide17.xml><?xml version="1.0" encoding="utf-8"?>
 <p:sld xmlns:a="http://schemas.openxmlformats.org/drawingml/2006/main" xmlns:r="http://schemas.openxmlformats.org/officeDocument/2006/relationships" xmlns:p="http://schemas.openxmlformats.org/presentationml/2006/main">
   <p:cSld>
     <p:spTree>
@@ -5960,10 +6183,17 @@
   <p:clrMapOvr>
     <a:masterClrMapping/>
   </p:clrMapOvr>
+  <p:timing>
+    <p:tnLst>
+      <p:par>
+        <p:cTn id="1" dur="indefinite" restart="never" nodeType="tmRoot"/>
+      </p:par>
+    </p:tnLst>
+  </p:timing>
 </p:sld>
 </file>
 
-<file path=ppt/slides/slide16.xml><?xml version="1.0" encoding="utf-8"?>
+<file path=ppt/slides/slide18.xml><?xml version="1.0" encoding="utf-8"?>
 <p:sld xmlns:a="http://schemas.openxmlformats.org/drawingml/2006/main" xmlns:r="http://schemas.openxmlformats.org/officeDocument/2006/relationships" xmlns:p="http://schemas.openxmlformats.org/presentationml/2006/main">
   <p:cSld>
     <p:spTree>
@@ -6045,10 +6275,17 @@
   <p:clrMapOvr>
     <a:masterClrMapping/>
   </p:clrMapOvr>
+  <p:timing>
+    <p:tnLst>
+      <p:par>
+        <p:cTn id="1" dur="indefinite" restart="never" nodeType="tmRoot"/>
+      </p:par>
+    </p:tnLst>
+  </p:timing>
 </p:sld>
 </file>
 
-<file path=ppt/slides/slide17.xml><?xml version="1.0" encoding="utf-8"?>
+<file path=ppt/slides/slide19.xml><?xml version="1.0" encoding="utf-8"?>
 <p:sld xmlns:a="http://schemas.openxmlformats.org/drawingml/2006/main" xmlns:r="http://schemas.openxmlformats.org/officeDocument/2006/relationships" xmlns:p="http://schemas.openxmlformats.org/presentationml/2006/main">
   <p:cSld>
     <p:spTree>
@@ -6130,10 +6367,79 @@
   <p:clrMapOvr>
     <a:masterClrMapping/>
   </p:clrMapOvr>
+  <p:timing>
+    <p:tnLst>
+      <p:par>
+        <p:cTn id="1" dur="indefinite" restart="never" nodeType="tmRoot"/>
+      </p:par>
+    </p:tnLst>
+  </p:timing>
 </p:sld>
 </file>
 
-<file path=ppt/slides/slide18.xml><?xml version="1.0" encoding="utf-8"?>
+<file path=ppt/slides/slide2.xml><?xml version="1.0" encoding="utf-8"?>
+<p:sld xmlns:a="http://schemas.openxmlformats.org/drawingml/2006/main" xmlns:r="http://schemas.openxmlformats.org/officeDocument/2006/relationships" xmlns:p="http://schemas.openxmlformats.org/presentationml/2006/main">
+  <p:cSld>
+    <p:spTree>
+      <p:nvGrpSpPr>
+        <p:cNvPr id="1" name=""/>
+        <p:cNvGrpSpPr/>
+        <p:nvPr/>
+      </p:nvGrpSpPr>
+      <p:grpSpPr>
+        <a:xfrm>
+          <a:off x="0" y="0"/>
+          <a:ext cx="0" cy="0"/>
+          <a:chOff x="0" y="0"/>
+          <a:chExt cx="0" cy="0"/>
+        </a:xfrm>
+      </p:grpSpPr>
+      <p:sp>
+        <p:nvSpPr>
+          <p:cNvPr id="2" name="Tytuł 1"/>
+          <p:cNvSpPr>
+            <a:spLocks noGrp="1"/>
+          </p:cNvSpPr>
+          <p:nvPr>
+            <p:ph type="title"/>
+          </p:nvPr>
+        </p:nvSpPr>
+        <p:spPr>
+          <a:xfrm>
+            <a:off x="467544" y="2060848"/>
+            <a:ext cx="8229600" cy="1143000"/>
+          </a:xfrm>
+        </p:spPr>
+        <p:txBody>
+          <a:bodyPr>
+            <a:normAutofit fontScale="90000"/>
+          </a:bodyPr>
+          <a:lstStyle/>
+          <a:p>
+            <a:r>
+              <a:rPr lang="pl-PL" dirty="0" smtClean="0"/>
+              <a:t>Algorytm wyznaczania i wizualizacji obszaru przeszukanego wraz z implementacją przy wykorzystaniu systemu OpenStreetMap.</a:t>
+            </a:r>
+            <a:endParaRPr lang="pl-PL" dirty="0"/>
+          </a:p>
+        </p:txBody>
+      </p:sp>
+    </p:spTree>
+  </p:cSld>
+  <p:clrMapOvr>
+    <a:masterClrMapping/>
+  </p:clrMapOvr>
+  <p:timing>
+    <p:tnLst>
+      <p:par>
+        <p:cTn id="1" dur="indefinite" restart="never" nodeType="tmRoot"/>
+      </p:par>
+    </p:tnLst>
+  </p:timing>
+</p:sld>
+</file>
+
+<file path=ppt/slides/slide20.xml><?xml version="1.0" encoding="utf-8"?>
 <p:sld xmlns:a="http://schemas.openxmlformats.org/drawingml/2006/main" xmlns:r="http://schemas.openxmlformats.org/officeDocument/2006/relationships" xmlns:p="http://schemas.openxmlformats.org/presentationml/2006/main">
   <p:cSld>
     <p:spTree>
@@ -6215,10 +6521,17 @@
   <p:clrMapOvr>
     <a:masterClrMapping/>
   </p:clrMapOvr>
+  <p:timing>
+    <p:tnLst>
+      <p:par>
+        <p:cTn id="1" dur="indefinite" restart="never" nodeType="tmRoot"/>
+      </p:par>
+    </p:tnLst>
+  </p:timing>
 </p:sld>
 </file>
 
-<file path=ppt/slides/slide2.xml><?xml version="1.0" encoding="utf-8"?>
+<file path=ppt/slides/slide21.xml><?xml version="1.0" encoding="utf-8"?>
 <p:sld xmlns:a="http://schemas.openxmlformats.org/drawingml/2006/main" xmlns:r="http://schemas.openxmlformats.org/officeDocument/2006/relationships" xmlns:p="http://schemas.openxmlformats.org/presentationml/2006/main">
   <p:cSld>
     <p:spTree>
@@ -6245,26 +6558,44 @@
             <p:ph type="title"/>
           </p:nvPr>
         </p:nvSpPr>
+        <p:spPr/>
+        <p:txBody>
+          <a:bodyPr/>
+          <a:lstStyle/>
+          <a:p>
+            <a:endParaRPr lang="pl-PL"/>
+          </a:p>
+        </p:txBody>
+      </p:sp>
+      <p:pic>
+        <p:nvPicPr>
+          <p:cNvPr id="4" name="mobizen_20160515_212222.mp4">
+            <a:hlinkClick r:id="" action="ppaction://media"/>
+          </p:cNvPr>
+          <p:cNvPicPr>
+            <a:picLocks noGrp="1" noRot="1" noChangeAspect="1"/>
+          </p:cNvPicPr>
+          <p:nvPr>
+            <p:ph idx="1"/>
+            <a:videoFile r:link="rId1"/>
+          </p:nvPr>
+        </p:nvPicPr>
+        <p:blipFill>
+          <a:blip r:embed="rId3" cstate="print"/>
+          <a:stretch>
+            <a:fillRect/>
+          </a:stretch>
+        </p:blipFill>
         <p:spPr>
           <a:xfrm>
-            <a:off x="467544" y="2060848"/>
-            <a:ext cx="8229600" cy="1143000"/>
+            <a:off x="-1" y="0"/>
+            <a:ext cx="9144001" cy="6858000"/>
           </a:xfrm>
+          <a:prstGeom prst="rect">
+            <a:avLst/>
+          </a:prstGeom>
         </p:spPr>
-        <p:txBody>
-          <a:bodyPr>
-            <a:normAutofit fontScale="90000"/>
-          </a:bodyPr>
-          <a:lstStyle/>
-          <a:p>
-            <a:r>
-              <a:rPr lang="pl-PL" dirty="0" smtClean="0"/>
-              <a:t>Algorytm wyznaczania i wizualizacji obszaru przeszukanego wraz z implementacją przy wykorzystaniu systemu OpenStreetMap.</a:t>
-            </a:r>
-            <a:endParaRPr lang="pl-PL" dirty="0"/>
-          </a:p>
-        </p:txBody>
-      </p:sp>
+      </p:pic>
     </p:spTree>
   </p:cSld>
   <p:clrMapOvr>
@@ -6273,7 +6604,92 @@
   <p:timing>
     <p:tnLst>
       <p:par>
-        <p:cTn id="1" dur="indefinite" restart="never" nodeType="tmRoot"/>
+        <p:cTn id="1" dur="indefinite" restart="never" nodeType="tmRoot">
+          <p:childTnLst>
+            <p:seq concurrent="1" nextAc="seek">
+              <p:cTn id="2" restart="whenNotActive" fill="hold" evtFilter="cancelBubble" nodeType="interactiveSeq">
+                <p:stCondLst>
+                  <p:cond evt="onClick" delay="0">
+                    <p:tgtEl>
+                      <p:spTgt spid="4"/>
+                    </p:tgtEl>
+                  </p:cond>
+                </p:stCondLst>
+                <p:endSync evt="end" delay="0">
+                  <p:rtn val="all"/>
+                </p:endSync>
+                <p:childTnLst>
+                  <p:par>
+                    <p:cTn id="3" fill="hold">
+                      <p:stCondLst>
+                        <p:cond delay="0"/>
+                      </p:stCondLst>
+                      <p:childTnLst>
+                        <p:par>
+                          <p:cTn id="4" fill="hold">
+                            <p:stCondLst>
+                              <p:cond delay="0"/>
+                            </p:stCondLst>
+                            <p:childTnLst>
+                              <p:par>
+                                <p:cTn id="5" presetID="2" presetClass="mediacall" presetSubtype="0" fill="hold" nodeType="clickEffect">
+                                  <p:stCondLst>
+                                    <p:cond delay="0"/>
+                                  </p:stCondLst>
+                                  <p:childTnLst>
+                                    <p:cmd type="call" cmd="togglePause">
+                                      <p:cBhvr>
+                                        <p:cTn id="6" dur="1" fill="hold"/>
+                                        <p:tgtEl>
+                                          <p:spTgt spid="4"/>
+                                        </p:tgtEl>
+                                      </p:cBhvr>
+                                    </p:cmd>
+                                  </p:childTnLst>
+                                </p:cTn>
+                              </p:par>
+                            </p:childTnLst>
+                          </p:cTn>
+                        </p:par>
+                      </p:childTnLst>
+                    </p:cTn>
+                  </p:par>
+                </p:childTnLst>
+              </p:cTn>
+              <p:nextCondLst>
+                <p:cond evt="onClick" delay="0">
+                  <p:tgtEl>
+                    <p:spTgt spid="4"/>
+                  </p:tgtEl>
+                </p:cond>
+              </p:nextCondLst>
+            </p:seq>
+            <p:video>
+              <p:cMediaNode>
+                <p:cTn id="7" fill="hold" display="0">
+                  <p:stCondLst>
+                    <p:cond delay="indefinite"/>
+                  </p:stCondLst>
+                  <p:endCondLst>
+                    <p:cond evt="onNext" delay="0">
+                      <p:tgtEl>
+                        <p:sldTgt/>
+                      </p:tgtEl>
+                    </p:cond>
+                    <p:cond evt="onPrev" delay="0">
+                      <p:tgtEl>
+                        <p:sldTgt/>
+                      </p:tgtEl>
+                    </p:cond>
+                  </p:endCondLst>
+                </p:cTn>
+                <p:tgtEl>
+                  <p:spTgt spid="4"/>
+                </p:tgtEl>
+              </p:cMediaNode>
+            </p:video>
+          </p:childTnLst>
+        </p:cTn>
       </p:par>
     </p:tnLst>
   </p:timing>
@@ -6314,35 +6730,35 @@
           <a:p>
             <a:r>
               <a:rPr lang="pl-PL" dirty="0" smtClean="0"/>
-              <a:t>NMT</a:t>
+              <a:t>Koncepcja systemu</a:t>
             </a:r>
             <a:endParaRPr lang="pl-PL" dirty="0"/>
           </a:p>
         </p:txBody>
       </p:sp>
-      <p:sp>
-        <p:nvSpPr>
-          <p:cNvPr id="3" name="Symbol zastępczy zawartości 2"/>
-          <p:cNvSpPr>
-            <a:spLocks noGrp="1"/>
-          </p:cNvSpPr>
+      <p:pic>
+        <p:nvPicPr>
+          <p:cNvPr id="4" name="Symbol zastępczy zawartości 3" descr="koncepcja.jpg"/>
+          <p:cNvPicPr>
+            <a:picLocks noGrp="1" noChangeAspect="1"/>
+          </p:cNvPicPr>
           <p:nvPr>
             <p:ph idx="1"/>
           </p:nvPr>
-        </p:nvSpPr>
-        <p:spPr/>
-        <p:txBody>
-          <a:bodyPr/>
-          <a:lstStyle/>
-          <a:p>
-            <a:r>
-              <a:rPr lang="pl-PL" dirty="0" smtClean="0"/>
-              <a:t>Misja SRTM efekty</a:t>
-            </a:r>
-            <a:endParaRPr lang="pl-PL" dirty="0"/>
-          </a:p>
-        </p:txBody>
-      </p:sp>
+        </p:nvPicPr>
+        <p:blipFill>
+          <a:blip r:embed="rId2" cstate="print"/>
+          <a:stretch>
+            <a:fillRect/>
+          </a:stretch>
+        </p:blipFill>
+        <p:spPr>
+          <a:xfrm>
+            <a:off x="-187508" y="1916832"/>
+            <a:ext cx="9331508" cy="4504394"/>
+          </a:xfrm>
+        </p:spPr>
+      </p:pic>
     </p:spTree>
   </p:cSld>
   <p:clrMapOvr>
@@ -6387,42 +6803,96 @@
         </p:nvSpPr>
         <p:spPr/>
         <p:txBody>
-          <a:bodyPr>
-            <a:normAutofit fontScale="90000"/>
-          </a:bodyPr>
+          <a:bodyPr/>
           <a:lstStyle/>
           <a:p>
             <a:r>
               <a:rPr lang="pl-PL" dirty="0" smtClean="0"/>
-              <a:t>Algorytm wyznaczania otoczki obszaru przeszukanego</a:t>
+              <a:t>Shuttle Radar Topography Mission</a:t>
             </a:r>
             <a:endParaRPr lang="pl-PL" dirty="0"/>
           </a:p>
         </p:txBody>
       </p:sp>
-      <p:pic>
-        <p:nvPicPr>
-          <p:cNvPr id="4" name="Symbol zastępczy zawartości 3" descr="algorytm1_pro.jpg"/>
-          <p:cNvPicPr>
-            <a:picLocks noGrp="1" noChangeAspect="1"/>
-          </p:cNvPicPr>
+      <p:sp>
+        <p:nvSpPr>
+          <p:cNvPr id="3" name="Symbol zastępczy zawartości 2"/>
+          <p:cNvSpPr>
+            <a:spLocks noGrp="1"/>
+          </p:cNvSpPr>
           <p:nvPr>
             <p:ph idx="1"/>
           </p:nvPr>
-        </p:nvPicPr>
-        <p:blipFill>
-          <a:blip r:embed="rId3" cstate="print"/>
-          <a:stretch>
-            <a:fillRect/>
-          </a:stretch>
-        </p:blipFill>
-        <p:spPr>
-          <a:xfrm>
-            <a:off x="478955" y="1600200"/>
-            <a:ext cx="8186090" cy="4525963"/>
-          </a:xfrm>
-        </p:spPr>
-      </p:pic>
+        </p:nvSpPr>
+        <p:spPr/>
+        <p:txBody>
+          <a:bodyPr/>
+          <a:lstStyle/>
+          <a:p>
+            <a:r>
+              <a:rPr lang="pl-PL" dirty="0" smtClean="0"/>
+              <a:t>Przeprowadzona w 200 roku.</a:t>
+            </a:r>
+          </a:p>
+          <a:p>
+            <a:r>
+              <a:rPr lang="pl-PL" dirty="0" smtClean="0"/>
+              <a:t>Przez:</a:t>
+            </a:r>
+          </a:p>
+          <a:p>
+            <a:pPr>
+              <a:buFont typeface="Wingdings" pitchFamily="2" charset="2"/>
+              <a:buChar char="q"/>
+            </a:pPr>
+            <a:r>
+              <a:rPr lang="pl-PL" dirty="0" smtClean="0"/>
+              <a:t> </a:t>
+            </a:r>
+            <a:r>
+              <a:rPr lang="pl-PL" sz="2800" dirty="0" smtClean="0"/>
+              <a:t>Narodową Agencję Aeronautyki i </a:t>
+            </a:r>
+            <a:r>
+              <a:rPr lang="pl-PL" sz="2800" dirty="0" err="1" smtClean="0"/>
+              <a:t>Przetrzeni</a:t>
+            </a:r>
+            <a:r>
+              <a:rPr lang="pl-PL" sz="2800" dirty="0" smtClean="0"/>
+              <a:t> kosmicznej Stanów </a:t>
+            </a:r>
+            <a:r>
+              <a:rPr lang="pl-PL" sz="2800" dirty="0" err="1" smtClean="0"/>
+              <a:t>Zjdnoczonych</a:t>
+            </a:r>
+            <a:r>
+              <a:rPr lang="pl-PL" sz="2800" dirty="0" smtClean="0"/>
+              <a:t> NASA,</a:t>
+            </a:r>
+          </a:p>
+          <a:p>
+            <a:pPr>
+              <a:buFont typeface="Wingdings" pitchFamily="2" charset="2"/>
+              <a:buChar char="q"/>
+            </a:pPr>
+            <a:r>
+              <a:rPr lang="pl-PL" sz="2800" dirty="0" smtClean="0"/>
+              <a:t>Niemiecką Agencję Kosmiczną DRL,</a:t>
+            </a:r>
+          </a:p>
+          <a:p>
+            <a:pPr>
+              <a:buFont typeface="Wingdings" pitchFamily="2" charset="2"/>
+              <a:buChar char="q"/>
+            </a:pPr>
+            <a:r>
+              <a:rPr lang="pl-PL" sz="2800" dirty="0" smtClean="0"/>
+              <a:t>Włoską Agencję Kosmiczną ASI</a:t>
+            </a:r>
+            <a:endParaRPr lang="pl-PL" sz="2800" dirty="0"/>
+          </a:p>
+        </p:txBody>
+      </p:sp>
     </p:spTree>
   </p:cSld>
   <p:clrMapOvr>
@@ -6467,29 +6937,40 @@
         </p:nvSpPr>
         <p:spPr/>
         <p:txBody>
-          <a:bodyPr/>
+          <a:bodyPr>
+            <a:normAutofit fontScale="90000"/>
+          </a:bodyPr>
           <a:lstStyle/>
           <a:p>
             <a:r>
               <a:rPr lang="pl-PL" dirty="0" smtClean="0"/>
-              <a:t>Wyznaczanie promienia</a:t>
+              <a:t>Geodezyjne powierzchnie odniesienia</a:t>
             </a:r>
             <a:endParaRPr lang="pl-PL" dirty="0"/>
           </a:p>
         </p:txBody>
       </p:sp>
-      <p:sp>
-        <p:nvSpPr>
-          <p:cNvPr id="1026" name="Rectangle 2"/>
-          <p:cNvSpPr>
-            <a:spLocks noChangeArrowheads="1"/>
-          </p:cNvSpPr>
-          <p:nvPr/>
-        </p:nvSpPr>
+      <p:pic>
+        <p:nvPicPr>
+          <p:cNvPr id="4" name="Symbol zastępczy zawartości 3"/>
+          <p:cNvPicPr>
+            <a:picLocks noGrp="1"/>
+          </p:cNvPicPr>
+          <p:nvPr>
+            <p:ph idx="1"/>
+          </p:nvPr>
+        </p:nvPicPr>
+        <p:blipFill>
+          <a:blip r:embed="rId2" cstate="print"/>
+          <a:srcRect/>
+          <a:stretch>
+            <a:fillRect/>
+          </a:stretch>
+        </p:blipFill>
         <p:spPr bwMode="auto">
           <a:xfrm>
-            <a:off x="0" y="0"/>
-            <a:ext cx="9144000" cy="457200"/>
+            <a:off x="971600" y="1484784"/>
+            <a:ext cx="7128792" cy="4896544"/>
           </a:xfrm>
           <a:prstGeom prst="rect">
             <a:avLst/>
@@ -6501,134 +6982,13 @@
             <a:headEnd/>
             <a:tailEnd/>
           </a:ln>
-          <a:effectLst/>
-        </p:spPr>
-        <p:txBody>
-          <a:bodyPr vert="horz" wrap="none" lIns="91440" tIns="45720" rIns="91440" bIns="45720" numCol="1" anchor="ctr" anchorCtr="0" compatLnSpc="1">
-            <a:prstTxWarp prst="textNoShape">
-              <a:avLst/>
-            </a:prstTxWarp>
-            <a:spAutoFit/>
-          </a:bodyPr>
-          <a:lstStyle/>
-          <a:p>
-            <a:endParaRPr lang="pl-PL"/>
-          </a:p>
-        </p:txBody>
-      </p:sp>
-      <p:pic>
-        <p:nvPicPr>
-          <p:cNvPr id="1025" name="Picture 1"/>
-          <p:cNvPicPr>
-            <a:picLocks noChangeAspect="1" noChangeArrowheads="1"/>
-          </p:cNvPicPr>
-          <p:nvPr/>
-        </p:nvPicPr>
-        <p:blipFill>
-          <a:blip r:embed="rId2" cstate="print">
-            <a:clrChange>
-              <a:clrFrom>
-                <a:srgbClr val="FFFFFF"/>
-              </a:clrFrom>
-              <a:clrTo>
-                <a:srgbClr val="FFFFFF">
-                  <a:alpha val="0"/>
-                </a:srgbClr>
-              </a:clrTo>
-            </a:clrChange>
-          </a:blip>
-          <a:srcRect/>
-          <a:stretch>
-            <a:fillRect/>
-          </a:stretch>
-        </p:blipFill>
-        <p:spPr bwMode="auto">
-          <a:xfrm>
-            <a:off x="1979712" y="3212976"/>
-            <a:ext cx="5112568" cy="1107723"/>
-          </a:xfrm>
-          <a:prstGeom prst="rect">
-            <a:avLst/>
-          </a:prstGeom>
-          <a:noFill/>
         </p:spPr>
       </p:pic>
-      <p:sp>
-        <p:nvSpPr>
-          <p:cNvPr id="1027" name="Rectangle 3"/>
-          <p:cNvSpPr>
-            <a:spLocks noChangeArrowheads="1"/>
-          </p:cNvSpPr>
-          <p:nvPr/>
-        </p:nvSpPr>
-        <p:spPr bwMode="auto">
-          <a:xfrm>
-            <a:off x="0" y="663575"/>
-            <a:ext cx="9144000" cy="457200"/>
-          </a:xfrm>
-          <a:prstGeom prst="rect">
-            <a:avLst/>
-          </a:prstGeom>
-          <a:noFill/>
-          <a:ln w="9525">
-            <a:noFill/>
-            <a:miter lim="800000"/>
-            <a:headEnd/>
-            <a:tailEnd/>
-          </a:ln>
-          <a:effectLst/>
-        </p:spPr>
-        <p:txBody>
-          <a:bodyPr vert="horz" wrap="none" lIns="91440" tIns="45720" rIns="91440" bIns="45720" numCol="1" anchor="ctr" anchorCtr="0" compatLnSpc="1">
-            <a:prstTxWarp prst="textNoShape">
-              <a:avLst/>
-            </a:prstTxWarp>
-            <a:spAutoFit/>
-          </a:bodyPr>
-          <a:lstStyle/>
-          <a:p>
-            <a:pPr marL="0" marR="0" lvl="0" indent="0" algn="l" defTabSz="914400" rtl="0" eaLnBrk="1" fontAlgn="base" latinLnBrk="0" hangingPunct="1">
-              <a:lnSpc>
-                <a:spcPct val="100000"/>
-              </a:lnSpc>
-              <a:spcBef>
-                <a:spcPct val="0"/>
-              </a:spcBef>
-              <a:spcAft>
-                <a:spcPct val="0"/>
-              </a:spcAft>
-              <a:buClrTx/>
-              <a:buSzTx/>
-              <a:buFontTx/>
-              <a:buNone/>
-              <a:tabLst/>
-            </a:pPr>
-            <a:endParaRPr kumimoji="0" lang="pl-PL" sz="1800" b="0" i="0" u="none" strike="noStrike" cap="none" normalizeH="0" baseline="0" smtClean="0">
-              <a:ln>
-                <a:noFill/>
-              </a:ln>
-              <a:solidFill>
-                <a:schemeClr val="tx1"/>
-              </a:solidFill>
-              <a:effectLst/>
-              <a:latin typeface="Arial" pitchFamily="34" charset="0"/>
-              <a:cs typeface="Arial" pitchFamily="34" charset="0"/>
-            </a:endParaRPr>
-          </a:p>
-        </p:txBody>
-      </p:sp>
     </p:spTree>
   </p:cSld>
   <p:clrMapOvr>
     <a:masterClrMapping/>
   </p:clrMapOvr>
-  <p:timing>
-    <p:tnLst>
-      <p:par>
-        <p:cTn id="1" dur="indefinite" restart="never" nodeType="tmRoot"/>
-      </p:par>
-    </p:tnLst>
-  </p:timing>
 </p:sld>
 </file>
 
@@ -6746,38 +7106,151 @@
           <a:p>
             <a:r>
               <a:rPr lang="pl-PL" dirty="0" smtClean="0"/>
-              <a:t>Przykładowy wynik algorytmu</a:t>
+              <a:t>Wyznaczanie promienia</a:t>
             </a:r>
             <a:endParaRPr lang="pl-PL" dirty="0"/>
+          </a:p>
+        </p:txBody>
+      </p:sp>
+      <p:sp>
+        <p:nvSpPr>
+          <p:cNvPr id="1026" name="Rectangle 2"/>
+          <p:cNvSpPr>
+            <a:spLocks noChangeArrowheads="1"/>
+          </p:cNvSpPr>
+          <p:nvPr/>
+        </p:nvSpPr>
+        <p:spPr bwMode="auto">
+          <a:xfrm>
+            <a:off x="0" y="0"/>
+            <a:ext cx="9144000" cy="457200"/>
+          </a:xfrm>
+          <a:prstGeom prst="rect">
+            <a:avLst/>
+          </a:prstGeom>
+          <a:noFill/>
+          <a:ln w="9525">
+            <a:noFill/>
+            <a:miter lim="800000"/>
+            <a:headEnd/>
+            <a:tailEnd/>
+          </a:ln>
+          <a:effectLst/>
+        </p:spPr>
+        <p:txBody>
+          <a:bodyPr vert="horz" wrap="none" lIns="91440" tIns="45720" rIns="91440" bIns="45720" numCol="1" anchor="ctr" anchorCtr="0" compatLnSpc="1">
+            <a:prstTxWarp prst="textNoShape">
+              <a:avLst/>
+            </a:prstTxWarp>
+            <a:spAutoFit/>
+          </a:bodyPr>
+          <a:lstStyle/>
+          <a:p>
+            <a:endParaRPr lang="pl-PL"/>
           </a:p>
         </p:txBody>
       </p:sp>
       <p:pic>
         <p:nvPicPr>
-          <p:cNvPr id="5" name="Symbol zastępczy zawartości 4" descr="algorytm1-22 — kopia (2).jpg"/>
+          <p:cNvPr id="1025" name="Picture 1"/>
           <p:cNvPicPr>
-            <a:picLocks noGrp="1"/>
+            <a:picLocks noChangeAspect="1" noChangeArrowheads="1"/>
           </p:cNvPicPr>
-          <p:nvPr>
-            <p:ph idx="1"/>
-          </p:nvPr>
+          <p:nvPr/>
         </p:nvPicPr>
         <p:blipFill>
-          <a:blip r:embed="rId3" cstate="print"/>
+          <a:blip r:embed="rId2" cstate="print">
+            <a:clrChange>
+              <a:clrFrom>
+                <a:srgbClr val="FFFFFF"/>
+              </a:clrFrom>
+              <a:clrTo>
+                <a:srgbClr val="FFFFFF">
+                  <a:alpha val="0"/>
+                </a:srgbClr>
+              </a:clrTo>
+            </a:clrChange>
+          </a:blip>
+          <a:srcRect/>
           <a:stretch>
             <a:fillRect/>
           </a:stretch>
         </p:blipFill>
-        <p:spPr>
+        <p:spPr bwMode="auto">
           <a:xfrm>
-            <a:off x="1403648" y="1196752"/>
-            <a:ext cx="6480720" cy="5472608"/>
+            <a:off x="1979712" y="3212976"/>
+            <a:ext cx="5112568" cy="1107723"/>
           </a:xfrm>
           <a:prstGeom prst="rect">
             <a:avLst/>
           </a:prstGeom>
+          <a:noFill/>
         </p:spPr>
       </p:pic>
+      <p:sp>
+        <p:nvSpPr>
+          <p:cNvPr id="1027" name="Rectangle 3"/>
+          <p:cNvSpPr>
+            <a:spLocks noChangeArrowheads="1"/>
+          </p:cNvSpPr>
+          <p:nvPr/>
+        </p:nvSpPr>
+        <p:spPr bwMode="auto">
+          <a:xfrm>
+            <a:off x="0" y="663575"/>
+            <a:ext cx="9144000" cy="457200"/>
+          </a:xfrm>
+          <a:prstGeom prst="rect">
+            <a:avLst/>
+          </a:prstGeom>
+          <a:noFill/>
+          <a:ln w="9525">
+            <a:noFill/>
+            <a:miter lim="800000"/>
+            <a:headEnd/>
+            <a:tailEnd/>
+          </a:ln>
+          <a:effectLst/>
+        </p:spPr>
+        <p:txBody>
+          <a:bodyPr vert="horz" wrap="none" lIns="91440" tIns="45720" rIns="91440" bIns="45720" numCol="1" anchor="ctr" anchorCtr="0" compatLnSpc="1">
+            <a:prstTxWarp prst="textNoShape">
+              <a:avLst/>
+            </a:prstTxWarp>
+            <a:spAutoFit/>
+          </a:bodyPr>
+          <a:lstStyle/>
+          <a:p>
+            <a:pPr marL="0" marR="0" lvl="0" indent="0" algn="l" defTabSz="914400" rtl="0" eaLnBrk="1" fontAlgn="base" latinLnBrk="0" hangingPunct="1">
+              <a:lnSpc>
+                <a:spcPct val="100000"/>
+              </a:lnSpc>
+              <a:spcBef>
+                <a:spcPct val="0"/>
+              </a:spcBef>
+              <a:spcAft>
+                <a:spcPct val="0"/>
+              </a:spcAft>
+              <a:buClrTx/>
+              <a:buSzTx/>
+              <a:buFontTx/>
+              <a:buNone/>
+              <a:tabLst/>
+            </a:pPr>
+            <a:endParaRPr kumimoji="0" lang="pl-PL" sz="1800" b="0" i="0" u="none" strike="noStrike" cap="none" normalizeH="0" baseline="0" smtClean="0">
+              <a:ln>
+                <a:noFill/>
+              </a:ln>
+              <a:solidFill>
+                <a:schemeClr val="tx1"/>
+              </a:solidFill>
+              <a:effectLst/>
+              <a:latin typeface="Arial" pitchFamily="34" charset="0"/>
+              <a:cs typeface="Arial" pitchFamily="34" charset="0"/>
+            </a:endParaRPr>
+          </a:p>
+        </p:txBody>
+      </p:sp>
     </p:spTree>
   </p:cSld>
   <p:clrMapOvr>
@@ -6823,31 +7296,27 @@
         <p:spPr/>
         <p:txBody>
           <a:bodyPr>
-            <a:normAutofit/>
+            <a:normAutofit fontScale="90000"/>
           </a:bodyPr>
           <a:lstStyle/>
           <a:p>
             <a:r>
-              <a:rPr lang="pl-PL" sz="2500" dirty="0" smtClean="0"/>
-              <a:t>Algorytm wyznaczania obszarów </a:t>
-            </a:r>
-            <a:r>
-              <a:rPr lang="pl-PL" sz="2500" dirty="0" err="1" smtClean="0"/>
-              <a:t>wewnatrz</a:t>
-            </a:r>
-            <a:r>
-              <a:rPr lang="pl-PL" sz="2500" dirty="0" smtClean="0"/>
-              <a:t> otoczki niezarejestrowanych przez kamerę</a:t>
-            </a:r>
-            <a:endParaRPr lang="pl-PL" sz="2500" dirty="0"/>
+              <a:rPr lang="pl-PL" dirty="0" smtClean="0"/>
+              <a:t>Algorytm wyznaczania otoczki obszaru przeszukanego</a:t>
+            </a:r>
+            <a:endParaRPr lang="pl-PL" dirty="0"/>
           </a:p>
         </p:txBody>
       </p:sp>
       <p:pic>
         <p:nvPicPr>
-          <p:cNvPr id="4" name="Obraz 3" descr="algorytm2-1-new2.jpg"/>
-          <p:cNvPicPr/>
-          <p:nvPr/>
+          <p:cNvPr id="4" name="Symbol zastępczy zawartości 3" descr="algorytm1_pro.jpg"/>
+          <p:cNvPicPr>
+            <a:picLocks noGrp="1" noChangeAspect="1"/>
+          </p:cNvPicPr>
+          <p:nvPr>
+            <p:ph idx="1"/>
+          </p:nvPr>
         </p:nvPicPr>
         <p:blipFill>
           <a:blip r:embed="rId3" cstate="print"/>
@@ -6857,12 +7326,9 @@
         </p:blipFill>
         <p:spPr>
           <a:xfrm>
-            <a:off x="0" y="1412776"/>
-            <a:ext cx="9144000" cy="4968552"/>
+            <a:off x="478955" y="1600200"/>
+            <a:ext cx="8186090" cy="4525963"/>
           </a:xfrm>
-          <a:prstGeom prst="rect">
-            <a:avLst/>
-          </a:prstGeom>
         </p:spPr>
       </p:pic>
     </p:spTree>
@@ -6909,23 +7375,26 @@
         </p:nvSpPr>
         <p:spPr/>
         <p:txBody>
-          <a:bodyPr>
-            <a:normAutofit/>
-          </a:bodyPr>
-          <a:lstStyle/>
-          <a:p>
-            <a:r>
-              <a:rPr lang="pl-PL" sz="2500" dirty="0"/>
-              <a:t>Linie, reprezentujące fragmenty obszarów wewnątrz otoczki niezarejestrowanych przez kamerę</a:t>
-            </a:r>
+          <a:bodyPr/>
+          <a:lstStyle/>
+          <a:p>
+            <a:r>
+              <a:rPr lang="pl-PL" dirty="0" smtClean="0"/>
+              <a:t>Przykładowy wynik algorytmu</a:t>
+            </a:r>
+            <a:endParaRPr lang="pl-PL" dirty="0"/>
           </a:p>
         </p:txBody>
       </p:sp>
       <p:pic>
         <p:nvPicPr>
-          <p:cNvPr id="4" name="Obraz 3" descr="algorytm2-2.jpg"/>
-          <p:cNvPicPr/>
-          <p:nvPr/>
+          <p:cNvPr id="5" name="Symbol zastępczy zawartości 4" descr="algorytm1-22 — kopia (2).jpg"/>
+          <p:cNvPicPr>
+            <a:picLocks noGrp="1"/>
+          </p:cNvPicPr>
+          <p:nvPr>
+            <p:ph idx="1"/>
+          </p:nvPr>
         </p:nvPicPr>
         <p:blipFill>
           <a:blip r:embed="rId3" cstate="print"/>
@@ -6935,8 +7404,8 @@
         </p:blipFill>
         <p:spPr>
           <a:xfrm>
-            <a:off x="1475656" y="1196752"/>
-            <a:ext cx="6336704" cy="5661248"/>
+            <a:off x="1403648" y="1196752"/>
+            <a:ext cx="6480720" cy="5472608"/>
           </a:xfrm>
           <a:prstGeom prst="rect">
             <a:avLst/>

--- a/Dokumenty/Obrona/Prezentacja.pptx
+++ b/Dokumenty/Obrona/Prezentacja.pptx
@@ -5,30 +5,37 @@
     <p:sldMasterId id="2147483648" r:id="rId1"/>
   </p:sldMasterIdLst>
   <p:notesMasterIdLst>
-    <p:notesMasterId r:id="rId23"/>
+    <p:notesMasterId r:id="rId30"/>
   </p:notesMasterIdLst>
   <p:sldIdLst>
     <p:sldId id="256" r:id="rId2"/>
     <p:sldId id="257" r:id="rId3"/>
     <p:sldId id="275" r:id="rId4"/>
-    <p:sldId id="266" r:id="rId5"/>
-    <p:sldId id="276" r:id="rId6"/>
-    <p:sldId id="258" r:id="rId7"/>
-    <p:sldId id="259" r:id="rId8"/>
-    <p:sldId id="260" r:id="rId9"/>
-    <p:sldId id="261" r:id="rId10"/>
-    <p:sldId id="262" r:id="rId11"/>
-    <p:sldId id="263" r:id="rId12"/>
-    <p:sldId id="264" r:id="rId13"/>
-    <p:sldId id="265" r:id="rId14"/>
-    <p:sldId id="267" r:id="rId15"/>
-    <p:sldId id="268" r:id="rId16"/>
-    <p:sldId id="269" r:id="rId17"/>
-    <p:sldId id="270" r:id="rId18"/>
-    <p:sldId id="271" r:id="rId19"/>
-    <p:sldId id="272" r:id="rId20"/>
-    <p:sldId id="273" r:id="rId21"/>
-    <p:sldId id="274" r:id="rId22"/>
+    <p:sldId id="277" r:id="rId5"/>
+    <p:sldId id="283" r:id="rId6"/>
+    <p:sldId id="266" r:id="rId7"/>
+    <p:sldId id="276" r:id="rId8"/>
+    <p:sldId id="278" r:id="rId9"/>
+    <p:sldId id="258" r:id="rId10"/>
+    <p:sldId id="259" r:id="rId11"/>
+    <p:sldId id="260" r:id="rId12"/>
+    <p:sldId id="261" r:id="rId13"/>
+    <p:sldId id="262" r:id="rId14"/>
+    <p:sldId id="263" r:id="rId15"/>
+    <p:sldId id="264" r:id="rId16"/>
+    <p:sldId id="279" r:id="rId17"/>
+    <p:sldId id="265" r:id="rId18"/>
+    <p:sldId id="280" r:id="rId19"/>
+    <p:sldId id="267" r:id="rId20"/>
+    <p:sldId id="268" r:id="rId21"/>
+    <p:sldId id="269" r:id="rId22"/>
+    <p:sldId id="270" r:id="rId23"/>
+    <p:sldId id="271" r:id="rId24"/>
+    <p:sldId id="272" r:id="rId25"/>
+    <p:sldId id="273" r:id="rId26"/>
+    <p:sldId id="281" r:id="rId27"/>
+    <p:sldId id="274" r:id="rId28"/>
+    <p:sldId id="282" r:id="rId29"/>
   </p:sldIdLst>
   <p:sldSz cx="9144000" cy="6858000" type="screen4x3"/>
   <p:notesSz cx="6858000" cy="9144000"/>
@@ -213,7 +220,7 @@
             <a:fld id="{6140D49B-E59E-4DEF-9E25-A60BC4E3CE4F}" type="datetimeFigureOut">
               <a:rPr lang="pl-PL" smtClean="0"/>
               <a:pPr/>
-              <a:t>2016-05-16</a:t>
+              <a:t>2016-05-18</a:t>
             </a:fld>
             <a:endParaRPr lang="pl-PL"/>
           </a:p>
@@ -526,6 +533,310 @@
           <a:lstStyle/>
           <a:p>
             <a:r>
+              <a:rPr lang="pl-PL" sz="1200" kern="1200" dirty="0" smtClean="0">
+                <a:solidFill>
+                  <a:schemeClr val="tx1"/>
+                </a:solidFill>
+                <a:latin typeface="+mn-lt"/>
+                <a:ea typeface="+mn-ea"/>
+                <a:cs typeface="+mn-cs"/>
+              </a:rPr>
+              <a:t>Witam Państwa</a:t>
+            </a:r>
+          </a:p>
+          <a:p>
+            <a:r>
+              <a:rPr lang="pl-PL" sz="1200" kern="1200" dirty="0" smtClean="0">
+                <a:solidFill>
+                  <a:schemeClr val="tx1"/>
+                </a:solidFill>
+                <a:latin typeface="+mn-lt"/>
+                <a:ea typeface="+mn-ea"/>
+                <a:cs typeface="+mn-cs"/>
+              </a:rPr>
+              <a:t>Nazywam się Michał Kapiczyński i zaprezentuję dzisiaj Państwu efekty mojej pracy dyplomowej.</a:t>
+            </a:r>
+          </a:p>
+          <a:p>
+            <a:r>
+              <a:rPr lang="pl-PL" sz="1200" kern="1200" dirty="0" smtClean="0">
+                <a:solidFill>
+                  <a:schemeClr val="tx1"/>
+                </a:solidFill>
+                <a:latin typeface="+mn-lt"/>
+                <a:ea typeface="+mn-ea"/>
+                <a:cs typeface="+mn-cs"/>
+              </a:rPr>
+              <a:t>Praca postała pod kierownictwem </a:t>
+            </a:r>
+            <a:r>
+              <a:rPr lang="pl-PL" sz="1200" kern="1200" dirty="0" err="1" smtClean="0">
+                <a:solidFill>
+                  <a:schemeClr val="tx1"/>
+                </a:solidFill>
+                <a:latin typeface="+mn-lt"/>
+                <a:ea typeface="+mn-ea"/>
+                <a:cs typeface="+mn-cs"/>
+              </a:rPr>
+              <a:t>dr</a:t>
+            </a:r>
+            <a:r>
+              <a:rPr lang="pl-PL" sz="1200" kern="1200" dirty="0" smtClean="0">
+                <a:solidFill>
+                  <a:schemeClr val="tx1"/>
+                </a:solidFill>
+                <a:latin typeface="+mn-lt"/>
+                <a:ea typeface="+mn-ea"/>
+                <a:cs typeface="+mn-cs"/>
+              </a:rPr>
+              <a:t>. Pawła Wnuka.</a:t>
+            </a:r>
+          </a:p>
+        </p:txBody>
+      </p:sp>
+      <p:sp>
+        <p:nvSpPr>
+          <p:cNvPr id="4" name="Symbol zastępczy numeru slajdu 3"/>
+          <p:cNvSpPr>
+            <a:spLocks noGrp="1"/>
+          </p:cNvSpPr>
+          <p:nvPr>
+            <p:ph type="sldNum" sz="quarter" idx="10"/>
+          </p:nvPr>
+        </p:nvSpPr>
+        <p:spPr/>
+        <p:txBody>
+          <a:bodyPr/>
+          <a:lstStyle/>
+          <a:p>
+            <a:fld id="{A221A992-22D9-4EF5-B468-BF47D09055D6}" type="slidenum">
+              <a:rPr lang="pl-PL" smtClean="0"/>
+              <a:pPr/>
+              <a:t>1</a:t>
+            </a:fld>
+            <a:endParaRPr lang="pl-PL"/>
+          </a:p>
+        </p:txBody>
+      </p:sp>
+    </p:spTree>
+  </p:cSld>
+  <p:clrMapOvr>
+    <a:masterClrMapping/>
+  </p:clrMapOvr>
+</p:notes>
+</file>
+
+<file path=ppt/notesSlides/notesSlide10.xml><?xml version="1.0" encoding="utf-8"?>
+<p:notes xmlns:a="http://schemas.openxmlformats.org/drawingml/2006/main" xmlns:r="http://schemas.openxmlformats.org/officeDocument/2006/relationships" xmlns:p="http://schemas.openxmlformats.org/presentationml/2006/main">
+  <p:cSld>
+    <p:spTree>
+      <p:nvGrpSpPr>
+        <p:cNvPr id="1" name=""/>
+        <p:cNvGrpSpPr/>
+        <p:nvPr/>
+      </p:nvGrpSpPr>
+      <p:grpSpPr>
+        <a:xfrm>
+          <a:off x="0" y="0"/>
+          <a:ext cx="0" cy="0"/>
+          <a:chOff x="0" y="0"/>
+          <a:chExt cx="0" cy="0"/>
+        </a:xfrm>
+      </p:grpSpPr>
+      <p:sp>
+        <p:nvSpPr>
+          <p:cNvPr id="2" name="Symbol zastępczy obrazu slajdu 1"/>
+          <p:cNvSpPr>
+            <a:spLocks noGrp="1" noRot="1" noChangeAspect="1"/>
+          </p:cNvSpPr>
+          <p:nvPr>
+            <p:ph type="sldImg"/>
+          </p:nvPr>
+        </p:nvSpPr>
+        <p:spPr/>
+      </p:sp>
+      <p:sp>
+        <p:nvSpPr>
+          <p:cNvPr id="3" name="Symbol zastępczy notatek 2"/>
+          <p:cNvSpPr>
+            <a:spLocks noGrp="1"/>
+          </p:cNvSpPr>
+          <p:nvPr>
+            <p:ph type="body" idx="1"/>
+          </p:nvPr>
+        </p:nvSpPr>
+        <p:spPr/>
+        <p:txBody>
+          <a:bodyPr>
+            <a:normAutofit/>
+          </a:bodyPr>
+          <a:lstStyle/>
+          <a:p>
+            <a:r>
+              <a:rPr lang="pl-PL" dirty="0" err="1" smtClean="0"/>
+              <a:t>r</a:t>
+            </a:r>
+            <a:r>
+              <a:rPr lang="pl-PL" baseline="0" dirty="0" smtClean="0"/>
+              <a:t> = </a:t>
+            </a:r>
+            <a:r>
+              <a:rPr lang="pl-PL" baseline="0" dirty="0" err="1" smtClean="0"/>
+              <a:t>dh</a:t>
+            </a:r>
+            <a:r>
+              <a:rPr lang="pl-PL" baseline="0" dirty="0" smtClean="0"/>
+              <a:t> tg(alfa)</a:t>
+            </a:r>
+            <a:endParaRPr lang="pl-PL" dirty="0"/>
+          </a:p>
+        </p:txBody>
+      </p:sp>
+      <p:sp>
+        <p:nvSpPr>
+          <p:cNvPr id="4" name="Symbol zastępczy numeru slajdu 3"/>
+          <p:cNvSpPr>
+            <a:spLocks noGrp="1"/>
+          </p:cNvSpPr>
+          <p:nvPr>
+            <p:ph type="sldNum" sz="quarter" idx="10"/>
+          </p:nvPr>
+        </p:nvSpPr>
+        <p:spPr/>
+        <p:txBody>
+          <a:bodyPr/>
+          <a:lstStyle/>
+          <a:p>
+            <a:fld id="{A221A992-22D9-4EF5-B468-BF47D09055D6}" type="slidenum">
+              <a:rPr lang="pl-PL" smtClean="0"/>
+              <a:pPr/>
+              <a:t>10</a:t>
+            </a:fld>
+            <a:endParaRPr lang="pl-PL"/>
+          </a:p>
+        </p:txBody>
+      </p:sp>
+    </p:spTree>
+  </p:cSld>
+  <p:clrMapOvr>
+    <a:masterClrMapping/>
+  </p:clrMapOvr>
+</p:notes>
+</file>
+
+<file path=ppt/notesSlides/notesSlide11.xml><?xml version="1.0" encoding="utf-8"?>
+<p:notes xmlns:a="http://schemas.openxmlformats.org/drawingml/2006/main" xmlns:r="http://schemas.openxmlformats.org/officeDocument/2006/relationships" xmlns:p="http://schemas.openxmlformats.org/presentationml/2006/main">
+  <p:cSld>
+    <p:spTree>
+      <p:nvGrpSpPr>
+        <p:cNvPr id="1" name=""/>
+        <p:cNvGrpSpPr/>
+        <p:nvPr/>
+      </p:nvGrpSpPr>
+      <p:grpSpPr>
+        <a:xfrm>
+          <a:off x="0" y="0"/>
+          <a:ext cx="0" cy="0"/>
+          <a:chOff x="0" y="0"/>
+          <a:chExt cx="0" cy="0"/>
+        </a:xfrm>
+      </p:grpSpPr>
+      <p:sp>
+        <p:nvSpPr>
+          <p:cNvPr id="2" name="Symbol zastępczy obrazu slajdu 1"/>
+          <p:cNvSpPr>
+            <a:spLocks noGrp="1" noRot="1" noChangeAspect="1"/>
+          </p:cNvSpPr>
+          <p:nvPr>
+            <p:ph type="sldImg"/>
+          </p:nvPr>
+        </p:nvSpPr>
+        <p:spPr/>
+      </p:sp>
+      <p:sp>
+        <p:nvSpPr>
+          <p:cNvPr id="3" name="Symbol zastępczy notatek 2"/>
+          <p:cNvSpPr>
+            <a:spLocks noGrp="1"/>
+          </p:cNvSpPr>
+          <p:nvPr>
+            <p:ph type="body" idx="1"/>
+          </p:nvPr>
+        </p:nvSpPr>
+        <p:spPr/>
+        <p:txBody>
+          <a:bodyPr>
+            <a:normAutofit/>
+          </a:bodyPr>
+          <a:lstStyle/>
+          <a:p>
+            <a:r>
+              <a:rPr lang="pl-PL" sz="1200" kern="1200" dirty="0" smtClean="0">
+                <a:solidFill>
+                  <a:schemeClr val="tx1"/>
+                </a:solidFill>
+                <a:latin typeface="+mn-lt"/>
+                <a:ea typeface="+mn-ea"/>
+                <a:cs typeface="+mn-cs"/>
+              </a:rPr>
+              <a:t>W dalszym kroku znając współrzędne </a:t>
+            </a:r>
+            <a:r>
+              <a:rPr lang="pl-PL" sz="1200" kern="1200" dirty="0" err="1" smtClean="0">
+                <a:solidFill>
+                  <a:schemeClr val="tx1"/>
+                </a:solidFill>
+                <a:latin typeface="+mn-lt"/>
+                <a:ea typeface="+mn-ea"/>
+                <a:cs typeface="+mn-cs"/>
+              </a:rPr>
+              <a:t>drona</a:t>
+            </a:r>
+            <a:r>
+              <a:rPr lang="pl-PL" sz="1200" kern="1200" dirty="0" smtClean="0">
+                <a:solidFill>
+                  <a:schemeClr val="tx1"/>
+                </a:solidFill>
+                <a:latin typeface="+mn-lt"/>
+                <a:ea typeface="+mn-ea"/>
+                <a:cs typeface="+mn-cs"/>
+              </a:rPr>
+              <a:t> i wartość promienia </a:t>
+            </a:r>
+            <a:r>
+              <a:rPr lang="pl-PL" sz="1200" b="1" kern="1200" dirty="0" err="1" smtClean="0">
+                <a:solidFill>
+                  <a:schemeClr val="tx1"/>
+                </a:solidFill>
+                <a:latin typeface="+mn-lt"/>
+                <a:ea typeface="+mn-ea"/>
+                <a:cs typeface="+mn-cs"/>
+              </a:rPr>
+              <a:t>r</a:t>
+            </a:r>
+            <a:r>
+              <a:rPr lang="pl-PL" sz="1200" kern="1200" dirty="0" smtClean="0">
+                <a:solidFill>
+                  <a:schemeClr val="tx1"/>
+                </a:solidFill>
+                <a:latin typeface="+mn-lt"/>
+                <a:ea typeface="+mn-ea"/>
+                <a:cs typeface="+mn-cs"/>
+              </a:rPr>
+              <a:t> wyznaczono punkty na okręgu o promieniu </a:t>
+            </a:r>
+            <a:r>
+              <a:rPr lang="pl-PL" sz="1200" b="1" kern="1200" dirty="0" err="1" smtClean="0">
+                <a:solidFill>
+                  <a:schemeClr val="tx1"/>
+                </a:solidFill>
+                <a:latin typeface="+mn-lt"/>
+                <a:ea typeface="+mn-ea"/>
+                <a:cs typeface="+mn-cs"/>
+              </a:rPr>
+              <a:t>r</a:t>
+            </a:r>
+            <a:r>
               <a:rPr lang="pl-PL" sz="1200" b="1" kern="1200" dirty="0" smtClean="0">
                 <a:solidFill>
                   <a:schemeClr val="tx1"/>
@@ -534,7 +845,451 @@
                 <a:ea typeface="+mn-ea"/>
                 <a:cs typeface="+mn-cs"/>
               </a:rPr>
-              <a:t>Witam Państwa</a:t>
+              <a:t> </a:t>
+            </a:r>
+            <a:r>
+              <a:rPr lang="pl-PL" sz="1200" kern="1200" dirty="0" smtClean="0">
+                <a:solidFill>
+                  <a:schemeClr val="tx1"/>
+                </a:solidFill>
+                <a:latin typeface="+mn-lt"/>
+                <a:ea typeface="+mn-ea"/>
+                <a:cs typeface="+mn-cs"/>
+              </a:rPr>
+              <a:t>i</a:t>
+            </a:r>
+            <a:r>
+              <a:rPr lang="pl-PL" sz="1200" b="1" kern="1200" dirty="0" smtClean="0">
+                <a:solidFill>
+                  <a:schemeClr val="tx1"/>
+                </a:solidFill>
+                <a:latin typeface="+mn-lt"/>
+                <a:ea typeface="+mn-ea"/>
+                <a:cs typeface="+mn-cs"/>
+              </a:rPr>
+              <a:t> </a:t>
+            </a:r>
+            <a:r>
+              <a:rPr lang="pl-PL" sz="1200" kern="1200" dirty="0" smtClean="0">
+                <a:solidFill>
+                  <a:schemeClr val="tx1"/>
+                </a:solidFill>
+                <a:latin typeface="+mn-lt"/>
+                <a:ea typeface="+mn-ea"/>
+                <a:cs typeface="+mn-cs"/>
+              </a:rPr>
+              <a:t>środku w punkcie odpowiadającym położeniu </a:t>
+            </a:r>
+            <a:r>
+              <a:rPr lang="pl-PL" sz="1200" kern="1200" dirty="0" err="1" smtClean="0">
+                <a:solidFill>
+                  <a:schemeClr val="tx1"/>
+                </a:solidFill>
+                <a:latin typeface="+mn-lt"/>
+                <a:ea typeface="+mn-ea"/>
+                <a:cs typeface="+mn-cs"/>
+              </a:rPr>
+              <a:t>drona</a:t>
+            </a:r>
+            <a:r>
+              <a:rPr lang="pl-PL" sz="1200" kern="1200" dirty="0" smtClean="0">
+                <a:solidFill>
+                  <a:schemeClr val="tx1"/>
+                </a:solidFill>
+                <a:latin typeface="+mn-lt"/>
+                <a:ea typeface="+mn-ea"/>
+                <a:cs typeface="+mn-cs"/>
+              </a:rPr>
+              <a:t>. Liczba wyznaczonych punktów, dobrana na drodze eksperymentalnej, to 360 punktów rozmieszczonych na okręgu co 1</a:t>
+            </a:r>
+            <a:r>
+              <a:rPr lang="pl-PL" sz="1200" kern="1200" baseline="30000" dirty="0" smtClean="0">
+                <a:solidFill>
+                  <a:schemeClr val="tx1"/>
+                </a:solidFill>
+                <a:latin typeface="+mn-lt"/>
+                <a:ea typeface="+mn-ea"/>
+                <a:cs typeface="+mn-cs"/>
+              </a:rPr>
+              <a:t>o</a:t>
+            </a:r>
+            <a:r>
+              <a:rPr lang="pl-PL" sz="1200" kern="1200" dirty="0" smtClean="0">
+                <a:solidFill>
+                  <a:schemeClr val="tx1"/>
+                </a:solidFill>
+                <a:latin typeface="+mn-lt"/>
+                <a:ea typeface="+mn-ea"/>
+                <a:cs typeface="+mn-cs"/>
+              </a:rPr>
+              <a:t>.</a:t>
+            </a:r>
+          </a:p>
+          <a:p>
+            <a:r>
+              <a:rPr lang="pl-PL" sz="1200" kern="1200" dirty="0" smtClean="0">
+                <a:solidFill>
+                  <a:schemeClr val="tx1"/>
+                </a:solidFill>
+                <a:latin typeface="+mn-lt"/>
+                <a:ea typeface="+mn-ea"/>
+                <a:cs typeface="+mn-cs"/>
+              </a:rPr>
+              <a:t>	Dla każdego z dobranych punktów dokonano następnie porównania jego wysokości (równej wysokości </a:t>
+            </a:r>
+            <a:r>
+              <a:rPr lang="pl-PL" sz="1200" kern="1200" dirty="0" err="1" smtClean="0">
+                <a:solidFill>
+                  <a:schemeClr val="tx1"/>
+                </a:solidFill>
+                <a:latin typeface="+mn-lt"/>
+                <a:ea typeface="+mn-ea"/>
+                <a:cs typeface="+mn-cs"/>
+              </a:rPr>
+              <a:t>drona</a:t>
+            </a:r>
+            <a:r>
+              <a:rPr lang="pl-PL" sz="1200" kern="1200" dirty="0" smtClean="0">
+                <a:solidFill>
+                  <a:schemeClr val="tx1"/>
+                </a:solidFill>
+                <a:latin typeface="+mn-lt"/>
+                <a:ea typeface="+mn-ea"/>
+                <a:cs typeface="+mn-cs"/>
+              </a:rPr>
+              <a:t> pomniejszonej o aktualne </a:t>
+            </a:r>
+            <a:r>
+              <a:rPr lang="pl-PL" sz="1200" b="1" kern="1200" dirty="0" err="1" smtClean="0">
+                <a:solidFill>
+                  <a:schemeClr val="tx1"/>
+                </a:solidFill>
+                <a:latin typeface="+mn-lt"/>
+                <a:ea typeface="+mn-ea"/>
+                <a:cs typeface="+mn-cs"/>
+              </a:rPr>
+              <a:t>dh</a:t>
+            </a:r>
+            <a:r>
+              <a:rPr lang="pl-PL" sz="1200" kern="1200" dirty="0" smtClean="0">
+                <a:solidFill>
+                  <a:schemeClr val="tx1"/>
+                </a:solidFill>
+                <a:latin typeface="+mn-lt"/>
+                <a:ea typeface="+mn-ea"/>
+                <a:cs typeface="+mn-cs"/>
+              </a:rPr>
+              <a:t>) z wysokością modelu Ziemi w danym punkcie. Jeśli wysokość punktu na okręgu była mniejsza lub równa wysokości modelu punkt zostawał uznany za punkt otoczki obszaru przeszukanego, a wartość stopnia na okręgu, odpowiadająca temu punktowi zostawała usunięta z dalszych rozważań. Następnie wartość </a:t>
+            </a:r>
+            <a:r>
+              <a:rPr lang="pl-PL" sz="1200" b="1" kern="1200" dirty="0" err="1" smtClean="0">
+                <a:solidFill>
+                  <a:schemeClr val="tx1"/>
+                </a:solidFill>
+                <a:latin typeface="+mn-lt"/>
+                <a:ea typeface="+mn-ea"/>
+                <a:cs typeface="+mn-cs"/>
+              </a:rPr>
+              <a:t>dh</a:t>
+            </a:r>
+            <a:r>
+              <a:rPr lang="pl-PL" sz="1200" b="1" kern="1200" dirty="0" smtClean="0">
+                <a:solidFill>
+                  <a:schemeClr val="tx1"/>
+                </a:solidFill>
+                <a:latin typeface="+mn-lt"/>
+                <a:ea typeface="+mn-ea"/>
+                <a:cs typeface="+mn-cs"/>
+              </a:rPr>
+              <a:t> </a:t>
+            </a:r>
+            <a:r>
+              <a:rPr lang="pl-PL" sz="1200" kern="1200" dirty="0" smtClean="0">
+                <a:solidFill>
+                  <a:schemeClr val="tx1"/>
+                </a:solidFill>
+                <a:latin typeface="+mn-lt"/>
+                <a:ea typeface="+mn-ea"/>
+                <a:cs typeface="+mn-cs"/>
+              </a:rPr>
+              <a:t>zostawała zwiększona, a algorytm ten był powtarzany, aż do momentu, gdy dla każdej z 360 wartości stopni na okręgu znaleziono odpowiadający punkt modelu. </a:t>
+            </a:r>
+            <a:endParaRPr lang="pl-PL" sz="1200" kern="1200" dirty="0">
+              <a:solidFill>
+                <a:schemeClr val="tx1"/>
+              </a:solidFill>
+              <a:latin typeface="+mn-lt"/>
+              <a:ea typeface="+mn-ea"/>
+              <a:cs typeface="+mn-cs"/>
+            </a:endParaRPr>
+          </a:p>
+        </p:txBody>
+      </p:sp>
+      <p:sp>
+        <p:nvSpPr>
+          <p:cNvPr id="4" name="Symbol zastępczy numeru slajdu 3"/>
+          <p:cNvSpPr>
+            <a:spLocks noGrp="1"/>
+          </p:cNvSpPr>
+          <p:nvPr>
+            <p:ph type="sldNum" sz="quarter" idx="10"/>
+          </p:nvPr>
+        </p:nvSpPr>
+        <p:spPr/>
+        <p:txBody>
+          <a:bodyPr/>
+          <a:lstStyle/>
+          <a:p>
+            <a:fld id="{A221A992-22D9-4EF5-B468-BF47D09055D6}" type="slidenum">
+              <a:rPr lang="pl-PL" smtClean="0"/>
+              <a:pPr/>
+              <a:t>11</a:t>
+            </a:fld>
+            <a:endParaRPr lang="pl-PL"/>
+          </a:p>
+        </p:txBody>
+      </p:sp>
+    </p:spTree>
+  </p:cSld>
+  <p:clrMapOvr>
+    <a:masterClrMapping/>
+  </p:clrMapOvr>
+</p:notes>
+</file>
+
+<file path=ppt/notesSlides/notesSlide12.xml><?xml version="1.0" encoding="utf-8"?>
+<p:notes xmlns:a="http://schemas.openxmlformats.org/drawingml/2006/main" xmlns:r="http://schemas.openxmlformats.org/officeDocument/2006/relationships" xmlns:p="http://schemas.openxmlformats.org/presentationml/2006/main">
+  <p:cSld>
+    <p:spTree>
+      <p:nvGrpSpPr>
+        <p:cNvPr id="1" name=""/>
+        <p:cNvGrpSpPr/>
+        <p:nvPr/>
+      </p:nvGrpSpPr>
+      <p:grpSpPr>
+        <a:xfrm>
+          <a:off x="0" y="0"/>
+          <a:ext cx="0" cy="0"/>
+          <a:chOff x="0" y="0"/>
+          <a:chExt cx="0" cy="0"/>
+        </a:xfrm>
+      </p:grpSpPr>
+      <p:sp>
+        <p:nvSpPr>
+          <p:cNvPr id="2" name="Symbol zastępczy obrazu slajdu 1"/>
+          <p:cNvSpPr>
+            <a:spLocks noGrp="1" noRot="1" noChangeAspect="1"/>
+          </p:cNvSpPr>
+          <p:nvPr>
+            <p:ph type="sldImg"/>
+          </p:nvPr>
+        </p:nvSpPr>
+        <p:spPr/>
+      </p:sp>
+      <p:sp>
+        <p:nvSpPr>
+          <p:cNvPr id="3" name="Symbol zastępczy notatek 2"/>
+          <p:cNvSpPr>
+            <a:spLocks noGrp="1"/>
+          </p:cNvSpPr>
+          <p:nvPr>
+            <p:ph type="body" idx="1"/>
+          </p:nvPr>
+        </p:nvSpPr>
+        <p:spPr/>
+        <p:txBody>
+          <a:bodyPr>
+            <a:normAutofit/>
+          </a:bodyPr>
+          <a:lstStyle/>
+          <a:p>
+            <a:r>
+              <a:rPr lang="pl-PL" sz="1200" kern="1200" dirty="0" smtClean="0">
+                <a:solidFill>
+                  <a:schemeClr val="tx1"/>
+                </a:solidFill>
+                <a:latin typeface="+mn-lt"/>
+                <a:ea typeface="+mn-ea"/>
+                <a:cs typeface="+mn-cs"/>
+              </a:rPr>
+              <a:t>Tutaj widzimy przykładowy wynik działania algorytmu. Fragmenty okręgów o mniejszym promieniu reprezentują tereny o większej wysokości, a te o większym promieniu o mniejszej. W ten sposób można łatwo odczytać gdzie wystąpił spadek, a gdzie wzniesienie terenu i którą część terenu kamera zarejestrowała, a która została zasłonięta.</a:t>
+            </a:r>
+            <a:endParaRPr lang="pl-PL" sz="1200" kern="1200" dirty="0">
+              <a:solidFill>
+                <a:schemeClr val="tx1"/>
+              </a:solidFill>
+              <a:latin typeface="+mn-lt"/>
+              <a:ea typeface="+mn-ea"/>
+              <a:cs typeface="+mn-cs"/>
+            </a:endParaRPr>
+          </a:p>
+        </p:txBody>
+      </p:sp>
+      <p:sp>
+        <p:nvSpPr>
+          <p:cNvPr id="4" name="Symbol zastępczy numeru slajdu 3"/>
+          <p:cNvSpPr>
+            <a:spLocks noGrp="1"/>
+          </p:cNvSpPr>
+          <p:nvPr>
+            <p:ph type="sldNum" sz="quarter" idx="10"/>
+          </p:nvPr>
+        </p:nvSpPr>
+        <p:spPr/>
+        <p:txBody>
+          <a:bodyPr/>
+          <a:lstStyle/>
+          <a:p>
+            <a:fld id="{A221A992-22D9-4EF5-B468-BF47D09055D6}" type="slidenum">
+              <a:rPr lang="pl-PL" smtClean="0"/>
+              <a:pPr/>
+              <a:t>12</a:t>
+            </a:fld>
+            <a:endParaRPr lang="pl-PL"/>
+          </a:p>
+        </p:txBody>
+      </p:sp>
+    </p:spTree>
+  </p:cSld>
+  <p:clrMapOvr>
+    <a:masterClrMapping/>
+  </p:clrMapOvr>
+</p:notes>
+</file>
+
+<file path=ppt/notesSlides/notesSlide13.xml><?xml version="1.0" encoding="utf-8"?>
+<p:notes xmlns:a="http://schemas.openxmlformats.org/drawingml/2006/main" xmlns:r="http://schemas.openxmlformats.org/officeDocument/2006/relationships" xmlns:p="http://schemas.openxmlformats.org/presentationml/2006/main">
+  <p:cSld>
+    <p:spTree>
+      <p:nvGrpSpPr>
+        <p:cNvPr id="1" name=""/>
+        <p:cNvGrpSpPr/>
+        <p:nvPr/>
+      </p:nvGrpSpPr>
+      <p:grpSpPr>
+        <a:xfrm>
+          <a:off x="0" y="0"/>
+          <a:ext cx="0" cy="0"/>
+          <a:chOff x="0" y="0"/>
+          <a:chExt cx="0" cy="0"/>
+        </a:xfrm>
+      </p:grpSpPr>
+      <p:sp>
+        <p:nvSpPr>
+          <p:cNvPr id="2" name="Symbol zastępczy obrazu slajdu 1"/>
+          <p:cNvSpPr>
+            <a:spLocks noGrp="1" noRot="1" noChangeAspect="1"/>
+          </p:cNvSpPr>
+          <p:nvPr>
+            <p:ph type="sldImg"/>
+          </p:nvPr>
+        </p:nvSpPr>
+        <p:spPr/>
+      </p:sp>
+      <p:sp>
+        <p:nvSpPr>
+          <p:cNvPr id="3" name="Symbol zastępczy notatek 2"/>
+          <p:cNvSpPr>
+            <a:spLocks noGrp="1"/>
+          </p:cNvSpPr>
+          <p:nvPr>
+            <p:ph type="body" idx="1"/>
+          </p:nvPr>
+        </p:nvSpPr>
+        <p:spPr/>
+        <p:txBody>
+          <a:bodyPr>
+            <a:normAutofit/>
+          </a:bodyPr>
+          <a:lstStyle/>
+          <a:p>
+            <a:r>
+              <a:rPr lang="pl-PL" sz="1200" kern="1200" dirty="0" smtClean="0">
+                <a:solidFill>
+                  <a:schemeClr val="tx1"/>
+                </a:solidFill>
+                <a:latin typeface="+mn-lt"/>
+                <a:ea typeface="+mn-ea"/>
+                <a:cs typeface="+mn-cs"/>
+              </a:rPr>
+              <a:t>Druga część algorytmu jest rozwinięciem algorytmu podstawowego. Po wyznaczeniu otoczki obszaru przeszukanego dla kąta widzenia kamery </a:t>
+            </a:r>
+            <a:r>
+              <a:rPr lang="pl-PL" sz="1200" b="1" kern="1200" dirty="0" smtClean="0">
+                <a:solidFill>
+                  <a:schemeClr val="tx1"/>
+                </a:solidFill>
+                <a:latin typeface="+mn-lt"/>
+                <a:ea typeface="+mn-ea"/>
+                <a:cs typeface="+mn-cs"/>
+              </a:rPr>
+              <a:t>α</a:t>
+            </a:r>
+            <a:r>
+              <a:rPr lang="pl-PL" sz="1200" kern="1200" dirty="0" smtClean="0">
+                <a:solidFill>
+                  <a:schemeClr val="tx1"/>
+                </a:solidFill>
+                <a:latin typeface="+mn-lt"/>
+                <a:ea typeface="+mn-ea"/>
+                <a:cs typeface="+mn-cs"/>
+              </a:rPr>
+              <a:t>, powtórzono tę samą operację dla kąta kamery zmniejszonego o określoną stałą wartość </a:t>
+            </a:r>
+            <a:r>
+              <a:rPr lang="pl-PL" sz="1200" b="1" kern="1200" dirty="0" smtClean="0">
+                <a:solidFill>
+                  <a:schemeClr val="tx1"/>
+                </a:solidFill>
+                <a:latin typeface="+mn-lt"/>
+                <a:ea typeface="+mn-ea"/>
+                <a:cs typeface="+mn-cs"/>
+              </a:rPr>
+              <a:t>β</a:t>
+            </a:r>
+            <a:r>
+              <a:rPr lang="pl-PL" sz="1200" kern="1200" dirty="0" smtClean="0">
+                <a:solidFill>
+                  <a:schemeClr val="tx1"/>
+                </a:solidFill>
+                <a:latin typeface="+mn-lt"/>
+                <a:ea typeface="+mn-ea"/>
+                <a:cs typeface="+mn-cs"/>
+              </a:rPr>
+              <a:t>, jednocześnie zapamiętując wyznaczoną otoczkę dla poprzedniej wartości kąta kamery. Iterację tę powtarzano, aż do osiągnięcia kąta zerowego. W efekcie po każdej iteracji otrzymywano dwie otoczki: jedną dla kąta widzenia kamery </a:t>
+            </a:r>
+            <a:r>
+              <a:rPr lang="pl-PL" sz="1200" b="1" kern="1200" dirty="0" smtClean="0">
+                <a:solidFill>
+                  <a:schemeClr val="tx1"/>
+                </a:solidFill>
+                <a:latin typeface="+mn-lt"/>
+                <a:ea typeface="+mn-ea"/>
+                <a:cs typeface="+mn-cs"/>
+              </a:rPr>
+              <a:t>γ</a:t>
+            </a:r>
+            <a:r>
+              <a:rPr lang="pl-PL" sz="1200" kern="1200" dirty="0" smtClean="0">
+                <a:solidFill>
+                  <a:schemeClr val="tx1"/>
+                </a:solidFill>
+                <a:latin typeface="+mn-lt"/>
+                <a:ea typeface="+mn-ea"/>
+                <a:cs typeface="+mn-cs"/>
+              </a:rPr>
+              <a:t> (kąt kamery z poprzedniej iteracji) oraz drugą dla kąta </a:t>
+            </a:r>
+            <a:r>
+              <a:rPr lang="pl-PL" sz="1200" b="1" kern="1200" dirty="0" smtClean="0">
+                <a:solidFill>
+                  <a:schemeClr val="tx1"/>
+                </a:solidFill>
+                <a:latin typeface="+mn-lt"/>
+                <a:ea typeface="+mn-ea"/>
+                <a:cs typeface="+mn-cs"/>
+              </a:rPr>
+              <a:t>γ - β.</a:t>
             </a:r>
             <a:endParaRPr lang="pl-PL" sz="1200" kern="1200" dirty="0" smtClean="0">
               <a:solidFill>
@@ -555,11 +1310,183 @@
                 <a:ea typeface="+mn-ea"/>
                 <a:cs typeface="+mn-cs"/>
               </a:rPr>
-              <a:t>Nazywam się Michał Kapiczyński i zaprezentuję dzisiaj Państwu efekty mojej pracy dyplomowej.</a:t>
-            </a:r>
-          </a:p>
-          <a:p>
-            <a:endParaRPr lang="pl-PL" dirty="0"/>
+              <a:t>Dla obu otoczek porównano wysokości odpowiednich punktów, leżących na odpowiadających promieniach, czyli leżących na tej samej współrzędnej kątowej okręgu. Jeśli wysokość punktu </a:t>
+            </a:r>
+            <a:r>
+              <a:rPr lang="pl-PL" sz="1200" b="1" kern="1200" dirty="0" smtClean="0">
+                <a:solidFill>
+                  <a:schemeClr val="tx1"/>
+                </a:solidFill>
+                <a:latin typeface="+mn-lt"/>
+                <a:ea typeface="+mn-ea"/>
+                <a:cs typeface="+mn-cs"/>
+              </a:rPr>
+              <a:t>B</a:t>
+            </a:r>
+            <a:r>
+              <a:rPr lang="pl-PL" sz="1200" kern="1200" dirty="0" smtClean="0">
+                <a:solidFill>
+                  <a:schemeClr val="tx1"/>
+                </a:solidFill>
+                <a:latin typeface="+mn-lt"/>
+                <a:ea typeface="+mn-ea"/>
+                <a:cs typeface="+mn-cs"/>
+              </a:rPr>
+              <a:t> (leżącego na otoczce "γ - β") jest większa od wysokości punktu </a:t>
+            </a:r>
+            <a:r>
+              <a:rPr lang="pl-PL" sz="1200" b="1" kern="1200" dirty="0" smtClean="0">
+                <a:solidFill>
+                  <a:schemeClr val="tx1"/>
+                </a:solidFill>
+                <a:latin typeface="+mn-lt"/>
+                <a:ea typeface="+mn-ea"/>
+                <a:cs typeface="+mn-cs"/>
+              </a:rPr>
+              <a:t>A</a:t>
+            </a:r>
+            <a:r>
+              <a:rPr lang="pl-PL" sz="1200" kern="1200" dirty="0" smtClean="0">
+                <a:solidFill>
+                  <a:schemeClr val="tx1"/>
+                </a:solidFill>
+                <a:latin typeface="+mn-lt"/>
+                <a:ea typeface="+mn-ea"/>
+                <a:cs typeface="+mn-cs"/>
+              </a:rPr>
+              <a:t> (leżącego na otoczce " γ ") oznacza to, że między tymi dwoma punktami występuje wzniesienie. Wówczas zaczynając od wysokości punktu </a:t>
+            </a:r>
+            <a:r>
+              <a:rPr lang="pl-PL" sz="1200" b="1" kern="1200" dirty="0" smtClean="0">
+                <a:solidFill>
+                  <a:schemeClr val="tx1"/>
+                </a:solidFill>
+                <a:latin typeface="+mn-lt"/>
+                <a:ea typeface="+mn-ea"/>
+                <a:cs typeface="+mn-cs"/>
+              </a:rPr>
+              <a:t>B</a:t>
+            </a:r>
+            <a:r>
+              <a:rPr lang="pl-PL" sz="1200" kern="1200" dirty="0" smtClean="0">
+                <a:solidFill>
+                  <a:schemeClr val="tx1"/>
+                </a:solidFill>
+                <a:latin typeface="+mn-lt"/>
+                <a:ea typeface="+mn-ea"/>
+                <a:cs typeface="+mn-cs"/>
+              </a:rPr>
+              <a:t> powtórzono operację wykorzystaną przy wyznaczaniu otoczki, czyli stopniowe zmniejszanie wysokości o stały skok </a:t>
+            </a:r>
+            <a:r>
+              <a:rPr lang="pl-PL" sz="1200" b="1" kern="1200" dirty="0" err="1" smtClean="0">
+                <a:solidFill>
+                  <a:schemeClr val="tx1"/>
+                </a:solidFill>
+                <a:latin typeface="+mn-lt"/>
+                <a:ea typeface="+mn-ea"/>
+                <a:cs typeface="+mn-cs"/>
+              </a:rPr>
+              <a:t>dh</a:t>
+            </a:r>
+            <a:r>
+              <a:rPr lang="pl-PL" sz="1200" kern="1200" dirty="0" smtClean="0">
+                <a:solidFill>
+                  <a:schemeClr val="tx1"/>
+                </a:solidFill>
+                <a:latin typeface="+mn-lt"/>
+                <a:ea typeface="+mn-ea"/>
+                <a:cs typeface="+mn-cs"/>
+              </a:rPr>
+              <a:t>, aż do wysokości punktu </a:t>
+            </a:r>
+            <a:r>
+              <a:rPr lang="pl-PL" sz="1200" b="1" kern="1200" dirty="0" smtClean="0">
+                <a:solidFill>
+                  <a:schemeClr val="tx1"/>
+                </a:solidFill>
+                <a:latin typeface="+mn-lt"/>
+                <a:ea typeface="+mn-ea"/>
+                <a:cs typeface="+mn-cs"/>
+              </a:rPr>
+              <a:t>A</a:t>
+            </a:r>
+            <a:r>
+              <a:rPr lang="pl-PL" sz="1200" kern="1200" dirty="0" smtClean="0">
+                <a:solidFill>
+                  <a:schemeClr val="tx1"/>
+                </a:solidFill>
+                <a:latin typeface="+mn-lt"/>
+                <a:ea typeface="+mn-ea"/>
+                <a:cs typeface="+mn-cs"/>
+              </a:rPr>
+              <a:t>. Dla każdego "schodka" dokonano porównania wysokości punktu na promieniu wodzącym kamery o kącie </a:t>
+            </a:r>
+            <a:r>
+              <a:rPr lang="pl-PL" sz="1200" b="1" kern="1200" dirty="0" smtClean="0">
+                <a:solidFill>
+                  <a:schemeClr val="tx1"/>
+                </a:solidFill>
+                <a:latin typeface="+mn-lt"/>
+                <a:ea typeface="+mn-ea"/>
+                <a:cs typeface="+mn-cs"/>
+              </a:rPr>
+              <a:t>γ - β</a:t>
+            </a:r>
+            <a:r>
+              <a:rPr lang="pl-PL" sz="1200" kern="1200" dirty="0" smtClean="0">
+                <a:solidFill>
+                  <a:schemeClr val="tx1"/>
+                </a:solidFill>
+                <a:latin typeface="+mn-lt"/>
+                <a:ea typeface="+mn-ea"/>
+                <a:cs typeface="+mn-cs"/>
+              </a:rPr>
+              <a:t> z wysokością modelu punktu o tej samej długości i szerokości geograficznej. Jeśli wysokość punktu na promieniu wodzącym była większa od wysokości punktu modelowego zostawał on uznany za niewidoczny. </a:t>
+            </a:r>
+          </a:p>
+          <a:p>
+            <a:r>
+              <a:rPr lang="pl-PL" sz="1200" kern="1200" dirty="0" smtClean="0">
+                <a:solidFill>
+                  <a:schemeClr val="tx1"/>
+                </a:solidFill>
+                <a:latin typeface="+mn-lt"/>
+                <a:ea typeface="+mn-ea"/>
+                <a:cs typeface="+mn-cs"/>
+              </a:rPr>
+              <a:t>Po osiągnięciu wysokości punktu </a:t>
+            </a:r>
+            <a:r>
+              <a:rPr lang="pl-PL" sz="1200" b="1" kern="1200" dirty="0" smtClean="0">
+                <a:solidFill>
+                  <a:schemeClr val="tx1"/>
+                </a:solidFill>
+                <a:latin typeface="+mn-lt"/>
+                <a:ea typeface="+mn-ea"/>
+                <a:cs typeface="+mn-cs"/>
+              </a:rPr>
+              <a:t>A</a:t>
+            </a:r>
+            <a:r>
+              <a:rPr lang="pl-PL" sz="1200" kern="1200" dirty="0" smtClean="0">
+                <a:solidFill>
+                  <a:schemeClr val="tx1"/>
+                </a:solidFill>
+                <a:latin typeface="+mn-lt"/>
+                <a:ea typeface="+mn-ea"/>
+                <a:cs typeface="+mn-cs"/>
+              </a:rPr>
+              <a:t> z listy niewidocznych punktów wybrano punkt pierwszy i ostatni, czyli dwa punkty definiujące linię, będącą reprezentacją niewidocznego obszaru. Operacja ta była powtarzana dla każdego z 360 kątów, dla których wyznaczano punkty otoczki. </a:t>
+            </a:r>
+            <a:endParaRPr lang="pl-PL" sz="1200" kern="1200" dirty="0">
+              <a:solidFill>
+                <a:schemeClr val="tx1"/>
+              </a:solidFill>
+              <a:latin typeface="+mn-lt"/>
+              <a:ea typeface="+mn-ea"/>
+              <a:cs typeface="+mn-cs"/>
+            </a:endParaRPr>
           </a:p>
         </p:txBody>
       </p:sp>
@@ -581,7 +1508,1301 @@
             <a:fld id="{A221A992-22D9-4EF5-B468-BF47D09055D6}" type="slidenum">
               <a:rPr lang="pl-PL" smtClean="0"/>
               <a:pPr/>
-              <a:t>1</a:t>
+              <a:t>13</a:t>
+            </a:fld>
+            <a:endParaRPr lang="pl-PL"/>
+          </a:p>
+        </p:txBody>
+      </p:sp>
+    </p:spTree>
+  </p:cSld>
+  <p:clrMapOvr>
+    <a:masterClrMapping/>
+  </p:clrMapOvr>
+</p:notes>
+</file>
+
+<file path=ppt/notesSlides/notesSlide14.xml><?xml version="1.0" encoding="utf-8"?>
+<p:notes xmlns:a="http://schemas.openxmlformats.org/drawingml/2006/main" xmlns:r="http://schemas.openxmlformats.org/officeDocument/2006/relationships" xmlns:p="http://schemas.openxmlformats.org/presentationml/2006/main">
+  <p:cSld>
+    <p:spTree>
+      <p:nvGrpSpPr>
+        <p:cNvPr id="1" name=""/>
+        <p:cNvGrpSpPr/>
+        <p:nvPr/>
+      </p:nvGrpSpPr>
+      <p:grpSpPr>
+        <a:xfrm>
+          <a:off x="0" y="0"/>
+          <a:ext cx="0" cy="0"/>
+          <a:chOff x="0" y="0"/>
+          <a:chExt cx="0" cy="0"/>
+        </a:xfrm>
+      </p:grpSpPr>
+      <p:sp>
+        <p:nvSpPr>
+          <p:cNvPr id="2" name="Symbol zastępczy obrazu slajdu 1"/>
+          <p:cNvSpPr>
+            <a:spLocks noGrp="1" noRot="1" noChangeAspect="1"/>
+          </p:cNvSpPr>
+          <p:nvPr>
+            <p:ph type="sldImg"/>
+          </p:nvPr>
+        </p:nvSpPr>
+        <p:spPr/>
+      </p:sp>
+      <p:sp>
+        <p:nvSpPr>
+          <p:cNvPr id="3" name="Symbol zastępczy notatek 2"/>
+          <p:cNvSpPr>
+            <a:spLocks noGrp="1"/>
+          </p:cNvSpPr>
+          <p:nvPr>
+            <p:ph type="body" idx="1"/>
+          </p:nvPr>
+        </p:nvSpPr>
+        <p:spPr/>
+        <p:txBody>
+          <a:bodyPr>
+            <a:normAutofit/>
+          </a:bodyPr>
+          <a:lstStyle/>
+          <a:p>
+            <a:r>
+              <a:rPr lang="pl-PL" sz="1200" kern="1200" dirty="0" smtClean="0">
+                <a:solidFill>
+                  <a:schemeClr val="tx1"/>
+                </a:solidFill>
+                <a:latin typeface="+mn-lt"/>
+                <a:ea typeface="+mn-ea"/>
+                <a:cs typeface="+mn-cs"/>
+              </a:rPr>
+              <a:t>W ten sposób otrzymano listę dziur w obszarze przeszukanym, w postaci linii, które sumarycznie reprezentują powierzchnię obszarów niezarejestrowanych przez kamerę.</a:t>
+            </a:r>
+            <a:endParaRPr lang="pl-PL" sz="1200" kern="1200" dirty="0">
+              <a:solidFill>
+                <a:schemeClr val="tx1"/>
+              </a:solidFill>
+              <a:latin typeface="+mn-lt"/>
+              <a:ea typeface="+mn-ea"/>
+              <a:cs typeface="+mn-cs"/>
+            </a:endParaRPr>
+          </a:p>
+        </p:txBody>
+      </p:sp>
+      <p:sp>
+        <p:nvSpPr>
+          <p:cNvPr id="4" name="Symbol zastępczy numeru slajdu 3"/>
+          <p:cNvSpPr>
+            <a:spLocks noGrp="1"/>
+          </p:cNvSpPr>
+          <p:nvPr>
+            <p:ph type="sldNum" sz="quarter" idx="10"/>
+          </p:nvPr>
+        </p:nvSpPr>
+        <p:spPr/>
+        <p:txBody>
+          <a:bodyPr/>
+          <a:lstStyle/>
+          <a:p>
+            <a:fld id="{A221A992-22D9-4EF5-B468-BF47D09055D6}" type="slidenum">
+              <a:rPr lang="pl-PL" smtClean="0"/>
+              <a:pPr/>
+              <a:t>14</a:t>
+            </a:fld>
+            <a:endParaRPr lang="pl-PL"/>
+          </a:p>
+        </p:txBody>
+      </p:sp>
+    </p:spTree>
+  </p:cSld>
+  <p:clrMapOvr>
+    <a:masterClrMapping/>
+  </p:clrMapOvr>
+</p:notes>
+</file>
+
+<file path=ppt/notesSlides/notesSlide15.xml><?xml version="1.0" encoding="utf-8"?>
+<p:notes xmlns:a="http://schemas.openxmlformats.org/drawingml/2006/main" xmlns:r="http://schemas.openxmlformats.org/officeDocument/2006/relationships" xmlns:p="http://schemas.openxmlformats.org/presentationml/2006/main">
+  <p:cSld>
+    <p:spTree>
+      <p:nvGrpSpPr>
+        <p:cNvPr id="1" name=""/>
+        <p:cNvGrpSpPr/>
+        <p:nvPr/>
+      </p:nvGrpSpPr>
+      <p:grpSpPr>
+        <a:xfrm>
+          <a:off x="0" y="0"/>
+          <a:ext cx="0" cy="0"/>
+          <a:chOff x="0" y="0"/>
+          <a:chExt cx="0" cy="0"/>
+        </a:xfrm>
+      </p:grpSpPr>
+      <p:sp>
+        <p:nvSpPr>
+          <p:cNvPr id="2" name="Symbol zastępczy obrazu slajdu 1"/>
+          <p:cNvSpPr>
+            <a:spLocks noGrp="1" noRot="1" noChangeAspect="1"/>
+          </p:cNvSpPr>
+          <p:nvPr>
+            <p:ph type="sldImg"/>
+          </p:nvPr>
+        </p:nvSpPr>
+        <p:spPr/>
+      </p:sp>
+      <p:sp>
+        <p:nvSpPr>
+          <p:cNvPr id="3" name="Symbol zastępczy notatek 2"/>
+          <p:cNvSpPr>
+            <a:spLocks noGrp="1"/>
+          </p:cNvSpPr>
+          <p:nvPr>
+            <p:ph type="body" idx="1"/>
+          </p:nvPr>
+        </p:nvSpPr>
+        <p:spPr/>
+        <p:txBody>
+          <a:bodyPr>
+            <a:normAutofit/>
+          </a:bodyPr>
+          <a:lstStyle/>
+          <a:p>
+            <a:r>
+              <a:rPr lang="pl-PL" sz="1200" kern="1200" dirty="0" smtClean="0">
+                <a:solidFill>
+                  <a:schemeClr val="tx1"/>
+                </a:solidFill>
+                <a:latin typeface="+mn-lt"/>
+                <a:ea typeface="+mn-ea"/>
+                <a:cs typeface="+mn-cs"/>
+              </a:rPr>
+              <a:t>Odpowiednie dobranie skoku kątowego, przy wyznaczaniu punktów okręgu oraz pogrupowanie punktów reprezentujących sąsiednie linie pozwoliło na wyznaczenie zbiorów punktów reprezentujących poszczególne dziury. Następnie dla każdego zbioru wyznaczono wielokąt, zawierający wszystkie punkty zbioru zgodnie z algorytmem wyznaczania otoczki </a:t>
+            </a:r>
+            <a:r>
+              <a:rPr lang="pl-PL" sz="1200" kern="1200" dirty="0" err="1" smtClean="0">
+                <a:solidFill>
+                  <a:schemeClr val="tx1"/>
+                </a:solidFill>
+                <a:latin typeface="+mn-lt"/>
+                <a:ea typeface="+mn-ea"/>
+                <a:cs typeface="+mn-cs"/>
+              </a:rPr>
+              <a:t>α-wklęsłej</a:t>
+            </a:r>
+            <a:r>
+              <a:rPr lang="pl-PL" sz="1200" kern="1200" dirty="0" smtClean="0">
+                <a:solidFill>
+                  <a:schemeClr val="tx1"/>
+                </a:solidFill>
+                <a:latin typeface="+mn-lt"/>
+                <a:ea typeface="+mn-ea"/>
+                <a:cs typeface="+mn-cs"/>
+              </a:rPr>
+              <a:t>, który zostanie również za moment omówiony. Ostateczny wynik działania algorytmu widać na ekranie.</a:t>
+            </a:r>
+            <a:endParaRPr lang="pl-PL" sz="1200" kern="1200" dirty="0">
+              <a:solidFill>
+                <a:schemeClr val="tx1"/>
+              </a:solidFill>
+              <a:latin typeface="+mn-lt"/>
+              <a:ea typeface="+mn-ea"/>
+              <a:cs typeface="+mn-cs"/>
+            </a:endParaRPr>
+          </a:p>
+        </p:txBody>
+      </p:sp>
+      <p:sp>
+        <p:nvSpPr>
+          <p:cNvPr id="4" name="Symbol zastępczy numeru slajdu 3"/>
+          <p:cNvSpPr>
+            <a:spLocks noGrp="1"/>
+          </p:cNvSpPr>
+          <p:nvPr>
+            <p:ph type="sldNum" sz="quarter" idx="10"/>
+          </p:nvPr>
+        </p:nvSpPr>
+        <p:spPr/>
+        <p:txBody>
+          <a:bodyPr/>
+          <a:lstStyle/>
+          <a:p>
+            <a:fld id="{A221A992-22D9-4EF5-B468-BF47D09055D6}" type="slidenum">
+              <a:rPr lang="pl-PL" smtClean="0"/>
+              <a:pPr/>
+              <a:t>15</a:t>
+            </a:fld>
+            <a:endParaRPr lang="pl-PL"/>
+          </a:p>
+        </p:txBody>
+      </p:sp>
+    </p:spTree>
+  </p:cSld>
+  <p:clrMapOvr>
+    <a:masterClrMapping/>
+  </p:clrMapOvr>
+</p:notes>
+</file>
+
+<file path=ppt/notesSlides/notesSlide16.xml><?xml version="1.0" encoding="utf-8"?>
+<p:notes xmlns:a="http://schemas.openxmlformats.org/drawingml/2006/main" xmlns:r="http://schemas.openxmlformats.org/officeDocument/2006/relationships" xmlns:p="http://schemas.openxmlformats.org/presentationml/2006/main">
+  <p:cSld>
+    <p:spTree>
+      <p:nvGrpSpPr>
+        <p:cNvPr id="1" name=""/>
+        <p:cNvGrpSpPr/>
+        <p:nvPr/>
+      </p:nvGrpSpPr>
+      <p:grpSpPr>
+        <a:xfrm>
+          <a:off x="0" y="0"/>
+          <a:ext cx="0" cy="0"/>
+          <a:chOff x="0" y="0"/>
+          <a:chExt cx="0" cy="0"/>
+        </a:xfrm>
+      </p:grpSpPr>
+      <p:sp>
+        <p:nvSpPr>
+          <p:cNvPr id="2" name="Symbol zastępczy obrazu slajdu 1"/>
+          <p:cNvSpPr>
+            <a:spLocks noGrp="1" noRot="1" noChangeAspect="1"/>
+          </p:cNvSpPr>
+          <p:nvPr>
+            <p:ph type="sldImg"/>
+          </p:nvPr>
+        </p:nvSpPr>
+        <p:spPr/>
+      </p:sp>
+      <p:sp>
+        <p:nvSpPr>
+          <p:cNvPr id="3" name="Symbol zastępczy notatek 2"/>
+          <p:cNvSpPr>
+            <a:spLocks noGrp="1"/>
+          </p:cNvSpPr>
+          <p:nvPr>
+            <p:ph type="body" idx="1"/>
+          </p:nvPr>
+        </p:nvSpPr>
+        <p:spPr/>
+        <p:txBody>
+          <a:bodyPr>
+            <a:normAutofit/>
+          </a:bodyPr>
+          <a:lstStyle/>
+          <a:p>
+            <a:r>
+              <a:rPr lang="pl-PL" sz="1200" kern="1200" dirty="0" smtClean="0">
+                <a:solidFill>
+                  <a:schemeClr val="tx1"/>
+                </a:solidFill>
+                <a:latin typeface="+mn-lt"/>
+                <a:ea typeface="+mn-ea"/>
+                <a:cs typeface="+mn-cs"/>
+              </a:rPr>
+              <a:t>W zaprojektowanym systemie istnieje podział obszaru przeszukanego na obszar ostatnio przeszukany i obszar dotychczas przeszukany. Obszar ostatnio przeszukany to obszar zarejestrowany przez kamerę dla ostatniego znanego położenia </a:t>
+            </a:r>
+            <a:r>
+              <a:rPr lang="pl-PL" sz="1200" kern="1200" dirty="0" err="1" smtClean="0">
+                <a:solidFill>
+                  <a:schemeClr val="tx1"/>
+                </a:solidFill>
+                <a:latin typeface="+mn-lt"/>
+                <a:ea typeface="+mn-ea"/>
+                <a:cs typeface="+mn-cs"/>
+              </a:rPr>
+              <a:t>drona</a:t>
+            </a:r>
+            <a:r>
+              <a:rPr lang="pl-PL" sz="1200" kern="1200" dirty="0" smtClean="0">
+                <a:solidFill>
+                  <a:schemeClr val="tx1"/>
+                </a:solidFill>
+                <a:latin typeface="+mn-lt"/>
+                <a:ea typeface="+mn-ea"/>
+                <a:cs typeface="+mn-cs"/>
+              </a:rPr>
+              <a:t>, podczas gdy obszar dotychczas przeszukany jest sumą wszystkich obszarów zarejestrowanych do tej pory, nie wliczając w to obszaru ostatnio przeszukanego.</a:t>
+            </a:r>
+          </a:p>
+          <a:p>
+            <a:r>
+              <a:rPr lang="pl-PL" sz="1200" kern="1200" dirty="0" smtClean="0">
+                <a:solidFill>
+                  <a:schemeClr val="tx1"/>
+                </a:solidFill>
+                <a:latin typeface="+mn-lt"/>
+                <a:ea typeface="+mn-ea"/>
+                <a:cs typeface="+mn-cs"/>
+              </a:rPr>
+              <a:t>Każda zmiana położenia </a:t>
+            </a:r>
+            <a:r>
+              <a:rPr lang="pl-PL" sz="1200" kern="1200" dirty="0" err="1" smtClean="0">
+                <a:solidFill>
+                  <a:schemeClr val="tx1"/>
+                </a:solidFill>
+                <a:latin typeface="+mn-lt"/>
+                <a:ea typeface="+mn-ea"/>
+                <a:cs typeface="+mn-cs"/>
+              </a:rPr>
+              <a:t>drona</a:t>
+            </a:r>
+            <a:r>
+              <a:rPr lang="pl-PL" sz="1200" kern="1200" dirty="0" smtClean="0">
+                <a:solidFill>
+                  <a:schemeClr val="tx1"/>
+                </a:solidFill>
+                <a:latin typeface="+mn-lt"/>
+                <a:ea typeface="+mn-ea"/>
+                <a:cs typeface="+mn-cs"/>
+              </a:rPr>
+              <a:t> skutkuje wyznaczeniem nowego obszaru przeszukanego. Zgodnie z opisanym w poprzednim podrozdziale algorytmem każdy z takich obszarów składa się z listy punktów, uszeregowanych według współrzędnych biegunowych, tworzących otoczkę wyznaczonego obszaru oraz listy punktów definiujących dziury w tymże obszarze. Aby być w stanie prawidłowo wizualizować obszar przeszukany nie tylko dla pojedynczych położeń </a:t>
+            </a:r>
+            <a:r>
+              <a:rPr lang="pl-PL" sz="1200" kern="1200" dirty="0" err="1" smtClean="0">
+                <a:solidFill>
+                  <a:schemeClr val="tx1"/>
+                </a:solidFill>
+                <a:latin typeface="+mn-lt"/>
+                <a:ea typeface="+mn-ea"/>
+                <a:cs typeface="+mn-cs"/>
+              </a:rPr>
+              <a:t>drona</a:t>
+            </a:r>
+            <a:r>
+              <a:rPr lang="pl-PL" sz="1200" kern="1200" dirty="0" smtClean="0">
+                <a:solidFill>
+                  <a:schemeClr val="tx1"/>
+                </a:solidFill>
+                <a:latin typeface="+mn-lt"/>
+                <a:ea typeface="+mn-ea"/>
+                <a:cs typeface="+mn-cs"/>
+              </a:rPr>
+              <a:t>, ale dla całych śladów potrzebna jest metoda na łączenie tych obszarów w </a:t>
+            </a:r>
+            <a:br>
+              <a:rPr lang="pl-PL" sz="1200" kern="1200" dirty="0" smtClean="0">
+                <a:solidFill>
+                  <a:schemeClr val="tx1"/>
+                </a:solidFill>
+                <a:latin typeface="+mn-lt"/>
+                <a:ea typeface="+mn-ea"/>
+                <a:cs typeface="+mn-cs"/>
+              </a:rPr>
+            </a:br>
+            <a:r>
+              <a:rPr lang="pl-PL" sz="1200" kern="1200" dirty="0" smtClean="0">
+                <a:solidFill>
+                  <a:schemeClr val="tx1"/>
+                </a:solidFill>
+                <a:latin typeface="+mn-lt"/>
+                <a:ea typeface="+mn-ea"/>
+                <a:cs typeface="+mn-cs"/>
+              </a:rPr>
+              <a:t>jeden.</a:t>
+            </a:r>
+          </a:p>
+          <a:p>
+            <a:r>
+              <a:rPr lang="pl-PL" sz="1200" kern="1200" dirty="0" smtClean="0">
+                <a:solidFill>
+                  <a:schemeClr val="tx1"/>
+                </a:solidFill>
+                <a:latin typeface="+mn-lt"/>
+                <a:ea typeface="+mn-ea"/>
+                <a:cs typeface="+mn-cs"/>
+              </a:rPr>
+              <a:t> </a:t>
+            </a:r>
+          </a:p>
+          <a:p>
+            <a:r>
+              <a:rPr lang="pl-PL" sz="1200" kern="1200" dirty="0" smtClean="0">
+                <a:solidFill>
+                  <a:schemeClr val="tx1"/>
+                </a:solidFill>
+                <a:latin typeface="+mn-lt"/>
+                <a:ea typeface="+mn-ea"/>
+                <a:cs typeface="+mn-cs"/>
+              </a:rPr>
+              <a:t>	Zadanie na pierwszy rzut oka mogłoby się wydawać trywialne, jednak po dokładniejszej analizie okazuje się, że wcale takie nie jest. Dlaczego? Ponieważ pojedyncze obszary są często wielokątami wklęsłymi i ich połączenie w jeden wymaga algorytmu  wyznaczającego otoczkę wklęsła dla danego zbioru punktów.</a:t>
+            </a:r>
+          </a:p>
+          <a:p>
+            <a:endParaRPr lang="pl-PL" sz="1200" kern="1200" dirty="0">
+              <a:solidFill>
+                <a:schemeClr val="tx1"/>
+              </a:solidFill>
+              <a:latin typeface="+mn-lt"/>
+              <a:ea typeface="+mn-ea"/>
+              <a:cs typeface="+mn-cs"/>
+            </a:endParaRPr>
+          </a:p>
+        </p:txBody>
+      </p:sp>
+      <p:sp>
+        <p:nvSpPr>
+          <p:cNvPr id="4" name="Symbol zastępczy numeru slajdu 3"/>
+          <p:cNvSpPr>
+            <a:spLocks noGrp="1"/>
+          </p:cNvSpPr>
+          <p:nvPr>
+            <p:ph type="sldNum" sz="quarter" idx="10"/>
+          </p:nvPr>
+        </p:nvSpPr>
+        <p:spPr/>
+        <p:txBody>
+          <a:bodyPr/>
+          <a:lstStyle/>
+          <a:p>
+            <a:fld id="{A221A992-22D9-4EF5-B468-BF47D09055D6}" type="slidenum">
+              <a:rPr lang="pl-PL" smtClean="0"/>
+              <a:pPr/>
+              <a:t>16</a:t>
+            </a:fld>
+            <a:endParaRPr lang="pl-PL"/>
+          </a:p>
+        </p:txBody>
+      </p:sp>
+    </p:spTree>
+  </p:cSld>
+  <p:clrMapOvr>
+    <a:masterClrMapping/>
+  </p:clrMapOvr>
+</p:notes>
+</file>
+
+<file path=ppt/notesSlides/notesSlide17.xml><?xml version="1.0" encoding="utf-8"?>
+<p:notes xmlns:a="http://schemas.openxmlformats.org/drawingml/2006/main" xmlns:r="http://schemas.openxmlformats.org/officeDocument/2006/relationships" xmlns:p="http://schemas.openxmlformats.org/presentationml/2006/main">
+  <p:cSld>
+    <p:spTree>
+      <p:nvGrpSpPr>
+        <p:cNvPr id="1" name=""/>
+        <p:cNvGrpSpPr/>
+        <p:nvPr/>
+      </p:nvGrpSpPr>
+      <p:grpSpPr>
+        <a:xfrm>
+          <a:off x="0" y="0"/>
+          <a:ext cx="0" cy="0"/>
+          <a:chOff x="0" y="0"/>
+          <a:chExt cx="0" cy="0"/>
+        </a:xfrm>
+      </p:grpSpPr>
+      <p:sp>
+        <p:nvSpPr>
+          <p:cNvPr id="2" name="Symbol zastępczy obrazu slajdu 1"/>
+          <p:cNvSpPr>
+            <a:spLocks noGrp="1" noRot="1" noChangeAspect="1"/>
+          </p:cNvSpPr>
+          <p:nvPr>
+            <p:ph type="sldImg"/>
+          </p:nvPr>
+        </p:nvSpPr>
+        <p:spPr/>
+      </p:sp>
+      <p:sp>
+        <p:nvSpPr>
+          <p:cNvPr id="3" name="Symbol zastępczy notatek 2"/>
+          <p:cNvSpPr>
+            <a:spLocks noGrp="1"/>
+          </p:cNvSpPr>
+          <p:nvPr>
+            <p:ph type="body" idx="1"/>
+          </p:nvPr>
+        </p:nvSpPr>
+        <p:spPr/>
+        <p:txBody>
+          <a:bodyPr>
+            <a:normAutofit/>
+          </a:bodyPr>
+          <a:lstStyle/>
+          <a:p>
+            <a:r>
+              <a:rPr lang="pl-PL" sz="1200" kern="1200" dirty="0" smtClean="0">
+                <a:solidFill>
+                  <a:schemeClr val="tx1"/>
+                </a:solidFill>
+                <a:latin typeface="+mn-lt"/>
+                <a:ea typeface="+mn-ea"/>
+                <a:cs typeface="+mn-cs"/>
+              </a:rPr>
+              <a:t>Z matematycznego punktu widzenia dla dowolnego zestawu punktów P nie istnieje jednoznaczny wielokąt wklęsły zawierający wszystkie te punkty. Zazwyczaj istnieje wiele takich wielokątów. Problem ten został zobrazowany na rysunku widocznym na ekranie.</a:t>
+            </a:r>
+            <a:endParaRPr lang="pl-PL" sz="1200" kern="1200" dirty="0">
+              <a:solidFill>
+                <a:schemeClr val="tx1"/>
+              </a:solidFill>
+              <a:latin typeface="+mn-lt"/>
+              <a:ea typeface="+mn-ea"/>
+              <a:cs typeface="+mn-cs"/>
+            </a:endParaRPr>
+          </a:p>
+        </p:txBody>
+      </p:sp>
+      <p:sp>
+        <p:nvSpPr>
+          <p:cNvPr id="4" name="Symbol zastępczy numeru slajdu 3"/>
+          <p:cNvSpPr>
+            <a:spLocks noGrp="1"/>
+          </p:cNvSpPr>
+          <p:nvPr>
+            <p:ph type="sldNum" sz="quarter" idx="10"/>
+          </p:nvPr>
+        </p:nvSpPr>
+        <p:spPr/>
+        <p:txBody>
+          <a:bodyPr/>
+          <a:lstStyle/>
+          <a:p>
+            <a:fld id="{A221A992-22D9-4EF5-B468-BF47D09055D6}" type="slidenum">
+              <a:rPr lang="pl-PL" smtClean="0"/>
+              <a:pPr/>
+              <a:t>17</a:t>
+            </a:fld>
+            <a:endParaRPr lang="pl-PL"/>
+          </a:p>
+        </p:txBody>
+      </p:sp>
+    </p:spTree>
+  </p:cSld>
+  <p:clrMapOvr>
+    <a:masterClrMapping/>
+  </p:clrMapOvr>
+</p:notes>
+</file>
+
+<file path=ppt/notesSlides/notesSlide18.xml><?xml version="1.0" encoding="utf-8"?>
+<p:notes xmlns:a="http://schemas.openxmlformats.org/drawingml/2006/main" xmlns:r="http://schemas.openxmlformats.org/officeDocument/2006/relationships" xmlns:p="http://schemas.openxmlformats.org/presentationml/2006/main">
+  <p:cSld>
+    <p:spTree>
+      <p:nvGrpSpPr>
+        <p:cNvPr id="1" name=""/>
+        <p:cNvGrpSpPr/>
+        <p:nvPr/>
+      </p:nvGrpSpPr>
+      <p:grpSpPr>
+        <a:xfrm>
+          <a:off x="0" y="0"/>
+          <a:ext cx="0" cy="0"/>
+          <a:chOff x="0" y="0"/>
+          <a:chExt cx="0" cy="0"/>
+        </a:xfrm>
+      </p:grpSpPr>
+      <p:sp>
+        <p:nvSpPr>
+          <p:cNvPr id="2" name="Symbol zastępczy obrazu slajdu 1"/>
+          <p:cNvSpPr>
+            <a:spLocks noGrp="1" noRot="1" noChangeAspect="1"/>
+          </p:cNvSpPr>
+          <p:nvPr>
+            <p:ph type="sldImg"/>
+          </p:nvPr>
+        </p:nvSpPr>
+        <p:spPr/>
+      </p:sp>
+      <p:sp>
+        <p:nvSpPr>
+          <p:cNvPr id="3" name="Symbol zastępczy notatek 2"/>
+          <p:cNvSpPr>
+            <a:spLocks noGrp="1"/>
+          </p:cNvSpPr>
+          <p:nvPr>
+            <p:ph type="body" idx="1"/>
+          </p:nvPr>
+        </p:nvSpPr>
+        <p:spPr/>
+        <p:txBody>
+          <a:bodyPr>
+            <a:normAutofit/>
+          </a:bodyPr>
+          <a:lstStyle/>
+          <a:p>
+            <a:r>
+              <a:rPr lang="pl-PL" sz="1200" kern="1200" dirty="0" smtClean="0">
+                <a:solidFill>
+                  <a:schemeClr val="tx1"/>
+                </a:solidFill>
+                <a:latin typeface="+mn-lt"/>
+                <a:ea typeface="+mn-ea"/>
+                <a:cs typeface="+mn-cs"/>
+              </a:rPr>
+              <a:t>W celu rozwiązania tego problemu w pracy wykorzystano naukową koncepcję kształtu α. Kształt α dowolnego zbioru punktów jest </a:t>
+            </a:r>
+            <a:r>
+              <a:rPr lang="pl-PL" sz="1200" kern="1200" dirty="0" err="1" smtClean="0">
+                <a:solidFill>
+                  <a:schemeClr val="tx1"/>
+                </a:solidFill>
+                <a:latin typeface="+mn-lt"/>
+                <a:ea typeface="+mn-ea"/>
+                <a:cs typeface="+mn-cs"/>
+              </a:rPr>
+              <a:t>subgrafem</a:t>
+            </a:r>
+            <a:r>
+              <a:rPr lang="pl-PL" sz="1200" kern="1200" dirty="0" smtClean="0">
+                <a:solidFill>
+                  <a:schemeClr val="tx1"/>
+                </a:solidFill>
+                <a:latin typeface="+mn-lt"/>
+                <a:ea typeface="+mn-ea"/>
+                <a:cs typeface="+mn-cs"/>
+              </a:rPr>
+              <a:t> triangulacji </a:t>
+            </a:r>
+            <a:r>
+              <a:rPr lang="pl-PL" sz="1200" kern="1200" dirty="0" err="1" smtClean="0">
+                <a:solidFill>
+                  <a:schemeClr val="tx1"/>
+                </a:solidFill>
+                <a:latin typeface="+mn-lt"/>
+                <a:ea typeface="+mn-ea"/>
+                <a:cs typeface="+mn-cs"/>
+              </a:rPr>
+              <a:t>Delaunay</a:t>
+            </a:r>
+            <a:r>
+              <a:rPr lang="pl-PL" sz="1200" kern="1200" dirty="0" smtClean="0">
+                <a:solidFill>
+                  <a:schemeClr val="tx1"/>
+                </a:solidFill>
+                <a:latin typeface="+mn-lt"/>
+                <a:ea typeface="+mn-ea"/>
+                <a:cs typeface="+mn-cs"/>
+              </a:rPr>
+              <a:t> tych punktów, takim że dwa punkty stanowią jego krawędź jeśli istnieje pusta kula o promieniu 1/α stykająca się z tymi dwoma punktami.</a:t>
+            </a:r>
+          </a:p>
+          <a:p>
+            <a:r>
+              <a:rPr lang="pl-PL" sz="1200" b="0" kern="1200" dirty="0" smtClean="0">
+                <a:solidFill>
+                  <a:schemeClr val="tx1"/>
+                </a:solidFill>
+                <a:latin typeface="+mn-lt"/>
+                <a:ea typeface="+mn-ea"/>
+                <a:cs typeface="+mn-cs"/>
+              </a:rPr>
+              <a:t>Triangulacja </a:t>
+            </a:r>
+            <a:r>
+              <a:rPr lang="pl-PL" sz="1200" b="0" kern="1200" dirty="0" err="1" smtClean="0">
+                <a:solidFill>
+                  <a:schemeClr val="tx1"/>
+                </a:solidFill>
+                <a:latin typeface="+mn-lt"/>
+                <a:ea typeface="+mn-ea"/>
+                <a:cs typeface="+mn-cs"/>
+              </a:rPr>
+              <a:t>Delaunay</a:t>
+            </a:r>
+            <a:r>
+              <a:rPr lang="pl-PL" sz="1200" b="0" kern="1200" dirty="0" smtClean="0">
+                <a:solidFill>
+                  <a:schemeClr val="tx1"/>
+                </a:solidFill>
+                <a:latin typeface="+mn-lt"/>
+                <a:ea typeface="+mn-ea"/>
+                <a:cs typeface="+mn-cs"/>
+              </a:rPr>
+              <a:t> zbioru punktów P jest takim podziałem obszaru </a:t>
+            </a:r>
+            <a:br>
+              <a:rPr lang="pl-PL" sz="1200" b="0" kern="1200" dirty="0" smtClean="0">
+                <a:solidFill>
+                  <a:schemeClr val="tx1"/>
+                </a:solidFill>
+                <a:latin typeface="+mn-lt"/>
+                <a:ea typeface="+mn-ea"/>
+                <a:cs typeface="+mn-cs"/>
+              </a:rPr>
+            </a:br>
+            <a:r>
+              <a:rPr lang="pl-PL" sz="1200" b="0" kern="1200" dirty="0" smtClean="0">
+                <a:solidFill>
+                  <a:schemeClr val="tx1"/>
+                </a:solidFill>
+                <a:latin typeface="+mn-lt"/>
+                <a:ea typeface="+mn-ea"/>
+                <a:cs typeface="+mn-cs"/>
+              </a:rPr>
+              <a:t>wyznaczonego przez ten zbiór punktów na trójkąty, że żaden z punktów tego zbioru nie </a:t>
+            </a:r>
+            <a:br>
+              <a:rPr lang="pl-PL" sz="1200" b="0" kern="1200" dirty="0" smtClean="0">
+                <a:solidFill>
+                  <a:schemeClr val="tx1"/>
+                </a:solidFill>
+                <a:latin typeface="+mn-lt"/>
+                <a:ea typeface="+mn-ea"/>
+                <a:cs typeface="+mn-cs"/>
+              </a:rPr>
+            </a:br>
+            <a:r>
+              <a:rPr lang="pl-PL" sz="1200" b="0" kern="1200" dirty="0" smtClean="0">
+                <a:solidFill>
+                  <a:schemeClr val="tx1"/>
+                </a:solidFill>
+                <a:latin typeface="+mn-lt"/>
+                <a:ea typeface="+mn-ea"/>
+                <a:cs typeface="+mn-cs"/>
+              </a:rPr>
+              <a:t>znajduje się we wnętrzu któregokolwiek z okręgów opisanych na trójkątach powstałych </a:t>
+            </a:r>
+            <a:br>
+              <a:rPr lang="pl-PL" sz="1200" b="0" kern="1200" dirty="0" smtClean="0">
+                <a:solidFill>
+                  <a:schemeClr val="tx1"/>
+                </a:solidFill>
+                <a:latin typeface="+mn-lt"/>
+                <a:ea typeface="+mn-ea"/>
+                <a:cs typeface="+mn-cs"/>
+              </a:rPr>
+            </a:br>
+            <a:r>
+              <a:rPr lang="pl-PL" sz="1200" b="0" kern="1200" dirty="0" smtClean="0">
+                <a:solidFill>
+                  <a:schemeClr val="tx1"/>
+                </a:solidFill>
+                <a:latin typeface="+mn-lt"/>
+                <a:ea typeface="+mn-ea"/>
+                <a:cs typeface="+mn-cs"/>
+              </a:rPr>
+              <a:t>podczas triangulacji.</a:t>
+            </a:r>
+            <a:endParaRPr lang="pl-PL" sz="1200" b="1" kern="1200" dirty="0" smtClean="0">
+              <a:solidFill>
+                <a:schemeClr val="tx1"/>
+              </a:solidFill>
+              <a:latin typeface="+mn-lt"/>
+              <a:ea typeface="+mn-ea"/>
+              <a:cs typeface="+mn-cs"/>
+            </a:endParaRPr>
+          </a:p>
+          <a:p>
+            <a:endParaRPr lang="pl-PL" dirty="0"/>
+          </a:p>
+        </p:txBody>
+      </p:sp>
+      <p:sp>
+        <p:nvSpPr>
+          <p:cNvPr id="4" name="Symbol zastępczy numeru slajdu 3"/>
+          <p:cNvSpPr>
+            <a:spLocks noGrp="1"/>
+          </p:cNvSpPr>
+          <p:nvPr>
+            <p:ph type="sldNum" sz="quarter" idx="10"/>
+          </p:nvPr>
+        </p:nvSpPr>
+        <p:spPr/>
+        <p:txBody>
+          <a:bodyPr/>
+          <a:lstStyle/>
+          <a:p>
+            <a:fld id="{A221A992-22D9-4EF5-B468-BF47D09055D6}" type="slidenum">
+              <a:rPr lang="pl-PL" smtClean="0"/>
+              <a:pPr/>
+              <a:t>18</a:t>
+            </a:fld>
+            <a:endParaRPr lang="pl-PL"/>
+          </a:p>
+        </p:txBody>
+      </p:sp>
+    </p:spTree>
+  </p:cSld>
+  <p:clrMapOvr>
+    <a:masterClrMapping/>
+  </p:clrMapOvr>
+</p:notes>
+</file>
+
+<file path=ppt/notesSlides/notesSlide19.xml><?xml version="1.0" encoding="utf-8"?>
+<p:notes xmlns:a="http://schemas.openxmlformats.org/drawingml/2006/main" xmlns:r="http://schemas.openxmlformats.org/officeDocument/2006/relationships" xmlns:p="http://schemas.openxmlformats.org/presentationml/2006/main">
+  <p:cSld>
+    <p:spTree>
+      <p:nvGrpSpPr>
+        <p:cNvPr id="1" name=""/>
+        <p:cNvGrpSpPr/>
+        <p:nvPr/>
+      </p:nvGrpSpPr>
+      <p:grpSpPr>
+        <a:xfrm>
+          <a:off x="0" y="0"/>
+          <a:ext cx="0" cy="0"/>
+          <a:chOff x="0" y="0"/>
+          <a:chExt cx="0" cy="0"/>
+        </a:xfrm>
+      </p:grpSpPr>
+      <p:sp>
+        <p:nvSpPr>
+          <p:cNvPr id="2" name="Symbol zastępczy obrazu slajdu 1"/>
+          <p:cNvSpPr>
+            <a:spLocks noGrp="1" noRot="1" noChangeAspect="1"/>
+          </p:cNvSpPr>
+          <p:nvPr>
+            <p:ph type="sldImg"/>
+          </p:nvPr>
+        </p:nvSpPr>
+        <p:spPr/>
+      </p:sp>
+      <p:sp>
+        <p:nvSpPr>
+          <p:cNvPr id="3" name="Symbol zastępczy notatek 2"/>
+          <p:cNvSpPr>
+            <a:spLocks noGrp="1"/>
+          </p:cNvSpPr>
+          <p:nvPr>
+            <p:ph type="body" idx="1"/>
+          </p:nvPr>
+        </p:nvSpPr>
+        <p:spPr/>
+        <p:txBody>
+          <a:bodyPr>
+            <a:normAutofit fontScale="92500" lnSpcReduction="20000"/>
+          </a:bodyPr>
+          <a:lstStyle/>
+          <a:p>
+            <a:r>
+              <a:rPr lang="pl-PL" sz="1200" kern="1200" dirty="0" smtClean="0">
+                <a:solidFill>
+                  <a:schemeClr val="tx1"/>
+                </a:solidFill>
+                <a:latin typeface="+mn-lt"/>
+                <a:ea typeface="+mn-ea"/>
+                <a:cs typeface="+mn-cs"/>
+              </a:rPr>
+              <a:t>Kształt alfa jest generalizacją otoczki wypukłej, to znaczy każda otoczka wypukła jest kształtem alfa, ale nie każdy kształt alfa jest otoczką wypukłą.</a:t>
+            </a:r>
+          </a:p>
+          <a:p>
+            <a:r>
+              <a:rPr lang="pl-PL" sz="1200" kern="1200" dirty="0" smtClean="0">
+                <a:solidFill>
+                  <a:schemeClr val="tx1"/>
+                </a:solidFill>
+                <a:latin typeface="+mn-lt"/>
+                <a:ea typeface="+mn-ea"/>
+                <a:cs typeface="+mn-cs"/>
+              </a:rPr>
+              <a:t>W wyniku triangulacji zamiast zbioru punktów otrzymano zbiór nienakładających się na siebie trójkątów.</a:t>
+            </a:r>
+          </a:p>
+          <a:p>
+            <a:r>
+              <a:rPr lang="pl-PL" sz="1200" kern="1200" dirty="0" smtClean="0">
+                <a:solidFill>
+                  <a:schemeClr val="tx1"/>
+                </a:solidFill>
+                <a:latin typeface="+mn-lt"/>
+                <a:ea typeface="+mn-ea"/>
+                <a:cs typeface="+mn-cs"/>
+              </a:rPr>
+              <a:t>W praktyce w celu połączenia dwóch obszarów w jeden wykonano takie operacje:</a:t>
+            </a:r>
+          </a:p>
+          <a:p>
+            <a:pPr lvl="0"/>
+            <a:r>
+              <a:rPr lang="pl-PL" sz="1200" kern="1200" dirty="0" smtClean="0">
+                <a:solidFill>
+                  <a:schemeClr val="tx1"/>
+                </a:solidFill>
+                <a:latin typeface="+mn-lt"/>
+                <a:ea typeface="+mn-ea"/>
+                <a:cs typeface="+mn-cs"/>
+              </a:rPr>
+              <a:t>Dla każdego ze zbiorów wejściowych, w celu zwiększenia dokładności działania </a:t>
+            </a:r>
+            <a:br>
+              <a:rPr lang="pl-PL" sz="1200" kern="1200" dirty="0" smtClean="0">
+                <a:solidFill>
+                  <a:schemeClr val="tx1"/>
+                </a:solidFill>
+                <a:latin typeface="+mn-lt"/>
+                <a:ea typeface="+mn-ea"/>
+                <a:cs typeface="+mn-cs"/>
+              </a:rPr>
+            </a:br>
+            <a:r>
+              <a:rPr lang="pl-PL" sz="1200" kern="1200" dirty="0" smtClean="0">
+                <a:solidFill>
+                  <a:schemeClr val="tx1"/>
+                </a:solidFill>
+                <a:latin typeface="+mn-lt"/>
+                <a:ea typeface="+mn-ea"/>
+                <a:cs typeface="+mn-cs"/>
+              </a:rPr>
+              <a:t>algorytmu wyznaczania otoczki, dokonano </a:t>
+            </a:r>
+            <a:r>
+              <a:rPr lang="pl-PL" sz="1200" kern="1200" dirty="0" err="1" smtClean="0">
+                <a:solidFill>
+                  <a:schemeClr val="tx1"/>
+                </a:solidFill>
+                <a:latin typeface="+mn-lt"/>
+                <a:ea typeface="+mn-ea"/>
+                <a:cs typeface="+mn-cs"/>
+              </a:rPr>
+              <a:t>densyfikacji</a:t>
+            </a:r>
+            <a:r>
+              <a:rPr lang="pl-PL" sz="1200" kern="1200" dirty="0" smtClean="0">
+                <a:solidFill>
+                  <a:schemeClr val="tx1"/>
+                </a:solidFill>
+                <a:latin typeface="+mn-lt"/>
+                <a:ea typeface="+mn-ea"/>
+                <a:cs typeface="+mn-cs"/>
+              </a:rPr>
+              <a:t> punktów. </a:t>
+            </a:r>
+          </a:p>
+          <a:p>
+            <a:r>
+              <a:rPr lang="pl-PL" sz="1200" kern="1200" dirty="0" smtClean="0">
+                <a:solidFill>
+                  <a:schemeClr val="tx1"/>
+                </a:solidFill>
+                <a:latin typeface="+mn-lt"/>
+                <a:ea typeface="+mn-ea"/>
+                <a:cs typeface="+mn-cs"/>
+              </a:rPr>
+              <a:t> </a:t>
+            </a:r>
+          </a:p>
+          <a:p>
+            <a:r>
+              <a:rPr lang="pl-PL" sz="1200" kern="1200" dirty="0" smtClean="0">
+                <a:solidFill>
+                  <a:schemeClr val="tx1"/>
+                </a:solidFill>
+                <a:latin typeface="+mn-lt"/>
+                <a:ea typeface="+mn-ea"/>
+                <a:cs typeface="+mn-cs"/>
+              </a:rPr>
+              <a:t>Operacja </a:t>
+            </a:r>
+            <a:r>
+              <a:rPr lang="pl-PL" sz="1200" kern="1200" dirty="0" err="1" smtClean="0">
+                <a:solidFill>
+                  <a:schemeClr val="tx1"/>
+                </a:solidFill>
+                <a:latin typeface="+mn-lt"/>
+                <a:ea typeface="+mn-ea"/>
+                <a:cs typeface="+mn-cs"/>
+              </a:rPr>
+              <a:t>densyfikacji</a:t>
+            </a:r>
+            <a:r>
+              <a:rPr lang="pl-PL" sz="1200" kern="1200" dirty="0" smtClean="0">
+                <a:solidFill>
+                  <a:schemeClr val="tx1"/>
+                </a:solidFill>
+                <a:latin typeface="+mn-lt"/>
+                <a:ea typeface="+mn-ea"/>
+                <a:cs typeface="+mn-cs"/>
+              </a:rPr>
+              <a:t> polegała na sprawdzeniu odległości między kolejnymi punktami zbioru i porównaniu jej z parametrem λ, o wartości dobranej na drodze eksperymentalnej, zbliżonej do przyjętej wartości parametru α. Jeśli odległość między dwoma kolejnymi punktami była większa od wartości λ, między te dwa punkty zostawał wstawiony dodatkowy punkt. Operacja ta była powtarzana, do momentu, gdy dowolne dwa, kolejne punkty zbioru były od siebie oddalone o wartość nie większą niż wartość parametru λ.</a:t>
+            </a:r>
+          </a:p>
+          <a:p>
+            <a:r>
+              <a:rPr lang="pl-PL" sz="1200" kern="1200" dirty="0" smtClean="0">
+                <a:solidFill>
+                  <a:schemeClr val="tx1"/>
+                </a:solidFill>
+                <a:latin typeface="+mn-lt"/>
+                <a:ea typeface="+mn-ea"/>
+                <a:cs typeface="+mn-cs"/>
+              </a:rPr>
+              <a:t> </a:t>
+            </a:r>
+          </a:p>
+          <a:p>
+            <a:pPr lvl="0"/>
+            <a:r>
+              <a:rPr lang="pl-PL" sz="1200" kern="1200" dirty="0" smtClean="0">
+                <a:solidFill>
+                  <a:schemeClr val="tx1"/>
+                </a:solidFill>
+                <a:latin typeface="+mn-lt"/>
+                <a:ea typeface="+mn-ea"/>
+                <a:cs typeface="+mn-cs"/>
+              </a:rPr>
+              <a:t>Następnie dokonano połączenia zbiorów wejściowych punktów, reprezentujących obszar ostatnio przeszukany i dotychczas przeszukany w sumaryczny zbiór punktów P. </a:t>
+            </a:r>
+          </a:p>
+          <a:p>
+            <a:r>
+              <a:rPr lang="pl-PL" sz="1200" kern="1200" dirty="0" smtClean="0">
+                <a:solidFill>
+                  <a:schemeClr val="tx1"/>
+                </a:solidFill>
+                <a:latin typeface="+mn-lt"/>
+                <a:ea typeface="+mn-ea"/>
+                <a:cs typeface="+mn-cs"/>
+              </a:rPr>
+              <a:t> </a:t>
+            </a:r>
+          </a:p>
+          <a:p>
+            <a:pPr lvl="0"/>
+            <a:r>
+              <a:rPr lang="pl-PL" sz="1200" kern="1200" dirty="0" smtClean="0">
+                <a:solidFill>
+                  <a:schemeClr val="tx1"/>
+                </a:solidFill>
+                <a:latin typeface="+mn-lt"/>
+                <a:ea typeface="+mn-ea"/>
+                <a:cs typeface="+mn-cs"/>
+              </a:rPr>
+              <a:t>Dla zbioru punktów P przeprowadzono triangulację </a:t>
+            </a:r>
+            <a:r>
+              <a:rPr lang="pl-PL" sz="1200" kern="1200" dirty="0" err="1" smtClean="0">
+                <a:solidFill>
+                  <a:schemeClr val="tx1"/>
+                </a:solidFill>
+                <a:latin typeface="+mn-lt"/>
+                <a:ea typeface="+mn-ea"/>
+                <a:cs typeface="+mn-cs"/>
+              </a:rPr>
+              <a:t>Delaunay</a:t>
+            </a:r>
+            <a:r>
+              <a:rPr lang="pl-PL" sz="1200" kern="1200" dirty="0" smtClean="0">
+                <a:solidFill>
+                  <a:schemeClr val="tx1"/>
+                </a:solidFill>
+                <a:latin typeface="+mn-lt"/>
+                <a:ea typeface="+mn-ea"/>
+                <a:cs typeface="+mn-cs"/>
+              </a:rPr>
+              <a:t>.</a:t>
+            </a:r>
+          </a:p>
+          <a:p>
+            <a:pPr lvl="0"/>
+            <a:r>
+              <a:rPr lang="pl-PL" sz="1200" kern="1200" dirty="0" smtClean="0">
+                <a:solidFill>
+                  <a:schemeClr val="tx1"/>
+                </a:solidFill>
+                <a:latin typeface="+mn-lt"/>
+                <a:ea typeface="+mn-ea"/>
+                <a:cs typeface="+mn-cs"/>
+              </a:rPr>
+              <a:t>Poprzez połączenie wszystkich trójkątów, dla których promień okręgu na nich </a:t>
+            </a:r>
+            <a:br>
+              <a:rPr lang="pl-PL" sz="1200" kern="1200" dirty="0" smtClean="0">
+                <a:solidFill>
+                  <a:schemeClr val="tx1"/>
+                </a:solidFill>
+                <a:latin typeface="+mn-lt"/>
+                <a:ea typeface="+mn-ea"/>
+                <a:cs typeface="+mn-cs"/>
+              </a:rPr>
+            </a:br>
+            <a:r>
+              <a:rPr lang="pl-PL" sz="1200" kern="1200" dirty="0" smtClean="0">
+                <a:solidFill>
+                  <a:schemeClr val="tx1"/>
+                </a:solidFill>
+                <a:latin typeface="+mn-lt"/>
+                <a:ea typeface="+mn-ea"/>
+                <a:cs typeface="+mn-cs"/>
+              </a:rPr>
+              <a:t>opisanego jest mniejszy od dobranej wartości parametru </a:t>
+            </a:r>
+            <a:r>
+              <a:rPr lang="pl-PL" sz="1200" b="1" kern="1200" dirty="0" smtClean="0">
+                <a:solidFill>
+                  <a:schemeClr val="tx1"/>
+                </a:solidFill>
+                <a:latin typeface="+mn-lt"/>
+                <a:ea typeface="+mn-ea"/>
+                <a:cs typeface="+mn-cs"/>
+              </a:rPr>
+              <a:t>α</a:t>
+            </a:r>
+            <a:r>
+              <a:rPr lang="pl-PL" sz="1200" kern="1200" dirty="0" smtClean="0">
+                <a:solidFill>
+                  <a:schemeClr val="tx1"/>
+                </a:solidFill>
+                <a:latin typeface="+mn-lt"/>
+                <a:ea typeface="+mn-ea"/>
+                <a:cs typeface="+mn-cs"/>
+              </a:rPr>
+              <a:t>, wyznaczono graf </a:t>
+            </a:r>
+            <a:br>
+              <a:rPr lang="pl-PL" sz="1200" kern="1200" dirty="0" smtClean="0">
+                <a:solidFill>
+                  <a:schemeClr val="tx1"/>
+                </a:solidFill>
+                <a:latin typeface="+mn-lt"/>
+                <a:ea typeface="+mn-ea"/>
+                <a:cs typeface="+mn-cs"/>
+              </a:rPr>
+            </a:br>
+            <a:r>
+              <a:rPr lang="pl-PL" sz="1200" kern="1200" dirty="0" smtClean="0">
+                <a:solidFill>
+                  <a:schemeClr val="tx1"/>
+                </a:solidFill>
+                <a:latin typeface="+mn-lt"/>
+                <a:ea typeface="+mn-ea"/>
+                <a:cs typeface="+mn-cs"/>
+              </a:rPr>
+              <a:t>reprezentujący poszukiwaną otoczkę.</a:t>
+            </a:r>
+          </a:p>
+          <a:p>
+            <a:r>
+              <a:rPr lang="pl-PL" sz="1200" kern="1200" dirty="0" smtClean="0">
+                <a:solidFill>
+                  <a:schemeClr val="tx1"/>
+                </a:solidFill>
+                <a:latin typeface="+mn-lt"/>
+                <a:ea typeface="+mn-ea"/>
+                <a:cs typeface="+mn-cs"/>
+              </a:rPr>
+              <a:t>	[43]</a:t>
+            </a:r>
+          </a:p>
+          <a:p>
+            <a:r>
+              <a:rPr lang="pl-PL" sz="1200" kern="1200" dirty="0" smtClean="0">
+                <a:solidFill>
+                  <a:schemeClr val="tx1"/>
+                </a:solidFill>
+                <a:latin typeface="+mn-lt"/>
+                <a:ea typeface="+mn-ea"/>
+                <a:cs typeface="+mn-cs"/>
+              </a:rPr>
+              <a:t>Punkt trzeci oraz czwarty powyższego algorytmu zostały w pracy zrealizowane z wykorzystaniem biblioteki JTS oraz implementacji otoczki </a:t>
+            </a:r>
+            <a:r>
+              <a:rPr lang="pl-PL" sz="1200" kern="1200" dirty="0" err="1" smtClean="0">
+                <a:solidFill>
+                  <a:schemeClr val="tx1"/>
+                </a:solidFill>
+                <a:latin typeface="+mn-lt"/>
+                <a:ea typeface="+mn-ea"/>
+                <a:cs typeface="+mn-cs"/>
+              </a:rPr>
+              <a:t>α-wklęsłej</a:t>
+            </a:r>
+            <a:r>
+              <a:rPr lang="pl-PL" sz="1200" kern="1200" dirty="0" smtClean="0">
+                <a:solidFill>
+                  <a:schemeClr val="tx1"/>
+                </a:solidFill>
+                <a:latin typeface="+mn-lt"/>
+                <a:ea typeface="+mn-ea"/>
+                <a:cs typeface="+mn-cs"/>
+              </a:rPr>
+              <a:t> autorstwa </a:t>
+            </a:r>
+            <a:r>
+              <a:rPr lang="pl-PL" sz="1200" kern="1200" dirty="0" err="1" smtClean="0">
+                <a:solidFill>
+                  <a:schemeClr val="tx1"/>
+                </a:solidFill>
+                <a:latin typeface="+mn-lt"/>
+                <a:ea typeface="+mn-ea"/>
+                <a:cs typeface="+mn-cs"/>
+              </a:rPr>
+              <a:t>Eric'a</a:t>
+            </a:r>
+            <a:r>
+              <a:rPr lang="pl-PL" sz="1200" kern="1200" dirty="0" smtClean="0">
+                <a:solidFill>
+                  <a:schemeClr val="tx1"/>
+                </a:solidFill>
+                <a:latin typeface="+mn-lt"/>
+                <a:ea typeface="+mn-ea"/>
+                <a:cs typeface="+mn-cs"/>
+              </a:rPr>
+              <a:t> Grosso [44] . Dobranie odpowiedniej wartości parametru </a:t>
+            </a:r>
+            <a:r>
+              <a:rPr lang="pl-PL" sz="1200" b="1" kern="1200" dirty="0" smtClean="0">
+                <a:solidFill>
+                  <a:schemeClr val="tx1"/>
+                </a:solidFill>
+                <a:latin typeface="+mn-lt"/>
+                <a:ea typeface="+mn-ea"/>
+                <a:cs typeface="+mn-cs"/>
+              </a:rPr>
+              <a:t>α</a:t>
+            </a:r>
+            <a:r>
+              <a:rPr lang="pl-PL" sz="1200" kern="1200" dirty="0" smtClean="0">
+                <a:solidFill>
+                  <a:schemeClr val="tx1"/>
+                </a:solidFill>
+                <a:latin typeface="+mn-lt"/>
+                <a:ea typeface="+mn-ea"/>
+                <a:cs typeface="+mn-cs"/>
+              </a:rPr>
+              <a:t> pozwoliło na uzyskanie zadowalających rezultatów. Należy jednak mieć na uwadze, jak zostało to wcześniej wspomniane, że dla dowolnego zbioru punktów nie istnieje jednoznaczna reprezentacja otoczki wklęsłej, a koncepcja otoczki </a:t>
+            </a:r>
+            <a:r>
+              <a:rPr lang="pl-PL" sz="1200" kern="1200" dirty="0" err="1" smtClean="0">
+                <a:solidFill>
+                  <a:schemeClr val="tx1"/>
+                </a:solidFill>
+                <a:latin typeface="+mn-lt"/>
+                <a:ea typeface="+mn-ea"/>
+                <a:cs typeface="+mn-cs"/>
+              </a:rPr>
+              <a:t>α-wklęsłej</a:t>
+            </a:r>
+            <a:r>
+              <a:rPr lang="pl-PL" sz="1200" kern="1200" dirty="0" smtClean="0">
+                <a:solidFill>
+                  <a:schemeClr val="tx1"/>
+                </a:solidFill>
+                <a:latin typeface="+mn-lt"/>
+                <a:ea typeface="+mn-ea"/>
+                <a:cs typeface="+mn-cs"/>
+              </a:rPr>
+              <a:t> jest jedynie przybliżeniem poszukiwanego wielokąta. </a:t>
+            </a:r>
+            <a:endParaRPr lang="pl-PL" sz="1200" kern="1200" dirty="0">
+              <a:solidFill>
+                <a:schemeClr val="tx1"/>
+              </a:solidFill>
+              <a:latin typeface="+mn-lt"/>
+              <a:ea typeface="+mn-ea"/>
+              <a:cs typeface="+mn-cs"/>
+            </a:endParaRPr>
+          </a:p>
+        </p:txBody>
+      </p:sp>
+      <p:sp>
+        <p:nvSpPr>
+          <p:cNvPr id="4" name="Symbol zastępczy numeru slajdu 3"/>
+          <p:cNvSpPr>
+            <a:spLocks noGrp="1"/>
+          </p:cNvSpPr>
+          <p:nvPr>
+            <p:ph type="sldNum" sz="quarter" idx="10"/>
+          </p:nvPr>
+        </p:nvSpPr>
+        <p:spPr/>
+        <p:txBody>
+          <a:bodyPr/>
+          <a:lstStyle/>
+          <a:p>
+            <a:fld id="{A221A992-22D9-4EF5-B468-BF47D09055D6}" type="slidenum">
+              <a:rPr lang="pl-PL" smtClean="0"/>
+              <a:pPr/>
+              <a:t>19</a:t>
             </a:fld>
             <a:endParaRPr lang="pl-PL"/>
           </a:p>
@@ -650,7 +2871,48 @@
                 <a:ea typeface="+mn-ea"/>
                 <a:cs typeface="+mn-cs"/>
               </a:rPr>
-              <a:t>Temat mojej pracy brzmi: "Algorytm wyznaczania i wizualizacji obszaru przeszukanego wraz z implementacją przy wykorzystaniu systemu OpenStreetMap".</a:t>
+              <a:t>Temat</a:t>
+            </a:r>
+            <a:r>
+              <a:rPr lang="pl-PL" sz="1200" kern="1200" baseline="0" dirty="0" smtClean="0">
+                <a:solidFill>
+                  <a:schemeClr val="tx1"/>
+                </a:solidFill>
+                <a:latin typeface="+mn-lt"/>
+                <a:ea typeface="+mn-ea"/>
+                <a:cs typeface="+mn-cs"/>
+              </a:rPr>
+              <a:t> pracy brzmi:</a:t>
+            </a:r>
+          </a:p>
+          <a:p>
+            <a:pPr marL="0" marR="0" indent="0" algn="l" defTabSz="914400" rtl="0" eaLnBrk="1" fontAlgn="auto" latinLnBrk="0" hangingPunct="1">
+              <a:lnSpc>
+                <a:spcPct val="100000"/>
+              </a:lnSpc>
+              <a:spcBef>
+                <a:spcPts val="0"/>
+              </a:spcBef>
+              <a:spcAft>
+                <a:spcPts val="0"/>
+              </a:spcAft>
+              <a:buClrTx/>
+              <a:buSzTx/>
+              <a:buFontTx/>
+              <a:buNone/>
+              <a:tabLst/>
+              <a:defRPr/>
+            </a:pPr>
+            <a:r>
+              <a:rPr lang="pl-PL" sz="1200" kern="1200" dirty="0" smtClean="0">
+                <a:solidFill>
+                  <a:schemeClr val="tx1"/>
+                </a:solidFill>
+                <a:latin typeface="+mn-lt"/>
+                <a:ea typeface="+mn-ea"/>
+                <a:cs typeface="+mn-cs"/>
+              </a:rPr>
+              <a:t>"Algorytm wyznaczania i wizualizacji obszaru przeszukanego wraz z implementacją przy wykorzystaniu systemu OpenStreetMap".</a:t>
             </a:r>
           </a:p>
           <a:p>
@@ -685,275 +2947,94 @@
                 <a:ea typeface="+mn-ea"/>
                 <a:cs typeface="+mn-cs"/>
               </a:rPr>
-              <a:t>. </a:t>
-            </a:r>
-            <a:r>
-              <a:rPr lang="pl-PL" sz="1200" kern="1200" dirty="0" err="1" smtClean="0">
-                <a:solidFill>
-                  <a:schemeClr val="tx1"/>
-                </a:solidFill>
-                <a:latin typeface="+mn-lt"/>
-                <a:ea typeface="+mn-ea"/>
-                <a:cs typeface="+mn-cs"/>
-              </a:rPr>
-              <a:t>Tułowy</a:t>
-            </a:r>
-            <a:r>
-              <a:rPr lang="pl-PL" sz="1200" kern="1200" dirty="0" smtClean="0">
-                <a:solidFill>
-                  <a:schemeClr val="tx1"/>
-                </a:solidFill>
-                <a:latin typeface="+mn-lt"/>
-                <a:ea typeface="+mn-ea"/>
-                <a:cs typeface="+mn-cs"/>
-              </a:rPr>
-              <a:t> algorytm ma za zadanie wyznaczanie obszaru przeszukanego właśnie przez te pojazdy.</a:t>
-            </a:r>
-          </a:p>
-          <a:p>
-            <a:r>
-              <a:rPr lang="pl-PL" sz="1200" kern="1200" dirty="0" smtClean="0">
-                <a:solidFill>
-                  <a:schemeClr val="tx1"/>
-                </a:solidFill>
-                <a:latin typeface="+mn-lt"/>
-                <a:ea typeface="+mn-ea"/>
-                <a:cs typeface="+mn-cs"/>
-              </a:rPr>
-              <a:t>Zacznijmy od wyjaśnienia tego czym jest obszar przeszukany. Obszar przeszukany jest reprezentacją terenu zarejestrowanego przez kamerę zamontowaną na dronie.</a:t>
-            </a:r>
-          </a:p>
-          <a:p>
-            <a:r>
-              <a:rPr lang="pl-PL" sz="1200" kern="1200" dirty="0" smtClean="0">
-                <a:solidFill>
-                  <a:schemeClr val="tx1"/>
-                </a:solidFill>
-                <a:latin typeface="+mn-lt"/>
-                <a:ea typeface="+mn-ea"/>
-                <a:cs typeface="+mn-cs"/>
-              </a:rPr>
-              <a:t>Zanim przejdę dalej chciałbym powiedzieć kilka słów o tym skąd w ogóle praca związana z </a:t>
-            </a:r>
-            <a:r>
-              <a:rPr lang="pl-PL" sz="1200" kern="1200" dirty="0" err="1" smtClean="0">
-                <a:solidFill>
-                  <a:schemeClr val="tx1"/>
-                </a:solidFill>
-                <a:latin typeface="+mn-lt"/>
-                <a:ea typeface="+mn-ea"/>
-                <a:cs typeface="+mn-cs"/>
-              </a:rPr>
-              <a:t>dronami</a:t>
-            </a:r>
-            <a:r>
-              <a:rPr lang="pl-PL" sz="1200" kern="1200" dirty="0" smtClean="0">
-                <a:solidFill>
-                  <a:schemeClr val="tx1"/>
-                </a:solidFill>
-                <a:latin typeface="+mn-lt"/>
-                <a:ea typeface="+mn-ea"/>
-                <a:cs typeface="+mn-cs"/>
-              </a:rPr>
-              <a:t>.</a:t>
-            </a:r>
-          </a:p>
-          <a:p>
-            <a:r>
-              <a:rPr lang="pl-PL" sz="1200" kern="1200" dirty="0" smtClean="0">
-                <a:solidFill>
-                  <a:schemeClr val="tx1"/>
-                </a:solidFill>
-                <a:latin typeface="+mn-lt"/>
-                <a:ea typeface="+mn-ea"/>
-                <a:cs typeface="+mn-cs"/>
-              </a:rPr>
-              <a:t>Pojazdy te mają korzenie militarne. Początkowo bardziej niż bezzałogowe samoloty przypominały rakiety samonaprowadzające, a pierwsze pojazdy przypominające dzisiejsze </a:t>
-            </a:r>
-            <a:r>
-              <a:rPr lang="pl-PL" sz="1200" kern="1200" dirty="0" err="1" smtClean="0">
-                <a:solidFill>
-                  <a:schemeClr val="tx1"/>
-                </a:solidFill>
-                <a:latin typeface="+mn-lt"/>
-                <a:ea typeface="+mn-ea"/>
-                <a:cs typeface="+mn-cs"/>
-              </a:rPr>
-              <a:t>drony</a:t>
-            </a:r>
-            <a:r>
-              <a:rPr lang="pl-PL" sz="1200" kern="1200" dirty="0" smtClean="0">
-                <a:solidFill>
-                  <a:schemeClr val="tx1"/>
-                </a:solidFill>
-                <a:latin typeface="+mn-lt"/>
-                <a:ea typeface="+mn-ea"/>
-                <a:cs typeface="+mn-cs"/>
-              </a:rPr>
-              <a:t> pojawiły się w czasie II wojny światowej.</a:t>
-            </a:r>
-          </a:p>
-          <a:p>
-            <a:r>
-              <a:rPr lang="pl-PL" sz="1200" kern="1200" dirty="0" smtClean="0">
-                <a:solidFill>
-                  <a:schemeClr val="tx1"/>
-                </a:solidFill>
-                <a:latin typeface="+mn-lt"/>
-                <a:ea typeface="+mn-ea"/>
-                <a:cs typeface="+mn-cs"/>
-              </a:rPr>
-              <a:t>I tu ciekawostka:</a:t>
-            </a:r>
-          </a:p>
-          <a:p>
-            <a:r>
-              <a:rPr lang="pl-PL" sz="1200" kern="1200" dirty="0" smtClean="0">
-                <a:solidFill>
-                  <a:schemeClr val="tx1"/>
-                </a:solidFill>
-                <a:latin typeface="+mn-lt"/>
-                <a:ea typeface="+mn-ea"/>
-                <a:cs typeface="+mn-cs"/>
-              </a:rPr>
-              <a:t>W 1940 roku ruszyła produkcja pierwszego masowo wytwarzanego </a:t>
-            </a:r>
-            <a:r>
-              <a:rPr lang="pl-PL" sz="1200" kern="1200" dirty="0" err="1" smtClean="0">
-                <a:solidFill>
-                  <a:schemeClr val="tx1"/>
-                </a:solidFill>
-                <a:latin typeface="+mn-lt"/>
-                <a:ea typeface="+mn-ea"/>
-                <a:cs typeface="+mn-cs"/>
-              </a:rPr>
-              <a:t>drona</a:t>
-            </a:r>
-            <a:r>
-              <a:rPr lang="pl-PL" sz="1200" kern="1200" dirty="0" smtClean="0">
-                <a:solidFill>
-                  <a:schemeClr val="tx1"/>
-                </a:solidFill>
-                <a:latin typeface="+mn-lt"/>
-                <a:ea typeface="+mn-ea"/>
-                <a:cs typeface="+mn-cs"/>
-              </a:rPr>
-              <a:t> i w jednej z fabryk tych maszyn fotograf David </a:t>
-            </a:r>
-            <a:r>
-              <a:rPr lang="pl-PL" sz="1200" kern="1200" dirty="0" err="1" smtClean="0">
-                <a:solidFill>
-                  <a:schemeClr val="tx1"/>
-                </a:solidFill>
-                <a:latin typeface="+mn-lt"/>
-                <a:ea typeface="+mn-ea"/>
-                <a:cs typeface="+mn-cs"/>
-              </a:rPr>
-              <a:t>Conover</a:t>
-            </a:r>
-            <a:r>
-              <a:rPr lang="pl-PL" sz="1200" kern="1200" dirty="0" smtClean="0">
-                <a:solidFill>
-                  <a:schemeClr val="tx1"/>
-                </a:solidFill>
-                <a:latin typeface="+mn-lt"/>
-                <a:ea typeface="+mn-ea"/>
-                <a:cs typeface="+mn-cs"/>
-              </a:rPr>
-              <a:t>, wysłany tam przez swojego oficera wypatrzył i sfotografował pracującą przy linii montażowej Normę </a:t>
-            </a:r>
-            <a:r>
-              <a:rPr lang="pl-PL" sz="1200" kern="1200" dirty="0" err="1" smtClean="0">
-                <a:solidFill>
-                  <a:schemeClr val="tx1"/>
-                </a:solidFill>
-                <a:latin typeface="+mn-lt"/>
-                <a:ea typeface="+mn-ea"/>
-                <a:cs typeface="+mn-cs"/>
-              </a:rPr>
-              <a:t>Jeane</a:t>
-            </a:r>
-            <a:r>
-              <a:rPr lang="pl-PL" sz="1200" kern="1200" dirty="0" smtClean="0">
-                <a:solidFill>
-                  <a:schemeClr val="tx1"/>
-                </a:solidFill>
-                <a:latin typeface="+mn-lt"/>
-                <a:ea typeface="+mn-ea"/>
-                <a:cs typeface="+mn-cs"/>
-              </a:rPr>
-              <a:t>, która później zrobiła światową karierę jako Marilyn </a:t>
-            </a:r>
-            <a:r>
-              <a:rPr lang="pl-PL" sz="1200" kern="1200" dirty="0" err="1" smtClean="0">
-                <a:solidFill>
-                  <a:schemeClr val="tx1"/>
-                </a:solidFill>
-                <a:latin typeface="+mn-lt"/>
-                <a:ea typeface="+mn-ea"/>
-                <a:cs typeface="+mn-cs"/>
-              </a:rPr>
-              <a:t>Monroe</a:t>
-            </a:r>
-            <a:r>
-              <a:rPr lang="pl-PL" sz="1200" kern="1200" dirty="0" smtClean="0">
-                <a:solidFill>
-                  <a:schemeClr val="tx1"/>
-                </a:solidFill>
-                <a:latin typeface="+mn-lt"/>
-                <a:ea typeface="+mn-ea"/>
-                <a:cs typeface="+mn-cs"/>
-              </a:rPr>
-              <a:t>.</a:t>
-            </a:r>
-          </a:p>
-          <a:p>
-            <a:r>
-              <a:rPr lang="pl-PL" sz="1200" kern="1200" dirty="0" smtClean="0">
-                <a:solidFill>
-                  <a:schemeClr val="tx1"/>
-                </a:solidFill>
-                <a:latin typeface="+mn-lt"/>
-                <a:ea typeface="+mn-ea"/>
-                <a:cs typeface="+mn-cs"/>
-              </a:rPr>
-              <a:t>Jednak wracając do meritum. </a:t>
-            </a:r>
-            <a:r>
-              <a:rPr lang="pl-PL" sz="1200" kern="1200" dirty="0" err="1" smtClean="0">
-                <a:solidFill>
-                  <a:schemeClr val="tx1"/>
-                </a:solidFill>
-                <a:latin typeface="+mn-lt"/>
-                <a:ea typeface="+mn-ea"/>
-                <a:cs typeface="+mn-cs"/>
-              </a:rPr>
-              <a:t>Drony</a:t>
-            </a:r>
-            <a:r>
-              <a:rPr lang="pl-PL" sz="1200" kern="1200" dirty="0" smtClean="0">
-                <a:solidFill>
-                  <a:schemeClr val="tx1"/>
-                </a:solidFill>
-                <a:latin typeface="+mn-lt"/>
-                <a:ea typeface="+mn-ea"/>
-                <a:cs typeface="+mn-cs"/>
-              </a:rPr>
-              <a:t> mające początkowo jedynie zastosowanie militarne na przestrzeni ostatnich lat zyskują coraz większą popularność w sektorze cywilnym. Są wykorzystywane chociażby przez służby ratunkowe do poszukiwania osób zaginionych lub ofiar katastrof, do patrolowania granic, monitorowania upraw rolniczych, czy zwierząt na pastwiskach, nagrywania wydarzeń z perspektywy niedostępnej dla człowieka, czy kontroli bezpieczeństwa podczas imprez masowych. Są one doskonałym rozwiązaniem zawsze tam, gdzie trzeba przeprowadzić badania, bądź obserwacje w trudno dostępnych lub toksycznych dla człowieka warunkach np. w miejscach skażonych bądź w górach, czy w gęstych lasach.</a:t>
-            </a:r>
-          </a:p>
-          <a:p>
-            <a:r>
-              <a:rPr lang="pl-PL" sz="1200" kern="1200" dirty="0" smtClean="0">
-                <a:solidFill>
-                  <a:schemeClr val="tx1"/>
-                </a:solidFill>
-                <a:latin typeface="+mn-lt"/>
-                <a:ea typeface="+mn-ea"/>
-                <a:cs typeface="+mn-cs"/>
-              </a:rPr>
-              <a:t>Co więcej dynamiczny rozwój innych technologii takich jak systemy wizyjne, systemy informacji geograficznych, czy urządzeń mobilnych stwarzają szerokie możliwości na opracowywanie nowych rozwiązań wspomagających wykorzystanie bezzałogowych statków latających.</a:t>
-            </a:r>
+              <a:t>. Tytułowy algorytm ma za zadanie wyznaczanie obszaru przeszukanego właśnie przez te pojazdy.</a:t>
+            </a:r>
+          </a:p>
+          <a:p>
+            <a:r>
+              <a:rPr lang="pl-PL" sz="1200" b="1" kern="1200" dirty="0" smtClean="0">
+                <a:solidFill>
+                  <a:schemeClr val="tx1"/>
+                </a:solidFill>
+                <a:latin typeface="+mn-lt"/>
+                <a:ea typeface="+mn-ea"/>
+                <a:cs typeface="+mn-cs"/>
+              </a:rPr>
+              <a:t>2. Cel pracy</a:t>
+            </a:r>
+            <a:endParaRPr lang="pl-PL" sz="1200" kern="1200" dirty="0" smtClean="0">
+              <a:solidFill>
+                <a:schemeClr val="tx1"/>
+              </a:solidFill>
+              <a:latin typeface="+mn-lt"/>
+              <a:ea typeface="+mn-ea"/>
+              <a:cs typeface="+mn-cs"/>
+            </a:endParaRPr>
+          </a:p>
+          <a:p>
+            <a:r>
+              <a:rPr lang="pl-PL" sz="1200" kern="1200" dirty="0" smtClean="0">
+                <a:solidFill>
+                  <a:schemeClr val="tx1"/>
+                </a:solidFill>
+                <a:latin typeface="+mn-lt"/>
+                <a:ea typeface="+mn-ea"/>
+                <a:cs typeface="+mn-cs"/>
+              </a:rPr>
+              <a:t>Moja praca skupia się na analizie i realizacji rozwiązania, wspomagających wykorzystanie bezzałogowych statków latających, czyli systemu informatycznego służącego do kontroli położenia i wizualizacji obszaru przeszukanego, rozumianego jako reprezentacja terenu zarejestrowanego przez kamerę zamontowaną na dronie.</a:t>
+            </a:r>
+          </a:p>
+          <a:p>
+            <a:endParaRPr lang="pl-PL" sz="1200" kern="1200" dirty="0" smtClean="0">
+              <a:solidFill>
+                <a:schemeClr val="tx1"/>
+              </a:solidFill>
+              <a:latin typeface="+mn-lt"/>
+              <a:ea typeface="+mn-ea"/>
+              <a:cs typeface="+mn-cs"/>
+            </a:endParaRPr>
+          </a:p>
+          <a:p>
+            <a:r>
+              <a:rPr lang="pl-PL" sz="1200" kern="1200" dirty="0" smtClean="0">
+                <a:solidFill>
+                  <a:schemeClr val="tx1"/>
+                </a:solidFill>
+                <a:latin typeface="+mn-lt"/>
+                <a:ea typeface="+mn-ea"/>
+                <a:cs typeface="+mn-cs"/>
+              </a:rPr>
+              <a:t>Celem pracy było opracowanie algorytmu umożliwiającego wizualizację tego obszaru na podstawie zebranych danych geolokalizacyjnych pojazdów i znajomości parametrów kamer do nich zamontowanych oraz zaprojektowanie i implementacja systemu informatycznego realizującego tę funkcję.</a:t>
+            </a:r>
+          </a:p>
+          <a:p>
+            <a:pPr marL="0" marR="0" indent="0" algn="l" defTabSz="914400" rtl="0" eaLnBrk="1" fontAlgn="auto" latinLnBrk="0" hangingPunct="1">
+              <a:lnSpc>
+                <a:spcPct val="100000"/>
+              </a:lnSpc>
+              <a:spcBef>
+                <a:spcPts val="0"/>
+              </a:spcBef>
+              <a:spcAft>
+                <a:spcPts val="0"/>
+              </a:spcAft>
+              <a:buClrTx/>
+              <a:buSzTx/>
+              <a:buFontTx/>
+              <a:buNone/>
+              <a:tabLst/>
+              <a:defRPr/>
+            </a:pPr>
+            <a:endParaRPr lang="pl-PL" sz="1200" kern="1200" dirty="0" smtClean="0">
+              <a:solidFill>
+                <a:schemeClr val="tx1"/>
+              </a:solidFill>
+              <a:latin typeface="+mn-lt"/>
+              <a:ea typeface="+mn-ea"/>
+              <a:cs typeface="+mn-cs"/>
+            </a:endParaRPr>
+          </a:p>
+          <a:p>
             <a:endParaRPr lang="pl-PL" sz="1200" kern="1200" dirty="0">
               <a:solidFill>
                 <a:schemeClr val="tx1"/>
@@ -984,6 +3065,751 @@
               <a:rPr lang="pl-PL" smtClean="0"/>
               <a:pPr/>
               <a:t>2</a:t>
+            </a:fld>
+            <a:endParaRPr lang="pl-PL"/>
+          </a:p>
+        </p:txBody>
+      </p:sp>
+    </p:spTree>
+  </p:cSld>
+  <p:clrMapOvr>
+    <a:masterClrMapping/>
+  </p:clrMapOvr>
+</p:notes>
+</file>
+
+<file path=ppt/notesSlides/notesSlide20.xml><?xml version="1.0" encoding="utf-8"?>
+<p:notes xmlns:a="http://schemas.openxmlformats.org/drawingml/2006/main" xmlns:r="http://schemas.openxmlformats.org/officeDocument/2006/relationships" xmlns:p="http://schemas.openxmlformats.org/presentationml/2006/main">
+  <p:cSld>
+    <p:spTree>
+      <p:nvGrpSpPr>
+        <p:cNvPr id="1" name=""/>
+        <p:cNvGrpSpPr/>
+        <p:nvPr/>
+      </p:nvGrpSpPr>
+      <p:grpSpPr>
+        <a:xfrm>
+          <a:off x="0" y="0"/>
+          <a:ext cx="0" cy="0"/>
+          <a:chOff x="0" y="0"/>
+          <a:chExt cx="0" cy="0"/>
+        </a:xfrm>
+      </p:grpSpPr>
+      <p:sp>
+        <p:nvSpPr>
+          <p:cNvPr id="2" name="Symbol zastępczy obrazu slajdu 1"/>
+          <p:cNvSpPr>
+            <a:spLocks noGrp="1" noRot="1" noChangeAspect="1"/>
+          </p:cNvSpPr>
+          <p:nvPr>
+            <p:ph type="sldImg"/>
+          </p:nvPr>
+        </p:nvSpPr>
+        <p:spPr/>
+      </p:sp>
+      <p:sp>
+        <p:nvSpPr>
+          <p:cNvPr id="3" name="Symbol zastępczy notatek 2"/>
+          <p:cNvSpPr>
+            <a:spLocks noGrp="1"/>
+          </p:cNvSpPr>
+          <p:nvPr>
+            <p:ph type="body" idx="1"/>
+          </p:nvPr>
+        </p:nvSpPr>
+        <p:spPr/>
+        <p:txBody>
+          <a:bodyPr>
+            <a:normAutofit/>
+          </a:bodyPr>
+          <a:lstStyle/>
+          <a:p>
+            <a:r>
+              <a:rPr lang="pl-PL" sz="1200" kern="1200" dirty="0" smtClean="0">
+                <a:solidFill>
+                  <a:schemeClr val="tx1"/>
+                </a:solidFill>
+                <a:latin typeface="+mn-lt"/>
+                <a:ea typeface="+mn-ea"/>
+                <a:cs typeface="+mn-cs"/>
+              </a:rPr>
+              <a:t>Na zakończenie rozważań dotyczących algorytmu zostanie przedstawiony przykład zastosowania opisanego w tym rozdziale algorytmu dla zbioru punktów P przedstawionego na kolejnym slajdzie.</a:t>
+            </a:r>
+            <a:endParaRPr lang="pl-PL" sz="1200" kern="1200" dirty="0">
+              <a:solidFill>
+                <a:schemeClr val="tx1"/>
+              </a:solidFill>
+              <a:latin typeface="+mn-lt"/>
+              <a:ea typeface="+mn-ea"/>
+              <a:cs typeface="+mn-cs"/>
+            </a:endParaRPr>
+          </a:p>
+        </p:txBody>
+      </p:sp>
+      <p:sp>
+        <p:nvSpPr>
+          <p:cNvPr id="4" name="Symbol zastępczy numeru slajdu 3"/>
+          <p:cNvSpPr>
+            <a:spLocks noGrp="1"/>
+          </p:cNvSpPr>
+          <p:nvPr>
+            <p:ph type="sldNum" sz="quarter" idx="10"/>
+          </p:nvPr>
+        </p:nvSpPr>
+        <p:spPr/>
+        <p:txBody>
+          <a:bodyPr/>
+          <a:lstStyle/>
+          <a:p>
+            <a:fld id="{A221A992-22D9-4EF5-B468-BF47D09055D6}" type="slidenum">
+              <a:rPr lang="pl-PL" smtClean="0"/>
+              <a:pPr/>
+              <a:t>20</a:t>
+            </a:fld>
+            <a:endParaRPr lang="pl-PL"/>
+          </a:p>
+        </p:txBody>
+      </p:sp>
+    </p:spTree>
+  </p:cSld>
+  <p:clrMapOvr>
+    <a:masterClrMapping/>
+  </p:clrMapOvr>
+</p:notes>
+</file>
+
+<file path=ppt/notesSlides/notesSlide21.xml><?xml version="1.0" encoding="utf-8"?>
+<p:notes xmlns:a="http://schemas.openxmlformats.org/drawingml/2006/main" xmlns:r="http://schemas.openxmlformats.org/officeDocument/2006/relationships" xmlns:p="http://schemas.openxmlformats.org/presentationml/2006/main">
+  <p:cSld>
+    <p:spTree>
+      <p:nvGrpSpPr>
+        <p:cNvPr id="1" name=""/>
+        <p:cNvGrpSpPr/>
+        <p:nvPr/>
+      </p:nvGrpSpPr>
+      <p:grpSpPr>
+        <a:xfrm>
+          <a:off x="0" y="0"/>
+          <a:ext cx="0" cy="0"/>
+          <a:chOff x="0" y="0"/>
+          <a:chExt cx="0" cy="0"/>
+        </a:xfrm>
+      </p:grpSpPr>
+      <p:sp>
+        <p:nvSpPr>
+          <p:cNvPr id="2" name="Symbol zastępczy obrazu slajdu 1"/>
+          <p:cNvSpPr>
+            <a:spLocks noGrp="1" noRot="1" noChangeAspect="1"/>
+          </p:cNvSpPr>
+          <p:nvPr>
+            <p:ph type="sldImg"/>
+          </p:nvPr>
+        </p:nvSpPr>
+        <p:spPr/>
+      </p:sp>
+      <p:sp>
+        <p:nvSpPr>
+          <p:cNvPr id="3" name="Symbol zastępczy notatek 2"/>
+          <p:cNvSpPr>
+            <a:spLocks noGrp="1"/>
+          </p:cNvSpPr>
+          <p:nvPr>
+            <p:ph type="body" idx="1"/>
+          </p:nvPr>
+        </p:nvSpPr>
+        <p:spPr/>
+        <p:txBody>
+          <a:bodyPr>
+            <a:normAutofit/>
+          </a:bodyPr>
+          <a:lstStyle/>
+          <a:p>
+            <a:r>
+              <a:rPr lang="pl-PL" sz="1200" kern="1200" dirty="0" smtClean="0">
+                <a:solidFill>
+                  <a:schemeClr val="tx1"/>
+                </a:solidFill>
+                <a:latin typeface="+mn-lt"/>
+                <a:ea typeface="+mn-ea"/>
+                <a:cs typeface="+mn-cs"/>
+              </a:rPr>
+              <a:t>przeprowadzenia triangulacji </a:t>
+            </a:r>
+            <a:r>
+              <a:rPr lang="pl-PL" sz="1200" kern="1200" dirty="0" err="1" smtClean="0">
+                <a:solidFill>
+                  <a:schemeClr val="tx1"/>
+                </a:solidFill>
+                <a:latin typeface="+mn-lt"/>
+                <a:ea typeface="+mn-ea"/>
+                <a:cs typeface="+mn-cs"/>
+              </a:rPr>
+              <a:t>Delaunay</a:t>
+            </a:r>
+            <a:r>
+              <a:rPr lang="pl-PL" sz="1200" kern="1200" dirty="0" smtClean="0">
+                <a:solidFill>
+                  <a:schemeClr val="tx1"/>
+                </a:solidFill>
+                <a:latin typeface="+mn-lt"/>
+                <a:ea typeface="+mn-ea"/>
+                <a:cs typeface="+mn-cs"/>
+              </a:rPr>
+              <a:t> na zbiorze punktów P</a:t>
+            </a:r>
+            <a:endParaRPr lang="pl-PL" dirty="0"/>
+          </a:p>
+        </p:txBody>
+      </p:sp>
+      <p:sp>
+        <p:nvSpPr>
+          <p:cNvPr id="4" name="Symbol zastępczy numeru slajdu 3"/>
+          <p:cNvSpPr>
+            <a:spLocks noGrp="1"/>
+          </p:cNvSpPr>
+          <p:nvPr>
+            <p:ph type="sldNum" sz="quarter" idx="10"/>
+          </p:nvPr>
+        </p:nvSpPr>
+        <p:spPr/>
+        <p:txBody>
+          <a:bodyPr/>
+          <a:lstStyle/>
+          <a:p>
+            <a:fld id="{A221A992-22D9-4EF5-B468-BF47D09055D6}" type="slidenum">
+              <a:rPr lang="pl-PL" smtClean="0"/>
+              <a:pPr/>
+              <a:t>22</a:t>
+            </a:fld>
+            <a:endParaRPr lang="pl-PL"/>
+          </a:p>
+        </p:txBody>
+      </p:sp>
+    </p:spTree>
+  </p:cSld>
+  <p:clrMapOvr>
+    <a:masterClrMapping/>
+  </p:clrMapOvr>
+</p:notes>
+</file>
+
+<file path=ppt/notesSlides/notesSlide22.xml><?xml version="1.0" encoding="utf-8"?>
+<p:notes xmlns:a="http://schemas.openxmlformats.org/drawingml/2006/main" xmlns:r="http://schemas.openxmlformats.org/officeDocument/2006/relationships" xmlns:p="http://schemas.openxmlformats.org/presentationml/2006/main">
+  <p:cSld>
+    <p:spTree>
+      <p:nvGrpSpPr>
+        <p:cNvPr id="1" name=""/>
+        <p:cNvGrpSpPr/>
+        <p:nvPr/>
+      </p:nvGrpSpPr>
+      <p:grpSpPr>
+        <a:xfrm>
+          <a:off x="0" y="0"/>
+          <a:ext cx="0" cy="0"/>
+          <a:chOff x="0" y="0"/>
+          <a:chExt cx="0" cy="0"/>
+        </a:xfrm>
+      </p:grpSpPr>
+      <p:sp>
+        <p:nvSpPr>
+          <p:cNvPr id="2" name="Symbol zastępczy obrazu slajdu 1"/>
+          <p:cNvSpPr>
+            <a:spLocks noGrp="1" noRot="1" noChangeAspect="1"/>
+          </p:cNvSpPr>
+          <p:nvPr>
+            <p:ph type="sldImg"/>
+          </p:nvPr>
+        </p:nvSpPr>
+        <p:spPr/>
+      </p:sp>
+      <p:sp>
+        <p:nvSpPr>
+          <p:cNvPr id="3" name="Symbol zastępczy notatek 2"/>
+          <p:cNvSpPr>
+            <a:spLocks noGrp="1"/>
+          </p:cNvSpPr>
+          <p:nvPr>
+            <p:ph type="body" idx="1"/>
+          </p:nvPr>
+        </p:nvSpPr>
+        <p:spPr/>
+        <p:txBody>
+          <a:bodyPr>
+            <a:normAutofit/>
+          </a:bodyPr>
+          <a:lstStyle/>
+          <a:p>
+            <a:r>
+              <a:rPr lang="pl-PL" sz="1200" kern="1200" dirty="0" smtClean="0">
+                <a:solidFill>
+                  <a:schemeClr val="tx1"/>
+                </a:solidFill>
+                <a:latin typeface="+mn-lt"/>
+                <a:ea typeface="+mn-ea"/>
+                <a:cs typeface="+mn-cs"/>
+              </a:rPr>
+              <a:t>5. System</a:t>
+            </a:r>
+          </a:p>
+          <a:p>
+            <a:r>
+              <a:rPr lang="pl-PL" sz="1200" kern="1200" dirty="0" smtClean="0">
+                <a:solidFill>
+                  <a:schemeClr val="tx1"/>
+                </a:solidFill>
+                <a:latin typeface="+mn-lt"/>
+                <a:ea typeface="+mn-ea"/>
+                <a:cs typeface="+mn-cs"/>
+              </a:rPr>
+              <a:t> </a:t>
+            </a:r>
+          </a:p>
+          <a:p>
+            <a:r>
+              <a:rPr lang="pl-PL" sz="1200" kern="1200" dirty="0" smtClean="0">
+                <a:solidFill>
+                  <a:schemeClr val="tx1"/>
+                </a:solidFill>
+                <a:latin typeface="+mn-lt"/>
+                <a:ea typeface="+mn-ea"/>
+                <a:cs typeface="+mn-cs"/>
+              </a:rPr>
+              <a:t>W ramach pracy poza opracowaniem omówionego algorytmu, został również zaprojektowany i zaimplementowany system informatyczny składający się z:</a:t>
+            </a:r>
+          </a:p>
+          <a:p>
+            <a:r>
+              <a:rPr lang="pl-PL" sz="1200" kern="1200" dirty="0" smtClean="0">
+                <a:solidFill>
+                  <a:schemeClr val="tx1"/>
+                </a:solidFill>
+                <a:latin typeface="+mn-lt"/>
+                <a:ea typeface="+mn-ea"/>
+                <a:cs typeface="+mn-cs"/>
+              </a:rPr>
+              <a:t> </a:t>
+            </a:r>
+          </a:p>
+          <a:p>
+            <a:pPr lvl="0"/>
+            <a:r>
+              <a:rPr lang="pl-PL" sz="1200" kern="1200" dirty="0" smtClean="0">
+                <a:solidFill>
+                  <a:schemeClr val="tx1"/>
+                </a:solidFill>
+                <a:latin typeface="+mn-lt"/>
+                <a:ea typeface="+mn-ea"/>
+                <a:cs typeface="+mn-cs"/>
+              </a:rPr>
+              <a:t>aplikacji mobilnej - </a:t>
+            </a:r>
+            <a:r>
+              <a:rPr lang="pl-PL" sz="1200" kern="1200" dirty="0" err="1" smtClean="0">
+                <a:solidFill>
+                  <a:schemeClr val="tx1"/>
+                </a:solidFill>
+                <a:latin typeface="+mn-lt"/>
+                <a:ea typeface="+mn-ea"/>
+                <a:cs typeface="+mn-cs"/>
+              </a:rPr>
+              <a:t>DronTracker</a:t>
+            </a:r>
+            <a:r>
+              <a:rPr lang="pl-PL" sz="1200" kern="1200" dirty="0" smtClean="0">
+                <a:solidFill>
+                  <a:schemeClr val="tx1"/>
+                </a:solidFill>
+                <a:latin typeface="+mn-lt"/>
+                <a:ea typeface="+mn-ea"/>
+                <a:cs typeface="+mn-cs"/>
+              </a:rPr>
+              <a:t>, pełniącej rolę geolokalizatora do potencjalnego zamontowania na dronie, </a:t>
+            </a:r>
+          </a:p>
+          <a:p>
+            <a:r>
+              <a:rPr lang="pl-PL" sz="1200" kern="1200" dirty="0" smtClean="0">
+                <a:solidFill>
+                  <a:schemeClr val="tx1"/>
+                </a:solidFill>
+                <a:latin typeface="+mn-lt"/>
+                <a:ea typeface="+mn-ea"/>
+                <a:cs typeface="+mn-cs"/>
+              </a:rPr>
+              <a:t> </a:t>
+            </a:r>
+          </a:p>
+          <a:p>
+            <a:pPr lvl="0"/>
+            <a:r>
+              <a:rPr lang="pl-PL" sz="1200" kern="1200" dirty="0" smtClean="0">
+                <a:solidFill>
+                  <a:schemeClr val="tx1"/>
+                </a:solidFill>
+                <a:latin typeface="+mn-lt"/>
+                <a:ea typeface="+mn-ea"/>
+                <a:cs typeface="+mn-cs"/>
+              </a:rPr>
+              <a:t>aplikacji serwerowej - </a:t>
+            </a:r>
+            <a:r>
+              <a:rPr lang="pl-PL" sz="1200" kern="1200" dirty="0" err="1" smtClean="0">
+                <a:solidFill>
+                  <a:schemeClr val="tx1"/>
+                </a:solidFill>
+                <a:latin typeface="+mn-lt"/>
+                <a:ea typeface="+mn-ea"/>
+                <a:cs typeface="+mn-cs"/>
+              </a:rPr>
+              <a:t>DronSerwer</a:t>
+            </a:r>
+            <a:r>
+              <a:rPr lang="pl-PL" sz="1200" kern="1200" dirty="0" smtClean="0">
+                <a:solidFill>
+                  <a:schemeClr val="tx1"/>
+                </a:solidFill>
+                <a:latin typeface="+mn-lt"/>
+                <a:ea typeface="+mn-ea"/>
+                <a:cs typeface="+mn-cs"/>
+              </a:rPr>
+              <a:t>, odpowiedzialnej za przeprowadzanie skomplikowanych obliczeń i komunikację z pozostałymi elementami systemu oraz</a:t>
+            </a:r>
+          </a:p>
+          <a:p>
+            <a:r>
+              <a:rPr lang="pl-PL" sz="1200" kern="1200" dirty="0" smtClean="0">
+                <a:solidFill>
+                  <a:schemeClr val="tx1"/>
+                </a:solidFill>
+                <a:latin typeface="+mn-lt"/>
+                <a:ea typeface="+mn-ea"/>
+                <a:cs typeface="+mn-cs"/>
+              </a:rPr>
+              <a:t> </a:t>
+            </a:r>
+          </a:p>
+          <a:p>
+            <a:pPr lvl="0"/>
+            <a:r>
+              <a:rPr lang="pl-PL" sz="1200" kern="1200" dirty="0" smtClean="0">
+                <a:solidFill>
+                  <a:schemeClr val="tx1"/>
+                </a:solidFill>
+                <a:latin typeface="+mn-lt"/>
+                <a:ea typeface="+mn-ea"/>
+                <a:cs typeface="+mn-cs"/>
+              </a:rPr>
+              <a:t>głównej mobilnej aplikacji klienckiej - </a:t>
+            </a:r>
+            <a:r>
+              <a:rPr lang="pl-PL" sz="1200" kern="1200" dirty="0" err="1" smtClean="0">
+                <a:solidFill>
+                  <a:schemeClr val="tx1"/>
+                </a:solidFill>
+                <a:latin typeface="+mn-lt"/>
+                <a:ea typeface="+mn-ea"/>
+                <a:cs typeface="+mn-cs"/>
+              </a:rPr>
+              <a:t>DronVision</a:t>
+            </a:r>
+            <a:r>
+              <a:rPr lang="pl-PL" sz="1200" kern="1200" dirty="0" smtClean="0">
+                <a:solidFill>
+                  <a:schemeClr val="tx1"/>
+                </a:solidFill>
+                <a:latin typeface="+mn-lt"/>
+                <a:ea typeface="+mn-ea"/>
+                <a:cs typeface="+mn-cs"/>
+              </a:rPr>
+              <a:t>, służącej do wizualizacji wyznaczonego obszaru przeszukanego.</a:t>
+            </a:r>
+          </a:p>
+          <a:p>
+            <a:r>
+              <a:rPr lang="pl-PL" sz="1200" kern="1200" dirty="0" smtClean="0">
+                <a:solidFill>
+                  <a:schemeClr val="tx1"/>
+                </a:solidFill>
+                <a:latin typeface="+mn-lt"/>
+                <a:ea typeface="+mn-ea"/>
+                <a:cs typeface="+mn-cs"/>
+              </a:rPr>
+              <a:t> </a:t>
+            </a:r>
+          </a:p>
+          <a:p>
+            <a:r>
+              <a:rPr lang="pl-PL" sz="1200" kern="1200" dirty="0" smtClean="0">
+                <a:solidFill>
+                  <a:schemeClr val="tx1"/>
+                </a:solidFill>
+                <a:latin typeface="+mn-lt"/>
+                <a:ea typeface="+mn-ea"/>
+                <a:cs typeface="+mn-cs"/>
+              </a:rPr>
+              <a:t>Aplikacje mobilne zostały stworzone na platformę Android z wykorzystaniem SDK, a część serwerowa została stworzona jako aplikacja klasy </a:t>
+            </a:r>
+            <a:r>
+              <a:rPr lang="pl-PL" sz="1200" kern="1200" dirty="0" err="1" smtClean="0">
+                <a:solidFill>
+                  <a:schemeClr val="tx1"/>
+                </a:solidFill>
+                <a:latin typeface="+mn-lt"/>
+                <a:ea typeface="+mn-ea"/>
+                <a:cs typeface="+mn-cs"/>
+              </a:rPr>
+              <a:t>javova</a:t>
+            </a:r>
+            <a:r>
+              <a:rPr lang="pl-PL" sz="1200" kern="1200" dirty="0" smtClean="0">
+                <a:solidFill>
+                  <a:schemeClr val="tx1"/>
+                </a:solidFill>
+                <a:latin typeface="+mn-lt"/>
+                <a:ea typeface="+mn-ea"/>
+                <a:cs typeface="+mn-cs"/>
+              </a:rPr>
+              <a:t> klasy </a:t>
+            </a:r>
+            <a:r>
+              <a:rPr lang="pl-PL" sz="1200" kern="1200" dirty="0" err="1" smtClean="0">
+                <a:solidFill>
+                  <a:schemeClr val="tx1"/>
+                </a:solidFill>
+                <a:latin typeface="+mn-lt"/>
+                <a:ea typeface="+mn-ea"/>
+                <a:cs typeface="+mn-cs"/>
+              </a:rPr>
+              <a:t>Enterprise</a:t>
+            </a:r>
+            <a:r>
+              <a:rPr lang="pl-PL" sz="1200" kern="1200" dirty="0" smtClean="0">
+                <a:solidFill>
+                  <a:schemeClr val="tx1"/>
+                </a:solidFill>
+                <a:latin typeface="+mn-lt"/>
+                <a:ea typeface="+mn-ea"/>
+                <a:cs typeface="+mn-cs"/>
+              </a:rPr>
+              <a:t> i uruchomiona z użyciem serwera aplikacyjnego JBOSS.</a:t>
+            </a:r>
+          </a:p>
+          <a:p>
+            <a:r>
+              <a:rPr lang="pl-PL" sz="1200" kern="1200" dirty="0" smtClean="0">
+                <a:solidFill>
+                  <a:schemeClr val="tx1"/>
+                </a:solidFill>
+                <a:latin typeface="+mn-lt"/>
+                <a:ea typeface="+mn-ea"/>
+                <a:cs typeface="+mn-cs"/>
+              </a:rPr>
+              <a:t> </a:t>
+            </a:r>
+          </a:p>
+          <a:p>
+            <a:r>
+              <a:rPr lang="pl-PL" sz="1200" kern="1200" dirty="0" smtClean="0">
+                <a:solidFill>
+                  <a:schemeClr val="tx1"/>
+                </a:solidFill>
+                <a:latin typeface="+mn-lt"/>
+                <a:ea typeface="+mn-ea"/>
+                <a:cs typeface="+mn-cs"/>
+              </a:rPr>
+              <a:t>Do implementacji aplikacji klienckiej </a:t>
+            </a:r>
+            <a:r>
+              <a:rPr lang="pl-PL" sz="1200" kern="1200" dirty="0" err="1" smtClean="0">
+                <a:solidFill>
+                  <a:schemeClr val="tx1"/>
+                </a:solidFill>
+                <a:latin typeface="+mn-lt"/>
+                <a:ea typeface="+mn-ea"/>
+                <a:cs typeface="+mn-cs"/>
+              </a:rPr>
+              <a:t>DronVision</a:t>
+            </a:r>
+            <a:r>
+              <a:rPr lang="pl-PL" sz="1200" kern="1200" dirty="0" smtClean="0">
+                <a:solidFill>
+                  <a:schemeClr val="tx1"/>
+                </a:solidFill>
+                <a:latin typeface="+mn-lt"/>
+                <a:ea typeface="+mn-ea"/>
+                <a:cs typeface="+mn-cs"/>
+              </a:rPr>
+              <a:t> wykorzystano system OpenStreetMap oraz bibliotekę ...</a:t>
+            </a:r>
+          </a:p>
+          <a:p>
+            <a:endParaRPr lang="pl-PL" dirty="0"/>
+          </a:p>
+        </p:txBody>
+      </p:sp>
+      <p:sp>
+        <p:nvSpPr>
+          <p:cNvPr id="4" name="Symbol zastępczy numeru slajdu 3"/>
+          <p:cNvSpPr>
+            <a:spLocks noGrp="1"/>
+          </p:cNvSpPr>
+          <p:nvPr>
+            <p:ph type="sldNum" sz="quarter" idx="10"/>
+          </p:nvPr>
+        </p:nvSpPr>
+        <p:spPr/>
+        <p:txBody>
+          <a:bodyPr/>
+          <a:lstStyle/>
+          <a:p>
+            <a:fld id="{A221A992-22D9-4EF5-B468-BF47D09055D6}" type="slidenum">
+              <a:rPr lang="pl-PL" smtClean="0"/>
+              <a:pPr/>
+              <a:t>26</a:t>
+            </a:fld>
+            <a:endParaRPr lang="pl-PL"/>
+          </a:p>
+        </p:txBody>
+      </p:sp>
+    </p:spTree>
+  </p:cSld>
+  <p:clrMapOvr>
+    <a:masterClrMapping/>
+  </p:clrMapOvr>
+</p:notes>
+</file>
+
+<file path=ppt/notesSlides/notesSlide23.xml><?xml version="1.0" encoding="utf-8"?>
+<p:notes xmlns:a="http://schemas.openxmlformats.org/drawingml/2006/main" xmlns:r="http://schemas.openxmlformats.org/officeDocument/2006/relationships" xmlns:p="http://schemas.openxmlformats.org/presentationml/2006/main">
+  <p:cSld>
+    <p:spTree>
+      <p:nvGrpSpPr>
+        <p:cNvPr id="1" name=""/>
+        <p:cNvGrpSpPr/>
+        <p:nvPr/>
+      </p:nvGrpSpPr>
+      <p:grpSpPr>
+        <a:xfrm>
+          <a:off x="0" y="0"/>
+          <a:ext cx="0" cy="0"/>
+          <a:chOff x="0" y="0"/>
+          <a:chExt cx="0" cy="0"/>
+        </a:xfrm>
+      </p:grpSpPr>
+      <p:sp>
+        <p:nvSpPr>
+          <p:cNvPr id="2" name="Symbol zastępczy obrazu slajdu 1"/>
+          <p:cNvSpPr>
+            <a:spLocks noGrp="1" noRot="1" noChangeAspect="1"/>
+          </p:cNvSpPr>
+          <p:nvPr>
+            <p:ph type="sldImg"/>
+          </p:nvPr>
+        </p:nvSpPr>
+        <p:spPr/>
+      </p:sp>
+      <p:sp>
+        <p:nvSpPr>
+          <p:cNvPr id="3" name="Symbol zastępczy notatek 2"/>
+          <p:cNvSpPr>
+            <a:spLocks noGrp="1"/>
+          </p:cNvSpPr>
+          <p:nvPr>
+            <p:ph type="body" idx="1"/>
+          </p:nvPr>
+        </p:nvSpPr>
+        <p:spPr/>
+        <p:txBody>
+          <a:bodyPr>
+            <a:normAutofit/>
+          </a:bodyPr>
+          <a:lstStyle/>
+          <a:p>
+            <a:r>
+              <a:rPr lang="pl-PL" sz="1200" kern="1200" dirty="0" smtClean="0">
+                <a:solidFill>
+                  <a:schemeClr val="tx1"/>
+                </a:solidFill>
+                <a:latin typeface="+mn-lt"/>
+                <a:ea typeface="+mn-ea"/>
+                <a:cs typeface="+mn-cs"/>
+              </a:rPr>
+              <a:t>Część terenu zacieniowana na szaro reprezentuje obszar dotychczas przeszukany przez </a:t>
+            </a:r>
+            <a:r>
+              <a:rPr lang="pl-PL" sz="1200" kern="1200" dirty="0" err="1" smtClean="0">
+                <a:solidFill>
+                  <a:schemeClr val="tx1"/>
+                </a:solidFill>
+                <a:latin typeface="+mn-lt"/>
+                <a:ea typeface="+mn-ea"/>
+                <a:cs typeface="+mn-cs"/>
+              </a:rPr>
+              <a:t>drona</a:t>
+            </a:r>
+            <a:r>
+              <a:rPr lang="pl-PL" sz="1200" kern="1200" dirty="0" smtClean="0">
+                <a:solidFill>
+                  <a:schemeClr val="tx1"/>
+                </a:solidFill>
+                <a:latin typeface="+mn-lt"/>
+                <a:ea typeface="+mn-ea"/>
+                <a:cs typeface="+mn-cs"/>
+              </a:rPr>
+              <a:t> w ramach danej sesji, wielokąt niebieski to obszar ostatnio przeszukany, a czarne obszary wewnętrzne to części terenu niezarejestrowane przez kamerę ze względu na zasłonięcie ich przez inne obiekty np. krawędź przy spadku terenu. Dodatkowo system zapewnia użytkownikowi możliwość edycji preferencji wizualizacji tzn. wyboru dronów, które mają być pokazane na mapie w danej chwili, tych dla których ma być wizualizowany obszar przeszukany oraz wyboru </a:t>
+            </a:r>
+            <a:r>
+              <a:rPr lang="pl-PL" sz="1200" kern="1200" dirty="0" err="1" smtClean="0">
+                <a:solidFill>
+                  <a:schemeClr val="tx1"/>
+                </a:solidFill>
+                <a:latin typeface="+mn-lt"/>
+                <a:ea typeface="+mn-ea"/>
+                <a:cs typeface="+mn-cs"/>
+              </a:rPr>
+              <a:t>drona</a:t>
+            </a:r>
+            <a:r>
+              <a:rPr lang="pl-PL" sz="1200" kern="1200" dirty="0" smtClean="0">
+                <a:solidFill>
+                  <a:schemeClr val="tx1"/>
+                </a:solidFill>
+                <a:latin typeface="+mn-lt"/>
+                <a:ea typeface="+mn-ea"/>
+                <a:cs typeface="+mn-cs"/>
+              </a:rPr>
+              <a:t>, za którym ma podążać widok aplikacji oraz możliwość przeglądania historii wizualizacji i edycji ustawień konta.</a:t>
+            </a:r>
+            <a:endParaRPr lang="pl-PL" sz="1200" kern="1200" dirty="0">
+              <a:solidFill>
+                <a:schemeClr val="tx1"/>
+              </a:solidFill>
+              <a:latin typeface="+mn-lt"/>
+              <a:ea typeface="+mn-ea"/>
+              <a:cs typeface="+mn-cs"/>
+            </a:endParaRPr>
+          </a:p>
+        </p:txBody>
+      </p:sp>
+      <p:sp>
+        <p:nvSpPr>
+          <p:cNvPr id="4" name="Symbol zastępczy numeru slajdu 3"/>
+          <p:cNvSpPr>
+            <a:spLocks noGrp="1"/>
+          </p:cNvSpPr>
+          <p:nvPr>
+            <p:ph type="sldNum" sz="quarter" idx="10"/>
+          </p:nvPr>
+        </p:nvSpPr>
+        <p:spPr/>
+        <p:txBody>
+          <a:bodyPr/>
+          <a:lstStyle/>
+          <a:p>
+            <a:fld id="{A221A992-22D9-4EF5-B468-BF47D09055D6}" type="slidenum">
+              <a:rPr lang="pl-PL" smtClean="0"/>
+              <a:pPr/>
+              <a:t>27</a:t>
             </a:fld>
             <a:endParaRPr lang="pl-PL"/>
           </a:p>
@@ -1043,312 +3869,17 @@
           </a:bodyPr>
           <a:lstStyle/>
           <a:p>
-            <a:pPr marL="0" marR="0" indent="0" algn="l" defTabSz="914400" rtl="0" eaLnBrk="1" fontAlgn="auto" latinLnBrk="0" hangingPunct="1">
-              <a:lnSpc>
-                <a:spcPct val="100000"/>
-              </a:lnSpc>
-              <a:spcBef>
-                <a:spcPts val="0"/>
-              </a:spcBef>
-              <a:spcAft>
-                <a:spcPts val="0"/>
-              </a:spcAft>
-              <a:buClrTx/>
-              <a:buSzTx/>
-              <a:buFontTx/>
-              <a:buNone/>
-              <a:tabLst/>
-              <a:defRPr/>
-            </a:pPr>
-            <a:r>
-              <a:rPr lang="pl-PL" sz="1200" kern="1200" dirty="0" smtClean="0">
-                <a:solidFill>
-                  <a:schemeClr val="tx1"/>
-                </a:solidFill>
-                <a:latin typeface="+mn-lt"/>
-                <a:ea typeface="+mn-ea"/>
-                <a:cs typeface="+mn-cs"/>
-              </a:rPr>
-              <a:t>Punkt </a:t>
-            </a:r>
-            <a:r>
-              <a:rPr lang="pl-PL" sz="1200" b="1" kern="1200" dirty="0" smtClean="0">
-                <a:solidFill>
-                  <a:schemeClr val="tx1"/>
-                </a:solidFill>
-                <a:latin typeface="+mn-lt"/>
-                <a:ea typeface="+mn-ea"/>
-                <a:cs typeface="+mn-cs"/>
-              </a:rPr>
-              <a:t>D </a:t>
-            </a:r>
-            <a:r>
-              <a:rPr lang="pl-PL" sz="1200" kern="1200" dirty="0" smtClean="0">
-                <a:solidFill>
-                  <a:schemeClr val="tx1"/>
-                </a:solidFill>
-                <a:latin typeface="+mn-lt"/>
-                <a:ea typeface="+mn-ea"/>
-                <a:cs typeface="+mn-cs"/>
-              </a:rPr>
-              <a:t>odpowiada położeniu </a:t>
-            </a:r>
-            <a:r>
-              <a:rPr lang="pl-PL" sz="1200" kern="1200" dirty="0" err="1" smtClean="0">
-                <a:solidFill>
-                  <a:schemeClr val="tx1"/>
-                </a:solidFill>
-                <a:latin typeface="+mn-lt"/>
-                <a:ea typeface="+mn-ea"/>
-                <a:cs typeface="+mn-cs"/>
-              </a:rPr>
-              <a:t>drona</a:t>
-            </a:r>
-            <a:r>
-              <a:rPr lang="pl-PL" sz="1200" kern="1200" dirty="0" smtClean="0">
-                <a:solidFill>
-                  <a:schemeClr val="tx1"/>
-                </a:solidFill>
-                <a:latin typeface="+mn-lt"/>
-                <a:ea typeface="+mn-ea"/>
-                <a:cs typeface="+mn-cs"/>
-              </a:rPr>
-              <a:t>. Wysokość </a:t>
-            </a:r>
-            <a:r>
-              <a:rPr lang="pl-PL" sz="1200" b="1" kern="1200" dirty="0" smtClean="0">
-                <a:solidFill>
-                  <a:schemeClr val="tx1"/>
-                </a:solidFill>
-                <a:latin typeface="+mn-lt"/>
-                <a:ea typeface="+mn-ea"/>
-                <a:cs typeface="+mn-cs"/>
-              </a:rPr>
-              <a:t>H </a:t>
-            </a:r>
-            <a:r>
-              <a:rPr lang="pl-PL" sz="1200" kern="1200" dirty="0" smtClean="0">
-                <a:solidFill>
-                  <a:schemeClr val="tx1"/>
-                </a:solidFill>
-                <a:latin typeface="+mn-lt"/>
-                <a:ea typeface="+mn-ea"/>
-                <a:cs typeface="+mn-cs"/>
-              </a:rPr>
-              <a:t> jest wysokością statku nad ziemią,  wyliczoną poprzez odjęcie od wysokości </a:t>
-            </a:r>
-            <a:r>
-              <a:rPr lang="pl-PL" sz="1200" kern="1200" dirty="0" err="1" smtClean="0">
-                <a:solidFill>
-                  <a:schemeClr val="tx1"/>
-                </a:solidFill>
-                <a:latin typeface="+mn-lt"/>
-                <a:ea typeface="+mn-ea"/>
-                <a:cs typeface="+mn-cs"/>
-              </a:rPr>
-              <a:t>drona</a:t>
-            </a:r>
-            <a:r>
-              <a:rPr lang="pl-PL" sz="1200" kern="1200" dirty="0" smtClean="0">
-                <a:solidFill>
-                  <a:schemeClr val="tx1"/>
-                </a:solidFill>
-                <a:latin typeface="+mn-lt"/>
-                <a:ea typeface="+mn-ea"/>
-                <a:cs typeface="+mn-cs"/>
-              </a:rPr>
-              <a:t> wysokości modelu powierzchni ziemskiej w danym punkcie. Znając położenie i wysokość </a:t>
-            </a:r>
-            <a:r>
-              <a:rPr lang="pl-PL" sz="1200" kern="1200" dirty="0" err="1" smtClean="0">
-                <a:solidFill>
-                  <a:schemeClr val="tx1"/>
-                </a:solidFill>
-                <a:latin typeface="+mn-lt"/>
-                <a:ea typeface="+mn-ea"/>
-                <a:cs typeface="+mn-cs"/>
-              </a:rPr>
-              <a:t>drona</a:t>
-            </a:r>
-            <a:r>
-              <a:rPr lang="pl-PL" sz="1200" kern="1200" dirty="0" smtClean="0">
-                <a:solidFill>
-                  <a:schemeClr val="tx1"/>
-                </a:solidFill>
-                <a:latin typeface="+mn-lt"/>
-                <a:ea typeface="+mn-ea"/>
-                <a:cs typeface="+mn-cs"/>
-              </a:rPr>
-              <a:t> nad ziemią oraz kąt widzenia kamery </a:t>
-            </a:r>
-            <a:r>
-              <a:rPr lang="pl-PL" sz="1200" b="1" kern="1200" dirty="0" smtClean="0">
-                <a:solidFill>
-                  <a:schemeClr val="tx1"/>
-                </a:solidFill>
-                <a:latin typeface="+mn-lt"/>
-                <a:ea typeface="+mn-ea"/>
-                <a:cs typeface="+mn-cs"/>
-              </a:rPr>
-              <a:t>α</a:t>
-            </a:r>
-            <a:r>
-              <a:rPr lang="pl-PL" sz="1200" kern="1200" dirty="0" smtClean="0">
-                <a:solidFill>
-                  <a:schemeClr val="tx1"/>
-                </a:solidFill>
-                <a:latin typeface="+mn-lt"/>
-                <a:ea typeface="+mn-ea"/>
-                <a:cs typeface="+mn-cs"/>
-              </a:rPr>
-              <a:t> rozpoczęto wyznaczanie kolejnych okręgów reprezentujących potencjalną otoczkę zarejestrowanego obszaru. Wyznaczanie okręgów rozpoczęto od wysokości </a:t>
-            </a:r>
-            <a:r>
-              <a:rPr lang="pl-PL" sz="1200" kern="1200" dirty="0" err="1" smtClean="0">
-                <a:solidFill>
-                  <a:schemeClr val="tx1"/>
-                </a:solidFill>
-                <a:latin typeface="+mn-lt"/>
-                <a:ea typeface="+mn-ea"/>
-                <a:cs typeface="+mn-cs"/>
-              </a:rPr>
-              <a:t>drona</a:t>
-            </a:r>
-            <a:r>
-              <a:rPr lang="pl-PL" sz="1200" kern="1200" dirty="0" smtClean="0">
-                <a:solidFill>
-                  <a:schemeClr val="tx1"/>
-                </a:solidFill>
-                <a:latin typeface="+mn-lt"/>
-                <a:ea typeface="+mn-ea"/>
-                <a:cs typeface="+mn-cs"/>
-              </a:rPr>
-              <a:t> pomniejszonej o skok </a:t>
-            </a:r>
-            <a:r>
-              <a:rPr lang="pl-PL" sz="1200" b="1" kern="1200" dirty="0" err="1" smtClean="0">
-                <a:solidFill>
-                  <a:schemeClr val="tx1"/>
-                </a:solidFill>
-                <a:latin typeface="+mn-lt"/>
-                <a:ea typeface="+mn-ea"/>
-                <a:cs typeface="+mn-cs"/>
-              </a:rPr>
-              <a:t>dh</a:t>
-            </a:r>
-            <a:r>
-              <a:rPr lang="pl-PL" sz="1200" b="1" kern="1200" dirty="0" smtClean="0">
-                <a:solidFill>
-                  <a:schemeClr val="tx1"/>
-                </a:solidFill>
-                <a:latin typeface="+mn-lt"/>
-                <a:ea typeface="+mn-ea"/>
-                <a:cs typeface="+mn-cs"/>
-              </a:rPr>
-              <a:t>, </a:t>
-            </a:r>
-            <a:r>
-              <a:rPr lang="pl-PL" sz="1200" kern="1200" dirty="0" smtClean="0">
-                <a:solidFill>
-                  <a:schemeClr val="tx1"/>
-                </a:solidFill>
-                <a:latin typeface="+mn-lt"/>
-                <a:ea typeface="+mn-ea"/>
-                <a:cs typeface="+mn-cs"/>
-              </a:rPr>
-              <a:t>którego wartość na drodze eksperymentalnej dobrano na 2 m. Znając wartość </a:t>
-            </a:r>
-            <a:r>
-              <a:rPr lang="pl-PL" sz="1200" b="1" kern="1200" dirty="0" err="1" smtClean="0">
-                <a:solidFill>
-                  <a:schemeClr val="tx1"/>
-                </a:solidFill>
-                <a:latin typeface="+mn-lt"/>
-                <a:ea typeface="+mn-ea"/>
-                <a:cs typeface="+mn-cs"/>
-              </a:rPr>
-              <a:t>dh</a:t>
-            </a:r>
-            <a:r>
-              <a:rPr lang="pl-PL" sz="1200" b="1" kern="1200" dirty="0" smtClean="0">
-                <a:solidFill>
-                  <a:schemeClr val="tx1"/>
-                </a:solidFill>
-                <a:latin typeface="+mn-lt"/>
-                <a:ea typeface="+mn-ea"/>
-                <a:cs typeface="+mn-cs"/>
-              </a:rPr>
-              <a:t> </a:t>
-            </a:r>
-            <a:r>
-              <a:rPr lang="pl-PL" sz="1200" kern="1200" dirty="0" smtClean="0">
-                <a:solidFill>
-                  <a:schemeClr val="tx1"/>
-                </a:solidFill>
-                <a:latin typeface="+mn-lt"/>
-                <a:ea typeface="+mn-ea"/>
-                <a:cs typeface="+mn-cs"/>
-              </a:rPr>
-              <a:t>oraz kąt </a:t>
-            </a:r>
-            <a:r>
-              <a:rPr lang="pl-PL" sz="1200" b="1" kern="1200" dirty="0" smtClean="0">
-                <a:solidFill>
-                  <a:schemeClr val="tx1"/>
-                </a:solidFill>
-                <a:latin typeface="+mn-lt"/>
-                <a:ea typeface="+mn-ea"/>
-                <a:cs typeface="+mn-cs"/>
-              </a:rPr>
-              <a:t>α</a:t>
-            </a:r>
-            <a:r>
-              <a:rPr lang="pl-PL" sz="1200" kern="1200" dirty="0" smtClean="0">
-                <a:solidFill>
-                  <a:schemeClr val="tx1"/>
-                </a:solidFill>
-                <a:latin typeface="+mn-lt"/>
-                <a:ea typeface="+mn-ea"/>
-                <a:cs typeface="+mn-cs"/>
-              </a:rPr>
-              <a:t> widzenia kamery wyznaczono wartość promienia </a:t>
-            </a:r>
-            <a:r>
-              <a:rPr lang="pl-PL" sz="1200" b="1" kern="1200" dirty="0" err="1" smtClean="0">
-                <a:solidFill>
-                  <a:schemeClr val="tx1"/>
-                </a:solidFill>
-                <a:latin typeface="+mn-lt"/>
-                <a:ea typeface="+mn-ea"/>
-                <a:cs typeface="+mn-cs"/>
-              </a:rPr>
-              <a:t>r</a:t>
-            </a:r>
-            <a:r>
-              <a:rPr lang="pl-PL" sz="1200" b="1" kern="1200" dirty="0" smtClean="0">
-                <a:solidFill>
-                  <a:schemeClr val="tx1"/>
-                </a:solidFill>
-                <a:latin typeface="+mn-lt"/>
-                <a:ea typeface="+mn-ea"/>
-                <a:cs typeface="+mn-cs"/>
-              </a:rPr>
-              <a:t> </a:t>
-            </a:r>
-            <a:r>
-              <a:rPr lang="pl-PL" sz="1200" kern="1200" dirty="0" smtClean="0">
-                <a:solidFill>
-                  <a:schemeClr val="tx1"/>
-                </a:solidFill>
-                <a:latin typeface="+mn-lt"/>
-                <a:ea typeface="+mn-ea"/>
-                <a:cs typeface="+mn-cs"/>
-              </a:rPr>
-              <a:t>zgodnie ze wzorem:</a:t>
-            </a:r>
-          </a:p>
-          <a:p>
-            <a:endParaRPr lang="pl-PL" dirty="0"/>
+            <a:r>
+              <a:rPr lang="pl-PL" sz="1200" kern="1200" dirty="0" smtClean="0">
+                <a:solidFill>
+                  <a:schemeClr val="tx1"/>
+                </a:solidFill>
+                <a:latin typeface="+mn-lt"/>
+                <a:ea typeface="+mn-ea"/>
+                <a:cs typeface="+mn-cs"/>
+              </a:rPr>
+              <a:t>Na prezentacji mogą Państwo zobaczyć koncepcyjną strukturę systemu.</a:t>
+            </a:r>
           </a:p>
         </p:txBody>
       </p:sp>
@@ -1370,7 +3901,7 @@
             <a:fld id="{A221A992-22D9-4EF5-B468-BF47D09055D6}" type="slidenum">
               <a:rPr lang="pl-PL" smtClean="0"/>
               <a:pPr/>
-              <a:t>6</a:t>
+              <a:t>3</a:t>
             </a:fld>
             <a:endParaRPr lang="pl-PL"/>
           </a:p>
@@ -1439,7 +3970,7 @@
                 <a:ea typeface="+mn-ea"/>
                 <a:cs typeface="+mn-cs"/>
               </a:rPr>
-              <a:t>W dalszym kroku znając współrzędne </a:t>
+              <a:t>Pierwszym analizowanym elementem systemu był </a:t>
             </a:r>
             <a:r>
               <a:rPr lang="pl-PL" sz="1200" kern="1200" dirty="0" err="1" smtClean="0">
@@ -1450,251 +3981,131 @@
                 <a:ea typeface="+mn-ea"/>
                 <a:cs typeface="+mn-cs"/>
               </a:rPr>
-              <a:t>drona</a:t>
-            </a:r>
-            <a:r>
-              <a:rPr lang="pl-PL" sz="1200" kern="1200" dirty="0" smtClean="0">
-                <a:solidFill>
-                  <a:schemeClr val="tx1"/>
-                </a:solidFill>
-                <a:latin typeface="+mn-lt"/>
-                <a:ea typeface="+mn-ea"/>
-                <a:cs typeface="+mn-cs"/>
-              </a:rPr>
-              <a:t> i wartość promienia </a:t>
-            </a:r>
-            <a:r>
-              <a:rPr lang="pl-PL" sz="1200" b="1" kern="1200" dirty="0" err="1" smtClean="0">
-                <a:solidFill>
-                  <a:schemeClr val="tx1"/>
-                </a:solidFill>
-                <a:latin typeface="+mn-lt"/>
-                <a:ea typeface="+mn-ea"/>
-                <a:cs typeface="+mn-cs"/>
-              </a:rPr>
-              <a:t>r</a:t>
-            </a:r>
-            <a:r>
-              <a:rPr lang="pl-PL" sz="1200" kern="1200" dirty="0" smtClean="0">
-                <a:solidFill>
-                  <a:schemeClr val="tx1"/>
-                </a:solidFill>
-                <a:latin typeface="+mn-lt"/>
-                <a:ea typeface="+mn-ea"/>
-                <a:cs typeface="+mn-cs"/>
-              </a:rPr>
-              <a:t> wyznaczono </a:t>
-            </a:r>
-            <a:br>
-              <a:rPr lang="pl-PL" sz="1200" kern="1200" dirty="0" smtClean="0">
-                <a:solidFill>
-                  <a:schemeClr val="tx1"/>
-                </a:solidFill>
-                <a:latin typeface="+mn-lt"/>
-                <a:ea typeface="+mn-ea"/>
-                <a:cs typeface="+mn-cs"/>
-              </a:rPr>
-            </a:br>
-            <a:r>
-              <a:rPr lang="pl-PL" sz="1200" kern="1200" dirty="0" smtClean="0">
-                <a:solidFill>
-                  <a:schemeClr val="tx1"/>
-                </a:solidFill>
-                <a:latin typeface="+mn-lt"/>
-                <a:ea typeface="+mn-ea"/>
-                <a:cs typeface="+mn-cs"/>
-              </a:rPr>
-              <a:t>punkty na okręgu o promieniu </a:t>
-            </a:r>
-            <a:r>
-              <a:rPr lang="pl-PL" sz="1200" b="1" kern="1200" dirty="0" err="1" smtClean="0">
-                <a:solidFill>
-                  <a:schemeClr val="tx1"/>
-                </a:solidFill>
-                <a:latin typeface="+mn-lt"/>
-                <a:ea typeface="+mn-ea"/>
-                <a:cs typeface="+mn-cs"/>
-              </a:rPr>
-              <a:t>r</a:t>
-            </a:r>
-            <a:r>
-              <a:rPr lang="pl-PL" sz="1200" b="1" kern="1200" dirty="0" smtClean="0">
-                <a:solidFill>
-                  <a:schemeClr val="tx1"/>
-                </a:solidFill>
-                <a:latin typeface="+mn-lt"/>
-                <a:ea typeface="+mn-ea"/>
-                <a:cs typeface="+mn-cs"/>
-              </a:rPr>
-              <a:t> </a:t>
-            </a:r>
-            <a:r>
-              <a:rPr lang="pl-PL" sz="1200" kern="1200" dirty="0" smtClean="0">
-                <a:solidFill>
-                  <a:schemeClr val="tx1"/>
-                </a:solidFill>
-                <a:latin typeface="+mn-lt"/>
-                <a:ea typeface="+mn-ea"/>
-                <a:cs typeface="+mn-cs"/>
-              </a:rPr>
-              <a:t>i</a:t>
-            </a:r>
-            <a:r>
-              <a:rPr lang="pl-PL" sz="1200" b="1" kern="1200" dirty="0" smtClean="0">
-                <a:solidFill>
-                  <a:schemeClr val="tx1"/>
-                </a:solidFill>
-                <a:latin typeface="+mn-lt"/>
-                <a:ea typeface="+mn-ea"/>
-                <a:cs typeface="+mn-cs"/>
-              </a:rPr>
-              <a:t> </a:t>
-            </a:r>
-            <a:r>
-              <a:rPr lang="pl-PL" sz="1200" kern="1200" dirty="0" smtClean="0">
-                <a:solidFill>
-                  <a:schemeClr val="tx1"/>
-                </a:solidFill>
-                <a:latin typeface="+mn-lt"/>
-                <a:ea typeface="+mn-ea"/>
-                <a:cs typeface="+mn-cs"/>
-              </a:rPr>
-              <a:t>środku w punkcie odpowiadającym położeniu </a:t>
-            </a:r>
-            <a:r>
-              <a:rPr lang="pl-PL" sz="1200" kern="1200" dirty="0" err="1" smtClean="0">
-                <a:solidFill>
-                  <a:schemeClr val="tx1"/>
-                </a:solidFill>
-                <a:latin typeface="+mn-lt"/>
-                <a:ea typeface="+mn-ea"/>
-                <a:cs typeface="+mn-cs"/>
-              </a:rPr>
-              <a:t>drona</a:t>
-            </a:r>
-            <a:r>
-              <a:rPr lang="pl-PL" sz="1200" kern="1200" dirty="0" smtClean="0">
-                <a:solidFill>
-                  <a:schemeClr val="tx1"/>
-                </a:solidFill>
-                <a:latin typeface="+mn-lt"/>
-                <a:ea typeface="+mn-ea"/>
-                <a:cs typeface="+mn-cs"/>
-              </a:rPr>
-              <a:t>. Liczba wyznaczonych punktów, dobrana na drodze eksperymentalnej, to 360 punktów rozmieszczonych na okręgu co 1</a:t>
-            </a:r>
-            <a:r>
-              <a:rPr lang="pl-PL" sz="1200" kern="1200" baseline="30000" dirty="0" smtClean="0">
-                <a:solidFill>
-                  <a:schemeClr val="tx1"/>
-                </a:solidFill>
-                <a:latin typeface="+mn-lt"/>
-                <a:ea typeface="+mn-ea"/>
-                <a:cs typeface="+mn-cs"/>
-              </a:rPr>
-              <a:t>o</a:t>
-            </a:r>
-            <a:r>
-              <a:rPr lang="pl-PL" sz="1200" kern="1200" dirty="0" smtClean="0">
-                <a:solidFill>
-                  <a:schemeClr val="tx1"/>
-                </a:solidFill>
-                <a:latin typeface="+mn-lt"/>
-                <a:ea typeface="+mn-ea"/>
-                <a:cs typeface="+mn-cs"/>
-              </a:rPr>
-              <a:t>.</a:t>
-            </a:r>
-          </a:p>
-          <a:p>
-            <a:r>
-              <a:rPr lang="pl-PL" sz="1200" kern="1200" dirty="0" smtClean="0">
-                <a:solidFill>
-                  <a:schemeClr val="tx1"/>
-                </a:solidFill>
-                <a:latin typeface="+mn-lt"/>
-                <a:ea typeface="+mn-ea"/>
-                <a:cs typeface="+mn-cs"/>
-              </a:rPr>
-              <a:t>	Dla każdego z dobranych punktów dokonano następnie porównania jego wysokości (równej wysokości </a:t>
-            </a:r>
-            <a:r>
-              <a:rPr lang="pl-PL" sz="1200" kern="1200" dirty="0" err="1" smtClean="0">
-                <a:solidFill>
-                  <a:schemeClr val="tx1"/>
-                </a:solidFill>
-                <a:latin typeface="+mn-lt"/>
-                <a:ea typeface="+mn-ea"/>
-                <a:cs typeface="+mn-cs"/>
-              </a:rPr>
-              <a:t>drona</a:t>
-            </a:r>
-            <a:r>
-              <a:rPr lang="pl-PL" sz="1200" kern="1200" dirty="0" smtClean="0">
-                <a:solidFill>
-                  <a:schemeClr val="tx1"/>
-                </a:solidFill>
-                <a:latin typeface="+mn-lt"/>
-                <a:ea typeface="+mn-ea"/>
-                <a:cs typeface="+mn-cs"/>
-              </a:rPr>
-              <a:t> pomniejszonej o aktualne </a:t>
-            </a:r>
-            <a:r>
-              <a:rPr lang="pl-PL" sz="1200" b="1" kern="1200" dirty="0" err="1" smtClean="0">
-                <a:solidFill>
-                  <a:schemeClr val="tx1"/>
-                </a:solidFill>
-                <a:latin typeface="+mn-lt"/>
-                <a:ea typeface="+mn-ea"/>
-                <a:cs typeface="+mn-cs"/>
-              </a:rPr>
-              <a:t>dh</a:t>
-            </a:r>
-            <a:r>
-              <a:rPr lang="pl-PL" sz="1200" kern="1200" dirty="0" smtClean="0">
-                <a:solidFill>
-                  <a:schemeClr val="tx1"/>
-                </a:solidFill>
-                <a:latin typeface="+mn-lt"/>
-                <a:ea typeface="+mn-ea"/>
-                <a:cs typeface="+mn-cs"/>
-              </a:rPr>
-              <a:t>) z wysokością modelu Ziemi w danym punkcie. Jeśli wysokość punktu na okręgu była mniejsza lub równa wysokości modelu punkt zostawał uznany za punkt otoczki obszaru przeszukanego, a wartość stopnia na okręgu, odpowiadająca temu punktowi zostawała usunięta z dalszych rozważań. Następnie wartość </a:t>
-            </a:r>
-            <a:r>
-              <a:rPr lang="pl-PL" sz="1200" b="1" kern="1200" dirty="0" err="1" smtClean="0">
-                <a:solidFill>
-                  <a:schemeClr val="tx1"/>
-                </a:solidFill>
-                <a:latin typeface="+mn-lt"/>
-                <a:ea typeface="+mn-ea"/>
-                <a:cs typeface="+mn-cs"/>
-              </a:rPr>
-              <a:t>dh</a:t>
-            </a:r>
-            <a:r>
-              <a:rPr lang="pl-PL" sz="1200" b="1" kern="1200" dirty="0" smtClean="0">
-                <a:solidFill>
-                  <a:schemeClr val="tx1"/>
-                </a:solidFill>
-                <a:latin typeface="+mn-lt"/>
-                <a:ea typeface="+mn-ea"/>
-                <a:cs typeface="+mn-cs"/>
-              </a:rPr>
-              <a:t> </a:t>
-            </a:r>
-            <a:r>
-              <a:rPr lang="pl-PL" sz="1200" kern="1200" dirty="0" smtClean="0">
-                <a:solidFill>
-                  <a:schemeClr val="tx1"/>
-                </a:solidFill>
-                <a:latin typeface="+mn-lt"/>
-                <a:ea typeface="+mn-ea"/>
-                <a:cs typeface="+mn-cs"/>
-              </a:rPr>
-              <a:t>zostawała zwiększona, a algorytm ten był powtarzany, aż do momentu, gdy dla każdej z 360 wartości stopni na okręgu znaleziono odpowiadający punkt modelu. </a:t>
-            </a:r>
+              <a:t>geolokalizator</a:t>
+            </a:r>
+            <a:r>
+              <a:rPr lang="pl-PL" sz="1200" kern="1200" dirty="0" smtClean="0">
+                <a:solidFill>
+                  <a:schemeClr val="tx1"/>
+                </a:solidFill>
+                <a:latin typeface="+mn-lt"/>
+                <a:ea typeface="+mn-ea"/>
+                <a:cs typeface="+mn-cs"/>
+              </a:rPr>
+              <a:t> mający za zadanie zbieranie danych geolokalizacyjnych pojazdów. I tu okazało się iż określanie położeń może się odbywać w stosunku do dwóch geodezyjnych powierzchni odniesienia: geoidy i elipsoidy.</a:t>
+            </a:r>
+          </a:p>
+          <a:p>
+            <a:r>
+              <a:rPr lang="pl-PL" sz="1200" kern="1200" dirty="0" smtClean="0">
+                <a:solidFill>
+                  <a:schemeClr val="tx1"/>
+                </a:solidFill>
+                <a:latin typeface="+mn-lt"/>
+                <a:ea typeface="+mn-ea"/>
+                <a:cs typeface="+mn-cs"/>
+              </a:rPr>
+              <a:t>W skrócie:</a:t>
+            </a:r>
+          </a:p>
+          <a:p>
+            <a:r>
+              <a:rPr lang="pl-PL" sz="1200" kern="1200" dirty="0" smtClean="0">
+                <a:solidFill>
+                  <a:schemeClr val="tx1"/>
+                </a:solidFill>
+                <a:latin typeface="+mn-lt"/>
+                <a:ea typeface="+mn-ea"/>
+                <a:cs typeface="+mn-cs"/>
+              </a:rPr>
+              <a:t>Geoida to teoretyczna powierzchnia ekwipotencjalna, pokrywająca się w przybliżeniu z powierzchnią oceanów przy pełnej równowadze znajdujących się w nich mas wody.</a:t>
+            </a:r>
+          </a:p>
+          <a:p>
+            <a:r>
+              <a:rPr lang="pl-PL" sz="1200" kern="1200" dirty="0" smtClean="0">
+                <a:solidFill>
+                  <a:schemeClr val="tx1"/>
+                </a:solidFill>
+                <a:latin typeface="+mn-lt"/>
+                <a:ea typeface="+mn-ea"/>
+                <a:cs typeface="+mn-cs"/>
+              </a:rPr>
+              <a:t>Elipsoida ziemska jest zaś spłaszczoną elipsoidą obrotową, której powierzchnia jest najbardziej zbliżona do powierzchni geoidy na całej Ziemi.</a:t>
+            </a:r>
+          </a:p>
+          <a:p>
+            <a:r>
+              <a:rPr lang="pl-PL" sz="1200" kern="1200" dirty="0" smtClean="0">
+                <a:solidFill>
+                  <a:schemeClr val="tx1"/>
+                </a:solidFill>
+                <a:latin typeface="+mn-lt"/>
+                <a:ea typeface="+mn-ea"/>
+                <a:cs typeface="+mn-cs"/>
+              </a:rPr>
+              <a:t>Elipsoida jest zatem przybliżeniem geoidy, łatwiejszym do wykorzystywania w obliczeniach.</a:t>
+            </a:r>
+          </a:p>
+          <a:p>
+            <a:r>
+              <a:rPr lang="pl-PL" sz="1200" kern="1200" dirty="0" smtClean="0">
+                <a:solidFill>
+                  <a:schemeClr val="tx1"/>
+                </a:solidFill>
+                <a:latin typeface="+mn-lt"/>
+                <a:ea typeface="+mn-ea"/>
+                <a:cs typeface="+mn-cs"/>
+              </a:rPr>
+              <a:t>Istnieje wiele modeli geoidy i elipsoidy Ziemskiej jednak w pracy omówiono dwie najpopularniejsze czyli geoidę EGM96 oraz elipsoidę WGS84.</a:t>
+            </a:r>
+          </a:p>
+          <a:p>
+            <a:endParaRPr lang="pl-PL" sz="1200" kern="1200" dirty="0" smtClean="0">
+              <a:solidFill>
+                <a:schemeClr val="tx1"/>
+              </a:solidFill>
+              <a:latin typeface="+mn-lt"/>
+              <a:ea typeface="+mn-ea"/>
+              <a:cs typeface="+mn-cs"/>
+            </a:endParaRPr>
+          </a:p>
+          <a:p>
+            <a:pPr marL="0" marR="0" indent="0" algn="l" defTabSz="914400" rtl="0" eaLnBrk="1" fontAlgn="auto" latinLnBrk="0" hangingPunct="1">
+              <a:lnSpc>
+                <a:spcPct val="100000"/>
+              </a:lnSpc>
+              <a:spcBef>
+                <a:spcPts val="0"/>
+              </a:spcBef>
+              <a:spcAft>
+                <a:spcPts val="0"/>
+              </a:spcAft>
+              <a:buClrTx/>
+              <a:buSzTx/>
+              <a:buFontTx/>
+              <a:buNone/>
+              <a:tabLst/>
+              <a:defRPr/>
+            </a:pPr>
+            <a:endParaRPr lang="pl-PL" sz="1200" kern="1200" dirty="0" smtClean="0">
+              <a:solidFill>
+                <a:schemeClr val="tx1"/>
+              </a:solidFill>
+              <a:latin typeface="+mn-lt"/>
+              <a:ea typeface="+mn-ea"/>
+              <a:cs typeface="+mn-cs"/>
+            </a:endParaRPr>
+          </a:p>
+          <a:p>
+            <a:endParaRPr lang="pl-PL" sz="1200" kern="1200" dirty="0" smtClean="0">
+              <a:solidFill>
+                <a:schemeClr val="tx1"/>
+              </a:solidFill>
+              <a:latin typeface="+mn-lt"/>
+              <a:ea typeface="+mn-ea"/>
+              <a:cs typeface="+mn-cs"/>
+            </a:endParaRPr>
           </a:p>
           <a:p>
             <a:endParaRPr lang="pl-PL" dirty="0"/>
@@ -1719,7 +4130,7 @@
             <a:fld id="{A221A992-22D9-4EF5-B468-BF47D09055D6}" type="slidenum">
               <a:rPr lang="pl-PL" smtClean="0"/>
               <a:pPr/>
-              <a:t>8</a:t>
+              <a:t>4</a:t>
             </a:fld>
             <a:endParaRPr lang="pl-PL"/>
           </a:p>
@@ -1779,66 +4190,17 @@
           </a:bodyPr>
           <a:lstStyle/>
           <a:p>
-            <a:pPr marL="0" marR="0" indent="0" algn="l" defTabSz="914400" rtl="0" eaLnBrk="1" fontAlgn="auto" latinLnBrk="0" hangingPunct="1">
-              <a:lnSpc>
-                <a:spcPct val="100000"/>
-              </a:lnSpc>
-              <a:spcBef>
-                <a:spcPts val="0"/>
-              </a:spcBef>
-              <a:spcAft>
-                <a:spcPts val="0"/>
-              </a:spcAft>
-              <a:buClrTx/>
-              <a:buSzTx/>
-              <a:buFontTx/>
-              <a:buNone/>
-              <a:tabLst/>
-              <a:defRPr/>
-            </a:pPr>
-            <a:r>
-              <a:rPr lang="pl-PL" sz="1200" kern="1200" dirty="0" smtClean="0">
-                <a:solidFill>
-                  <a:schemeClr val="tx1"/>
-                </a:solidFill>
-                <a:latin typeface="+mn-lt"/>
-                <a:ea typeface="+mn-ea"/>
-                <a:cs typeface="+mn-cs"/>
-              </a:rPr>
-              <a:t>Tutaj widzimy przykładowy wynik działania algorytmu. </a:t>
-            </a:r>
-          </a:p>
-          <a:p>
-            <a:pPr marL="0" marR="0" indent="0" algn="l" defTabSz="914400" rtl="0" eaLnBrk="1" fontAlgn="auto" latinLnBrk="0" hangingPunct="1">
-              <a:lnSpc>
-                <a:spcPct val="100000"/>
-              </a:lnSpc>
-              <a:spcBef>
-                <a:spcPts val="0"/>
-              </a:spcBef>
-              <a:spcAft>
-                <a:spcPts val="0"/>
-              </a:spcAft>
-              <a:buClrTx/>
-              <a:buSzTx/>
-              <a:buFontTx/>
-              <a:buNone/>
-              <a:tabLst/>
-              <a:defRPr/>
-            </a:pPr>
-            <a:r>
-              <a:rPr lang="pl-PL" sz="1200" kern="1200" dirty="0" smtClean="0">
-                <a:solidFill>
-                  <a:schemeClr val="tx1"/>
-                </a:solidFill>
-                <a:latin typeface="+mn-lt"/>
-                <a:ea typeface="+mn-ea"/>
-                <a:cs typeface="+mn-cs"/>
-              </a:rPr>
-              <a:t>Fragmenty okręgów o mniejszym promieniu reprezentują tereny o większej wysokości, a te o większym promieniu o mniejszej. W ten sposób można łatwo odczytać gdzie wystąpił spadek, a gdzie wzniesienie terenu i którą część terenu kamera zarejestrowała, a która została zasłonięta.</a:t>
-            </a:r>
-          </a:p>
-          <a:p>
+            <a:r>
+              <a:rPr lang="pl-PL" sz="1200" kern="1200" dirty="0" smtClean="0">
+                <a:solidFill>
+                  <a:schemeClr val="tx1"/>
+                </a:solidFill>
+                <a:latin typeface="+mn-lt"/>
+                <a:ea typeface="+mn-ea"/>
+                <a:cs typeface="+mn-cs"/>
+              </a:rPr>
+              <a:t>Znany nam wszystkim dobrze system nawigacji satelitarnej określa położenie obiektów w stosunku do elipsoidy ziemskiej. To znaczy pomiar z jego wykorzystaniem daje nam długość i szerokość geograficzną określone w stosunku do elipsoidy oraz wysokość elipsoidalną.</a:t>
+            </a:r>
             <a:endParaRPr lang="pl-PL" dirty="0"/>
           </a:p>
         </p:txBody>
@@ -1861,7 +4223,7 @@
             <a:fld id="{A221A992-22D9-4EF5-B468-BF47D09055D6}" type="slidenum">
               <a:rPr lang="pl-PL" smtClean="0"/>
               <a:pPr/>
-              <a:t>9</a:t>
+              <a:t>5</a:t>
             </a:fld>
             <a:endParaRPr lang="pl-PL"/>
           </a:p>
@@ -1917,7 +4279,7 @@
         <p:spPr/>
         <p:txBody>
           <a:bodyPr>
-            <a:normAutofit/>
+            <a:normAutofit fontScale="92500"/>
           </a:bodyPr>
           <a:lstStyle/>
           <a:p>
@@ -1930,237 +4292,140 @@
                 <a:ea typeface="+mn-ea"/>
                 <a:cs typeface="+mn-cs"/>
               </a:rPr>
-              <a:t>Druga część algorytmu jest rozwinięciem algorytmu podstawowego. Po wyznaczeniu otoczki obszaru przeszukanego dla kąta widzenia kamery </a:t>
-            </a:r>
-            <a:r>
-              <a:rPr lang="pl-PL" sz="1200" b="1" kern="1200" dirty="0" smtClean="0">
-                <a:solidFill>
-                  <a:schemeClr val="tx1"/>
-                </a:solidFill>
-                <a:latin typeface="+mn-lt"/>
-                <a:ea typeface="+mn-ea"/>
-                <a:cs typeface="+mn-cs"/>
-              </a:rPr>
-              <a:t>α</a:t>
-            </a:r>
-            <a:r>
-              <a:rPr lang="pl-PL" sz="1200" kern="1200" dirty="0" smtClean="0">
-                <a:solidFill>
-                  <a:schemeClr val="tx1"/>
-                </a:solidFill>
-                <a:latin typeface="+mn-lt"/>
-                <a:ea typeface="+mn-ea"/>
-                <a:cs typeface="+mn-cs"/>
-              </a:rPr>
-              <a:t>, powtórzono tę samą operację dla kąta kamery zmniejszonego o określoną stałą wartość </a:t>
-            </a:r>
-            <a:r>
-              <a:rPr lang="pl-PL" sz="1200" b="1" kern="1200" dirty="0" smtClean="0">
-                <a:solidFill>
-                  <a:schemeClr val="tx1"/>
-                </a:solidFill>
-                <a:latin typeface="+mn-lt"/>
-                <a:ea typeface="+mn-ea"/>
-                <a:cs typeface="+mn-cs"/>
-              </a:rPr>
-              <a:t>β</a:t>
-            </a:r>
-            <a:r>
-              <a:rPr lang="pl-PL" sz="1200" kern="1200" dirty="0" smtClean="0">
-                <a:solidFill>
-                  <a:schemeClr val="tx1"/>
-                </a:solidFill>
-                <a:latin typeface="+mn-lt"/>
-                <a:ea typeface="+mn-ea"/>
-                <a:cs typeface="+mn-cs"/>
-              </a:rPr>
-              <a:t>, jednocześnie zapamiętując wyznaczoną otoczkę dla poprzedniej wartości kąta kamery. Iterację tę powtarzano, aż do osiągnięcia kąta zerowego. W efekcie po każdej iteracji otrzymywano dwie otoczki: jedną dla kąta widzenia kamery </a:t>
-            </a:r>
-            <a:r>
-              <a:rPr lang="pl-PL" sz="1200" b="1" kern="1200" dirty="0" smtClean="0">
-                <a:solidFill>
-                  <a:schemeClr val="tx1"/>
-                </a:solidFill>
-                <a:latin typeface="+mn-lt"/>
-                <a:ea typeface="+mn-ea"/>
-                <a:cs typeface="+mn-cs"/>
-              </a:rPr>
-              <a:t>γ</a:t>
-            </a:r>
-            <a:r>
-              <a:rPr lang="pl-PL" sz="1200" kern="1200" dirty="0" smtClean="0">
-                <a:solidFill>
-                  <a:schemeClr val="tx1"/>
-                </a:solidFill>
-                <a:latin typeface="+mn-lt"/>
-                <a:ea typeface="+mn-ea"/>
-                <a:cs typeface="+mn-cs"/>
-              </a:rPr>
-              <a:t> (kąt kamery z poprzedniej iteracji) oraz drugą dla kąta </a:t>
-            </a:r>
-            <a:r>
-              <a:rPr lang="pl-PL" sz="1200" b="1" kern="1200" dirty="0" smtClean="0">
-                <a:solidFill>
-                  <a:schemeClr val="tx1"/>
-                </a:solidFill>
-                <a:latin typeface="+mn-lt"/>
-                <a:ea typeface="+mn-ea"/>
-                <a:cs typeface="+mn-cs"/>
-              </a:rPr>
-              <a:t>γ - β.</a:t>
-            </a:r>
-            <a:endParaRPr lang="pl-PL" sz="1200" kern="1200" dirty="0" smtClean="0">
-              <a:solidFill>
-                <a:schemeClr val="tx1"/>
-              </a:solidFill>
-              <a:latin typeface="+mn-lt"/>
-              <a:ea typeface="+mn-ea"/>
-              <a:cs typeface="+mn-cs"/>
-            </a:endParaRPr>
-          </a:p>
-          <a:p>
-            <a:r>
-              <a:rPr lang="pl-PL" sz="1200" kern="1200" dirty="0" smtClean="0">
-                <a:solidFill>
-                  <a:schemeClr val="tx1"/>
-                </a:solidFill>
-                <a:latin typeface="+mn-lt"/>
-                <a:ea typeface="+mn-ea"/>
-                <a:cs typeface="+mn-cs"/>
-              </a:rPr>
-              <a:t>Dla obu otoczek porównano wysokości odpowiednich punktów, leżących na odpowiadających promieniach, czyli leżących na tej samej współrzędnej kątowej okręgu. Jeśli wysokość punktu </a:t>
-            </a:r>
-            <a:r>
-              <a:rPr lang="pl-PL" sz="1200" b="1" kern="1200" dirty="0" smtClean="0">
-                <a:solidFill>
-                  <a:schemeClr val="tx1"/>
-                </a:solidFill>
-                <a:latin typeface="+mn-lt"/>
-                <a:ea typeface="+mn-ea"/>
-                <a:cs typeface="+mn-cs"/>
-              </a:rPr>
-              <a:t>B</a:t>
-            </a:r>
-            <a:r>
-              <a:rPr lang="pl-PL" sz="1200" kern="1200" dirty="0" smtClean="0">
-                <a:solidFill>
-                  <a:schemeClr val="tx1"/>
-                </a:solidFill>
-                <a:latin typeface="+mn-lt"/>
-                <a:ea typeface="+mn-ea"/>
-                <a:cs typeface="+mn-cs"/>
-              </a:rPr>
-              <a:t> (leżącego na otoczce "γ - β") jest większa od wysokości punktu </a:t>
-            </a:r>
-            <a:r>
-              <a:rPr lang="pl-PL" sz="1200" b="1" kern="1200" dirty="0" smtClean="0">
-                <a:solidFill>
-                  <a:schemeClr val="tx1"/>
-                </a:solidFill>
-                <a:latin typeface="+mn-lt"/>
-                <a:ea typeface="+mn-ea"/>
-                <a:cs typeface="+mn-cs"/>
-              </a:rPr>
-              <a:t>A</a:t>
-            </a:r>
-            <a:r>
-              <a:rPr lang="pl-PL" sz="1200" kern="1200" dirty="0" smtClean="0">
-                <a:solidFill>
-                  <a:schemeClr val="tx1"/>
-                </a:solidFill>
-                <a:latin typeface="+mn-lt"/>
-                <a:ea typeface="+mn-ea"/>
-                <a:cs typeface="+mn-cs"/>
-              </a:rPr>
-              <a:t> (leżącego na otoczce " γ ") oznacza to, że między tymi dwoma punktami występuje wzniesienie. Wówczas zaczynając od wysokości punktu </a:t>
-            </a:r>
-            <a:r>
-              <a:rPr lang="pl-PL" sz="1200" b="1" kern="1200" dirty="0" smtClean="0">
-                <a:solidFill>
-                  <a:schemeClr val="tx1"/>
-                </a:solidFill>
-                <a:latin typeface="+mn-lt"/>
-                <a:ea typeface="+mn-ea"/>
-                <a:cs typeface="+mn-cs"/>
-              </a:rPr>
-              <a:t>B</a:t>
-            </a:r>
-            <a:r>
-              <a:rPr lang="pl-PL" sz="1200" kern="1200" dirty="0" smtClean="0">
-                <a:solidFill>
-                  <a:schemeClr val="tx1"/>
-                </a:solidFill>
-                <a:latin typeface="+mn-lt"/>
-                <a:ea typeface="+mn-ea"/>
-                <a:cs typeface="+mn-cs"/>
-              </a:rPr>
-              <a:t> powtórzono operację wykorzystaną przy wyznaczaniu otoczki, czyli stopniowe zmniejszanie wysokości o stały skok </a:t>
-            </a:r>
-            <a:r>
-              <a:rPr lang="pl-PL" sz="1200" b="1" kern="1200" dirty="0" err="1" smtClean="0">
-                <a:solidFill>
-                  <a:schemeClr val="tx1"/>
-                </a:solidFill>
-                <a:latin typeface="+mn-lt"/>
-                <a:ea typeface="+mn-ea"/>
-                <a:cs typeface="+mn-cs"/>
-              </a:rPr>
-              <a:t>dh</a:t>
-            </a:r>
-            <a:r>
-              <a:rPr lang="pl-PL" sz="1200" kern="1200" dirty="0" smtClean="0">
-                <a:solidFill>
-                  <a:schemeClr val="tx1"/>
-                </a:solidFill>
-                <a:latin typeface="+mn-lt"/>
-                <a:ea typeface="+mn-ea"/>
-                <a:cs typeface="+mn-cs"/>
-              </a:rPr>
-              <a:t>, aż do wysokości punktu </a:t>
-            </a:r>
-            <a:r>
-              <a:rPr lang="pl-PL" sz="1200" b="1" kern="1200" dirty="0" smtClean="0">
-                <a:solidFill>
-                  <a:schemeClr val="tx1"/>
-                </a:solidFill>
-                <a:latin typeface="+mn-lt"/>
-                <a:ea typeface="+mn-ea"/>
-                <a:cs typeface="+mn-cs"/>
-              </a:rPr>
-              <a:t>A</a:t>
-            </a:r>
-            <a:r>
-              <a:rPr lang="pl-PL" sz="1200" kern="1200" dirty="0" smtClean="0">
-                <a:solidFill>
-                  <a:schemeClr val="tx1"/>
-                </a:solidFill>
-                <a:latin typeface="+mn-lt"/>
-                <a:ea typeface="+mn-ea"/>
-                <a:cs typeface="+mn-cs"/>
-              </a:rPr>
-              <a:t>. Dla każdego "schodka" dokonano porównania wysokości punktu na promieniu wodzącym kamery o kącie </a:t>
-            </a:r>
-            <a:r>
-              <a:rPr lang="pl-PL" sz="1200" b="1" kern="1200" dirty="0" smtClean="0">
-                <a:solidFill>
-                  <a:schemeClr val="tx1"/>
-                </a:solidFill>
-                <a:latin typeface="+mn-lt"/>
-                <a:ea typeface="+mn-ea"/>
-                <a:cs typeface="+mn-cs"/>
-              </a:rPr>
-              <a:t>γ - β</a:t>
-            </a:r>
-            <a:r>
-              <a:rPr lang="pl-PL" sz="1200" kern="1200" dirty="0" smtClean="0">
-                <a:solidFill>
-                  <a:schemeClr val="tx1"/>
-                </a:solidFill>
-                <a:latin typeface="+mn-lt"/>
-                <a:ea typeface="+mn-ea"/>
-                <a:cs typeface="+mn-cs"/>
-              </a:rPr>
-              <a:t> z wysokością modelu punktu o tej samej długości i szerokości geograficznej. Jeśli wysokość punktu na promieniu wodzącym była większa od wysokości punktu modelowego zostawał on uznany za niewidoczny. </a:t>
+              <a:t>Jednak poza aktualnym położeniem dronów do analizy tego co kamera na nich zamontowana zarejestrowała, a czego nie potrzebny był jakiś model powierzchni ziemskiej.</a:t>
+            </a:r>
+          </a:p>
+          <a:p>
+            <a:r>
+              <a:rPr lang="pl-PL" sz="1200" kern="1200" dirty="0" smtClean="0">
+                <a:solidFill>
+                  <a:schemeClr val="tx1"/>
+                </a:solidFill>
+                <a:latin typeface="+mn-lt"/>
+                <a:ea typeface="+mn-ea"/>
+                <a:cs typeface="+mn-cs"/>
+              </a:rPr>
+              <a:t>Tu z pomocą przyszło mi pojęcie numerycznych modeli terenu oraz misja o dumnie brzmiącej nazwie Shuttle Radar Topography Mission (w skrócie SRTM), przeprowadzona przez Narodową Agencję Aeronautyki i </a:t>
+            </a:r>
+            <a:br>
+              <a:rPr lang="pl-PL" sz="1200" kern="1200" dirty="0" smtClean="0">
+                <a:solidFill>
+                  <a:schemeClr val="tx1"/>
+                </a:solidFill>
+                <a:latin typeface="+mn-lt"/>
+                <a:ea typeface="+mn-ea"/>
+                <a:cs typeface="+mn-cs"/>
+              </a:rPr>
+            </a:br>
+            <a:r>
+              <a:rPr lang="pl-PL" sz="1200" kern="1200" dirty="0" smtClean="0">
+                <a:solidFill>
+                  <a:schemeClr val="tx1"/>
+                </a:solidFill>
+                <a:latin typeface="+mn-lt"/>
+                <a:ea typeface="+mn-ea"/>
+                <a:cs typeface="+mn-cs"/>
+              </a:rPr>
+              <a:t>Przestrzeni Kosmicznej Stanów Zjednoczonych NASA, Niemiecką Agencję Kosmiczną DRL oraz Włoską Agencję Kosmiczną ASI w 2000 roku. Misja ta miała na celu zebranie najbardziej kompleksowego i dokładnego numerycznego modelu Ziemi.</a:t>
+            </a:r>
+          </a:p>
+          <a:p>
+            <a:r>
+              <a:rPr lang="pl-PL" sz="1200" kern="1200" dirty="0" smtClean="0">
+                <a:solidFill>
+                  <a:schemeClr val="tx1"/>
+                </a:solidFill>
+                <a:latin typeface="+mn-lt"/>
+                <a:ea typeface="+mn-ea"/>
+                <a:cs typeface="+mn-cs"/>
+              </a:rPr>
+              <a:t>Numeryczne modele SRTM, będące efektem misji są bezpłatnie dostępne w Internecie w formie plików </a:t>
+            </a:r>
+            <a:br>
+              <a:rPr lang="pl-PL" sz="1200" kern="1200" dirty="0" smtClean="0">
+                <a:solidFill>
+                  <a:schemeClr val="tx1"/>
+                </a:solidFill>
+                <a:latin typeface="+mn-lt"/>
+                <a:ea typeface="+mn-ea"/>
+                <a:cs typeface="+mn-cs"/>
+              </a:rPr>
+            </a:br>
+            <a:r>
+              <a:rPr lang="pl-PL" sz="1200" kern="1200" dirty="0" smtClean="0">
+                <a:solidFill>
+                  <a:schemeClr val="tx1"/>
+                </a:solidFill>
+                <a:latin typeface="+mn-lt"/>
+                <a:ea typeface="+mn-ea"/>
+                <a:cs typeface="+mn-cs"/>
+              </a:rPr>
+              <a:t>reprezentujących rastrowy numeryczny model terenu o zadanej rozdzielczości na poziomie 1'', 3'' lub 30'' w zależności od wersji danych i zostały przeze mnie wykorzystane w implementacji algorytmu. </a:t>
+            </a:r>
+          </a:p>
+          <a:p>
+            <a:r>
+              <a:rPr lang="pl-PL" sz="1200" kern="1200" dirty="0" smtClean="0">
+                <a:solidFill>
+                  <a:schemeClr val="tx1"/>
+                </a:solidFill>
+                <a:latin typeface="+mn-lt"/>
+                <a:ea typeface="+mn-ea"/>
+                <a:cs typeface="+mn-cs"/>
+              </a:rPr>
+              <a:t> </a:t>
+            </a:r>
+          </a:p>
+          <a:p>
+            <a:r>
+              <a:rPr lang="pl-PL" sz="1200" kern="1200" dirty="0" smtClean="0">
+                <a:solidFill>
+                  <a:schemeClr val="tx1"/>
+                </a:solidFill>
+                <a:latin typeface="+mn-lt"/>
+                <a:ea typeface="+mn-ea"/>
+                <a:cs typeface="+mn-cs"/>
+              </a:rPr>
+              <a:t>Zatem mogę skromnie mówić, iż współpracowałem z NASA. Jednak kontynuując...</a:t>
+            </a:r>
+          </a:p>
+          <a:p>
+            <a:r>
+              <a:rPr lang="pl-PL" sz="1200" kern="1200" dirty="0" smtClean="0">
+                <a:solidFill>
+                  <a:schemeClr val="tx1"/>
+                </a:solidFill>
+                <a:latin typeface="+mn-lt"/>
+                <a:ea typeface="+mn-ea"/>
+                <a:cs typeface="+mn-cs"/>
+              </a:rPr>
+              <a:t> </a:t>
+            </a:r>
+          </a:p>
+          <a:p>
+            <a:r>
+              <a:rPr lang="pl-PL" sz="1200" kern="1200" dirty="0" smtClean="0">
+                <a:solidFill>
+                  <a:schemeClr val="tx1"/>
+                </a:solidFill>
+                <a:latin typeface="+mn-lt"/>
+                <a:ea typeface="+mn-ea"/>
+                <a:cs typeface="+mn-cs"/>
+              </a:rPr>
+              <a:t>Współrzędne poziomie, czyli długość i szerokość w modelu SRTM są również podane w odniesieniu do elipsoidy WGS84, jednak wysokości są już podane w stosunku do geoidy EGM96. </a:t>
+            </a:r>
+          </a:p>
+          <a:p>
+            <a:r>
+              <a:rPr lang="pl-PL" sz="1200" kern="1200" dirty="0" smtClean="0">
+                <a:solidFill>
+                  <a:schemeClr val="tx1"/>
+                </a:solidFill>
+                <a:latin typeface="+mn-lt"/>
+                <a:ea typeface="+mn-ea"/>
+                <a:cs typeface="+mn-cs"/>
+              </a:rPr>
+              <a:t> </a:t>
             </a:r>
           </a:p>
           <a:p>
@@ -2186,7 +4451,7 @@
             <a:fld id="{A221A992-22D9-4EF5-B468-BF47D09055D6}" type="slidenum">
               <a:rPr lang="pl-PL" smtClean="0"/>
               <a:pPr/>
-              <a:t>10</a:t>
+              <a:t>6</a:t>
             </a:fld>
             <a:endParaRPr lang="pl-PL"/>
           </a:p>
@@ -2246,47 +4511,37 @@
           </a:bodyPr>
           <a:lstStyle/>
           <a:p>
-            <a:r>
-              <a:rPr lang="pl-PL" sz="1200" kern="1200" dirty="0" smtClean="0">
-                <a:solidFill>
-                  <a:schemeClr val="tx1"/>
-                </a:solidFill>
-                <a:latin typeface="+mn-lt"/>
-                <a:ea typeface="+mn-ea"/>
-                <a:cs typeface="+mn-cs"/>
-              </a:rPr>
-              <a:t> Po osiągnięciu wysokości punktu </a:t>
-            </a:r>
-            <a:r>
-              <a:rPr lang="pl-PL" sz="1200" b="1" kern="1200" dirty="0" smtClean="0">
-                <a:solidFill>
-                  <a:schemeClr val="tx1"/>
-                </a:solidFill>
-                <a:latin typeface="+mn-lt"/>
-                <a:ea typeface="+mn-ea"/>
-                <a:cs typeface="+mn-cs"/>
-              </a:rPr>
-              <a:t>A</a:t>
-            </a:r>
-            <a:r>
-              <a:rPr lang="pl-PL" sz="1200" kern="1200" dirty="0" smtClean="0">
-                <a:solidFill>
-                  <a:schemeClr val="tx1"/>
-                </a:solidFill>
-                <a:latin typeface="+mn-lt"/>
-                <a:ea typeface="+mn-ea"/>
-                <a:cs typeface="+mn-cs"/>
-              </a:rPr>
-              <a:t> z listy niewidocznych punktów wybrano punkt pierwszy i ostatni, czyli dwa punkty definiujące linię, będącą reprezentacją niewidocznego obszaru. Operacja ta była powtarzana dla każdego z 360 kątów, dla których wyznaczano punkty otoczki. W ten sposób otrzymano listę dziur w obszarze przeszukanym, w postaci linii, które sumarycznie reprezentują powierzchnię obszarów niezarejestrowanych przez kamerę.</a:t>
-            </a:r>
-            <a:endParaRPr lang="pl-PL" sz="1200" kern="1200" dirty="0">
-              <a:solidFill>
-                <a:schemeClr val="tx1"/>
-              </a:solidFill>
-              <a:latin typeface="+mn-lt"/>
-              <a:ea typeface="+mn-ea"/>
-              <a:cs typeface="+mn-cs"/>
-            </a:endParaRPr>
+            <a:pPr marL="0" marR="0" indent="0" algn="l" defTabSz="914400" rtl="0" eaLnBrk="1" fontAlgn="auto" latinLnBrk="0" hangingPunct="1">
+              <a:lnSpc>
+                <a:spcPct val="100000"/>
+              </a:lnSpc>
+              <a:spcBef>
+                <a:spcPts val="0"/>
+              </a:spcBef>
+              <a:spcAft>
+                <a:spcPts val="0"/>
+              </a:spcAft>
+              <a:buClrTx/>
+              <a:buSzTx/>
+              <a:buFontTx/>
+              <a:buNone/>
+              <a:tabLst/>
+              <a:defRPr/>
+            </a:pPr>
+            <a:r>
+              <a:rPr lang="pl-PL" sz="1200" kern="1200" dirty="0" smtClean="0">
+                <a:solidFill>
+                  <a:schemeClr val="tx1"/>
+                </a:solidFill>
+                <a:latin typeface="+mn-lt"/>
+                <a:ea typeface="+mn-ea"/>
+                <a:cs typeface="+mn-cs"/>
+              </a:rPr>
+              <a:t>W pracy dokonano analizy tego problemu i zaproponowano rozwiązanie w postaci wyznaczenia średniej wartości undulacji, czyli różnicy między geoidą i elipsoidą, na terenie na którym projektowany system miał działać, lub jeszcze lepiej dokonania dokładnych pomiarów i stworzenia całej tablicy wartości undulacji dla różnych położeń.</a:t>
+            </a:r>
+          </a:p>
+          <a:p>
+            <a:endParaRPr lang="pl-PL" dirty="0"/>
           </a:p>
         </p:txBody>
       </p:sp>
@@ -2308,7 +4563,7 @@
             <a:fld id="{A221A992-22D9-4EF5-B468-BF47D09055D6}" type="slidenum">
               <a:rPr lang="pl-PL" smtClean="0"/>
               <a:pPr/>
-              <a:t>11</a:t>
+              <a:t>7</a:t>
             </a:fld>
             <a:endParaRPr lang="pl-PL"/>
           </a:p>
@@ -2377,7 +4632,33 @@
                 <a:ea typeface="+mn-ea"/>
                 <a:cs typeface="+mn-cs"/>
               </a:rPr>
-              <a:t>Grubsze linie, poprowadzone wzdłuż promieni reprezentują obszary niezarejestrowane przez kamerę. Odpowiednie dobranie skoku kątowego, przy wyznaczaniu punktów okręgu oraz pogrupowanie punktów reprezentujących sąsiednie linie pozwoli na wyznaczenie zbiorów punktów reprezentujących poszczególne dziury. Następnie dla każdego zbioru zostanie wyznaczony wielokąt, zawierający wszystkie punkty zbioru zgodnie z algorytmem wyznaczania otoczki </a:t>
+              <a:t>Przejdę teraz do omówienia wspomnianego algorytmu.</a:t>
+            </a:r>
+          </a:p>
+          <a:p>
+            <a:r>
+              <a:rPr lang="pl-PL" sz="1200" kern="1200" dirty="0" smtClean="0">
+                <a:solidFill>
+                  <a:schemeClr val="tx1"/>
+                </a:solidFill>
+                <a:latin typeface="+mn-lt"/>
+                <a:ea typeface="+mn-ea"/>
+                <a:cs typeface="+mn-cs"/>
+              </a:rPr>
+              <a:t> </a:t>
+            </a:r>
+          </a:p>
+          <a:p>
+            <a:r>
+              <a:rPr lang="pl-PL" sz="1200" kern="1200" dirty="0" smtClean="0">
+                <a:solidFill>
+                  <a:schemeClr val="tx1"/>
+                </a:solidFill>
+                <a:latin typeface="+mn-lt"/>
+                <a:ea typeface="+mn-ea"/>
+                <a:cs typeface="+mn-cs"/>
+              </a:rPr>
+              <a:t>Algorytm za dane wejściowe przyjmował położenie geograficzne </a:t>
             </a:r>
             <a:r>
               <a:rPr lang="pl-PL" sz="1200" kern="1200" dirty="0" err="1" smtClean="0">
@@ -2388,18 +4669,546 @@
                 <a:ea typeface="+mn-ea"/>
                 <a:cs typeface="+mn-cs"/>
               </a:rPr>
-              <a:t>α-wklęsłe</a:t>
-            </a:r>
-            <a:r>
-              <a:rPr lang="pl-PL" sz="1200" kern="1200" dirty="0" smtClean="0">
-                <a:solidFill>
-                  <a:schemeClr val="tx1"/>
-                </a:solidFill>
-                <a:latin typeface="+mn-lt"/>
-                <a:ea typeface="+mn-ea"/>
-                <a:cs typeface="+mn-cs"/>
-              </a:rPr>
-              <a:t>, który zostanie za moment omówiony. Ostateczny wynik działania algorytmu został przedstawiony na widocznym rysunku.</a:t>
+              <a:t>drona</a:t>
+            </a:r>
+            <a:r>
+              <a:rPr lang="pl-PL" sz="1200" kern="1200" dirty="0" smtClean="0">
+                <a:solidFill>
+                  <a:schemeClr val="tx1"/>
+                </a:solidFill>
+                <a:latin typeface="+mn-lt"/>
+                <a:ea typeface="+mn-ea"/>
+                <a:cs typeface="+mn-cs"/>
+              </a:rPr>
+              <a:t> pobrane z użyciem systemu nawigacji satelitarnej GPS oraz kąt widzenia kamery na nim zamontowanej.  Przy czym w pracy przyjęto, iż kamera jest skierowana pionowo w dół oraz że rejestruje obraz o powierzchni kołowej. </a:t>
+            </a:r>
+          </a:p>
+          <a:p>
+            <a:r>
+              <a:rPr lang="pl-PL" sz="1200" kern="1200" dirty="0" smtClean="0">
+                <a:solidFill>
+                  <a:schemeClr val="tx1"/>
+                </a:solidFill>
+                <a:latin typeface="+mn-lt"/>
+                <a:ea typeface="+mn-ea"/>
+                <a:cs typeface="+mn-cs"/>
+              </a:rPr>
+              <a:t> </a:t>
+            </a:r>
+          </a:p>
+          <a:p>
+            <a:r>
+              <a:rPr lang="pl-PL" sz="1200" kern="1200" dirty="0" smtClean="0">
+                <a:solidFill>
+                  <a:schemeClr val="tx1"/>
+                </a:solidFill>
+                <a:latin typeface="+mn-lt"/>
+                <a:ea typeface="+mn-ea"/>
+                <a:cs typeface="+mn-cs"/>
+              </a:rPr>
+              <a:t>Docelowy algorytm został podzielony na trzy części: </a:t>
+            </a:r>
+          </a:p>
+          <a:p>
+            <a:r>
+              <a:rPr lang="pl-PL" sz="1200" kern="1200" dirty="0" smtClean="0">
+                <a:solidFill>
+                  <a:schemeClr val="tx1"/>
+                </a:solidFill>
+                <a:latin typeface="+mn-lt"/>
+                <a:ea typeface="+mn-ea"/>
+                <a:cs typeface="+mn-cs"/>
+              </a:rPr>
+              <a:t> </a:t>
+            </a:r>
+          </a:p>
+          <a:p>
+            <a:pPr lvl="0"/>
+            <a:r>
+              <a:rPr lang="pl-PL" sz="1200" kern="1200" dirty="0" smtClean="0">
+                <a:solidFill>
+                  <a:schemeClr val="tx1"/>
+                </a:solidFill>
+                <a:latin typeface="+mn-lt"/>
+                <a:ea typeface="+mn-ea"/>
+                <a:cs typeface="+mn-cs"/>
+              </a:rPr>
+              <a:t>algorytm wyznaczania otoczki obszaru przeszukanego, </a:t>
+            </a:r>
+          </a:p>
+          <a:p>
+            <a:pPr lvl="0"/>
+            <a:r>
+              <a:rPr lang="pl-PL" sz="1200" kern="1200" dirty="0" smtClean="0">
+                <a:solidFill>
+                  <a:schemeClr val="tx1"/>
+                </a:solidFill>
+                <a:latin typeface="+mn-lt"/>
+                <a:ea typeface="+mn-ea"/>
+                <a:cs typeface="+mn-cs"/>
+              </a:rPr>
+              <a:t>algorytm wyznaczania obszarów wewnątrz otoczki niezarejestrowanych przez kamerę oraz </a:t>
+            </a:r>
+          </a:p>
+          <a:p>
+            <a:pPr lvl="0"/>
+            <a:r>
+              <a:rPr lang="pl-PL" sz="1200" kern="1200" dirty="0" smtClean="0">
+                <a:solidFill>
+                  <a:schemeClr val="tx1"/>
+                </a:solidFill>
+                <a:latin typeface="+mn-lt"/>
+                <a:ea typeface="+mn-ea"/>
+                <a:cs typeface="+mn-cs"/>
+              </a:rPr>
+              <a:t>algorytm łączenia pojedynczych obszarów w całość. </a:t>
+            </a:r>
+          </a:p>
+          <a:p>
+            <a:r>
+              <a:rPr lang="pl-PL" sz="1200" kern="1200" dirty="0" smtClean="0">
+                <a:solidFill>
+                  <a:schemeClr val="tx1"/>
+                </a:solidFill>
+                <a:latin typeface="+mn-lt"/>
+                <a:ea typeface="+mn-ea"/>
+                <a:cs typeface="+mn-cs"/>
+              </a:rPr>
+              <a:t> </a:t>
+            </a:r>
+          </a:p>
+          <a:p>
+            <a:r>
+              <a:rPr lang="pl-PL" sz="1200" kern="1200" dirty="0" smtClean="0">
+                <a:solidFill>
+                  <a:schemeClr val="tx1"/>
+                </a:solidFill>
+                <a:latin typeface="+mn-lt"/>
+                <a:ea typeface="+mn-ea"/>
+                <a:cs typeface="+mn-cs"/>
+              </a:rPr>
+              <a:t>Pierwsze dwie części algorytmu zostały rozwiązane z wykorzystaniem heurystyki, a trzeci algorytm wykorzystał naukową teorię kształtów alfa, ale wszystko po kolei.</a:t>
+            </a:r>
+          </a:p>
+          <a:p>
+            <a:r>
+              <a:rPr lang="pl-PL" sz="1200" kern="1200" dirty="0" smtClean="0">
+                <a:solidFill>
+                  <a:schemeClr val="tx1"/>
+                </a:solidFill>
+                <a:latin typeface="+mn-lt"/>
+                <a:ea typeface="+mn-ea"/>
+                <a:cs typeface="+mn-cs"/>
+              </a:rPr>
+              <a:t> </a:t>
+            </a:r>
+          </a:p>
+          <a:p>
+            <a:endParaRPr lang="pl-PL" dirty="0"/>
+          </a:p>
+        </p:txBody>
+      </p:sp>
+      <p:sp>
+        <p:nvSpPr>
+          <p:cNvPr id="4" name="Symbol zastępczy numeru slajdu 3"/>
+          <p:cNvSpPr>
+            <a:spLocks noGrp="1"/>
+          </p:cNvSpPr>
+          <p:nvPr>
+            <p:ph type="sldNum" sz="quarter" idx="10"/>
+          </p:nvPr>
+        </p:nvSpPr>
+        <p:spPr/>
+        <p:txBody>
+          <a:bodyPr/>
+          <a:lstStyle/>
+          <a:p>
+            <a:fld id="{A221A992-22D9-4EF5-B468-BF47D09055D6}" type="slidenum">
+              <a:rPr lang="pl-PL" smtClean="0"/>
+              <a:pPr/>
+              <a:t>8</a:t>
+            </a:fld>
+            <a:endParaRPr lang="pl-PL"/>
+          </a:p>
+        </p:txBody>
+      </p:sp>
+    </p:spTree>
+  </p:cSld>
+  <p:clrMapOvr>
+    <a:masterClrMapping/>
+  </p:clrMapOvr>
+</p:notes>
+</file>
+
+<file path=ppt/notesSlides/notesSlide9.xml><?xml version="1.0" encoding="utf-8"?>
+<p:notes xmlns:a="http://schemas.openxmlformats.org/drawingml/2006/main" xmlns:r="http://schemas.openxmlformats.org/officeDocument/2006/relationships" xmlns:p="http://schemas.openxmlformats.org/presentationml/2006/main">
+  <p:cSld>
+    <p:spTree>
+      <p:nvGrpSpPr>
+        <p:cNvPr id="1" name=""/>
+        <p:cNvGrpSpPr/>
+        <p:nvPr/>
+      </p:nvGrpSpPr>
+      <p:grpSpPr>
+        <a:xfrm>
+          <a:off x="0" y="0"/>
+          <a:ext cx="0" cy="0"/>
+          <a:chOff x="0" y="0"/>
+          <a:chExt cx="0" cy="0"/>
+        </a:xfrm>
+      </p:grpSpPr>
+      <p:sp>
+        <p:nvSpPr>
+          <p:cNvPr id="2" name="Symbol zastępczy obrazu slajdu 1"/>
+          <p:cNvSpPr>
+            <a:spLocks noGrp="1" noRot="1" noChangeAspect="1"/>
+          </p:cNvSpPr>
+          <p:nvPr>
+            <p:ph type="sldImg"/>
+          </p:nvPr>
+        </p:nvSpPr>
+        <p:spPr/>
+      </p:sp>
+      <p:sp>
+        <p:nvSpPr>
+          <p:cNvPr id="3" name="Symbol zastępczy notatek 2"/>
+          <p:cNvSpPr>
+            <a:spLocks noGrp="1"/>
+          </p:cNvSpPr>
+          <p:nvPr>
+            <p:ph type="body" idx="1"/>
+          </p:nvPr>
+        </p:nvSpPr>
+        <p:spPr/>
+        <p:txBody>
+          <a:bodyPr>
+            <a:normAutofit/>
+          </a:bodyPr>
+          <a:lstStyle/>
+          <a:p>
+            <a:r>
+              <a:rPr lang="pl-PL" sz="1200" b="1" kern="1200" dirty="0" smtClean="0">
+                <a:solidFill>
+                  <a:schemeClr val="tx1"/>
+                </a:solidFill>
+                <a:latin typeface="+mn-lt"/>
+                <a:ea typeface="+mn-ea"/>
+                <a:cs typeface="+mn-cs"/>
+              </a:rPr>
+              <a:t>I algorytm wyznaczania otoczki obszaru przeszukanego:</a:t>
+            </a:r>
+            <a:endParaRPr lang="pl-PL" sz="1200" kern="1200" dirty="0" smtClean="0">
+              <a:solidFill>
+                <a:schemeClr val="tx1"/>
+              </a:solidFill>
+              <a:latin typeface="+mn-lt"/>
+              <a:ea typeface="+mn-ea"/>
+              <a:cs typeface="+mn-cs"/>
+            </a:endParaRPr>
+          </a:p>
+          <a:p>
+            <a:r>
+              <a:rPr lang="pl-PL" sz="1200" kern="1200" dirty="0" smtClean="0">
+                <a:solidFill>
+                  <a:schemeClr val="tx1"/>
+                </a:solidFill>
+                <a:latin typeface="+mn-lt"/>
+                <a:ea typeface="+mn-ea"/>
+                <a:cs typeface="+mn-cs"/>
+              </a:rPr>
+              <a:t> </a:t>
+            </a:r>
+          </a:p>
+          <a:p>
+            <a:r>
+              <a:rPr lang="pl-PL" sz="1200" kern="1200" dirty="0" smtClean="0">
+                <a:solidFill>
+                  <a:schemeClr val="tx1"/>
+                </a:solidFill>
+                <a:latin typeface="+mn-lt"/>
+                <a:ea typeface="+mn-ea"/>
+                <a:cs typeface="+mn-cs"/>
+              </a:rPr>
+              <a:t>Pokazany rysunek przedstawia koncepcję działania algorytmu wyznaczania otoczki obszaru przeszukanego.</a:t>
+            </a:r>
+          </a:p>
+          <a:p>
+            <a:r>
+              <a:rPr lang="pl-PL" sz="1200" kern="1200" dirty="0" smtClean="0">
+                <a:solidFill>
+                  <a:schemeClr val="tx1"/>
+                </a:solidFill>
+                <a:latin typeface="+mn-lt"/>
+                <a:ea typeface="+mn-ea"/>
+                <a:cs typeface="+mn-cs"/>
+              </a:rPr>
+              <a:t> </a:t>
+            </a:r>
+          </a:p>
+          <a:p>
+            <a:r>
+              <a:rPr lang="pl-PL" sz="1200" kern="1200" dirty="0" smtClean="0">
+                <a:solidFill>
+                  <a:schemeClr val="tx1"/>
+                </a:solidFill>
+                <a:latin typeface="+mn-lt"/>
+                <a:ea typeface="+mn-ea"/>
+                <a:cs typeface="+mn-cs"/>
+              </a:rPr>
+              <a:t>	Punkt </a:t>
+            </a:r>
+            <a:r>
+              <a:rPr lang="pl-PL" sz="1200" b="1" kern="1200" dirty="0" smtClean="0">
+                <a:solidFill>
+                  <a:schemeClr val="tx1"/>
+                </a:solidFill>
+                <a:latin typeface="+mn-lt"/>
+                <a:ea typeface="+mn-ea"/>
+                <a:cs typeface="+mn-cs"/>
+              </a:rPr>
+              <a:t>D </a:t>
+            </a:r>
+            <a:r>
+              <a:rPr lang="pl-PL" sz="1200" kern="1200" dirty="0" smtClean="0">
+                <a:solidFill>
+                  <a:schemeClr val="tx1"/>
+                </a:solidFill>
+                <a:latin typeface="+mn-lt"/>
+                <a:ea typeface="+mn-ea"/>
+                <a:cs typeface="+mn-cs"/>
+              </a:rPr>
+              <a:t>odpowiada położeniu </a:t>
+            </a:r>
+            <a:r>
+              <a:rPr lang="pl-PL" sz="1200" kern="1200" dirty="0" err="1" smtClean="0">
+                <a:solidFill>
+                  <a:schemeClr val="tx1"/>
+                </a:solidFill>
+                <a:latin typeface="+mn-lt"/>
+                <a:ea typeface="+mn-ea"/>
+                <a:cs typeface="+mn-cs"/>
+              </a:rPr>
+              <a:t>drona</a:t>
+            </a:r>
+            <a:r>
+              <a:rPr lang="pl-PL" sz="1200" kern="1200" dirty="0" smtClean="0">
+                <a:solidFill>
+                  <a:schemeClr val="tx1"/>
+                </a:solidFill>
+                <a:latin typeface="+mn-lt"/>
+                <a:ea typeface="+mn-ea"/>
+                <a:cs typeface="+mn-cs"/>
+              </a:rPr>
+              <a:t>. Wysokość </a:t>
+            </a:r>
+            <a:r>
+              <a:rPr lang="pl-PL" sz="1200" b="1" kern="1200" dirty="0" smtClean="0">
+                <a:solidFill>
+                  <a:schemeClr val="tx1"/>
+                </a:solidFill>
+                <a:latin typeface="+mn-lt"/>
+                <a:ea typeface="+mn-ea"/>
+                <a:cs typeface="+mn-cs"/>
+              </a:rPr>
+              <a:t>H </a:t>
+            </a:r>
+            <a:r>
+              <a:rPr lang="pl-PL" sz="1200" kern="1200" dirty="0" smtClean="0">
+                <a:solidFill>
+                  <a:schemeClr val="tx1"/>
+                </a:solidFill>
+                <a:latin typeface="+mn-lt"/>
+                <a:ea typeface="+mn-ea"/>
+                <a:cs typeface="+mn-cs"/>
+              </a:rPr>
+              <a:t> jest wysokością statku nad ziemią. Znając położenie i wysokość </a:t>
+            </a:r>
+            <a:r>
+              <a:rPr lang="pl-PL" sz="1200" kern="1200" dirty="0" err="1" smtClean="0">
+                <a:solidFill>
+                  <a:schemeClr val="tx1"/>
+                </a:solidFill>
+                <a:latin typeface="+mn-lt"/>
+                <a:ea typeface="+mn-ea"/>
+                <a:cs typeface="+mn-cs"/>
+              </a:rPr>
+              <a:t>drona</a:t>
+            </a:r>
+            <a:r>
+              <a:rPr lang="pl-PL" sz="1200" kern="1200" dirty="0" smtClean="0">
+                <a:solidFill>
+                  <a:schemeClr val="tx1"/>
+                </a:solidFill>
+                <a:latin typeface="+mn-lt"/>
+                <a:ea typeface="+mn-ea"/>
+                <a:cs typeface="+mn-cs"/>
+              </a:rPr>
+              <a:t> nad ziemią oraz kąt widzenia kamery </a:t>
+            </a:r>
+            <a:r>
+              <a:rPr lang="pl-PL" sz="1200" b="1" kern="1200" dirty="0" smtClean="0">
+                <a:solidFill>
+                  <a:schemeClr val="tx1"/>
+                </a:solidFill>
+                <a:latin typeface="+mn-lt"/>
+                <a:ea typeface="+mn-ea"/>
+                <a:cs typeface="+mn-cs"/>
+              </a:rPr>
+              <a:t>α</a:t>
+            </a:r>
+            <a:r>
+              <a:rPr lang="pl-PL" sz="1200" kern="1200" dirty="0" smtClean="0">
+                <a:solidFill>
+                  <a:schemeClr val="tx1"/>
+                </a:solidFill>
+                <a:latin typeface="+mn-lt"/>
+                <a:ea typeface="+mn-ea"/>
+                <a:cs typeface="+mn-cs"/>
+              </a:rPr>
+              <a:t> rozpoczęto wyznaczanie kolejnych okręgów reprezentujących potencjalną otoczkę zarejestrowanego obszaru. Wyznaczanie okręgów rozpoczęto od wysokości </a:t>
+            </a:r>
+            <a:r>
+              <a:rPr lang="pl-PL" sz="1200" kern="1200" dirty="0" err="1" smtClean="0">
+                <a:solidFill>
+                  <a:schemeClr val="tx1"/>
+                </a:solidFill>
+                <a:latin typeface="+mn-lt"/>
+                <a:ea typeface="+mn-ea"/>
+                <a:cs typeface="+mn-cs"/>
+              </a:rPr>
+              <a:t>drona</a:t>
+            </a:r>
+            <a:r>
+              <a:rPr lang="pl-PL" sz="1200" kern="1200" dirty="0" smtClean="0">
+                <a:solidFill>
+                  <a:schemeClr val="tx1"/>
+                </a:solidFill>
+                <a:latin typeface="+mn-lt"/>
+                <a:ea typeface="+mn-ea"/>
+                <a:cs typeface="+mn-cs"/>
+              </a:rPr>
+              <a:t> pomniejszonej o skok </a:t>
+            </a:r>
+            <a:r>
+              <a:rPr lang="pl-PL" sz="1200" b="1" kern="1200" dirty="0" err="1" smtClean="0">
+                <a:solidFill>
+                  <a:schemeClr val="tx1"/>
+                </a:solidFill>
+                <a:latin typeface="+mn-lt"/>
+                <a:ea typeface="+mn-ea"/>
+                <a:cs typeface="+mn-cs"/>
+              </a:rPr>
+              <a:t>dh</a:t>
+            </a:r>
+            <a:r>
+              <a:rPr lang="pl-PL" sz="1200" b="1" kern="1200" dirty="0" smtClean="0">
+                <a:solidFill>
+                  <a:schemeClr val="tx1"/>
+                </a:solidFill>
+                <a:latin typeface="+mn-lt"/>
+                <a:ea typeface="+mn-ea"/>
+                <a:cs typeface="+mn-cs"/>
+              </a:rPr>
+              <a:t>, </a:t>
+            </a:r>
+            <a:r>
+              <a:rPr lang="pl-PL" sz="1200" kern="1200" dirty="0" smtClean="0">
+                <a:solidFill>
+                  <a:schemeClr val="tx1"/>
+                </a:solidFill>
+                <a:latin typeface="+mn-lt"/>
+                <a:ea typeface="+mn-ea"/>
+                <a:cs typeface="+mn-cs"/>
+              </a:rPr>
+              <a:t>którego wartość na drodze eksperymentalnej dobrano na 2 m. Znając wartość </a:t>
+            </a:r>
+            <a:r>
+              <a:rPr lang="pl-PL" sz="1200" b="1" kern="1200" dirty="0" err="1" smtClean="0">
+                <a:solidFill>
+                  <a:schemeClr val="tx1"/>
+                </a:solidFill>
+                <a:latin typeface="+mn-lt"/>
+                <a:ea typeface="+mn-ea"/>
+                <a:cs typeface="+mn-cs"/>
+              </a:rPr>
+              <a:t>dh</a:t>
+            </a:r>
+            <a:r>
+              <a:rPr lang="pl-PL" sz="1200" b="1" kern="1200" dirty="0" smtClean="0">
+                <a:solidFill>
+                  <a:schemeClr val="tx1"/>
+                </a:solidFill>
+                <a:latin typeface="+mn-lt"/>
+                <a:ea typeface="+mn-ea"/>
+                <a:cs typeface="+mn-cs"/>
+              </a:rPr>
+              <a:t> </a:t>
+            </a:r>
+            <a:r>
+              <a:rPr lang="pl-PL" sz="1200" kern="1200" dirty="0" smtClean="0">
+                <a:solidFill>
+                  <a:schemeClr val="tx1"/>
+                </a:solidFill>
+                <a:latin typeface="+mn-lt"/>
+                <a:ea typeface="+mn-ea"/>
+                <a:cs typeface="+mn-cs"/>
+              </a:rPr>
+              <a:t>oraz kąt </a:t>
+            </a:r>
+            <a:r>
+              <a:rPr lang="pl-PL" sz="1200" b="1" kern="1200" dirty="0" smtClean="0">
+                <a:solidFill>
+                  <a:schemeClr val="tx1"/>
+                </a:solidFill>
+                <a:latin typeface="+mn-lt"/>
+                <a:ea typeface="+mn-ea"/>
+                <a:cs typeface="+mn-cs"/>
+              </a:rPr>
+              <a:t>α</a:t>
+            </a:r>
+            <a:r>
+              <a:rPr lang="pl-PL" sz="1200" kern="1200" dirty="0" smtClean="0">
+                <a:solidFill>
+                  <a:schemeClr val="tx1"/>
+                </a:solidFill>
+                <a:latin typeface="+mn-lt"/>
+                <a:ea typeface="+mn-ea"/>
+                <a:cs typeface="+mn-cs"/>
+              </a:rPr>
+              <a:t> widzenia kamery wyznaczono wartość promienia </a:t>
+            </a:r>
+            <a:r>
+              <a:rPr lang="pl-PL" sz="1200" b="1" kern="1200" dirty="0" err="1" smtClean="0">
+                <a:solidFill>
+                  <a:schemeClr val="tx1"/>
+                </a:solidFill>
+                <a:latin typeface="+mn-lt"/>
+                <a:ea typeface="+mn-ea"/>
+                <a:cs typeface="+mn-cs"/>
+              </a:rPr>
+              <a:t>r</a:t>
+            </a:r>
+            <a:r>
+              <a:rPr lang="pl-PL" sz="1200" b="1" kern="1200" dirty="0" smtClean="0">
+                <a:solidFill>
+                  <a:schemeClr val="tx1"/>
+                </a:solidFill>
+                <a:latin typeface="+mn-lt"/>
+                <a:ea typeface="+mn-ea"/>
+                <a:cs typeface="+mn-cs"/>
+              </a:rPr>
+              <a:t> </a:t>
+            </a:r>
+            <a:r>
+              <a:rPr lang="pl-PL" sz="1200" kern="1200" dirty="0" smtClean="0">
+                <a:solidFill>
+                  <a:schemeClr val="tx1"/>
+                </a:solidFill>
+                <a:latin typeface="+mn-lt"/>
+                <a:ea typeface="+mn-ea"/>
+                <a:cs typeface="+mn-cs"/>
+              </a:rPr>
+              <a:t>zgodnie ze wzorem:</a:t>
             </a:r>
             <a:endParaRPr lang="pl-PL" sz="1200" kern="1200" dirty="0">
               <a:solidFill>
@@ -2430,7 +5239,7 @@
             <a:fld id="{A221A992-22D9-4EF5-B468-BF47D09055D6}" type="slidenum">
               <a:rPr lang="pl-PL" smtClean="0"/>
               <a:pPr/>
-              <a:t>12</a:t>
+              <a:t>9</a:t>
             </a:fld>
             <a:endParaRPr lang="pl-PL"/>
           </a:p>
@@ -2626,7 +5435,7 @@
             <a:fld id="{26454A93-E770-450C-BF74-798E16E1408D}" type="datetimeFigureOut">
               <a:rPr lang="pl-PL" smtClean="0"/>
               <a:pPr/>
-              <a:t>2016-05-16</a:t>
+              <a:t>2016-05-18</a:t>
             </a:fld>
             <a:endParaRPr lang="pl-PL"/>
           </a:p>
@@ -2793,7 +5602,7 @@
             <a:fld id="{26454A93-E770-450C-BF74-798E16E1408D}" type="datetimeFigureOut">
               <a:rPr lang="pl-PL" smtClean="0"/>
               <a:pPr/>
-              <a:t>2016-05-16</a:t>
+              <a:t>2016-05-18</a:t>
             </a:fld>
             <a:endParaRPr lang="pl-PL"/>
           </a:p>
@@ -2970,7 +5779,7 @@
             <a:fld id="{26454A93-E770-450C-BF74-798E16E1408D}" type="datetimeFigureOut">
               <a:rPr lang="pl-PL" smtClean="0"/>
               <a:pPr/>
-              <a:t>2016-05-16</a:t>
+              <a:t>2016-05-18</a:t>
             </a:fld>
             <a:endParaRPr lang="pl-PL"/>
           </a:p>
@@ -3137,7 +5946,7 @@
             <a:fld id="{26454A93-E770-450C-BF74-798E16E1408D}" type="datetimeFigureOut">
               <a:rPr lang="pl-PL" smtClean="0"/>
               <a:pPr/>
-              <a:t>2016-05-16</a:t>
+              <a:t>2016-05-18</a:t>
             </a:fld>
             <a:endParaRPr lang="pl-PL"/>
           </a:p>
@@ -3380,7 +6189,7 @@
             <a:fld id="{26454A93-E770-450C-BF74-798E16E1408D}" type="datetimeFigureOut">
               <a:rPr lang="pl-PL" smtClean="0"/>
               <a:pPr/>
-              <a:t>2016-05-16</a:t>
+              <a:t>2016-05-18</a:t>
             </a:fld>
             <a:endParaRPr lang="pl-PL"/>
           </a:p>
@@ -3665,7 +6474,7 @@
             <a:fld id="{26454A93-E770-450C-BF74-798E16E1408D}" type="datetimeFigureOut">
               <a:rPr lang="pl-PL" smtClean="0"/>
               <a:pPr/>
-              <a:t>2016-05-16</a:t>
+              <a:t>2016-05-18</a:t>
             </a:fld>
             <a:endParaRPr lang="pl-PL"/>
           </a:p>
@@ -4084,7 +6893,7 @@
             <a:fld id="{26454A93-E770-450C-BF74-798E16E1408D}" type="datetimeFigureOut">
               <a:rPr lang="pl-PL" smtClean="0"/>
               <a:pPr/>
-              <a:t>2016-05-16</a:t>
+              <a:t>2016-05-18</a:t>
             </a:fld>
             <a:endParaRPr lang="pl-PL"/>
           </a:p>
@@ -4199,7 +7008,7 @@
             <a:fld id="{26454A93-E770-450C-BF74-798E16E1408D}" type="datetimeFigureOut">
               <a:rPr lang="pl-PL" smtClean="0"/>
               <a:pPr/>
-              <a:t>2016-05-16</a:t>
+              <a:t>2016-05-18</a:t>
             </a:fld>
             <a:endParaRPr lang="pl-PL"/>
           </a:p>
@@ -4291,7 +7100,7 @@
             <a:fld id="{26454A93-E770-450C-BF74-798E16E1408D}" type="datetimeFigureOut">
               <a:rPr lang="pl-PL" smtClean="0"/>
               <a:pPr/>
-              <a:t>2016-05-16</a:t>
+              <a:t>2016-05-18</a:t>
             </a:fld>
             <a:endParaRPr lang="pl-PL"/>
           </a:p>
@@ -4565,7 +7374,7 @@
             <a:fld id="{26454A93-E770-450C-BF74-798E16E1408D}" type="datetimeFigureOut">
               <a:rPr lang="pl-PL" smtClean="0"/>
               <a:pPr/>
-              <a:t>2016-05-16</a:t>
+              <a:t>2016-05-18</a:t>
             </a:fld>
             <a:endParaRPr lang="pl-PL"/>
           </a:p>
@@ -4815,7 +7624,7 @@
             <a:fld id="{26454A93-E770-450C-BF74-798E16E1408D}" type="datetimeFigureOut">
               <a:rPr lang="pl-PL" smtClean="0"/>
               <a:pPr/>
-              <a:t>2016-05-16</a:t>
+              <a:t>2016-05-18</a:t>
             </a:fld>
             <a:endParaRPr lang="pl-PL"/>
           </a:p>
@@ -5040,7 +7849,7 @@
             <a:fld id="{26454A93-E770-450C-BF74-798E16E1408D}" type="datetimeFigureOut">
               <a:rPr lang="pl-PL" smtClean="0"/>
               <a:pPr/>
-              <a:t>2016-05-16</a:t>
+              <a:t>2016-05-18</a:t>
             </a:fld>
             <a:endParaRPr lang="pl-PL"/>
           </a:p>
@@ -5432,10 +8241,10 @@
           <a:lstStyle/>
           <a:p>
             <a:r>
-              <a:rPr lang="pl-PL" dirty="0" smtClean="0"/>
+              <a:rPr lang="pl-PL" b="1" dirty="0" smtClean="0"/>
               <a:t>Praca dyplomowa - inżynierska</a:t>
             </a:r>
-            <a:endParaRPr lang="pl-PL" dirty="0"/>
+            <a:endParaRPr lang="pl-PL" b="1" dirty="0"/>
           </a:p>
         </p:txBody>
       </p:sp>
@@ -5469,7 +8278,11 @@
           <a:p>
             <a:r>
               <a:rPr lang="pl-PL" dirty="0" smtClean="0"/>
-              <a:t>Promotor: dr inż. Paweł Wnuk</a:t>
+              <a:t>Promotor pracy: </a:t>
+            </a:r>
+            <a:r>
+              <a:rPr lang="pl-PL" dirty="0" smtClean="0"/>
+              <a:t>dr inż. Paweł Wnuk</a:t>
             </a:r>
           </a:p>
           <a:p>
@@ -5531,49 +8344,156 @@
         </p:nvSpPr>
         <p:spPr/>
         <p:txBody>
-          <a:bodyPr>
-            <a:normAutofit/>
+          <a:bodyPr/>
+          <a:lstStyle/>
+          <a:p>
+            <a:r>
+              <a:rPr lang="pl-PL" dirty="0" smtClean="0"/>
+              <a:t>Wyznaczanie promienia</a:t>
+            </a:r>
+            <a:endParaRPr lang="pl-PL" dirty="0"/>
+          </a:p>
+        </p:txBody>
+      </p:sp>
+      <p:sp>
+        <p:nvSpPr>
+          <p:cNvPr id="1026" name="Rectangle 2"/>
+          <p:cNvSpPr>
+            <a:spLocks noChangeArrowheads="1"/>
+          </p:cNvSpPr>
+          <p:nvPr/>
+        </p:nvSpPr>
+        <p:spPr bwMode="auto">
+          <a:xfrm>
+            <a:off x="0" y="0"/>
+            <a:ext cx="9144000" cy="457200"/>
+          </a:xfrm>
+          <a:prstGeom prst="rect">
+            <a:avLst/>
+          </a:prstGeom>
+          <a:noFill/>
+          <a:ln w="9525">
+            <a:noFill/>
+            <a:miter lim="800000"/>
+            <a:headEnd/>
+            <a:tailEnd/>
+          </a:ln>
+          <a:effectLst/>
+        </p:spPr>
+        <p:txBody>
+          <a:bodyPr vert="horz" wrap="none" lIns="91440" tIns="45720" rIns="91440" bIns="45720" numCol="1" anchor="ctr" anchorCtr="0" compatLnSpc="1">
+            <a:prstTxWarp prst="textNoShape">
+              <a:avLst/>
+            </a:prstTxWarp>
+            <a:spAutoFit/>
           </a:bodyPr>
           <a:lstStyle/>
           <a:p>
-            <a:r>
-              <a:rPr lang="pl-PL" sz="2500" dirty="0" smtClean="0"/>
-              <a:t>Algorytm wyznaczania obszarów </a:t>
-            </a:r>
-            <a:r>
-              <a:rPr lang="pl-PL" sz="2500" dirty="0" err="1" smtClean="0"/>
-              <a:t>wewnatrz</a:t>
-            </a:r>
-            <a:r>
-              <a:rPr lang="pl-PL" sz="2500" dirty="0" smtClean="0"/>
-              <a:t> otoczki niezarejestrowanych przez kamerę</a:t>
-            </a:r>
-            <a:endParaRPr lang="pl-PL" sz="2500" dirty="0"/>
+            <a:endParaRPr lang="pl-PL"/>
           </a:p>
         </p:txBody>
       </p:sp>
       <p:pic>
         <p:nvPicPr>
-          <p:cNvPr id="4" name="Obraz 3" descr="algorytm2-1-new2.jpg"/>
-          <p:cNvPicPr/>
+          <p:cNvPr id="1025" name="Picture 1"/>
+          <p:cNvPicPr>
+            <a:picLocks noChangeAspect="1" noChangeArrowheads="1"/>
+          </p:cNvPicPr>
           <p:nvPr/>
         </p:nvPicPr>
         <p:blipFill>
-          <a:blip r:embed="rId3" cstate="print"/>
+          <a:blip r:embed="rId3" cstate="print">
+            <a:clrChange>
+              <a:clrFrom>
+                <a:srgbClr val="FFFFFF"/>
+              </a:clrFrom>
+              <a:clrTo>
+                <a:srgbClr val="FFFFFF">
+                  <a:alpha val="0"/>
+                </a:srgbClr>
+              </a:clrTo>
+            </a:clrChange>
+          </a:blip>
+          <a:srcRect/>
           <a:stretch>
             <a:fillRect/>
           </a:stretch>
         </p:blipFill>
-        <p:spPr>
+        <p:spPr bwMode="auto">
           <a:xfrm>
-            <a:off x="0" y="1412776"/>
-            <a:ext cx="9144000" cy="4968552"/>
+            <a:off x="1979712" y="3212976"/>
+            <a:ext cx="5112568" cy="1107723"/>
           </a:xfrm>
           <a:prstGeom prst="rect">
             <a:avLst/>
           </a:prstGeom>
+          <a:noFill/>
         </p:spPr>
       </p:pic>
+      <p:sp>
+        <p:nvSpPr>
+          <p:cNvPr id="1027" name="Rectangle 3"/>
+          <p:cNvSpPr>
+            <a:spLocks noChangeArrowheads="1"/>
+          </p:cNvSpPr>
+          <p:nvPr/>
+        </p:nvSpPr>
+        <p:spPr bwMode="auto">
+          <a:xfrm>
+            <a:off x="0" y="663575"/>
+            <a:ext cx="9144000" cy="457200"/>
+          </a:xfrm>
+          <a:prstGeom prst="rect">
+            <a:avLst/>
+          </a:prstGeom>
+          <a:noFill/>
+          <a:ln w="9525">
+            <a:noFill/>
+            <a:miter lim="800000"/>
+            <a:headEnd/>
+            <a:tailEnd/>
+          </a:ln>
+          <a:effectLst/>
+        </p:spPr>
+        <p:txBody>
+          <a:bodyPr vert="horz" wrap="none" lIns="91440" tIns="45720" rIns="91440" bIns="45720" numCol="1" anchor="ctr" anchorCtr="0" compatLnSpc="1">
+            <a:prstTxWarp prst="textNoShape">
+              <a:avLst/>
+            </a:prstTxWarp>
+            <a:spAutoFit/>
+          </a:bodyPr>
+          <a:lstStyle/>
+          <a:p>
+            <a:pPr marL="0" marR="0" lvl="0" indent="0" algn="l" defTabSz="914400" rtl="0" eaLnBrk="1" fontAlgn="base" latinLnBrk="0" hangingPunct="1">
+              <a:lnSpc>
+                <a:spcPct val="100000"/>
+              </a:lnSpc>
+              <a:spcBef>
+                <a:spcPct val="0"/>
+              </a:spcBef>
+              <a:spcAft>
+                <a:spcPct val="0"/>
+              </a:spcAft>
+              <a:buClrTx/>
+              <a:buSzTx/>
+              <a:buFontTx/>
+              <a:buNone/>
+              <a:tabLst/>
+            </a:pPr>
+            <a:endParaRPr kumimoji="0" lang="pl-PL" sz="1800" b="0" i="0" u="none" strike="noStrike" cap="none" normalizeH="0" baseline="0" smtClean="0">
+              <a:ln>
+                <a:noFill/>
+              </a:ln>
+              <a:solidFill>
+                <a:schemeClr val="tx1"/>
+              </a:solidFill>
+              <a:effectLst/>
+              <a:latin typeface="Arial" pitchFamily="34" charset="0"/>
+              <a:cs typeface="Arial" pitchFamily="34" charset="0"/>
+            </a:endParaRPr>
+          </a:p>
+        </p:txBody>
+      </p:sp>
     </p:spTree>
   </p:cSld>
   <p:clrMapOvr>
@@ -5619,22 +8539,27 @@
         <p:spPr/>
         <p:txBody>
           <a:bodyPr>
-            <a:normAutofit/>
+            <a:normAutofit fontScale="90000"/>
           </a:bodyPr>
           <a:lstStyle/>
           <a:p>
             <a:r>
-              <a:rPr lang="pl-PL" sz="2500" dirty="0"/>
-              <a:t>Linie, reprezentujące fragmenty obszarów wewnątrz otoczki niezarejestrowanych przez kamerę</a:t>
-            </a:r>
+              <a:rPr lang="pl-PL" dirty="0" smtClean="0"/>
+              <a:t>Algorytm wyznaczania otoczki obszaru przeszukanego</a:t>
+            </a:r>
+            <a:endParaRPr lang="pl-PL" dirty="0"/>
           </a:p>
         </p:txBody>
       </p:sp>
       <p:pic>
         <p:nvPicPr>
-          <p:cNvPr id="4" name="Obraz 3" descr="algorytm2-2.jpg"/>
-          <p:cNvPicPr/>
-          <p:nvPr/>
+          <p:cNvPr id="4" name="Symbol zastępczy zawartości 3" descr="algorytm1_pro.jpg"/>
+          <p:cNvPicPr>
+            <a:picLocks noGrp="1" noChangeAspect="1"/>
+          </p:cNvPicPr>
+          <p:nvPr>
+            <p:ph idx="1"/>
+          </p:nvPr>
         </p:nvPicPr>
         <p:blipFill>
           <a:blip r:embed="rId3" cstate="print"/>
@@ -5644,12 +8569,9 @@
         </p:blipFill>
         <p:spPr>
           <a:xfrm>
-            <a:off x="1475656" y="1196752"/>
-            <a:ext cx="6336704" cy="5661248"/>
+            <a:off x="478955" y="1600200"/>
+            <a:ext cx="8186090" cy="4525963"/>
           </a:xfrm>
-          <a:prstGeom prst="rect">
-            <a:avLst/>
-          </a:prstGeom>
         </p:spPr>
       </p:pic>
     </p:spTree>
@@ -5694,31 +8616,28 @@
             <p:ph type="title"/>
           </p:nvPr>
         </p:nvSpPr>
-        <p:spPr>
-          <a:xfrm>
-            <a:off x="467544" y="0"/>
-            <a:ext cx="8229600" cy="1143000"/>
-          </a:xfrm>
-        </p:spPr>
-        <p:txBody>
-          <a:bodyPr>
-            <a:normAutofit/>
-          </a:bodyPr>
-          <a:lstStyle/>
-          <a:p>
-            <a:r>
-              <a:rPr lang="pl-PL" sz="2500" dirty="0" smtClean="0"/>
+        <p:spPr/>
+        <p:txBody>
+          <a:bodyPr/>
+          <a:lstStyle/>
+          <a:p>
+            <a:r>
+              <a:rPr lang="pl-PL" dirty="0" smtClean="0"/>
               <a:t>Przykładowy wynik algorytmu</a:t>
             </a:r>
-            <a:endParaRPr lang="pl-PL" sz="2500" dirty="0"/>
+            <a:endParaRPr lang="pl-PL" dirty="0"/>
           </a:p>
         </p:txBody>
       </p:sp>
       <p:pic>
         <p:nvPicPr>
-          <p:cNvPr id="4" name="Obraz 3" descr="algorytm2_wynik_pro2.jpg"/>
-          <p:cNvPicPr/>
-          <p:nvPr/>
+          <p:cNvPr id="5" name="Symbol zastępczy zawartości 4" descr="algorytm1-22 — kopia (2).jpg"/>
+          <p:cNvPicPr>
+            <a:picLocks noGrp="1"/>
+          </p:cNvPicPr>
+          <p:nvPr>
+            <p:ph idx="1"/>
+          </p:nvPr>
         </p:nvPicPr>
         <p:blipFill>
           <a:blip r:embed="rId3" cstate="print"/>
@@ -5728,8 +8647,8 @@
         </p:blipFill>
         <p:spPr>
           <a:xfrm>
-            <a:off x="1115616" y="764704"/>
-            <a:ext cx="6768751" cy="6093296"/>
+            <a:off x="1403648" y="1196752"/>
+            <a:ext cx="6480720" cy="5472608"/>
           </a:xfrm>
           <a:prstGeom prst="rect">
             <a:avLst/>
@@ -5781,34 +8700,42 @@
         <p:spPr/>
         <p:txBody>
           <a:bodyPr>
-            <a:normAutofit fontScale="90000"/>
+            <a:normAutofit/>
           </a:bodyPr>
           <a:lstStyle/>
           <a:p>
             <a:r>
-              <a:rPr lang="pl-PL" dirty="0" smtClean="0"/>
-              <a:t>Zobrazowanie problemu wyznaczania otoczki wklęsłej</a:t>
-            </a:r>
-            <a:endParaRPr lang="pl-PL" dirty="0"/>
+              <a:rPr lang="pl-PL" sz="2500" dirty="0" smtClean="0"/>
+              <a:t>Algorytm wyznaczania obszarów </a:t>
+            </a:r>
+            <a:r>
+              <a:rPr lang="pl-PL" sz="2500" dirty="0" err="1" smtClean="0"/>
+              <a:t>wewnatrz</a:t>
+            </a:r>
+            <a:r>
+              <a:rPr lang="pl-PL" sz="2500" dirty="0" smtClean="0"/>
+              <a:t> otoczki niezarejestrowanych przez kamerę</a:t>
+            </a:r>
+            <a:endParaRPr lang="pl-PL" sz="2500" dirty="0"/>
           </a:p>
         </p:txBody>
       </p:sp>
       <p:pic>
         <p:nvPicPr>
-          <p:cNvPr id="4" name="Obraz 3" descr="Otoczka_problem.jpg"/>
+          <p:cNvPr id="4" name="Obraz 3" descr="algorytm2-1-new2.jpg"/>
           <p:cNvPicPr/>
           <p:nvPr/>
         </p:nvPicPr>
         <p:blipFill>
-          <a:blip r:embed="rId2" cstate="print"/>
+          <a:blip r:embed="rId3" cstate="print"/>
           <a:stretch>
             <a:fillRect/>
           </a:stretch>
         </p:blipFill>
         <p:spPr>
           <a:xfrm>
-            <a:off x="899592" y="1844824"/>
-            <a:ext cx="7344815" cy="4536504"/>
+            <a:off x="0" y="1412776"/>
+            <a:ext cx="9144000" cy="4968552"/>
           </a:xfrm>
           <a:prstGeom prst="rect">
             <a:avLst/>
@@ -5865,41 +8792,32 @@
           <a:lstStyle/>
           <a:p>
             <a:r>
-              <a:rPr lang="pl-PL" sz="2500" dirty="0" smtClean="0"/>
-              <a:t>Intuicyjny przykład wyznaczania kształtu alfa</a:t>
-            </a:r>
-            <a:endParaRPr lang="pl-PL" sz="2500" dirty="0"/>
+              <a:rPr lang="pl-PL" sz="2500" dirty="0"/>
+              <a:t>Linie, reprezentujące fragmenty obszarów wewnątrz otoczki niezarejestrowanych przez kamerę</a:t>
+            </a:r>
           </a:p>
         </p:txBody>
       </p:sp>
       <p:pic>
         <p:nvPicPr>
-          <p:cNvPr id="4" name="Obraz 3"/>
+          <p:cNvPr id="4" name="Obraz 3" descr="algorytm2-2.jpg"/>
           <p:cNvPicPr/>
           <p:nvPr/>
         </p:nvPicPr>
         <p:blipFill>
-          <a:blip r:embed="rId2" cstate="print"/>
-          <a:srcRect/>
+          <a:blip r:embed="rId3" cstate="print"/>
           <a:stretch>
             <a:fillRect/>
           </a:stretch>
         </p:blipFill>
-        <p:spPr bwMode="auto">
+        <p:spPr>
           <a:xfrm>
             <a:off x="1475656" y="1196752"/>
-            <a:ext cx="6408712" cy="5373216"/>
+            <a:ext cx="6336704" cy="5661248"/>
           </a:xfrm>
           <a:prstGeom prst="rect">
             <a:avLst/>
           </a:prstGeom>
-          <a:noFill/>
-          <a:ln w="9525">
-            <a:noFill/>
-            <a:miter lim="800000"/>
-            <a:headEnd/>
-            <a:tailEnd/>
-          </a:ln>
         </p:spPr>
       </p:pic>
     </p:spTree>
@@ -5944,50 +8862,42 @@
             <p:ph type="title"/>
           </p:nvPr>
         </p:nvSpPr>
-        <p:spPr/>
-        <p:txBody>
-          <a:bodyPr/>
-          <a:lstStyle/>
-          <a:p>
-            <a:endParaRPr lang="pl-PL"/>
-          </a:p>
-        </p:txBody>
-      </p:sp>
-      <p:sp>
-        <p:nvSpPr>
-          <p:cNvPr id="3" name="Symbol zastępczy zawartości 2"/>
-          <p:cNvSpPr>
-            <a:spLocks noGrp="1"/>
-          </p:cNvSpPr>
-          <p:nvPr>
-            <p:ph idx="1"/>
-          </p:nvPr>
-        </p:nvSpPr>
-        <p:spPr/>
-        <p:txBody>
-          <a:bodyPr/>
-          <a:lstStyle/>
-          <a:p>
-            <a:endParaRPr lang="pl-PL"/>
+        <p:spPr>
+          <a:xfrm>
+            <a:off x="467544" y="0"/>
+            <a:ext cx="8229600" cy="1143000"/>
+          </a:xfrm>
+        </p:spPr>
+        <p:txBody>
+          <a:bodyPr>
+            <a:normAutofit/>
+          </a:bodyPr>
+          <a:lstStyle/>
+          <a:p>
+            <a:r>
+              <a:rPr lang="pl-PL" sz="2500" dirty="0" smtClean="0"/>
+              <a:t>Przykładowy wynik algorytmu</a:t>
+            </a:r>
+            <a:endParaRPr lang="pl-PL" sz="2500" dirty="0"/>
           </a:p>
         </p:txBody>
       </p:sp>
       <p:pic>
         <p:nvPicPr>
-          <p:cNvPr id="4" name="Obraz 3" descr="alpha11.jpg"/>
+          <p:cNvPr id="4" name="Obraz 3" descr="algorytm2_wynik_pro2.jpg"/>
           <p:cNvPicPr/>
           <p:nvPr/>
         </p:nvPicPr>
         <p:blipFill>
-          <a:blip r:embed="rId2" cstate="print"/>
+          <a:blip r:embed="rId3" cstate="print"/>
           <a:stretch>
             <a:fillRect/>
           </a:stretch>
         </p:blipFill>
         <p:spPr>
           <a:xfrm>
-            <a:off x="899592" y="1772816"/>
-            <a:ext cx="7560000" cy="4320000"/>
+            <a:off x="1115616" y="764704"/>
+            <a:ext cx="6768751" cy="6093296"/>
           </a:xfrm>
           <a:prstGeom prst="rect">
             <a:avLst/>
@@ -6041,51 +8951,33 @@
           <a:bodyPr/>
           <a:lstStyle/>
           <a:p>
+            <a:r>
+              <a:rPr lang="pl-PL" dirty="0" smtClean="0"/>
+              <a:t>III część algorytmu</a:t>
+            </a:r>
+            <a:endParaRPr lang="pl-PL" dirty="0"/>
+          </a:p>
+        </p:txBody>
+      </p:sp>
+      <p:sp>
+        <p:nvSpPr>
+          <p:cNvPr id="3" name="Symbol zastępczy zawartości 2"/>
+          <p:cNvSpPr>
+            <a:spLocks noGrp="1"/>
+          </p:cNvSpPr>
+          <p:nvPr>
+            <p:ph idx="1"/>
+          </p:nvPr>
+        </p:nvSpPr>
+        <p:spPr/>
+        <p:txBody>
+          <a:bodyPr/>
+          <a:lstStyle/>
+          <a:p>
             <a:endParaRPr lang="pl-PL"/>
           </a:p>
         </p:txBody>
       </p:sp>
-      <p:sp>
-        <p:nvSpPr>
-          <p:cNvPr id="3" name="Symbol zastępczy zawartości 2"/>
-          <p:cNvSpPr>
-            <a:spLocks noGrp="1"/>
-          </p:cNvSpPr>
-          <p:nvPr>
-            <p:ph idx="1"/>
-          </p:nvPr>
-        </p:nvSpPr>
-        <p:spPr/>
-        <p:txBody>
-          <a:bodyPr/>
-          <a:lstStyle/>
-          <a:p>
-            <a:endParaRPr lang="pl-PL"/>
-          </a:p>
-        </p:txBody>
-      </p:sp>
-      <p:pic>
-        <p:nvPicPr>
-          <p:cNvPr id="4" name="Obraz 3" descr="alpha22.jpg"/>
-          <p:cNvPicPr/>
-          <p:nvPr/>
-        </p:nvPicPr>
-        <p:blipFill>
-          <a:blip r:embed="rId2" cstate="print"/>
-          <a:stretch>
-            <a:fillRect/>
-          </a:stretch>
-        </p:blipFill>
-        <p:spPr>
-          <a:xfrm>
-            <a:off x="827584" y="2204864"/>
-            <a:ext cx="7560000" cy="4320000"/>
-          </a:xfrm>
-          <a:prstGeom prst="rect">
-            <a:avLst/>
-          </a:prstGeom>
-        </p:spPr>
-      </p:pic>
     </p:spTree>
   </p:cSld>
   <p:clrMapOvr>
@@ -6130,48 +9022,35 @@
         </p:nvSpPr>
         <p:spPr/>
         <p:txBody>
-          <a:bodyPr/>
-          <a:lstStyle/>
-          <a:p>
-            <a:endParaRPr lang="pl-PL"/>
-          </a:p>
-        </p:txBody>
-      </p:sp>
-      <p:sp>
-        <p:nvSpPr>
-          <p:cNvPr id="3" name="Symbol zastępczy zawartości 2"/>
-          <p:cNvSpPr>
-            <a:spLocks noGrp="1"/>
-          </p:cNvSpPr>
-          <p:nvPr>
-            <p:ph idx="1"/>
-          </p:nvPr>
-        </p:nvSpPr>
-        <p:spPr/>
-        <p:txBody>
-          <a:bodyPr/>
-          <a:lstStyle/>
-          <a:p>
-            <a:endParaRPr lang="pl-PL"/>
+          <a:bodyPr>
+            <a:normAutofit fontScale="90000"/>
+          </a:bodyPr>
+          <a:lstStyle/>
+          <a:p>
+            <a:r>
+              <a:rPr lang="pl-PL" dirty="0" smtClean="0"/>
+              <a:t>Zobrazowanie problemu wyznaczania otoczki wklęsłej</a:t>
+            </a:r>
+            <a:endParaRPr lang="pl-PL" dirty="0"/>
           </a:p>
         </p:txBody>
       </p:sp>
       <p:pic>
         <p:nvPicPr>
-          <p:cNvPr id="4" name="Obraz 3" descr="alpha31.jpg"/>
+          <p:cNvPr id="4" name="Obraz 3" descr="Otoczka_problem.jpg"/>
           <p:cNvPicPr/>
           <p:nvPr/>
         </p:nvPicPr>
         <p:blipFill>
-          <a:blip r:embed="rId2" cstate="print"/>
+          <a:blip r:embed="rId3" cstate="print"/>
           <a:stretch>
             <a:fillRect/>
           </a:stretch>
         </p:blipFill>
         <p:spPr>
           <a:xfrm>
-            <a:off x="1115616" y="1916832"/>
-            <a:ext cx="7560000" cy="4320000"/>
+            <a:off x="899592" y="1844824"/>
+            <a:ext cx="7344815" cy="4536504"/>
           </a:xfrm>
           <a:prstGeom prst="rect">
             <a:avLst/>
@@ -6225,7 +9104,11 @@
           <a:bodyPr/>
           <a:lstStyle/>
           <a:p>
-            <a:endParaRPr lang="pl-PL"/>
+            <a:r>
+              <a:rPr lang="pl-PL" dirty="0" smtClean="0"/>
+              <a:t>Kształt alfa</a:t>
+            </a:r>
+            <a:endParaRPr lang="pl-PL" dirty="0"/>
           </a:p>
         </p:txBody>
       </p:sp>
@@ -6250,24 +9133,32 @@
       </p:sp>
       <p:pic>
         <p:nvPicPr>
-          <p:cNvPr id="4" name="Obraz 3" descr="alpha42.jpg"/>
+          <p:cNvPr id="4" name="Obraz 3"/>
           <p:cNvPicPr/>
           <p:nvPr/>
         </p:nvPicPr>
         <p:blipFill>
-          <a:blip r:embed="rId2" cstate="print"/>
+          <a:blip r:embed="rId3" cstate="print"/>
+          <a:srcRect/>
           <a:stretch>
             <a:fillRect/>
           </a:stretch>
         </p:blipFill>
-        <p:spPr>
+        <p:spPr bwMode="auto">
           <a:xfrm>
-            <a:off x="1043608" y="2060848"/>
-            <a:ext cx="7560000" cy="4320000"/>
+            <a:off x="1907704" y="2420888"/>
+            <a:ext cx="5400600" cy="2950510"/>
           </a:xfrm>
           <a:prstGeom prst="rect">
             <a:avLst/>
           </a:prstGeom>
+          <a:noFill/>
+          <a:ln w="9525">
+            <a:noFill/>
+            <a:miter lim="800000"/>
+            <a:headEnd/>
+            <a:tailEnd/>
+          </a:ln>
         </p:spPr>
       </p:pic>
     </p:spTree>
@@ -6312,54 +9203,54 @@
             <p:ph type="title"/>
           </p:nvPr>
         </p:nvSpPr>
-        <p:spPr/>
-        <p:txBody>
-          <a:bodyPr/>
-          <a:lstStyle/>
-          <a:p>
-            <a:endParaRPr lang="pl-PL"/>
-          </a:p>
-        </p:txBody>
-      </p:sp>
-      <p:sp>
-        <p:nvSpPr>
-          <p:cNvPr id="3" name="Symbol zastępczy zawartości 2"/>
-          <p:cNvSpPr>
-            <a:spLocks noGrp="1"/>
-          </p:cNvSpPr>
-          <p:nvPr>
-            <p:ph idx="1"/>
-          </p:nvPr>
-        </p:nvSpPr>
-        <p:spPr/>
-        <p:txBody>
-          <a:bodyPr/>
-          <a:lstStyle/>
-          <a:p>
-            <a:endParaRPr lang="pl-PL"/>
+        <p:spPr>
+          <a:xfrm>
+            <a:off x="395536" y="0"/>
+            <a:ext cx="8229600" cy="1143000"/>
+          </a:xfrm>
+        </p:spPr>
+        <p:txBody>
+          <a:bodyPr>
+            <a:normAutofit/>
+          </a:bodyPr>
+          <a:lstStyle/>
+          <a:p>
+            <a:r>
+              <a:rPr lang="pl-PL" sz="2500" b="1" dirty="0" smtClean="0"/>
+              <a:t>Intuicyjny przykład wyznaczania kształtu alfa</a:t>
+            </a:r>
+            <a:endParaRPr lang="pl-PL" sz="2500" b="1" dirty="0"/>
           </a:p>
         </p:txBody>
       </p:sp>
       <p:pic>
         <p:nvPicPr>
-          <p:cNvPr id="4" name="Obraz 3" descr="alpha52.jpg"/>
+          <p:cNvPr id="4" name="Obraz 3"/>
           <p:cNvPicPr/>
           <p:nvPr/>
         </p:nvPicPr>
         <p:blipFill>
-          <a:blip r:embed="rId2" cstate="print"/>
+          <a:blip r:embed="rId3" cstate="print"/>
+          <a:srcRect/>
           <a:stretch>
             <a:fillRect/>
           </a:stretch>
         </p:blipFill>
-        <p:spPr>
+        <p:spPr bwMode="auto">
           <a:xfrm>
-            <a:off x="971600" y="2132856"/>
-            <a:ext cx="7560000" cy="4320000"/>
+            <a:off x="1475656" y="1196752"/>
+            <a:ext cx="6408712" cy="5373216"/>
           </a:xfrm>
           <a:prstGeom prst="rect">
             <a:avLst/>
           </a:prstGeom>
+          <a:noFill/>
+          <a:ln w="9525">
+            <a:noFill/>
+            <a:miter lim="800000"/>
+            <a:headEnd/>
+            <a:tailEnd/>
+          </a:ln>
         </p:spPr>
       </p:pic>
     </p:spTree>
@@ -6406,7 +9297,7 @@
         </p:nvSpPr>
         <p:spPr>
           <a:xfrm>
-            <a:off x="467544" y="2060848"/>
+            <a:off x="467544" y="2780928"/>
             <a:ext cx="8229600" cy="1143000"/>
           </a:xfrm>
         </p:spPr>
@@ -6417,10 +9308,87 @@
           <a:lstStyle/>
           <a:p>
             <a:r>
-              <a:rPr lang="pl-PL" dirty="0" smtClean="0"/>
+              <a:rPr lang="pl-PL" i="1" dirty="0" smtClean="0"/>
               <a:t>Algorytm wyznaczania i wizualizacji obszaru przeszukanego wraz z implementacją przy wykorzystaniu systemu OpenStreetMap.</a:t>
             </a:r>
-            <a:endParaRPr lang="pl-PL" dirty="0"/>
+            <a:endParaRPr lang="pl-PL" i="1" dirty="0"/>
+          </a:p>
+        </p:txBody>
+      </p:sp>
+      <p:sp>
+        <p:nvSpPr>
+          <p:cNvPr id="3" name="Tytuł 1"/>
+          <p:cNvSpPr txBox="1">
+            <a:spLocks/>
+          </p:cNvSpPr>
+          <p:nvPr/>
+        </p:nvSpPr>
+        <p:spPr>
+          <a:xfrm>
+            <a:off x="611560" y="332656"/>
+            <a:ext cx="7772400" cy="1470025"/>
+          </a:xfrm>
+          <a:prstGeom prst="rect">
+            <a:avLst/>
+          </a:prstGeom>
+        </p:spPr>
+        <p:txBody>
+          <a:bodyPr vert="horz" lIns="91440" tIns="45720" rIns="91440" bIns="45720" rtlCol="0" anchor="ctr">
+            <a:normAutofit/>
+          </a:bodyPr>
+          <a:lstStyle/>
+          <a:p>
+            <a:pPr marL="0" marR="0" lvl="0" indent="0" algn="ctr" defTabSz="914400" rtl="0" eaLnBrk="1" fontAlgn="auto" latinLnBrk="0" hangingPunct="1">
+              <a:lnSpc>
+                <a:spcPct val="100000"/>
+              </a:lnSpc>
+              <a:spcBef>
+                <a:spcPct val="0"/>
+              </a:spcBef>
+              <a:spcAft>
+                <a:spcPts val="0"/>
+              </a:spcAft>
+              <a:buClrTx/>
+              <a:buSzTx/>
+              <a:buFontTx/>
+              <a:buNone/>
+              <a:tabLst/>
+              <a:defRPr/>
+            </a:pPr>
+            <a:r>
+              <a:rPr kumimoji="0" lang="pl-PL" sz="4400" b="1" i="0" u="none" strike="noStrike" kern="1200" cap="none" spc="0" normalizeH="0" baseline="0" noProof="0" dirty="0" smtClean="0">
+                <a:ln>
+                  <a:noFill/>
+                </a:ln>
+                <a:solidFill>
+                  <a:schemeClr val="tx1"/>
+                </a:solidFill>
+                <a:effectLst/>
+                <a:uLnTx/>
+                <a:uFillTx/>
+                <a:latin typeface="+mj-lt"/>
+                <a:ea typeface="+mj-ea"/>
+                <a:cs typeface="+mj-cs"/>
+              </a:rPr>
+              <a:t>Temat</a:t>
+            </a:r>
+            <a:r>
+              <a:rPr kumimoji="0" lang="pl-PL" sz="4400" b="1" i="0" u="none" strike="noStrike" kern="1200" cap="none" spc="0" normalizeH="0" noProof="0" dirty="0" smtClean="0">
+                <a:ln>
+                  <a:noFill/>
+                </a:ln>
+                <a:solidFill>
+                  <a:schemeClr val="tx1"/>
+                </a:solidFill>
+                <a:effectLst/>
+                <a:uLnTx/>
+                <a:uFillTx/>
+                <a:latin typeface="+mj-lt"/>
+                <a:ea typeface="+mj-ea"/>
+                <a:cs typeface="+mj-cs"/>
+              </a:rPr>
+              <a:t> pracy</a:t>
+            </a:r>
           </a:p>
         </p:txBody>
       </p:sp>
@@ -6496,19 +9464,19 @@
       </p:sp>
       <p:pic>
         <p:nvPicPr>
-          <p:cNvPr id="4" name="Obraz 3" descr="alpha62.jpg"/>
+          <p:cNvPr id="4" name="Obraz 3" descr="alpha11.jpg"/>
           <p:cNvPicPr/>
           <p:nvPr/>
         </p:nvPicPr>
         <p:blipFill>
-          <a:blip r:embed="rId2" cstate="print"/>
+          <a:blip r:embed="rId3" cstate="print"/>
           <a:stretch>
             <a:fillRect/>
           </a:stretch>
         </p:blipFill>
         <p:spPr>
           <a:xfrm>
-            <a:off x="1043608" y="2060848"/>
+            <a:off x="899592" y="1772816"/>
             <a:ext cx="7560000" cy="4320000"/>
           </a:xfrm>
           <a:prstGeom prst="rect">
@@ -6567,18 +9535,122 @@
           </a:p>
         </p:txBody>
       </p:sp>
+      <p:sp>
+        <p:nvSpPr>
+          <p:cNvPr id="3" name="Symbol zastępczy zawartości 2"/>
+          <p:cNvSpPr>
+            <a:spLocks noGrp="1"/>
+          </p:cNvSpPr>
+          <p:nvPr>
+            <p:ph idx="1"/>
+          </p:nvPr>
+        </p:nvSpPr>
+        <p:spPr/>
+        <p:txBody>
+          <a:bodyPr/>
+          <a:lstStyle/>
+          <a:p>
+            <a:endParaRPr lang="pl-PL"/>
+          </a:p>
+        </p:txBody>
+      </p:sp>
       <p:pic>
         <p:nvPicPr>
-          <p:cNvPr id="4" name="mobizen_20160515_212222.mp4">
-            <a:hlinkClick r:id="" action="ppaction://media"/>
-          </p:cNvPr>
-          <p:cNvPicPr>
-            <a:picLocks noGrp="1" noRot="1" noChangeAspect="1"/>
-          </p:cNvPicPr>
+          <p:cNvPr id="4" name="Obraz 3" descr="alpha22.jpg"/>
+          <p:cNvPicPr/>
+          <p:nvPr/>
+        </p:nvPicPr>
+        <p:blipFill>
+          <a:blip r:embed="rId2" cstate="print"/>
+          <a:stretch>
+            <a:fillRect/>
+          </a:stretch>
+        </p:blipFill>
+        <p:spPr>
+          <a:xfrm>
+            <a:off x="827584" y="2204864"/>
+            <a:ext cx="7560000" cy="4320000"/>
+          </a:xfrm>
+          <a:prstGeom prst="rect">
+            <a:avLst/>
+          </a:prstGeom>
+        </p:spPr>
+      </p:pic>
+    </p:spTree>
+  </p:cSld>
+  <p:clrMapOvr>
+    <a:masterClrMapping/>
+  </p:clrMapOvr>
+  <p:timing>
+    <p:tnLst>
+      <p:par>
+        <p:cTn id="1" dur="indefinite" restart="never" nodeType="tmRoot"/>
+      </p:par>
+    </p:tnLst>
+  </p:timing>
+</p:sld>
+</file>
+
+<file path=ppt/slides/slide22.xml><?xml version="1.0" encoding="utf-8"?>
+<p:sld xmlns:a="http://schemas.openxmlformats.org/drawingml/2006/main" xmlns:r="http://schemas.openxmlformats.org/officeDocument/2006/relationships" xmlns:p="http://schemas.openxmlformats.org/presentationml/2006/main">
+  <p:cSld>
+    <p:spTree>
+      <p:nvGrpSpPr>
+        <p:cNvPr id="1" name=""/>
+        <p:cNvGrpSpPr/>
+        <p:nvPr/>
+      </p:nvGrpSpPr>
+      <p:grpSpPr>
+        <a:xfrm>
+          <a:off x="0" y="0"/>
+          <a:ext cx="0" cy="0"/>
+          <a:chOff x="0" y="0"/>
+          <a:chExt cx="0" cy="0"/>
+        </a:xfrm>
+      </p:grpSpPr>
+      <p:sp>
+        <p:nvSpPr>
+          <p:cNvPr id="2" name="Tytuł 1"/>
+          <p:cNvSpPr>
+            <a:spLocks noGrp="1"/>
+          </p:cNvSpPr>
+          <p:nvPr>
+            <p:ph type="title"/>
+          </p:nvPr>
+        </p:nvSpPr>
+        <p:spPr/>
+        <p:txBody>
+          <a:bodyPr/>
+          <a:lstStyle/>
+          <a:p>
+            <a:endParaRPr lang="pl-PL"/>
+          </a:p>
+        </p:txBody>
+      </p:sp>
+      <p:sp>
+        <p:nvSpPr>
+          <p:cNvPr id="3" name="Symbol zastępczy zawartości 2"/>
+          <p:cNvSpPr>
+            <a:spLocks noGrp="1"/>
+          </p:cNvSpPr>
           <p:nvPr>
             <p:ph idx="1"/>
-            <a:videoFile r:link="rId1"/>
-          </p:nvPr>
+          </p:nvPr>
+        </p:nvSpPr>
+        <p:spPr/>
+        <p:txBody>
+          <a:bodyPr/>
+          <a:lstStyle/>
+          <a:p>
+            <a:endParaRPr lang="pl-PL"/>
+          </a:p>
+        </p:txBody>
+      </p:sp>
+      <p:pic>
+        <p:nvPicPr>
+          <p:cNvPr id="4" name="Obraz 3" descr="alpha31.jpg"/>
+          <p:cNvPicPr/>
+          <p:nvPr/>
         </p:nvPicPr>
         <p:blipFill>
           <a:blip r:embed="rId3" cstate="print"/>
@@ -6588,8 +9660,515 @@
         </p:blipFill>
         <p:spPr>
           <a:xfrm>
-            <a:off x="-1" y="0"/>
-            <a:ext cx="9144001" cy="6858000"/>
+            <a:off x="1115616" y="1916832"/>
+            <a:ext cx="7560000" cy="4320000"/>
+          </a:xfrm>
+          <a:prstGeom prst="rect">
+            <a:avLst/>
+          </a:prstGeom>
+        </p:spPr>
+      </p:pic>
+    </p:spTree>
+  </p:cSld>
+  <p:clrMapOvr>
+    <a:masterClrMapping/>
+  </p:clrMapOvr>
+  <p:timing>
+    <p:tnLst>
+      <p:par>
+        <p:cTn id="1" dur="indefinite" restart="never" nodeType="tmRoot"/>
+      </p:par>
+    </p:tnLst>
+  </p:timing>
+</p:sld>
+</file>
+
+<file path=ppt/slides/slide23.xml><?xml version="1.0" encoding="utf-8"?>
+<p:sld xmlns:a="http://schemas.openxmlformats.org/drawingml/2006/main" xmlns:r="http://schemas.openxmlformats.org/officeDocument/2006/relationships" xmlns:p="http://schemas.openxmlformats.org/presentationml/2006/main">
+  <p:cSld>
+    <p:spTree>
+      <p:nvGrpSpPr>
+        <p:cNvPr id="1" name=""/>
+        <p:cNvGrpSpPr/>
+        <p:nvPr/>
+      </p:nvGrpSpPr>
+      <p:grpSpPr>
+        <a:xfrm>
+          <a:off x="0" y="0"/>
+          <a:ext cx="0" cy="0"/>
+          <a:chOff x="0" y="0"/>
+          <a:chExt cx="0" cy="0"/>
+        </a:xfrm>
+      </p:grpSpPr>
+      <p:sp>
+        <p:nvSpPr>
+          <p:cNvPr id="2" name="Tytuł 1"/>
+          <p:cNvSpPr>
+            <a:spLocks noGrp="1"/>
+          </p:cNvSpPr>
+          <p:nvPr>
+            <p:ph type="title"/>
+          </p:nvPr>
+        </p:nvSpPr>
+        <p:spPr/>
+        <p:txBody>
+          <a:bodyPr/>
+          <a:lstStyle/>
+          <a:p>
+            <a:r>
+              <a:rPr lang="el-GR" dirty="0" smtClean="0"/>
+              <a:t>α</a:t>
+            </a:r>
+            <a:r>
+              <a:rPr lang="pl-PL" dirty="0" smtClean="0"/>
+              <a:t> = 0.1 </a:t>
+            </a:r>
+            <a:endParaRPr lang="pl-PL" dirty="0"/>
+          </a:p>
+        </p:txBody>
+      </p:sp>
+      <p:sp>
+        <p:nvSpPr>
+          <p:cNvPr id="3" name="Symbol zastępczy zawartości 2"/>
+          <p:cNvSpPr>
+            <a:spLocks noGrp="1"/>
+          </p:cNvSpPr>
+          <p:nvPr>
+            <p:ph idx="1"/>
+          </p:nvPr>
+        </p:nvSpPr>
+        <p:spPr/>
+        <p:txBody>
+          <a:bodyPr/>
+          <a:lstStyle/>
+          <a:p>
+            <a:endParaRPr lang="pl-PL"/>
+          </a:p>
+        </p:txBody>
+      </p:sp>
+      <p:pic>
+        <p:nvPicPr>
+          <p:cNvPr id="4" name="Obraz 3" descr="alpha42.jpg"/>
+          <p:cNvPicPr/>
+          <p:nvPr/>
+        </p:nvPicPr>
+        <p:blipFill>
+          <a:blip r:embed="rId2" cstate="print"/>
+          <a:stretch>
+            <a:fillRect/>
+          </a:stretch>
+        </p:blipFill>
+        <p:spPr>
+          <a:xfrm>
+            <a:off x="1043608" y="2060848"/>
+            <a:ext cx="7560000" cy="4320000"/>
+          </a:xfrm>
+          <a:prstGeom prst="rect">
+            <a:avLst/>
+          </a:prstGeom>
+        </p:spPr>
+      </p:pic>
+    </p:spTree>
+  </p:cSld>
+  <p:clrMapOvr>
+    <a:masterClrMapping/>
+  </p:clrMapOvr>
+  <p:timing>
+    <p:tnLst>
+      <p:par>
+        <p:cTn id="1" dur="indefinite" restart="never" nodeType="tmRoot"/>
+      </p:par>
+    </p:tnLst>
+  </p:timing>
+</p:sld>
+</file>
+
+<file path=ppt/slides/slide24.xml><?xml version="1.0" encoding="utf-8"?>
+<p:sld xmlns:a="http://schemas.openxmlformats.org/drawingml/2006/main" xmlns:r="http://schemas.openxmlformats.org/officeDocument/2006/relationships" xmlns:p="http://schemas.openxmlformats.org/presentationml/2006/main">
+  <p:cSld>
+    <p:spTree>
+      <p:nvGrpSpPr>
+        <p:cNvPr id="1" name=""/>
+        <p:cNvGrpSpPr/>
+        <p:nvPr/>
+      </p:nvGrpSpPr>
+      <p:grpSpPr>
+        <a:xfrm>
+          <a:off x="0" y="0"/>
+          <a:ext cx="0" cy="0"/>
+          <a:chOff x="0" y="0"/>
+          <a:chExt cx="0" cy="0"/>
+        </a:xfrm>
+      </p:grpSpPr>
+      <p:sp>
+        <p:nvSpPr>
+          <p:cNvPr id="2" name="Tytuł 1"/>
+          <p:cNvSpPr>
+            <a:spLocks noGrp="1"/>
+          </p:cNvSpPr>
+          <p:nvPr>
+            <p:ph type="title"/>
+          </p:nvPr>
+        </p:nvSpPr>
+        <p:spPr/>
+        <p:txBody>
+          <a:bodyPr/>
+          <a:lstStyle/>
+          <a:p>
+            <a:r>
+              <a:rPr lang="el-GR" dirty="0" smtClean="0"/>
+              <a:t>α</a:t>
+            </a:r>
+            <a:r>
+              <a:rPr lang="pl-PL" dirty="0" smtClean="0"/>
+              <a:t> = 1 </a:t>
+            </a:r>
+            <a:endParaRPr lang="pl-PL" dirty="0"/>
+          </a:p>
+        </p:txBody>
+      </p:sp>
+      <p:sp>
+        <p:nvSpPr>
+          <p:cNvPr id="3" name="Symbol zastępczy zawartości 2"/>
+          <p:cNvSpPr>
+            <a:spLocks noGrp="1"/>
+          </p:cNvSpPr>
+          <p:nvPr>
+            <p:ph idx="1"/>
+          </p:nvPr>
+        </p:nvSpPr>
+        <p:spPr/>
+        <p:txBody>
+          <a:bodyPr/>
+          <a:lstStyle/>
+          <a:p>
+            <a:endParaRPr lang="pl-PL"/>
+          </a:p>
+        </p:txBody>
+      </p:sp>
+      <p:pic>
+        <p:nvPicPr>
+          <p:cNvPr id="4" name="Obraz 3" descr="alpha52.jpg"/>
+          <p:cNvPicPr/>
+          <p:nvPr/>
+        </p:nvPicPr>
+        <p:blipFill>
+          <a:blip r:embed="rId2" cstate="print"/>
+          <a:stretch>
+            <a:fillRect/>
+          </a:stretch>
+        </p:blipFill>
+        <p:spPr>
+          <a:xfrm>
+            <a:off x="971600" y="2132856"/>
+            <a:ext cx="7560000" cy="4320000"/>
+          </a:xfrm>
+          <a:prstGeom prst="rect">
+            <a:avLst/>
+          </a:prstGeom>
+        </p:spPr>
+      </p:pic>
+    </p:spTree>
+  </p:cSld>
+  <p:clrMapOvr>
+    <a:masterClrMapping/>
+  </p:clrMapOvr>
+  <p:timing>
+    <p:tnLst>
+      <p:par>
+        <p:cTn id="1" dur="indefinite" restart="never" nodeType="tmRoot"/>
+      </p:par>
+    </p:tnLst>
+  </p:timing>
+</p:sld>
+</file>
+
+<file path=ppt/slides/slide25.xml><?xml version="1.0" encoding="utf-8"?>
+<p:sld xmlns:a="http://schemas.openxmlformats.org/drawingml/2006/main" xmlns:r="http://schemas.openxmlformats.org/officeDocument/2006/relationships" xmlns:p="http://schemas.openxmlformats.org/presentationml/2006/main">
+  <p:cSld>
+    <p:spTree>
+      <p:nvGrpSpPr>
+        <p:cNvPr id="1" name=""/>
+        <p:cNvGrpSpPr/>
+        <p:nvPr/>
+      </p:nvGrpSpPr>
+      <p:grpSpPr>
+        <a:xfrm>
+          <a:off x="0" y="0"/>
+          <a:ext cx="0" cy="0"/>
+          <a:chOff x="0" y="0"/>
+          <a:chExt cx="0" cy="0"/>
+        </a:xfrm>
+      </p:grpSpPr>
+      <p:sp>
+        <p:nvSpPr>
+          <p:cNvPr id="2" name="Tytuł 1"/>
+          <p:cNvSpPr>
+            <a:spLocks noGrp="1"/>
+          </p:cNvSpPr>
+          <p:nvPr>
+            <p:ph type="title"/>
+          </p:nvPr>
+        </p:nvSpPr>
+        <p:spPr/>
+        <p:txBody>
+          <a:bodyPr/>
+          <a:lstStyle/>
+          <a:p>
+            <a:r>
+              <a:rPr lang="el-GR" dirty="0" smtClean="0"/>
+              <a:t>α</a:t>
+            </a:r>
+            <a:r>
+              <a:rPr lang="pl-PL" dirty="0" smtClean="0"/>
+              <a:t> = 0.24</a:t>
+            </a:r>
+            <a:endParaRPr lang="pl-PL" dirty="0"/>
+          </a:p>
+        </p:txBody>
+      </p:sp>
+      <p:sp>
+        <p:nvSpPr>
+          <p:cNvPr id="3" name="Symbol zastępczy zawartości 2"/>
+          <p:cNvSpPr>
+            <a:spLocks noGrp="1"/>
+          </p:cNvSpPr>
+          <p:nvPr>
+            <p:ph idx="1"/>
+          </p:nvPr>
+        </p:nvSpPr>
+        <p:spPr/>
+        <p:txBody>
+          <a:bodyPr/>
+          <a:lstStyle/>
+          <a:p>
+            <a:endParaRPr lang="pl-PL"/>
+          </a:p>
+        </p:txBody>
+      </p:sp>
+      <p:pic>
+        <p:nvPicPr>
+          <p:cNvPr id="4" name="Obraz 3" descr="alpha62.jpg"/>
+          <p:cNvPicPr/>
+          <p:nvPr/>
+        </p:nvPicPr>
+        <p:blipFill>
+          <a:blip r:embed="rId2" cstate="print"/>
+          <a:stretch>
+            <a:fillRect/>
+          </a:stretch>
+        </p:blipFill>
+        <p:spPr>
+          <a:xfrm>
+            <a:off x="1043608" y="2060848"/>
+            <a:ext cx="7560000" cy="4320000"/>
+          </a:xfrm>
+          <a:prstGeom prst="rect">
+            <a:avLst/>
+          </a:prstGeom>
+        </p:spPr>
+      </p:pic>
+    </p:spTree>
+  </p:cSld>
+  <p:clrMapOvr>
+    <a:masterClrMapping/>
+  </p:clrMapOvr>
+  <p:timing>
+    <p:tnLst>
+      <p:par>
+        <p:cTn id="1" dur="indefinite" restart="never" nodeType="tmRoot"/>
+      </p:par>
+    </p:tnLst>
+  </p:timing>
+</p:sld>
+</file>
+
+<file path=ppt/slides/slide26.xml><?xml version="1.0" encoding="utf-8"?>
+<p:sld xmlns:a="http://schemas.openxmlformats.org/drawingml/2006/main" xmlns:r="http://schemas.openxmlformats.org/officeDocument/2006/relationships" xmlns:p="http://schemas.openxmlformats.org/presentationml/2006/main">
+  <p:cSld>
+    <p:spTree>
+      <p:nvGrpSpPr>
+        <p:cNvPr id="1" name=""/>
+        <p:cNvGrpSpPr/>
+        <p:nvPr/>
+      </p:nvGrpSpPr>
+      <p:grpSpPr>
+        <a:xfrm>
+          <a:off x="0" y="0"/>
+          <a:ext cx="0" cy="0"/>
+          <a:chOff x="0" y="0"/>
+          <a:chExt cx="0" cy="0"/>
+        </a:xfrm>
+      </p:grpSpPr>
+      <p:sp>
+        <p:nvSpPr>
+          <p:cNvPr id="2" name="Tytuł 1"/>
+          <p:cNvSpPr>
+            <a:spLocks noGrp="1"/>
+          </p:cNvSpPr>
+          <p:nvPr>
+            <p:ph type="title"/>
+          </p:nvPr>
+        </p:nvSpPr>
+        <p:spPr/>
+        <p:txBody>
+          <a:bodyPr/>
+          <a:lstStyle/>
+          <a:p>
+            <a:r>
+              <a:rPr lang="pl-PL" dirty="0" smtClean="0"/>
+              <a:t>System - ogólnie</a:t>
+            </a:r>
+            <a:endParaRPr lang="pl-PL" dirty="0"/>
+          </a:p>
+        </p:txBody>
+      </p:sp>
+      <p:sp>
+        <p:nvSpPr>
+          <p:cNvPr id="3" name="Symbol zastępczy zawartości 2"/>
+          <p:cNvSpPr>
+            <a:spLocks noGrp="1"/>
+          </p:cNvSpPr>
+          <p:nvPr>
+            <p:ph idx="1"/>
+          </p:nvPr>
+        </p:nvSpPr>
+        <p:spPr/>
+        <p:txBody>
+          <a:bodyPr>
+            <a:normAutofit fontScale="85000" lnSpcReduction="10000"/>
+          </a:bodyPr>
+          <a:lstStyle/>
+          <a:p>
+            <a:pPr lvl="0"/>
+            <a:r>
+              <a:rPr lang="pl-PL" dirty="0" smtClean="0"/>
+              <a:t>aplikacji mobilnej - </a:t>
+            </a:r>
+            <a:r>
+              <a:rPr lang="pl-PL" dirty="0" err="1" smtClean="0"/>
+              <a:t>DronTracker</a:t>
+            </a:r>
+            <a:r>
+              <a:rPr lang="pl-PL" dirty="0" smtClean="0"/>
+              <a:t>, pełniącej rolę geolokalizatora do potencjalnego zamontowania na dronie, </a:t>
+            </a:r>
+          </a:p>
+          <a:p>
+            <a:endParaRPr lang="pl-PL" dirty="0" smtClean="0"/>
+          </a:p>
+          <a:p>
+            <a:pPr lvl="0"/>
+            <a:r>
+              <a:rPr lang="pl-PL" dirty="0" smtClean="0"/>
+              <a:t>aplikacji serwerowej - </a:t>
+            </a:r>
+            <a:r>
+              <a:rPr lang="pl-PL" dirty="0" err="1" smtClean="0"/>
+              <a:t>DronSerwer</a:t>
+            </a:r>
+            <a:r>
+              <a:rPr lang="pl-PL" dirty="0" smtClean="0"/>
+              <a:t>, odpowiedzialnej za przeprowadzanie skomplikowanych obliczeń i komunikację z pozostałymi elementami systemu oraz</a:t>
+            </a:r>
+          </a:p>
+          <a:p>
+            <a:endParaRPr lang="pl-PL" dirty="0" smtClean="0"/>
+          </a:p>
+          <a:p>
+            <a:pPr lvl="0"/>
+            <a:r>
+              <a:rPr lang="pl-PL" dirty="0" smtClean="0"/>
+              <a:t>głównej mobilnej aplikacji klienckiej - </a:t>
+            </a:r>
+            <a:r>
+              <a:rPr lang="pl-PL" dirty="0" err="1" smtClean="0"/>
+              <a:t>DronVision</a:t>
+            </a:r>
+            <a:r>
+              <a:rPr lang="pl-PL" dirty="0" smtClean="0"/>
+              <a:t>, służącej do wizualizacji wyznaczonego obszaru przeszukanego.</a:t>
+            </a:r>
+          </a:p>
+          <a:p>
+            <a:endParaRPr lang="pl-PL" dirty="0"/>
+          </a:p>
+        </p:txBody>
+      </p:sp>
+    </p:spTree>
+  </p:cSld>
+  <p:clrMapOvr>
+    <a:masterClrMapping/>
+  </p:clrMapOvr>
+  <p:timing>
+    <p:tnLst>
+      <p:par>
+        <p:cTn id="1" dur="indefinite" restart="never" nodeType="tmRoot"/>
+      </p:par>
+    </p:tnLst>
+  </p:timing>
+</p:sld>
+</file>
+
+<file path=ppt/slides/slide27.xml><?xml version="1.0" encoding="utf-8"?>
+<p:sld xmlns:a="http://schemas.openxmlformats.org/drawingml/2006/main" xmlns:r="http://schemas.openxmlformats.org/officeDocument/2006/relationships" xmlns:p="http://schemas.openxmlformats.org/presentationml/2006/main">
+  <p:cSld>
+    <p:spTree>
+      <p:nvGrpSpPr>
+        <p:cNvPr id="1" name=""/>
+        <p:cNvGrpSpPr/>
+        <p:nvPr/>
+      </p:nvGrpSpPr>
+      <p:grpSpPr>
+        <a:xfrm>
+          <a:off x="0" y="0"/>
+          <a:ext cx="0" cy="0"/>
+          <a:chOff x="0" y="0"/>
+          <a:chExt cx="0" cy="0"/>
+        </a:xfrm>
+      </p:grpSpPr>
+      <p:sp>
+        <p:nvSpPr>
+          <p:cNvPr id="2" name="Tytuł 1"/>
+          <p:cNvSpPr>
+            <a:spLocks noGrp="1"/>
+          </p:cNvSpPr>
+          <p:nvPr>
+            <p:ph type="title"/>
+          </p:nvPr>
+        </p:nvSpPr>
+        <p:spPr/>
+        <p:txBody>
+          <a:bodyPr/>
+          <a:lstStyle/>
+          <a:p>
+            <a:endParaRPr lang="pl-PL"/>
+          </a:p>
+        </p:txBody>
+      </p:sp>
+      <p:pic>
+        <p:nvPicPr>
+          <p:cNvPr id="6" name="Mój film3.mp4">
+            <a:hlinkClick r:id="" action="ppaction://media"/>
+          </p:cNvPr>
+          <p:cNvPicPr>
+            <a:picLocks noGrp="1" noRot="1" noChangeAspect="1"/>
+          </p:cNvPicPr>
+          <p:nvPr>
+            <p:ph idx="1"/>
+            <a:videoFile r:link="rId1"/>
+          </p:nvPr>
+        </p:nvPicPr>
+        <p:blipFill>
+          <a:blip r:embed="rId4" cstate="print"/>
+          <a:stretch>
+            <a:fillRect/>
+          </a:stretch>
+        </p:blipFill>
+        <p:spPr>
+          <a:xfrm>
+            <a:off x="0" y="0"/>
+            <a:ext cx="9144000" cy="6858000"/>
           </a:xfrm>
           <a:prstGeom prst="rect">
             <a:avLst/>
@@ -6611,7 +10190,7 @@
                 <p:stCondLst>
                   <p:cond evt="onClick" delay="0">
                     <p:tgtEl>
-                      <p:spTgt spid="4"/>
+                      <p:spTgt spid="6"/>
                     </p:tgtEl>
                   </p:cond>
                 </p:stCondLst>
@@ -6641,7 +10220,7 @@
                                       <p:cBhvr>
                                         <p:cTn id="6" dur="1" fill="hold"/>
                                         <p:tgtEl>
-                                          <p:spTgt spid="4"/>
+                                          <p:spTgt spid="6"/>
                                         </p:tgtEl>
                                       </p:cBhvr>
                                     </p:cmd>
@@ -6659,13 +10238,13 @@
               <p:nextCondLst>
                 <p:cond evt="onClick" delay="0">
                   <p:tgtEl>
-                    <p:spTgt spid="4"/>
+                    <p:spTgt spid="6"/>
                   </p:tgtEl>
                 </p:cond>
               </p:nextCondLst>
             </p:seq>
             <p:video>
-              <p:cMediaNode>
+              <p:cMediaNode mute="1">
                 <p:cTn id="7" fill="hold" display="0">
                   <p:stCondLst>
                     <p:cond delay="indefinite"/>
@@ -6684,12 +10263,72 @@
                   </p:endCondLst>
                 </p:cTn>
                 <p:tgtEl>
-                  <p:spTgt spid="4"/>
+                  <p:spTgt spid="6"/>
                 </p:tgtEl>
               </p:cMediaNode>
             </p:video>
           </p:childTnLst>
         </p:cTn>
+      </p:par>
+    </p:tnLst>
+  </p:timing>
+</p:sld>
+</file>
+
+<file path=ppt/slides/slide28.xml><?xml version="1.0" encoding="utf-8"?>
+<p:sld xmlns:a="http://schemas.openxmlformats.org/drawingml/2006/main" xmlns:r="http://schemas.openxmlformats.org/officeDocument/2006/relationships" xmlns:p="http://schemas.openxmlformats.org/presentationml/2006/main">
+  <p:cSld>
+    <p:spTree>
+      <p:nvGrpSpPr>
+        <p:cNvPr id="1" name=""/>
+        <p:cNvGrpSpPr/>
+        <p:nvPr/>
+      </p:nvGrpSpPr>
+      <p:grpSpPr>
+        <a:xfrm>
+          <a:off x="0" y="0"/>
+          <a:ext cx="0" cy="0"/>
+          <a:chOff x="0" y="0"/>
+          <a:chExt cx="0" cy="0"/>
+        </a:xfrm>
+      </p:grpSpPr>
+      <p:sp>
+        <p:nvSpPr>
+          <p:cNvPr id="2" name="Tytuł 1"/>
+          <p:cNvSpPr>
+            <a:spLocks noGrp="1"/>
+          </p:cNvSpPr>
+          <p:nvPr>
+            <p:ph type="title"/>
+          </p:nvPr>
+        </p:nvSpPr>
+        <p:spPr>
+          <a:xfrm>
+            <a:off x="539552" y="2492896"/>
+            <a:ext cx="8229600" cy="1143000"/>
+          </a:xfrm>
+        </p:spPr>
+        <p:txBody>
+          <a:bodyPr/>
+          <a:lstStyle/>
+          <a:p>
+            <a:r>
+              <a:rPr lang="pl-PL" dirty="0" smtClean="0"/>
+              <a:t>Dziękuję za uwagę</a:t>
+            </a:r>
+            <a:endParaRPr lang="pl-PL" dirty="0"/>
+          </a:p>
+        </p:txBody>
+      </p:sp>
+    </p:spTree>
+  </p:cSld>
+  <p:clrMapOvr>
+    <a:masterClrMapping/>
+  </p:clrMapOvr>
+  <p:timing>
+    <p:tnLst>
+      <p:par>
+        <p:cTn id="1" dur="indefinite" restart="never" nodeType="tmRoot"/>
       </p:par>
     </p:tnLst>
   </p:timing>
@@ -6723,16 +10362,23 @@
             <p:ph type="title"/>
           </p:nvPr>
         </p:nvSpPr>
-        <p:spPr/>
-        <p:txBody>
-          <a:bodyPr/>
-          <a:lstStyle/>
-          <a:p>
-            <a:r>
-              <a:rPr lang="pl-PL" dirty="0" smtClean="0"/>
-              <a:t>Koncepcja systemu</a:t>
-            </a:r>
-            <a:endParaRPr lang="pl-PL" dirty="0"/>
+        <p:spPr>
+          <a:xfrm>
+            <a:off x="755576" y="-243408"/>
+            <a:ext cx="8229600" cy="1143000"/>
+          </a:xfrm>
+        </p:spPr>
+        <p:txBody>
+          <a:bodyPr>
+            <a:normAutofit/>
+          </a:bodyPr>
+          <a:lstStyle/>
+          <a:p>
+            <a:r>
+              <a:rPr lang="pl-PL" sz="3000" b="1" dirty="0" smtClean="0"/>
+              <a:t>Koncepcja  systemu</a:t>
+            </a:r>
+            <a:endParaRPr lang="pl-PL" sz="3000" b="1" dirty="0"/>
           </a:p>
         </p:txBody>
       </p:sp>
@@ -6747,15 +10393,15 @@
           </p:nvPr>
         </p:nvPicPr>
         <p:blipFill>
-          <a:blip r:embed="rId2" cstate="print"/>
+          <a:blip r:embed="rId3" cstate="print"/>
           <a:stretch>
             <a:fillRect/>
           </a:stretch>
         </p:blipFill>
         <p:spPr>
           <a:xfrm>
-            <a:off x="-187508" y="1916832"/>
-            <a:ext cx="9331508" cy="4504394"/>
+            <a:off x="1979712" y="620688"/>
+            <a:ext cx="5678283" cy="6597350"/>
           </a:xfrm>
         </p:spPr>
       </p:pic>
@@ -6808,91 +10454,46 @@
           <a:p>
             <a:r>
               <a:rPr lang="pl-PL" dirty="0" smtClean="0"/>
-              <a:t>Shuttle Radar Topography Mission</a:t>
+              <a:t>Powierzchnie odniesienia</a:t>
             </a:r>
             <a:endParaRPr lang="pl-PL" dirty="0"/>
           </a:p>
         </p:txBody>
       </p:sp>
-      <p:sp>
-        <p:nvSpPr>
-          <p:cNvPr id="3" name="Symbol zastępczy zawartości 2"/>
-          <p:cNvSpPr>
-            <a:spLocks noGrp="1"/>
-          </p:cNvSpPr>
+      <p:pic>
+        <p:nvPicPr>
+          <p:cNvPr id="4" name="Symbol zastępczy zawartości 3"/>
+          <p:cNvPicPr>
+            <a:picLocks noGrp="1"/>
+          </p:cNvPicPr>
           <p:nvPr>
             <p:ph idx="1"/>
           </p:nvPr>
-        </p:nvSpPr>
-        <p:spPr/>
-        <p:txBody>
-          <a:bodyPr/>
-          <a:lstStyle/>
-          <a:p>
-            <a:r>
-              <a:rPr lang="pl-PL" dirty="0" smtClean="0"/>
-              <a:t>Przeprowadzona w 200 roku.</a:t>
-            </a:r>
-          </a:p>
-          <a:p>
-            <a:r>
-              <a:rPr lang="pl-PL" dirty="0" smtClean="0"/>
-              <a:t>Przez:</a:t>
-            </a:r>
-          </a:p>
-          <a:p>
-            <a:pPr>
-              <a:buFont typeface="Wingdings" pitchFamily="2" charset="2"/>
-              <a:buChar char="q"/>
-            </a:pPr>
-            <a:r>
-              <a:rPr lang="pl-PL" dirty="0" smtClean="0"/>
-              <a:t> </a:t>
-            </a:r>
-            <a:r>
-              <a:rPr lang="pl-PL" sz="2800" dirty="0" smtClean="0"/>
-              <a:t>Narodową Agencję Aeronautyki i </a:t>
-            </a:r>
-            <a:r>
-              <a:rPr lang="pl-PL" sz="2800" dirty="0" err="1" smtClean="0"/>
-              <a:t>Przetrzeni</a:t>
-            </a:r>
-            <a:r>
-              <a:rPr lang="pl-PL" sz="2800" dirty="0" smtClean="0"/>
-              <a:t> kosmicznej Stanów </a:t>
-            </a:r>
-            <a:r>
-              <a:rPr lang="pl-PL" sz="2800" dirty="0" err="1" smtClean="0"/>
-              <a:t>Zjdnoczonych</a:t>
-            </a:r>
-            <a:r>
-              <a:rPr lang="pl-PL" sz="2800" dirty="0" smtClean="0"/>
-              <a:t> NASA,</a:t>
-            </a:r>
-          </a:p>
-          <a:p>
-            <a:pPr>
-              <a:buFont typeface="Wingdings" pitchFamily="2" charset="2"/>
-              <a:buChar char="q"/>
-            </a:pPr>
-            <a:r>
-              <a:rPr lang="pl-PL" sz="2800" dirty="0" smtClean="0"/>
-              <a:t>Niemiecką Agencję Kosmiczną DRL,</a:t>
-            </a:r>
-          </a:p>
-          <a:p>
-            <a:pPr>
-              <a:buFont typeface="Wingdings" pitchFamily="2" charset="2"/>
-              <a:buChar char="q"/>
-            </a:pPr>
-            <a:r>
-              <a:rPr lang="pl-PL" sz="2800" dirty="0" smtClean="0"/>
-              <a:t>Włoską Agencję Kosmiczną ASI</a:t>
-            </a:r>
-            <a:endParaRPr lang="pl-PL" sz="2800" dirty="0"/>
-          </a:p>
-        </p:txBody>
-      </p:sp>
+        </p:nvPicPr>
+        <p:blipFill>
+          <a:blip r:embed="rId3" cstate="print"/>
+          <a:srcRect/>
+          <a:stretch>
+            <a:fillRect/>
+          </a:stretch>
+        </p:blipFill>
+        <p:spPr bwMode="auto">
+          <a:xfrm>
+            <a:off x="1115616" y="2204864"/>
+            <a:ext cx="7042997" cy="3260913"/>
+          </a:xfrm>
+          <a:prstGeom prst="rect">
+            <a:avLst/>
+          </a:prstGeom>
+          <a:noFill/>
+          <a:ln w="9525">
+            <a:noFill/>
+            <a:miter lim="800000"/>
+            <a:headEnd/>
+            <a:tailEnd/>
+          </a:ln>
+        </p:spPr>
+      </p:pic>
     </p:spTree>
   </p:cSld>
   <p:clrMapOvr>
@@ -6937,31 +10538,46 @@
         </p:nvSpPr>
         <p:spPr/>
         <p:txBody>
-          <a:bodyPr>
-            <a:normAutofit fontScale="90000"/>
-          </a:bodyPr>
+          <a:bodyPr/>
           <a:lstStyle/>
           <a:p>
             <a:r>
               <a:rPr lang="pl-PL" dirty="0" smtClean="0"/>
-              <a:t>Geodezyjne powierzchnie odniesienia</a:t>
+              <a:t>GPS</a:t>
             </a:r>
             <a:endParaRPr lang="pl-PL" dirty="0"/>
+          </a:p>
+        </p:txBody>
+      </p:sp>
+      <p:sp>
+        <p:nvSpPr>
+          <p:cNvPr id="3" name="Symbol zastępczy zawartości 2"/>
+          <p:cNvSpPr>
+            <a:spLocks noGrp="1"/>
+          </p:cNvSpPr>
+          <p:nvPr>
+            <p:ph idx="1"/>
+          </p:nvPr>
+        </p:nvSpPr>
+        <p:spPr/>
+        <p:txBody>
+          <a:bodyPr/>
+          <a:lstStyle/>
+          <a:p>
+            <a:endParaRPr lang="pl-PL"/>
           </a:p>
         </p:txBody>
       </p:sp>
       <p:pic>
         <p:nvPicPr>
-          <p:cNvPr id="4" name="Symbol zastępczy zawartości 3"/>
+          <p:cNvPr id="53250" name="Picture 2" descr="http://www.bliptrackgps.com/images/content/science-of-gps.jpg"/>
           <p:cNvPicPr>
-            <a:picLocks noGrp="1"/>
+            <a:picLocks noChangeAspect="1" noChangeArrowheads="1"/>
           </p:cNvPicPr>
-          <p:nvPr>
-            <p:ph idx="1"/>
-          </p:nvPr>
+          <p:nvPr/>
         </p:nvPicPr>
         <p:blipFill>
-          <a:blip r:embed="rId2" cstate="print"/>
+          <a:blip r:embed="rId3" cstate="print"/>
           <a:srcRect/>
           <a:stretch>
             <a:fillRect/>
@@ -6969,19 +10585,13 @@
         </p:blipFill>
         <p:spPr bwMode="auto">
           <a:xfrm>
-            <a:off x="971600" y="1484784"/>
-            <a:ext cx="7128792" cy="4896544"/>
+            <a:off x="1043608" y="1412776"/>
+            <a:ext cx="7278960" cy="5161299"/>
           </a:xfrm>
           <a:prstGeom prst="rect">
             <a:avLst/>
           </a:prstGeom>
           <a:noFill/>
-          <a:ln w="9525">
-            <a:noFill/>
-            <a:miter lim="800000"/>
-            <a:headEnd/>
-            <a:tailEnd/>
-          </a:ln>
         </p:spPr>
       </p:pic>
     </p:spTree>
@@ -6989,6 +10599,13 @@
   <p:clrMapOvr>
     <a:masterClrMapping/>
   </p:clrMapOvr>
+  <p:timing>
+    <p:tnLst>
+      <p:par>
+        <p:cTn id="1" dur="indefinite" restart="never" nodeType="tmRoot"/>
+      </p:par>
+    </p:tnLst>
+  </p:timing>
 </p:sld>
 </file>
 
@@ -7021,42 +10638,74 @@
         </p:nvSpPr>
         <p:spPr/>
         <p:txBody>
-          <a:bodyPr>
-            <a:normAutofit fontScale="90000"/>
-          </a:bodyPr>
+          <a:bodyPr/>
           <a:lstStyle/>
           <a:p>
             <a:r>
               <a:rPr lang="pl-PL" dirty="0" smtClean="0"/>
-              <a:t>Algorytm wyznaczania otoczki obszaru przeszukanego</a:t>
+              <a:t>Shuttle Radar Topography Mission</a:t>
             </a:r>
             <a:endParaRPr lang="pl-PL" dirty="0"/>
           </a:p>
         </p:txBody>
       </p:sp>
-      <p:pic>
-        <p:nvPicPr>
-          <p:cNvPr id="4" name="Symbol zastępczy zawartości 3" descr="algorytm1_pro.jpg"/>
-          <p:cNvPicPr>
-            <a:picLocks noGrp="1" noChangeAspect="1"/>
-          </p:cNvPicPr>
+      <p:sp>
+        <p:nvSpPr>
+          <p:cNvPr id="3" name="Symbol zastępczy zawartości 2"/>
+          <p:cNvSpPr>
+            <a:spLocks noGrp="1"/>
+          </p:cNvSpPr>
           <p:nvPr>
             <p:ph idx="1"/>
           </p:nvPr>
-        </p:nvPicPr>
-        <p:blipFill>
-          <a:blip r:embed="rId3" cstate="print"/>
-          <a:stretch>
-            <a:fillRect/>
-          </a:stretch>
-        </p:blipFill>
-        <p:spPr>
-          <a:xfrm>
-            <a:off x="478955" y="1600200"/>
-            <a:ext cx="8186090" cy="4525963"/>
-          </a:xfrm>
-        </p:spPr>
-      </p:pic>
+        </p:nvSpPr>
+        <p:spPr/>
+        <p:txBody>
+          <a:bodyPr/>
+          <a:lstStyle/>
+          <a:p>
+            <a:r>
+              <a:rPr lang="pl-PL" dirty="0" smtClean="0"/>
+              <a:t>Przeprowadzona w 2000 roku przez:</a:t>
+            </a:r>
+          </a:p>
+          <a:p>
+            <a:pPr lvl="1">
+              <a:buFont typeface="Wingdings" pitchFamily="2" charset="2"/>
+              <a:buChar char="ü"/>
+            </a:pPr>
+            <a:r>
+              <a:rPr lang="pl-PL" dirty="0" smtClean="0"/>
+              <a:t> </a:t>
+            </a:r>
+            <a:r>
+              <a:rPr lang="pl-PL" sz="2000" dirty="0" smtClean="0"/>
+              <a:t>Narodową Agencję Aeronautyki i Przestrzeni kosmicznej Stanów Zjednoczonych NASA,</a:t>
+            </a:r>
+          </a:p>
+          <a:p>
+            <a:pPr lvl="1">
+              <a:buFont typeface="Wingdings" pitchFamily="2" charset="2"/>
+              <a:buChar char="ü"/>
+            </a:pPr>
+            <a:r>
+              <a:rPr lang="pl-PL" sz="2400" dirty="0" smtClean="0"/>
+              <a:t>Niemiecką Agencję Kosmiczną DRL,</a:t>
+            </a:r>
+          </a:p>
+          <a:p>
+            <a:pPr lvl="1">
+              <a:buFont typeface="Wingdings" pitchFamily="2" charset="2"/>
+              <a:buChar char="ü"/>
+            </a:pPr>
+            <a:r>
+              <a:rPr lang="pl-PL" sz="2400" dirty="0" smtClean="0"/>
+              <a:t>Włoską Agencję Kosmiczną ASI</a:t>
+            </a:r>
+            <a:endParaRPr lang="pl-PL" sz="2400" dirty="0"/>
+          </a:p>
+        </p:txBody>
+      </p:sp>
     </p:spTree>
   </p:cSld>
   <p:clrMapOvr>
@@ -7101,29 +10750,44 @@
         </p:nvSpPr>
         <p:spPr/>
         <p:txBody>
-          <a:bodyPr/>
+          <a:bodyPr>
+            <a:normAutofit/>
+          </a:bodyPr>
           <a:lstStyle/>
           <a:p>
             <a:r>
               <a:rPr lang="pl-PL" dirty="0" smtClean="0"/>
-              <a:t>Wyznaczanie promienia</a:t>
+              <a:t>Określanie wysokości - </a:t>
+            </a:r>
+            <a:r>
+              <a:rPr lang="pl-PL" dirty="0" err="1" smtClean="0"/>
+              <a:t>undulacje</a:t>
             </a:r>
             <a:endParaRPr lang="pl-PL" dirty="0"/>
           </a:p>
         </p:txBody>
       </p:sp>
-      <p:sp>
-        <p:nvSpPr>
-          <p:cNvPr id="1026" name="Rectangle 2"/>
-          <p:cNvSpPr>
-            <a:spLocks noChangeArrowheads="1"/>
-          </p:cNvSpPr>
-          <p:nvPr/>
-        </p:nvSpPr>
+      <p:pic>
+        <p:nvPicPr>
+          <p:cNvPr id="4" name="Symbol zastępczy zawartości 3"/>
+          <p:cNvPicPr>
+            <a:picLocks noGrp="1"/>
+          </p:cNvPicPr>
+          <p:nvPr>
+            <p:ph idx="1"/>
+          </p:nvPr>
+        </p:nvPicPr>
+        <p:blipFill>
+          <a:blip r:embed="rId3" cstate="print"/>
+          <a:srcRect/>
+          <a:stretch>
+            <a:fillRect/>
+          </a:stretch>
+        </p:blipFill>
         <p:spPr bwMode="auto">
           <a:xfrm>
-            <a:off x="0" y="0"/>
-            <a:ext cx="9144000" cy="457200"/>
+            <a:off x="971600" y="1484784"/>
+            <a:ext cx="7128792" cy="4896544"/>
           </a:xfrm>
           <a:prstGeom prst="rect">
             <a:avLst/>
@@ -7135,122 +10799,8 @@
             <a:headEnd/>
             <a:tailEnd/>
           </a:ln>
-          <a:effectLst/>
-        </p:spPr>
-        <p:txBody>
-          <a:bodyPr vert="horz" wrap="none" lIns="91440" tIns="45720" rIns="91440" bIns="45720" numCol="1" anchor="ctr" anchorCtr="0" compatLnSpc="1">
-            <a:prstTxWarp prst="textNoShape">
-              <a:avLst/>
-            </a:prstTxWarp>
-            <a:spAutoFit/>
-          </a:bodyPr>
-          <a:lstStyle/>
-          <a:p>
-            <a:endParaRPr lang="pl-PL"/>
-          </a:p>
-        </p:txBody>
-      </p:sp>
-      <p:pic>
-        <p:nvPicPr>
-          <p:cNvPr id="1025" name="Picture 1"/>
-          <p:cNvPicPr>
-            <a:picLocks noChangeAspect="1" noChangeArrowheads="1"/>
-          </p:cNvPicPr>
-          <p:nvPr/>
-        </p:nvPicPr>
-        <p:blipFill>
-          <a:blip r:embed="rId2" cstate="print">
-            <a:clrChange>
-              <a:clrFrom>
-                <a:srgbClr val="FFFFFF"/>
-              </a:clrFrom>
-              <a:clrTo>
-                <a:srgbClr val="FFFFFF">
-                  <a:alpha val="0"/>
-                </a:srgbClr>
-              </a:clrTo>
-            </a:clrChange>
-          </a:blip>
-          <a:srcRect/>
-          <a:stretch>
-            <a:fillRect/>
-          </a:stretch>
-        </p:blipFill>
-        <p:spPr bwMode="auto">
-          <a:xfrm>
-            <a:off x="1979712" y="3212976"/>
-            <a:ext cx="5112568" cy="1107723"/>
-          </a:xfrm>
-          <a:prstGeom prst="rect">
-            <a:avLst/>
-          </a:prstGeom>
-          <a:noFill/>
         </p:spPr>
       </p:pic>
-      <p:sp>
-        <p:nvSpPr>
-          <p:cNvPr id="1027" name="Rectangle 3"/>
-          <p:cNvSpPr>
-            <a:spLocks noChangeArrowheads="1"/>
-          </p:cNvSpPr>
-          <p:nvPr/>
-        </p:nvSpPr>
-        <p:spPr bwMode="auto">
-          <a:xfrm>
-            <a:off x="0" y="663575"/>
-            <a:ext cx="9144000" cy="457200"/>
-          </a:xfrm>
-          <a:prstGeom prst="rect">
-            <a:avLst/>
-          </a:prstGeom>
-          <a:noFill/>
-          <a:ln w="9525">
-            <a:noFill/>
-            <a:miter lim="800000"/>
-            <a:headEnd/>
-            <a:tailEnd/>
-          </a:ln>
-          <a:effectLst/>
-        </p:spPr>
-        <p:txBody>
-          <a:bodyPr vert="horz" wrap="none" lIns="91440" tIns="45720" rIns="91440" bIns="45720" numCol="1" anchor="ctr" anchorCtr="0" compatLnSpc="1">
-            <a:prstTxWarp prst="textNoShape">
-              <a:avLst/>
-            </a:prstTxWarp>
-            <a:spAutoFit/>
-          </a:bodyPr>
-          <a:lstStyle/>
-          <a:p>
-            <a:pPr marL="0" marR="0" lvl="0" indent="0" algn="l" defTabSz="914400" rtl="0" eaLnBrk="1" fontAlgn="base" latinLnBrk="0" hangingPunct="1">
-              <a:lnSpc>
-                <a:spcPct val="100000"/>
-              </a:lnSpc>
-              <a:spcBef>
-                <a:spcPct val="0"/>
-              </a:spcBef>
-              <a:spcAft>
-                <a:spcPct val="0"/>
-              </a:spcAft>
-              <a:buClrTx/>
-              <a:buSzTx/>
-              <a:buFontTx/>
-              <a:buNone/>
-              <a:tabLst/>
-            </a:pPr>
-            <a:endParaRPr kumimoji="0" lang="pl-PL" sz="1800" b="0" i="0" u="none" strike="noStrike" cap="none" normalizeH="0" baseline="0" smtClean="0">
-              <a:ln>
-                <a:noFill/>
-              </a:ln>
-              <a:solidFill>
-                <a:schemeClr val="tx1"/>
-              </a:solidFill>
-              <a:effectLst/>
-              <a:latin typeface="Arial" pitchFamily="34" charset="0"/>
-              <a:cs typeface="Arial" pitchFamily="34" charset="0"/>
-            </a:endParaRPr>
-          </a:p>
-        </p:txBody>
-      </p:sp>
     </p:spTree>
   </p:cSld>
   <p:clrMapOvr>
@@ -7295,42 +10845,90 @@
         </p:nvSpPr>
         <p:spPr/>
         <p:txBody>
-          <a:bodyPr>
-            <a:normAutofit fontScale="90000"/>
-          </a:bodyPr>
+          <a:bodyPr/>
           <a:lstStyle/>
           <a:p>
             <a:r>
               <a:rPr lang="pl-PL" dirty="0" smtClean="0"/>
-              <a:t>Algorytm wyznaczania otoczki obszaru przeszukanego</a:t>
+              <a:t>Algorytm - wstęp</a:t>
             </a:r>
             <a:endParaRPr lang="pl-PL" dirty="0"/>
           </a:p>
         </p:txBody>
       </p:sp>
-      <p:pic>
-        <p:nvPicPr>
-          <p:cNvPr id="4" name="Symbol zastępczy zawartości 3" descr="algorytm1_pro.jpg"/>
-          <p:cNvPicPr>
-            <a:picLocks noGrp="1" noChangeAspect="1"/>
-          </p:cNvPicPr>
+      <p:sp>
+        <p:nvSpPr>
+          <p:cNvPr id="3" name="Symbol zastępczy zawartości 2"/>
+          <p:cNvSpPr>
+            <a:spLocks noGrp="1"/>
+          </p:cNvSpPr>
           <p:nvPr>
             <p:ph idx="1"/>
           </p:nvPr>
-        </p:nvPicPr>
-        <p:blipFill>
-          <a:blip r:embed="rId3" cstate="print"/>
-          <a:stretch>
-            <a:fillRect/>
-          </a:stretch>
-        </p:blipFill>
+        </p:nvSpPr>
         <p:spPr>
           <a:xfrm>
-            <a:off x="478955" y="1600200"/>
-            <a:ext cx="8186090" cy="4525963"/>
+            <a:off x="539552" y="1772816"/>
+            <a:ext cx="8229600" cy="4525963"/>
           </a:xfrm>
         </p:spPr>
-      </p:pic>
+        <p:txBody>
+          <a:bodyPr>
+            <a:normAutofit/>
+          </a:bodyPr>
+          <a:lstStyle/>
+          <a:p>
+            <a:pPr lvl="0"/>
+            <a:r>
+              <a:rPr lang="pl-PL" dirty="0" smtClean="0"/>
+              <a:t>Dane wejściowe</a:t>
+            </a:r>
+          </a:p>
+          <a:p>
+            <a:pPr lvl="0"/>
+            <a:r>
+              <a:rPr lang="pl-PL" dirty="0" smtClean="0"/>
+              <a:t>Podział algorytmu:</a:t>
+            </a:r>
+          </a:p>
+          <a:p>
+            <a:pPr lvl="1">
+              <a:buFont typeface="Wingdings" pitchFamily="2" charset="2"/>
+              <a:buChar char="Ø"/>
+            </a:pPr>
+            <a:r>
+              <a:rPr lang="pl-PL" dirty="0" smtClean="0"/>
+              <a:t>algorytm wyznaczania otoczki obszaru przeszukanego, </a:t>
+            </a:r>
+          </a:p>
+          <a:p>
+            <a:pPr lvl="1">
+              <a:buFont typeface="Wingdings" pitchFamily="2" charset="2"/>
+              <a:buChar char="Ø"/>
+            </a:pPr>
+            <a:r>
+              <a:rPr lang="pl-PL" dirty="0" smtClean="0"/>
+              <a:t>algorytm wyznaczania obszarów wewnątrz otoczki niezarejestrowanych przez kamerę oraz </a:t>
+            </a:r>
+          </a:p>
+          <a:p>
+            <a:pPr lvl="1">
+              <a:buFont typeface="Wingdings" pitchFamily="2" charset="2"/>
+              <a:buChar char="Ø"/>
+            </a:pPr>
+            <a:r>
+              <a:rPr lang="pl-PL" dirty="0" smtClean="0"/>
+              <a:t>algorytm łączenia pojedynczych obszarów w całość. </a:t>
+            </a:r>
+          </a:p>
+          <a:p>
+            <a:pPr>
+              <a:buNone/>
+            </a:pPr>
+            <a:endParaRPr lang="pl-PL" dirty="0"/>
+          </a:p>
+        </p:txBody>
+      </p:sp>
     </p:spTree>
   </p:cSld>
   <p:clrMapOvr>
@@ -7375,12 +10973,14 @@
         </p:nvSpPr>
         <p:spPr/>
         <p:txBody>
-          <a:bodyPr/>
+          <a:bodyPr>
+            <a:normAutofit fontScale="90000"/>
+          </a:bodyPr>
           <a:lstStyle/>
           <a:p>
             <a:r>
               <a:rPr lang="pl-PL" dirty="0" smtClean="0"/>
-              <a:t>Przykładowy wynik algorytmu</a:t>
+              <a:t>Algorytm wyznaczania otoczki obszaru przeszukanego</a:t>
             </a:r>
             <a:endParaRPr lang="pl-PL" dirty="0"/>
           </a:p>
@@ -7388,9 +10988,9 @@
       </p:sp>
       <p:pic>
         <p:nvPicPr>
-          <p:cNvPr id="5" name="Symbol zastępczy zawartości 4" descr="algorytm1-22 — kopia (2).jpg"/>
+          <p:cNvPr id="4" name="Symbol zastępczy zawartości 3" descr="algorytm1_pro.jpg"/>
           <p:cNvPicPr>
-            <a:picLocks noGrp="1"/>
+            <a:picLocks noGrp="1" noChangeAspect="1"/>
           </p:cNvPicPr>
           <p:nvPr>
             <p:ph idx="1"/>
@@ -7404,12 +11004,9 @@
         </p:blipFill>
         <p:spPr>
           <a:xfrm>
-            <a:off x="1403648" y="1196752"/>
-            <a:ext cx="6480720" cy="5472608"/>
+            <a:off x="478955" y="1600200"/>
+            <a:ext cx="8186090" cy="4525963"/>
           </a:xfrm>
-          <a:prstGeom prst="rect">
-            <a:avLst/>
-          </a:prstGeom>
         </p:spPr>
       </p:pic>
     </p:spTree>

--- a/Dokumenty/Obrona/Prezentacja.pptx
+++ b/Dokumenty/Obrona/Prezentacja.pptx
@@ -5,37 +5,36 @@
     <p:sldMasterId id="2147483648" r:id="rId1"/>
   </p:sldMasterIdLst>
   <p:notesMasterIdLst>
-    <p:notesMasterId r:id="rId30"/>
+    <p:notesMasterId r:id="rId29"/>
   </p:notesMasterIdLst>
   <p:sldIdLst>
     <p:sldId id="256" r:id="rId2"/>
-    <p:sldId id="257" r:id="rId3"/>
-    <p:sldId id="275" r:id="rId4"/>
-    <p:sldId id="277" r:id="rId5"/>
-    <p:sldId id="283" r:id="rId6"/>
-    <p:sldId id="266" r:id="rId7"/>
-    <p:sldId id="276" r:id="rId8"/>
-    <p:sldId id="278" r:id="rId9"/>
-    <p:sldId id="258" r:id="rId10"/>
-    <p:sldId id="259" r:id="rId11"/>
-    <p:sldId id="260" r:id="rId12"/>
-    <p:sldId id="261" r:id="rId13"/>
-    <p:sldId id="262" r:id="rId14"/>
-    <p:sldId id="263" r:id="rId15"/>
-    <p:sldId id="264" r:id="rId16"/>
-    <p:sldId id="279" r:id="rId17"/>
-    <p:sldId id="265" r:id="rId18"/>
-    <p:sldId id="280" r:id="rId19"/>
-    <p:sldId id="267" r:id="rId20"/>
-    <p:sldId id="268" r:id="rId21"/>
-    <p:sldId id="269" r:id="rId22"/>
-    <p:sldId id="270" r:id="rId23"/>
-    <p:sldId id="271" r:id="rId24"/>
-    <p:sldId id="272" r:id="rId25"/>
-    <p:sldId id="273" r:id="rId26"/>
-    <p:sldId id="281" r:id="rId27"/>
-    <p:sldId id="274" r:id="rId28"/>
-    <p:sldId id="282" r:id="rId29"/>
+    <p:sldId id="275" r:id="rId3"/>
+    <p:sldId id="277" r:id="rId4"/>
+    <p:sldId id="283" r:id="rId5"/>
+    <p:sldId id="266" r:id="rId6"/>
+    <p:sldId id="276" r:id="rId7"/>
+    <p:sldId id="278" r:id="rId8"/>
+    <p:sldId id="258" r:id="rId9"/>
+    <p:sldId id="261" r:id="rId10"/>
+    <p:sldId id="262" r:id="rId11"/>
+    <p:sldId id="263" r:id="rId12"/>
+    <p:sldId id="264" r:id="rId13"/>
+    <p:sldId id="279" r:id="rId14"/>
+    <p:sldId id="265" r:id="rId15"/>
+    <p:sldId id="280" r:id="rId16"/>
+    <p:sldId id="284" r:id="rId17"/>
+    <p:sldId id="267" r:id="rId18"/>
+    <p:sldId id="285" r:id="rId19"/>
+    <p:sldId id="268" r:id="rId20"/>
+    <p:sldId id="269" r:id="rId21"/>
+    <p:sldId id="270" r:id="rId22"/>
+    <p:sldId id="271" r:id="rId23"/>
+    <p:sldId id="272" r:id="rId24"/>
+    <p:sldId id="273" r:id="rId25"/>
+    <p:sldId id="281" r:id="rId26"/>
+    <p:sldId id="274" r:id="rId27"/>
+    <p:sldId id="282" r:id="rId28"/>
   </p:sldIdLst>
   <p:sldSz cx="9144000" cy="6858000" type="screen4x3"/>
   <p:notesSz cx="6858000" cy="9144000"/>
@@ -532,8 +531,12 @@
           </a:bodyPr>
           <a:lstStyle/>
           <a:p>
-            <a:r>
-              <a:rPr lang="pl-PL" sz="1200" kern="1200" dirty="0" smtClean="0">
+            <a:pPr>
+              <a:buFont typeface="Arial" pitchFamily="34" charset="0"/>
+              <a:buChar char="•"/>
+            </a:pPr>
+            <a:r>
+              <a:rPr lang="pl-PL" sz="1200" kern="1200" baseline="0" dirty="0">
                 <a:solidFill>
                   <a:schemeClr val="tx1"/>
                 </a:solidFill>
@@ -541,12 +544,10 @@
                 <a:ea typeface="+mn-ea"/>
                 <a:cs typeface="+mn-cs"/>
               </a:rPr>
-              <a:t>Witam Państwa</a:t>
-            </a:r>
-          </a:p>
-          <a:p>
-            <a:r>
-              <a:rPr lang="pl-PL" sz="1200" kern="1200" dirty="0" smtClean="0">
+              <a:t> </a:t>
+            </a:r>
+            <a:r>
+              <a:rPr lang="pl-PL" sz="1200" kern="1200" baseline="0" dirty="0" smtClean="0">
                 <a:solidFill>
                   <a:schemeClr val="tx1"/>
                 </a:solidFill>
@@ -554,12 +555,16 @@
                 <a:ea typeface="+mn-ea"/>
                 <a:cs typeface="+mn-cs"/>
               </a:rPr>
-              <a:t>Nazywam się Michał Kapiczyński i zaprezentuję dzisiaj Państwu efekty mojej pracy dyplomowej.</a:t>
-            </a:r>
-          </a:p>
-          <a:p>
-            <a:r>
-              <a:rPr lang="pl-PL" sz="1200" kern="1200" dirty="0" smtClean="0">
+              <a:t>Wstęp</a:t>
+            </a:r>
+          </a:p>
+          <a:p>
+            <a:pPr>
+              <a:buFont typeface="Arial" pitchFamily="34" charset="0"/>
+              <a:buChar char="•"/>
+            </a:pPr>
+            <a:r>
+              <a:rPr lang="pl-PL" sz="1200" kern="1200" baseline="0" dirty="0" smtClean="0">
                 <a:solidFill>
                   <a:schemeClr val="tx1"/>
                 </a:solidFill>
@@ -567,10 +572,10 @@
                 <a:ea typeface="+mn-ea"/>
                 <a:cs typeface="+mn-cs"/>
               </a:rPr>
-              <a:t>Praca postała pod kierownictwem </a:t>
-            </a:r>
-            <a:r>
-              <a:rPr lang="pl-PL" sz="1200" kern="1200" dirty="0" err="1" smtClean="0">
+              <a:t> Powiązanie z </a:t>
+            </a:r>
+            <a:r>
+              <a:rPr lang="pl-PL" sz="1200" kern="1200" baseline="0" dirty="0" err="1" smtClean="0">
                 <a:solidFill>
                   <a:schemeClr val="tx1"/>
                 </a:solidFill>
@@ -578,10 +583,24 @@
                 <a:ea typeface="+mn-ea"/>
                 <a:cs typeface="+mn-cs"/>
               </a:rPr>
-              <a:t>dr</a:t>
-            </a:r>
-            <a:r>
-              <a:rPr lang="pl-PL" sz="1200" kern="1200" dirty="0" smtClean="0">
+              <a:t>dronami</a:t>
+            </a:r>
+            <a:endParaRPr lang="pl-PL" sz="1200" kern="1200" baseline="0" dirty="0" smtClean="0">
+              <a:solidFill>
+                <a:schemeClr val="tx1"/>
+              </a:solidFill>
+              <a:latin typeface="+mn-lt"/>
+              <a:ea typeface="+mn-ea"/>
+              <a:cs typeface="+mn-cs"/>
+            </a:endParaRPr>
+          </a:p>
+          <a:p>
+            <a:pPr>
+              <a:buFont typeface="Arial" pitchFamily="34" charset="0"/>
+              <a:buChar char="•"/>
+            </a:pPr>
+            <a:r>
+              <a:rPr lang="pl-PL" sz="1200" kern="1200" baseline="0" dirty="0" smtClean="0">
                 <a:solidFill>
                   <a:schemeClr val="tx1"/>
                 </a:solidFill>
@@ -589,8 +608,39 @@
                 <a:ea typeface="+mn-ea"/>
                 <a:cs typeface="+mn-cs"/>
               </a:rPr>
-              <a:t>. Pawła Wnuka.</a:t>
-            </a:r>
+              <a:t> Rozwiązanie wspomagające wykorzystanie bezzałogowych statków latających</a:t>
+            </a:r>
+          </a:p>
+          <a:p>
+            <a:pPr>
+              <a:buFont typeface="Arial" pitchFamily="34" charset="0"/>
+              <a:buChar char="•"/>
+            </a:pPr>
+            <a:r>
+              <a:rPr lang="pl-PL" sz="1200" kern="1200" baseline="0" dirty="0" smtClean="0">
+                <a:solidFill>
+                  <a:schemeClr val="tx1"/>
+                </a:solidFill>
+                <a:latin typeface="+mn-lt"/>
+                <a:ea typeface="+mn-ea"/>
+                <a:cs typeface="+mn-cs"/>
+              </a:rPr>
+              <a:t> Cel pracy (czym jest obszar przeszukany)</a:t>
+            </a:r>
+          </a:p>
+          <a:p>
+            <a:pPr>
+              <a:buFont typeface="Arial" pitchFamily="34" charset="0"/>
+              <a:buChar char="•"/>
+            </a:pPr>
+            <a:endParaRPr lang="pl-PL" sz="1200" kern="1200" dirty="0" smtClean="0">
+              <a:solidFill>
+                <a:schemeClr val="tx1"/>
+              </a:solidFill>
+              <a:latin typeface="+mn-lt"/>
+              <a:ea typeface="+mn-ea"/>
+              <a:cs typeface="+mn-cs"/>
+            </a:endParaRPr>
           </a:p>
         </p:txBody>
       </p:sp>
@@ -672,23 +722,282 @@
           </a:bodyPr>
           <a:lstStyle/>
           <a:p>
-            <a:r>
-              <a:rPr lang="pl-PL" dirty="0" err="1" smtClean="0"/>
-              <a:t>r</a:t>
-            </a:r>
-            <a:r>
-              <a:rPr lang="pl-PL" baseline="0" dirty="0" smtClean="0"/>
-              <a:t> = </a:t>
-            </a:r>
-            <a:r>
-              <a:rPr lang="pl-PL" baseline="0" dirty="0" err="1" smtClean="0"/>
+            <a:pPr>
+              <a:buFont typeface="Arial" pitchFamily="34" charset="0"/>
+              <a:buChar char="•"/>
+            </a:pPr>
+            <a:r>
+              <a:rPr lang="pl-PL" sz="1200" kern="1200" baseline="0" dirty="0" smtClean="0">
+                <a:solidFill>
+                  <a:schemeClr val="tx1"/>
+                </a:solidFill>
+                <a:latin typeface="+mn-lt"/>
+                <a:ea typeface="+mn-ea"/>
+                <a:cs typeface="+mn-cs"/>
+              </a:rPr>
+              <a:t> Rozwinięcie algorytmu </a:t>
+            </a:r>
+            <a:r>
+              <a:rPr lang="pl-PL" sz="1200" kern="1200" baseline="0" dirty="0" err="1" smtClean="0">
+                <a:solidFill>
+                  <a:schemeClr val="tx1"/>
+                </a:solidFill>
+                <a:latin typeface="+mn-lt"/>
+                <a:ea typeface="+mn-ea"/>
+                <a:cs typeface="+mn-cs"/>
+              </a:rPr>
+              <a:t>podstawoweog</a:t>
+            </a:r>
+            <a:r>
+              <a:rPr lang="pl-PL" sz="1200" kern="1200" baseline="0" dirty="0" smtClean="0">
+                <a:solidFill>
+                  <a:schemeClr val="tx1"/>
+                </a:solidFill>
+                <a:latin typeface="+mn-lt"/>
+                <a:ea typeface="+mn-ea"/>
+                <a:cs typeface="+mn-cs"/>
+              </a:rPr>
+              <a:t>,</a:t>
+            </a:r>
+          </a:p>
+          <a:p>
+            <a:pPr>
+              <a:buFont typeface="Arial" pitchFamily="34" charset="0"/>
+              <a:buChar char="•"/>
+            </a:pPr>
+            <a:r>
+              <a:rPr lang="pl-PL" sz="1200" kern="1200" baseline="0" dirty="0" smtClean="0">
+                <a:solidFill>
+                  <a:schemeClr val="tx1"/>
+                </a:solidFill>
+                <a:latin typeface="+mn-lt"/>
+                <a:ea typeface="+mn-ea"/>
+                <a:cs typeface="+mn-cs"/>
+              </a:rPr>
+              <a:t> Powtórzenie operacji dla kąta kamery pomniejszonego o </a:t>
+            </a:r>
+            <a:r>
+              <a:rPr lang="pl-PL" sz="1200" kern="1200" dirty="0" smtClean="0">
+                <a:solidFill>
+                  <a:schemeClr val="tx1"/>
+                </a:solidFill>
+                <a:latin typeface="+mn-lt"/>
+                <a:ea typeface="+mn-ea"/>
+                <a:cs typeface="+mn-cs"/>
+              </a:rPr>
+              <a:t>określoną stałą wartość </a:t>
+            </a:r>
+            <a:r>
+              <a:rPr lang="pl-PL" sz="1200" b="1" kern="1200" dirty="0" smtClean="0">
+                <a:solidFill>
+                  <a:schemeClr val="tx1"/>
+                </a:solidFill>
+                <a:latin typeface="+mn-lt"/>
+                <a:ea typeface="+mn-ea"/>
+                <a:cs typeface="+mn-cs"/>
+              </a:rPr>
+              <a:t>β,</a:t>
+            </a:r>
+          </a:p>
+          <a:p>
+            <a:pPr>
+              <a:buFont typeface="Arial" pitchFamily="34" charset="0"/>
+              <a:buChar char="•"/>
+            </a:pPr>
+            <a:r>
+              <a:rPr lang="pl-PL" sz="1200" b="0" kern="1200" dirty="0" smtClean="0">
+                <a:solidFill>
+                  <a:schemeClr val="tx1"/>
+                </a:solidFill>
+                <a:latin typeface="+mn-lt"/>
+                <a:ea typeface="+mn-ea"/>
+                <a:cs typeface="+mn-cs"/>
+              </a:rPr>
+              <a:t> Powtórzenie iteracji aż do 0,</a:t>
+            </a:r>
+          </a:p>
+          <a:p>
+            <a:pPr>
+              <a:buFont typeface="Arial" pitchFamily="34" charset="0"/>
+              <a:buChar char="•"/>
+            </a:pPr>
+            <a:r>
+              <a:rPr lang="pl-PL" sz="1200" b="0" kern="1200" dirty="0" smtClean="0">
+                <a:solidFill>
+                  <a:schemeClr val="tx1"/>
+                </a:solidFill>
+                <a:latin typeface="+mn-lt"/>
+                <a:ea typeface="+mn-ea"/>
+                <a:cs typeface="+mn-cs"/>
+              </a:rPr>
+              <a:t> Po każdej iteracji dwie otoczki,</a:t>
+            </a:r>
+          </a:p>
+          <a:p>
+            <a:pPr>
+              <a:buFont typeface="Arial" pitchFamily="34" charset="0"/>
+              <a:buChar char="•"/>
+            </a:pPr>
+            <a:r>
+              <a:rPr lang="pl-PL" sz="1200" b="0" kern="1200" dirty="0" smtClean="0">
+                <a:solidFill>
+                  <a:schemeClr val="tx1"/>
+                </a:solidFill>
+                <a:latin typeface="+mn-lt"/>
+                <a:ea typeface="+mn-ea"/>
+                <a:cs typeface="+mn-cs"/>
+              </a:rPr>
+              <a:t> </a:t>
+            </a:r>
+          </a:p>
+          <a:p>
+            <a:pPr>
+              <a:buFont typeface="Arial" pitchFamily="34" charset="0"/>
+              <a:buChar char="•"/>
+            </a:pPr>
+            <a:r>
+              <a:rPr lang="pl-PL" sz="1200" b="0" kern="1200" baseline="0" dirty="0" smtClean="0">
+                <a:solidFill>
+                  <a:schemeClr val="tx1"/>
+                </a:solidFill>
+                <a:latin typeface="+mn-lt"/>
+                <a:ea typeface="+mn-ea"/>
+                <a:cs typeface="+mn-cs"/>
+              </a:rPr>
+              <a:t> Porównanie wysokości odpowiednich punktów dla obu otoczek,</a:t>
+            </a:r>
+          </a:p>
+          <a:p>
+            <a:pPr>
+              <a:buFont typeface="Arial" pitchFamily="34" charset="0"/>
+              <a:buChar char="•"/>
+            </a:pPr>
+            <a:r>
+              <a:rPr lang="pl-PL" sz="1200" b="0" kern="1200" baseline="0" dirty="0" smtClean="0">
+                <a:solidFill>
+                  <a:schemeClr val="tx1"/>
+                </a:solidFill>
+                <a:latin typeface="+mn-lt"/>
+                <a:ea typeface="+mn-ea"/>
+                <a:cs typeface="+mn-cs"/>
+              </a:rPr>
+              <a:t> Jeśli wys. B &gt; A to wzniesienie</a:t>
+            </a:r>
+          </a:p>
+          <a:p>
+            <a:pPr>
+              <a:buFont typeface="Arial" pitchFamily="34" charset="0"/>
+              <a:buChar char="•"/>
+            </a:pPr>
+            <a:endParaRPr lang="pl-PL" sz="1200" b="0" kern="1200" baseline="0" dirty="0" smtClean="0">
+              <a:solidFill>
+                <a:schemeClr val="tx1"/>
+              </a:solidFill>
+              <a:latin typeface="+mn-lt"/>
+              <a:ea typeface="+mn-ea"/>
+              <a:cs typeface="+mn-cs"/>
+            </a:endParaRPr>
+          </a:p>
+          <a:p>
+            <a:pPr>
+              <a:buFont typeface="Arial" pitchFamily="34" charset="0"/>
+              <a:buChar char="•"/>
+            </a:pPr>
+            <a:r>
+              <a:rPr lang="pl-PL" sz="1200" b="0" kern="1200" baseline="0" dirty="0" smtClean="0">
+                <a:solidFill>
+                  <a:schemeClr val="tx1"/>
+                </a:solidFill>
+                <a:latin typeface="+mn-lt"/>
+                <a:ea typeface="+mn-ea"/>
+                <a:cs typeface="+mn-cs"/>
+              </a:rPr>
+              <a:t> Rozpoczęcie schodzenia od B do A o </a:t>
+            </a:r>
+            <a:r>
+              <a:rPr lang="pl-PL" sz="1200" b="0" kern="1200" baseline="0" dirty="0" err="1" smtClean="0">
+                <a:solidFill>
+                  <a:schemeClr val="tx1"/>
+                </a:solidFill>
+                <a:latin typeface="+mn-lt"/>
+                <a:ea typeface="+mn-ea"/>
+                <a:cs typeface="+mn-cs"/>
+              </a:rPr>
               <a:t>dh</a:t>
             </a:r>
             <a:r>
-              <a:rPr lang="pl-PL" baseline="0" dirty="0" smtClean="0"/>
-              <a:t> tg(alfa)</a:t>
-            </a:r>
-            <a:endParaRPr lang="pl-PL" dirty="0"/>
+              <a:rPr lang="pl-PL" sz="1200" b="0" kern="1200" baseline="0" dirty="0" smtClean="0">
+                <a:solidFill>
+                  <a:schemeClr val="tx1"/>
+                </a:solidFill>
+                <a:latin typeface="+mn-lt"/>
+                <a:ea typeface="+mn-ea"/>
+                <a:cs typeface="+mn-cs"/>
+              </a:rPr>
+              <a:t>,</a:t>
+            </a:r>
+          </a:p>
+          <a:p>
+            <a:pPr>
+              <a:buFont typeface="Arial" pitchFamily="34" charset="0"/>
+              <a:buChar char="•"/>
+            </a:pPr>
+            <a:r>
+              <a:rPr lang="pl-PL" sz="1200" b="0" kern="1200" baseline="0" dirty="0" smtClean="0">
+                <a:solidFill>
+                  <a:schemeClr val="tx1"/>
+                </a:solidFill>
+                <a:latin typeface="+mn-lt"/>
+                <a:ea typeface="+mn-ea"/>
+                <a:cs typeface="+mn-cs"/>
+              </a:rPr>
+              <a:t> Porównywanie dla schodków,</a:t>
+            </a:r>
+          </a:p>
+          <a:p>
+            <a:pPr>
+              <a:buFont typeface="Arial" pitchFamily="34" charset="0"/>
+              <a:buChar char="•"/>
+            </a:pPr>
+            <a:endParaRPr lang="pl-PL" sz="1200" b="0" kern="1200" baseline="0" dirty="0" smtClean="0">
+              <a:solidFill>
+                <a:schemeClr val="tx1"/>
+              </a:solidFill>
+              <a:latin typeface="+mn-lt"/>
+              <a:ea typeface="+mn-ea"/>
+              <a:cs typeface="+mn-cs"/>
+            </a:endParaRPr>
+          </a:p>
+          <a:p>
+            <a:pPr>
+              <a:buFont typeface="Arial" pitchFamily="34" charset="0"/>
+              <a:buChar char="•"/>
+            </a:pPr>
+            <a:r>
+              <a:rPr lang="pl-PL" sz="1200" b="0" kern="1200" baseline="0" dirty="0" smtClean="0">
+                <a:solidFill>
+                  <a:schemeClr val="tx1"/>
+                </a:solidFill>
+                <a:latin typeface="+mn-lt"/>
+                <a:ea typeface="+mn-ea"/>
+                <a:cs typeface="+mn-cs"/>
+              </a:rPr>
+              <a:t> Po osiągnięciu A wybrano dwa punkty i całość powtórzono dla 360 stopni na okręgu,</a:t>
+            </a:r>
+          </a:p>
+          <a:p>
+            <a:pPr>
+              <a:buFont typeface="Arial" pitchFamily="34" charset="0"/>
+              <a:buChar char="•"/>
+            </a:pPr>
+            <a:endParaRPr lang="pl-PL" sz="1200" b="0" kern="1200" dirty="0">
+              <a:solidFill>
+                <a:schemeClr val="tx1"/>
+              </a:solidFill>
+              <a:latin typeface="+mn-lt"/>
+              <a:ea typeface="+mn-ea"/>
+              <a:cs typeface="+mn-cs"/>
+            </a:endParaRPr>
           </a:p>
         </p:txBody>
       </p:sp>
@@ -770,8 +1079,12 @@
           </a:bodyPr>
           <a:lstStyle/>
           <a:p>
-            <a:r>
-              <a:rPr lang="pl-PL" sz="1200" kern="1200" dirty="0" smtClean="0">
+            <a:pPr>
+              <a:buFont typeface="Arial" pitchFamily="34" charset="0"/>
+              <a:buChar char="•"/>
+            </a:pPr>
+            <a:r>
+              <a:rPr lang="pl-PL" sz="1200" kern="1200" baseline="0" dirty="0" smtClean="0">
                 <a:solidFill>
                   <a:schemeClr val="tx1"/>
                 </a:solidFill>
@@ -779,240 +1092,7 @@
                 <a:ea typeface="+mn-ea"/>
                 <a:cs typeface="+mn-cs"/>
               </a:rPr>
-              <a:t>W dalszym kroku znając współrzędne </a:t>
-            </a:r>
-            <a:r>
-              <a:rPr lang="pl-PL" sz="1200" kern="1200" dirty="0" err="1" smtClean="0">
-                <a:solidFill>
-                  <a:schemeClr val="tx1"/>
-                </a:solidFill>
-                <a:latin typeface="+mn-lt"/>
-                <a:ea typeface="+mn-ea"/>
-                <a:cs typeface="+mn-cs"/>
-              </a:rPr>
-              <a:t>drona</a:t>
-            </a:r>
-            <a:r>
-              <a:rPr lang="pl-PL" sz="1200" kern="1200" dirty="0" smtClean="0">
-                <a:solidFill>
-                  <a:schemeClr val="tx1"/>
-                </a:solidFill>
-                <a:latin typeface="+mn-lt"/>
-                <a:ea typeface="+mn-ea"/>
-                <a:cs typeface="+mn-cs"/>
-              </a:rPr>
-              <a:t> i wartość promienia </a:t>
-            </a:r>
-            <a:r>
-              <a:rPr lang="pl-PL" sz="1200" b="1" kern="1200" dirty="0" err="1" smtClean="0">
-                <a:solidFill>
-                  <a:schemeClr val="tx1"/>
-                </a:solidFill>
-                <a:latin typeface="+mn-lt"/>
-                <a:ea typeface="+mn-ea"/>
-                <a:cs typeface="+mn-cs"/>
-              </a:rPr>
-              <a:t>r</a:t>
-            </a:r>
-            <a:r>
-              <a:rPr lang="pl-PL" sz="1200" kern="1200" dirty="0" smtClean="0">
-                <a:solidFill>
-                  <a:schemeClr val="tx1"/>
-                </a:solidFill>
-                <a:latin typeface="+mn-lt"/>
-                <a:ea typeface="+mn-ea"/>
-                <a:cs typeface="+mn-cs"/>
-              </a:rPr>
-              <a:t> wyznaczono punkty na okręgu o promieniu </a:t>
-            </a:r>
-            <a:r>
-              <a:rPr lang="pl-PL" sz="1200" b="1" kern="1200" dirty="0" err="1" smtClean="0">
-                <a:solidFill>
-                  <a:schemeClr val="tx1"/>
-                </a:solidFill>
-                <a:latin typeface="+mn-lt"/>
-                <a:ea typeface="+mn-ea"/>
-                <a:cs typeface="+mn-cs"/>
-              </a:rPr>
-              <a:t>r</a:t>
-            </a:r>
-            <a:r>
-              <a:rPr lang="pl-PL" sz="1200" b="1" kern="1200" dirty="0" smtClean="0">
-                <a:solidFill>
-                  <a:schemeClr val="tx1"/>
-                </a:solidFill>
-                <a:latin typeface="+mn-lt"/>
-                <a:ea typeface="+mn-ea"/>
-                <a:cs typeface="+mn-cs"/>
-              </a:rPr>
-              <a:t> </a:t>
-            </a:r>
-            <a:r>
-              <a:rPr lang="pl-PL" sz="1200" kern="1200" dirty="0" smtClean="0">
-                <a:solidFill>
-                  <a:schemeClr val="tx1"/>
-                </a:solidFill>
-                <a:latin typeface="+mn-lt"/>
-                <a:ea typeface="+mn-ea"/>
-                <a:cs typeface="+mn-cs"/>
-              </a:rPr>
-              <a:t>i</a:t>
-            </a:r>
-            <a:r>
-              <a:rPr lang="pl-PL" sz="1200" b="1" kern="1200" dirty="0" smtClean="0">
-                <a:solidFill>
-                  <a:schemeClr val="tx1"/>
-                </a:solidFill>
-                <a:latin typeface="+mn-lt"/>
-                <a:ea typeface="+mn-ea"/>
-                <a:cs typeface="+mn-cs"/>
-              </a:rPr>
-              <a:t> </a:t>
-            </a:r>
-            <a:r>
-              <a:rPr lang="pl-PL" sz="1200" kern="1200" dirty="0" smtClean="0">
-                <a:solidFill>
-                  <a:schemeClr val="tx1"/>
-                </a:solidFill>
-                <a:latin typeface="+mn-lt"/>
-                <a:ea typeface="+mn-ea"/>
-                <a:cs typeface="+mn-cs"/>
-              </a:rPr>
-              <a:t>środku w punkcie odpowiadającym położeniu </a:t>
-            </a:r>
-            <a:r>
-              <a:rPr lang="pl-PL" sz="1200" kern="1200" dirty="0" err="1" smtClean="0">
-                <a:solidFill>
-                  <a:schemeClr val="tx1"/>
-                </a:solidFill>
-                <a:latin typeface="+mn-lt"/>
-                <a:ea typeface="+mn-ea"/>
-                <a:cs typeface="+mn-cs"/>
-              </a:rPr>
-              <a:t>drona</a:t>
-            </a:r>
-            <a:r>
-              <a:rPr lang="pl-PL" sz="1200" kern="1200" dirty="0" smtClean="0">
-                <a:solidFill>
-                  <a:schemeClr val="tx1"/>
-                </a:solidFill>
-                <a:latin typeface="+mn-lt"/>
-                <a:ea typeface="+mn-ea"/>
-                <a:cs typeface="+mn-cs"/>
-              </a:rPr>
-              <a:t>. Liczba wyznaczonych punktów, dobrana na drodze eksperymentalnej, to 360 punktów rozmieszczonych na okręgu co 1</a:t>
-            </a:r>
-            <a:r>
-              <a:rPr lang="pl-PL" sz="1200" kern="1200" baseline="30000" dirty="0" smtClean="0">
-                <a:solidFill>
-                  <a:schemeClr val="tx1"/>
-                </a:solidFill>
-                <a:latin typeface="+mn-lt"/>
-                <a:ea typeface="+mn-ea"/>
-                <a:cs typeface="+mn-cs"/>
-              </a:rPr>
-              <a:t>o</a:t>
-            </a:r>
-            <a:r>
-              <a:rPr lang="pl-PL" sz="1200" kern="1200" dirty="0" smtClean="0">
-                <a:solidFill>
-                  <a:schemeClr val="tx1"/>
-                </a:solidFill>
-                <a:latin typeface="+mn-lt"/>
-                <a:ea typeface="+mn-ea"/>
-                <a:cs typeface="+mn-cs"/>
-              </a:rPr>
-              <a:t>.</a:t>
-            </a:r>
-          </a:p>
-          <a:p>
-            <a:r>
-              <a:rPr lang="pl-PL" sz="1200" kern="1200" dirty="0" smtClean="0">
-                <a:solidFill>
-                  <a:schemeClr val="tx1"/>
-                </a:solidFill>
-                <a:latin typeface="+mn-lt"/>
-                <a:ea typeface="+mn-ea"/>
-                <a:cs typeface="+mn-cs"/>
-              </a:rPr>
-              <a:t>	Dla każdego z dobranych punktów dokonano następnie porównania jego wysokości (równej wysokości </a:t>
-            </a:r>
-            <a:r>
-              <a:rPr lang="pl-PL" sz="1200" kern="1200" dirty="0" err="1" smtClean="0">
-                <a:solidFill>
-                  <a:schemeClr val="tx1"/>
-                </a:solidFill>
-                <a:latin typeface="+mn-lt"/>
-                <a:ea typeface="+mn-ea"/>
-                <a:cs typeface="+mn-cs"/>
-              </a:rPr>
-              <a:t>drona</a:t>
-            </a:r>
-            <a:r>
-              <a:rPr lang="pl-PL" sz="1200" kern="1200" dirty="0" smtClean="0">
-                <a:solidFill>
-                  <a:schemeClr val="tx1"/>
-                </a:solidFill>
-                <a:latin typeface="+mn-lt"/>
-                <a:ea typeface="+mn-ea"/>
-                <a:cs typeface="+mn-cs"/>
-              </a:rPr>
-              <a:t> pomniejszonej o aktualne </a:t>
-            </a:r>
-            <a:r>
-              <a:rPr lang="pl-PL" sz="1200" b="1" kern="1200" dirty="0" err="1" smtClean="0">
-                <a:solidFill>
-                  <a:schemeClr val="tx1"/>
-                </a:solidFill>
-                <a:latin typeface="+mn-lt"/>
-                <a:ea typeface="+mn-ea"/>
-                <a:cs typeface="+mn-cs"/>
-              </a:rPr>
-              <a:t>dh</a:t>
-            </a:r>
-            <a:r>
-              <a:rPr lang="pl-PL" sz="1200" kern="1200" dirty="0" smtClean="0">
-                <a:solidFill>
-                  <a:schemeClr val="tx1"/>
-                </a:solidFill>
-                <a:latin typeface="+mn-lt"/>
-                <a:ea typeface="+mn-ea"/>
-                <a:cs typeface="+mn-cs"/>
-              </a:rPr>
-              <a:t>) z wysokością modelu Ziemi w danym punkcie. Jeśli wysokość punktu na okręgu była mniejsza lub równa wysokości modelu punkt zostawał uznany za punkt otoczki obszaru przeszukanego, a wartość stopnia na okręgu, odpowiadająca temu punktowi zostawała usunięta z dalszych rozważań. Następnie wartość </a:t>
-            </a:r>
-            <a:r>
-              <a:rPr lang="pl-PL" sz="1200" b="1" kern="1200" dirty="0" err="1" smtClean="0">
-                <a:solidFill>
-                  <a:schemeClr val="tx1"/>
-                </a:solidFill>
-                <a:latin typeface="+mn-lt"/>
-                <a:ea typeface="+mn-ea"/>
-                <a:cs typeface="+mn-cs"/>
-              </a:rPr>
-              <a:t>dh</a:t>
-            </a:r>
-            <a:r>
-              <a:rPr lang="pl-PL" sz="1200" b="1" kern="1200" dirty="0" smtClean="0">
-                <a:solidFill>
-                  <a:schemeClr val="tx1"/>
-                </a:solidFill>
-                <a:latin typeface="+mn-lt"/>
-                <a:ea typeface="+mn-ea"/>
-                <a:cs typeface="+mn-cs"/>
-              </a:rPr>
-              <a:t> </a:t>
-            </a:r>
-            <a:r>
-              <a:rPr lang="pl-PL" sz="1200" kern="1200" dirty="0" smtClean="0">
-                <a:solidFill>
-                  <a:schemeClr val="tx1"/>
-                </a:solidFill>
-                <a:latin typeface="+mn-lt"/>
-                <a:ea typeface="+mn-ea"/>
-                <a:cs typeface="+mn-cs"/>
-              </a:rPr>
-              <a:t>zostawała zwiększona, a algorytm ten był powtarzany, aż do momentu, gdy dla każdej z 360 wartości stopni na okręgu znaleziono odpowiadający punkt modelu. </a:t>
+              <a:t> Lista dziur w postaci linii</a:t>
             </a:r>
             <a:endParaRPr lang="pl-PL" sz="1200" kern="1200" dirty="0">
               <a:solidFill>
@@ -1103,8 +1183,12 @@
           </a:bodyPr>
           <a:lstStyle/>
           <a:p>
-            <a:r>
-              <a:rPr lang="pl-PL" sz="1200" kern="1200" dirty="0" smtClean="0">
+            <a:pPr>
+              <a:buFont typeface="Arial" pitchFamily="34" charset="0"/>
+              <a:buChar char="•"/>
+            </a:pPr>
+            <a:r>
+              <a:rPr lang="pl-PL" sz="1200" kern="1200" baseline="0" dirty="0" smtClean="0">
                 <a:solidFill>
                   <a:schemeClr val="tx1"/>
                 </a:solidFill>
@@ -1112,7 +1196,24 @@
                 <a:ea typeface="+mn-ea"/>
                 <a:cs typeface="+mn-cs"/>
               </a:rPr>
-              <a:t>Tutaj widzimy przykładowy wynik działania algorytmu. Fragmenty okręgów o mniejszym promieniu reprezentują tereny o większej wysokości, a te o większym promieniu o mniejszej. W ten sposób można łatwo odczytać gdzie wystąpił spadek, a gdzie wzniesienie terenu i którą część terenu kamera zarejestrowała, a która została zasłonięta.</a:t>
+              <a:t> pogrupowanie</a:t>
+            </a:r>
+          </a:p>
+          <a:p>
+            <a:pPr>
+              <a:buFont typeface="Arial" pitchFamily="34" charset="0"/>
+              <a:buChar char="•"/>
+            </a:pPr>
+            <a:r>
+              <a:rPr lang="pl-PL" sz="1200" kern="1200" baseline="0" dirty="0" smtClean="0">
+                <a:solidFill>
+                  <a:schemeClr val="tx1"/>
+                </a:solidFill>
+                <a:latin typeface="+mn-lt"/>
+                <a:ea typeface="+mn-ea"/>
+                <a:cs typeface="+mn-cs"/>
+              </a:rPr>
+              <a:t> wielokąt wklęsły</a:t>
             </a:r>
             <a:endParaRPr lang="pl-PL" sz="1200" kern="1200" dirty="0">
               <a:solidFill>
@@ -1212,10 +1313,10 @@
                 <a:ea typeface="+mn-ea"/>
                 <a:cs typeface="+mn-cs"/>
               </a:rPr>
-              <a:t>Druga część algorytmu jest rozwinięciem algorytmu podstawowego. Po wyznaczeniu otoczki obszaru przeszukanego dla kąta widzenia kamery </a:t>
-            </a:r>
-            <a:r>
-              <a:rPr lang="pl-PL" sz="1200" b="1" kern="1200" dirty="0" smtClean="0">
+              <a:t>W</a:t>
+            </a:r>
+            <a:r>
+              <a:rPr lang="pl-PL" sz="1200" kern="1200" baseline="0" dirty="0" smtClean="0">
                 <a:solidFill>
                   <a:schemeClr val="tx1"/>
                 </a:solidFill>
@@ -1223,10 +1324,16 @@
                 <a:ea typeface="+mn-ea"/>
                 <a:cs typeface="+mn-cs"/>
               </a:rPr>
-              <a:t>α</a:t>
-            </a:r>
-            <a:r>
-              <a:rPr lang="pl-PL" sz="1200" kern="1200" dirty="0" smtClean="0">
+              <a:t> systemie podział na: obszar ostatnio i dotychczas przeszukany</a:t>
+            </a:r>
+          </a:p>
+          <a:p>
+            <a:pPr>
+              <a:buFont typeface="Arial" pitchFamily="34" charset="0"/>
+              <a:buChar char="•"/>
+            </a:pPr>
+            <a:r>
+              <a:rPr lang="pl-PL" sz="1200" kern="1200" baseline="0" dirty="0" smtClean="0">
                 <a:solidFill>
                   <a:schemeClr val="tx1"/>
                 </a:solidFill>
@@ -1234,10 +1341,16 @@
                 <a:ea typeface="+mn-ea"/>
                 <a:cs typeface="+mn-cs"/>
               </a:rPr>
-              <a:t>, powtórzono tę samą operację dla kąta kamery zmniejszonego o określoną stałą wartość </a:t>
-            </a:r>
-            <a:r>
-              <a:rPr lang="pl-PL" sz="1200" b="1" kern="1200" dirty="0" smtClean="0">
+              <a:t> Zmiana położenia – nowy obszar – o postaci,</a:t>
+            </a:r>
+          </a:p>
+          <a:p>
+            <a:pPr>
+              <a:buFont typeface="Arial" pitchFamily="34" charset="0"/>
+              <a:buChar char="•"/>
+            </a:pPr>
+            <a:r>
+              <a:rPr lang="pl-PL" sz="1200" kern="1200" baseline="0" dirty="0" smtClean="0">
                 <a:solidFill>
                   <a:schemeClr val="tx1"/>
                 </a:solidFill>
@@ -1245,10 +1358,16 @@
                 <a:ea typeface="+mn-ea"/>
                 <a:cs typeface="+mn-cs"/>
               </a:rPr>
-              <a:t>β</a:t>
-            </a:r>
-            <a:r>
-              <a:rPr lang="pl-PL" sz="1200" kern="1200" dirty="0" smtClean="0">
+              <a:t> Wizualizacja dla śladów – łączenie,</a:t>
+            </a:r>
+          </a:p>
+          <a:p>
+            <a:pPr>
+              <a:buFont typeface="Arial" pitchFamily="34" charset="0"/>
+              <a:buChar char="•"/>
+            </a:pPr>
+            <a:r>
+              <a:rPr lang="pl-PL" sz="1200" kern="1200" baseline="0" dirty="0" smtClean="0">
                 <a:solidFill>
                   <a:schemeClr val="tx1"/>
                 </a:solidFill>
@@ -1256,237 +1375,8 @@
                 <a:ea typeface="+mn-ea"/>
                 <a:cs typeface="+mn-cs"/>
               </a:rPr>
-              <a:t>, jednocześnie zapamiętując wyznaczoną otoczkę dla poprzedniej wartości kąta kamery. Iterację tę powtarzano, aż do osiągnięcia kąta zerowego. W efekcie po każdej iteracji otrzymywano dwie otoczki: jedną dla kąta widzenia kamery </a:t>
-            </a:r>
-            <a:r>
-              <a:rPr lang="pl-PL" sz="1200" b="1" kern="1200" dirty="0" smtClean="0">
-                <a:solidFill>
-                  <a:schemeClr val="tx1"/>
-                </a:solidFill>
-                <a:latin typeface="+mn-lt"/>
-                <a:ea typeface="+mn-ea"/>
-                <a:cs typeface="+mn-cs"/>
-              </a:rPr>
-              <a:t>γ</a:t>
-            </a:r>
-            <a:r>
-              <a:rPr lang="pl-PL" sz="1200" kern="1200" dirty="0" smtClean="0">
-                <a:solidFill>
-                  <a:schemeClr val="tx1"/>
-                </a:solidFill>
-                <a:latin typeface="+mn-lt"/>
-                <a:ea typeface="+mn-ea"/>
-                <a:cs typeface="+mn-cs"/>
-              </a:rPr>
-              <a:t> (kąt kamery z poprzedniej iteracji) oraz drugą dla kąta </a:t>
-            </a:r>
-            <a:r>
-              <a:rPr lang="pl-PL" sz="1200" b="1" kern="1200" dirty="0" smtClean="0">
-                <a:solidFill>
-                  <a:schemeClr val="tx1"/>
-                </a:solidFill>
-                <a:latin typeface="+mn-lt"/>
-                <a:ea typeface="+mn-ea"/>
-                <a:cs typeface="+mn-cs"/>
-              </a:rPr>
-              <a:t>γ - β.</a:t>
-            </a:r>
-            <a:endParaRPr lang="pl-PL" sz="1200" kern="1200" dirty="0" smtClean="0">
-              <a:solidFill>
-                <a:schemeClr val="tx1"/>
-              </a:solidFill>
-              <a:latin typeface="+mn-lt"/>
-              <a:ea typeface="+mn-ea"/>
-              <a:cs typeface="+mn-cs"/>
-            </a:endParaRPr>
-          </a:p>
-          <a:p>
-            <a:r>
-              <a:rPr lang="pl-PL" sz="1200" kern="1200" dirty="0" smtClean="0">
-                <a:solidFill>
-                  <a:schemeClr val="tx1"/>
-                </a:solidFill>
-                <a:latin typeface="+mn-lt"/>
-                <a:ea typeface="+mn-ea"/>
-                <a:cs typeface="+mn-cs"/>
-              </a:rPr>
-              <a:t>Dla obu otoczek porównano wysokości odpowiednich punktów, leżących na odpowiadających promieniach, czyli leżących na tej samej współrzędnej kątowej okręgu. Jeśli wysokość punktu </a:t>
-            </a:r>
-            <a:r>
-              <a:rPr lang="pl-PL" sz="1200" b="1" kern="1200" dirty="0" smtClean="0">
-                <a:solidFill>
-                  <a:schemeClr val="tx1"/>
-                </a:solidFill>
-                <a:latin typeface="+mn-lt"/>
-                <a:ea typeface="+mn-ea"/>
-                <a:cs typeface="+mn-cs"/>
-              </a:rPr>
-              <a:t>B</a:t>
-            </a:r>
-            <a:r>
-              <a:rPr lang="pl-PL" sz="1200" kern="1200" dirty="0" smtClean="0">
-                <a:solidFill>
-                  <a:schemeClr val="tx1"/>
-                </a:solidFill>
-                <a:latin typeface="+mn-lt"/>
-                <a:ea typeface="+mn-ea"/>
-                <a:cs typeface="+mn-cs"/>
-              </a:rPr>
-              <a:t> (leżącego na otoczce "γ - β") jest większa od wysokości punktu </a:t>
-            </a:r>
-            <a:r>
-              <a:rPr lang="pl-PL" sz="1200" b="1" kern="1200" dirty="0" smtClean="0">
-                <a:solidFill>
-                  <a:schemeClr val="tx1"/>
-                </a:solidFill>
-                <a:latin typeface="+mn-lt"/>
-                <a:ea typeface="+mn-ea"/>
-                <a:cs typeface="+mn-cs"/>
-              </a:rPr>
-              <a:t>A</a:t>
-            </a:r>
-            <a:r>
-              <a:rPr lang="pl-PL" sz="1200" kern="1200" dirty="0" smtClean="0">
-                <a:solidFill>
-                  <a:schemeClr val="tx1"/>
-                </a:solidFill>
-                <a:latin typeface="+mn-lt"/>
-                <a:ea typeface="+mn-ea"/>
-                <a:cs typeface="+mn-cs"/>
-              </a:rPr>
-              <a:t> (leżącego na otoczce " γ ") oznacza to, że między tymi dwoma punktami występuje wzniesienie. Wówczas zaczynając od wysokości punktu </a:t>
-            </a:r>
-            <a:r>
-              <a:rPr lang="pl-PL" sz="1200" b="1" kern="1200" dirty="0" smtClean="0">
-                <a:solidFill>
-                  <a:schemeClr val="tx1"/>
-                </a:solidFill>
-                <a:latin typeface="+mn-lt"/>
-                <a:ea typeface="+mn-ea"/>
-                <a:cs typeface="+mn-cs"/>
-              </a:rPr>
-              <a:t>B</a:t>
-            </a:r>
-            <a:r>
-              <a:rPr lang="pl-PL" sz="1200" kern="1200" dirty="0" smtClean="0">
-                <a:solidFill>
-                  <a:schemeClr val="tx1"/>
-                </a:solidFill>
-                <a:latin typeface="+mn-lt"/>
-                <a:ea typeface="+mn-ea"/>
-                <a:cs typeface="+mn-cs"/>
-              </a:rPr>
-              <a:t> powtórzono operację wykorzystaną przy wyznaczaniu otoczki, czyli stopniowe zmniejszanie wysokości o stały skok </a:t>
-            </a:r>
-            <a:r>
-              <a:rPr lang="pl-PL" sz="1200" b="1" kern="1200" dirty="0" err="1" smtClean="0">
-                <a:solidFill>
-                  <a:schemeClr val="tx1"/>
-                </a:solidFill>
-                <a:latin typeface="+mn-lt"/>
-                <a:ea typeface="+mn-ea"/>
-                <a:cs typeface="+mn-cs"/>
-              </a:rPr>
-              <a:t>dh</a:t>
-            </a:r>
-            <a:r>
-              <a:rPr lang="pl-PL" sz="1200" kern="1200" dirty="0" smtClean="0">
-                <a:solidFill>
-                  <a:schemeClr val="tx1"/>
-                </a:solidFill>
-                <a:latin typeface="+mn-lt"/>
-                <a:ea typeface="+mn-ea"/>
-                <a:cs typeface="+mn-cs"/>
-              </a:rPr>
-              <a:t>, aż do wysokości punktu </a:t>
-            </a:r>
-            <a:r>
-              <a:rPr lang="pl-PL" sz="1200" b="1" kern="1200" dirty="0" smtClean="0">
-                <a:solidFill>
-                  <a:schemeClr val="tx1"/>
-                </a:solidFill>
-                <a:latin typeface="+mn-lt"/>
-                <a:ea typeface="+mn-ea"/>
-                <a:cs typeface="+mn-cs"/>
-              </a:rPr>
-              <a:t>A</a:t>
-            </a:r>
-            <a:r>
-              <a:rPr lang="pl-PL" sz="1200" kern="1200" dirty="0" smtClean="0">
-                <a:solidFill>
-                  <a:schemeClr val="tx1"/>
-                </a:solidFill>
-                <a:latin typeface="+mn-lt"/>
-                <a:ea typeface="+mn-ea"/>
-                <a:cs typeface="+mn-cs"/>
-              </a:rPr>
-              <a:t>. Dla każdego "schodka" dokonano porównania wysokości punktu na promieniu wodzącym kamery o kącie </a:t>
-            </a:r>
-            <a:r>
-              <a:rPr lang="pl-PL" sz="1200" b="1" kern="1200" dirty="0" smtClean="0">
-                <a:solidFill>
-                  <a:schemeClr val="tx1"/>
-                </a:solidFill>
-                <a:latin typeface="+mn-lt"/>
-                <a:ea typeface="+mn-ea"/>
-                <a:cs typeface="+mn-cs"/>
-              </a:rPr>
-              <a:t>γ - β</a:t>
-            </a:r>
-            <a:r>
-              <a:rPr lang="pl-PL" sz="1200" kern="1200" dirty="0" smtClean="0">
-                <a:solidFill>
-                  <a:schemeClr val="tx1"/>
-                </a:solidFill>
-                <a:latin typeface="+mn-lt"/>
-                <a:ea typeface="+mn-ea"/>
-                <a:cs typeface="+mn-cs"/>
-              </a:rPr>
-              <a:t> z wysokością modelu punktu o tej samej długości i szerokości geograficznej. Jeśli wysokość punktu na promieniu wodzącym była większa od wysokości punktu modelowego zostawał on uznany za niewidoczny. </a:t>
-            </a:r>
-          </a:p>
-          <a:p>
-            <a:r>
-              <a:rPr lang="pl-PL" sz="1200" kern="1200" dirty="0" smtClean="0">
-                <a:solidFill>
-                  <a:schemeClr val="tx1"/>
-                </a:solidFill>
-                <a:latin typeface="+mn-lt"/>
-                <a:ea typeface="+mn-ea"/>
-                <a:cs typeface="+mn-cs"/>
-              </a:rPr>
-              <a:t>Po osiągnięciu wysokości punktu </a:t>
-            </a:r>
-            <a:r>
-              <a:rPr lang="pl-PL" sz="1200" b="1" kern="1200" dirty="0" smtClean="0">
-                <a:solidFill>
-                  <a:schemeClr val="tx1"/>
-                </a:solidFill>
-                <a:latin typeface="+mn-lt"/>
-                <a:ea typeface="+mn-ea"/>
-                <a:cs typeface="+mn-cs"/>
-              </a:rPr>
-              <a:t>A</a:t>
-            </a:r>
-            <a:r>
-              <a:rPr lang="pl-PL" sz="1200" kern="1200" dirty="0" smtClean="0">
-                <a:solidFill>
-                  <a:schemeClr val="tx1"/>
-                </a:solidFill>
-                <a:latin typeface="+mn-lt"/>
-                <a:ea typeface="+mn-ea"/>
-                <a:cs typeface="+mn-cs"/>
-              </a:rPr>
-              <a:t> z listy niewidocznych punktów wybrano punkt pierwszy i ostatni, czyli dwa punkty definiujące linię, będącą reprezentacją niewidocznego obszaru. Operacja ta była powtarzana dla każdego z 360 kątów, dla których wyznaczano punkty otoczki. </a:t>
-            </a:r>
-            <a:endParaRPr lang="pl-PL" sz="1200" kern="1200" dirty="0">
-              <a:solidFill>
-                <a:schemeClr val="tx1"/>
-              </a:solidFill>
-              <a:latin typeface="+mn-lt"/>
-              <a:ea typeface="+mn-ea"/>
-              <a:cs typeface="+mn-cs"/>
-            </a:endParaRPr>
+              <a:t> Trywialne, ale wielokąt wklęsły.</a:t>
+            </a:r>
           </a:p>
         </p:txBody>
       </p:sp>
@@ -1568,8 +1458,25 @@
           </a:bodyPr>
           <a:lstStyle/>
           <a:p>
-            <a:r>
-              <a:rPr lang="pl-PL" sz="1200" kern="1200" dirty="0" smtClean="0">
+            <a:pPr marL="0" marR="0" indent="0" algn="l" defTabSz="914400" rtl="0" eaLnBrk="1" fontAlgn="auto" latinLnBrk="0" hangingPunct="1">
+              <a:lnSpc>
+                <a:spcPct val="100000"/>
+              </a:lnSpc>
+              <a:spcBef>
+                <a:spcPts val="0"/>
+              </a:spcBef>
+              <a:spcAft>
+                <a:spcPts val="0"/>
+              </a:spcAft>
+              <a:buClrTx/>
+              <a:buSzTx/>
+              <a:buFont typeface="Arial" pitchFamily="34" charset="0"/>
+              <a:buChar char="•"/>
+              <a:tabLst/>
+              <a:defRPr/>
+            </a:pPr>
+            <a:r>
+              <a:rPr lang="pl-PL" sz="1200" kern="1200" baseline="0" dirty="0" smtClean="0">
                 <a:solidFill>
                   <a:schemeClr val="tx1"/>
                 </a:solidFill>
@@ -1577,8 +1484,54 @@
                 <a:ea typeface="+mn-ea"/>
                 <a:cs typeface="+mn-cs"/>
               </a:rPr>
-              <a:t>W ten sposób otrzymano listę dziur w obszarze przeszukanym, w postaci linii, które sumarycznie reprezentują powierzchnię obszarów niezarejestrowanych przez kamerę.</a:t>
-            </a:r>
+              <a:t> Z </a:t>
+            </a:r>
+            <a:r>
+              <a:rPr lang="pl-PL" sz="1200" kern="1200" baseline="0" dirty="0" err="1" smtClean="0">
+                <a:solidFill>
+                  <a:schemeClr val="tx1"/>
+                </a:solidFill>
+                <a:latin typeface="+mn-lt"/>
+                <a:ea typeface="+mn-ea"/>
+                <a:cs typeface="+mn-cs"/>
+              </a:rPr>
+              <a:t>matematyczego</a:t>
+            </a:r>
+            <a:r>
+              <a:rPr lang="pl-PL" sz="1200" kern="1200" baseline="0" dirty="0" smtClean="0">
+                <a:solidFill>
+                  <a:schemeClr val="tx1"/>
+                </a:solidFill>
+                <a:latin typeface="+mn-lt"/>
+                <a:ea typeface="+mn-ea"/>
+                <a:cs typeface="+mn-cs"/>
+              </a:rPr>
+              <a:t> brak </a:t>
+            </a:r>
+            <a:r>
+              <a:rPr lang="pl-PL" sz="1200" kern="1200" baseline="0" dirty="0" err="1" smtClean="0">
+                <a:solidFill>
+                  <a:schemeClr val="tx1"/>
+                </a:solidFill>
+                <a:latin typeface="+mn-lt"/>
+                <a:ea typeface="+mn-ea"/>
+                <a:cs typeface="+mn-cs"/>
+              </a:rPr>
+              <a:t>jednoznaczego</a:t>
+            </a:r>
+            <a:r>
+              <a:rPr lang="pl-PL" sz="1200" kern="1200" baseline="0" dirty="0" smtClean="0">
+                <a:solidFill>
+                  <a:schemeClr val="tx1"/>
+                </a:solidFill>
+                <a:latin typeface="+mn-lt"/>
+                <a:ea typeface="+mn-ea"/>
+                <a:cs typeface="+mn-cs"/>
+              </a:rPr>
+              <a:t> wielokąta wklęsłego</a:t>
+            </a:r>
+          </a:p>
+          <a:p>
             <a:endParaRPr lang="pl-PL" sz="1200" kern="1200" dirty="0">
               <a:solidFill>
                 <a:schemeClr val="tx1"/>
@@ -1669,7 +1622,34 @@
           <a:lstStyle/>
           <a:p>
             <a:r>
-              <a:rPr lang="pl-PL" sz="1200" kern="1200" dirty="0" smtClean="0">
+              <a:rPr lang="pl-PL" dirty="0" smtClean="0"/>
+              <a:t>Naukowa koncepcja</a:t>
+            </a:r>
+            <a:r>
+              <a:rPr lang="pl-PL" baseline="0" dirty="0" smtClean="0"/>
+              <a:t> kształtu alfa</a:t>
+            </a:r>
+          </a:p>
+          <a:p>
+            <a:pPr marL="0" marR="0" indent="0" algn="l" defTabSz="914400" rtl="0" eaLnBrk="1" fontAlgn="auto" latinLnBrk="0" hangingPunct="1">
+              <a:lnSpc>
+                <a:spcPct val="100000"/>
+              </a:lnSpc>
+              <a:spcBef>
+                <a:spcPts val="0"/>
+              </a:spcBef>
+              <a:spcAft>
+                <a:spcPts val="0"/>
+              </a:spcAft>
+              <a:buClrTx/>
+              <a:buSzTx/>
+              <a:buFontTx/>
+              <a:buNone/>
+              <a:tabLst/>
+              <a:defRPr/>
+            </a:pPr>
+            <a:r>
+              <a:rPr lang="pl-PL" sz="1200" b="1" kern="1200" dirty="0" smtClean="0">
                 <a:solidFill>
                   <a:schemeClr val="tx1"/>
                 </a:solidFill>
@@ -1677,10 +1657,10 @@
                 <a:ea typeface="+mn-ea"/>
                 <a:cs typeface="+mn-cs"/>
               </a:rPr>
-              <a:t>Odpowiednie dobranie skoku kątowego, przy wyznaczaniu punktów okręgu oraz pogrupowanie punktów reprezentujących sąsiednie linie pozwoliło na wyznaczenie zbiorów punktów reprezentujących poszczególne dziury. Następnie dla każdego zbioru wyznaczono wielokąt, zawierający wszystkie punkty zbioru zgodnie z algorytmem wyznaczania otoczki </a:t>
-            </a:r>
-            <a:r>
-              <a:rPr lang="pl-PL" sz="1200" kern="1200" dirty="0" err="1" smtClean="0">
+              <a:t>Kształt α</a:t>
+            </a:r>
+            <a:r>
+              <a:rPr lang="pl-PL" sz="1200" kern="1200" dirty="0" smtClean="0">
                 <a:solidFill>
                   <a:schemeClr val="tx1"/>
                 </a:solidFill>
@@ -1688,10 +1668,10 @@
                 <a:ea typeface="+mn-ea"/>
                 <a:cs typeface="+mn-cs"/>
               </a:rPr>
-              <a:t>α-wklęsłej</a:t>
-            </a:r>
-            <a:r>
-              <a:rPr lang="pl-PL" sz="1200" kern="1200" dirty="0" smtClean="0">
+              <a:t> dowolnego zbioru punktów jest </a:t>
+            </a:r>
+            <a:r>
+              <a:rPr lang="pl-PL" sz="1200" kern="1200" dirty="0" err="1" smtClean="0">
                 <a:solidFill>
                   <a:schemeClr val="tx1"/>
                 </a:solidFill>
@@ -1699,16 +1679,44 @@
                 <a:ea typeface="+mn-ea"/>
                 <a:cs typeface="+mn-cs"/>
               </a:rPr>
-              <a:t>, który zostanie również za moment omówiony. Ostateczny wynik działania algorytmu widać na ekranie.</a:t>
-            </a:r>
-            <a:endParaRPr lang="pl-PL" sz="1200" kern="1200" dirty="0">
-              <a:solidFill>
-                <a:schemeClr val="tx1"/>
-              </a:solidFill>
-              <a:latin typeface="+mn-lt"/>
-              <a:ea typeface="+mn-ea"/>
-              <a:cs typeface="+mn-cs"/>
-            </a:endParaRPr>
+              <a:t>subgrafem</a:t>
+            </a:r>
+            <a:r>
+              <a:rPr lang="pl-PL" sz="1200" kern="1200" dirty="0" smtClean="0">
+                <a:solidFill>
+                  <a:schemeClr val="tx1"/>
+                </a:solidFill>
+                <a:latin typeface="+mn-lt"/>
+                <a:ea typeface="+mn-ea"/>
+                <a:cs typeface="+mn-cs"/>
+              </a:rPr>
+              <a:t> triangulacji </a:t>
+            </a:r>
+            <a:r>
+              <a:rPr lang="pl-PL" sz="1200" kern="1200" dirty="0" err="1" smtClean="0">
+                <a:solidFill>
+                  <a:schemeClr val="tx1"/>
+                </a:solidFill>
+                <a:latin typeface="+mn-lt"/>
+                <a:ea typeface="+mn-ea"/>
+                <a:cs typeface="+mn-cs"/>
+              </a:rPr>
+              <a:t>Delaunay</a:t>
+            </a:r>
+            <a:r>
+              <a:rPr lang="pl-PL" sz="1200" kern="1200" dirty="0" smtClean="0">
+                <a:solidFill>
+                  <a:schemeClr val="tx1"/>
+                </a:solidFill>
+                <a:latin typeface="+mn-lt"/>
+                <a:ea typeface="+mn-ea"/>
+                <a:cs typeface="+mn-cs"/>
+              </a:rPr>
+              <a:t> tych punktów, takim że dwa punkty stanowią jego krawędź jeśli istnieje pusta kula o promieniu 1/α stykająca się z tymi dwoma punktami.</a:t>
+            </a:r>
+          </a:p>
+          <a:p>
+            <a:endParaRPr lang="pl-PL" dirty="0"/>
           </a:p>
         </p:txBody>
       </p:sp>
@@ -1790,8 +1798,25 @@
           </a:bodyPr>
           <a:lstStyle/>
           <a:p>
-            <a:r>
-              <a:rPr lang="pl-PL" sz="1200" kern="1200" dirty="0" smtClean="0">
+            <a:pPr marL="0" marR="0" indent="0" algn="l" defTabSz="914400" rtl="0" eaLnBrk="1" fontAlgn="auto" latinLnBrk="0" hangingPunct="1">
+              <a:lnSpc>
+                <a:spcPct val="100000"/>
+              </a:lnSpc>
+              <a:spcBef>
+                <a:spcPts val="0"/>
+              </a:spcBef>
+              <a:spcAft>
+                <a:spcPts val="0"/>
+              </a:spcAft>
+              <a:buClrTx/>
+              <a:buSzTx/>
+              <a:buFontTx/>
+              <a:buNone/>
+              <a:tabLst/>
+              <a:defRPr/>
+            </a:pPr>
+            <a:r>
+              <a:rPr lang="pl-PL" sz="1200" b="1" kern="1200" dirty="0" smtClean="0">
                 <a:solidFill>
                   <a:schemeClr val="tx1"/>
                 </a:solidFill>
@@ -1799,10 +1824,10 @@
                 <a:ea typeface="+mn-ea"/>
                 <a:cs typeface="+mn-cs"/>
               </a:rPr>
-              <a:t>W zaprojektowanym systemie istnieje podział obszaru przeszukanego na obszar ostatnio przeszukany i obszar dotychczas przeszukany. Obszar ostatnio przeszukany to obszar zarejestrowany przez kamerę dla ostatniego znanego położenia </a:t>
-            </a:r>
-            <a:r>
-              <a:rPr lang="pl-PL" sz="1200" kern="1200" dirty="0" err="1" smtClean="0">
+              <a:t>Triangulacja </a:t>
+            </a:r>
+            <a:r>
+              <a:rPr lang="pl-PL" sz="1200" b="1" kern="1200" dirty="0" err="1" smtClean="0">
                 <a:solidFill>
                   <a:schemeClr val="tx1"/>
                 </a:solidFill>
@@ -1810,7 +1835,7 @@
                 <a:ea typeface="+mn-ea"/>
                 <a:cs typeface="+mn-cs"/>
               </a:rPr>
-              <a:t>drona</a:t>
+              <a:t>Delaunay</a:t>
             </a:r>
             <a:r>
               <a:rPr lang="pl-PL" sz="1200" kern="1200" dirty="0" smtClean="0">
@@ -1821,122 +1846,11 @@
                 <a:ea typeface="+mn-ea"/>
                 <a:cs typeface="+mn-cs"/>
               </a:rPr>
-              <a:t>, podczas gdy obszar dotychczas przeszukany jest sumą wszystkich obszarów zarejestrowanych do tej pory, nie wliczając w to obszaru ostatnio przeszukanego.</a:t>
-            </a:r>
-          </a:p>
-          <a:p>
-            <a:r>
-              <a:rPr lang="pl-PL" sz="1200" kern="1200" dirty="0" smtClean="0">
-                <a:solidFill>
-                  <a:schemeClr val="tx1"/>
-                </a:solidFill>
-                <a:latin typeface="+mn-lt"/>
-                <a:ea typeface="+mn-ea"/>
-                <a:cs typeface="+mn-cs"/>
-              </a:rPr>
-              <a:t>Każda zmiana położenia </a:t>
-            </a:r>
-            <a:r>
-              <a:rPr lang="pl-PL" sz="1200" kern="1200" dirty="0" err="1" smtClean="0">
-                <a:solidFill>
-                  <a:schemeClr val="tx1"/>
-                </a:solidFill>
-                <a:latin typeface="+mn-lt"/>
-                <a:ea typeface="+mn-ea"/>
-                <a:cs typeface="+mn-cs"/>
-              </a:rPr>
-              <a:t>drona</a:t>
-            </a:r>
-            <a:r>
-              <a:rPr lang="pl-PL" sz="1200" kern="1200" dirty="0" smtClean="0">
-                <a:solidFill>
-                  <a:schemeClr val="tx1"/>
-                </a:solidFill>
-                <a:latin typeface="+mn-lt"/>
-                <a:ea typeface="+mn-ea"/>
-                <a:cs typeface="+mn-cs"/>
-              </a:rPr>
-              <a:t> skutkuje wyznaczeniem nowego obszaru przeszukanego. Zgodnie z opisanym w poprzednim podrozdziale algorytmem każdy z takich obszarów składa się z listy punktów, uszeregowanych według współrzędnych biegunowych, tworzących otoczkę wyznaczonego obszaru oraz listy punktów definiujących dziury w tymże obszarze. Aby być w stanie prawidłowo wizualizować obszar przeszukany nie tylko dla pojedynczych położeń </a:t>
-            </a:r>
-            <a:r>
-              <a:rPr lang="pl-PL" sz="1200" kern="1200" dirty="0" err="1" smtClean="0">
-                <a:solidFill>
-                  <a:schemeClr val="tx1"/>
-                </a:solidFill>
-                <a:latin typeface="+mn-lt"/>
-                <a:ea typeface="+mn-ea"/>
-                <a:cs typeface="+mn-cs"/>
-              </a:rPr>
-              <a:t>drona</a:t>
-            </a:r>
-            <a:r>
-              <a:rPr lang="pl-PL" sz="1200" kern="1200" dirty="0" smtClean="0">
-                <a:solidFill>
-                  <a:schemeClr val="tx1"/>
-                </a:solidFill>
-                <a:latin typeface="+mn-lt"/>
-                <a:ea typeface="+mn-ea"/>
-                <a:cs typeface="+mn-cs"/>
-              </a:rPr>
-              <a:t>, ale dla całych śladów potrzebna jest metoda na łączenie tych obszarów w </a:t>
-            </a:r>
-            <a:br>
-              <a:rPr lang="pl-PL" sz="1200" kern="1200" dirty="0" smtClean="0">
-                <a:solidFill>
-                  <a:schemeClr val="tx1"/>
-                </a:solidFill>
-                <a:latin typeface="+mn-lt"/>
-                <a:ea typeface="+mn-ea"/>
-                <a:cs typeface="+mn-cs"/>
-              </a:rPr>
-            </a:br>
-            <a:r>
-              <a:rPr lang="pl-PL" sz="1200" kern="1200" dirty="0" smtClean="0">
-                <a:solidFill>
-                  <a:schemeClr val="tx1"/>
-                </a:solidFill>
-                <a:latin typeface="+mn-lt"/>
-                <a:ea typeface="+mn-ea"/>
-                <a:cs typeface="+mn-cs"/>
-              </a:rPr>
-              <a:t>jeden.</a:t>
-            </a:r>
-          </a:p>
-          <a:p>
-            <a:r>
-              <a:rPr lang="pl-PL" sz="1200" kern="1200" dirty="0" smtClean="0">
-                <a:solidFill>
-                  <a:schemeClr val="tx1"/>
-                </a:solidFill>
-                <a:latin typeface="+mn-lt"/>
-                <a:ea typeface="+mn-ea"/>
-                <a:cs typeface="+mn-cs"/>
-              </a:rPr>
-              <a:t> </a:t>
-            </a:r>
-          </a:p>
-          <a:p>
-            <a:r>
-              <a:rPr lang="pl-PL" sz="1200" kern="1200" dirty="0" smtClean="0">
-                <a:solidFill>
-                  <a:schemeClr val="tx1"/>
-                </a:solidFill>
-                <a:latin typeface="+mn-lt"/>
-                <a:ea typeface="+mn-ea"/>
-                <a:cs typeface="+mn-cs"/>
-              </a:rPr>
-              <a:t>	Zadanie na pierwszy rzut oka mogłoby się wydawać trywialne, jednak po dokładniejszej analizie okazuje się, że wcale takie nie jest. Dlaczego? Ponieważ pojedyncze obszary są często wielokątami wklęsłymi i ich połączenie w jeden wymaga algorytmu  wyznaczającego otoczkę wklęsła dla danego zbioru punktów.</a:t>
-            </a:r>
-          </a:p>
-          <a:p>
-            <a:endParaRPr lang="pl-PL" sz="1200" kern="1200" dirty="0">
-              <a:solidFill>
-                <a:schemeClr val="tx1"/>
-              </a:solidFill>
-              <a:latin typeface="+mn-lt"/>
-              <a:ea typeface="+mn-ea"/>
-              <a:cs typeface="+mn-cs"/>
-            </a:endParaRPr>
+              <a:t> zbioru punktów P jest takim podziałem obszaru wyznaczonego przez ten zbiór na trójkąty, że żaden z punktów tego zbioru nie znajduje się we wnętrzu któregokolwiek z okręgów opisanych na trójkątach powstałych podczas triangulacji.</a:t>
+            </a:r>
+          </a:p>
+          <a:p>
+            <a:endParaRPr lang="pl-PL" dirty="0"/>
           </a:p>
         </p:txBody>
       </p:sp>
@@ -2014,12 +1928,16 @@
         <p:spPr/>
         <p:txBody>
           <a:bodyPr>
-            <a:normAutofit/>
+            <a:normAutofit fontScale="92500" lnSpcReduction="20000"/>
           </a:bodyPr>
           <a:lstStyle/>
           <a:p>
-            <a:r>
-              <a:rPr lang="pl-PL" sz="1200" kern="1200" dirty="0" smtClean="0">
+            <a:pPr>
+              <a:buFont typeface="Arial" pitchFamily="34" charset="0"/>
+              <a:buChar char="•"/>
+            </a:pPr>
+            <a:r>
+              <a:rPr lang="pl-PL" sz="1200" kern="1200" baseline="0" dirty="0" smtClean="0">
                 <a:solidFill>
                   <a:schemeClr val="tx1"/>
                 </a:solidFill>
@@ -2027,7 +1945,7 @@
                 <a:ea typeface="+mn-ea"/>
                 <a:cs typeface="+mn-cs"/>
               </a:rPr>
-              <a:t>Z matematycznego punktu widzenia dla dowolnego zestawu punktów P nie istnieje jednoznaczny wielokąt wklęsły zawierający wszystkie te punkty. Zazwyczaj istnieje wiele takich wielokątów. Problem ten został zobrazowany na rysunku widocznym na ekranie.</a:t>
+              <a:t> generalizacja otoczki wypukłej</a:t>
             </a:r>
             <a:endParaRPr lang="pl-PL" sz="1200" kern="1200" dirty="0">
               <a:solidFill>
@@ -2118,6 +2036,23 @@
           </a:bodyPr>
           <a:lstStyle/>
           <a:p>
+            <a:pPr marL="0" marR="0" indent="0" algn="l" defTabSz="914400" rtl="0" eaLnBrk="1" fontAlgn="auto" latinLnBrk="0" hangingPunct="1">
+              <a:lnSpc>
+                <a:spcPct val="100000"/>
+              </a:lnSpc>
+              <a:spcBef>
+                <a:spcPts val="0"/>
+              </a:spcBef>
+              <a:spcAft>
+                <a:spcPts val="0"/>
+              </a:spcAft>
+              <a:buClrTx/>
+              <a:buSzTx/>
+              <a:buFont typeface="Arial" pitchFamily="34" charset="0"/>
+              <a:buChar char="•"/>
+              <a:tabLst/>
+              <a:defRPr/>
+            </a:pPr>
             <a:r>
               <a:rPr lang="pl-PL" sz="1200" kern="1200" dirty="0" smtClean="0">
                 <a:solidFill>
@@ -2127,10 +2062,29 @@
                 <a:ea typeface="+mn-ea"/>
                 <a:cs typeface="+mn-cs"/>
               </a:rPr>
-              <a:t>W celu rozwiązania tego problemu w pracy wykorzystano naukową koncepcję kształtu α. Kształt α dowolnego zbioru punktów jest </a:t>
-            </a:r>
-            <a:r>
-              <a:rPr lang="pl-PL" sz="1200" kern="1200" dirty="0" err="1" smtClean="0">
+              <a:t> Omówienie poszczególnych kroków</a:t>
+            </a:r>
+          </a:p>
+          <a:p>
+            <a:pPr marL="0" marR="0" indent="0" algn="l" defTabSz="914400" rtl="0" eaLnBrk="1" fontAlgn="auto" latinLnBrk="0" hangingPunct="1">
+              <a:lnSpc>
+                <a:spcPct val="100000"/>
+              </a:lnSpc>
+              <a:spcBef>
+                <a:spcPts val="0"/>
+              </a:spcBef>
+              <a:spcAft>
+                <a:spcPts val="0"/>
+              </a:spcAft>
+              <a:buClrTx/>
+              <a:buSzTx/>
+              <a:buFont typeface="Arial" pitchFamily="34" charset="0"/>
+              <a:buChar char="•"/>
+              <a:tabLst/>
+              <a:defRPr/>
+            </a:pPr>
+            <a:r>
+              <a:rPr lang="pl-PL" sz="1200" kern="1200" dirty="0" smtClean="0">
                 <a:solidFill>
                   <a:schemeClr val="tx1"/>
                 </a:solidFill>
@@ -2138,10 +2092,10 @@
                 <a:ea typeface="+mn-ea"/>
                 <a:cs typeface="+mn-cs"/>
               </a:rPr>
-              <a:t>subgrafem</a:t>
-            </a:r>
-            <a:r>
-              <a:rPr lang="pl-PL" sz="1200" kern="1200" dirty="0" smtClean="0">
+              <a:t> Wykorzystanie biblioteki JTS oraz implementacji otoczki </a:t>
+            </a:r>
+            <a:r>
+              <a:rPr lang="pl-PL" sz="1200" kern="1200" dirty="0" err="1" smtClean="0">
                 <a:solidFill>
                   <a:schemeClr val="tx1"/>
                 </a:solidFill>
@@ -2149,10 +2103,10 @@
                 <a:ea typeface="+mn-ea"/>
                 <a:cs typeface="+mn-cs"/>
               </a:rPr>
-              <a:t> triangulacji </a:t>
-            </a:r>
-            <a:r>
-              <a:rPr lang="pl-PL" sz="1200" kern="1200" dirty="0" err="1" smtClean="0">
+              <a:t>α-wklęsłej</a:t>
+            </a:r>
+            <a:r>
+              <a:rPr lang="pl-PL" sz="1200" kern="1200" dirty="0" smtClean="0">
                 <a:solidFill>
                   <a:schemeClr val="tx1"/>
                 </a:solidFill>
@@ -2160,10 +2114,10 @@
                 <a:ea typeface="+mn-ea"/>
                 <a:cs typeface="+mn-cs"/>
               </a:rPr>
-              <a:t>Delaunay</a:t>
-            </a:r>
-            <a:r>
-              <a:rPr lang="pl-PL" sz="1200" kern="1200" dirty="0" smtClean="0">
+              <a:t> autorstwa </a:t>
+            </a:r>
+            <a:r>
+              <a:rPr lang="pl-PL" sz="1200" kern="1200" dirty="0" err="1" smtClean="0">
                 <a:solidFill>
                   <a:schemeClr val="tx1"/>
                 </a:solidFill>
@@ -2171,12 +2125,10 @@
                 <a:ea typeface="+mn-ea"/>
                 <a:cs typeface="+mn-cs"/>
               </a:rPr>
-              <a:t> tych punktów, takim że dwa punkty stanowią jego krawędź jeśli istnieje pusta kula o promieniu 1/α stykająca się z tymi dwoma punktami.</a:t>
-            </a:r>
-          </a:p>
-          <a:p>
-            <a:r>
-              <a:rPr lang="pl-PL" sz="1200" b="0" kern="1200" dirty="0" smtClean="0">
+              <a:t>Eric'a</a:t>
+            </a:r>
+            <a:r>
+              <a:rPr lang="pl-PL" sz="1200" kern="1200" dirty="0" smtClean="0">
                 <a:solidFill>
                   <a:schemeClr val="tx1"/>
                 </a:solidFill>
@@ -2184,10 +2136,29 @@
                 <a:ea typeface="+mn-ea"/>
                 <a:cs typeface="+mn-cs"/>
               </a:rPr>
-              <a:t>Triangulacja </a:t>
-            </a:r>
-            <a:r>
-              <a:rPr lang="pl-PL" sz="1200" b="0" kern="1200" dirty="0" err="1" smtClean="0">
+              <a:t> Grosso. </a:t>
+            </a:r>
+          </a:p>
+          <a:p>
+            <a:pPr marL="0" marR="0" indent="0" algn="l" defTabSz="914400" rtl="0" eaLnBrk="1" fontAlgn="auto" latinLnBrk="0" hangingPunct="1">
+              <a:lnSpc>
+                <a:spcPct val="100000"/>
+              </a:lnSpc>
+              <a:spcBef>
+                <a:spcPts val="0"/>
+              </a:spcBef>
+              <a:spcAft>
+                <a:spcPts val="0"/>
+              </a:spcAft>
+              <a:buClrTx/>
+              <a:buSzTx/>
+              <a:buFont typeface="Arial" pitchFamily="34" charset="0"/>
+              <a:buChar char="•"/>
+              <a:tabLst/>
+              <a:defRPr/>
+            </a:pPr>
+            <a:r>
+              <a:rPr lang="pl-PL" sz="1200" kern="1200" dirty="0" smtClean="0">
                 <a:solidFill>
                   <a:schemeClr val="tx1"/>
                 </a:solidFill>
@@ -2195,10 +2166,29 @@
                 <a:ea typeface="+mn-ea"/>
                 <a:cs typeface="+mn-cs"/>
               </a:rPr>
-              <a:t>Delaunay</a:t>
-            </a:r>
-            <a:r>
-              <a:rPr lang="pl-PL" sz="1200" b="0" kern="1200" dirty="0" smtClean="0">
+              <a:t> </a:t>
+            </a:r>
+          </a:p>
+          <a:p>
+            <a:pPr marL="0" marR="0" indent="0" algn="l" defTabSz="914400" rtl="0" eaLnBrk="1" fontAlgn="auto" latinLnBrk="0" hangingPunct="1">
+              <a:lnSpc>
+                <a:spcPct val="100000"/>
+              </a:lnSpc>
+              <a:spcBef>
+                <a:spcPts val="0"/>
+              </a:spcBef>
+              <a:spcAft>
+                <a:spcPts val="0"/>
+              </a:spcAft>
+              <a:buClrTx/>
+              <a:buSzTx/>
+              <a:buFont typeface="Arial" pitchFamily="34" charset="0"/>
+              <a:buChar char="•"/>
+              <a:tabLst/>
+              <a:defRPr/>
+            </a:pPr>
+            <a:r>
+              <a:rPr lang="pl-PL" sz="1200" kern="1200" dirty="0" smtClean="0">
                 <a:solidFill>
                   <a:schemeClr val="tx1"/>
                 </a:solidFill>
@@ -2206,10 +2196,29 @@
                 <a:ea typeface="+mn-ea"/>
                 <a:cs typeface="+mn-cs"/>
               </a:rPr>
-              <a:t> zbioru punktów P jest takim podziałem obszaru </a:t>
-            </a:r>
-            <a:br>
-              <a:rPr lang="pl-PL" sz="1200" b="0" kern="1200" dirty="0" smtClean="0">
+              <a:t> Dobranie odpowiedniej wartości alfa</a:t>
+            </a:r>
+          </a:p>
+          <a:p>
+            <a:pPr marL="0" marR="0" indent="0" algn="l" defTabSz="914400" rtl="0" eaLnBrk="1" fontAlgn="auto" latinLnBrk="0" hangingPunct="1">
+              <a:lnSpc>
+                <a:spcPct val="100000"/>
+              </a:lnSpc>
+              <a:spcBef>
+                <a:spcPts val="0"/>
+              </a:spcBef>
+              <a:spcAft>
+                <a:spcPts val="0"/>
+              </a:spcAft>
+              <a:buClrTx/>
+              <a:buSzTx/>
+              <a:buFont typeface="Arial" pitchFamily="34" charset="0"/>
+              <a:buChar char="•"/>
+              <a:tabLst/>
+              <a:defRPr/>
+            </a:pPr>
+            <a:r>
+              <a:rPr lang="pl-PL" sz="1200" kern="1200" baseline="0" dirty="0" smtClean="0">
                 <a:solidFill>
                   <a:schemeClr val="tx1"/>
                 </a:solidFill>
@@ -2217,61 +2226,9 @@
                 <a:ea typeface="+mn-ea"/>
                 <a:cs typeface="+mn-cs"/>
               </a:rPr>
-            </a:br>
-            <a:r>
-              <a:rPr lang="pl-PL" sz="1200" b="0" kern="1200" dirty="0" smtClean="0">
-                <a:solidFill>
-                  <a:schemeClr val="tx1"/>
-                </a:solidFill>
-                <a:latin typeface="+mn-lt"/>
-                <a:ea typeface="+mn-ea"/>
-                <a:cs typeface="+mn-cs"/>
-              </a:rPr>
-              <a:t>wyznaczonego przez ten zbiór punktów na trójkąty, że żaden z punktów tego zbioru nie </a:t>
-            </a:r>
-            <a:br>
-              <a:rPr lang="pl-PL" sz="1200" b="0" kern="1200" dirty="0" smtClean="0">
-                <a:solidFill>
-                  <a:schemeClr val="tx1"/>
-                </a:solidFill>
-                <a:latin typeface="+mn-lt"/>
-                <a:ea typeface="+mn-ea"/>
-                <a:cs typeface="+mn-cs"/>
-              </a:rPr>
-            </a:br>
-            <a:r>
-              <a:rPr lang="pl-PL" sz="1200" b="0" kern="1200" dirty="0" smtClean="0">
-                <a:solidFill>
-                  <a:schemeClr val="tx1"/>
-                </a:solidFill>
-                <a:latin typeface="+mn-lt"/>
-                <a:ea typeface="+mn-ea"/>
-                <a:cs typeface="+mn-cs"/>
-              </a:rPr>
-              <a:t>znajduje się we wnętrzu któregokolwiek z okręgów opisanych na trójkątach powstałych </a:t>
-            </a:r>
-            <a:br>
-              <a:rPr lang="pl-PL" sz="1200" b="0" kern="1200" dirty="0" smtClean="0">
-                <a:solidFill>
-                  <a:schemeClr val="tx1"/>
-                </a:solidFill>
-                <a:latin typeface="+mn-lt"/>
-                <a:ea typeface="+mn-ea"/>
-                <a:cs typeface="+mn-cs"/>
-              </a:rPr>
-            </a:br>
-            <a:r>
-              <a:rPr lang="pl-PL" sz="1200" b="0" kern="1200" dirty="0" smtClean="0">
-                <a:solidFill>
-                  <a:schemeClr val="tx1"/>
-                </a:solidFill>
-                <a:latin typeface="+mn-lt"/>
-                <a:ea typeface="+mn-ea"/>
-                <a:cs typeface="+mn-cs"/>
-              </a:rPr>
-              <a:t>podczas triangulacji.</a:t>
-            </a:r>
-            <a:endParaRPr lang="pl-PL" sz="1200" b="1" kern="1200" dirty="0" smtClean="0">
+              <a:t> Jedynie przybliżenie</a:t>
+            </a:r>
+            <a:endParaRPr lang="pl-PL" sz="1200" kern="1200" dirty="0" smtClean="0">
               <a:solidFill>
                 <a:schemeClr val="tx1"/>
               </a:solidFill>
@@ -2359,12 +2316,16 @@
         <p:spPr/>
         <p:txBody>
           <a:bodyPr>
-            <a:normAutofit fontScale="92500" lnSpcReduction="20000"/>
+            <a:normAutofit/>
           </a:bodyPr>
           <a:lstStyle/>
           <a:p>
-            <a:r>
-              <a:rPr lang="pl-PL" sz="1200" kern="1200" dirty="0" smtClean="0">
+            <a:pPr>
+              <a:buFont typeface="Arial" pitchFamily="34" charset="0"/>
+              <a:buChar char="•"/>
+            </a:pPr>
+            <a:r>
+              <a:rPr lang="pl-PL" sz="1200" kern="1200" baseline="0" dirty="0" smtClean="0">
                 <a:solidFill>
                   <a:schemeClr val="tx1"/>
                 </a:solidFill>
@@ -2372,406 +2333,7 @@
                 <a:ea typeface="+mn-ea"/>
                 <a:cs typeface="+mn-cs"/>
               </a:rPr>
-              <a:t>Kształt alfa jest generalizacją otoczki wypukłej, to znaczy każda otoczka wypukła jest kształtem alfa, ale nie każdy kształt alfa jest otoczką wypukłą.</a:t>
-            </a:r>
-          </a:p>
-          <a:p>
-            <a:r>
-              <a:rPr lang="pl-PL" sz="1200" kern="1200" dirty="0" smtClean="0">
-                <a:solidFill>
-                  <a:schemeClr val="tx1"/>
-                </a:solidFill>
-                <a:latin typeface="+mn-lt"/>
-                <a:ea typeface="+mn-ea"/>
-                <a:cs typeface="+mn-cs"/>
-              </a:rPr>
-              <a:t>W wyniku triangulacji zamiast zbioru punktów otrzymano zbiór nienakładających się na siebie trójkątów.</a:t>
-            </a:r>
-          </a:p>
-          <a:p>
-            <a:r>
-              <a:rPr lang="pl-PL" sz="1200" kern="1200" dirty="0" smtClean="0">
-                <a:solidFill>
-                  <a:schemeClr val="tx1"/>
-                </a:solidFill>
-                <a:latin typeface="+mn-lt"/>
-                <a:ea typeface="+mn-ea"/>
-                <a:cs typeface="+mn-cs"/>
-              </a:rPr>
-              <a:t>W praktyce w celu połączenia dwóch obszarów w jeden wykonano takie operacje:</a:t>
-            </a:r>
-          </a:p>
-          <a:p>
-            <a:pPr lvl="0"/>
-            <a:r>
-              <a:rPr lang="pl-PL" sz="1200" kern="1200" dirty="0" smtClean="0">
-                <a:solidFill>
-                  <a:schemeClr val="tx1"/>
-                </a:solidFill>
-                <a:latin typeface="+mn-lt"/>
-                <a:ea typeface="+mn-ea"/>
-                <a:cs typeface="+mn-cs"/>
-              </a:rPr>
-              <a:t>Dla każdego ze zbiorów wejściowych, w celu zwiększenia dokładności działania </a:t>
-            </a:r>
-            <a:br>
-              <a:rPr lang="pl-PL" sz="1200" kern="1200" dirty="0" smtClean="0">
-                <a:solidFill>
-                  <a:schemeClr val="tx1"/>
-                </a:solidFill>
-                <a:latin typeface="+mn-lt"/>
-                <a:ea typeface="+mn-ea"/>
-                <a:cs typeface="+mn-cs"/>
-              </a:rPr>
-            </a:br>
-            <a:r>
-              <a:rPr lang="pl-PL" sz="1200" kern="1200" dirty="0" smtClean="0">
-                <a:solidFill>
-                  <a:schemeClr val="tx1"/>
-                </a:solidFill>
-                <a:latin typeface="+mn-lt"/>
-                <a:ea typeface="+mn-ea"/>
-                <a:cs typeface="+mn-cs"/>
-              </a:rPr>
-              <a:t>algorytmu wyznaczania otoczki, dokonano </a:t>
-            </a:r>
-            <a:r>
-              <a:rPr lang="pl-PL" sz="1200" kern="1200" dirty="0" err="1" smtClean="0">
-                <a:solidFill>
-                  <a:schemeClr val="tx1"/>
-                </a:solidFill>
-                <a:latin typeface="+mn-lt"/>
-                <a:ea typeface="+mn-ea"/>
-                <a:cs typeface="+mn-cs"/>
-              </a:rPr>
-              <a:t>densyfikacji</a:t>
-            </a:r>
-            <a:r>
-              <a:rPr lang="pl-PL" sz="1200" kern="1200" dirty="0" smtClean="0">
-                <a:solidFill>
-                  <a:schemeClr val="tx1"/>
-                </a:solidFill>
-                <a:latin typeface="+mn-lt"/>
-                <a:ea typeface="+mn-ea"/>
-                <a:cs typeface="+mn-cs"/>
-              </a:rPr>
-              <a:t> punktów. </a:t>
-            </a:r>
-          </a:p>
-          <a:p>
-            <a:r>
-              <a:rPr lang="pl-PL" sz="1200" kern="1200" dirty="0" smtClean="0">
-                <a:solidFill>
-                  <a:schemeClr val="tx1"/>
-                </a:solidFill>
-                <a:latin typeface="+mn-lt"/>
-                <a:ea typeface="+mn-ea"/>
-                <a:cs typeface="+mn-cs"/>
-              </a:rPr>
-              <a:t> </a:t>
-            </a:r>
-          </a:p>
-          <a:p>
-            <a:r>
-              <a:rPr lang="pl-PL" sz="1200" kern="1200" dirty="0" smtClean="0">
-                <a:solidFill>
-                  <a:schemeClr val="tx1"/>
-                </a:solidFill>
-                <a:latin typeface="+mn-lt"/>
-                <a:ea typeface="+mn-ea"/>
-                <a:cs typeface="+mn-cs"/>
-              </a:rPr>
-              <a:t>Operacja </a:t>
-            </a:r>
-            <a:r>
-              <a:rPr lang="pl-PL" sz="1200" kern="1200" dirty="0" err="1" smtClean="0">
-                <a:solidFill>
-                  <a:schemeClr val="tx1"/>
-                </a:solidFill>
-                <a:latin typeface="+mn-lt"/>
-                <a:ea typeface="+mn-ea"/>
-                <a:cs typeface="+mn-cs"/>
-              </a:rPr>
-              <a:t>densyfikacji</a:t>
-            </a:r>
-            <a:r>
-              <a:rPr lang="pl-PL" sz="1200" kern="1200" dirty="0" smtClean="0">
-                <a:solidFill>
-                  <a:schemeClr val="tx1"/>
-                </a:solidFill>
-                <a:latin typeface="+mn-lt"/>
-                <a:ea typeface="+mn-ea"/>
-                <a:cs typeface="+mn-cs"/>
-              </a:rPr>
-              <a:t> polegała na sprawdzeniu odległości między kolejnymi punktami zbioru i porównaniu jej z parametrem λ, o wartości dobranej na drodze eksperymentalnej, zbliżonej do przyjętej wartości parametru α. Jeśli odległość między dwoma kolejnymi punktami była większa od wartości λ, między te dwa punkty zostawał wstawiony dodatkowy punkt. Operacja ta była powtarzana, do momentu, gdy dowolne dwa, kolejne punkty zbioru były od siebie oddalone o wartość nie większą niż wartość parametru λ.</a:t>
-            </a:r>
-          </a:p>
-          <a:p>
-            <a:r>
-              <a:rPr lang="pl-PL" sz="1200" kern="1200" dirty="0" smtClean="0">
-                <a:solidFill>
-                  <a:schemeClr val="tx1"/>
-                </a:solidFill>
-                <a:latin typeface="+mn-lt"/>
-                <a:ea typeface="+mn-ea"/>
-                <a:cs typeface="+mn-cs"/>
-              </a:rPr>
-              <a:t> </a:t>
-            </a:r>
-          </a:p>
-          <a:p>
-            <a:pPr lvl="0"/>
-            <a:r>
-              <a:rPr lang="pl-PL" sz="1200" kern="1200" dirty="0" smtClean="0">
-                <a:solidFill>
-                  <a:schemeClr val="tx1"/>
-                </a:solidFill>
-                <a:latin typeface="+mn-lt"/>
-                <a:ea typeface="+mn-ea"/>
-                <a:cs typeface="+mn-cs"/>
-              </a:rPr>
-              <a:t>Następnie dokonano połączenia zbiorów wejściowych punktów, reprezentujących obszar ostatnio przeszukany i dotychczas przeszukany w sumaryczny zbiór punktów P. </a:t>
-            </a:r>
-          </a:p>
-          <a:p>
-            <a:r>
-              <a:rPr lang="pl-PL" sz="1200" kern="1200" dirty="0" smtClean="0">
-                <a:solidFill>
-                  <a:schemeClr val="tx1"/>
-                </a:solidFill>
-                <a:latin typeface="+mn-lt"/>
-                <a:ea typeface="+mn-ea"/>
-                <a:cs typeface="+mn-cs"/>
-              </a:rPr>
-              <a:t> </a:t>
-            </a:r>
-          </a:p>
-          <a:p>
-            <a:pPr lvl="0"/>
-            <a:r>
-              <a:rPr lang="pl-PL" sz="1200" kern="1200" dirty="0" smtClean="0">
-                <a:solidFill>
-                  <a:schemeClr val="tx1"/>
-                </a:solidFill>
-                <a:latin typeface="+mn-lt"/>
-                <a:ea typeface="+mn-ea"/>
-                <a:cs typeface="+mn-cs"/>
-              </a:rPr>
-              <a:t>Dla zbioru punktów P przeprowadzono triangulację </a:t>
-            </a:r>
-            <a:r>
-              <a:rPr lang="pl-PL" sz="1200" kern="1200" dirty="0" err="1" smtClean="0">
-                <a:solidFill>
-                  <a:schemeClr val="tx1"/>
-                </a:solidFill>
-                <a:latin typeface="+mn-lt"/>
-                <a:ea typeface="+mn-ea"/>
-                <a:cs typeface="+mn-cs"/>
-              </a:rPr>
-              <a:t>Delaunay</a:t>
-            </a:r>
-            <a:r>
-              <a:rPr lang="pl-PL" sz="1200" kern="1200" dirty="0" smtClean="0">
-                <a:solidFill>
-                  <a:schemeClr val="tx1"/>
-                </a:solidFill>
-                <a:latin typeface="+mn-lt"/>
-                <a:ea typeface="+mn-ea"/>
-                <a:cs typeface="+mn-cs"/>
-              </a:rPr>
-              <a:t>.</a:t>
-            </a:r>
-          </a:p>
-          <a:p>
-            <a:pPr lvl="0"/>
-            <a:r>
-              <a:rPr lang="pl-PL" sz="1200" kern="1200" dirty="0" smtClean="0">
-                <a:solidFill>
-                  <a:schemeClr val="tx1"/>
-                </a:solidFill>
-                <a:latin typeface="+mn-lt"/>
-                <a:ea typeface="+mn-ea"/>
-                <a:cs typeface="+mn-cs"/>
-              </a:rPr>
-              <a:t>Poprzez połączenie wszystkich trójkątów, dla których promień okręgu na nich </a:t>
-            </a:r>
-            <a:br>
-              <a:rPr lang="pl-PL" sz="1200" kern="1200" dirty="0" smtClean="0">
-                <a:solidFill>
-                  <a:schemeClr val="tx1"/>
-                </a:solidFill>
-                <a:latin typeface="+mn-lt"/>
-                <a:ea typeface="+mn-ea"/>
-                <a:cs typeface="+mn-cs"/>
-              </a:rPr>
-            </a:br>
-            <a:r>
-              <a:rPr lang="pl-PL" sz="1200" kern="1200" dirty="0" smtClean="0">
-                <a:solidFill>
-                  <a:schemeClr val="tx1"/>
-                </a:solidFill>
-                <a:latin typeface="+mn-lt"/>
-                <a:ea typeface="+mn-ea"/>
-                <a:cs typeface="+mn-cs"/>
-              </a:rPr>
-              <a:t>opisanego jest mniejszy od dobranej wartości parametru </a:t>
-            </a:r>
-            <a:r>
-              <a:rPr lang="pl-PL" sz="1200" b="1" kern="1200" dirty="0" smtClean="0">
-                <a:solidFill>
-                  <a:schemeClr val="tx1"/>
-                </a:solidFill>
-                <a:latin typeface="+mn-lt"/>
-                <a:ea typeface="+mn-ea"/>
-                <a:cs typeface="+mn-cs"/>
-              </a:rPr>
-              <a:t>α</a:t>
-            </a:r>
-            <a:r>
-              <a:rPr lang="pl-PL" sz="1200" kern="1200" dirty="0" smtClean="0">
-                <a:solidFill>
-                  <a:schemeClr val="tx1"/>
-                </a:solidFill>
-                <a:latin typeface="+mn-lt"/>
-                <a:ea typeface="+mn-ea"/>
-                <a:cs typeface="+mn-cs"/>
-              </a:rPr>
-              <a:t>, wyznaczono graf </a:t>
-            </a:r>
-            <a:br>
-              <a:rPr lang="pl-PL" sz="1200" kern="1200" dirty="0" smtClean="0">
-                <a:solidFill>
-                  <a:schemeClr val="tx1"/>
-                </a:solidFill>
-                <a:latin typeface="+mn-lt"/>
-                <a:ea typeface="+mn-ea"/>
-                <a:cs typeface="+mn-cs"/>
-              </a:rPr>
-            </a:br>
-            <a:r>
-              <a:rPr lang="pl-PL" sz="1200" kern="1200" dirty="0" smtClean="0">
-                <a:solidFill>
-                  <a:schemeClr val="tx1"/>
-                </a:solidFill>
-                <a:latin typeface="+mn-lt"/>
-                <a:ea typeface="+mn-ea"/>
-                <a:cs typeface="+mn-cs"/>
-              </a:rPr>
-              <a:t>reprezentujący poszukiwaną otoczkę.</a:t>
-            </a:r>
-          </a:p>
-          <a:p>
-            <a:r>
-              <a:rPr lang="pl-PL" sz="1200" kern="1200" dirty="0" smtClean="0">
-                <a:solidFill>
-                  <a:schemeClr val="tx1"/>
-                </a:solidFill>
-                <a:latin typeface="+mn-lt"/>
-                <a:ea typeface="+mn-ea"/>
-                <a:cs typeface="+mn-cs"/>
-              </a:rPr>
-              <a:t>	[43]</a:t>
-            </a:r>
-          </a:p>
-          <a:p>
-            <a:r>
-              <a:rPr lang="pl-PL" sz="1200" kern="1200" dirty="0" smtClean="0">
-                <a:solidFill>
-                  <a:schemeClr val="tx1"/>
-                </a:solidFill>
-                <a:latin typeface="+mn-lt"/>
-                <a:ea typeface="+mn-ea"/>
-                <a:cs typeface="+mn-cs"/>
-              </a:rPr>
-              <a:t>Punkt trzeci oraz czwarty powyższego algorytmu zostały w pracy zrealizowane z wykorzystaniem biblioteki JTS oraz implementacji otoczki </a:t>
-            </a:r>
-            <a:r>
-              <a:rPr lang="pl-PL" sz="1200" kern="1200" dirty="0" err="1" smtClean="0">
-                <a:solidFill>
-                  <a:schemeClr val="tx1"/>
-                </a:solidFill>
-                <a:latin typeface="+mn-lt"/>
-                <a:ea typeface="+mn-ea"/>
-                <a:cs typeface="+mn-cs"/>
-              </a:rPr>
-              <a:t>α-wklęsłej</a:t>
-            </a:r>
-            <a:r>
-              <a:rPr lang="pl-PL" sz="1200" kern="1200" dirty="0" smtClean="0">
-                <a:solidFill>
-                  <a:schemeClr val="tx1"/>
-                </a:solidFill>
-                <a:latin typeface="+mn-lt"/>
-                <a:ea typeface="+mn-ea"/>
-                <a:cs typeface="+mn-cs"/>
-              </a:rPr>
-              <a:t> autorstwa </a:t>
-            </a:r>
-            <a:r>
-              <a:rPr lang="pl-PL" sz="1200" kern="1200" dirty="0" err="1" smtClean="0">
-                <a:solidFill>
-                  <a:schemeClr val="tx1"/>
-                </a:solidFill>
-                <a:latin typeface="+mn-lt"/>
-                <a:ea typeface="+mn-ea"/>
-                <a:cs typeface="+mn-cs"/>
-              </a:rPr>
-              <a:t>Eric'a</a:t>
-            </a:r>
-            <a:r>
-              <a:rPr lang="pl-PL" sz="1200" kern="1200" dirty="0" smtClean="0">
-                <a:solidFill>
-                  <a:schemeClr val="tx1"/>
-                </a:solidFill>
-                <a:latin typeface="+mn-lt"/>
-                <a:ea typeface="+mn-ea"/>
-                <a:cs typeface="+mn-cs"/>
-              </a:rPr>
-              <a:t> Grosso [44] . Dobranie odpowiedniej wartości parametru </a:t>
-            </a:r>
-            <a:r>
-              <a:rPr lang="pl-PL" sz="1200" b="1" kern="1200" dirty="0" smtClean="0">
-                <a:solidFill>
-                  <a:schemeClr val="tx1"/>
-                </a:solidFill>
-                <a:latin typeface="+mn-lt"/>
-                <a:ea typeface="+mn-ea"/>
-                <a:cs typeface="+mn-cs"/>
-              </a:rPr>
-              <a:t>α</a:t>
-            </a:r>
-            <a:r>
-              <a:rPr lang="pl-PL" sz="1200" kern="1200" dirty="0" smtClean="0">
-                <a:solidFill>
-                  <a:schemeClr val="tx1"/>
-                </a:solidFill>
-                <a:latin typeface="+mn-lt"/>
-                <a:ea typeface="+mn-ea"/>
-                <a:cs typeface="+mn-cs"/>
-              </a:rPr>
-              <a:t> pozwoliło na uzyskanie zadowalających rezultatów. Należy jednak mieć na uwadze, jak zostało to wcześniej wspomniane, że dla dowolnego zbioru punktów nie istnieje jednoznaczna reprezentacja otoczki wklęsłej, a koncepcja otoczki </a:t>
-            </a:r>
-            <a:r>
-              <a:rPr lang="pl-PL" sz="1200" kern="1200" dirty="0" err="1" smtClean="0">
-                <a:solidFill>
-                  <a:schemeClr val="tx1"/>
-                </a:solidFill>
-                <a:latin typeface="+mn-lt"/>
-                <a:ea typeface="+mn-ea"/>
-                <a:cs typeface="+mn-cs"/>
-              </a:rPr>
-              <a:t>α-wklęsłej</a:t>
-            </a:r>
-            <a:r>
-              <a:rPr lang="pl-PL" sz="1200" kern="1200" dirty="0" smtClean="0">
-                <a:solidFill>
-                  <a:schemeClr val="tx1"/>
-                </a:solidFill>
-                <a:latin typeface="+mn-lt"/>
-                <a:ea typeface="+mn-ea"/>
-                <a:cs typeface="+mn-cs"/>
-              </a:rPr>
-              <a:t> jest jedynie przybliżeniem poszukiwanego wielokąta. </a:t>
+              <a:t> Zakończenie rozważań algorytmu kształtu alfa,</a:t>
             </a:r>
             <a:endParaRPr lang="pl-PL" sz="1200" kern="1200" dirty="0">
               <a:solidFill>
@@ -2858,184 +2420,11 @@
         <p:spPr/>
         <p:txBody>
           <a:bodyPr>
-            <a:normAutofit fontScale="92500" lnSpcReduction="20000"/>
+            <a:normAutofit/>
           </a:bodyPr>
           <a:lstStyle/>
           <a:p>
-            <a:r>
-              <a:rPr lang="pl-PL" sz="1200" kern="1200" dirty="0" smtClean="0">
-                <a:solidFill>
-                  <a:schemeClr val="tx1"/>
-                </a:solidFill>
-                <a:latin typeface="+mn-lt"/>
-                <a:ea typeface="+mn-ea"/>
-                <a:cs typeface="+mn-cs"/>
-              </a:rPr>
-              <a:t>Temat</a:t>
-            </a:r>
-            <a:r>
-              <a:rPr lang="pl-PL" sz="1200" kern="1200" baseline="0" dirty="0" smtClean="0">
-                <a:solidFill>
-                  <a:schemeClr val="tx1"/>
-                </a:solidFill>
-                <a:latin typeface="+mn-lt"/>
-                <a:ea typeface="+mn-ea"/>
-                <a:cs typeface="+mn-cs"/>
-              </a:rPr>
-              <a:t> pracy brzmi:</a:t>
-            </a:r>
-          </a:p>
-          <a:p>
-            <a:pPr marL="0" marR="0" indent="0" algn="l" defTabSz="914400" rtl="0" eaLnBrk="1" fontAlgn="auto" latinLnBrk="0" hangingPunct="1">
-              <a:lnSpc>
-                <a:spcPct val="100000"/>
-              </a:lnSpc>
-              <a:spcBef>
-                <a:spcPts val="0"/>
-              </a:spcBef>
-              <a:spcAft>
-                <a:spcPts val="0"/>
-              </a:spcAft>
-              <a:buClrTx/>
-              <a:buSzTx/>
-              <a:buFontTx/>
-              <a:buNone/>
-              <a:tabLst/>
-              <a:defRPr/>
-            </a:pPr>
-            <a:r>
-              <a:rPr lang="pl-PL" sz="1200" kern="1200" dirty="0" smtClean="0">
-                <a:solidFill>
-                  <a:schemeClr val="tx1"/>
-                </a:solidFill>
-                <a:latin typeface="+mn-lt"/>
-                <a:ea typeface="+mn-ea"/>
-                <a:cs typeface="+mn-cs"/>
-              </a:rPr>
-              <a:t>"Algorytm wyznaczania i wizualizacji obszaru przeszukanego wraz z implementacją przy wykorzystaniu systemu OpenStreetMap".</a:t>
-            </a:r>
-          </a:p>
-          <a:p>
-            <a:r>
-              <a:rPr lang="pl-PL" sz="1200" kern="1200" dirty="0" smtClean="0">
-                <a:solidFill>
-                  <a:schemeClr val="tx1"/>
-                </a:solidFill>
-                <a:latin typeface="+mn-lt"/>
-                <a:ea typeface="+mn-ea"/>
-                <a:cs typeface="+mn-cs"/>
-              </a:rPr>
-              <a:t>Temat ten jest bezpośrednio powiązany z bezzałogowymi statkami powietrznymi, powszechnie znanymi jako </a:t>
-            </a:r>
-            <a:r>
-              <a:rPr lang="pl-PL" sz="1200" kern="1200" dirty="0" err="1" smtClean="0">
-                <a:solidFill>
-                  <a:schemeClr val="tx1"/>
-                </a:solidFill>
-                <a:latin typeface="+mn-lt"/>
-                <a:ea typeface="+mn-ea"/>
-                <a:cs typeface="+mn-cs"/>
-              </a:rPr>
-              <a:t>drony</a:t>
-            </a:r>
-            <a:r>
-              <a:rPr lang="pl-PL" sz="1200" kern="1200" dirty="0" smtClean="0">
-                <a:solidFill>
-                  <a:schemeClr val="tx1"/>
-                </a:solidFill>
-                <a:latin typeface="+mn-lt"/>
-                <a:ea typeface="+mn-ea"/>
-                <a:cs typeface="+mn-cs"/>
-              </a:rPr>
-              <a:t>. Tytułowy algorytm ma za zadanie wyznaczanie obszaru przeszukanego właśnie przez te pojazdy.</a:t>
-            </a:r>
-          </a:p>
-          <a:p>
-            <a:r>
-              <a:rPr lang="pl-PL" sz="1200" b="1" kern="1200" dirty="0" smtClean="0">
-                <a:solidFill>
-                  <a:schemeClr val="tx1"/>
-                </a:solidFill>
-                <a:latin typeface="+mn-lt"/>
-                <a:ea typeface="+mn-ea"/>
-                <a:cs typeface="+mn-cs"/>
-              </a:rPr>
-              <a:t>2. Cel pracy</a:t>
-            </a:r>
             <a:endParaRPr lang="pl-PL" sz="1200" kern="1200" dirty="0" smtClean="0">
-              <a:solidFill>
-                <a:schemeClr val="tx1"/>
-              </a:solidFill>
-              <a:latin typeface="+mn-lt"/>
-              <a:ea typeface="+mn-ea"/>
-              <a:cs typeface="+mn-cs"/>
-            </a:endParaRPr>
-          </a:p>
-          <a:p>
-            <a:r>
-              <a:rPr lang="pl-PL" sz="1200" kern="1200" dirty="0" smtClean="0">
-                <a:solidFill>
-                  <a:schemeClr val="tx1"/>
-                </a:solidFill>
-                <a:latin typeface="+mn-lt"/>
-                <a:ea typeface="+mn-ea"/>
-                <a:cs typeface="+mn-cs"/>
-              </a:rPr>
-              <a:t>Moja praca skupia się na analizie i realizacji rozwiązania, wspomagających wykorzystanie bezzałogowych statków latających, czyli systemu informatycznego służącego do kontroli położenia i wizualizacji obszaru przeszukanego, rozumianego jako reprezentacja terenu zarejestrowanego przez kamerę zamontowaną na dronie.</a:t>
-            </a:r>
-          </a:p>
-          <a:p>
-            <a:endParaRPr lang="pl-PL" sz="1200" kern="1200" dirty="0" smtClean="0">
-              <a:solidFill>
-                <a:schemeClr val="tx1"/>
-              </a:solidFill>
-              <a:latin typeface="+mn-lt"/>
-              <a:ea typeface="+mn-ea"/>
-              <a:cs typeface="+mn-cs"/>
-            </a:endParaRPr>
-          </a:p>
-          <a:p>
-            <a:r>
-              <a:rPr lang="pl-PL" sz="1200" kern="1200" dirty="0" smtClean="0">
-                <a:solidFill>
-                  <a:schemeClr val="tx1"/>
-                </a:solidFill>
-                <a:latin typeface="+mn-lt"/>
-                <a:ea typeface="+mn-ea"/>
-                <a:cs typeface="+mn-cs"/>
-              </a:rPr>
-              <a:t>Celem pracy było opracowanie algorytmu umożliwiającego wizualizację tego obszaru na podstawie zebranych danych geolokalizacyjnych pojazdów i znajomości parametrów kamer do nich zamontowanych oraz zaprojektowanie i implementacja systemu informatycznego realizującego tę funkcję.</a:t>
-            </a:r>
-          </a:p>
-          <a:p>
-            <a:pPr marL="0" marR="0" indent="0" algn="l" defTabSz="914400" rtl="0" eaLnBrk="1" fontAlgn="auto" latinLnBrk="0" hangingPunct="1">
-              <a:lnSpc>
-                <a:spcPct val="100000"/>
-              </a:lnSpc>
-              <a:spcBef>
-                <a:spcPts val="0"/>
-              </a:spcBef>
-              <a:spcAft>
-                <a:spcPts val="0"/>
-              </a:spcAft>
-              <a:buClrTx/>
-              <a:buSzTx/>
-              <a:buFontTx/>
-              <a:buNone/>
-              <a:tabLst/>
-              <a:defRPr/>
-            </a:pPr>
-            <a:endParaRPr lang="pl-PL" sz="1200" kern="1200" dirty="0" smtClean="0">
-              <a:solidFill>
-                <a:schemeClr val="tx1"/>
-              </a:solidFill>
-              <a:latin typeface="+mn-lt"/>
-              <a:ea typeface="+mn-ea"/>
-              <a:cs typeface="+mn-cs"/>
-            </a:endParaRPr>
-          </a:p>
-          <a:p>
-            <a:endParaRPr lang="pl-PL" sz="1200" kern="1200" dirty="0">
               <a:solidFill>
                 <a:schemeClr val="tx1"/>
               </a:solidFill>
@@ -3125,24 +2514,14 @@
           <a:lstStyle/>
           <a:p>
             <a:r>
-              <a:rPr lang="pl-PL" sz="1200" kern="1200" dirty="0" smtClean="0">
-                <a:solidFill>
-                  <a:schemeClr val="tx1"/>
-                </a:solidFill>
-                <a:latin typeface="+mn-lt"/>
-                <a:ea typeface="+mn-ea"/>
-                <a:cs typeface="+mn-cs"/>
-              </a:rPr>
-              <a:t>Na zakończenie rozważań dotyczących algorytmu zostanie przedstawiony przykład zastosowania opisanego w tym rozdziale algorytmu dla zbioru punktów P przedstawionego na kolejnym slajdzie.</a:t>
-            </a:r>
-            <a:endParaRPr lang="pl-PL" sz="1200" kern="1200" dirty="0">
-              <a:solidFill>
-                <a:schemeClr val="tx1"/>
-              </a:solidFill>
-              <a:latin typeface="+mn-lt"/>
-              <a:ea typeface="+mn-ea"/>
-              <a:cs typeface="+mn-cs"/>
-            </a:endParaRPr>
+              <a:rPr lang="pl-PL" dirty="0" smtClean="0"/>
+              <a:t>Otoczka</a:t>
+            </a:r>
+            <a:r>
+              <a:rPr lang="pl-PL" baseline="0" dirty="0" smtClean="0"/>
+              <a:t> wypukła</a:t>
+            </a:r>
+            <a:endParaRPr lang="pl-PL" dirty="0"/>
           </a:p>
         </p:txBody>
       </p:sp>
@@ -3233,7 +2612,7 @@
                 <a:ea typeface="+mn-ea"/>
                 <a:cs typeface="+mn-cs"/>
               </a:rPr>
-              <a:t>przeprowadzenia triangulacji </a:t>
+              <a:t>Efekt triangulacji </a:t>
             </a:r>
             <a:r>
               <a:rPr lang="pl-PL" sz="1200" kern="1200" dirty="0" err="1" smtClean="0">
@@ -3246,17 +2625,6 @@
               </a:rPr>
               <a:t>Delaunay</a:t>
             </a:r>
-            <a:r>
-              <a:rPr lang="pl-PL" sz="1200" kern="1200" dirty="0" smtClean="0">
-                <a:solidFill>
-                  <a:schemeClr val="tx1"/>
-                </a:solidFill>
-                <a:latin typeface="+mn-lt"/>
-                <a:ea typeface="+mn-ea"/>
-                <a:cs typeface="+mn-cs"/>
-              </a:rPr>
-              <a:t> na zbiorze punktów P</a:t>
-            </a:r>
             <a:endParaRPr lang="pl-PL" dirty="0"/>
           </a:p>
         </p:txBody>
@@ -3279,7 +2647,7 @@
             <a:fld id="{A221A992-22D9-4EF5-B468-BF47D09055D6}" type="slidenum">
               <a:rPr lang="pl-PL" smtClean="0"/>
               <a:pPr/>
-              <a:t>22</a:t>
+              <a:t>21</a:t>
             </a:fld>
             <a:endParaRPr lang="pl-PL"/>
           </a:p>
@@ -3340,309 +2708,9 @@
           <a:lstStyle/>
           <a:p>
             <a:r>
-              <a:rPr lang="pl-PL" sz="1200" kern="1200" dirty="0" smtClean="0">
-                <a:solidFill>
-                  <a:schemeClr val="tx1"/>
-                </a:solidFill>
-                <a:latin typeface="+mn-lt"/>
-                <a:ea typeface="+mn-ea"/>
-                <a:cs typeface="+mn-cs"/>
-              </a:rPr>
-              <a:t>5. System</a:t>
-            </a:r>
-          </a:p>
-          <a:p>
-            <a:r>
-              <a:rPr lang="pl-PL" sz="1200" kern="1200" dirty="0" smtClean="0">
-                <a:solidFill>
-                  <a:schemeClr val="tx1"/>
-                </a:solidFill>
-                <a:latin typeface="+mn-lt"/>
-                <a:ea typeface="+mn-ea"/>
-                <a:cs typeface="+mn-cs"/>
-              </a:rPr>
-              <a:t> </a:t>
-            </a:r>
-          </a:p>
-          <a:p>
-            <a:r>
-              <a:rPr lang="pl-PL" sz="1200" kern="1200" dirty="0" smtClean="0">
-                <a:solidFill>
-                  <a:schemeClr val="tx1"/>
-                </a:solidFill>
-                <a:latin typeface="+mn-lt"/>
-                <a:ea typeface="+mn-ea"/>
-                <a:cs typeface="+mn-cs"/>
-              </a:rPr>
-              <a:t>W ramach pracy poza opracowaniem omówionego algorytmu, został również zaprojektowany i zaimplementowany system informatyczny składający się z:</a:t>
-            </a:r>
-          </a:p>
-          <a:p>
-            <a:r>
-              <a:rPr lang="pl-PL" sz="1200" kern="1200" dirty="0" smtClean="0">
-                <a:solidFill>
-                  <a:schemeClr val="tx1"/>
-                </a:solidFill>
-                <a:latin typeface="+mn-lt"/>
-                <a:ea typeface="+mn-ea"/>
-                <a:cs typeface="+mn-cs"/>
-              </a:rPr>
-              <a:t> </a:t>
-            </a:r>
-          </a:p>
-          <a:p>
-            <a:pPr lvl="0"/>
-            <a:r>
-              <a:rPr lang="pl-PL" sz="1200" kern="1200" dirty="0" smtClean="0">
-                <a:solidFill>
-                  <a:schemeClr val="tx1"/>
-                </a:solidFill>
-                <a:latin typeface="+mn-lt"/>
-                <a:ea typeface="+mn-ea"/>
-                <a:cs typeface="+mn-cs"/>
-              </a:rPr>
-              <a:t>aplikacji mobilnej - </a:t>
-            </a:r>
-            <a:r>
-              <a:rPr lang="pl-PL" sz="1200" kern="1200" dirty="0" err="1" smtClean="0">
-                <a:solidFill>
-                  <a:schemeClr val="tx1"/>
-                </a:solidFill>
-                <a:latin typeface="+mn-lt"/>
-                <a:ea typeface="+mn-ea"/>
-                <a:cs typeface="+mn-cs"/>
-              </a:rPr>
-              <a:t>DronTracker</a:t>
-            </a:r>
-            <a:r>
-              <a:rPr lang="pl-PL" sz="1200" kern="1200" dirty="0" smtClean="0">
-                <a:solidFill>
-                  <a:schemeClr val="tx1"/>
-                </a:solidFill>
-                <a:latin typeface="+mn-lt"/>
-                <a:ea typeface="+mn-ea"/>
-                <a:cs typeface="+mn-cs"/>
-              </a:rPr>
-              <a:t>, pełniącej rolę geolokalizatora do potencjalnego zamontowania na dronie, </a:t>
-            </a:r>
-          </a:p>
-          <a:p>
-            <a:r>
-              <a:rPr lang="pl-PL" sz="1200" kern="1200" dirty="0" smtClean="0">
-                <a:solidFill>
-                  <a:schemeClr val="tx1"/>
-                </a:solidFill>
-                <a:latin typeface="+mn-lt"/>
-                <a:ea typeface="+mn-ea"/>
-                <a:cs typeface="+mn-cs"/>
-              </a:rPr>
-              <a:t> </a:t>
-            </a:r>
-          </a:p>
-          <a:p>
-            <a:pPr lvl="0"/>
-            <a:r>
-              <a:rPr lang="pl-PL" sz="1200" kern="1200" dirty="0" smtClean="0">
-                <a:solidFill>
-                  <a:schemeClr val="tx1"/>
-                </a:solidFill>
-                <a:latin typeface="+mn-lt"/>
-                <a:ea typeface="+mn-ea"/>
-                <a:cs typeface="+mn-cs"/>
-              </a:rPr>
-              <a:t>aplikacji serwerowej - </a:t>
-            </a:r>
-            <a:r>
-              <a:rPr lang="pl-PL" sz="1200" kern="1200" dirty="0" err="1" smtClean="0">
-                <a:solidFill>
-                  <a:schemeClr val="tx1"/>
-                </a:solidFill>
-                <a:latin typeface="+mn-lt"/>
-                <a:ea typeface="+mn-ea"/>
-                <a:cs typeface="+mn-cs"/>
-              </a:rPr>
-              <a:t>DronSerwer</a:t>
-            </a:r>
-            <a:r>
-              <a:rPr lang="pl-PL" sz="1200" kern="1200" dirty="0" smtClean="0">
-                <a:solidFill>
-                  <a:schemeClr val="tx1"/>
-                </a:solidFill>
-                <a:latin typeface="+mn-lt"/>
-                <a:ea typeface="+mn-ea"/>
-                <a:cs typeface="+mn-cs"/>
-              </a:rPr>
-              <a:t>, odpowiedzialnej za przeprowadzanie skomplikowanych obliczeń i komunikację z pozostałymi elementami systemu oraz</a:t>
-            </a:r>
-          </a:p>
-          <a:p>
-            <a:r>
-              <a:rPr lang="pl-PL" sz="1200" kern="1200" dirty="0" smtClean="0">
-                <a:solidFill>
-                  <a:schemeClr val="tx1"/>
-                </a:solidFill>
-                <a:latin typeface="+mn-lt"/>
-                <a:ea typeface="+mn-ea"/>
-                <a:cs typeface="+mn-cs"/>
-              </a:rPr>
-              <a:t> </a:t>
-            </a:r>
-          </a:p>
-          <a:p>
-            <a:pPr lvl="0"/>
-            <a:r>
-              <a:rPr lang="pl-PL" sz="1200" kern="1200" dirty="0" smtClean="0">
-                <a:solidFill>
-                  <a:schemeClr val="tx1"/>
-                </a:solidFill>
-                <a:latin typeface="+mn-lt"/>
-                <a:ea typeface="+mn-ea"/>
-                <a:cs typeface="+mn-cs"/>
-              </a:rPr>
-              <a:t>głównej mobilnej aplikacji klienckiej - </a:t>
-            </a:r>
-            <a:r>
-              <a:rPr lang="pl-PL" sz="1200" kern="1200" dirty="0" err="1" smtClean="0">
-                <a:solidFill>
-                  <a:schemeClr val="tx1"/>
-                </a:solidFill>
-                <a:latin typeface="+mn-lt"/>
-                <a:ea typeface="+mn-ea"/>
-                <a:cs typeface="+mn-cs"/>
-              </a:rPr>
-              <a:t>DronVision</a:t>
-            </a:r>
-            <a:r>
-              <a:rPr lang="pl-PL" sz="1200" kern="1200" dirty="0" smtClean="0">
-                <a:solidFill>
-                  <a:schemeClr val="tx1"/>
-                </a:solidFill>
-                <a:latin typeface="+mn-lt"/>
-                <a:ea typeface="+mn-ea"/>
-                <a:cs typeface="+mn-cs"/>
-              </a:rPr>
-              <a:t>, służącej do wizualizacji wyznaczonego obszaru przeszukanego.</a:t>
-            </a:r>
-          </a:p>
-          <a:p>
-            <a:r>
-              <a:rPr lang="pl-PL" sz="1200" kern="1200" dirty="0" smtClean="0">
-                <a:solidFill>
-                  <a:schemeClr val="tx1"/>
-                </a:solidFill>
-                <a:latin typeface="+mn-lt"/>
-                <a:ea typeface="+mn-ea"/>
-                <a:cs typeface="+mn-cs"/>
-              </a:rPr>
-              <a:t> </a:t>
-            </a:r>
-          </a:p>
-          <a:p>
-            <a:r>
-              <a:rPr lang="pl-PL" sz="1200" kern="1200" dirty="0" smtClean="0">
-                <a:solidFill>
-                  <a:schemeClr val="tx1"/>
-                </a:solidFill>
-                <a:latin typeface="+mn-lt"/>
-                <a:ea typeface="+mn-ea"/>
-                <a:cs typeface="+mn-cs"/>
-              </a:rPr>
-              <a:t>Aplikacje mobilne zostały stworzone na platformę Android z wykorzystaniem SDK, a część serwerowa została stworzona jako aplikacja klasy </a:t>
-            </a:r>
-            <a:r>
-              <a:rPr lang="pl-PL" sz="1200" kern="1200" dirty="0" err="1" smtClean="0">
-                <a:solidFill>
-                  <a:schemeClr val="tx1"/>
-                </a:solidFill>
-                <a:latin typeface="+mn-lt"/>
-                <a:ea typeface="+mn-ea"/>
-                <a:cs typeface="+mn-cs"/>
-              </a:rPr>
-              <a:t>javova</a:t>
-            </a:r>
-            <a:r>
-              <a:rPr lang="pl-PL" sz="1200" kern="1200" dirty="0" smtClean="0">
-                <a:solidFill>
-                  <a:schemeClr val="tx1"/>
-                </a:solidFill>
-                <a:latin typeface="+mn-lt"/>
-                <a:ea typeface="+mn-ea"/>
-                <a:cs typeface="+mn-cs"/>
-              </a:rPr>
-              <a:t> klasy </a:t>
-            </a:r>
-            <a:r>
-              <a:rPr lang="pl-PL" sz="1200" kern="1200" dirty="0" err="1" smtClean="0">
-                <a:solidFill>
-                  <a:schemeClr val="tx1"/>
-                </a:solidFill>
-                <a:latin typeface="+mn-lt"/>
-                <a:ea typeface="+mn-ea"/>
-                <a:cs typeface="+mn-cs"/>
-              </a:rPr>
-              <a:t>Enterprise</a:t>
-            </a:r>
-            <a:r>
-              <a:rPr lang="pl-PL" sz="1200" kern="1200" dirty="0" smtClean="0">
-                <a:solidFill>
-                  <a:schemeClr val="tx1"/>
-                </a:solidFill>
-                <a:latin typeface="+mn-lt"/>
-                <a:ea typeface="+mn-ea"/>
-                <a:cs typeface="+mn-cs"/>
-              </a:rPr>
-              <a:t> i uruchomiona z użyciem serwera aplikacyjnego JBOSS.</a:t>
-            </a:r>
-          </a:p>
-          <a:p>
-            <a:r>
-              <a:rPr lang="pl-PL" sz="1200" kern="1200" dirty="0" smtClean="0">
-                <a:solidFill>
-                  <a:schemeClr val="tx1"/>
-                </a:solidFill>
-                <a:latin typeface="+mn-lt"/>
-                <a:ea typeface="+mn-ea"/>
-                <a:cs typeface="+mn-cs"/>
-              </a:rPr>
-              <a:t> </a:t>
-            </a:r>
-          </a:p>
-          <a:p>
-            <a:r>
-              <a:rPr lang="pl-PL" sz="1200" kern="1200" dirty="0" smtClean="0">
-                <a:solidFill>
-                  <a:schemeClr val="tx1"/>
-                </a:solidFill>
-                <a:latin typeface="+mn-lt"/>
-                <a:ea typeface="+mn-ea"/>
-                <a:cs typeface="+mn-cs"/>
-              </a:rPr>
-              <a:t>Do implementacji aplikacji klienckiej </a:t>
-            </a:r>
-            <a:r>
-              <a:rPr lang="pl-PL" sz="1200" kern="1200" dirty="0" err="1" smtClean="0">
-                <a:solidFill>
-                  <a:schemeClr val="tx1"/>
-                </a:solidFill>
-                <a:latin typeface="+mn-lt"/>
-                <a:ea typeface="+mn-ea"/>
-                <a:cs typeface="+mn-cs"/>
-              </a:rPr>
-              <a:t>DronVision</a:t>
-            </a:r>
-            <a:r>
-              <a:rPr lang="pl-PL" sz="1200" kern="1200" dirty="0" smtClean="0">
-                <a:solidFill>
-                  <a:schemeClr val="tx1"/>
-                </a:solidFill>
-                <a:latin typeface="+mn-lt"/>
-                <a:ea typeface="+mn-ea"/>
-                <a:cs typeface="+mn-cs"/>
-              </a:rPr>
-              <a:t> wykorzystano system OpenStreetMap oraz bibliotekę ...</a:t>
-            </a:r>
-          </a:p>
-          <a:p>
+              <a:rPr lang="pl-PL" dirty="0" smtClean="0"/>
+              <a:t>Alfa = 0.1</a:t>
+            </a:r>
             <a:endParaRPr lang="pl-PL" dirty="0"/>
           </a:p>
         </p:txBody>
@@ -3665,7 +2733,7 @@
             <a:fld id="{A221A992-22D9-4EF5-B468-BF47D09055D6}" type="slidenum">
               <a:rPr lang="pl-PL" smtClean="0"/>
               <a:pPr/>
-              <a:t>26</a:t>
+              <a:t>22</a:t>
             </a:fld>
             <a:endParaRPr lang="pl-PL"/>
           </a:p>
@@ -3726,6 +2794,182 @@
           <a:lstStyle/>
           <a:p>
             <a:r>
+              <a:rPr lang="pl-PL" dirty="0" smtClean="0"/>
+              <a:t>Alfa = 1</a:t>
+            </a:r>
+            <a:endParaRPr lang="pl-PL" dirty="0"/>
+          </a:p>
+        </p:txBody>
+      </p:sp>
+      <p:sp>
+        <p:nvSpPr>
+          <p:cNvPr id="4" name="Symbol zastępczy numeru slajdu 3"/>
+          <p:cNvSpPr>
+            <a:spLocks noGrp="1"/>
+          </p:cNvSpPr>
+          <p:nvPr>
+            <p:ph type="sldNum" sz="quarter" idx="10"/>
+          </p:nvPr>
+        </p:nvSpPr>
+        <p:spPr/>
+        <p:txBody>
+          <a:bodyPr/>
+          <a:lstStyle/>
+          <a:p>
+            <a:fld id="{A221A992-22D9-4EF5-B468-BF47D09055D6}" type="slidenum">
+              <a:rPr lang="pl-PL" smtClean="0"/>
+              <a:pPr/>
+              <a:t>23</a:t>
+            </a:fld>
+            <a:endParaRPr lang="pl-PL"/>
+          </a:p>
+        </p:txBody>
+      </p:sp>
+    </p:spTree>
+  </p:cSld>
+  <p:clrMapOvr>
+    <a:masterClrMapping/>
+  </p:clrMapOvr>
+</p:notes>
+</file>
+
+<file path=ppt/notesSlides/notesSlide24.xml><?xml version="1.0" encoding="utf-8"?>
+<p:notes xmlns:a="http://schemas.openxmlformats.org/drawingml/2006/main" xmlns:r="http://schemas.openxmlformats.org/officeDocument/2006/relationships" xmlns:p="http://schemas.openxmlformats.org/presentationml/2006/main">
+  <p:cSld>
+    <p:spTree>
+      <p:nvGrpSpPr>
+        <p:cNvPr id="1" name=""/>
+        <p:cNvGrpSpPr/>
+        <p:nvPr/>
+      </p:nvGrpSpPr>
+      <p:grpSpPr>
+        <a:xfrm>
+          <a:off x="0" y="0"/>
+          <a:ext cx="0" cy="0"/>
+          <a:chOff x="0" y="0"/>
+          <a:chExt cx="0" cy="0"/>
+        </a:xfrm>
+      </p:grpSpPr>
+      <p:sp>
+        <p:nvSpPr>
+          <p:cNvPr id="2" name="Symbol zastępczy obrazu slajdu 1"/>
+          <p:cNvSpPr>
+            <a:spLocks noGrp="1" noRot="1" noChangeAspect="1"/>
+          </p:cNvSpPr>
+          <p:nvPr>
+            <p:ph type="sldImg"/>
+          </p:nvPr>
+        </p:nvSpPr>
+        <p:spPr/>
+      </p:sp>
+      <p:sp>
+        <p:nvSpPr>
+          <p:cNvPr id="3" name="Symbol zastępczy notatek 2"/>
+          <p:cNvSpPr>
+            <a:spLocks noGrp="1"/>
+          </p:cNvSpPr>
+          <p:nvPr>
+            <p:ph type="body" idx="1"/>
+          </p:nvPr>
+        </p:nvSpPr>
+        <p:spPr/>
+        <p:txBody>
+          <a:bodyPr>
+            <a:normAutofit/>
+          </a:bodyPr>
+          <a:lstStyle/>
+          <a:p>
+            <a:r>
+              <a:rPr lang="pl-PL" dirty="0" smtClean="0"/>
+              <a:t>Alfa = 0.24</a:t>
+            </a:r>
+            <a:endParaRPr lang="pl-PL" dirty="0"/>
+          </a:p>
+        </p:txBody>
+      </p:sp>
+      <p:sp>
+        <p:nvSpPr>
+          <p:cNvPr id="4" name="Symbol zastępczy numeru slajdu 3"/>
+          <p:cNvSpPr>
+            <a:spLocks noGrp="1"/>
+          </p:cNvSpPr>
+          <p:nvPr>
+            <p:ph type="sldNum" sz="quarter" idx="10"/>
+          </p:nvPr>
+        </p:nvSpPr>
+        <p:spPr/>
+        <p:txBody>
+          <a:bodyPr/>
+          <a:lstStyle/>
+          <a:p>
+            <a:fld id="{A221A992-22D9-4EF5-B468-BF47D09055D6}" type="slidenum">
+              <a:rPr lang="pl-PL" smtClean="0"/>
+              <a:pPr/>
+              <a:t>24</a:t>
+            </a:fld>
+            <a:endParaRPr lang="pl-PL"/>
+          </a:p>
+        </p:txBody>
+      </p:sp>
+    </p:spTree>
+  </p:cSld>
+  <p:clrMapOvr>
+    <a:masterClrMapping/>
+  </p:clrMapOvr>
+</p:notes>
+</file>
+
+<file path=ppt/notesSlides/notesSlide25.xml><?xml version="1.0" encoding="utf-8"?>
+<p:notes xmlns:a="http://schemas.openxmlformats.org/drawingml/2006/main" xmlns:r="http://schemas.openxmlformats.org/officeDocument/2006/relationships" xmlns:p="http://schemas.openxmlformats.org/presentationml/2006/main">
+  <p:cSld>
+    <p:spTree>
+      <p:nvGrpSpPr>
+        <p:cNvPr id="1" name=""/>
+        <p:cNvGrpSpPr/>
+        <p:nvPr/>
+      </p:nvGrpSpPr>
+      <p:grpSpPr>
+        <a:xfrm>
+          <a:off x="0" y="0"/>
+          <a:ext cx="0" cy="0"/>
+          <a:chOff x="0" y="0"/>
+          <a:chExt cx="0" cy="0"/>
+        </a:xfrm>
+      </p:grpSpPr>
+      <p:sp>
+        <p:nvSpPr>
+          <p:cNvPr id="2" name="Symbol zastępczy obrazu slajdu 1"/>
+          <p:cNvSpPr>
+            <a:spLocks noGrp="1" noRot="1" noChangeAspect="1"/>
+          </p:cNvSpPr>
+          <p:nvPr>
+            <p:ph type="sldImg"/>
+          </p:nvPr>
+        </p:nvSpPr>
+        <p:spPr/>
+      </p:sp>
+      <p:sp>
+        <p:nvSpPr>
+          <p:cNvPr id="3" name="Symbol zastępczy notatek 2"/>
+          <p:cNvSpPr>
+            <a:spLocks noGrp="1"/>
+          </p:cNvSpPr>
+          <p:nvPr>
+            <p:ph type="body" idx="1"/>
+          </p:nvPr>
+        </p:nvSpPr>
+        <p:spPr/>
+        <p:txBody>
+          <a:bodyPr>
+            <a:normAutofit/>
+          </a:bodyPr>
+          <a:lstStyle/>
+          <a:p>
+            <a:pPr>
+              <a:buFont typeface="Arial" pitchFamily="34" charset="0"/>
+              <a:buChar char="•"/>
+            </a:pPr>
+            <a:r>
               <a:rPr lang="pl-PL" sz="1200" kern="1200" dirty="0" smtClean="0">
                 <a:solidFill>
                   <a:schemeClr val="tx1"/>
@@ -3734,10 +2978,30 @@
                 <a:ea typeface="+mn-ea"/>
                 <a:cs typeface="+mn-cs"/>
               </a:rPr>
-              <a:t>Część terenu zacieniowana na szaro reprezentuje obszar dotychczas przeszukany przez </a:t>
-            </a:r>
-            <a:r>
-              <a:rPr lang="pl-PL" sz="1200" kern="1200" dirty="0" err="1" smtClean="0">
+              <a:t> projekt i implementacja</a:t>
+            </a:r>
+          </a:p>
+          <a:p>
+            <a:pPr>
+              <a:buFont typeface="Arial" pitchFamily="34" charset="0"/>
+              <a:buChar char="•"/>
+            </a:pPr>
+            <a:endParaRPr lang="pl-PL" sz="1200" kern="1200" dirty="0" smtClean="0">
+              <a:solidFill>
+                <a:schemeClr val="tx1"/>
+              </a:solidFill>
+              <a:latin typeface="+mn-lt"/>
+              <a:ea typeface="+mn-ea"/>
+              <a:cs typeface="+mn-cs"/>
+            </a:endParaRPr>
+          </a:p>
+          <a:p>
+            <a:pPr lvl="1">
+              <a:buFont typeface="Arial" pitchFamily="34" charset="0"/>
+              <a:buChar char="•"/>
+            </a:pPr>
+            <a:r>
+              <a:rPr lang="pl-PL" sz="1200" kern="1200" baseline="0" dirty="0" smtClean="0">
                 <a:solidFill>
                   <a:schemeClr val="tx1"/>
                 </a:solidFill>
@@ -3745,10 +3009,10 @@
                 <a:ea typeface="+mn-ea"/>
                 <a:cs typeface="+mn-cs"/>
               </a:rPr>
-              <a:t>drona</a:t>
-            </a:r>
-            <a:r>
-              <a:rPr lang="pl-PL" sz="1200" kern="1200" dirty="0" smtClean="0">
+              <a:t> </a:t>
+            </a:r>
+            <a:r>
+              <a:rPr lang="pl-PL" sz="1200" kern="1200" dirty="0" err="1" smtClean="0">
                 <a:solidFill>
                   <a:schemeClr val="tx1"/>
                 </a:solidFill>
@@ -3756,10 +3020,10 @@
                 <a:ea typeface="+mn-ea"/>
                 <a:cs typeface="+mn-cs"/>
               </a:rPr>
-              <a:t> w ramach danej sesji, wielokąt niebieski to obszar ostatnio przeszukany, a czarne obszary wewnętrzne to części terenu niezarejestrowane przez kamerę ze względu na zasłonięcie ich przez inne obiekty np. krawędź przy spadku terenu. Dodatkowo system zapewnia użytkownikowi możliwość edycji preferencji wizualizacji tzn. wyboru dronów, które mają być pokazane na mapie w danej chwili, tych dla których ma być wizualizowany obszar przeszukany oraz wyboru </a:t>
-            </a:r>
-            <a:r>
-              <a:rPr lang="pl-PL" sz="1200" kern="1200" dirty="0" err="1" smtClean="0">
+              <a:t>DronTracker</a:t>
+            </a:r>
+            <a:r>
+              <a:rPr lang="pl-PL" sz="1200" kern="1200" dirty="0" smtClean="0">
                 <a:solidFill>
                   <a:schemeClr val="tx1"/>
                 </a:solidFill>
@@ -3767,8 +3031,14 @@
                 <a:ea typeface="+mn-ea"/>
                 <a:cs typeface="+mn-cs"/>
               </a:rPr>
-              <a:t>drona</a:t>
-            </a:r>
+              <a:t>,</a:t>
+            </a:r>
+          </a:p>
+          <a:p>
+            <a:pPr lvl="1">
+              <a:buFont typeface="Arial" pitchFamily="34" charset="0"/>
+              <a:buChar char="•"/>
+            </a:pPr>
             <a:r>
               <a:rPr lang="pl-PL" sz="1200" kern="1200" dirty="0" smtClean="0">
                 <a:solidFill>
@@ -3778,8 +3048,72 @@
                 <a:ea typeface="+mn-ea"/>
                 <a:cs typeface="+mn-cs"/>
               </a:rPr>
-              <a:t>, za którym ma podążać widok aplikacji oraz możliwość przeglądania historii wizualizacji i edycji ustawień konta.</a:t>
-            </a:r>
+              <a:t> </a:t>
+            </a:r>
+            <a:r>
+              <a:rPr lang="pl-PL" sz="1200" kern="1200" dirty="0" err="1" smtClean="0">
+                <a:solidFill>
+                  <a:schemeClr val="tx1"/>
+                </a:solidFill>
+                <a:latin typeface="+mn-lt"/>
+                <a:ea typeface="+mn-ea"/>
+                <a:cs typeface="+mn-cs"/>
+              </a:rPr>
+              <a:t>DronSerwer</a:t>
+            </a:r>
+            <a:r>
+              <a:rPr lang="pl-PL" sz="1200" kern="1200" dirty="0" smtClean="0">
+                <a:solidFill>
+                  <a:schemeClr val="tx1"/>
+                </a:solidFill>
+                <a:latin typeface="+mn-lt"/>
+                <a:ea typeface="+mn-ea"/>
+                <a:cs typeface="+mn-cs"/>
+              </a:rPr>
+              <a:t>,</a:t>
+            </a:r>
+          </a:p>
+          <a:p>
+            <a:pPr lvl="1">
+              <a:buFont typeface="Arial" pitchFamily="34" charset="0"/>
+              <a:buChar char="•"/>
+            </a:pPr>
+            <a:r>
+              <a:rPr lang="pl-PL" sz="1200" kern="1200" dirty="0" smtClean="0">
+                <a:solidFill>
+                  <a:schemeClr val="tx1"/>
+                </a:solidFill>
+                <a:latin typeface="+mn-lt"/>
+                <a:ea typeface="+mn-ea"/>
+                <a:cs typeface="+mn-cs"/>
+              </a:rPr>
+              <a:t> </a:t>
+            </a:r>
+            <a:r>
+              <a:rPr lang="pl-PL" sz="1200" kern="1200" dirty="0" err="1" smtClean="0">
+                <a:solidFill>
+                  <a:schemeClr val="tx1"/>
+                </a:solidFill>
+                <a:latin typeface="+mn-lt"/>
+                <a:ea typeface="+mn-ea"/>
+                <a:cs typeface="+mn-cs"/>
+              </a:rPr>
+              <a:t>DronVision</a:t>
+            </a:r>
+            <a:endParaRPr lang="pl-PL" sz="1200" kern="1200" dirty="0" smtClean="0">
+              <a:solidFill>
+                <a:schemeClr val="tx1"/>
+              </a:solidFill>
+              <a:latin typeface="+mn-lt"/>
+              <a:ea typeface="+mn-ea"/>
+              <a:cs typeface="+mn-cs"/>
+            </a:endParaRPr>
+          </a:p>
+          <a:p>
+            <a:pPr lvl="1">
+              <a:buFont typeface="Arial" pitchFamily="34" charset="0"/>
+              <a:buChar char="•"/>
+            </a:pPr>
             <a:endParaRPr lang="pl-PL" sz="1200" kern="1200" dirty="0">
               <a:solidFill>
                 <a:schemeClr val="tx1"/>
@@ -3789,6 +3123,159 @@
               <a:cs typeface="+mn-cs"/>
             </a:endParaRPr>
           </a:p>
+          <a:p>
+            <a:pPr lvl="1">
+              <a:buFont typeface="Arial" pitchFamily="34" charset="0"/>
+              <a:buChar char="•"/>
+            </a:pPr>
+            <a:r>
+              <a:rPr lang="pl-PL" sz="1200" kern="1200" dirty="0" smtClean="0">
+                <a:solidFill>
+                  <a:schemeClr val="tx1"/>
+                </a:solidFill>
+                <a:latin typeface="+mn-lt"/>
+                <a:ea typeface="+mn-ea"/>
+                <a:cs typeface="+mn-cs"/>
+              </a:rPr>
+              <a:t>Android</a:t>
+            </a:r>
+            <a:r>
+              <a:rPr lang="pl-PL" sz="1200" kern="1200" baseline="0" dirty="0" smtClean="0">
+                <a:solidFill>
+                  <a:schemeClr val="tx1"/>
+                </a:solidFill>
+                <a:latin typeface="+mn-lt"/>
+                <a:ea typeface="+mn-ea"/>
+                <a:cs typeface="+mn-cs"/>
+              </a:rPr>
+              <a:t> – SDK,</a:t>
+            </a:r>
+          </a:p>
+          <a:p>
+            <a:pPr lvl="1">
+              <a:buFont typeface="Arial" pitchFamily="34" charset="0"/>
+              <a:buChar char="•"/>
+            </a:pPr>
+            <a:endParaRPr lang="pl-PL" sz="1200" kern="1200" baseline="0" dirty="0" smtClean="0">
+              <a:solidFill>
+                <a:schemeClr val="tx1"/>
+              </a:solidFill>
+              <a:latin typeface="+mn-lt"/>
+              <a:ea typeface="+mn-ea"/>
+              <a:cs typeface="+mn-cs"/>
+            </a:endParaRPr>
+          </a:p>
+          <a:p>
+            <a:pPr lvl="1">
+              <a:buFont typeface="Arial" pitchFamily="34" charset="0"/>
+              <a:buChar char="•"/>
+            </a:pPr>
+            <a:r>
+              <a:rPr lang="pl-PL" sz="1200" kern="1200" baseline="0" dirty="0" smtClean="0">
+                <a:solidFill>
+                  <a:schemeClr val="tx1"/>
+                </a:solidFill>
+                <a:latin typeface="+mn-lt"/>
+                <a:ea typeface="+mn-ea"/>
+                <a:cs typeface="+mn-cs"/>
+              </a:rPr>
+              <a:t>JAVA – </a:t>
+            </a:r>
+            <a:r>
+              <a:rPr lang="pl-PL" sz="1200" kern="1200" baseline="0" dirty="0" err="1" smtClean="0">
+                <a:solidFill>
+                  <a:schemeClr val="tx1"/>
+                </a:solidFill>
+                <a:latin typeface="+mn-lt"/>
+                <a:ea typeface="+mn-ea"/>
+                <a:cs typeface="+mn-cs"/>
+              </a:rPr>
+              <a:t>JAVA</a:t>
+            </a:r>
+            <a:r>
+              <a:rPr lang="pl-PL" sz="1200" kern="1200" baseline="0" dirty="0" smtClean="0">
+                <a:solidFill>
+                  <a:schemeClr val="tx1"/>
+                </a:solidFill>
+                <a:latin typeface="+mn-lt"/>
+                <a:ea typeface="+mn-ea"/>
+                <a:cs typeface="+mn-cs"/>
+              </a:rPr>
+              <a:t> EE – </a:t>
+            </a:r>
+            <a:r>
+              <a:rPr lang="pl-PL" sz="1200" kern="1200" baseline="0" dirty="0" err="1" smtClean="0">
+                <a:solidFill>
+                  <a:schemeClr val="tx1"/>
+                </a:solidFill>
+                <a:latin typeface="+mn-lt"/>
+                <a:ea typeface="+mn-ea"/>
+                <a:cs typeface="+mn-cs"/>
+              </a:rPr>
+              <a:t>WildFly</a:t>
+            </a:r>
+            <a:r>
+              <a:rPr lang="pl-PL" sz="1200" kern="1200" baseline="0" dirty="0" smtClean="0">
+                <a:solidFill>
+                  <a:schemeClr val="tx1"/>
+                </a:solidFill>
+                <a:latin typeface="+mn-lt"/>
+                <a:ea typeface="+mn-ea"/>
+                <a:cs typeface="+mn-cs"/>
+              </a:rPr>
+              <a:t>,</a:t>
+            </a:r>
+          </a:p>
+          <a:p>
+            <a:pPr lvl="1">
+              <a:buFont typeface="Arial" pitchFamily="34" charset="0"/>
+              <a:buChar char="•"/>
+            </a:pPr>
+            <a:endParaRPr lang="pl-PL" sz="1200" kern="1200" baseline="0" dirty="0" smtClean="0">
+              <a:solidFill>
+                <a:schemeClr val="tx1"/>
+              </a:solidFill>
+              <a:latin typeface="+mn-lt"/>
+              <a:ea typeface="+mn-ea"/>
+              <a:cs typeface="+mn-cs"/>
+            </a:endParaRPr>
+          </a:p>
+          <a:p>
+            <a:pPr lvl="1">
+              <a:buFont typeface="Arial" pitchFamily="34" charset="0"/>
+              <a:buChar char="•"/>
+            </a:pPr>
+            <a:r>
+              <a:rPr lang="pl-PL" sz="1200" kern="1200" baseline="0" dirty="0" smtClean="0">
+                <a:solidFill>
+                  <a:schemeClr val="tx1"/>
+                </a:solidFill>
+                <a:latin typeface="+mn-lt"/>
+                <a:ea typeface="+mn-ea"/>
+                <a:cs typeface="+mn-cs"/>
+              </a:rPr>
+              <a:t>OpenStreetMap - </a:t>
+            </a:r>
+            <a:r>
+              <a:rPr lang="pl-PL" sz="1200" kern="1200" baseline="0" dirty="0" err="1" smtClean="0">
+                <a:solidFill>
+                  <a:schemeClr val="tx1"/>
+                </a:solidFill>
+                <a:latin typeface="+mn-lt"/>
+                <a:ea typeface="+mn-ea"/>
+                <a:cs typeface="+mn-cs"/>
+              </a:rPr>
+              <a:t>OsmDroid</a:t>
+            </a:r>
+            <a:endParaRPr lang="pl-PL" sz="1200" kern="1200" dirty="0" smtClean="0">
+              <a:solidFill>
+                <a:schemeClr val="tx1"/>
+              </a:solidFill>
+              <a:latin typeface="+mn-lt"/>
+              <a:ea typeface="+mn-ea"/>
+              <a:cs typeface="+mn-cs"/>
+            </a:endParaRPr>
+          </a:p>
         </p:txBody>
       </p:sp>
       <p:sp>
@@ -3809,7 +3296,122 @@
             <a:fld id="{A221A992-22D9-4EF5-B468-BF47D09055D6}" type="slidenum">
               <a:rPr lang="pl-PL" smtClean="0"/>
               <a:pPr/>
-              <a:t>27</a:t>
+              <a:t>25</a:t>
+            </a:fld>
+            <a:endParaRPr lang="pl-PL"/>
+          </a:p>
+        </p:txBody>
+      </p:sp>
+    </p:spTree>
+  </p:cSld>
+  <p:clrMapOvr>
+    <a:masterClrMapping/>
+  </p:clrMapOvr>
+</p:notes>
+</file>
+
+<file path=ppt/notesSlides/notesSlide26.xml><?xml version="1.0" encoding="utf-8"?>
+<p:notes xmlns:a="http://schemas.openxmlformats.org/drawingml/2006/main" xmlns:r="http://schemas.openxmlformats.org/officeDocument/2006/relationships" xmlns:p="http://schemas.openxmlformats.org/presentationml/2006/main">
+  <p:cSld>
+    <p:spTree>
+      <p:nvGrpSpPr>
+        <p:cNvPr id="1" name=""/>
+        <p:cNvGrpSpPr/>
+        <p:nvPr/>
+      </p:nvGrpSpPr>
+      <p:grpSpPr>
+        <a:xfrm>
+          <a:off x="0" y="0"/>
+          <a:ext cx="0" cy="0"/>
+          <a:chOff x="0" y="0"/>
+          <a:chExt cx="0" cy="0"/>
+        </a:xfrm>
+      </p:grpSpPr>
+      <p:sp>
+        <p:nvSpPr>
+          <p:cNvPr id="2" name="Symbol zastępczy obrazu slajdu 1"/>
+          <p:cNvSpPr>
+            <a:spLocks noGrp="1" noRot="1" noChangeAspect="1"/>
+          </p:cNvSpPr>
+          <p:nvPr>
+            <p:ph type="sldImg"/>
+          </p:nvPr>
+        </p:nvSpPr>
+        <p:spPr/>
+      </p:sp>
+      <p:sp>
+        <p:nvSpPr>
+          <p:cNvPr id="3" name="Symbol zastępczy notatek 2"/>
+          <p:cNvSpPr>
+            <a:spLocks noGrp="1"/>
+          </p:cNvSpPr>
+          <p:nvPr>
+            <p:ph type="body" idx="1"/>
+          </p:nvPr>
+        </p:nvSpPr>
+        <p:spPr/>
+        <p:txBody>
+          <a:bodyPr>
+            <a:normAutofit/>
+          </a:bodyPr>
+          <a:lstStyle/>
+          <a:p>
+            <a:pPr>
+              <a:buFont typeface="Arial" pitchFamily="34" charset="0"/>
+              <a:buChar char="•"/>
+            </a:pPr>
+            <a:r>
+              <a:rPr lang="pl-PL" sz="1200" kern="1200" baseline="0" dirty="0" smtClean="0">
+                <a:solidFill>
+                  <a:schemeClr val="tx1"/>
+                </a:solidFill>
+                <a:latin typeface="+mn-lt"/>
+                <a:ea typeface="+mn-ea"/>
+                <a:cs typeface="+mn-cs"/>
+              </a:rPr>
+              <a:t> działanie aplikacji </a:t>
+            </a:r>
+            <a:r>
+              <a:rPr lang="pl-PL" sz="1200" kern="1200" baseline="0" dirty="0" err="1" smtClean="0">
+                <a:solidFill>
+                  <a:schemeClr val="tx1"/>
+                </a:solidFill>
+                <a:latin typeface="+mn-lt"/>
+                <a:ea typeface="+mn-ea"/>
+                <a:cs typeface="+mn-cs"/>
+              </a:rPr>
+              <a:t>DronVision</a:t>
+            </a:r>
+            <a:endParaRPr lang="pl-PL" sz="1200" kern="1200" dirty="0">
+              <a:solidFill>
+                <a:schemeClr val="tx1"/>
+              </a:solidFill>
+              <a:latin typeface="+mn-lt"/>
+              <a:ea typeface="+mn-ea"/>
+              <a:cs typeface="+mn-cs"/>
+            </a:endParaRPr>
+          </a:p>
+        </p:txBody>
+      </p:sp>
+      <p:sp>
+        <p:nvSpPr>
+          <p:cNvPr id="4" name="Symbol zastępczy numeru slajdu 3"/>
+          <p:cNvSpPr>
+            <a:spLocks noGrp="1"/>
+          </p:cNvSpPr>
+          <p:nvPr>
+            <p:ph type="sldNum" sz="quarter" idx="10"/>
+          </p:nvPr>
+        </p:nvSpPr>
+        <p:spPr/>
+        <p:txBody>
+          <a:bodyPr/>
+          <a:lstStyle/>
+          <a:p>
+            <a:fld id="{A221A992-22D9-4EF5-B468-BF47D09055D6}" type="slidenum">
+              <a:rPr lang="pl-PL" smtClean="0"/>
+              <a:pPr/>
+              <a:t>26</a:t>
             </a:fld>
             <a:endParaRPr lang="pl-PL"/>
           </a:p>
@@ -3869,8 +3471,70 @@
           </a:bodyPr>
           <a:lstStyle/>
           <a:p>
-            <a:r>
-              <a:rPr lang="pl-PL" sz="1200" kern="1200" dirty="0" smtClean="0">
+            <a:pPr>
+              <a:buFont typeface="Arial" pitchFamily="34" charset="0"/>
+              <a:buChar char="•"/>
+            </a:pPr>
+            <a:r>
+              <a:rPr lang="pl-PL" dirty="0" smtClean="0"/>
+              <a:t> </a:t>
+            </a:r>
+            <a:r>
+              <a:rPr lang="pl-PL" dirty="0" err="1" smtClean="0"/>
+              <a:t>Geolokalizator</a:t>
+            </a:r>
+            <a:endParaRPr lang="pl-PL" dirty="0" smtClean="0"/>
+          </a:p>
+          <a:p>
+            <a:pPr>
+              <a:buFont typeface="Arial" pitchFamily="34" charset="0"/>
+              <a:buChar char="•"/>
+            </a:pPr>
+            <a:r>
+              <a:rPr lang="pl-PL" baseline="0" dirty="0" smtClean="0"/>
+              <a:t> </a:t>
+            </a:r>
+            <a:r>
+              <a:rPr lang="pl-PL" baseline="0" dirty="0" err="1" smtClean="0"/>
+              <a:t>Geolokalizacja</a:t>
+            </a:r>
+            <a:r>
+              <a:rPr lang="pl-PL" baseline="0" dirty="0" smtClean="0"/>
+              <a:t> może się odbywać w stosunku do różnych </a:t>
+            </a:r>
+            <a:r>
+              <a:rPr lang="pl-PL" baseline="0" dirty="0" err="1" smtClean="0"/>
+              <a:t>ukladów</a:t>
+            </a:r>
+            <a:r>
+              <a:rPr lang="pl-PL" baseline="0" dirty="0" smtClean="0"/>
+              <a:t> odniesienia</a:t>
+            </a:r>
+          </a:p>
+          <a:p>
+            <a:pPr marL="0" marR="0" indent="0" algn="l" defTabSz="914400" rtl="0" eaLnBrk="1" fontAlgn="auto" latinLnBrk="0" hangingPunct="1">
+              <a:lnSpc>
+                <a:spcPct val="100000"/>
+              </a:lnSpc>
+              <a:spcBef>
+                <a:spcPts val="0"/>
+              </a:spcBef>
+              <a:spcAft>
+                <a:spcPts val="0"/>
+              </a:spcAft>
+              <a:buClrTx/>
+              <a:buSzTx/>
+              <a:buFont typeface="Arial" pitchFamily="34" charset="0"/>
+              <a:buChar char="•"/>
+              <a:tabLst/>
+              <a:defRPr/>
+            </a:pPr>
+            <a:r>
+              <a:rPr lang="pl-PL" baseline="0" dirty="0" smtClean="0"/>
+              <a:t> </a:t>
+            </a:r>
+            <a:r>
+              <a:rPr lang="pl-PL" sz="1200" b="1" kern="1200" dirty="0" smtClean="0">
                 <a:solidFill>
                   <a:schemeClr val="tx1"/>
                 </a:solidFill>
@@ -3878,8 +3542,135 @@
                 <a:ea typeface="+mn-ea"/>
                 <a:cs typeface="+mn-cs"/>
               </a:rPr>
-              <a:t>Na prezentacji mogą Państwo zobaczyć koncepcyjną strukturę systemu.</a:t>
-            </a:r>
+              <a:t>Geoida</a:t>
+            </a:r>
+            <a:r>
+              <a:rPr lang="pl-PL" sz="1200" kern="1200" dirty="0" smtClean="0">
+                <a:solidFill>
+                  <a:schemeClr val="tx1"/>
+                </a:solidFill>
+                <a:latin typeface="+mn-lt"/>
+                <a:ea typeface="+mn-ea"/>
+                <a:cs typeface="+mn-cs"/>
+              </a:rPr>
+              <a:t> to teoretyczna powierzchnia ekwipotencjalna, pokrywająca się w przybliżeniu z powierzchnią oceanów przy pełnej równowadze znajdujących się w nich mas wody.</a:t>
+            </a:r>
+          </a:p>
+          <a:p>
+            <a:pPr marL="0" marR="0" indent="0" algn="l" defTabSz="914400" rtl="0" eaLnBrk="1" fontAlgn="auto" latinLnBrk="0" hangingPunct="1">
+              <a:lnSpc>
+                <a:spcPct val="100000"/>
+              </a:lnSpc>
+              <a:spcBef>
+                <a:spcPts val="0"/>
+              </a:spcBef>
+              <a:spcAft>
+                <a:spcPts val="0"/>
+              </a:spcAft>
+              <a:buClrTx/>
+              <a:buSzTx/>
+              <a:buFont typeface="Arial" pitchFamily="34" charset="0"/>
+              <a:buChar char="•"/>
+              <a:tabLst/>
+              <a:defRPr/>
+            </a:pPr>
+            <a:r>
+              <a:rPr lang="pl-PL" sz="1200" kern="1200" dirty="0" smtClean="0">
+                <a:solidFill>
+                  <a:schemeClr val="tx1"/>
+                </a:solidFill>
+                <a:latin typeface="+mn-lt"/>
+                <a:ea typeface="+mn-ea"/>
+                <a:cs typeface="+mn-cs"/>
+              </a:rPr>
+              <a:t> </a:t>
+            </a:r>
+            <a:r>
+              <a:rPr lang="pl-PL" sz="1200" b="1" kern="1200" dirty="0" smtClean="0">
+                <a:solidFill>
+                  <a:schemeClr val="tx1"/>
+                </a:solidFill>
+                <a:latin typeface="+mn-lt"/>
+                <a:ea typeface="+mn-ea"/>
+                <a:cs typeface="+mn-cs"/>
+              </a:rPr>
+              <a:t>Elipsoida</a:t>
+            </a:r>
+            <a:r>
+              <a:rPr lang="pl-PL" sz="1200" kern="1200" dirty="0" smtClean="0">
+                <a:solidFill>
+                  <a:schemeClr val="tx1"/>
+                </a:solidFill>
+                <a:latin typeface="+mn-lt"/>
+                <a:ea typeface="+mn-ea"/>
+                <a:cs typeface="+mn-cs"/>
+              </a:rPr>
+              <a:t> ziemska jest zaś spłaszczoną elipsoidą obrotową, której powierzchnia jest najbardziej zbliżona do powierzchni geoidy na całej Ziemi.</a:t>
+            </a:r>
+          </a:p>
+          <a:p>
+            <a:pPr marL="0" marR="0" indent="0" algn="l" defTabSz="914400" rtl="0" eaLnBrk="1" fontAlgn="auto" latinLnBrk="0" hangingPunct="1">
+              <a:lnSpc>
+                <a:spcPct val="100000"/>
+              </a:lnSpc>
+              <a:spcBef>
+                <a:spcPts val="0"/>
+              </a:spcBef>
+              <a:spcAft>
+                <a:spcPts val="0"/>
+              </a:spcAft>
+              <a:buClrTx/>
+              <a:buSzTx/>
+              <a:buFont typeface="Arial" pitchFamily="34" charset="0"/>
+              <a:buChar char="•"/>
+              <a:tabLst/>
+              <a:defRPr/>
+            </a:pPr>
+            <a:endParaRPr lang="pl-PL" sz="1200" kern="1200" dirty="0" smtClean="0">
+              <a:solidFill>
+                <a:schemeClr val="tx1"/>
+              </a:solidFill>
+              <a:latin typeface="+mn-lt"/>
+              <a:ea typeface="+mn-ea"/>
+              <a:cs typeface="+mn-cs"/>
+            </a:endParaRPr>
+          </a:p>
+          <a:p>
+            <a:pPr marL="0" marR="0" indent="0" algn="l" defTabSz="914400" rtl="0" eaLnBrk="1" fontAlgn="auto" latinLnBrk="0" hangingPunct="1">
+              <a:lnSpc>
+                <a:spcPct val="100000"/>
+              </a:lnSpc>
+              <a:spcBef>
+                <a:spcPts val="0"/>
+              </a:spcBef>
+              <a:spcAft>
+                <a:spcPts val="0"/>
+              </a:spcAft>
+              <a:buClrTx/>
+              <a:buSzTx/>
+              <a:buFont typeface="Arial" pitchFamily="34" charset="0"/>
+              <a:buChar char="•"/>
+              <a:tabLst/>
+              <a:defRPr/>
+            </a:pPr>
+            <a:r>
+              <a:rPr lang="pl-PL" sz="1200" kern="1200" dirty="0" smtClean="0">
+                <a:solidFill>
+                  <a:schemeClr val="tx1"/>
+                </a:solidFill>
+                <a:latin typeface="+mn-lt"/>
+                <a:ea typeface="+mn-ea"/>
+                <a:cs typeface="+mn-cs"/>
+              </a:rPr>
+              <a:t> Wspomnienie o modelach,</a:t>
+            </a:r>
+          </a:p>
+          <a:p>
+            <a:pPr>
+              <a:buFont typeface="Arial" pitchFamily="34" charset="0"/>
+              <a:buChar char="•"/>
+            </a:pPr>
+            <a:endParaRPr lang="pl-PL" dirty="0"/>
           </a:p>
         </p:txBody>
       </p:sp>
@@ -3961,6 +3752,27 @@
           </a:bodyPr>
           <a:lstStyle/>
           <a:p>
+            <a:pPr>
+              <a:buFont typeface="Arial" pitchFamily="34" charset="0"/>
+              <a:buChar char="•"/>
+            </a:pPr>
+            <a:r>
+              <a:rPr lang="pl-PL" baseline="0" dirty="0" smtClean="0"/>
+              <a:t> Określanie położenia w stosunku do elipsoidy.</a:t>
+            </a:r>
+          </a:p>
+          <a:p>
+            <a:pPr>
+              <a:buFont typeface="Arial" pitchFamily="34" charset="0"/>
+              <a:buNone/>
+            </a:pPr>
+            <a:endParaRPr lang="pl-PL" baseline="0" dirty="0" smtClean="0"/>
+          </a:p>
+          <a:p>
+            <a:pPr>
+              <a:buFont typeface="Arial" pitchFamily="34" charset="0"/>
+              <a:buChar char="•"/>
+            </a:pPr>
             <a:r>
               <a:rPr lang="pl-PL" sz="1200" kern="1200" dirty="0" smtClean="0">
                 <a:solidFill>
@@ -3970,144 +3782,8 @@
                 <a:ea typeface="+mn-ea"/>
                 <a:cs typeface="+mn-cs"/>
               </a:rPr>
-              <a:t>Pierwszym analizowanym elementem systemu był </a:t>
-            </a:r>
-            <a:r>
-              <a:rPr lang="pl-PL" sz="1200" kern="1200" dirty="0" err="1" smtClean="0">
-                <a:solidFill>
-                  <a:schemeClr val="tx1"/>
-                </a:solidFill>
-                <a:latin typeface="+mn-lt"/>
-                <a:ea typeface="+mn-ea"/>
-                <a:cs typeface="+mn-cs"/>
-              </a:rPr>
-              <a:t>geolokalizator</a:t>
-            </a:r>
-            <a:r>
-              <a:rPr lang="pl-PL" sz="1200" kern="1200" dirty="0" smtClean="0">
-                <a:solidFill>
-                  <a:schemeClr val="tx1"/>
-                </a:solidFill>
-                <a:latin typeface="+mn-lt"/>
-                <a:ea typeface="+mn-ea"/>
-                <a:cs typeface="+mn-cs"/>
-              </a:rPr>
-              <a:t> mający za zadanie zbieranie danych geolokalizacyjnych pojazdów. I tu okazało się iż określanie położeń może się odbywać w stosunku do dwóch geodezyjnych powierzchni odniesienia: geoidy i elipsoidy.</a:t>
-            </a:r>
-          </a:p>
-          <a:p>
-            <a:r>
-              <a:rPr lang="pl-PL" sz="1200" kern="1200" dirty="0" smtClean="0">
-                <a:solidFill>
-                  <a:schemeClr val="tx1"/>
-                </a:solidFill>
-                <a:latin typeface="+mn-lt"/>
-                <a:ea typeface="+mn-ea"/>
-                <a:cs typeface="+mn-cs"/>
-              </a:rPr>
-              <a:t>W skrócie:</a:t>
-            </a:r>
-          </a:p>
-          <a:p>
-            <a:r>
-              <a:rPr lang="pl-PL" sz="1200" kern="1200" dirty="0" smtClean="0">
-                <a:solidFill>
-                  <a:schemeClr val="tx1"/>
-                </a:solidFill>
-                <a:latin typeface="+mn-lt"/>
-                <a:ea typeface="+mn-ea"/>
-                <a:cs typeface="+mn-cs"/>
-              </a:rPr>
-              <a:t>Geoida to teoretyczna powierzchnia ekwipotencjalna, pokrywająca się w przybliżeniu z powierzchnią oceanów przy pełnej równowadze znajdujących się w nich mas wody.</a:t>
-            </a:r>
-          </a:p>
-          <a:p>
-            <a:r>
-              <a:rPr lang="pl-PL" sz="1200" kern="1200" dirty="0" smtClean="0">
-                <a:solidFill>
-                  <a:schemeClr val="tx1"/>
-                </a:solidFill>
-                <a:latin typeface="+mn-lt"/>
-                <a:ea typeface="+mn-ea"/>
-                <a:cs typeface="+mn-cs"/>
-              </a:rPr>
-              <a:t>Elipsoida ziemska jest zaś spłaszczoną elipsoidą obrotową, której powierzchnia jest najbardziej zbliżona do powierzchni geoidy na całej Ziemi.</a:t>
-            </a:r>
-          </a:p>
-          <a:p>
-            <a:r>
-              <a:rPr lang="pl-PL" sz="1200" kern="1200" dirty="0" smtClean="0">
-                <a:solidFill>
-                  <a:schemeClr val="tx1"/>
-                </a:solidFill>
-                <a:latin typeface="+mn-lt"/>
-                <a:ea typeface="+mn-ea"/>
-                <a:cs typeface="+mn-cs"/>
-              </a:rPr>
-              <a:t>Elipsoida jest zatem przybliżeniem geoidy, łatwiejszym do wykorzystywania w obliczeniach.</a:t>
-            </a:r>
-          </a:p>
-          <a:p>
-            <a:r>
-              <a:rPr lang="pl-PL" sz="1200" kern="1200" dirty="0" smtClean="0">
-                <a:solidFill>
-                  <a:schemeClr val="tx1"/>
-                </a:solidFill>
-                <a:latin typeface="+mn-lt"/>
-                <a:ea typeface="+mn-ea"/>
-                <a:cs typeface="+mn-cs"/>
-              </a:rPr>
-              <a:t>Istnieje wiele modeli geoidy i elipsoidy Ziemskiej jednak w pracy omówiono dwie najpopularniejsze czyli geoidę EGM96 oraz elipsoidę WGS84.</a:t>
-            </a:r>
-          </a:p>
-          <a:p>
-            <a:endParaRPr lang="pl-PL" sz="1200" kern="1200" dirty="0" smtClean="0">
-              <a:solidFill>
-                <a:schemeClr val="tx1"/>
-              </a:solidFill>
-              <a:latin typeface="+mn-lt"/>
-              <a:ea typeface="+mn-ea"/>
-              <a:cs typeface="+mn-cs"/>
-            </a:endParaRPr>
-          </a:p>
-          <a:p>
-            <a:pPr marL="0" marR="0" indent="0" algn="l" defTabSz="914400" rtl="0" eaLnBrk="1" fontAlgn="auto" latinLnBrk="0" hangingPunct="1">
-              <a:lnSpc>
-                <a:spcPct val="100000"/>
-              </a:lnSpc>
-              <a:spcBef>
-                <a:spcPts val="0"/>
-              </a:spcBef>
-              <a:spcAft>
-                <a:spcPts val="0"/>
-              </a:spcAft>
-              <a:buClrTx/>
-              <a:buSzTx/>
-              <a:buFontTx/>
-              <a:buNone/>
-              <a:tabLst/>
-              <a:defRPr/>
-            </a:pPr>
-            <a:endParaRPr lang="pl-PL" sz="1200" kern="1200" dirty="0" smtClean="0">
-              <a:solidFill>
-                <a:schemeClr val="tx1"/>
-              </a:solidFill>
-              <a:latin typeface="+mn-lt"/>
-              <a:ea typeface="+mn-ea"/>
-              <a:cs typeface="+mn-cs"/>
-            </a:endParaRPr>
-          </a:p>
-          <a:p>
-            <a:endParaRPr lang="pl-PL" sz="1200" kern="1200" dirty="0" smtClean="0">
-              <a:solidFill>
-                <a:schemeClr val="tx1"/>
-              </a:solidFill>
-              <a:latin typeface="+mn-lt"/>
-              <a:ea typeface="+mn-ea"/>
-              <a:cs typeface="+mn-cs"/>
-            </a:endParaRPr>
-          </a:p>
-          <a:p>
+              <a:t> długość i szerokość geograficzną określone w stosunku do elipsoidy oraz wysokość elipsoidalną.</a:t>
+            </a:r>
             <a:endParaRPr lang="pl-PL" dirty="0"/>
           </a:p>
         </p:txBody>
@@ -4186,21 +3862,88 @@
         <p:spPr/>
         <p:txBody>
           <a:bodyPr>
-            <a:normAutofit/>
+            <a:normAutofit fontScale="92500"/>
           </a:bodyPr>
           <a:lstStyle/>
           <a:p>
-            <a:r>
-              <a:rPr lang="pl-PL" sz="1200" kern="1200" dirty="0" smtClean="0">
-                <a:solidFill>
-                  <a:schemeClr val="tx1"/>
-                </a:solidFill>
-                <a:latin typeface="+mn-lt"/>
-                <a:ea typeface="+mn-ea"/>
-                <a:cs typeface="+mn-cs"/>
-              </a:rPr>
-              <a:t>Znany nam wszystkim dobrze system nawigacji satelitarnej określa położenie obiektów w stosunku do elipsoidy ziemskiej. To znaczy pomiar z jego wykorzystaniem daje nam długość i szerokość geograficzną określone w stosunku do elipsoidy oraz wysokość elipsoidalną.</a:t>
-            </a:r>
+            <a:pPr>
+              <a:buFont typeface="Arial" pitchFamily="34" charset="0"/>
+              <a:buChar char="•"/>
+            </a:pPr>
+            <a:r>
+              <a:rPr lang="pl-PL" dirty="0" smtClean="0"/>
+              <a:t> Potrzeba</a:t>
+            </a:r>
+            <a:r>
+              <a:rPr lang="pl-PL" baseline="0" dirty="0" smtClean="0"/>
+              <a:t> modelu</a:t>
+            </a:r>
+          </a:p>
+          <a:p>
+            <a:pPr>
+              <a:buFont typeface="Arial" pitchFamily="34" charset="0"/>
+              <a:buChar char="•"/>
+            </a:pPr>
+            <a:r>
+              <a:rPr lang="pl-PL" baseline="0" dirty="0" smtClean="0"/>
+              <a:t> Z pomocą numeryczne modele terenu,</a:t>
+            </a:r>
+          </a:p>
+          <a:p>
+            <a:pPr>
+              <a:buFont typeface="Arial" pitchFamily="34" charset="0"/>
+              <a:buChar char="•"/>
+            </a:pPr>
+            <a:r>
+              <a:rPr lang="pl-PL" baseline="0" dirty="0" smtClean="0"/>
+              <a:t> Misja SRTM</a:t>
+            </a:r>
+          </a:p>
+          <a:p>
+            <a:pPr>
+              <a:buFont typeface="Arial" pitchFamily="34" charset="0"/>
+              <a:buChar char="•"/>
+            </a:pPr>
+            <a:r>
+              <a:rPr lang="pl-PL" baseline="0" dirty="0" smtClean="0"/>
+              <a:t> Cel misji</a:t>
+            </a:r>
+          </a:p>
+          <a:p>
+            <a:pPr>
+              <a:buFont typeface="Arial" pitchFamily="34" charset="0"/>
+              <a:buChar char="•"/>
+            </a:pPr>
+            <a:r>
+              <a:rPr lang="pl-PL" baseline="0" dirty="0" smtClean="0"/>
+              <a:t> Efekty misji, pliki, współpraca z NASA,</a:t>
+            </a:r>
+          </a:p>
+          <a:p>
+            <a:pPr>
+              <a:buFont typeface="Arial" pitchFamily="34" charset="0"/>
+              <a:buChar char="•"/>
+            </a:pPr>
+            <a:r>
+              <a:rPr lang="pl-PL" baseline="0" dirty="0" smtClean="0"/>
+              <a:t> Współrzędne poziome – elipsoida,</a:t>
+            </a:r>
+          </a:p>
+          <a:p>
+            <a:pPr>
+              <a:buFont typeface="Arial" pitchFamily="34" charset="0"/>
+              <a:buChar char="•"/>
+            </a:pPr>
+            <a:r>
+              <a:rPr lang="pl-PL" baseline="0" dirty="0" smtClean="0"/>
+              <a:t> Wysokość w stosunku do geoidy EGM96,</a:t>
+            </a:r>
+          </a:p>
+          <a:p>
+            <a:pPr>
+              <a:buFont typeface="Arial" pitchFamily="34" charset="0"/>
+              <a:buChar char="•"/>
+            </a:pPr>
             <a:endParaRPr lang="pl-PL" dirty="0"/>
           </a:p>
         </p:txBody>
@@ -4279,156 +4022,48 @@
         <p:spPr/>
         <p:txBody>
           <a:bodyPr>
-            <a:normAutofit fontScale="92500"/>
+            <a:normAutofit/>
           </a:bodyPr>
           <a:lstStyle/>
           <a:p>
-            <a:r>
-              <a:rPr lang="pl-PL" sz="1200" kern="1200" dirty="0" smtClean="0">
-                <a:solidFill>
-                  <a:schemeClr val="tx1"/>
-                </a:solidFill>
-                <a:latin typeface="+mn-lt"/>
-                <a:ea typeface="+mn-ea"/>
-                <a:cs typeface="+mn-cs"/>
-              </a:rPr>
-              <a:t>Jednak poza aktualnym położeniem dronów do analizy tego co kamera na nich zamontowana zarejestrowała, a czego nie potrzebny był jakiś model powierzchni ziemskiej.</a:t>
-            </a:r>
-          </a:p>
-          <a:p>
-            <a:r>
-              <a:rPr lang="pl-PL" sz="1200" kern="1200" dirty="0" smtClean="0">
-                <a:solidFill>
-                  <a:schemeClr val="tx1"/>
-                </a:solidFill>
-                <a:latin typeface="+mn-lt"/>
-                <a:ea typeface="+mn-ea"/>
-                <a:cs typeface="+mn-cs"/>
-              </a:rPr>
-              <a:t>Tu z pomocą przyszło mi pojęcie numerycznych modeli terenu oraz misja o dumnie brzmiącej nazwie Shuttle Radar Topography Mission (w skrócie SRTM), przeprowadzona przez Narodową Agencję Aeronautyki i </a:t>
-            </a:r>
-            <a:br>
-              <a:rPr lang="pl-PL" sz="1200" kern="1200" dirty="0" smtClean="0">
-                <a:solidFill>
-                  <a:schemeClr val="tx1"/>
-                </a:solidFill>
-                <a:latin typeface="+mn-lt"/>
-                <a:ea typeface="+mn-ea"/>
-                <a:cs typeface="+mn-cs"/>
-              </a:rPr>
-            </a:br>
-            <a:r>
-              <a:rPr lang="pl-PL" sz="1200" kern="1200" dirty="0" smtClean="0">
-                <a:solidFill>
-                  <a:schemeClr val="tx1"/>
-                </a:solidFill>
-                <a:latin typeface="+mn-lt"/>
-                <a:ea typeface="+mn-ea"/>
-                <a:cs typeface="+mn-cs"/>
-              </a:rPr>
-              <a:t>Przestrzeni Kosmicznej Stanów Zjednoczonych NASA, Niemiecką Agencję Kosmiczną DRL oraz Włoską Agencję Kosmiczną ASI w 2000 roku. Misja ta miała na celu zebranie najbardziej kompleksowego i dokładnego numerycznego modelu Ziemi.</a:t>
-            </a:r>
-          </a:p>
-          <a:p>
-            <a:r>
-              <a:rPr lang="pl-PL" sz="1200" kern="1200" dirty="0" smtClean="0">
-                <a:solidFill>
-                  <a:schemeClr val="tx1"/>
-                </a:solidFill>
-                <a:latin typeface="+mn-lt"/>
-                <a:ea typeface="+mn-ea"/>
-                <a:cs typeface="+mn-cs"/>
-              </a:rPr>
-              <a:t>Numeryczne modele SRTM, będące efektem misji są bezpłatnie dostępne w Internecie w formie plików </a:t>
-            </a:r>
-            <a:br>
-              <a:rPr lang="pl-PL" sz="1200" kern="1200" dirty="0" smtClean="0">
-                <a:solidFill>
-                  <a:schemeClr val="tx1"/>
-                </a:solidFill>
-                <a:latin typeface="+mn-lt"/>
-                <a:ea typeface="+mn-ea"/>
-                <a:cs typeface="+mn-cs"/>
-              </a:rPr>
-            </a:br>
-            <a:r>
-              <a:rPr lang="pl-PL" sz="1200" kern="1200" dirty="0" smtClean="0">
-                <a:solidFill>
-                  <a:schemeClr val="tx1"/>
-                </a:solidFill>
-                <a:latin typeface="+mn-lt"/>
-                <a:ea typeface="+mn-ea"/>
-                <a:cs typeface="+mn-cs"/>
-              </a:rPr>
-              <a:t>reprezentujących rastrowy numeryczny model terenu o zadanej rozdzielczości na poziomie 1'', 3'' lub 30'' w zależności od wersji danych i zostały przeze mnie wykorzystane w implementacji algorytmu. </a:t>
-            </a:r>
-          </a:p>
-          <a:p>
-            <a:r>
-              <a:rPr lang="pl-PL" sz="1200" kern="1200" dirty="0" smtClean="0">
-                <a:solidFill>
-                  <a:schemeClr val="tx1"/>
-                </a:solidFill>
-                <a:latin typeface="+mn-lt"/>
-                <a:ea typeface="+mn-ea"/>
-                <a:cs typeface="+mn-cs"/>
-              </a:rPr>
-              <a:t> </a:t>
-            </a:r>
-          </a:p>
-          <a:p>
-            <a:r>
-              <a:rPr lang="pl-PL" sz="1200" kern="1200" dirty="0" smtClean="0">
-                <a:solidFill>
-                  <a:schemeClr val="tx1"/>
-                </a:solidFill>
-                <a:latin typeface="+mn-lt"/>
-                <a:ea typeface="+mn-ea"/>
-                <a:cs typeface="+mn-cs"/>
-              </a:rPr>
-              <a:t>Zatem mogę skromnie mówić, iż współpracowałem z NASA. Jednak kontynuując...</a:t>
-            </a:r>
-          </a:p>
-          <a:p>
-            <a:r>
-              <a:rPr lang="pl-PL" sz="1200" kern="1200" dirty="0" smtClean="0">
-                <a:solidFill>
-                  <a:schemeClr val="tx1"/>
-                </a:solidFill>
-                <a:latin typeface="+mn-lt"/>
-                <a:ea typeface="+mn-ea"/>
-                <a:cs typeface="+mn-cs"/>
-              </a:rPr>
-              <a:t> </a:t>
-            </a:r>
-          </a:p>
-          <a:p>
-            <a:r>
-              <a:rPr lang="pl-PL" sz="1200" kern="1200" dirty="0" smtClean="0">
-                <a:solidFill>
-                  <a:schemeClr val="tx1"/>
-                </a:solidFill>
-                <a:latin typeface="+mn-lt"/>
-                <a:ea typeface="+mn-ea"/>
-                <a:cs typeface="+mn-cs"/>
-              </a:rPr>
-              <a:t>Współrzędne poziomie, czyli długość i szerokość w modelu SRTM są również podane w odniesieniu do elipsoidy WGS84, jednak wysokości są już podane w stosunku do geoidy EGM96. </a:t>
-            </a:r>
-          </a:p>
-          <a:p>
-            <a:r>
-              <a:rPr lang="pl-PL" sz="1200" kern="1200" dirty="0" smtClean="0">
-                <a:solidFill>
-                  <a:schemeClr val="tx1"/>
-                </a:solidFill>
-                <a:latin typeface="+mn-lt"/>
-                <a:ea typeface="+mn-ea"/>
-                <a:cs typeface="+mn-cs"/>
-              </a:rPr>
-              <a:t> </a:t>
-            </a:r>
-          </a:p>
-          <a:p>
+            <a:pPr>
+              <a:buFont typeface="Arial" pitchFamily="34" charset="0"/>
+              <a:buChar char="•"/>
+            </a:pPr>
+            <a:r>
+              <a:rPr lang="pl-PL" baseline="0" dirty="0" smtClean="0"/>
+              <a:t> Analiza</a:t>
+            </a:r>
+          </a:p>
+          <a:p>
+            <a:pPr>
+              <a:buFont typeface="Arial" pitchFamily="34" charset="0"/>
+              <a:buChar char="•"/>
+            </a:pPr>
+            <a:r>
+              <a:rPr lang="pl-PL" baseline="0" dirty="0" smtClean="0"/>
+              <a:t> Zaproponowanie rozwiązania:</a:t>
+            </a:r>
+          </a:p>
+          <a:p>
+            <a:pPr lvl="1">
+              <a:buFont typeface="Courier New" pitchFamily="49" charset="0"/>
+              <a:buChar char="o"/>
+            </a:pPr>
+            <a:r>
+              <a:rPr lang="pl-PL" baseline="0" dirty="0" smtClean="0"/>
+              <a:t> średnia wartość,</a:t>
+            </a:r>
+          </a:p>
+          <a:p>
+            <a:pPr lvl="1">
+              <a:buFont typeface="Courier New" pitchFamily="49" charset="0"/>
+              <a:buChar char="o"/>
+            </a:pPr>
+            <a:r>
+              <a:rPr lang="pl-PL" baseline="0" dirty="0" smtClean="0"/>
+              <a:t> tablica undulacji</a:t>
+            </a:r>
             <a:endParaRPr lang="pl-PL" dirty="0"/>
           </a:p>
         </p:txBody>
@@ -4511,36 +4146,69 @@
           </a:bodyPr>
           <a:lstStyle/>
           <a:p>
-            <a:pPr marL="0" marR="0" indent="0" algn="l" defTabSz="914400" rtl="0" eaLnBrk="1" fontAlgn="auto" latinLnBrk="0" hangingPunct="1">
-              <a:lnSpc>
-                <a:spcPct val="100000"/>
-              </a:lnSpc>
-              <a:spcBef>
-                <a:spcPts val="0"/>
-              </a:spcBef>
-              <a:spcAft>
-                <a:spcPts val="0"/>
-              </a:spcAft>
-              <a:buClrTx/>
-              <a:buSzTx/>
-              <a:buFontTx/>
-              <a:buNone/>
-              <a:tabLst/>
-              <a:defRPr/>
+            <a:pPr>
+              <a:buFont typeface="Arial" pitchFamily="34" charset="0"/>
+              <a:buChar char="•"/>
             </a:pPr>
             <a:r>
-              <a:rPr lang="pl-PL" sz="1200" kern="1200" dirty="0" smtClean="0">
-                <a:solidFill>
-                  <a:schemeClr val="tx1"/>
-                </a:solidFill>
-                <a:latin typeface="+mn-lt"/>
-                <a:ea typeface="+mn-ea"/>
-                <a:cs typeface="+mn-cs"/>
-              </a:rPr>
-              <a:t>W pracy dokonano analizy tego problemu i zaproponowano rozwiązanie w postaci wyznaczenia średniej wartości undulacji, czyli różnicy między geoidą i elipsoidą, na terenie na którym projektowany system miał działać, lub jeszcze lepiej dokonania dokładnych pomiarów i stworzenia całej tablicy wartości undulacji dla różnych położeń.</a:t>
-            </a:r>
-          </a:p>
-          <a:p>
+              <a:rPr lang="pl-PL" baseline="0" dirty="0" smtClean="0"/>
+              <a:t> Dane wejściowe: położenie </a:t>
+            </a:r>
+            <a:r>
+              <a:rPr lang="pl-PL" baseline="0" dirty="0" err="1" smtClean="0"/>
+              <a:t>drona</a:t>
+            </a:r>
+            <a:r>
+              <a:rPr lang="pl-PL" baseline="0" dirty="0" smtClean="0"/>
+              <a:t>, dane modelujące SRTM, kąt widzenia kamery,</a:t>
+            </a:r>
+          </a:p>
+          <a:p>
+            <a:pPr>
+              <a:buFont typeface="Arial" pitchFamily="34" charset="0"/>
+              <a:buChar char="•"/>
+            </a:pPr>
+            <a:r>
+              <a:rPr lang="pl-PL" baseline="0" dirty="0" smtClean="0"/>
+              <a:t> Przy czym w pracy przyjęto: kamera pionowo w dół, obraz o powierzchni kołowej</a:t>
+            </a:r>
+          </a:p>
+          <a:p>
+            <a:pPr>
+              <a:buFont typeface="Arial" pitchFamily="34" charset="0"/>
+              <a:buChar char="•"/>
+            </a:pPr>
+            <a:r>
+              <a:rPr lang="pl-PL" baseline="0" dirty="0" smtClean="0"/>
+              <a:t> Podział algorytmu,</a:t>
+            </a:r>
+          </a:p>
+          <a:p>
+            <a:pPr>
+              <a:buFont typeface="Arial" pitchFamily="34" charset="0"/>
+              <a:buChar char="•"/>
+            </a:pPr>
+            <a:r>
+              <a:rPr lang="pl-PL" baseline="0" dirty="0" smtClean="0"/>
+              <a:t> Pierwsze dwie heurystyka, trzeci – naukowa teoria kształtu alfa,</a:t>
+            </a:r>
+          </a:p>
+          <a:p>
+            <a:pPr>
+              <a:buFont typeface="Arial" pitchFamily="34" charset="0"/>
+              <a:buChar char="•"/>
+            </a:pPr>
+            <a:endParaRPr lang="pl-PL" baseline="0" dirty="0" smtClean="0"/>
+          </a:p>
+          <a:p>
+            <a:pPr>
+              <a:buFont typeface="Arial" pitchFamily="34" charset="0"/>
+              <a:buChar char="•"/>
+            </a:pPr>
+            <a:r>
+              <a:rPr lang="pl-PL" baseline="0" dirty="0" smtClean="0"/>
+              <a:t> Dalej omówienie poszczególnych algorytmów,</a:t>
+            </a:r>
             <a:endParaRPr lang="pl-PL" dirty="0"/>
           </a:p>
         </p:txBody>
@@ -4623,8 +4291,12 @@
           </a:bodyPr>
           <a:lstStyle/>
           <a:p>
-            <a:r>
-              <a:rPr lang="pl-PL" sz="1200" kern="1200" dirty="0" smtClean="0">
+            <a:pPr>
+              <a:buFont typeface="Arial" pitchFamily="34" charset="0"/>
+              <a:buChar char="•"/>
+            </a:pPr>
+            <a:r>
+              <a:rPr lang="pl-PL" sz="1200" kern="1200" baseline="0" dirty="0" smtClean="0">
                 <a:solidFill>
                   <a:schemeClr val="tx1"/>
                 </a:solidFill>
@@ -4632,12 +4304,10 @@
                 <a:ea typeface="+mn-ea"/>
                 <a:cs typeface="+mn-cs"/>
               </a:rPr>
-              <a:t>Przejdę teraz do omówienia wspomnianego algorytmu.</a:t>
-            </a:r>
-          </a:p>
-          <a:p>
-            <a:r>
-              <a:rPr lang="pl-PL" sz="1200" kern="1200" dirty="0" smtClean="0">
+              <a:t> Punkt D – położenie </a:t>
+            </a:r>
+            <a:r>
+              <a:rPr lang="pl-PL" sz="1200" kern="1200" baseline="0" dirty="0" err="1" smtClean="0">
                 <a:solidFill>
                   <a:schemeClr val="tx1"/>
                 </a:solidFill>
@@ -4645,12 +4315,24 @@
                 <a:ea typeface="+mn-ea"/>
                 <a:cs typeface="+mn-cs"/>
               </a:rPr>
-              <a:t> </a:t>
-            </a:r>
-          </a:p>
-          <a:p>
-            <a:r>
-              <a:rPr lang="pl-PL" sz="1200" kern="1200" dirty="0" smtClean="0">
+              <a:t>drona</a:t>
+            </a:r>
+            <a:endParaRPr lang="pl-PL" sz="1200" kern="1200" baseline="0" dirty="0" smtClean="0">
+              <a:solidFill>
+                <a:schemeClr val="tx1"/>
+              </a:solidFill>
+              <a:latin typeface="+mn-lt"/>
+              <a:ea typeface="+mn-ea"/>
+              <a:cs typeface="+mn-cs"/>
+            </a:endParaRPr>
+          </a:p>
+          <a:p>
+            <a:pPr>
+              <a:buFont typeface="Arial" pitchFamily="34" charset="0"/>
+              <a:buChar char="•"/>
+            </a:pPr>
+            <a:r>
+              <a:rPr lang="pl-PL" sz="1200" kern="1200" baseline="0" dirty="0" smtClean="0">
                 <a:solidFill>
                   <a:schemeClr val="tx1"/>
                 </a:solidFill>
@@ -4658,10 +4340,10 @@
                 <a:ea typeface="+mn-ea"/>
                 <a:cs typeface="+mn-cs"/>
               </a:rPr>
-              <a:t>Algorytm za dane wejściowe przyjmował położenie geograficzne </a:t>
-            </a:r>
-            <a:r>
-              <a:rPr lang="pl-PL" sz="1200" kern="1200" dirty="0" err="1" smtClean="0">
+              <a:t> H – </a:t>
+            </a:r>
+            <a:r>
+              <a:rPr lang="pl-PL" sz="1200" kern="1200" baseline="0" dirty="0" err="1" smtClean="0">
                 <a:solidFill>
                   <a:schemeClr val="tx1"/>
                 </a:solidFill>
@@ -4669,10 +4351,10 @@
                 <a:ea typeface="+mn-ea"/>
                 <a:cs typeface="+mn-cs"/>
               </a:rPr>
-              <a:t>drona</a:t>
-            </a:r>
-            <a:r>
-              <a:rPr lang="pl-PL" sz="1200" kern="1200" dirty="0" smtClean="0">
+              <a:t>wysokośc</a:t>
+            </a:r>
+            <a:r>
+              <a:rPr lang="pl-PL" sz="1200" kern="1200" baseline="0" dirty="0" smtClean="0">
                 <a:solidFill>
                   <a:schemeClr val="tx1"/>
                 </a:solidFill>
@@ -4680,12 +4362,16 @@
                 <a:ea typeface="+mn-ea"/>
                 <a:cs typeface="+mn-cs"/>
               </a:rPr>
-              <a:t> pobrane z użyciem systemu nawigacji satelitarnej GPS oraz kąt widzenia kamery na nim zamontowanej.  Przy czym w pracy przyjęto, iż kamera jest skierowana pionowo w dół oraz że rejestruje obraz o powierzchni kołowej. </a:t>
-            </a:r>
-          </a:p>
-          <a:p>
-            <a:r>
-              <a:rPr lang="pl-PL" sz="1200" kern="1200" dirty="0" smtClean="0">
+              <a:t> statku nad ziemią.</a:t>
+            </a:r>
+          </a:p>
+          <a:p>
+            <a:pPr>
+              <a:buFont typeface="Arial" pitchFamily="34" charset="0"/>
+              <a:buChar char="•"/>
+            </a:pPr>
+            <a:r>
+              <a:rPr lang="pl-PL" sz="1200" kern="1200" baseline="0" dirty="0" smtClean="0">
                 <a:solidFill>
                   <a:schemeClr val="tx1"/>
                 </a:solidFill>
@@ -4693,12 +4379,10 @@
                 <a:ea typeface="+mn-ea"/>
                 <a:cs typeface="+mn-cs"/>
               </a:rPr>
-              <a:t> </a:t>
-            </a:r>
-          </a:p>
-          <a:p>
-            <a:r>
-              <a:rPr lang="pl-PL" sz="1200" kern="1200" dirty="0" smtClean="0">
+              <a:t> Wyznaczanie kolejnych </a:t>
+            </a:r>
+            <a:r>
+              <a:rPr lang="pl-PL" sz="1200" kern="1200" baseline="0" dirty="0" err="1" smtClean="0">
                 <a:solidFill>
                   <a:schemeClr val="tx1"/>
                 </a:solidFill>
@@ -4706,12 +4390,10 @@
                 <a:ea typeface="+mn-ea"/>
                 <a:cs typeface="+mn-cs"/>
               </a:rPr>
-              <a:t>Docelowy algorytm został podzielony na trzy części: </a:t>
-            </a:r>
-          </a:p>
-          <a:p>
-            <a:r>
-              <a:rPr lang="pl-PL" sz="1200" kern="1200" dirty="0" smtClean="0">
+              <a:t>okręsów</a:t>
+            </a:r>
+            <a:r>
+              <a:rPr lang="pl-PL" sz="1200" kern="1200" baseline="0" dirty="0" smtClean="0">
                 <a:solidFill>
                   <a:schemeClr val="tx1"/>
                 </a:solidFill>
@@ -4719,13 +4401,10 @@
                 <a:ea typeface="+mn-ea"/>
                 <a:cs typeface="+mn-cs"/>
               </a:rPr>
-              <a:t> </a:t>
-            </a:r>
-          </a:p>
-          <a:p>
-            <a:pPr lvl="0"/>
-            <a:r>
-              <a:rPr lang="pl-PL" sz="1200" kern="1200" dirty="0" smtClean="0">
+              <a:t> od wysokości </a:t>
+            </a:r>
+            <a:r>
+              <a:rPr lang="pl-PL" sz="1200" kern="1200" baseline="0" dirty="0" err="1" smtClean="0">
                 <a:solidFill>
                   <a:schemeClr val="tx1"/>
                 </a:solidFill>
@@ -4733,13 +4412,10 @@
                 <a:ea typeface="+mn-ea"/>
                 <a:cs typeface="+mn-cs"/>
               </a:rPr>
-              <a:t>algorytm wyznaczania otoczki obszaru przeszukanego, </a:t>
-            </a:r>
-          </a:p>
-          <a:p>
-            <a:pPr lvl="0"/>
-            <a:r>
-              <a:rPr lang="pl-PL" sz="1200" kern="1200" dirty="0" smtClean="0">
+              <a:t>drona</a:t>
+            </a:r>
+            <a:r>
+              <a:rPr lang="pl-PL" sz="1200" kern="1200" baseline="0" dirty="0" smtClean="0">
                 <a:solidFill>
                   <a:schemeClr val="tx1"/>
                 </a:solidFill>
@@ -4747,13 +4423,10 @@
                 <a:ea typeface="+mn-ea"/>
                 <a:cs typeface="+mn-cs"/>
               </a:rPr>
-              <a:t>algorytm wyznaczania obszarów wewnątrz otoczki niezarejestrowanych przez kamerę oraz </a:t>
-            </a:r>
-          </a:p>
-          <a:p>
-            <a:pPr lvl="0"/>
-            <a:r>
-              <a:rPr lang="pl-PL" sz="1200" kern="1200" dirty="0" smtClean="0">
+              <a:t> pomniejszonej o </a:t>
+            </a:r>
+            <a:r>
+              <a:rPr lang="pl-PL" sz="1200" kern="1200" baseline="0" dirty="0" err="1" smtClean="0">
                 <a:solidFill>
                   <a:schemeClr val="tx1"/>
                 </a:solidFill>
@@ -4761,12 +4434,10 @@
                 <a:ea typeface="+mn-ea"/>
                 <a:cs typeface="+mn-cs"/>
               </a:rPr>
-              <a:t>algorytm łączenia pojedynczych obszarów w całość. </a:t>
-            </a:r>
-          </a:p>
-          <a:p>
-            <a:r>
-              <a:rPr lang="pl-PL" sz="1200" kern="1200" dirty="0" smtClean="0">
+              <a:t>dh</a:t>
+            </a:r>
+            <a:r>
+              <a:rPr lang="pl-PL" sz="1200" kern="1200" baseline="0" dirty="0" smtClean="0">
                 <a:solidFill>
                   <a:schemeClr val="tx1"/>
                 </a:solidFill>
@@ -4774,12 +4445,16 @@
                 <a:ea typeface="+mn-ea"/>
                 <a:cs typeface="+mn-cs"/>
               </a:rPr>
-              <a:t> </a:t>
-            </a:r>
-          </a:p>
-          <a:p>
-            <a:r>
-              <a:rPr lang="pl-PL" sz="1200" kern="1200" dirty="0" smtClean="0">
+              <a:t> – 2m,</a:t>
+            </a:r>
+          </a:p>
+          <a:p>
+            <a:pPr>
+              <a:buFont typeface="Arial" pitchFamily="34" charset="0"/>
+              <a:buChar char="•"/>
+            </a:pPr>
+            <a:r>
+              <a:rPr lang="pl-PL" sz="1200" kern="1200" baseline="0" dirty="0" smtClean="0">
                 <a:solidFill>
                   <a:schemeClr val="tx1"/>
                 </a:solidFill>
@@ -4787,10 +4462,14 @@
                 <a:ea typeface="+mn-ea"/>
                 <a:cs typeface="+mn-cs"/>
               </a:rPr>
-              <a:t>Pierwsze dwie części algorytmu zostały rozwiązane z wykorzystaniem heurystyki, a trzeci algorytm wykorzystał naukową teorię kształtów alfa, ale wszystko po kolei.</a:t>
-            </a:r>
-          </a:p>
-          <a:p>
+              <a:t> Wartość promienia,</a:t>
+            </a:r>
+          </a:p>
+          <a:p>
+            <a:pPr>
+              <a:buFont typeface="Arial" pitchFamily="34" charset="0"/>
+              <a:buChar char="•"/>
+            </a:pPr>
             <a:r>
               <a:rPr lang="pl-PL" sz="1200" kern="1200" dirty="0" smtClean="0">
                 <a:solidFill>
@@ -4800,11 +4479,94 @@
                 <a:ea typeface="+mn-ea"/>
                 <a:cs typeface="+mn-cs"/>
               </a:rPr>
-              <a:t> </a:t>
-            </a:r>
-          </a:p>
-          <a:p>
-            <a:endParaRPr lang="pl-PL" dirty="0"/>
+              <a:t> Punkty</a:t>
+            </a:r>
+            <a:r>
+              <a:rPr lang="pl-PL" sz="1200" kern="1200" baseline="0" dirty="0" smtClean="0">
+                <a:solidFill>
+                  <a:schemeClr val="tx1"/>
+                </a:solidFill>
+                <a:latin typeface="+mn-lt"/>
+                <a:ea typeface="+mn-ea"/>
+                <a:cs typeface="+mn-cs"/>
+              </a:rPr>
+              <a:t> na okręgu o promieniu </a:t>
+            </a:r>
+            <a:r>
+              <a:rPr lang="pl-PL" sz="1200" kern="1200" baseline="0" dirty="0" err="1" smtClean="0">
+                <a:solidFill>
+                  <a:schemeClr val="tx1"/>
+                </a:solidFill>
+                <a:latin typeface="+mn-lt"/>
+                <a:ea typeface="+mn-ea"/>
+                <a:cs typeface="+mn-cs"/>
+              </a:rPr>
+              <a:t>r</a:t>
+            </a:r>
+            <a:r>
+              <a:rPr lang="pl-PL" sz="1200" kern="1200" baseline="0" dirty="0" smtClean="0">
+                <a:solidFill>
+                  <a:schemeClr val="tx1"/>
+                </a:solidFill>
+                <a:latin typeface="+mn-lt"/>
+                <a:ea typeface="+mn-ea"/>
+                <a:cs typeface="+mn-cs"/>
+              </a:rPr>
+              <a:t> i środku w punkcie D – 360 pkt.</a:t>
+            </a:r>
+          </a:p>
+          <a:p>
+            <a:pPr>
+              <a:buFont typeface="Arial" pitchFamily="34" charset="0"/>
+              <a:buChar char="•"/>
+            </a:pPr>
+            <a:r>
+              <a:rPr lang="pl-PL" sz="1200" kern="1200" baseline="0" dirty="0" smtClean="0">
+                <a:solidFill>
+                  <a:schemeClr val="tx1"/>
+                </a:solidFill>
+                <a:latin typeface="+mn-lt"/>
+                <a:ea typeface="+mn-ea"/>
+                <a:cs typeface="+mn-cs"/>
+              </a:rPr>
+              <a:t> Porównanie wysokości z modelem,</a:t>
+            </a:r>
+          </a:p>
+          <a:p>
+            <a:pPr>
+              <a:buFont typeface="Arial" pitchFamily="34" charset="0"/>
+              <a:buChar char="•"/>
+            </a:pPr>
+            <a:r>
+              <a:rPr lang="pl-PL" sz="1200" kern="1200" baseline="0" dirty="0" smtClean="0">
+                <a:solidFill>
+                  <a:schemeClr val="tx1"/>
+                </a:solidFill>
+                <a:latin typeface="+mn-lt"/>
+                <a:ea typeface="+mn-ea"/>
+                <a:cs typeface="+mn-cs"/>
+              </a:rPr>
+              <a:t> Zwiększenie </a:t>
+            </a:r>
+            <a:r>
+              <a:rPr lang="pl-PL" sz="1200" kern="1200" baseline="0" dirty="0" err="1" smtClean="0">
+                <a:solidFill>
+                  <a:schemeClr val="tx1"/>
+                </a:solidFill>
+                <a:latin typeface="+mn-lt"/>
+                <a:ea typeface="+mn-ea"/>
+                <a:cs typeface="+mn-cs"/>
+              </a:rPr>
+              <a:t>dh</a:t>
+            </a:r>
+            <a:endParaRPr lang="pl-PL" sz="1200" kern="1200" dirty="0">
+              <a:solidFill>
+                <a:schemeClr val="tx1"/>
+              </a:solidFill>
+              <a:latin typeface="+mn-lt"/>
+              <a:ea typeface="+mn-ea"/>
+              <a:cs typeface="+mn-cs"/>
+            </a:endParaRPr>
           </a:p>
         </p:txBody>
       </p:sp>
@@ -4887,7 +4649,7 @@
           <a:lstStyle/>
           <a:p>
             <a:r>
-              <a:rPr lang="pl-PL" sz="1200" b="1" kern="1200" dirty="0" smtClean="0">
+              <a:rPr lang="pl-PL" sz="1200" kern="1200" dirty="0" smtClean="0">
                 <a:solidFill>
                   <a:schemeClr val="tx1"/>
                 </a:solidFill>
@@ -4895,9 +4657,22 @@
                 <a:ea typeface="+mn-ea"/>
                 <a:cs typeface="+mn-cs"/>
               </a:rPr>
-              <a:t>I algorytm wyznaczania otoczki obszaru przeszukanego:</a:t>
-            </a:r>
-            <a:endParaRPr lang="pl-PL" sz="1200" kern="1200" dirty="0" smtClean="0">
+              <a:t>Przykładowy</a:t>
+            </a:r>
+            <a:r>
+              <a:rPr lang="pl-PL" sz="1200" kern="1200" baseline="0" dirty="0" smtClean="0">
+                <a:solidFill>
+                  <a:schemeClr val="tx1"/>
+                </a:solidFill>
+                <a:latin typeface="+mn-lt"/>
+                <a:ea typeface="+mn-ea"/>
+                <a:cs typeface="+mn-cs"/>
+              </a:rPr>
+              <a:t> wynik,</a:t>
+            </a:r>
+          </a:p>
+          <a:p>
+            <a:endParaRPr lang="pl-PL" sz="1200" kern="1200" baseline="0" dirty="0" smtClean="0">
               <a:solidFill>
                 <a:schemeClr val="tx1"/>
               </a:solidFill>
@@ -4907,8 +4682,12 @@
             </a:endParaRPr>
           </a:p>
           <a:p>
-            <a:r>
-              <a:rPr lang="pl-PL" sz="1200" kern="1200" dirty="0" smtClean="0">
+            <a:pPr>
+              <a:buFont typeface="Arial" pitchFamily="34" charset="0"/>
+              <a:buChar char="•"/>
+            </a:pPr>
+            <a:r>
+              <a:rPr lang="pl-PL" sz="1200" kern="1200" baseline="0" dirty="0" smtClean="0">
                 <a:solidFill>
                   <a:schemeClr val="tx1"/>
                 </a:solidFill>
@@ -4916,12 +4695,10 @@
                 <a:ea typeface="+mn-ea"/>
                 <a:cs typeface="+mn-cs"/>
               </a:rPr>
-              <a:t> </a:t>
-            </a:r>
-          </a:p>
-          <a:p>
-            <a:r>
-              <a:rPr lang="pl-PL" sz="1200" kern="1200" dirty="0" smtClean="0">
+              <a:t> Fragmenty o mniejszym promieniu – większa </a:t>
+            </a:r>
+            <a:r>
+              <a:rPr lang="pl-PL" sz="1200" kern="1200" baseline="0" dirty="0" err="1" smtClean="0">
                 <a:solidFill>
                   <a:schemeClr val="tx1"/>
                 </a:solidFill>
@@ -4929,12 +4706,10 @@
                 <a:ea typeface="+mn-ea"/>
                 <a:cs typeface="+mn-cs"/>
               </a:rPr>
-              <a:t>Pokazany rysunek przedstawia koncepcję działania algorytmu wyznaczania otoczki obszaru przeszukanego.</a:t>
-            </a:r>
-          </a:p>
-          <a:p>
-            <a:r>
-              <a:rPr lang="pl-PL" sz="1200" kern="1200" dirty="0" smtClean="0">
+              <a:t>wyokość</a:t>
+            </a:r>
+            <a:r>
+              <a:rPr lang="pl-PL" sz="1200" kern="1200" baseline="0" dirty="0" smtClean="0">
                 <a:solidFill>
                   <a:schemeClr val="tx1"/>
                 </a:solidFill>
@@ -4942,12 +4717,16 @@
                 <a:ea typeface="+mn-ea"/>
                 <a:cs typeface="+mn-cs"/>
               </a:rPr>
-              <a:t> </a:t>
-            </a:r>
-          </a:p>
-          <a:p>
-            <a:r>
-              <a:rPr lang="pl-PL" sz="1200" kern="1200" dirty="0" smtClean="0">
+              <a:t>,</a:t>
+            </a:r>
+          </a:p>
+          <a:p>
+            <a:pPr>
+              <a:buFont typeface="Arial" pitchFamily="34" charset="0"/>
+              <a:buChar char="•"/>
+            </a:pPr>
+            <a:r>
+              <a:rPr lang="pl-PL" sz="1200" kern="1200" baseline="0" dirty="0" smtClean="0">
                 <a:solidFill>
                   <a:schemeClr val="tx1"/>
                 </a:solidFill>
@@ -4955,10 +4734,30 @@
                 <a:ea typeface="+mn-ea"/>
                 <a:cs typeface="+mn-cs"/>
               </a:rPr>
-              <a:t>	Punkt </a:t>
-            </a:r>
-            <a:r>
-              <a:rPr lang="pl-PL" sz="1200" b="1" kern="1200" dirty="0" smtClean="0">
+              <a:t> o mniejszym – mniejsza,</a:t>
+            </a:r>
+          </a:p>
+          <a:p>
+            <a:pPr>
+              <a:buFont typeface="Arial" pitchFamily="34" charset="0"/>
+              <a:buChar char="•"/>
+            </a:pPr>
+            <a:endParaRPr lang="pl-PL" sz="1200" kern="1200" baseline="0" dirty="0" smtClean="0">
+              <a:solidFill>
+                <a:schemeClr val="tx1"/>
+              </a:solidFill>
+              <a:latin typeface="+mn-lt"/>
+              <a:ea typeface="+mn-ea"/>
+              <a:cs typeface="+mn-cs"/>
+            </a:endParaRPr>
+          </a:p>
+          <a:p>
+            <a:pPr>
+              <a:buFont typeface="Arial" pitchFamily="34" charset="0"/>
+              <a:buChar char="•"/>
+            </a:pPr>
+            <a:r>
+              <a:rPr lang="pl-PL" sz="1200" kern="1200" baseline="0" dirty="0" smtClean="0">
                 <a:solidFill>
                   <a:schemeClr val="tx1"/>
                 </a:solidFill>
@@ -4966,249 +4765,7 @@
                 <a:ea typeface="+mn-ea"/>
                 <a:cs typeface="+mn-cs"/>
               </a:rPr>
-              <a:t>D </a:t>
-            </a:r>
-            <a:r>
-              <a:rPr lang="pl-PL" sz="1200" kern="1200" dirty="0" smtClean="0">
-                <a:solidFill>
-                  <a:schemeClr val="tx1"/>
-                </a:solidFill>
-                <a:latin typeface="+mn-lt"/>
-                <a:ea typeface="+mn-ea"/>
-                <a:cs typeface="+mn-cs"/>
-              </a:rPr>
-              <a:t>odpowiada położeniu </a:t>
-            </a:r>
-            <a:r>
-              <a:rPr lang="pl-PL" sz="1200" kern="1200" dirty="0" err="1" smtClean="0">
-                <a:solidFill>
-                  <a:schemeClr val="tx1"/>
-                </a:solidFill>
-                <a:latin typeface="+mn-lt"/>
-                <a:ea typeface="+mn-ea"/>
-                <a:cs typeface="+mn-cs"/>
-              </a:rPr>
-              <a:t>drona</a:t>
-            </a:r>
-            <a:r>
-              <a:rPr lang="pl-PL" sz="1200" kern="1200" dirty="0" smtClean="0">
-                <a:solidFill>
-                  <a:schemeClr val="tx1"/>
-                </a:solidFill>
-                <a:latin typeface="+mn-lt"/>
-                <a:ea typeface="+mn-ea"/>
-                <a:cs typeface="+mn-cs"/>
-              </a:rPr>
-              <a:t>. Wysokość </a:t>
-            </a:r>
-            <a:r>
-              <a:rPr lang="pl-PL" sz="1200" b="1" kern="1200" dirty="0" smtClean="0">
-                <a:solidFill>
-                  <a:schemeClr val="tx1"/>
-                </a:solidFill>
-                <a:latin typeface="+mn-lt"/>
-                <a:ea typeface="+mn-ea"/>
-                <a:cs typeface="+mn-cs"/>
-              </a:rPr>
-              <a:t>H </a:t>
-            </a:r>
-            <a:r>
-              <a:rPr lang="pl-PL" sz="1200" kern="1200" dirty="0" smtClean="0">
-                <a:solidFill>
-                  <a:schemeClr val="tx1"/>
-                </a:solidFill>
-                <a:latin typeface="+mn-lt"/>
-                <a:ea typeface="+mn-ea"/>
-                <a:cs typeface="+mn-cs"/>
-              </a:rPr>
-              <a:t> jest wysokością statku nad ziemią. Znając położenie i wysokość </a:t>
-            </a:r>
-            <a:r>
-              <a:rPr lang="pl-PL" sz="1200" kern="1200" dirty="0" err="1" smtClean="0">
-                <a:solidFill>
-                  <a:schemeClr val="tx1"/>
-                </a:solidFill>
-                <a:latin typeface="+mn-lt"/>
-                <a:ea typeface="+mn-ea"/>
-                <a:cs typeface="+mn-cs"/>
-              </a:rPr>
-              <a:t>drona</a:t>
-            </a:r>
-            <a:r>
-              <a:rPr lang="pl-PL" sz="1200" kern="1200" dirty="0" smtClean="0">
-                <a:solidFill>
-                  <a:schemeClr val="tx1"/>
-                </a:solidFill>
-                <a:latin typeface="+mn-lt"/>
-                <a:ea typeface="+mn-ea"/>
-                <a:cs typeface="+mn-cs"/>
-              </a:rPr>
-              <a:t> nad ziemią oraz kąt widzenia kamery </a:t>
-            </a:r>
-            <a:r>
-              <a:rPr lang="pl-PL" sz="1200" b="1" kern="1200" dirty="0" smtClean="0">
-                <a:solidFill>
-                  <a:schemeClr val="tx1"/>
-                </a:solidFill>
-                <a:latin typeface="+mn-lt"/>
-                <a:ea typeface="+mn-ea"/>
-                <a:cs typeface="+mn-cs"/>
-              </a:rPr>
-              <a:t>α</a:t>
-            </a:r>
-            <a:r>
-              <a:rPr lang="pl-PL" sz="1200" kern="1200" dirty="0" smtClean="0">
-                <a:solidFill>
-                  <a:schemeClr val="tx1"/>
-                </a:solidFill>
-                <a:latin typeface="+mn-lt"/>
-                <a:ea typeface="+mn-ea"/>
-                <a:cs typeface="+mn-cs"/>
-              </a:rPr>
-              <a:t> rozpoczęto wyznaczanie kolejnych okręgów reprezentujących potencjalną otoczkę zarejestrowanego obszaru. Wyznaczanie okręgów rozpoczęto od wysokości </a:t>
-            </a:r>
-            <a:r>
-              <a:rPr lang="pl-PL" sz="1200" kern="1200" dirty="0" err="1" smtClean="0">
-                <a:solidFill>
-                  <a:schemeClr val="tx1"/>
-                </a:solidFill>
-                <a:latin typeface="+mn-lt"/>
-                <a:ea typeface="+mn-ea"/>
-                <a:cs typeface="+mn-cs"/>
-              </a:rPr>
-              <a:t>drona</a:t>
-            </a:r>
-            <a:r>
-              <a:rPr lang="pl-PL" sz="1200" kern="1200" dirty="0" smtClean="0">
-                <a:solidFill>
-                  <a:schemeClr val="tx1"/>
-                </a:solidFill>
-                <a:latin typeface="+mn-lt"/>
-                <a:ea typeface="+mn-ea"/>
-                <a:cs typeface="+mn-cs"/>
-              </a:rPr>
-              <a:t> pomniejszonej o skok </a:t>
-            </a:r>
-            <a:r>
-              <a:rPr lang="pl-PL" sz="1200" b="1" kern="1200" dirty="0" err="1" smtClean="0">
-                <a:solidFill>
-                  <a:schemeClr val="tx1"/>
-                </a:solidFill>
-                <a:latin typeface="+mn-lt"/>
-                <a:ea typeface="+mn-ea"/>
-                <a:cs typeface="+mn-cs"/>
-              </a:rPr>
-              <a:t>dh</a:t>
-            </a:r>
-            <a:r>
-              <a:rPr lang="pl-PL" sz="1200" b="1" kern="1200" dirty="0" smtClean="0">
-                <a:solidFill>
-                  <a:schemeClr val="tx1"/>
-                </a:solidFill>
-                <a:latin typeface="+mn-lt"/>
-                <a:ea typeface="+mn-ea"/>
-                <a:cs typeface="+mn-cs"/>
-              </a:rPr>
-              <a:t>, </a:t>
-            </a:r>
-            <a:r>
-              <a:rPr lang="pl-PL" sz="1200" kern="1200" dirty="0" smtClean="0">
-                <a:solidFill>
-                  <a:schemeClr val="tx1"/>
-                </a:solidFill>
-                <a:latin typeface="+mn-lt"/>
-                <a:ea typeface="+mn-ea"/>
-                <a:cs typeface="+mn-cs"/>
-              </a:rPr>
-              <a:t>którego wartość na drodze eksperymentalnej dobrano na 2 m. Znając wartość </a:t>
-            </a:r>
-            <a:r>
-              <a:rPr lang="pl-PL" sz="1200" b="1" kern="1200" dirty="0" err="1" smtClean="0">
-                <a:solidFill>
-                  <a:schemeClr val="tx1"/>
-                </a:solidFill>
-                <a:latin typeface="+mn-lt"/>
-                <a:ea typeface="+mn-ea"/>
-                <a:cs typeface="+mn-cs"/>
-              </a:rPr>
-              <a:t>dh</a:t>
-            </a:r>
-            <a:r>
-              <a:rPr lang="pl-PL" sz="1200" b="1" kern="1200" dirty="0" smtClean="0">
-                <a:solidFill>
-                  <a:schemeClr val="tx1"/>
-                </a:solidFill>
-                <a:latin typeface="+mn-lt"/>
-                <a:ea typeface="+mn-ea"/>
-                <a:cs typeface="+mn-cs"/>
-              </a:rPr>
-              <a:t> </a:t>
-            </a:r>
-            <a:r>
-              <a:rPr lang="pl-PL" sz="1200" kern="1200" dirty="0" smtClean="0">
-                <a:solidFill>
-                  <a:schemeClr val="tx1"/>
-                </a:solidFill>
-                <a:latin typeface="+mn-lt"/>
-                <a:ea typeface="+mn-ea"/>
-                <a:cs typeface="+mn-cs"/>
-              </a:rPr>
-              <a:t>oraz kąt </a:t>
-            </a:r>
-            <a:r>
-              <a:rPr lang="pl-PL" sz="1200" b="1" kern="1200" dirty="0" smtClean="0">
-                <a:solidFill>
-                  <a:schemeClr val="tx1"/>
-                </a:solidFill>
-                <a:latin typeface="+mn-lt"/>
-                <a:ea typeface="+mn-ea"/>
-                <a:cs typeface="+mn-cs"/>
-              </a:rPr>
-              <a:t>α</a:t>
-            </a:r>
-            <a:r>
-              <a:rPr lang="pl-PL" sz="1200" kern="1200" dirty="0" smtClean="0">
-                <a:solidFill>
-                  <a:schemeClr val="tx1"/>
-                </a:solidFill>
-                <a:latin typeface="+mn-lt"/>
-                <a:ea typeface="+mn-ea"/>
-                <a:cs typeface="+mn-cs"/>
-              </a:rPr>
-              <a:t> widzenia kamery wyznaczono wartość promienia </a:t>
-            </a:r>
-            <a:r>
-              <a:rPr lang="pl-PL" sz="1200" b="1" kern="1200" dirty="0" err="1" smtClean="0">
-                <a:solidFill>
-                  <a:schemeClr val="tx1"/>
-                </a:solidFill>
-                <a:latin typeface="+mn-lt"/>
-                <a:ea typeface="+mn-ea"/>
-                <a:cs typeface="+mn-cs"/>
-              </a:rPr>
-              <a:t>r</a:t>
-            </a:r>
-            <a:r>
-              <a:rPr lang="pl-PL" sz="1200" b="1" kern="1200" dirty="0" smtClean="0">
-                <a:solidFill>
-                  <a:schemeClr val="tx1"/>
-                </a:solidFill>
-                <a:latin typeface="+mn-lt"/>
-                <a:ea typeface="+mn-ea"/>
-                <a:cs typeface="+mn-cs"/>
-              </a:rPr>
-              <a:t> </a:t>
-            </a:r>
-            <a:r>
-              <a:rPr lang="pl-PL" sz="1200" kern="1200" dirty="0" smtClean="0">
-                <a:solidFill>
-                  <a:schemeClr val="tx1"/>
-                </a:solidFill>
-                <a:latin typeface="+mn-lt"/>
-                <a:ea typeface="+mn-ea"/>
-                <a:cs typeface="+mn-cs"/>
-              </a:rPr>
-              <a:t>zgodnie ze wzorem:</a:t>
+              <a:t> spadek, wzniesienie</a:t>
             </a:r>
             <a:endParaRPr lang="pl-PL" sz="1200" kern="1200" dirty="0">
               <a:solidFill>
@@ -7689,13 +7246,17 @@
         <a:gradFill flip="none" rotWithShape="1">
           <a:gsLst>
             <a:gs pos="0">
-              <a:srgbClr val="FFC000"/>
+              <a:schemeClr val="bg1">
+                <a:lumMod val="65000"/>
+              </a:schemeClr>
             </a:gs>
             <a:gs pos="50000">
               <a:schemeClr val="bg1"/>
             </a:gs>
             <a:gs pos="100000">
-              <a:srgbClr val="FFC000"/>
+              <a:srgbClr val="FFC000">
+                <a:alpha val="44000"/>
+              </a:srgbClr>
             </a:gs>
           </a:gsLst>
           <a:lin ang="0" scaled="1"/>
@@ -8232,7 +7793,7 @@
         </p:nvSpPr>
         <p:spPr>
           <a:xfrm>
-            <a:off x="611560" y="332656"/>
+            <a:off x="611560" y="0"/>
             <a:ext cx="7772400" cy="1470025"/>
           </a:xfrm>
         </p:spPr>
@@ -8260,43 +7821,209 @@
         </p:nvSpPr>
         <p:spPr>
           <a:xfrm>
-            <a:off x="1403648" y="2780928"/>
-            <a:ext cx="6400800" cy="1752600"/>
+            <a:off x="1403648" y="4293096"/>
+            <a:ext cx="6400800" cy="2160240"/>
           </a:xfrm>
         </p:spPr>
         <p:txBody>
           <a:bodyPr>
-            <a:normAutofit fontScale="85000" lnSpcReduction="20000"/>
+            <a:noAutofit/>
           </a:bodyPr>
           <a:lstStyle/>
           <a:p>
             <a:r>
-              <a:rPr lang="pl-PL" dirty="0" smtClean="0"/>
+              <a:rPr lang="pl-PL" sz="2000" dirty="0" smtClean="0">
+                <a:solidFill>
+                  <a:schemeClr val="tx1"/>
+                </a:solidFill>
+              </a:rPr>
               <a:t>Dyplomant: Michał Kapiczyński</a:t>
             </a:r>
           </a:p>
           <a:p>
             <a:r>
-              <a:rPr lang="pl-PL" dirty="0" smtClean="0"/>
-              <a:t>Promotor pracy: </a:t>
-            </a:r>
-            <a:r>
-              <a:rPr lang="pl-PL" dirty="0" smtClean="0"/>
-              <a:t>dr inż. Paweł Wnuk</a:t>
-            </a:r>
-          </a:p>
-          <a:p>
-            <a:r>
-              <a:rPr lang="pl-PL" dirty="0" smtClean="0"/>
-              <a:t>Kierunek studiów: Automatyka i Robotyka</a:t>
-            </a:r>
-          </a:p>
-          <a:p>
-            <a:r>
-              <a:rPr lang="pl-PL" dirty="0" smtClean="0"/>
-              <a:t>Specjalność: Informatyka Przemysłowa</a:t>
-            </a:r>
-            <a:endParaRPr lang="pl-PL" dirty="0"/>
+              <a:rPr lang="pl-PL" sz="2000" dirty="0" smtClean="0">
+                <a:solidFill>
+                  <a:schemeClr val="tx1"/>
+                </a:solidFill>
+              </a:rPr>
+              <a:t>Promotor pracy: dr inż. Paweł </a:t>
+            </a:r>
+            <a:r>
+              <a:rPr lang="pl-PL" sz="2000" dirty="0" smtClean="0">
+                <a:solidFill>
+                  <a:schemeClr val="tx1"/>
+                </a:solidFill>
+              </a:rPr>
+              <a:t>Wnuk</a:t>
+            </a:r>
+          </a:p>
+          <a:p>
+            <a:r>
+              <a:rPr lang="pl-PL" sz="2000" dirty="0" smtClean="0">
+                <a:solidFill>
+                  <a:schemeClr val="tx1"/>
+                </a:solidFill>
+              </a:rPr>
+              <a:t>Kierunek </a:t>
+            </a:r>
+            <a:r>
+              <a:rPr lang="pl-PL" sz="2000" dirty="0" smtClean="0">
+                <a:solidFill>
+                  <a:schemeClr val="tx1"/>
+                </a:solidFill>
+              </a:rPr>
+              <a:t>studiów: Automatyka i Robotyka</a:t>
+            </a:r>
+          </a:p>
+          <a:p>
+            <a:r>
+              <a:rPr lang="pl-PL" sz="2000" dirty="0" smtClean="0">
+                <a:solidFill>
+                  <a:schemeClr val="tx1"/>
+                </a:solidFill>
+              </a:rPr>
+              <a:t>Specjalność: </a:t>
+            </a:r>
+            <a:r>
+              <a:rPr lang="pl-PL" sz="2000" dirty="0" smtClean="0">
+                <a:solidFill>
+                  <a:schemeClr val="tx1"/>
+                </a:solidFill>
+              </a:rPr>
+              <a:t>Informatyka </a:t>
+            </a:r>
+            <a:r>
+              <a:rPr lang="pl-PL" sz="2000" dirty="0" smtClean="0">
+                <a:solidFill>
+                  <a:schemeClr val="tx1"/>
+                </a:solidFill>
+              </a:rPr>
+              <a:t>Przemysłowa</a:t>
+            </a:r>
+            <a:endParaRPr lang="pl-PL" sz="2000" dirty="0">
+              <a:solidFill>
+                <a:schemeClr val="tx1"/>
+              </a:solidFill>
+            </a:endParaRPr>
+          </a:p>
+        </p:txBody>
+      </p:sp>
+      <p:sp>
+        <p:nvSpPr>
+          <p:cNvPr id="4" name="pole tekstowe 3"/>
+          <p:cNvSpPr txBox="1"/>
+          <p:nvPr/>
+        </p:nvSpPr>
+        <p:spPr>
+          <a:xfrm>
+            <a:off x="0" y="1700808"/>
+            <a:ext cx="9254649" cy="1631216"/>
+          </a:xfrm>
+          <a:prstGeom prst="rect">
+            <a:avLst/>
+          </a:prstGeom>
+          <a:noFill/>
+        </p:spPr>
+        <p:txBody>
+          <a:bodyPr wrap="none" rtlCol="0">
+            <a:spAutoFit/>
+          </a:bodyPr>
+          <a:lstStyle/>
+          <a:p>
+            <a:pPr algn="ctr"/>
+            <a:r>
+              <a:rPr lang="pl-PL" sz="2500" b="1" i="1" dirty="0" smtClean="0"/>
+              <a:t>Temat pracy:</a:t>
+            </a:r>
+          </a:p>
+          <a:p>
+            <a:pPr algn="ctr"/>
+            <a:endParaRPr lang="pl-PL" sz="2500" b="1" i="1" dirty="0" smtClean="0"/>
+          </a:p>
+          <a:p>
+            <a:pPr algn="ctr"/>
+            <a:r>
+              <a:rPr lang="pl-PL" sz="2500" b="1" i="1" dirty="0" smtClean="0">
+                <a:effectLst>
+                  <a:outerShdw blurRad="38100" dist="38100" dir="2700000" algn="tl">
+                    <a:srgbClr val="000000">
+                      <a:alpha val="43137"/>
+                    </a:srgbClr>
+                  </a:outerShdw>
+                </a:effectLst>
+              </a:rPr>
+              <a:t>„Algorytm </a:t>
+            </a:r>
+            <a:r>
+              <a:rPr lang="pl-PL" sz="2500" b="1" i="1" dirty="0" smtClean="0">
+                <a:effectLst>
+                  <a:outerShdw blurRad="38100" dist="38100" dir="2700000" algn="tl">
+                    <a:srgbClr val="000000">
+                      <a:alpha val="43137"/>
+                    </a:srgbClr>
+                  </a:outerShdw>
+                </a:effectLst>
+              </a:rPr>
+              <a:t>wyznaczania i wizualizacji obszaru przeszukanego </a:t>
+            </a:r>
+            <a:endParaRPr lang="pl-PL" sz="2500" b="1" i="1" dirty="0" smtClean="0">
+              <a:effectLst>
+                <a:outerShdw blurRad="38100" dist="38100" dir="2700000" algn="tl">
+                  <a:srgbClr val="000000">
+                    <a:alpha val="43137"/>
+                  </a:srgbClr>
+                </a:outerShdw>
+              </a:effectLst>
+            </a:endParaRPr>
+          </a:p>
+          <a:p>
+            <a:pPr algn="ctr"/>
+            <a:r>
+              <a:rPr lang="pl-PL" sz="2500" b="1" i="1" dirty="0" smtClean="0">
+                <a:effectLst>
+                  <a:outerShdw blurRad="38100" dist="38100" dir="2700000" algn="tl">
+                    <a:srgbClr val="000000">
+                      <a:alpha val="43137"/>
+                    </a:srgbClr>
+                  </a:outerShdw>
+                </a:effectLst>
+              </a:rPr>
+              <a:t>wraz </a:t>
+            </a:r>
+            <a:r>
+              <a:rPr lang="pl-PL" sz="2500" b="1" i="1" dirty="0" smtClean="0">
+                <a:effectLst>
+                  <a:outerShdw blurRad="38100" dist="38100" dir="2700000" algn="tl">
+                    <a:srgbClr val="000000">
+                      <a:alpha val="43137"/>
+                    </a:srgbClr>
+                  </a:outerShdw>
+                </a:effectLst>
+              </a:rPr>
+              <a:t>z implementacją przy wykorzystaniu systemu </a:t>
+            </a:r>
+            <a:r>
+              <a:rPr lang="pl-PL" sz="2500" b="1" i="1" dirty="0" smtClean="0">
+                <a:effectLst>
+                  <a:outerShdw blurRad="38100" dist="38100" dir="2700000" algn="tl">
+                    <a:srgbClr val="000000">
+                      <a:alpha val="43137"/>
+                    </a:srgbClr>
+                  </a:outerShdw>
+                </a:effectLst>
+              </a:rPr>
+              <a:t>OpenStreetMap.”</a:t>
+            </a:r>
+            <a:endParaRPr lang="pl-PL" sz="2500" b="1" dirty="0">
+              <a:effectLst>
+                <a:outerShdw blurRad="38100" dist="38100" dir="2700000" algn="tl">
+                  <a:srgbClr val="000000">
+                    <a:alpha val="43137"/>
+                  </a:srgbClr>
+                </a:outerShdw>
+              </a:effectLst>
+            </a:endParaRPr>
           </a:p>
         </p:txBody>
       </p:sp>
@@ -8342,158 +8069,56 @@
             <p:ph type="title"/>
           </p:nvPr>
         </p:nvSpPr>
-        <p:spPr/>
-        <p:txBody>
-          <a:bodyPr/>
-          <a:lstStyle/>
-          <a:p>
-            <a:r>
-              <a:rPr lang="pl-PL" dirty="0" smtClean="0"/>
-              <a:t>Wyznaczanie promienia</a:t>
-            </a:r>
-            <a:endParaRPr lang="pl-PL" dirty="0"/>
-          </a:p>
-        </p:txBody>
-      </p:sp>
-      <p:sp>
-        <p:nvSpPr>
-          <p:cNvPr id="1026" name="Rectangle 2"/>
-          <p:cNvSpPr>
-            <a:spLocks noChangeArrowheads="1"/>
-          </p:cNvSpPr>
+        <p:spPr>
+          <a:xfrm>
+            <a:off x="467544" y="0"/>
+            <a:ext cx="8229600" cy="1143000"/>
+          </a:xfrm>
+        </p:spPr>
+        <p:txBody>
+          <a:bodyPr>
+            <a:noAutofit/>
+          </a:bodyPr>
+          <a:lstStyle/>
+          <a:p>
+            <a:r>
+              <a:rPr lang="pl-PL" sz="3500" b="1" dirty="0" smtClean="0"/>
+              <a:t>Algorytm wyznaczania obszarów </a:t>
+            </a:r>
+            <a:r>
+              <a:rPr lang="pl-PL" sz="3500" b="1" dirty="0" smtClean="0"/>
+              <a:t>wewnątrz </a:t>
+            </a:r>
+            <a:r>
+              <a:rPr lang="pl-PL" sz="3500" b="1" dirty="0" smtClean="0"/>
+              <a:t>otoczki niezarejestrowanych przez kamerę</a:t>
+            </a:r>
+            <a:endParaRPr lang="pl-PL" sz="3500" b="1" dirty="0"/>
+          </a:p>
+        </p:txBody>
+      </p:sp>
+      <p:pic>
+        <p:nvPicPr>
+          <p:cNvPr id="4" name="Obraz 3" descr="algorytm2-1-new2.jpg"/>
+          <p:cNvPicPr/>
           <p:nvPr/>
-        </p:nvSpPr>
-        <p:spPr bwMode="auto">
+        </p:nvPicPr>
+        <p:blipFill>
+          <a:blip r:embed="rId3" cstate="print"/>
+          <a:stretch>
+            <a:fillRect/>
+          </a:stretch>
+        </p:blipFill>
+        <p:spPr>
           <a:xfrm>
-            <a:off x="0" y="0"/>
-            <a:ext cx="9144000" cy="457200"/>
+            <a:off x="179512" y="1412776"/>
+            <a:ext cx="8820472" cy="4968552"/>
           </a:xfrm>
           <a:prstGeom prst="rect">
             <a:avLst/>
           </a:prstGeom>
-          <a:noFill/>
-          <a:ln w="9525">
-            <a:noFill/>
-            <a:miter lim="800000"/>
-            <a:headEnd/>
-            <a:tailEnd/>
-          </a:ln>
-          <a:effectLst/>
-        </p:spPr>
-        <p:txBody>
-          <a:bodyPr vert="horz" wrap="none" lIns="91440" tIns="45720" rIns="91440" bIns="45720" numCol="1" anchor="ctr" anchorCtr="0" compatLnSpc="1">
-            <a:prstTxWarp prst="textNoShape">
-              <a:avLst/>
-            </a:prstTxWarp>
-            <a:spAutoFit/>
-          </a:bodyPr>
-          <a:lstStyle/>
-          <a:p>
-            <a:endParaRPr lang="pl-PL"/>
-          </a:p>
-        </p:txBody>
-      </p:sp>
-      <p:pic>
-        <p:nvPicPr>
-          <p:cNvPr id="1025" name="Picture 1"/>
-          <p:cNvPicPr>
-            <a:picLocks noChangeAspect="1" noChangeArrowheads="1"/>
-          </p:cNvPicPr>
-          <p:nvPr/>
-        </p:nvPicPr>
-        <p:blipFill>
-          <a:blip r:embed="rId3" cstate="print">
-            <a:clrChange>
-              <a:clrFrom>
-                <a:srgbClr val="FFFFFF"/>
-              </a:clrFrom>
-              <a:clrTo>
-                <a:srgbClr val="FFFFFF">
-                  <a:alpha val="0"/>
-                </a:srgbClr>
-              </a:clrTo>
-            </a:clrChange>
-          </a:blip>
-          <a:srcRect/>
-          <a:stretch>
-            <a:fillRect/>
-          </a:stretch>
-        </p:blipFill>
-        <p:spPr bwMode="auto">
-          <a:xfrm>
-            <a:off x="1979712" y="3212976"/>
-            <a:ext cx="5112568" cy="1107723"/>
-          </a:xfrm>
-          <a:prstGeom prst="rect">
-            <a:avLst/>
-          </a:prstGeom>
-          <a:noFill/>
         </p:spPr>
       </p:pic>
-      <p:sp>
-        <p:nvSpPr>
-          <p:cNvPr id="1027" name="Rectangle 3"/>
-          <p:cNvSpPr>
-            <a:spLocks noChangeArrowheads="1"/>
-          </p:cNvSpPr>
-          <p:nvPr/>
-        </p:nvSpPr>
-        <p:spPr bwMode="auto">
-          <a:xfrm>
-            <a:off x="0" y="663575"/>
-            <a:ext cx="9144000" cy="457200"/>
-          </a:xfrm>
-          <a:prstGeom prst="rect">
-            <a:avLst/>
-          </a:prstGeom>
-          <a:noFill/>
-          <a:ln w="9525">
-            <a:noFill/>
-            <a:miter lim="800000"/>
-            <a:headEnd/>
-            <a:tailEnd/>
-          </a:ln>
-          <a:effectLst/>
-        </p:spPr>
-        <p:txBody>
-          <a:bodyPr vert="horz" wrap="none" lIns="91440" tIns="45720" rIns="91440" bIns="45720" numCol="1" anchor="ctr" anchorCtr="0" compatLnSpc="1">
-            <a:prstTxWarp prst="textNoShape">
-              <a:avLst/>
-            </a:prstTxWarp>
-            <a:spAutoFit/>
-          </a:bodyPr>
-          <a:lstStyle/>
-          <a:p>
-            <a:pPr marL="0" marR="0" lvl="0" indent="0" algn="l" defTabSz="914400" rtl="0" eaLnBrk="1" fontAlgn="base" latinLnBrk="0" hangingPunct="1">
-              <a:lnSpc>
-                <a:spcPct val="100000"/>
-              </a:lnSpc>
-              <a:spcBef>
-                <a:spcPct val="0"/>
-              </a:spcBef>
-              <a:spcAft>
-                <a:spcPct val="0"/>
-              </a:spcAft>
-              <a:buClrTx/>
-              <a:buSzTx/>
-              <a:buFontTx/>
-              <a:buNone/>
-              <a:tabLst/>
-            </a:pPr>
-            <a:endParaRPr kumimoji="0" lang="pl-PL" sz="1800" b="0" i="0" u="none" strike="noStrike" cap="none" normalizeH="0" baseline="0" smtClean="0">
-              <a:ln>
-                <a:noFill/>
-              </a:ln>
-              <a:solidFill>
-                <a:schemeClr val="tx1"/>
-              </a:solidFill>
-              <a:effectLst/>
-              <a:latin typeface="Arial" pitchFamily="34" charset="0"/>
-              <a:cs typeface="Arial" pitchFamily="34" charset="0"/>
-            </a:endParaRPr>
-          </a:p>
-        </p:txBody>
-      </p:sp>
     </p:spTree>
   </p:cSld>
   <p:clrMapOvr>
@@ -8536,30 +8161,34 @@
             <p:ph type="title"/>
           </p:nvPr>
         </p:nvSpPr>
-        <p:spPr/>
+        <p:spPr>
+          <a:xfrm>
+            <a:off x="0" y="0"/>
+            <a:ext cx="9144000" cy="1143000"/>
+          </a:xfrm>
+        </p:spPr>
         <p:txBody>
           <a:bodyPr>
-            <a:normAutofit fontScale="90000"/>
+            <a:noAutofit/>
           </a:bodyPr>
           <a:lstStyle/>
           <a:p>
             <a:r>
-              <a:rPr lang="pl-PL" dirty="0" smtClean="0"/>
-              <a:t>Algorytm wyznaczania otoczki obszaru przeszukanego</a:t>
-            </a:r>
-            <a:endParaRPr lang="pl-PL" dirty="0"/>
+              <a:rPr lang="pl-PL" sz="3200" b="1" dirty="0" smtClean="0"/>
+              <a:t>Linie</a:t>
+            </a:r>
+            <a:r>
+              <a:rPr lang="pl-PL" sz="3200" b="1" dirty="0"/>
+              <a:t>, reprezentujące fragmenty obszarów wewnątrz otoczki niezarejestrowanych przez kamerę</a:t>
+            </a:r>
           </a:p>
         </p:txBody>
       </p:sp>
       <p:pic>
         <p:nvPicPr>
-          <p:cNvPr id="4" name="Symbol zastępczy zawartości 3" descr="algorytm1_pro.jpg"/>
-          <p:cNvPicPr>
-            <a:picLocks noGrp="1" noChangeAspect="1"/>
-          </p:cNvPicPr>
-          <p:nvPr>
-            <p:ph idx="1"/>
-          </p:nvPr>
+          <p:cNvPr id="4" name="Obraz 3" descr="algorytm2-2.jpg"/>
+          <p:cNvPicPr/>
+          <p:nvPr/>
         </p:nvPicPr>
         <p:blipFill>
           <a:blip r:embed="rId3" cstate="print"/>
@@ -8569,9 +8198,12 @@
         </p:blipFill>
         <p:spPr>
           <a:xfrm>
-            <a:off x="478955" y="1600200"/>
-            <a:ext cx="8186090" cy="4525963"/>
+            <a:off x="1547664" y="1268760"/>
+            <a:ext cx="6192688" cy="5400600"/>
           </a:xfrm>
+          <a:prstGeom prst="rect">
+            <a:avLst/>
+          </a:prstGeom>
         </p:spPr>
       </p:pic>
     </p:spTree>
@@ -8616,28 +8248,31 @@
             <p:ph type="title"/>
           </p:nvPr>
         </p:nvSpPr>
-        <p:spPr/>
-        <p:txBody>
-          <a:bodyPr/>
-          <a:lstStyle/>
-          <a:p>
-            <a:r>
-              <a:rPr lang="pl-PL" dirty="0" smtClean="0"/>
+        <p:spPr>
+          <a:xfrm>
+            <a:off x="467544" y="0"/>
+            <a:ext cx="8229600" cy="1143000"/>
+          </a:xfrm>
+        </p:spPr>
+        <p:txBody>
+          <a:bodyPr>
+            <a:normAutofit/>
+          </a:bodyPr>
+          <a:lstStyle/>
+          <a:p>
+            <a:r>
+              <a:rPr lang="pl-PL" sz="3500" b="1" dirty="0" smtClean="0"/>
               <a:t>Przykładowy wynik algorytmu</a:t>
             </a:r>
-            <a:endParaRPr lang="pl-PL" dirty="0"/>
+            <a:endParaRPr lang="pl-PL" sz="3500" b="1" dirty="0"/>
           </a:p>
         </p:txBody>
       </p:sp>
       <p:pic>
         <p:nvPicPr>
-          <p:cNvPr id="5" name="Symbol zastępczy zawartości 4" descr="algorytm1-22 — kopia (2).jpg"/>
-          <p:cNvPicPr>
-            <a:picLocks noGrp="1"/>
-          </p:cNvPicPr>
-          <p:nvPr>
-            <p:ph idx="1"/>
-          </p:nvPr>
+          <p:cNvPr id="4" name="Obraz 3" descr="algorytm2_wynik_pro2.jpg"/>
+          <p:cNvPicPr/>
+          <p:nvPr/>
         </p:nvPicPr>
         <p:blipFill>
           <a:blip r:embed="rId3" cstate="print"/>
@@ -8647,8 +8282,8 @@
         </p:blipFill>
         <p:spPr>
           <a:xfrm>
-            <a:off x="1403648" y="1196752"/>
-            <a:ext cx="6480720" cy="5472608"/>
+            <a:off x="1475656" y="1052736"/>
+            <a:ext cx="6336703" cy="5616624"/>
           </a:xfrm>
           <a:prstGeom prst="rect">
             <a:avLst/>
@@ -8697,7 +8332,12 @@
             <p:ph type="title"/>
           </p:nvPr>
         </p:nvSpPr>
-        <p:spPr/>
+        <p:spPr>
+          <a:xfrm>
+            <a:off x="467544" y="0"/>
+            <a:ext cx="8229600" cy="1143000"/>
+          </a:xfrm>
+        </p:spPr>
         <p:txBody>
           <a:bodyPr>
             <a:normAutofit/>
@@ -8705,41 +8345,82 @@
           <a:lstStyle/>
           <a:p>
             <a:r>
+              <a:rPr lang="pl-PL" sz="3500" b="1" dirty="0" smtClean="0"/>
+              <a:t>Algorytm łączenia kolejnych obszarów</a:t>
+            </a:r>
+            <a:endParaRPr lang="pl-PL" sz="3500" b="1" dirty="0"/>
+          </a:p>
+        </p:txBody>
+      </p:sp>
+      <p:sp>
+        <p:nvSpPr>
+          <p:cNvPr id="3" name="Symbol zastępczy zawartości 2"/>
+          <p:cNvSpPr>
+            <a:spLocks noGrp="1"/>
+          </p:cNvSpPr>
+          <p:nvPr>
+            <p:ph idx="1"/>
+          </p:nvPr>
+        </p:nvSpPr>
+        <p:spPr/>
+        <p:txBody>
+          <a:bodyPr>
+            <a:normAutofit/>
+          </a:bodyPr>
+          <a:lstStyle/>
+          <a:p>
+            <a:r>
               <a:rPr lang="pl-PL" sz="2500" dirty="0" smtClean="0"/>
-              <a:t>Algorytm wyznaczania obszarów </a:t>
-            </a:r>
-            <a:r>
-              <a:rPr lang="pl-PL" sz="2500" dirty="0" err="1" smtClean="0"/>
-              <a:t>wewnatrz</a:t>
-            </a:r>
+              <a:t>Obszar ostatnio przeszukany,</a:t>
+            </a:r>
+          </a:p>
+          <a:p>
+            <a:endParaRPr lang="pl-PL" sz="2500" dirty="0" smtClean="0"/>
+          </a:p>
+          <a:p>
             <a:r>
               <a:rPr lang="pl-PL" sz="2500" dirty="0" smtClean="0"/>
-              <a:t> otoczki niezarejestrowanych przez kamerę</a:t>
-            </a:r>
+              <a:t>Obszar dotychczas przeszukany,</a:t>
+            </a:r>
+          </a:p>
+          <a:p>
+            <a:endParaRPr lang="pl-PL" sz="2500" dirty="0" smtClean="0"/>
+          </a:p>
+          <a:p>
             <a:endParaRPr lang="pl-PL" sz="2500" dirty="0"/>
           </a:p>
         </p:txBody>
       </p:sp>
       <p:pic>
         <p:nvPicPr>
-          <p:cNvPr id="4" name="Obraz 3" descr="algorytm2-1-new2.jpg"/>
-          <p:cNvPicPr/>
+          <p:cNvPr id="2050" name="Picture 2"/>
+          <p:cNvPicPr>
+            <a:picLocks noChangeAspect="1" noChangeArrowheads="1"/>
+          </p:cNvPicPr>
           <p:nvPr/>
         </p:nvPicPr>
         <p:blipFill>
           <a:blip r:embed="rId3" cstate="print"/>
+          <a:srcRect/>
           <a:stretch>
             <a:fillRect/>
           </a:stretch>
         </p:blipFill>
-        <p:spPr>
+        <p:spPr bwMode="auto">
           <a:xfrm>
-            <a:off x="0" y="1412776"/>
-            <a:ext cx="9144000" cy="4968552"/>
+            <a:off x="3131840" y="3573016"/>
+            <a:ext cx="3528392" cy="2607942"/>
           </a:xfrm>
           <a:prstGeom prst="rect">
             <a:avLst/>
           </a:prstGeom>
+          <a:noFill/>
+          <a:ln w="9525">
+            <a:noFill/>
+            <a:miter lim="800000"/>
+            <a:headEnd/>
+            <a:tailEnd/>
+          </a:ln>
         </p:spPr>
       </p:pic>
     </p:spTree>
@@ -8784,23 +8465,29 @@
             <p:ph type="title"/>
           </p:nvPr>
         </p:nvSpPr>
-        <p:spPr/>
+        <p:spPr>
+          <a:xfrm>
+            <a:off x="395536" y="0"/>
+            <a:ext cx="8229600" cy="1143000"/>
+          </a:xfrm>
+        </p:spPr>
         <p:txBody>
           <a:bodyPr>
-            <a:normAutofit/>
+            <a:noAutofit/>
           </a:bodyPr>
           <a:lstStyle/>
           <a:p>
             <a:r>
-              <a:rPr lang="pl-PL" sz="2500" dirty="0"/>
-              <a:t>Linie, reprezentujące fragmenty obszarów wewnątrz otoczki niezarejestrowanych przez kamerę</a:t>
-            </a:r>
+              <a:rPr lang="pl-PL" sz="3500" b="1" dirty="0" smtClean="0"/>
+              <a:t>Zobrazowanie problemu wyznaczania otoczki wklęsłej</a:t>
+            </a:r>
+            <a:endParaRPr lang="pl-PL" sz="3500" b="1" dirty="0"/>
           </a:p>
         </p:txBody>
       </p:sp>
       <p:pic>
         <p:nvPicPr>
-          <p:cNvPr id="4" name="Obraz 3" descr="algorytm2-2.jpg"/>
+          <p:cNvPr id="4" name="Obraz 3" descr="Otoczka_problem.jpg"/>
           <p:cNvPicPr/>
           <p:nvPr/>
         </p:nvPicPr>
@@ -8812,8 +8499,8 @@
         </p:blipFill>
         <p:spPr>
           <a:xfrm>
-            <a:off x="1475656" y="1196752"/>
-            <a:ext cx="6336704" cy="5661248"/>
+            <a:off x="971600" y="1700808"/>
+            <a:ext cx="7344815" cy="4536504"/>
           </a:xfrm>
           <a:prstGeom prst="rect">
             <a:avLst/>
@@ -8862,12 +8549,7 @@
             <p:ph type="title"/>
           </p:nvPr>
         </p:nvSpPr>
-        <p:spPr>
-          <a:xfrm>
-            <a:off x="467544" y="0"/>
-            <a:ext cx="8229600" cy="1143000"/>
-          </a:xfrm>
-        </p:spPr>
+        <p:spPr/>
         <p:txBody>
           <a:bodyPr>
             <a:normAutofit/>
@@ -8875,8 +8557,74 @@
           <a:lstStyle/>
           <a:p>
             <a:r>
+              <a:rPr lang="pl-PL" sz="3500" b="1" dirty="0" smtClean="0"/>
+              <a:t>Kształt alfa</a:t>
+            </a:r>
+            <a:endParaRPr lang="pl-PL" sz="3500" b="1" dirty="0"/>
+          </a:p>
+        </p:txBody>
+      </p:sp>
+      <p:sp>
+        <p:nvSpPr>
+          <p:cNvPr id="3" name="Symbol zastępczy zawartości 2"/>
+          <p:cNvSpPr>
+            <a:spLocks noGrp="1"/>
+          </p:cNvSpPr>
+          <p:nvPr>
+            <p:ph idx="1"/>
+          </p:nvPr>
+        </p:nvSpPr>
+        <p:spPr>
+          <a:xfrm>
+            <a:off x="467544" y="1484784"/>
+            <a:ext cx="8229600" cy="4525963"/>
+          </a:xfrm>
+        </p:spPr>
+        <p:txBody>
+          <a:bodyPr>
+            <a:normAutofit/>
+          </a:bodyPr>
+          <a:lstStyle/>
+          <a:p>
+            <a:r>
+              <a:rPr lang="pl-PL" sz="2500" b="1" dirty="0" smtClean="0"/>
+              <a:t>Kształt </a:t>
+            </a:r>
+            <a:r>
+              <a:rPr lang="el-GR" sz="2500" b="1" dirty="0" smtClean="0"/>
+              <a:t>α</a:t>
+            </a:r>
+            <a:r>
+              <a:rPr lang="pl-PL" sz="2500" b="1" dirty="0" smtClean="0"/>
+              <a:t> </a:t>
+            </a:r>
+            <a:r>
               <a:rPr lang="pl-PL" sz="2500" dirty="0" smtClean="0"/>
-              <a:t>Przykładowy wynik algorytmu</a:t>
+              <a:t>dowolnego zbioru punktów jest </a:t>
+            </a:r>
+            <a:r>
+              <a:rPr lang="pl-PL" sz="2500" dirty="0" err="1" smtClean="0"/>
+              <a:t>subgrafem</a:t>
+            </a:r>
+            <a:r>
+              <a:rPr lang="pl-PL" sz="2500" dirty="0" smtClean="0"/>
+              <a:t> triangulacji </a:t>
+            </a:r>
+            <a:r>
+              <a:rPr lang="pl-PL" sz="2500" dirty="0" err="1" smtClean="0"/>
+              <a:t>Delaunay</a:t>
+            </a:r>
+            <a:r>
+              <a:rPr lang="pl-PL" sz="2500" dirty="0" smtClean="0"/>
+              <a:t> takim, że dwa punkty stanowią jego krawędź jeśli istnieje pusta kula o promieniu 1/</a:t>
+            </a:r>
+            <a:r>
+              <a:rPr lang="el-GR" sz="2500" dirty="0" smtClean="0"/>
+              <a:t>α</a:t>
+            </a:r>
+            <a:r>
+              <a:rPr lang="pl-PL" sz="2500" dirty="0" smtClean="0"/>
+              <a:t> stykająca się z tymi dwoma punktami. </a:t>
             </a:r>
             <a:endParaRPr lang="pl-PL" sz="2500" dirty="0"/>
           </a:p>
@@ -8884,24 +8632,32 @@
       </p:sp>
       <p:pic>
         <p:nvPicPr>
-          <p:cNvPr id="4" name="Obraz 3" descr="algorytm2_wynik_pro2.jpg"/>
+          <p:cNvPr id="4" name="Obraz 3"/>
           <p:cNvPicPr/>
           <p:nvPr/>
         </p:nvPicPr>
         <p:blipFill>
           <a:blip r:embed="rId3" cstate="print"/>
+          <a:srcRect/>
           <a:stretch>
             <a:fillRect/>
           </a:stretch>
         </p:blipFill>
-        <p:spPr>
+        <p:spPr bwMode="auto">
           <a:xfrm>
-            <a:off x="1115616" y="764704"/>
-            <a:ext cx="6768751" cy="6093296"/>
+            <a:off x="1979712" y="3429000"/>
+            <a:ext cx="5400600" cy="2950510"/>
           </a:xfrm>
           <a:prstGeom prst="rect">
             <a:avLst/>
           </a:prstGeom>
+          <a:noFill/>
+          <a:ln w="9525">
+            <a:noFill/>
+            <a:miter lim="800000"/>
+            <a:headEnd/>
+            <a:tailEnd/>
+          </a:ln>
         </p:spPr>
       </p:pic>
     </p:spTree>
@@ -8946,38 +8702,195 @@
             <p:ph type="title"/>
           </p:nvPr>
         </p:nvSpPr>
-        <p:spPr/>
-        <p:txBody>
-          <a:bodyPr/>
-          <a:lstStyle/>
-          <a:p>
-            <a:r>
-              <a:rPr lang="pl-PL" dirty="0" smtClean="0"/>
-              <a:t>III część algorytmu</a:t>
-            </a:r>
-            <a:endParaRPr lang="pl-PL" dirty="0"/>
-          </a:p>
-        </p:txBody>
-      </p:sp>
-      <p:sp>
-        <p:nvSpPr>
-          <p:cNvPr id="3" name="Symbol zastępczy zawartości 2"/>
-          <p:cNvSpPr>
-            <a:spLocks noGrp="1"/>
-          </p:cNvSpPr>
-          <p:nvPr>
-            <p:ph idx="1"/>
-          </p:nvPr>
-        </p:nvSpPr>
-        <p:spPr/>
-        <p:txBody>
-          <a:bodyPr/>
-          <a:lstStyle/>
-          <a:p>
-            <a:endParaRPr lang="pl-PL"/>
-          </a:p>
-        </p:txBody>
-      </p:sp>
+        <p:spPr>
+          <a:xfrm>
+            <a:off x="467544" y="0"/>
+            <a:ext cx="8229600" cy="1143000"/>
+          </a:xfrm>
+        </p:spPr>
+        <p:txBody>
+          <a:bodyPr>
+            <a:normAutofit/>
+          </a:bodyPr>
+          <a:lstStyle/>
+          <a:p>
+            <a:r>
+              <a:rPr lang="pl-PL" sz="3500" b="1" dirty="0" smtClean="0"/>
+              <a:t>Triangulacja </a:t>
+            </a:r>
+            <a:r>
+              <a:rPr lang="pl-PL" sz="3500" b="1" dirty="0" err="1" smtClean="0"/>
+              <a:t>Delaunay</a:t>
+            </a:r>
+            <a:endParaRPr lang="pl-PL" sz="3500" b="1" dirty="0"/>
+          </a:p>
+        </p:txBody>
+      </p:sp>
+      <p:sp>
+        <p:nvSpPr>
+          <p:cNvPr id="3075" name="Rectangle 3"/>
+          <p:cNvSpPr>
+            <a:spLocks noChangeArrowheads="1"/>
+          </p:cNvSpPr>
+          <p:nvPr/>
+        </p:nvSpPr>
+        <p:spPr bwMode="auto">
+          <a:xfrm>
+            <a:off x="0" y="2276872"/>
+            <a:ext cx="4896544" cy="2246769"/>
+          </a:xfrm>
+          <a:prstGeom prst="rect">
+            <a:avLst/>
+          </a:prstGeom>
+          <a:noFill/>
+          <a:ln w="9525">
+            <a:noFill/>
+            <a:miter lim="800000"/>
+            <a:headEnd/>
+            <a:tailEnd/>
+          </a:ln>
+          <a:effectLst/>
+        </p:spPr>
+        <p:txBody>
+          <a:bodyPr vert="horz" wrap="square" lIns="91440" tIns="45720" rIns="91440" bIns="45720" numCol="1" anchor="ctr" anchorCtr="0" compatLnSpc="1">
+            <a:prstTxWarp prst="textNoShape">
+              <a:avLst/>
+            </a:prstTxWarp>
+            <a:spAutoFit/>
+          </a:bodyPr>
+          <a:lstStyle/>
+          <a:p>
+            <a:pPr marL="0" marR="0" lvl="0" indent="0" algn="l" defTabSz="914400" rtl="0" eaLnBrk="1" fontAlgn="base" latinLnBrk="0" hangingPunct="1">
+              <a:lnSpc>
+                <a:spcPct val="100000"/>
+              </a:lnSpc>
+              <a:spcBef>
+                <a:spcPct val="0"/>
+              </a:spcBef>
+              <a:spcAft>
+                <a:spcPct val="0"/>
+              </a:spcAft>
+              <a:buClrTx/>
+              <a:buSzTx/>
+              <a:buFontTx/>
+              <a:buNone/>
+              <a:tabLst/>
+            </a:pPr>
+            <a:r>
+              <a:rPr kumimoji="0" lang="pl-PL" sz="2000" b="1" i="0" u="none" strike="noStrike" cap="none" normalizeH="0" baseline="0" dirty="0" smtClean="0">
+                <a:ln>
+                  <a:noFill/>
+                </a:ln>
+                <a:solidFill>
+                  <a:schemeClr val="tx1"/>
+                </a:solidFill>
+                <a:effectLst/>
+                <a:latin typeface="Arial" pitchFamily="34" charset="0"/>
+                <a:ea typeface="Calibri" pitchFamily="34" charset="0"/>
+                <a:cs typeface="Times New Roman" pitchFamily="18" charset="0"/>
+              </a:rPr>
+              <a:t>Triangulacja </a:t>
+            </a:r>
+            <a:r>
+              <a:rPr kumimoji="0" lang="pl-PL" sz="2000" b="1" i="0" u="none" strike="noStrike" cap="none" normalizeH="0" baseline="0" dirty="0" err="1" smtClean="0">
+                <a:ln>
+                  <a:noFill/>
+                </a:ln>
+                <a:solidFill>
+                  <a:schemeClr val="tx1"/>
+                </a:solidFill>
+                <a:effectLst/>
+                <a:latin typeface="Arial" pitchFamily="34" charset="0"/>
+                <a:ea typeface="Calibri" pitchFamily="34" charset="0"/>
+                <a:cs typeface="Times New Roman" pitchFamily="18" charset="0"/>
+              </a:rPr>
+              <a:t>Delaunay</a:t>
+            </a:r>
+            <a:r>
+              <a:rPr kumimoji="0" lang="pl-PL" sz="2000" b="0" i="0" u="none" strike="noStrike" cap="none" normalizeH="0" baseline="0" dirty="0" smtClean="0">
+                <a:ln>
+                  <a:noFill/>
+                </a:ln>
+                <a:solidFill>
+                  <a:schemeClr val="tx1"/>
+                </a:solidFill>
+                <a:effectLst/>
+                <a:latin typeface="Arial" pitchFamily="34" charset="0"/>
+                <a:ea typeface="Calibri" pitchFamily="34" charset="0"/>
+                <a:cs typeface="Times New Roman" pitchFamily="18" charset="0"/>
+              </a:rPr>
+              <a:t> zbioru punktów </a:t>
+            </a:r>
+            <a:r>
+              <a:rPr kumimoji="0" lang="pl-PL" sz="2000" b="1" i="0" u="none" strike="noStrike" cap="none" normalizeH="0" baseline="0" dirty="0" smtClean="0">
+                <a:ln>
+                  <a:noFill/>
+                </a:ln>
+                <a:solidFill>
+                  <a:schemeClr val="tx1"/>
+                </a:solidFill>
+                <a:effectLst/>
+                <a:latin typeface="Arial" pitchFamily="34" charset="0"/>
+                <a:ea typeface="Calibri" pitchFamily="34" charset="0"/>
+                <a:cs typeface="Times New Roman" pitchFamily="18" charset="0"/>
+              </a:rPr>
+              <a:t>P</a:t>
+            </a:r>
+            <a:r>
+              <a:rPr kumimoji="0" lang="pl-PL" sz="2000" b="0" i="0" u="none" strike="noStrike" cap="none" normalizeH="0" baseline="0" dirty="0" smtClean="0">
+                <a:ln>
+                  <a:noFill/>
+                </a:ln>
+                <a:solidFill>
+                  <a:schemeClr val="tx1"/>
+                </a:solidFill>
+                <a:effectLst/>
+                <a:latin typeface="Arial" pitchFamily="34" charset="0"/>
+                <a:ea typeface="Calibri" pitchFamily="34" charset="0"/>
+                <a:cs typeface="Times New Roman" pitchFamily="18" charset="0"/>
+              </a:rPr>
+              <a:t> jest takim podziałem obszaru wyznaczonego przez ten zbiór na trójkąty, że żaden z punktów tego zbioru nie znajduje się we wnętrzu któregokolwiek z okręgów opisanych na trójkątach powstałych podczas triangulacji.</a:t>
+            </a:r>
+            <a:endParaRPr kumimoji="0" lang="pl-PL" sz="2000" b="0" i="0" u="none" strike="noStrike" cap="none" normalizeH="0" baseline="0" dirty="0" smtClean="0">
+              <a:ln>
+                <a:noFill/>
+              </a:ln>
+              <a:solidFill>
+                <a:schemeClr val="tx1"/>
+              </a:solidFill>
+              <a:effectLst/>
+              <a:latin typeface="Arial" pitchFamily="34" charset="0"/>
+              <a:cs typeface="Arial" pitchFamily="34" charset="0"/>
+            </a:endParaRPr>
+          </a:p>
+        </p:txBody>
+      </p:sp>
+      <p:pic>
+        <p:nvPicPr>
+          <p:cNvPr id="3074" name="Picture 2" descr="https://upload.wikimedia.org/wikipedia/commons/thumb/d/db/Delaunay_circumcircles_vectorial.svg/500px-Delaunay_circumcircles_vectorial.svg.png"/>
+          <p:cNvPicPr>
+            <a:picLocks noChangeAspect="1" noChangeArrowheads="1"/>
+          </p:cNvPicPr>
+          <p:nvPr/>
+        </p:nvPicPr>
+        <p:blipFill>
+          <a:blip r:embed="rId3" cstate="print"/>
+          <a:srcRect/>
+          <a:stretch>
+            <a:fillRect/>
+          </a:stretch>
+        </p:blipFill>
+        <p:spPr bwMode="auto">
+          <a:xfrm>
+            <a:off x="4932040" y="1268760"/>
+            <a:ext cx="4427984" cy="4536504"/>
+          </a:xfrm>
+          <a:prstGeom prst="rect">
+            <a:avLst/>
+          </a:prstGeom>
+          <a:noFill/>
+        </p:spPr>
+      </p:pic>
     </p:spTree>
   </p:cSld>
   <p:clrMapOvr>
@@ -9020,189 +8933,6 @@
             <p:ph type="title"/>
           </p:nvPr>
         </p:nvSpPr>
-        <p:spPr/>
-        <p:txBody>
-          <a:bodyPr>
-            <a:normAutofit fontScale="90000"/>
-          </a:bodyPr>
-          <a:lstStyle/>
-          <a:p>
-            <a:r>
-              <a:rPr lang="pl-PL" dirty="0" smtClean="0"/>
-              <a:t>Zobrazowanie problemu wyznaczania otoczki wklęsłej</a:t>
-            </a:r>
-            <a:endParaRPr lang="pl-PL" dirty="0"/>
-          </a:p>
-        </p:txBody>
-      </p:sp>
-      <p:pic>
-        <p:nvPicPr>
-          <p:cNvPr id="4" name="Obraz 3" descr="Otoczka_problem.jpg"/>
-          <p:cNvPicPr/>
-          <p:nvPr/>
-        </p:nvPicPr>
-        <p:blipFill>
-          <a:blip r:embed="rId3" cstate="print"/>
-          <a:stretch>
-            <a:fillRect/>
-          </a:stretch>
-        </p:blipFill>
-        <p:spPr>
-          <a:xfrm>
-            <a:off x="899592" y="1844824"/>
-            <a:ext cx="7344815" cy="4536504"/>
-          </a:xfrm>
-          <a:prstGeom prst="rect">
-            <a:avLst/>
-          </a:prstGeom>
-        </p:spPr>
-      </p:pic>
-    </p:spTree>
-  </p:cSld>
-  <p:clrMapOvr>
-    <a:masterClrMapping/>
-  </p:clrMapOvr>
-  <p:timing>
-    <p:tnLst>
-      <p:par>
-        <p:cTn id="1" dur="indefinite" restart="never" nodeType="tmRoot"/>
-      </p:par>
-    </p:tnLst>
-  </p:timing>
-</p:sld>
-</file>
-
-<file path=ppt/slides/slide18.xml><?xml version="1.0" encoding="utf-8"?>
-<p:sld xmlns:a="http://schemas.openxmlformats.org/drawingml/2006/main" xmlns:r="http://schemas.openxmlformats.org/officeDocument/2006/relationships" xmlns:p="http://schemas.openxmlformats.org/presentationml/2006/main">
-  <p:cSld>
-    <p:spTree>
-      <p:nvGrpSpPr>
-        <p:cNvPr id="1" name=""/>
-        <p:cNvGrpSpPr/>
-        <p:nvPr/>
-      </p:nvGrpSpPr>
-      <p:grpSpPr>
-        <a:xfrm>
-          <a:off x="0" y="0"/>
-          <a:ext cx="0" cy="0"/>
-          <a:chOff x="0" y="0"/>
-          <a:chExt cx="0" cy="0"/>
-        </a:xfrm>
-      </p:grpSpPr>
-      <p:sp>
-        <p:nvSpPr>
-          <p:cNvPr id="2" name="Tytuł 1"/>
-          <p:cNvSpPr>
-            <a:spLocks noGrp="1"/>
-          </p:cNvSpPr>
-          <p:nvPr>
-            <p:ph type="title"/>
-          </p:nvPr>
-        </p:nvSpPr>
-        <p:spPr/>
-        <p:txBody>
-          <a:bodyPr/>
-          <a:lstStyle/>
-          <a:p>
-            <a:r>
-              <a:rPr lang="pl-PL" dirty="0" smtClean="0"/>
-              <a:t>Kształt alfa</a:t>
-            </a:r>
-            <a:endParaRPr lang="pl-PL" dirty="0"/>
-          </a:p>
-        </p:txBody>
-      </p:sp>
-      <p:sp>
-        <p:nvSpPr>
-          <p:cNvPr id="3" name="Symbol zastępczy zawartości 2"/>
-          <p:cNvSpPr>
-            <a:spLocks noGrp="1"/>
-          </p:cNvSpPr>
-          <p:nvPr>
-            <p:ph idx="1"/>
-          </p:nvPr>
-        </p:nvSpPr>
-        <p:spPr/>
-        <p:txBody>
-          <a:bodyPr/>
-          <a:lstStyle/>
-          <a:p>
-            <a:endParaRPr lang="pl-PL"/>
-          </a:p>
-        </p:txBody>
-      </p:sp>
-      <p:pic>
-        <p:nvPicPr>
-          <p:cNvPr id="4" name="Obraz 3"/>
-          <p:cNvPicPr/>
-          <p:nvPr/>
-        </p:nvPicPr>
-        <p:blipFill>
-          <a:blip r:embed="rId3" cstate="print"/>
-          <a:srcRect/>
-          <a:stretch>
-            <a:fillRect/>
-          </a:stretch>
-        </p:blipFill>
-        <p:spPr bwMode="auto">
-          <a:xfrm>
-            <a:off x="1907704" y="2420888"/>
-            <a:ext cx="5400600" cy="2950510"/>
-          </a:xfrm>
-          <a:prstGeom prst="rect">
-            <a:avLst/>
-          </a:prstGeom>
-          <a:noFill/>
-          <a:ln w="9525">
-            <a:noFill/>
-            <a:miter lim="800000"/>
-            <a:headEnd/>
-            <a:tailEnd/>
-          </a:ln>
-        </p:spPr>
-      </p:pic>
-    </p:spTree>
-  </p:cSld>
-  <p:clrMapOvr>
-    <a:masterClrMapping/>
-  </p:clrMapOvr>
-  <p:timing>
-    <p:tnLst>
-      <p:par>
-        <p:cTn id="1" dur="indefinite" restart="never" nodeType="tmRoot"/>
-      </p:par>
-    </p:tnLst>
-  </p:timing>
-</p:sld>
-</file>
-
-<file path=ppt/slides/slide19.xml><?xml version="1.0" encoding="utf-8"?>
-<p:sld xmlns:a="http://schemas.openxmlformats.org/drawingml/2006/main" xmlns:r="http://schemas.openxmlformats.org/officeDocument/2006/relationships" xmlns:p="http://schemas.openxmlformats.org/presentationml/2006/main">
-  <p:cSld>
-    <p:spTree>
-      <p:nvGrpSpPr>
-        <p:cNvPr id="1" name=""/>
-        <p:cNvGrpSpPr/>
-        <p:nvPr/>
-      </p:nvGrpSpPr>
-      <p:grpSpPr>
-        <a:xfrm>
-          <a:off x="0" y="0"/>
-          <a:ext cx="0" cy="0"/>
-          <a:chOff x="0" y="0"/>
-          <a:chExt cx="0" cy="0"/>
-        </a:xfrm>
-      </p:grpSpPr>
-      <p:sp>
-        <p:nvSpPr>
-          <p:cNvPr id="2" name="Tytuł 1"/>
-          <p:cNvSpPr>
-            <a:spLocks noGrp="1"/>
-          </p:cNvSpPr>
-          <p:nvPr>
-            <p:ph type="title"/>
-          </p:nvPr>
-        </p:nvSpPr>
         <p:spPr>
           <a:xfrm>
             <a:off x="395536" y="0"/>
@@ -9211,15 +8941,19 @@
         </p:spPr>
         <p:txBody>
           <a:bodyPr>
-            <a:normAutofit/>
+            <a:noAutofit/>
           </a:bodyPr>
           <a:lstStyle/>
           <a:p>
             <a:r>
-              <a:rPr lang="pl-PL" sz="2500" b="1" dirty="0" smtClean="0"/>
-              <a:t>Intuicyjny przykład wyznaczania kształtu alfa</a:t>
-            </a:r>
-            <a:endParaRPr lang="pl-PL" sz="2500" b="1" dirty="0"/>
+              <a:rPr lang="pl-PL" sz="3500" b="1" dirty="0" smtClean="0"/>
+              <a:t>Intuicyjny przykład wyznaczania kształtu </a:t>
+            </a:r>
+            <a:r>
+              <a:rPr lang="pl-PL" sz="3500" b="1" dirty="0" smtClean="0"/>
+              <a:t>α</a:t>
+            </a:r>
+            <a:endParaRPr lang="pl-PL" sz="3500" b="1" dirty="0"/>
           </a:p>
         </p:txBody>
       </p:sp>
@@ -9268,6 +9002,262 @@
 </p:sld>
 </file>
 
+<file path=ppt/slides/slide18.xml><?xml version="1.0" encoding="utf-8"?>
+<p:sld xmlns:a="http://schemas.openxmlformats.org/drawingml/2006/main" xmlns:r="http://schemas.openxmlformats.org/officeDocument/2006/relationships" xmlns:p="http://schemas.openxmlformats.org/presentationml/2006/main">
+  <p:cSld>
+    <p:spTree>
+      <p:nvGrpSpPr>
+        <p:cNvPr id="1" name=""/>
+        <p:cNvGrpSpPr/>
+        <p:nvPr/>
+      </p:nvGrpSpPr>
+      <p:grpSpPr>
+        <a:xfrm>
+          <a:off x="0" y="0"/>
+          <a:ext cx="0" cy="0"/>
+          <a:chOff x="0" y="0"/>
+          <a:chExt cx="0" cy="0"/>
+        </a:xfrm>
+      </p:grpSpPr>
+      <p:sp>
+        <p:nvSpPr>
+          <p:cNvPr id="2" name="Tytuł 1"/>
+          <p:cNvSpPr>
+            <a:spLocks noGrp="1"/>
+          </p:cNvSpPr>
+          <p:nvPr>
+            <p:ph type="title"/>
+          </p:nvPr>
+        </p:nvSpPr>
+        <p:spPr>
+          <a:xfrm>
+            <a:off x="467544" y="0"/>
+            <a:ext cx="8229600" cy="1143000"/>
+          </a:xfrm>
+        </p:spPr>
+        <p:txBody>
+          <a:bodyPr>
+            <a:normAutofit/>
+          </a:bodyPr>
+          <a:lstStyle/>
+          <a:p>
+            <a:r>
+              <a:rPr lang="pl-PL" sz="3500" b="1" dirty="0" smtClean="0"/>
+              <a:t>Algorytm w praktyce</a:t>
+            </a:r>
+            <a:endParaRPr lang="pl-PL" sz="3500" b="1" dirty="0"/>
+          </a:p>
+        </p:txBody>
+      </p:sp>
+      <p:sp>
+        <p:nvSpPr>
+          <p:cNvPr id="3" name="Symbol zastępczy zawartości 2"/>
+          <p:cNvSpPr>
+            <a:spLocks noGrp="1"/>
+          </p:cNvSpPr>
+          <p:nvPr>
+            <p:ph idx="1"/>
+          </p:nvPr>
+        </p:nvSpPr>
+        <p:spPr>
+          <a:xfrm>
+            <a:off x="395536" y="1772816"/>
+            <a:ext cx="8229600" cy="4525963"/>
+          </a:xfrm>
+        </p:spPr>
+        <p:txBody>
+          <a:bodyPr>
+            <a:normAutofit/>
+          </a:bodyPr>
+          <a:lstStyle/>
+          <a:p>
+            <a:pPr marL="514350" indent="-514350">
+              <a:buFont typeface="+mj-lt"/>
+              <a:buAutoNum type="arabicPeriod"/>
+            </a:pPr>
+            <a:r>
+              <a:rPr lang="pl-PL" sz="2500" dirty="0" err="1" smtClean="0"/>
+              <a:t>Densyfikacja</a:t>
+            </a:r>
+            <a:r>
+              <a:rPr lang="pl-PL" sz="2500" dirty="0" smtClean="0"/>
+              <a:t> punktów należących do obu zbiorów,</a:t>
+            </a:r>
+          </a:p>
+          <a:p>
+            <a:pPr marL="514350" indent="-514350">
+              <a:buFont typeface="+mj-lt"/>
+              <a:buAutoNum type="arabicPeriod"/>
+            </a:pPr>
+            <a:endParaRPr lang="pl-PL" sz="1500" dirty="0" smtClean="0"/>
+          </a:p>
+          <a:p>
+            <a:pPr marL="514350" indent="-514350">
+              <a:buFont typeface="+mj-lt"/>
+              <a:buAutoNum type="arabicPeriod"/>
+            </a:pPr>
+            <a:r>
+              <a:rPr lang="pl-PL" sz="2500" dirty="0" smtClean="0"/>
+              <a:t>Połączenie zbiorów w jeden zbiór </a:t>
+            </a:r>
+            <a:r>
+              <a:rPr lang="pl-PL" sz="2500" b="1" dirty="0" smtClean="0"/>
+              <a:t>P</a:t>
+            </a:r>
+            <a:r>
+              <a:rPr lang="pl-PL" sz="2500" dirty="0" smtClean="0"/>
+              <a:t>,</a:t>
+            </a:r>
+          </a:p>
+          <a:p>
+            <a:pPr marL="514350" indent="-514350">
+              <a:buFont typeface="+mj-lt"/>
+              <a:buAutoNum type="arabicPeriod"/>
+            </a:pPr>
+            <a:endParaRPr lang="pl-PL" sz="1500" dirty="0" smtClean="0"/>
+          </a:p>
+          <a:p>
+            <a:pPr marL="514350" indent="-514350">
+              <a:buFont typeface="+mj-lt"/>
+              <a:buAutoNum type="arabicPeriod"/>
+            </a:pPr>
+            <a:r>
+              <a:rPr lang="pl-PL" sz="2500" dirty="0" smtClean="0"/>
+              <a:t>Triangulacja </a:t>
+            </a:r>
+            <a:r>
+              <a:rPr lang="pl-PL" sz="2500" dirty="0" err="1" smtClean="0"/>
+              <a:t>Delaunay</a:t>
+            </a:r>
+            <a:r>
+              <a:rPr lang="pl-PL" sz="2500" dirty="0" smtClean="0"/>
+              <a:t> na zbiorze </a:t>
+            </a:r>
+            <a:r>
+              <a:rPr lang="pl-PL" sz="2500" b="1" dirty="0" smtClean="0"/>
+              <a:t>P</a:t>
+            </a:r>
+            <a:r>
+              <a:rPr lang="pl-PL" sz="2500" dirty="0" smtClean="0"/>
+              <a:t>,</a:t>
+            </a:r>
+          </a:p>
+          <a:p>
+            <a:pPr marL="514350" indent="-514350">
+              <a:buFont typeface="+mj-lt"/>
+              <a:buAutoNum type="arabicPeriod"/>
+            </a:pPr>
+            <a:endParaRPr lang="pl-PL" sz="1500" dirty="0" smtClean="0"/>
+          </a:p>
+          <a:p>
+            <a:pPr marL="514350" indent="-514350">
+              <a:buFont typeface="+mj-lt"/>
+              <a:buAutoNum type="arabicPeriod"/>
+            </a:pPr>
+            <a:r>
+              <a:rPr lang="pl-PL" sz="2500" dirty="0" smtClean="0"/>
+              <a:t>Wyznaczenie grafu reprezentującego otoczkę poprzez połączenie trójkątów, dla których promień okręgu na nich opisanego jest mniejszy od dobranej wartości parametru </a:t>
+            </a:r>
+            <a:r>
+              <a:rPr lang="el-GR" sz="2500" b="1" dirty="0" smtClean="0"/>
+              <a:t>α</a:t>
+            </a:r>
+            <a:endParaRPr lang="pl-PL" sz="2500" b="1" dirty="0" smtClean="0"/>
+          </a:p>
+        </p:txBody>
+      </p:sp>
+    </p:spTree>
+  </p:cSld>
+  <p:clrMapOvr>
+    <a:masterClrMapping/>
+  </p:clrMapOvr>
+</p:sld>
+</file>
+
+<file path=ppt/slides/slide19.xml><?xml version="1.0" encoding="utf-8"?>
+<p:sld xmlns:a="http://schemas.openxmlformats.org/drawingml/2006/main" xmlns:r="http://schemas.openxmlformats.org/officeDocument/2006/relationships" xmlns:p="http://schemas.openxmlformats.org/presentationml/2006/main">
+  <p:cSld>
+    <p:spTree>
+      <p:nvGrpSpPr>
+        <p:cNvPr id="1" name=""/>
+        <p:cNvGrpSpPr/>
+        <p:nvPr/>
+      </p:nvGrpSpPr>
+      <p:grpSpPr>
+        <a:xfrm>
+          <a:off x="0" y="0"/>
+          <a:ext cx="0" cy="0"/>
+          <a:chOff x="0" y="0"/>
+          <a:chExt cx="0" cy="0"/>
+        </a:xfrm>
+      </p:grpSpPr>
+      <p:sp>
+        <p:nvSpPr>
+          <p:cNvPr id="2" name="Tytuł 1"/>
+          <p:cNvSpPr>
+            <a:spLocks noGrp="1"/>
+          </p:cNvSpPr>
+          <p:nvPr>
+            <p:ph type="title"/>
+          </p:nvPr>
+        </p:nvSpPr>
+        <p:spPr>
+          <a:xfrm>
+            <a:off x="467544" y="0"/>
+            <a:ext cx="8229600" cy="1143000"/>
+          </a:xfrm>
+        </p:spPr>
+        <p:txBody>
+          <a:bodyPr>
+            <a:normAutofit/>
+          </a:bodyPr>
+          <a:lstStyle/>
+          <a:p>
+            <a:r>
+              <a:rPr lang="pl-PL" sz="3500" b="1" dirty="0" smtClean="0"/>
+              <a:t>Przykładowy zbiór punktów P</a:t>
+            </a:r>
+            <a:endParaRPr lang="pl-PL" sz="3500" b="1" dirty="0"/>
+          </a:p>
+        </p:txBody>
+      </p:sp>
+      <p:pic>
+        <p:nvPicPr>
+          <p:cNvPr id="4" name="Obraz 3" descr="alpha11.jpg"/>
+          <p:cNvPicPr/>
+          <p:nvPr/>
+        </p:nvPicPr>
+        <p:blipFill>
+          <a:blip r:embed="rId3" cstate="print"/>
+          <a:stretch>
+            <a:fillRect/>
+          </a:stretch>
+        </p:blipFill>
+        <p:spPr>
+          <a:xfrm>
+            <a:off x="899592" y="1628800"/>
+            <a:ext cx="7560000" cy="4320000"/>
+          </a:xfrm>
+          <a:prstGeom prst="rect">
+            <a:avLst/>
+          </a:prstGeom>
+        </p:spPr>
+      </p:pic>
+    </p:spTree>
+  </p:cSld>
+  <p:clrMapOvr>
+    <a:masterClrMapping/>
+  </p:clrMapOvr>
+  <p:timing>
+    <p:tnLst>
+      <p:par>
+        <p:cTn id="1" dur="indefinite" restart="never" nodeType="tmRoot"/>
+      </p:par>
+    </p:tnLst>
+  </p:timing>
+</p:sld>
+</file>
+
 <file path=ppt/slides/slide2.xml><?xml version="1.0" encoding="utf-8"?>
 <p:sld xmlns:a="http://schemas.openxmlformats.org/drawingml/2006/main" xmlns:r="http://schemas.openxmlformats.org/officeDocument/2006/relationships" xmlns:p="http://schemas.openxmlformats.org/presentationml/2006/main">
   <p:cSld>
@@ -9297,101 +9287,56 @@
         </p:nvSpPr>
         <p:spPr>
           <a:xfrm>
-            <a:off x="467544" y="2780928"/>
+            <a:off x="755576" y="-243408"/>
             <a:ext cx="8229600" cy="1143000"/>
           </a:xfrm>
         </p:spPr>
         <p:txBody>
           <a:bodyPr>
-            <a:normAutofit fontScale="90000"/>
+            <a:normAutofit/>
           </a:bodyPr>
           <a:lstStyle/>
           <a:p>
             <a:r>
-              <a:rPr lang="pl-PL" i="1" dirty="0" smtClean="0"/>
-              <a:t>Algorytm wyznaczania i wizualizacji obszaru przeszukanego wraz z implementacją przy wykorzystaniu systemu OpenStreetMap.</a:t>
-            </a:r>
-            <a:endParaRPr lang="pl-PL" i="1" dirty="0"/>
-          </a:p>
-        </p:txBody>
-      </p:sp>
-      <p:sp>
-        <p:nvSpPr>
-          <p:cNvPr id="3" name="Tytuł 1"/>
-          <p:cNvSpPr txBox="1">
-            <a:spLocks/>
-          </p:cNvSpPr>
+              <a:rPr lang="pl-PL" sz="3500" b="1" dirty="0" smtClean="0"/>
+              <a:t>Koncepcja  systemu</a:t>
+            </a:r>
+            <a:endParaRPr lang="pl-PL" sz="3500" b="1" dirty="0"/>
+          </a:p>
+        </p:txBody>
+      </p:sp>
+      <p:pic>
+        <p:nvPicPr>
+          <p:cNvPr id="1026" name="Picture 2"/>
+          <p:cNvPicPr>
+            <a:picLocks noChangeAspect="1" noChangeArrowheads="1"/>
+          </p:cNvPicPr>
           <p:nvPr/>
-        </p:nvSpPr>
-        <p:spPr>
+        </p:nvPicPr>
+        <p:blipFill>
+          <a:blip r:embed="rId3" cstate="print"/>
+          <a:srcRect/>
+          <a:stretch>
+            <a:fillRect/>
+          </a:stretch>
+        </p:blipFill>
+        <p:spPr bwMode="auto">
           <a:xfrm>
-            <a:off x="611560" y="332656"/>
-            <a:ext cx="7772400" cy="1470025"/>
+            <a:off x="1979712" y="764704"/>
+            <a:ext cx="5472608" cy="5913355"/>
           </a:xfrm>
           <a:prstGeom prst="rect">
             <a:avLst/>
           </a:prstGeom>
+          <a:noFill/>
+          <a:ln w="9525">
+            <a:noFill/>
+            <a:miter lim="800000"/>
+            <a:headEnd/>
+            <a:tailEnd/>
+          </a:ln>
         </p:spPr>
-        <p:txBody>
-          <a:bodyPr vert="horz" lIns="91440" tIns="45720" rIns="91440" bIns="45720" rtlCol="0" anchor="ctr">
-            <a:normAutofit/>
-          </a:bodyPr>
-          <a:lstStyle/>
-          <a:p>
-            <a:pPr marL="0" marR="0" lvl="0" indent="0" algn="ctr" defTabSz="914400" rtl="0" eaLnBrk="1" fontAlgn="auto" latinLnBrk="0" hangingPunct="1">
-              <a:lnSpc>
-                <a:spcPct val="100000"/>
-              </a:lnSpc>
-              <a:spcBef>
-                <a:spcPct val="0"/>
-              </a:spcBef>
-              <a:spcAft>
-                <a:spcPts val="0"/>
-              </a:spcAft>
-              <a:buClrTx/>
-              <a:buSzTx/>
-              <a:buFontTx/>
-              <a:buNone/>
-              <a:tabLst/>
-              <a:defRPr/>
-            </a:pPr>
-            <a:r>
-              <a:rPr kumimoji="0" lang="pl-PL" sz="4400" b="1" i="0" u="none" strike="noStrike" kern="1200" cap="none" spc="0" normalizeH="0" baseline="0" noProof="0" dirty="0" smtClean="0">
-                <a:ln>
-                  <a:noFill/>
-                </a:ln>
-                <a:solidFill>
-                  <a:schemeClr val="tx1"/>
-                </a:solidFill>
-                <a:effectLst/>
-                <a:uLnTx/>
-                <a:uFillTx/>
-                <a:latin typeface="+mj-lt"/>
-                <a:ea typeface="+mj-ea"/>
-                <a:cs typeface="+mj-cs"/>
-              </a:rPr>
-              <a:t>Temat</a:t>
-            </a:r>
-            <a:r>
-              <a:rPr kumimoji="0" lang="pl-PL" sz="4400" b="1" i="0" u="none" strike="noStrike" kern="1200" cap="none" spc="0" normalizeH="0" noProof="0" dirty="0" smtClean="0">
-                <a:ln>
-                  <a:noFill/>
-                </a:ln>
-                <a:solidFill>
-                  <a:schemeClr val="tx1"/>
-                </a:solidFill>
-                <a:effectLst/>
-                <a:uLnTx/>
-                <a:uFillTx/>
-                <a:latin typeface="+mj-lt"/>
-                <a:ea typeface="+mj-ea"/>
-                <a:cs typeface="+mj-cs"/>
-              </a:rPr>
-              <a:t> pracy</a:t>
-            </a:r>
-          </a:p>
-        </p:txBody>
-      </p:sp>
+      </p:pic>
     </p:spTree>
   </p:cSld>
   <p:clrMapOvr>
@@ -9434,12 +9379,23 @@
             <p:ph type="title"/>
           </p:nvPr>
         </p:nvSpPr>
-        <p:spPr/>
-        <p:txBody>
-          <a:bodyPr/>
-          <a:lstStyle/>
-          <a:p>
-            <a:endParaRPr lang="pl-PL"/>
+        <p:spPr>
+          <a:xfrm>
+            <a:off x="467544" y="0"/>
+            <a:ext cx="8229600" cy="1143000"/>
+          </a:xfrm>
+        </p:spPr>
+        <p:txBody>
+          <a:bodyPr>
+            <a:normAutofit/>
+          </a:bodyPr>
+          <a:lstStyle/>
+          <a:p>
+            <a:r>
+              <a:rPr lang="pl-PL" sz="3500" b="1" dirty="0" smtClean="0"/>
+              <a:t>Otoczka wypukła dla zbioru P</a:t>
+            </a:r>
+            <a:endParaRPr lang="pl-PL" sz="3500" b="1" dirty="0"/>
           </a:p>
         </p:txBody>
       </p:sp>
@@ -9464,7 +9420,7 @@
       </p:sp>
       <p:pic>
         <p:nvPicPr>
-          <p:cNvPr id="4" name="Obraz 3" descr="alpha11.jpg"/>
+          <p:cNvPr id="4" name="Obraz 3" descr="alpha22.jpg"/>
           <p:cNvPicPr/>
           <p:nvPr/>
         </p:nvPicPr>
@@ -9476,7 +9432,7 @@
         </p:blipFill>
         <p:spPr>
           <a:xfrm>
-            <a:off x="899592" y="1772816"/>
+            <a:off x="827584" y="1844824"/>
             <a:ext cx="7560000" cy="4320000"/>
           </a:xfrm>
           <a:prstGeom prst="rect">
@@ -9526,49 +9482,56 @@
             <p:ph type="title"/>
           </p:nvPr>
         </p:nvSpPr>
-        <p:spPr/>
-        <p:txBody>
-          <a:bodyPr/>
-          <a:lstStyle/>
-          <a:p>
-            <a:endParaRPr lang="pl-PL"/>
-          </a:p>
-        </p:txBody>
-      </p:sp>
-      <p:sp>
-        <p:nvSpPr>
-          <p:cNvPr id="3" name="Symbol zastępczy zawartości 2"/>
-          <p:cNvSpPr>
-            <a:spLocks noGrp="1"/>
-          </p:cNvSpPr>
-          <p:nvPr>
-            <p:ph idx="1"/>
-          </p:nvPr>
-        </p:nvSpPr>
-        <p:spPr/>
-        <p:txBody>
-          <a:bodyPr/>
-          <a:lstStyle/>
-          <a:p>
-            <a:endParaRPr lang="pl-PL"/>
+        <p:spPr>
+          <a:xfrm>
+            <a:off x="0" y="0"/>
+            <a:ext cx="9144000" cy="1143000"/>
+          </a:xfrm>
+        </p:spPr>
+        <p:txBody>
+          <a:bodyPr>
+            <a:noAutofit/>
+          </a:bodyPr>
+          <a:lstStyle/>
+          <a:p>
+            <a:r>
+              <a:rPr lang="pl-PL" sz="3500" b="1" dirty="0" smtClean="0"/>
+              <a:t>Efekt triangulacji </a:t>
+            </a:r>
+            <a:r>
+              <a:rPr lang="pl-PL" sz="3500" b="1" dirty="0" err="1" smtClean="0"/>
+              <a:t>Delaunay</a:t>
+            </a:r>
+            <a:r>
+              <a:rPr lang="pl-PL" sz="3500" b="1" dirty="0" smtClean="0"/>
+              <a:t> </a:t>
+            </a:r>
+            <a:br>
+              <a:rPr lang="pl-PL" sz="3500" b="1" dirty="0" smtClean="0"/>
+            </a:br>
+            <a:r>
+              <a:rPr lang="pl-PL" sz="3500" b="1" dirty="0" smtClean="0"/>
+              <a:t>przeprowadzonej na zbiorze P</a:t>
+            </a:r>
+            <a:endParaRPr lang="pl-PL" sz="3500" b="1" dirty="0"/>
           </a:p>
         </p:txBody>
       </p:sp>
       <p:pic>
         <p:nvPicPr>
-          <p:cNvPr id="4" name="Obraz 3" descr="alpha22.jpg"/>
+          <p:cNvPr id="4" name="Obraz 3" descr="alpha31.jpg"/>
           <p:cNvPicPr/>
           <p:nvPr/>
         </p:nvPicPr>
         <p:blipFill>
-          <a:blip r:embed="rId2" cstate="print"/>
+          <a:blip r:embed="rId3" cstate="print"/>
           <a:stretch>
             <a:fillRect/>
           </a:stretch>
         </p:blipFill>
         <p:spPr>
           <a:xfrm>
-            <a:off x="827584" y="2204864"/>
+            <a:off x="899592" y="1844824"/>
             <a:ext cx="7560000" cy="4320000"/>
           </a:xfrm>
           <a:prstGeom prst="rect">
@@ -9618,37 +9581,49 @@
             <p:ph type="title"/>
           </p:nvPr>
         </p:nvSpPr>
-        <p:spPr/>
-        <p:txBody>
-          <a:bodyPr/>
-          <a:lstStyle/>
-          <a:p>
-            <a:endParaRPr lang="pl-PL"/>
-          </a:p>
-        </p:txBody>
-      </p:sp>
-      <p:sp>
-        <p:nvSpPr>
-          <p:cNvPr id="3" name="Symbol zastępczy zawartości 2"/>
-          <p:cNvSpPr>
-            <a:spLocks noGrp="1"/>
-          </p:cNvSpPr>
-          <p:nvPr>
-            <p:ph idx="1"/>
-          </p:nvPr>
-        </p:nvSpPr>
-        <p:spPr/>
-        <p:txBody>
-          <a:bodyPr/>
-          <a:lstStyle/>
-          <a:p>
-            <a:endParaRPr lang="pl-PL"/>
+        <p:spPr>
+          <a:xfrm>
+            <a:off x="467544" y="0"/>
+            <a:ext cx="8229600" cy="1143000"/>
+          </a:xfrm>
+        </p:spPr>
+        <p:txBody>
+          <a:bodyPr>
+            <a:normAutofit/>
+          </a:bodyPr>
+          <a:lstStyle/>
+          <a:p>
+            <a:r>
+              <a:rPr lang="pl-PL" sz="3500" b="1" dirty="0" smtClean="0"/>
+              <a:t>Kształt </a:t>
+            </a:r>
+            <a:r>
+              <a:rPr lang="el-GR" sz="3500" b="1" dirty="0" smtClean="0"/>
+              <a:t>α</a:t>
+            </a:r>
+            <a:r>
+              <a:rPr lang="pl-PL" sz="3500" b="1" dirty="0" smtClean="0"/>
+              <a:t> dla </a:t>
+            </a:r>
+            <a:r>
+              <a:rPr lang="el-GR" sz="3500" b="1" dirty="0" smtClean="0"/>
+              <a:t>α </a:t>
+            </a:r>
+            <a:r>
+              <a:rPr lang="pl-PL" sz="3500" b="1" dirty="0" smtClean="0"/>
+              <a:t>= </a:t>
+            </a:r>
+            <a:r>
+              <a:rPr lang="pl-PL" sz="3500" b="1" dirty="0" smtClean="0"/>
+              <a:t>0.1 </a:t>
+            </a:r>
+            <a:endParaRPr lang="pl-PL" sz="3500" b="1" dirty="0"/>
           </a:p>
         </p:txBody>
       </p:sp>
       <p:pic>
         <p:nvPicPr>
-          <p:cNvPr id="4" name="Obraz 3" descr="alpha31.jpg"/>
+          <p:cNvPr id="4" name="Obraz 3" descr="alpha42.jpg"/>
           <p:cNvPicPr/>
           <p:nvPr/>
         </p:nvPicPr>
@@ -9660,7 +9635,7 @@
         </p:blipFill>
         <p:spPr>
           <a:xfrm>
-            <a:off x="1115616" y="1916832"/>
+            <a:off x="827584" y="1772816"/>
             <a:ext cx="7560000" cy="4320000"/>
           </a:xfrm>
           <a:prstGeom prst="rect">
@@ -9710,57 +9685,61 @@
             <p:ph type="title"/>
           </p:nvPr>
         </p:nvSpPr>
-        <p:spPr/>
-        <p:txBody>
-          <a:bodyPr/>
-          <a:lstStyle/>
-          <a:p>
-            <a:r>
-              <a:rPr lang="el-GR" dirty="0" smtClean="0"/>
+        <p:spPr>
+          <a:xfrm>
+            <a:off x="467544" y="0"/>
+            <a:ext cx="8229600" cy="1143000"/>
+          </a:xfrm>
+        </p:spPr>
+        <p:txBody>
+          <a:bodyPr>
+            <a:normAutofit/>
+          </a:bodyPr>
+          <a:lstStyle/>
+          <a:p>
+            <a:r>
+              <a:rPr lang="pl-PL" sz="3500" b="1" dirty="0" smtClean="0"/>
+              <a:t>Kształt </a:t>
+            </a:r>
+            <a:r>
+              <a:rPr lang="el-GR" sz="3500" b="1" dirty="0" smtClean="0"/>
               <a:t>α</a:t>
             </a:r>
             <a:r>
-              <a:rPr lang="pl-PL" dirty="0" smtClean="0"/>
-              <a:t> = 0.1 </a:t>
-            </a:r>
-            <a:endParaRPr lang="pl-PL" dirty="0"/>
-          </a:p>
-        </p:txBody>
-      </p:sp>
-      <p:sp>
-        <p:nvSpPr>
-          <p:cNvPr id="3" name="Symbol zastępczy zawartości 2"/>
-          <p:cNvSpPr>
-            <a:spLocks noGrp="1"/>
-          </p:cNvSpPr>
-          <p:nvPr>
-            <p:ph idx="1"/>
-          </p:nvPr>
-        </p:nvSpPr>
-        <p:spPr/>
-        <p:txBody>
-          <a:bodyPr/>
-          <a:lstStyle/>
-          <a:p>
-            <a:endParaRPr lang="pl-PL"/>
+              <a:rPr lang="pl-PL" sz="3500" b="1" dirty="0" smtClean="0"/>
+              <a:t> dla </a:t>
+            </a:r>
+            <a:r>
+              <a:rPr lang="el-GR" sz="3500" b="1" dirty="0" smtClean="0"/>
+              <a:t>α</a:t>
+            </a:r>
+            <a:r>
+              <a:rPr lang="pl-PL" sz="3500" b="1" dirty="0" smtClean="0"/>
+              <a:t> = </a:t>
+            </a:r>
+            <a:r>
+              <a:rPr lang="pl-PL" sz="3500" b="1" dirty="0" smtClean="0"/>
+              <a:t>1 </a:t>
+            </a:r>
+            <a:endParaRPr lang="pl-PL" sz="3500" b="1" dirty="0"/>
           </a:p>
         </p:txBody>
       </p:sp>
       <p:pic>
         <p:nvPicPr>
-          <p:cNvPr id="4" name="Obraz 3" descr="alpha42.jpg"/>
+          <p:cNvPr id="4" name="Obraz 3" descr="alpha52.jpg"/>
           <p:cNvPicPr/>
           <p:nvPr/>
         </p:nvPicPr>
         <p:blipFill>
-          <a:blip r:embed="rId2" cstate="print"/>
+          <a:blip r:embed="rId3" cstate="print"/>
           <a:stretch>
             <a:fillRect/>
           </a:stretch>
         </p:blipFill>
         <p:spPr>
           <a:xfrm>
-            <a:off x="1043608" y="2060848"/>
+            <a:off x="899592" y="1844824"/>
             <a:ext cx="7560000" cy="4320000"/>
           </a:xfrm>
           <a:prstGeom prst="rect">
@@ -9800,67 +9779,21 @@
           <a:chExt cx="0" cy="0"/>
         </a:xfrm>
       </p:grpSpPr>
-      <p:sp>
-        <p:nvSpPr>
-          <p:cNvPr id="2" name="Tytuł 1"/>
-          <p:cNvSpPr>
-            <a:spLocks noGrp="1"/>
-          </p:cNvSpPr>
-          <p:nvPr>
-            <p:ph type="title"/>
-          </p:nvPr>
-        </p:nvSpPr>
-        <p:spPr/>
-        <p:txBody>
-          <a:bodyPr/>
-          <a:lstStyle/>
-          <a:p>
-            <a:r>
-              <a:rPr lang="el-GR" dirty="0" smtClean="0"/>
-              <a:t>α</a:t>
-            </a:r>
-            <a:r>
-              <a:rPr lang="pl-PL" dirty="0" smtClean="0"/>
-              <a:t> = 1 </a:t>
-            </a:r>
-            <a:endParaRPr lang="pl-PL" dirty="0"/>
-          </a:p>
-        </p:txBody>
-      </p:sp>
-      <p:sp>
-        <p:nvSpPr>
-          <p:cNvPr id="3" name="Symbol zastępczy zawartości 2"/>
-          <p:cNvSpPr>
-            <a:spLocks noGrp="1"/>
-          </p:cNvSpPr>
-          <p:nvPr>
-            <p:ph idx="1"/>
-          </p:nvPr>
-        </p:nvSpPr>
-        <p:spPr/>
-        <p:txBody>
-          <a:bodyPr/>
-          <a:lstStyle/>
-          <a:p>
-            <a:endParaRPr lang="pl-PL"/>
-          </a:p>
-        </p:txBody>
-      </p:sp>
       <p:pic>
         <p:nvPicPr>
-          <p:cNvPr id="4" name="Obraz 3" descr="alpha52.jpg"/>
+          <p:cNvPr id="4" name="Obraz 3" descr="alpha62.jpg"/>
           <p:cNvPicPr/>
           <p:nvPr/>
         </p:nvPicPr>
         <p:blipFill>
-          <a:blip r:embed="rId2" cstate="print"/>
+          <a:blip r:embed="rId3" cstate="print"/>
           <a:stretch>
             <a:fillRect/>
           </a:stretch>
         </p:blipFill>
         <p:spPr>
           <a:xfrm>
-            <a:off x="971600" y="2132856"/>
+            <a:off x="971600" y="1844824"/>
             <a:ext cx="7560000" cy="4320000"/>
           </a:xfrm>
           <a:prstGeom prst="rect">
@@ -9868,6 +9801,148 @@
           </a:prstGeom>
         </p:spPr>
       </p:pic>
+      <p:sp>
+        <p:nvSpPr>
+          <p:cNvPr id="5" name="Tytuł 1"/>
+          <p:cNvSpPr txBox="1">
+            <a:spLocks/>
+          </p:cNvSpPr>
+          <p:nvPr/>
+        </p:nvSpPr>
+        <p:spPr>
+          <a:xfrm>
+            <a:off x="467544" y="0"/>
+            <a:ext cx="8229600" cy="1143000"/>
+          </a:xfrm>
+          <a:prstGeom prst="rect">
+            <a:avLst/>
+          </a:prstGeom>
+        </p:spPr>
+        <p:txBody>
+          <a:bodyPr vert="horz" lIns="91440" tIns="45720" rIns="91440" bIns="45720" rtlCol="0" anchor="ctr">
+            <a:normAutofit/>
+          </a:bodyPr>
+          <a:lstStyle/>
+          <a:p>
+            <a:pPr marL="0" marR="0" lvl="0" indent="0" algn="ctr" defTabSz="914400" rtl="0" eaLnBrk="1" fontAlgn="auto" latinLnBrk="0" hangingPunct="1">
+              <a:lnSpc>
+                <a:spcPct val="100000"/>
+              </a:lnSpc>
+              <a:spcBef>
+                <a:spcPct val="0"/>
+              </a:spcBef>
+              <a:spcAft>
+                <a:spcPts val="0"/>
+              </a:spcAft>
+              <a:buClrTx/>
+              <a:buSzTx/>
+              <a:buFontTx/>
+              <a:buNone/>
+              <a:tabLst/>
+              <a:defRPr/>
+            </a:pPr>
+            <a:r>
+              <a:rPr kumimoji="0" lang="pl-PL" sz="3500" b="1" i="0" u="none" strike="noStrike" kern="1200" cap="none" spc="0" normalizeH="0" baseline="0" noProof="0" dirty="0" smtClean="0">
+                <a:ln>
+                  <a:noFill/>
+                </a:ln>
+                <a:solidFill>
+                  <a:schemeClr val="tx1"/>
+                </a:solidFill>
+                <a:effectLst/>
+                <a:uLnTx/>
+                <a:uFillTx/>
+                <a:latin typeface="+mj-lt"/>
+                <a:ea typeface="+mj-ea"/>
+                <a:cs typeface="+mj-cs"/>
+              </a:rPr>
+              <a:t>Kształt </a:t>
+            </a:r>
+            <a:r>
+              <a:rPr kumimoji="0" lang="el-GR" sz="3500" b="1" i="0" u="none" strike="noStrike" kern="1200" cap="none" spc="0" normalizeH="0" baseline="0" noProof="0" dirty="0" smtClean="0">
+                <a:ln>
+                  <a:noFill/>
+                </a:ln>
+                <a:solidFill>
+                  <a:schemeClr val="tx1"/>
+                </a:solidFill>
+                <a:effectLst/>
+                <a:uLnTx/>
+                <a:uFillTx/>
+                <a:latin typeface="+mj-lt"/>
+                <a:ea typeface="+mj-ea"/>
+                <a:cs typeface="+mj-cs"/>
+              </a:rPr>
+              <a:t>α</a:t>
+            </a:r>
+            <a:r>
+              <a:rPr kumimoji="0" lang="pl-PL" sz="3500" b="1" i="0" u="none" strike="noStrike" kern="1200" cap="none" spc="0" normalizeH="0" baseline="0" noProof="0" dirty="0" smtClean="0">
+                <a:ln>
+                  <a:noFill/>
+                </a:ln>
+                <a:solidFill>
+                  <a:schemeClr val="tx1"/>
+                </a:solidFill>
+                <a:effectLst/>
+                <a:uLnTx/>
+                <a:uFillTx/>
+                <a:latin typeface="+mj-lt"/>
+                <a:ea typeface="+mj-ea"/>
+                <a:cs typeface="+mj-cs"/>
+              </a:rPr>
+              <a:t> dla </a:t>
+            </a:r>
+            <a:r>
+              <a:rPr kumimoji="0" lang="el-GR" sz="3500" b="1" i="0" u="none" strike="noStrike" kern="1200" cap="none" spc="0" normalizeH="0" baseline="0" noProof="0" dirty="0" smtClean="0">
+                <a:ln>
+                  <a:noFill/>
+                </a:ln>
+                <a:solidFill>
+                  <a:schemeClr val="tx1"/>
+                </a:solidFill>
+                <a:effectLst/>
+                <a:uLnTx/>
+                <a:uFillTx/>
+                <a:latin typeface="+mj-lt"/>
+                <a:ea typeface="+mj-ea"/>
+                <a:cs typeface="+mj-cs"/>
+              </a:rPr>
+              <a:t>α </a:t>
+            </a:r>
+            <a:r>
+              <a:rPr kumimoji="0" lang="pl-PL" sz="3500" b="1" i="0" u="none" strike="noStrike" kern="1200" cap="none" spc="0" normalizeH="0" baseline="0" noProof="0" dirty="0" smtClean="0">
+                <a:ln>
+                  <a:noFill/>
+                </a:ln>
+                <a:solidFill>
+                  <a:schemeClr val="tx1"/>
+                </a:solidFill>
+                <a:effectLst/>
+                <a:uLnTx/>
+                <a:uFillTx/>
+                <a:latin typeface="+mj-lt"/>
+                <a:ea typeface="+mj-ea"/>
+                <a:cs typeface="+mj-cs"/>
+              </a:rPr>
+              <a:t>= 0.24 </a:t>
+            </a:r>
+            <a:endParaRPr kumimoji="0" lang="pl-PL" sz="3500" b="1" i="0" u="none" strike="noStrike" kern="1200" cap="none" spc="0" normalizeH="0" baseline="0" noProof="0" dirty="0">
+              <a:ln>
+                <a:noFill/>
+              </a:ln>
+              <a:solidFill>
+                <a:schemeClr val="tx1"/>
+              </a:solidFill>
+              <a:effectLst/>
+              <a:uLnTx/>
+              <a:uFillTx/>
+              <a:latin typeface="+mj-lt"/>
+              <a:ea typeface="+mj-ea"/>
+              <a:cs typeface="+mj-cs"/>
+            </a:endParaRPr>
+          </a:p>
+        </p:txBody>
+      </p:sp>
     </p:spTree>
   </p:cSld>
   <p:clrMapOvr>
@@ -9910,64 +9985,162 @@
             <p:ph type="title"/>
           </p:nvPr>
         </p:nvSpPr>
-        <p:spPr/>
-        <p:txBody>
-          <a:bodyPr/>
-          <a:lstStyle/>
-          <a:p>
-            <a:r>
-              <a:rPr lang="el-GR" dirty="0" smtClean="0"/>
-              <a:t>α</a:t>
-            </a:r>
-            <a:r>
-              <a:rPr lang="pl-PL" dirty="0" smtClean="0"/>
-              <a:t> = 0.24</a:t>
-            </a:r>
-            <a:endParaRPr lang="pl-PL" dirty="0"/>
-          </a:p>
-        </p:txBody>
-      </p:sp>
-      <p:sp>
-        <p:nvSpPr>
-          <p:cNvPr id="3" name="Symbol zastępczy zawartości 2"/>
-          <p:cNvSpPr>
-            <a:spLocks noGrp="1"/>
-          </p:cNvSpPr>
-          <p:nvPr>
-            <p:ph idx="1"/>
-          </p:nvPr>
-        </p:nvSpPr>
-        <p:spPr/>
-        <p:txBody>
-          <a:bodyPr/>
-          <a:lstStyle/>
-          <a:p>
-            <a:endParaRPr lang="pl-PL"/>
-          </a:p>
-        </p:txBody>
-      </p:sp>
-      <p:pic>
-        <p:nvPicPr>
-          <p:cNvPr id="4" name="Obraz 3" descr="alpha62.jpg"/>
-          <p:cNvPicPr/>
-          <p:nvPr/>
-        </p:nvPicPr>
-        <p:blipFill>
-          <a:blip r:embed="rId2" cstate="print"/>
-          <a:stretch>
-            <a:fillRect/>
-          </a:stretch>
-        </p:blipFill>
         <p:spPr>
           <a:xfrm>
-            <a:off x="1043608" y="2060848"/>
-            <a:ext cx="7560000" cy="4320000"/>
+            <a:off x="467544" y="0"/>
+            <a:ext cx="8229600" cy="1143000"/>
           </a:xfrm>
-          <a:prstGeom prst="rect">
-            <a:avLst/>
-          </a:prstGeom>
         </p:spPr>
-      </p:pic>
+        <p:txBody>
+          <a:bodyPr>
+            <a:normAutofit/>
+          </a:bodyPr>
+          <a:lstStyle/>
+          <a:p>
+            <a:r>
+              <a:rPr lang="pl-PL" sz="3500" b="1" dirty="0" smtClean="0"/>
+              <a:t>Stworzony system informatyczny</a:t>
+            </a:r>
+            <a:endParaRPr lang="pl-PL" sz="3500" b="1" dirty="0"/>
+          </a:p>
+        </p:txBody>
+      </p:sp>
+      <p:sp>
+        <p:nvSpPr>
+          <p:cNvPr id="3" name="Symbol zastępczy zawartości 2"/>
+          <p:cNvSpPr>
+            <a:spLocks noGrp="1"/>
+          </p:cNvSpPr>
+          <p:nvPr>
+            <p:ph idx="1"/>
+          </p:nvPr>
+        </p:nvSpPr>
+        <p:spPr/>
+        <p:txBody>
+          <a:bodyPr>
+            <a:normAutofit/>
+          </a:bodyPr>
+          <a:lstStyle/>
+          <a:p>
+            <a:pPr lvl="0"/>
+            <a:r>
+              <a:rPr lang="pl-PL" sz="2500" dirty="0" smtClean="0">
+                <a:effectLst>
+                  <a:outerShdw blurRad="38100" dist="38100" dir="2700000" algn="tl">
+                    <a:srgbClr val="000000">
+                      <a:alpha val="43137"/>
+                    </a:srgbClr>
+                  </a:outerShdw>
+                </a:effectLst>
+              </a:rPr>
+              <a:t>a</a:t>
+            </a:r>
+            <a:r>
+              <a:rPr lang="pl-PL" sz="2500" dirty="0" smtClean="0">
+                <a:effectLst>
+                  <a:outerShdw blurRad="38100" dist="38100" dir="2700000" algn="tl">
+                    <a:srgbClr val="000000">
+                      <a:alpha val="43137"/>
+                    </a:srgbClr>
+                  </a:outerShdw>
+                </a:effectLst>
+              </a:rPr>
+              <a:t>plikacja mobilna </a:t>
+            </a:r>
+            <a:r>
+              <a:rPr lang="pl-PL" sz="2500" dirty="0" smtClean="0"/>
+              <a:t>– </a:t>
+            </a:r>
+            <a:r>
+              <a:rPr lang="pl-PL" sz="2500" i="1" dirty="0" err="1" smtClean="0"/>
+              <a:t>DronTracker</a:t>
+            </a:r>
+            <a:r>
+              <a:rPr lang="pl-PL" sz="2500" dirty="0" smtClean="0"/>
+              <a:t> </a:t>
+            </a:r>
+            <a:r>
+              <a:rPr lang="pl-PL" sz="2500" dirty="0" smtClean="0"/>
+              <a:t>-</a:t>
+            </a:r>
+            <a:r>
+              <a:rPr lang="pl-PL" sz="2500" dirty="0" smtClean="0"/>
+              <a:t> pełniąca rolę geolokalizatora ,do potencjalnego zamontowania na dronie, </a:t>
+            </a:r>
+          </a:p>
+          <a:p>
+            <a:endParaRPr lang="pl-PL" sz="2500" dirty="0" smtClean="0"/>
+          </a:p>
+          <a:p>
+            <a:pPr lvl="0"/>
+            <a:r>
+              <a:rPr lang="pl-PL" sz="2500" dirty="0" smtClean="0">
+                <a:effectLst>
+                  <a:outerShdw blurRad="38100" dist="38100" dir="2700000" algn="tl">
+                    <a:srgbClr val="000000">
+                      <a:alpha val="43137"/>
+                    </a:srgbClr>
+                  </a:outerShdw>
+                </a:effectLst>
+              </a:rPr>
+              <a:t>aplikacja serwerowa </a:t>
+            </a:r>
+            <a:r>
+              <a:rPr lang="pl-PL" sz="2500" dirty="0" smtClean="0"/>
+              <a:t>– </a:t>
+            </a:r>
+            <a:r>
+              <a:rPr lang="pl-PL" sz="2500" i="1" dirty="0" err="1" smtClean="0"/>
+              <a:t>DronSerwer</a:t>
+            </a:r>
+            <a:r>
+              <a:rPr lang="pl-PL" sz="2500" dirty="0" smtClean="0"/>
+              <a:t> </a:t>
+            </a:r>
+            <a:r>
+              <a:rPr lang="pl-PL" sz="2500" dirty="0" smtClean="0"/>
+              <a:t>–</a:t>
+            </a:r>
+            <a:r>
+              <a:rPr lang="pl-PL" sz="2500" dirty="0" smtClean="0"/>
+              <a:t> odpowiedzialna za przeprowadzanie skomplikowanych obliczeń i komunikację z pozostałymi elementami systemu oraz</a:t>
+            </a:r>
+          </a:p>
+          <a:p>
+            <a:endParaRPr lang="pl-PL" sz="2500" dirty="0" smtClean="0"/>
+          </a:p>
+          <a:p>
+            <a:pPr lvl="0"/>
+            <a:r>
+              <a:rPr lang="pl-PL" sz="2500" dirty="0" smtClean="0">
+                <a:effectLst>
+                  <a:outerShdw blurRad="38100" dist="38100" dir="2700000" algn="tl">
+                    <a:srgbClr val="000000">
+                      <a:alpha val="43137"/>
+                    </a:srgbClr>
+                  </a:outerShdw>
+                </a:effectLst>
+              </a:rPr>
+              <a:t>główna mobilna aplikacja kliencka </a:t>
+            </a:r>
+            <a:r>
+              <a:rPr lang="pl-PL" sz="2500" dirty="0" smtClean="0"/>
+              <a:t>– </a:t>
+            </a:r>
+            <a:r>
+              <a:rPr lang="pl-PL" sz="2500" i="1" dirty="0" err="1" smtClean="0"/>
+              <a:t>DronVision</a:t>
+            </a:r>
+            <a:r>
+              <a:rPr lang="pl-PL" sz="2500" dirty="0" smtClean="0"/>
+              <a:t> - służąca do wizualizacji wyznaczonego obszaru przeszukanego.</a:t>
+            </a:r>
+          </a:p>
+          <a:p>
+            <a:endParaRPr lang="pl-PL" sz="2500" dirty="0"/>
+          </a:p>
+        </p:txBody>
+      </p:sp>
     </p:spTree>
   </p:cSld>
   <p:clrMapOvr>
@@ -9984,133 +10157,6 @@
 </file>
 
 <file path=ppt/slides/slide26.xml><?xml version="1.0" encoding="utf-8"?>
-<p:sld xmlns:a="http://schemas.openxmlformats.org/drawingml/2006/main" xmlns:r="http://schemas.openxmlformats.org/officeDocument/2006/relationships" xmlns:p="http://schemas.openxmlformats.org/presentationml/2006/main">
-  <p:cSld>
-    <p:spTree>
-      <p:nvGrpSpPr>
-        <p:cNvPr id="1" name=""/>
-        <p:cNvGrpSpPr/>
-        <p:nvPr/>
-      </p:nvGrpSpPr>
-      <p:grpSpPr>
-        <a:xfrm>
-          <a:off x="0" y="0"/>
-          <a:ext cx="0" cy="0"/>
-          <a:chOff x="0" y="0"/>
-          <a:chExt cx="0" cy="0"/>
-        </a:xfrm>
-      </p:grpSpPr>
-      <p:sp>
-        <p:nvSpPr>
-          <p:cNvPr id="2" name="Tytuł 1"/>
-          <p:cNvSpPr>
-            <a:spLocks noGrp="1"/>
-          </p:cNvSpPr>
-          <p:nvPr>
-            <p:ph type="title"/>
-          </p:nvPr>
-        </p:nvSpPr>
-        <p:spPr/>
-        <p:txBody>
-          <a:bodyPr/>
-          <a:lstStyle/>
-          <a:p>
-            <a:r>
-              <a:rPr lang="pl-PL" dirty="0" smtClean="0"/>
-              <a:t>System - ogólnie</a:t>
-            </a:r>
-            <a:endParaRPr lang="pl-PL" dirty="0"/>
-          </a:p>
-        </p:txBody>
-      </p:sp>
-      <p:sp>
-        <p:nvSpPr>
-          <p:cNvPr id="3" name="Symbol zastępczy zawartości 2"/>
-          <p:cNvSpPr>
-            <a:spLocks noGrp="1"/>
-          </p:cNvSpPr>
-          <p:nvPr>
-            <p:ph idx="1"/>
-          </p:nvPr>
-        </p:nvSpPr>
-        <p:spPr/>
-        <p:txBody>
-          <a:bodyPr>
-            <a:normAutofit fontScale="85000" lnSpcReduction="10000"/>
-          </a:bodyPr>
-          <a:lstStyle/>
-          <a:p>
-            <a:pPr lvl="0"/>
-            <a:r>
-              <a:rPr lang="pl-PL" dirty="0" smtClean="0"/>
-              <a:t>aplikacji mobilnej - </a:t>
-            </a:r>
-            <a:r>
-              <a:rPr lang="pl-PL" dirty="0" err="1" smtClean="0"/>
-              <a:t>DronTracker</a:t>
-            </a:r>
-            <a:r>
-              <a:rPr lang="pl-PL" dirty="0" smtClean="0"/>
-              <a:t>, pełniącej rolę geolokalizatora do potencjalnego zamontowania na dronie, </a:t>
-            </a:r>
-          </a:p>
-          <a:p>
-            <a:endParaRPr lang="pl-PL" dirty="0" smtClean="0"/>
-          </a:p>
-          <a:p>
-            <a:pPr lvl="0"/>
-            <a:r>
-              <a:rPr lang="pl-PL" dirty="0" smtClean="0"/>
-              <a:t>aplikacji serwerowej - </a:t>
-            </a:r>
-            <a:r>
-              <a:rPr lang="pl-PL" dirty="0" err="1" smtClean="0"/>
-              <a:t>DronSerwer</a:t>
-            </a:r>
-            <a:r>
-              <a:rPr lang="pl-PL" dirty="0" smtClean="0"/>
-              <a:t>, odpowiedzialnej za przeprowadzanie skomplikowanych obliczeń i komunikację z pozostałymi elementami systemu oraz</a:t>
-            </a:r>
-          </a:p>
-          <a:p>
-            <a:endParaRPr lang="pl-PL" dirty="0" smtClean="0"/>
-          </a:p>
-          <a:p>
-            <a:pPr lvl="0"/>
-            <a:r>
-              <a:rPr lang="pl-PL" dirty="0" smtClean="0"/>
-              <a:t>głównej mobilnej aplikacji klienckiej - </a:t>
-            </a:r>
-            <a:r>
-              <a:rPr lang="pl-PL" dirty="0" err="1" smtClean="0"/>
-              <a:t>DronVision</a:t>
-            </a:r>
-            <a:r>
-              <a:rPr lang="pl-PL" dirty="0" smtClean="0"/>
-              <a:t>, służącej do wizualizacji wyznaczonego obszaru przeszukanego.</a:t>
-            </a:r>
-          </a:p>
-          <a:p>
-            <a:endParaRPr lang="pl-PL" dirty="0"/>
-          </a:p>
-        </p:txBody>
-      </p:sp>
-    </p:spTree>
-  </p:cSld>
-  <p:clrMapOvr>
-    <a:masterClrMapping/>
-  </p:clrMapOvr>
-  <p:timing>
-    <p:tnLst>
-      <p:par>
-        <p:cTn id="1" dur="indefinite" restart="never" nodeType="tmRoot"/>
-      </p:par>
-    </p:tnLst>
-  </p:timing>
-</p:sld>
-</file>
-
-<file path=ppt/slides/slide27.xml><?xml version="1.0" encoding="utf-8"?>
 <p:sld xmlns:a="http://schemas.openxmlformats.org/drawingml/2006/main" xmlns:r="http://schemas.openxmlformats.org/officeDocument/2006/relationships" xmlns:p="http://schemas.openxmlformats.org/presentationml/2006/main">
   <p:cSld>
     <p:spTree>
@@ -10275,7 +10321,7 @@
 </p:sld>
 </file>
 
-<file path=ppt/slides/slide28.xml><?xml version="1.0" encoding="utf-8"?>
+<file path=ppt/slides/slide27.xml><?xml version="1.0" encoding="utf-8"?>
 <p:sld xmlns:a="http://schemas.openxmlformats.org/drawingml/2006/main" xmlns:r="http://schemas.openxmlformats.org/officeDocument/2006/relationships" xmlns:p="http://schemas.openxmlformats.org/presentationml/2006/main">
   <p:cSld>
     <p:spTree>
@@ -10304,7 +10350,7 @@
         </p:nvSpPr>
         <p:spPr>
           <a:xfrm>
-            <a:off x="539552" y="2492896"/>
+            <a:off x="467544" y="2492896"/>
             <a:ext cx="8229600" cy="1143000"/>
           </a:xfrm>
         </p:spPr>
@@ -10313,10 +10359,26 @@
           <a:lstStyle/>
           <a:p>
             <a:r>
-              <a:rPr lang="pl-PL" dirty="0" smtClean="0"/>
+              <a:rPr lang="pl-PL" b="1" dirty="0" smtClean="0">
+                <a:effectLst>
+                  <a:outerShdw blurRad="38100" dist="38100" dir="2700000" algn="tl">
+                    <a:srgbClr val="000000">
+                      <a:alpha val="43137"/>
+                    </a:srgbClr>
+                  </a:outerShdw>
+                </a:effectLst>
+              </a:rPr>
               <a:t>Dziękuję za uwagę</a:t>
             </a:r>
-            <a:endParaRPr lang="pl-PL" dirty="0"/>
+            <a:endParaRPr lang="pl-PL" b="1" dirty="0">
+              <a:effectLst>
+                <a:outerShdw blurRad="38100" dist="38100" dir="2700000" algn="tl">
+                  <a:srgbClr val="000000">
+                    <a:alpha val="43137"/>
+                  </a:srgbClr>
+                </a:outerShdw>
+              </a:effectLst>
+            </a:endParaRPr>
           </a:p>
         </p:txBody>
       </p:sp>
@@ -10352,41 +10414,11 @@
           <a:chExt cx="0" cy="0"/>
         </a:xfrm>
       </p:grpSpPr>
-      <p:sp>
-        <p:nvSpPr>
-          <p:cNvPr id="2" name="Tytuł 1"/>
-          <p:cNvSpPr>
-            <a:spLocks noGrp="1"/>
-          </p:cNvSpPr>
-          <p:nvPr>
-            <p:ph type="title"/>
-          </p:nvPr>
-        </p:nvSpPr>
-        <p:spPr>
-          <a:xfrm>
-            <a:off x="755576" y="-243408"/>
-            <a:ext cx="8229600" cy="1143000"/>
-          </a:xfrm>
-        </p:spPr>
-        <p:txBody>
-          <a:bodyPr>
-            <a:normAutofit/>
-          </a:bodyPr>
-          <a:lstStyle/>
-          <a:p>
-            <a:r>
-              <a:rPr lang="pl-PL" sz="3000" b="1" dirty="0" smtClean="0"/>
-              <a:t>Koncepcja  systemu</a:t>
-            </a:r>
-            <a:endParaRPr lang="pl-PL" sz="3000" b="1" dirty="0"/>
-          </a:p>
-        </p:txBody>
-      </p:sp>
       <p:pic>
         <p:nvPicPr>
-          <p:cNvPr id="4" name="Symbol zastępczy zawartości 3" descr="koncepcja.jpg"/>
+          <p:cNvPr id="4" name="Symbol zastępczy zawartości 3"/>
           <p:cNvPicPr>
-            <a:picLocks noGrp="1" noChangeAspect="1"/>
+            <a:picLocks noGrp="1"/>
           </p:cNvPicPr>
           <p:nvPr>
             <p:ph idx="1"/>
@@ -10394,17 +10426,187 @@
         </p:nvPicPr>
         <p:blipFill>
           <a:blip r:embed="rId3" cstate="print"/>
+          <a:srcRect/>
           <a:stretch>
             <a:fillRect/>
           </a:stretch>
         </p:blipFill>
+        <p:spPr bwMode="auto">
+          <a:xfrm>
+            <a:off x="1115616" y="3429000"/>
+            <a:ext cx="7042997" cy="3260913"/>
+          </a:xfrm>
+          <a:prstGeom prst="rect">
+            <a:avLst/>
+          </a:prstGeom>
+          <a:noFill/>
+          <a:ln w="9525">
+            <a:noFill/>
+            <a:miter lim="800000"/>
+            <a:headEnd/>
+            <a:tailEnd/>
+          </a:ln>
+        </p:spPr>
+      </p:pic>
+      <p:sp>
+        <p:nvSpPr>
+          <p:cNvPr id="5" name="pole tekstowe 4"/>
+          <p:cNvSpPr txBox="1"/>
+          <p:nvPr/>
+        </p:nvSpPr>
         <p:spPr>
           <a:xfrm>
-            <a:off x="1979712" y="620688"/>
-            <a:ext cx="5678283" cy="6597350"/>
+            <a:off x="467544" y="1196752"/>
+            <a:ext cx="4644008" cy="2477601"/>
+          </a:xfrm>
+          <a:prstGeom prst="rect">
+            <a:avLst/>
+          </a:prstGeom>
+          <a:noFill/>
+        </p:spPr>
+        <p:txBody>
+          <a:bodyPr wrap="square" rtlCol="0">
+            <a:spAutoFit/>
+          </a:bodyPr>
+          <a:lstStyle/>
+          <a:p>
+            <a:r>
+              <a:rPr lang="pl-PL" sz="3000" b="1" dirty="0" smtClean="0"/>
+              <a:t>Powierzchnie odniesienia:</a:t>
+            </a:r>
+          </a:p>
+          <a:p>
+            <a:endParaRPr lang="pl-PL" sz="2500" dirty="0" smtClean="0"/>
+          </a:p>
+          <a:p>
+            <a:pPr>
+              <a:buFont typeface="Arial" pitchFamily="34" charset="0"/>
+              <a:buChar char="•"/>
+            </a:pPr>
+            <a:r>
+              <a:rPr lang="pl-PL" sz="2500" dirty="0" smtClean="0"/>
+              <a:t> Geoida ziemska,</a:t>
+            </a:r>
+          </a:p>
+          <a:p>
+            <a:endParaRPr lang="pl-PL" sz="2500" dirty="0" smtClean="0"/>
+          </a:p>
+          <a:p>
+            <a:pPr>
+              <a:buFont typeface="Arial" pitchFamily="34" charset="0"/>
+              <a:buChar char="•"/>
+            </a:pPr>
+            <a:r>
+              <a:rPr lang="pl-PL" sz="2500" dirty="0" smtClean="0"/>
+              <a:t> Elipsoida </a:t>
+            </a:r>
+            <a:r>
+              <a:rPr lang="pl-PL" sz="2500" dirty="0" err="1" smtClean="0"/>
+              <a:t>ziemksa</a:t>
+            </a:r>
+            <a:r>
+              <a:rPr lang="pl-PL" sz="2500" dirty="0" smtClean="0"/>
+              <a:t>,</a:t>
+            </a:r>
+          </a:p>
+          <a:p>
+            <a:pPr>
+              <a:buFont typeface="Arial" pitchFamily="34" charset="0"/>
+              <a:buChar char="•"/>
+            </a:pPr>
+            <a:endParaRPr lang="pl-PL" sz="2500" dirty="0" smtClean="0"/>
+          </a:p>
+        </p:txBody>
+      </p:sp>
+      <p:sp>
+        <p:nvSpPr>
+          <p:cNvPr id="8" name="pole tekstowe 7"/>
+          <p:cNvSpPr txBox="1"/>
+          <p:nvPr/>
+        </p:nvSpPr>
+        <p:spPr>
+          <a:xfrm>
+            <a:off x="5724128" y="1196752"/>
+            <a:ext cx="4176464" cy="2092881"/>
+          </a:xfrm>
+          <a:prstGeom prst="rect">
+            <a:avLst/>
+          </a:prstGeom>
+          <a:noFill/>
+        </p:spPr>
+        <p:txBody>
+          <a:bodyPr wrap="square" rtlCol="0">
+            <a:spAutoFit/>
+          </a:bodyPr>
+          <a:lstStyle/>
+          <a:p>
+            <a:r>
+              <a:rPr lang="pl-PL" sz="3000" b="1" dirty="0" smtClean="0"/>
+              <a:t>Modele:</a:t>
+            </a:r>
+          </a:p>
+          <a:p>
+            <a:endParaRPr lang="pl-PL" sz="2500" dirty="0" smtClean="0"/>
+          </a:p>
+          <a:p>
+            <a:pPr>
+              <a:buFont typeface="Arial" pitchFamily="34" charset="0"/>
+              <a:buChar char="•"/>
+            </a:pPr>
+            <a:r>
+              <a:rPr lang="pl-PL" sz="2500" dirty="0" smtClean="0"/>
+              <a:t> EGM96</a:t>
+            </a:r>
+            <a:r>
+              <a:rPr lang="pl-PL" sz="2500" dirty="0" smtClean="0"/>
+              <a:t>,</a:t>
+            </a:r>
+          </a:p>
+          <a:p>
+            <a:endParaRPr lang="pl-PL" sz="2500" dirty="0" smtClean="0"/>
+          </a:p>
+          <a:p>
+            <a:pPr>
+              <a:buFont typeface="Arial" pitchFamily="34" charset="0"/>
+              <a:buChar char="•"/>
+            </a:pPr>
+            <a:r>
+              <a:rPr lang="pl-PL" sz="2500" dirty="0" smtClean="0"/>
+              <a:t> WGS84</a:t>
+            </a:r>
+          </a:p>
+        </p:txBody>
+      </p:sp>
+      <p:sp>
+        <p:nvSpPr>
+          <p:cNvPr id="11" name="Tytuł 1"/>
+          <p:cNvSpPr>
+            <a:spLocks noGrp="1"/>
+          </p:cNvSpPr>
+          <p:nvPr>
+            <p:ph type="title"/>
+          </p:nvPr>
+        </p:nvSpPr>
+        <p:spPr>
+          <a:xfrm>
+            <a:off x="611560" y="0"/>
+            <a:ext cx="8229600" cy="1143000"/>
           </a:xfrm>
         </p:spPr>
-      </p:pic>
+        <p:txBody>
+          <a:bodyPr>
+            <a:normAutofit/>
+          </a:bodyPr>
+          <a:lstStyle/>
+          <a:p>
+            <a:r>
+              <a:rPr lang="pl-PL" sz="3500" b="1" dirty="0" err="1" smtClean="0"/>
+              <a:t>Geolokalizacja</a:t>
+            </a:r>
+            <a:endParaRPr lang="pl-PL" sz="3500" b="1" dirty="0"/>
+          </a:p>
+        </p:txBody>
+      </p:sp>
     </p:spTree>
   </p:cSld>
   <p:clrMapOvr>
@@ -10447,124 +10649,23 @@
             <p:ph type="title"/>
           </p:nvPr>
         </p:nvSpPr>
-        <p:spPr/>
-        <p:txBody>
-          <a:bodyPr/>
-          <a:lstStyle/>
-          <a:p>
-            <a:r>
-              <a:rPr lang="pl-PL" dirty="0" smtClean="0"/>
-              <a:t>Powierzchnie odniesienia</a:t>
-            </a:r>
-            <a:endParaRPr lang="pl-PL" dirty="0"/>
-          </a:p>
-        </p:txBody>
-      </p:sp>
-      <p:pic>
-        <p:nvPicPr>
-          <p:cNvPr id="4" name="Symbol zastępczy zawartości 3"/>
-          <p:cNvPicPr>
-            <a:picLocks noGrp="1"/>
-          </p:cNvPicPr>
-          <p:nvPr>
-            <p:ph idx="1"/>
-          </p:nvPr>
-        </p:nvPicPr>
-        <p:blipFill>
-          <a:blip r:embed="rId3" cstate="print"/>
-          <a:srcRect/>
-          <a:stretch>
-            <a:fillRect/>
-          </a:stretch>
-        </p:blipFill>
-        <p:spPr bwMode="auto">
+        <p:spPr>
           <a:xfrm>
-            <a:off x="1115616" y="2204864"/>
-            <a:ext cx="7042997" cy="3260913"/>
+            <a:off x="467544" y="0"/>
+            <a:ext cx="8229600" cy="1143000"/>
           </a:xfrm>
-          <a:prstGeom prst="rect">
-            <a:avLst/>
-          </a:prstGeom>
-          <a:noFill/>
-          <a:ln w="9525">
-            <a:noFill/>
-            <a:miter lim="800000"/>
-            <a:headEnd/>
-            <a:tailEnd/>
-          </a:ln>
         </p:spPr>
-      </p:pic>
-    </p:spTree>
-  </p:cSld>
-  <p:clrMapOvr>
-    <a:masterClrMapping/>
-  </p:clrMapOvr>
-  <p:timing>
-    <p:tnLst>
-      <p:par>
-        <p:cTn id="1" dur="indefinite" restart="never" nodeType="tmRoot"/>
-      </p:par>
-    </p:tnLst>
-  </p:timing>
-</p:sld>
-</file>
-
-<file path=ppt/slides/slide5.xml><?xml version="1.0" encoding="utf-8"?>
-<p:sld xmlns:a="http://schemas.openxmlformats.org/drawingml/2006/main" xmlns:r="http://schemas.openxmlformats.org/officeDocument/2006/relationships" xmlns:p="http://schemas.openxmlformats.org/presentationml/2006/main">
-  <p:cSld>
-    <p:spTree>
-      <p:nvGrpSpPr>
-        <p:cNvPr id="1" name=""/>
-        <p:cNvGrpSpPr/>
-        <p:nvPr/>
-      </p:nvGrpSpPr>
-      <p:grpSpPr>
-        <a:xfrm>
-          <a:off x="0" y="0"/>
-          <a:ext cx="0" cy="0"/>
-          <a:chOff x="0" y="0"/>
-          <a:chExt cx="0" cy="0"/>
-        </a:xfrm>
-      </p:grpSpPr>
-      <p:sp>
-        <p:nvSpPr>
-          <p:cNvPr id="2" name="Tytuł 1"/>
-          <p:cNvSpPr>
-            <a:spLocks noGrp="1"/>
-          </p:cNvSpPr>
-          <p:nvPr>
-            <p:ph type="title"/>
-          </p:nvPr>
-        </p:nvSpPr>
-        <p:spPr/>
-        <p:txBody>
-          <a:bodyPr/>
-          <a:lstStyle/>
-          <a:p>
-            <a:r>
-              <a:rPr lang="pl-PL" dirty="0" smtClean="0"/>
-              <a:t>GPS</a:t>
-            </a:r>
-            <a:endParaRPr lang="pl-PL" dirty="0"/>
-          </a:p>
-        </p:txBody>
-      </p:sp>
-      <p:sp>
-        <p:nvSpPr>
-          <p:cNvPr id="3" name="Symbol zastępczy zawartości 2"/>
-          <p:cNvSpPr>
-            <a:spLocks noGrp="1"/>
-          </p:cNvSpPr>
-          <p:nvPr>
-            <p:ph idx="1"/>
-          </p:nvPr>
-        </p:nvSpPr>
-        <p:spPr/>
-        <p:txBody>
-          <a:bodyPr/>
-          <a:lstStyle/>
-          <a:p>
-            <a:endParaRPr lang="pl-PL"/>
+        <p:txBody>
+          <a:bodyPr>
+            <a:normAutofit/>
+          </a:bodyPr>
+          <a:lstStyle/>
+          <a:p>
+            <a:r>
+              <a:rPr lang="pl-PL" sz="3500" b="1" dirty="0" smtClean="0"/>
+              <a:t>System nawigacji satelitarnej - GPS</a:t>
+            </a:r>
+            <a:endParaRPr lang="pl-PL" sz="3500" b="1" dirty="0"/>
           </a:p>
         </p:txBody>
       </p:sp>
@@ -10609,6 +10710,178 @@
 </p:sld>
 </file>
 
+<file path=ppt/slides/slide5.xml><?xml version="1.0" encoding="utf-8"?>
+<p:sld xmlns:a="http://schemas.openxmlformats.org/drawingml/2006/main" xmlns:r="http://schemas.openxmlformats.org/officeDocument/2006/relationships" xmlns:p="http://schemas.openxmlformats.org/presentationml/2006/main">
+  <p:cSld>
+    <p:spTree>
+      <p:nvGrpSpPr>
+        <p:cNvPr id="1" name=""/>
+        <p:cNvGrpSpPr/>
+        <p:nvPr/>
+      </p:nvGrpSpPr>
+      <p:grpSpPr>
+        <a:xfrm>
+          <a:off x="0" y="0"/>
+          <a:ext cx="0" cy="0"/>
+          <a:chOff x="0" y="0"/>
+          <a:chExt cx="0" cy="0"/>
+        </a:xfrm>
+      </p:grpSpPr>
+      <p:sp>
+        <p:nvSpPr>
+          <p:cNvPr id="2" name="Tytuł 1"/>
+          <p:cNvSpPr>
+            <a:spLocks noGrp="1"/>
+          </p:cNvSpPr>
+          <p:nvPr>
+            <p:ph type="title"/>
+          </p:nvPr>
+        </p:nvSpPr>
+        <p:spPr>
+          <a:xfrm>
+            <a:off x="467544" y="0"/>
+            <a:ext cx="8229600" cy="1143000"/>
+          </a:xfrm>
+        </p:spPr>
+        <p:txBody>
+          <a:bodyPr>
+            <a:normAutofit/>
+          </a:bodyPr>
+          <a:lstStyle/>
+          <a:p>
+            <a:r>
+              <a:rPr lang="pl-PL" sz="3500" b="1" dirty="0" smtClean="0"/>
+              <a:t>Shuttle Radar Topography Mission</a:t>
+            </a:r>
+            <a:endParaRPr lang="pl-PL" sz="3500" b="1" dirty="0"/>
+          </a:p>
+        </p:txBody>
+      </p:sp>
+      <p:sp>
+        <p:nvSpPr>
+          <p:cNvPr id="3" name="Symbol zastępczy zawartości 2"/>
+          <p:cNvSpPr>
+            <a:spLocks noGrp="1"/>
+          </p:cNvSpPr>
+          <p:nvPr>
+            <p:ph idx="1"/>
+          </p:nvPr>
+        </p:nvSpPr>
+        <p:spPr>
+          <a:xfrm>
+            <a:off x="611560" y="1556792"/>
+            <a:ext cx="7931224" cy="4525963"/>
+          </a:xfrm>
+        </p:spPr>
+        <p:txBody>
+          <a:bodyPr>
+            <a:normAutofit/>
+          </a:bodyPr>
+          <a:lstStyle/>
+          <a:p>
+            <a:r>
+              <a:rPr lang="pl-PL" sz="2500" dirty="0" smtClean="0"/>
+              <a:t>Misja przeprowadzona </a:t>
+            </a:r>
+            <a:r>
+              <a:rPr lang="pl-PL" sz="2500" dirty="0" smtClean="0"/>
+              <a:t>w 2000 roku przez</a:t>
+            </a:r>
+            <a:r>
+              <a:rPr lang="pl-PL" sz="2500" dirty="0" smtClean="0"/>
+              <a:t>:</a:t>
+            </a:r>
+          </a:p>
+          <a:p>
+            <a:pPr>
+              <a:buNone/>
+            </a:pPr>
+            <a:endParaRPr lang="pl-PL" sz="2500" dirty="0" smtClean="0"/>
+          </a:p>
+          <a:p>
+            <a:pPr lvl="1">
+              <a:buFont typeface="Wingdings" pitchFamily="2" charset="2"/>
+              <a:buChar char="ü"/>
+            </a:pPr>
+            <a:r>
+              <a:rPr lang="pl-PL" sz="2000" dirty="0" smtClean="0"/>
+              <a:t> Narodową Agencję Aeronautyki i Przestrzeni kosmicznej Stanów </a:t>
+            </a:r>
+            <a:r>
+              <a:rPr lang="pl-PL" sz="2000" dirty="0" smtClean="0"/>
+              <a:t> </a:t>
+            </a:r>
+            <a:r>
+              <a:rPr lang="pl-PL" sz="2000" dirty="0" smtClean="0"/>
+              <a:t>    	</a:t>
+            </a:r>
+            <a:r>
+              <a:rPr lang="pl-PL" sz="2000" dirty="0" smtClean="0"/>
+              <a:t>Zjednoczonych </a:t>
+            </a:r>
+            <a:r>
+              <a:rPr lang="pl-PL" sz="2000" dirty="0" smtClean="0"/>
+              <a:t>NASA</a:t>
+            </a:r>
+            <a:r>
+              <a:rPr lang="pl-PL" sz="2000" dirty="0" smtClean="0"/>
+              <a:t>,</a:t>
+            </a:r>
+          </a:p>
+          <a:p>
+            <a:pPr lvl="1">
+              <a:buNone/>
+            </a:pPr>
+            <a:endParaRPr lang="pl-PL" sz="2000" dirty="0" smtClean="0"/>
+          </a:p>
+          <a:p>
+            <a:pPr lvl="1">
+              <a:buFont typeface="Wingdings" pitchFamily="2" charset="2"/>
+              <a:buChar char="ü"/>
+            </a:pPr>
+            <a:r>
+              <a:rPr lang="pl-PL" sz="2000" dirty="0" smtClean="0"/>
+              <a:t>Niemiecką Agencję Kosmiczną DRL</a:t>
+            </a:r>
+            <a:r>
+              <a:rPr lang="pl-PL" sz="2000" dirty="0" smtClean="0"/>
+              <a:t>,</a:t>
+            </a:r>
+          </a:p>
+          <a:p>
+            <a:pPr lvl="1">
+              <a:buNone/>
+            </a:pPr>
+            <a:endParaRPr lang="pl-PL" sz="2000" dirty="0" smtClean="0"/>
+          </a:p>
+          <a:p>
+            <a:pPr lvl="1">
+              <a:buFont typeface="Wingdings" pitchFamily="2" charset="2"/>
+              <a:buChar char="ü"/>
+            </a:pPr>
+            <a:r>
+              <a:rPr lang="pl-PL" sz="2000" dirty="0" smtClean="0"/>
+              <a:t>Włoską Agencję Kosmiczną ASI</a:t>
+            </a:r>
+            <a:endParaRPr lang="pl-PL" sz="2000" dirty="0"/>
+          </a:p>
+        </p:txBody>
+      </p:sp>
+    </p:spTree>
+  </p:cSld>
+  <p:clrMapOvr>
+    <a:masterClrMapping/>
+  </p:clrMapOvr>
+  <p:timing>
+    <p:tnLst>
+      <p:par>
+        <p:cTn id="1" dur="indefinite" restart="never" nodeType="tmRoot"/>
+      </p:par>
+    </p:tnLst>
+  </p:timing>
+</p:sld>
+</file>
+
 <file path=ppt/slides/slide6.xml><?xml version="1.0" encoding="utf-8"?>
 <p:sld xmlns:a="http://schemas.openxmlformats.org/drawingml/2006/main" xmlns:r="http://schemas.openxmlformats.org/officeDocument/2006/relationships" xmlns:p="http://schemas.openxmlformats.org/presentationml/2006/main">
   <p:cSld>
@@ -10636,71 +10909,151 @@
             <p:ph type="title"/>
           </p:nvPr>
         </p:nvSpPr>
-        <p:spPr/>
-        <p:txBody>
-          <a:bodyPr/>
-          <a:lstStyle/>
-          <a:p>
-            <a:r>
-              <a:rPr lang="pl-PL" dirty="0" smtClean="0"/>
-              <a:t>Shuttle Radar Topography Mission</a:t>
-            </a:r>
-            <a:endParaRPr lang="pl-PL" dirty="0"/>
-          </a:p>
-        </p:txBody>
-      </p:sp>
-      <p:sp>
-        <p:nvSpPr>
-          <p:cNvPr id="3" name="Symbol zastępczy zawartości 2"/>
-          <p:cNvSpPr>
-            <a:spLocks noGrp="1"/>
-          </p:cNvSpPr>
+        <p:spPr>
+          <a:xfrm>
+            <a:off x="467544" y="0"/>
+            <a:ext cx="8229600" cy="1143000"/>
+          </a:xfrm>
+        </p:spPr>
+        <p:txBody>
+          <a:bodyPr>
+            <a:normAutofit/>
+          </a:bodyPr>
+          <a:lstStyle/>
+          <a:p>
+            <a:r>
+              <a:rPr lang="pl-PL" sz="3500" b="1" dirty="0" smtClean="0"/>
+              <a:t>Określanie </a:t>
+            </a:r>
+            <a:r>
+              <a:rPr lang="pl-PL" sz="3500" b="1" dirty="0" smtClean="0"/>
+              <a:t>wysokości</a:t>
+            </a:r>
+            <a:endParaRPr lang="pl-PL" sz="3500" b="1" dirty="0"/>
+          </a:p>
+        </p:txBody>
+      </p:sp>
+      <p:pic>
+        <p:nvPicPr>
+          <p:cNvPr id="4" name="Symbol zastępczy zawartości 3"/>
+          <p:cNvPicPr>
+            <a:picLocks noGrp="1"/>
+          </p:cNvPicPr>
           <p:nvPr>
             <p:ph idx="1"/>
           </p:nvPr>
-        </p:nvSpPr>
-        <p:spPr/>
-        <p:txBody>
-          <a:bodyPr/>
-          <a:lstStyle/>
-          <a:p>
-            <a:r>
-              <a:rPr lang="pl-PL" dirty="0" smtClean="0"/>
-              <a:t>Przeprowadzona w 2000 roku przez:</a:t>
-            </a:r>
-          </a:p>
-          <a:p>
-            <a:pPr lvl="1">
-              <a:buFont typeface="Wingdings" pitchFamily="2" charset="2"/>
-              <a:buChar char="ü"/>
+        </p:nvPicPr>
+        <p:blipFill>
+          <a:blip r:embed="rId3" cstate="print"/>
+          <a:srcRect/>
+          <a:stretch>
+            <a:fillRect/>
+          </a:stretch>
+        </p:blipFill>
+        <p:spPr bwMode="auto">
+          <a:xfrm>
+            <a:off x="3851920" y="1844824"/>
+            <a:ext cx="5040560" cy="3312368"/>
+          </a:xfrm>
+          <a:prstGeom prst="rect">
+            <a:avLst/>
+          </a:prstGeom>
+          <a:noFill/>
+          <a:ln w="9525">
+            <a:noFill/>
+            <a:miter lim="800000"/>
+            <a:headEnd/>
+            <a:tailEnd/>
+          </a:ln>
+          <a:effectLst>
+            <a:glow rad="228600">
+              <a:schemeClr val="accent6">
+                <a:satMod val="175000"/>
+                <a:alpha val="40000"/>
+              </a:schemeClr>
+            </a:glow>
+          </a:effectLst>
+        </p:spPr>
+      </p:pic>
+      <p:sp>
+        <p:nvSpPr>
+          <p:cNvPr id="5" name="pole tekstowe 4"/>
+          <p:cNvSpPr txBox="1"/>
+          <p:nvPr/>
+        </p:nvSpPr>
+        <p:spPr>
+          <a:xfrm>
+            <a:off x="179512" y="2492896"/>
+            <a:ext cx="3524363" cy="1938992"/>
+          </a:xfrm>
+          <a:prstGeom prst="rect">
+            <a:avLst/>
+          </a:prstGeom>
+          <a:noFill/>
+        </p:spPr>
+        <p:txBody>
+          <a:bodyPr wrap="none" rtlCol="0">
+            <a:spAutoFit/>
+          </a:bodyPr>
+          <a:lstStyle/>
+          <a:p>
+            <a:pPr>
+              <a:buFont typeface="Arial" pitchFamily="34" charset="0"/>
+              <a:buChar char="•"/>
             </a:pPr>
             <a:r>
-              <a:rPr lang="pl-PL" dirty="0" smtClean="0"/>
+              <a:rPr lang="pl-PL" sz="2400" dirty="0" smtClean="0"/>
+              <a:t> wysokość </a:t>
+            </a:r>
+            <a:r>
+              <a:rPr lang="pl-PL" sz="2400" dirty="0" err="1" smtClean="0"/>
+              <a:t>ortometryczna</a:t>
+            </a:r>
+            <a:r>
+              <a:rPr lang="pl-PL" sz="2400" dirty="0" smtClean="0"/>
+              <a:t>,</a:t>
+            </a:r>
+          </a:p>
+          <a:p>
+            <a:endParaRPr lang="pl-PL" sz="2400" dirty="0" smtClean="0"/>
+          </a:p>
+          <a:p>
+            <a:pPr>
+              <a:buFont typeface="Arial" pitchFamily="34" charset="0"/>
+              <a:buChar char="•"/>
+            </a:pPr>
+            <a:r>
+              <a:rPr lang="pl-PL" sz="2400" dirty="0" smtClean="0"/>
+              <a:t> w</a:t>
+            </a:r>
+            <a:r>
+              <a:rPr lang="pl-PL" sz="2400" dirty="0" smtClean="0"/>
+              <a:t>ysokość elipsoidalna,</a:t>
+            </a:r>
+          </a:p>
+          <a:p>
+            <a:pPr>
+              <a:buFont typeface="Arial" pitchFamily="34" charset="0"/>
+              <a:buChar char="•"/>
+            </a:pPr>
+            <a:endParaRPr lang="pl-PL" sz="2400" dirty="0" smtClean="0"/>
+          </a:p>
+          <a:p>
+            <a:pPr>
+              <a:buFont typeface="Arial" pitchFamily="34" charset="0"/>
+              <a:buChar char="•"/>
+            </a:pPr>
+            <a:r>
+              <a:rPr lang="pl-PL" sz="2400" dirty="0" smtClean="0"/>
               <a:t> </a:t>
             </a:r>
             <a:r>
-              <a:rPr lang="pl-PL" sz="2000" dirty="0" smtClean="0"/>
-              <a:t>Narodową Agencję Aeronautyki i Przestrzeni kosmicznej Stanów Zjednoczonych NASA,</a:t>
-            </a:r>
-          </a:p>
-          <a:p>
-            <a:pPr lvl="1">
-              <a:buFont typeface="Wingdings" pitchFamily="2" charset="2"/>
-              <a:buChar char="ü"/>
-            </a:pPr>
+              <a:rPr lang="pl-PL" sz="2400" dirty="0" err="1" smtClean="0"/>
+              <a:t>undulacje</a:t>
+            </a:r>
             <a:r>
               <a:rPr lang="pl-PL" sz="2400" dirty="0" smtClean="0"/>
-              <a:t>Niemiecką Agencję Kosmiczną DRL,</a:t>
-            </a:r>
-          </a:p>
-          <a:p>
-            <a:pPr lvl="1">
-              <a:buFont typeface="Wingdings" pitchFamily="2" charset="2"/>
-              <a:buChar char="ü"/>
-            </a:pPr>
-            <a:r>
-              <a:rPr lang="pl-PL" sz="2400" dirty="0" smtClean="0"/>
-              <a:t>Włoską Agencję Kosmiczną ASI</a:t>
+              <a:t>.</a:t>
             </a:r>
             <a:endParaRPr lang="pl-PL" sz="2400" dirty="0"/>
           </a:p>
@@ -10748,7 +11101,12 @@
             <p:ph type="title"/>
           </p:nvPr>
         </p:nvSpPr>
-        <p:spPr/>
+        <p:spPr>
+          <a:xfrm>
+            <a:off x="467544" y="0"/>
+            <a:ext cx="8229600" cy="1143000"/>
+          </a:xfrm>
+        </p:spPr>
         <p:txBody>
           <a:bodyPr>
             <a:normAutofit/>
@@ -10756,51 +11114,131 @@
           <a:lstStyle/>
           <a:p>
             <a:r>
-              <a:rPr lang="pl-PL" dirty="0" smtClean="0"/>
-              <a:t>Określanie wysokości - </a:t>
-            </a:r>
-            <a:r>
-              <a:rPr lang="pl-PL" dirty="0" err="1" smtClean="0"/>
-              <a:t>undulacje</a:t>
-            </a:r>
-            <a:endParaRPr lang="pl-PL" dirty="0"/>
-          </a:p>
-        </p:txBody>
-      </p:sp>
-      <p:pic>
-        <p:nvPicPr>
-          <p:cNvPr id="4" name="Symbol zastępczy zawartości 3"/>
-          <p:cNvPicPr>
-            <a:picLocks noGrp="1"/>
-          </p:cNvPicPr>
+              <a:rPr lang="pl-PL" sz="3500" b="1" dirty="0" smtClean="0"/>
+              <a:t>Algorytm - wstęp</a:t>
+            </a:r>
+            <a:endParaRPr lang="pl-PL" sz="3500" b="1" dirty="0"/>
+          </a:p>
+        </p:txBody>
+      </p:sp>
+      <p:sp>
+        <p:nvSpPr>
+          <p:cNvPr id="3" name="Symbol zastępczy zawartości 2"/>
+          <p:cNvSpPr>
+            <a:spLocks noGrp="1"/>
+          </p:cNvSpPr>
           <p:nvPr>
             <p:ph idx="1"/>
           </p:nvPr>
-        </p:nvPicPr>
-        <p:blipFill>
-          <a:blip r:embed="rId3" cstate="print"/>
-          <a:srcRect/>
-          <a:stretch>
-            <a:fillRect/>
-          </a:stretch>
-        </p:blipFill>
-        <p:spPr bwMode="auto">
+        </p:nvSpPr>
+        <p:spPr>
           <a:xfrm>
-            <a:off x="971600" y="1484784"/>
-            <a:ext cx="7128792" cy="4896544"/>
+            <a:off x="539552" y="1556792"/>
+            <a:ext cx="8229600" cy="4525963"/>
           </a:xfrm>
-          <a:prstGeom prst="rect">
-            <a:avLst/>
-          </a:prstGeom>
-          <a:noFill/>
-          <a:ln w="9525">
-            <a:noFill/>
-            <a:miter lim="800000"/>
-            <a:headEnd/>
-            <a:tailEnd/>
-          </a:ln>
         </p:spPr>
-      </p:pic>
+        <p:txBody>
+          <a:bodyPr>
+            <a:normAutofit/>
+          </a:bodyPr>
+          <a:lstStyle/>
+          <a:p>
+            <a:pPr lvl="0"/>
+            <a:r>
+              <a:rPr lang="pl-PL" sz="2400" dirty="0" smtClean="0"/>
+              <a:t>Dane </a:t>
+            </a:r>
+            <a:r>
+              <a:rPr lang="pl-PL" sz="2400" dirty="0" smtClean="0"/>
+              <a:t>wejściowe</a:t>
+            </a:r>
+          </a:p>
+          <a:p>
+            <a:pPr lvl="0">
+              <a:buNone/>
+            </a:pPr>
+            <a:endParaRPr lang="pl-PL" sz="1500" dirty="0" smtClean="0"/>
+          </a:p>
+          <a:p>
+            <a:pPr lvl="0"/>
+            <a:r>
+              <a:rPr lang="pl-PL" sz="2400" dirty="0" smtClean="0"/>
+              <a:t>Podział algorytmu</a:t>
+            </a:r>
+            <a:r>
+              <a:rPr lang="pl-PL" sz="2400" dirty="0" smtClean="0"/>
+              <a:t>:</a:t>
+            </a:r>
+          </a:p>
+          <a:p>
+            <a:pPr lvl="0">
+              <a:buNone/>
+            </a:pPr>
+            <a:endParaRPr lang="pl-PL" sz="1500" dirty="0" smtClean="0"/>
+          </a:p>
+          <a:p>
+            <a:pPr lvl="1">
+              <a:buFont typeface="Wingdings" pitchFamily="2" charset="2"/>
+              <a:buChar char="Ø"/>
+            </a:pPr>
+            <a:r>
+              <a:rPr lang="pl-PL" sz="2400" dirty="0" smtClean="0"/>
+              <a:t>algorytm wyznaczania otoczki obszaru przeszukanego</a:t>
+            </a:r>
+            <a:r>
+              <a:rPr lang="pl-PL" sz="2400" dirty="0" smtClean="0"/>
+              <a:t>,</a:t>
+            </a:r>
+          </a:p>
+          <a:p>
+            <a:pPr lvl="1">
+              <a:buNone/>
+            </a:pPr>
+            <a:endParaRPr lang="pl-PL" sz="1500" dirty="0" smtClean="0"/>
+          </a:p>
+          <a:p>
+            <a:pPr lvl="1">
+              <a:buFont typeface="Wingdings" pitchFamily="2" charset="2"/>
+              <a:buChar char="Ø"/>
+            </a:pPr>
+            <a:r>
+              <a:rPr lang="pl-PL" sz="2400" dirty="0" smtClean="0"/>
+              <a:t>algorytm wyznaczania obszarów wewnątrz otoczki niezarejestrowanych przez kamerę oraz </a:t>
+            </a:r>
+            <a:endParaRPr lang="pl-PL" sz="2400" dirty="0" smtClean="0"/>
+          </a:p>
+          <a:p>
+            <a:pPr lvl="1">
+              <a:buNone/>
+            </a:pPr>
+            <a:endParaRPr lang="pl-PL" sz="1500" dirty="0" smtClean="0"/>
+          </a:p>
+          <a:p>
+            <a:pPr lvl="1">
+              <a:buFont typeface="Wingdings" pitchFamily="2" charset="2"/>
+              <a:buChar char="Ø"/>
+            </a:pPr>
+            <a:r>
+              <a:rPr lang="pl-PL" sz="2400" dirty="0" smtClean="0"/>
+              <a:t>algorytm łączenia </a:t>
+            </a:r>
+            <a:r>
+              <a:rPr lang="pl-PL" sz="2400" dirty="0" smtClean="0"/>
+              <a:t>kolejnych obszarów </a:t>
+            </a:r>
+            <a:r>
+              <a:rPr lang="pl-PL" sz="2400" dirty="0" smtClean="0"/>
+              <a:t>w całość. </a:t>
+            </a:r>
+          </a:p>
+          <a:p>
+            <a:pPr>
+              <a:buNone/>
+            </a:pPr>
+            <a:endParaRPr lang="pl-PL" sz="1500" dirty="0"/>
+          </a:p>
+        </p:txBody>
+      </p:sp>
     </p:spTree>
   </p:cSld>
   <p:clrMapOvr>
@@ -10843,92 +11281,86 @@
             <p:ph type="title"/>
           </p:nvPr>
         </p:nvSpPr>
-        <p:spPr/>
-        <p:txBody>
-          <a:bodyPr/>
-          <a:lstStyle/>
-          <a:p>
-            <a:r>
-              <a:rPr lang="pl-PL" dirty="0" smtClean="0"/>
-              <a:t>Algorytm - wstęp</a:t>
-            </a:r>
-            <a:endParaRPr lang="pl-PL" dirty="0"/>
-          </a:p>
-        </p:txBody>
-      </p:sp>
-      <p:sp>
-        <p:nvSpPr>
-          <p:cNvPr id="3" name="Symbol zastępczy zawartości 2"/>
-          <p:cNvSpPr>
-            <a:spLocks noGrp="1"/>
-          </p:cNvSpPr>
-          <p:nvPr>
-            <p:ph idx="1"/>
-          </p:nvPr>
-        </p:nvSpPr>
         <p:spPr>
           <a:xfrm>
-            <a:off x="539552" y="1772816"/>
-            <a:ext cx="8229600" cy="4525963"/>
+            <a:off x="395536" y="0"/>
+            <a:ext cx="8229600" cy="1143000"/>
           </a:xfrm>
         </p:spPr>
         <p:txBody>
           <a:bodyPr>
-            <a:normAutofit/>
+            <a:noAutofit/>
           </a:bodyPr>
           <a:lstStyle/>
           <a:p>
-            <a:pPr lvl="0"/>
-            <a:r>
-              <a:rPr lang="pl-PL" dirty="0" smtClean="0"/>
-              <a:t>Dane wejściowe</a:t>
-            </a:r>
-          </a:p>
-          <a:p>
-            <a:pPr lvl="0"/>
-            <a:r>
-              <a:rPr lang="pl-PL" dirty="0" smtClean="0"/>
-              <a:t>Podział algorytmu:</a:t>
-            </a:r>
-          </a:p>
-          <a:p>
-            <a:pPr lvl="1">
-              <a:buFont typeface="Wingdings" pitchFamily="2" charset="2"/>
-              <a:buChar char="Ø"/>
-            </a:pPr>
-            <a:r>
-              <a:rPr lang="pl-PL" dirty="0" smtClean="0"/>
-              <a:t>algorytm wyznaczania otoczki obszaru przeszukanego, </a:t>
-            </a:r>
-          </a:p>
-          <a:p>
-            <a:pPr lvl="1">
-              <a:buFont typeface="Wingdings" pitchFamily="2" charset="2"/>
-              <a:buChar char="Ø"/>
-            </a:pPr>
-            <a:r>
-              <a:rPr lang="pl-PL" dirty="0" smtClean="0"/>
-              <a:t>algorytm wyznaczania obszarów wewnątrz otoczki niezarejestrowanych przez kamerę oraz </a:t>
-            </a:r>
-          </a:p>
-          <a:p>
-            <a:pPr lvl="1">
-              <a:buFont typeface="Wingdings" pitchFamily="2" charset="2"/>
-              <a:buChar char="Ø"/>
-            </a:pPr>
-            <a:r>
-              <a:rPr lang="pl-PL" dirty="0" smtClean="0"/>
-              <a:t>algorytm łączenia pojedynczych obszarów w całość. </a:t>
-            </a:r>
-          </a:p>
-          <a:p>
-            <a:pPr>
-              <a:buNone/>
-            </a:pPr>
-            <a:endParaRPr lang="pl-PL" dirty="0"/>
-          </a:p>
-        </p:txBody>
-      </p:sp>
+            <a:r>
+              <a:rPr lang="pl-PL" sz="3500" b="1" dirty="0" smtClean="0"/>
+              <a:t>Algorytm wyznaczania otoczki obszaru przeszukanego</a:t>
+            </a:r>
+            <a:endParaRPr lang="pl-PL" sz="3500" b="1" dirty="0"/>
+          </a:p>
+        </p:txBody>
+      </p:sp>
+      <p:pic>
+        <p:nvPicPr>
+          <p:cNvPr id="4" name="Symbol zastępczy zawartości 3" descr="algorytm1_pro.jpg"/>
+          <p:cNvPicPr>
+            <a:picLocks noGrp="1" noChangeAspect="1"/>
+          </p:cNvPicPr>
+          <p:nvPr>
+            <p:ph idx="1"/>
+          </p:nvPr>
+        </p:nvPicPr>
+        <p:blipFill>
+          <a:blip r:embed="rId3" cstate="print"/>
+          <a:stretch>
+            <a:fillRect/>
+          </a:stretch>
+        </p:blipFill>
+        <p:spPr>
+          <a:xfrm>
+            <a:off x="478955" y="1600200"/>
+            <a:ext cx="8186090" cy="4525963"/>
+          </a:xfrm>
+        </p:spPr>
+      </p:pic>
+      <p:pic>
+        <p:nvPicPr>
+          <p:cNvPr id="5" name="Picture 1"/>
+          <p:cNvPicPr>
+            <a:picLocks noChangeAspect="1" noChangeArrowheads="1"/>
+          </p:cNvPicPr>
+          <p:nvPr/>
+        </p:nvPicPr>
+        <p:blipFill>
+          <a:blip r:embed="rId4" cstate="print">
+            <a:clrChange>
+              <a:clrFrom>
+                <a:srgbClr val="FFFFFF"/>
+              </a:clrFrom>
+              <a:clrTo>
+                <a:srgbClr val="FFFFFF">
+                  <a:alpha val="0"/>
+                </a:srgbClr>
+              </a:clrTo>
+            </a:clrChange>
+          </a:blip>
+          <a:srcRect/>
+          <a:stretch>
+            <a:fillRect/>
+          </a:stretch>
+        </p:blipFill>
+        <p:spPr bwMode="auto">
+          <a:xfrm>
+            <a:off x="6516216" y="1916832"/>
+            <a:ext cx="1728192" cy="374441"/>
+          </a:xfrm>
+          <a:prstGeom prst="rect">
+            <a:avLst/>
+          </a:prstGeom>
+          <a:noFill/>
+        </p:spPr>
+      </p:pic>
     </p:spTree>
   </p:cSld>
   <p:clrMapOvr>
@@ -10971,26 +11403,31 @@
             <p:ph type="title"/>
           </p:nvPr>
         </p:nvSpPr>
-        <p:spPr/>
+        <p:spPr>
+          <a:xfrm>
+            <a:off x="467544" y="0"/>
+            <a:ext cx="8229600" cy="1143000"/>
+          </a:xfrm>
+        </p:spPr>
         <p:txBody>
           <a:bodyPr>
-            <a:normAutofit fontScale="90000"/>
+            <a:normAutofit/>
           </a:bodyPr>
           <a:lstStyle/>
           <a:p>
             <a:r>
-              <a:rPr lang="pl-PL" dirty="0" smtClean="0"/>
-              <a:t>Algorytm wyznaczania otoczki obszaru przeszukanego</a:t>
-            </a:r>
-            <a:endParaRPr lang="pl-PL" dirty="0"/>
+              <a:rPr lang="pl-PL" sz="3500" b="1" dirty="0" smtClean="0"/>
+              <a:t>Przykładowy wynik algorytmu</a:t>
+            </a:r>
+            <a:endParaRPr lang="pl-PL" sz="3500" b="1" dirty="0"/>
           </a:p>
         </p:txBody>
       </p:sp>
       <p:pic>
         <p:nvPicPr>
-          <p:cNvPr id="4" name="Symbol zastępczy zawartości 3" descr="algorytm1_pro.jpg"/>
+          <p:cNvPr id="5" name="Symbol zastępczy zawartości 4" descr="algorytm1-22 — kopia (2).jpg"/>
           <p:cNvPicPr>
-            <a:picLocks noGrp="1" noChangeAspect="1"/>
+            <a:picLocks noGrp="1"/>
           </p:cNvPicPr>
           <p:nvPr>
             <p:ph idx="1"/>
@@ -11004,9 +11441,12 @@
         </p:blipFill>
         <p:spPr>
           <a:xfrm>
-            <a:off x="478955" y="1600200"/>
-            <a:ext cx="8186090" cy="4525963"/>
+            <a:off x="1403648" y="1196752"/>
+            <a:ext cx="6480720" cy="5472608"/>
           </a:xfrm>
+          <a:prstGeom prst="rect">
+            <a:avLst/>
+          </a:prstGeom>
         </p:spPr>
       </p:pic>
     </p:spTree>

--- a/Dokumenty/Obrona/Prezentacja.pptx
+++ b/Dokumenty/Obrona/Prezentacja.pptx
@@ -219,7 +219,7 @@
             <a:fld id="{6140D49B-E59E-4DEF-9E25-A60BC4E3CE4F}" type="datetimeFigureOut">
               <a:rPr lang="pl-PL" smtClean="0"/>
               <a:pPr/>
-              <a:t>2016-05-18</a:t>
+              <a:t>2016-05-19</a:t>
             </a:fld>
             <a:endParaRPr lang="pl-PL"/>
           </a:p>
@@ -3605,8 +3605,27 @@
                 <a:ea typeface="+mn-ea"/>
                 <a:cs typeface="+mn-cs"/>
               </a:rPr>
-              <a:t> ziemska jest zaś spłaszczoną elipsoidą obrotową, której powierzchnia jest najbardziej zbliżona do powierzchni geoidy na całej Ziemi.</a:t>
-            </a:r>
+              <a:t> ziemska jest zaś spłaszczoną elipsoidą obrotową, będącą przybliżeniem</a:t>
+            </a:r>
+            <a:r>
+              <a:rPr lang="pl-PL" sz="1200" kern="1200" baseline="0" dirty="0" smtClean="0">
+                <a:solidFill>
+                  <a:schemeClr val="tx1"/>
+                </a:solidFill>
+                <a:latin typeface="+mn-lt"/>
+                <a:ea typeface="+mn-ea"/>
+                <a:cs typeface="+mn-cs"/>
+              </a:rPr>
+              <a:t> powierzchni geoidy.</a:t>
+            </a:r>
+            <a:endParaRPr lang="pl-PL" sz="1200" kern="1200" dirty="0" smtClean="0">
+              <a:solidFill>
+                <a:schemeClr val="tx1"/>
+              </a:solidFill>
+              <a:latin typeface="+mn-lt"/>
+              <a:ea typeface="+mn-ea"/>
+              <a:cs typeface="+mn-cs"/>
+            </a:endParaRPr>
           </a:p>
           <a:p>
             <a:pPr marL="0" marR="0" indent="0" algn="l" defTabSz="914400" rtl="0" eaLnBrk="1" fontAlgn="auto" latinLnBrk="0" hangingPunct="1">
@@ -4992,7 +5011,7 @@
             <a:fld id="{26454A93-E770-450C-BF74-798E16E1408D}" type="datetimeFigureOut">
               <a:rPr lang="pl-PL" smtClean="0"/>
               <a:pPr/>
-              <a:t>2016-05-18</a:t>
+              <a:t>2016-05-19</a:t>
             </a:fld>
             <a:endParaRPr lang="pl-PL"/>
           </a:p>
@@ -5159,7 +5178,7 @@
             <a:fld id="{26454A93-E770-450C-BF74-798E16E1408D}" type="datetimeFigureOut">
               <a:rPr lang="pl-PL" smtClean="0"/>
               <a:pPr/>
-              <a:t>2016-05-18</a:t>
+              <a:t>2016-05-19</a:t>
             </a:fld>
             <a:endParaRPr lang="pl-PL"/>
           </a:p>
@@ -5336,7 +5355,7 @@
             <a:fld id="{26454A93-E770-450C-BF74-798E16E1408D}" type="datetimeFigureOut">
               <a:rPr lang="pl-PL" smtClean="0"/>
               <a:pPr/>
-              <a:t>2016-05-18</a:t>
+              <a:t>2016-05-19</a:t>
             </a:fld>
             <a:endParaRPr lang="pl-PL"/>
           </a:p>
@@ -5503,7 +5522,7 @@
             <a:fld id="{26454A93-E770-450C-BF74-798E16E1408D}" type="datetimeFigureOut">
               <a:rPr lang="pl-PL" smtClean="0"/>
               <a:pPr/>
-              <a:t>2016-05-18</a:t>
+              <a:t>2016-05-19</a:t>
             </a:fld>
             <a:endParaRPr lang="pl-PL"/>
           </a:p>
@@ -5746,7 +5765,7 @@
             <a:fld id="{26454A93-E770-450C-BF74-798E16E1408D}" type="datetimeFigureOut">
               <a:rPr lang="pl-PL" smtClean="0"/>
               <a:pPr/>
-              <a:t>2016-05-18</a:t>
+              <a:t>2016-05-19</a:t>
             </a:fld>
             <a:endParaRPr lang="pl-PL"/>
           </a:p>
@@ -6031,7 +6050,7 @@
             <a:fld id="{26454A93-E770-450C-BF74-798E16E1408D}" type="datetimeFigureOut">
               <a:rPr lang="pl-PL" smtClean="0"/>
               <a:pPr/>
-              <a:t>2016-05-18</a:t>
+              <a:t>2016-05-19</a:t>
             </a:fld>
             <a:endParaRPr lang="pl-PL"/>
           </a:p>
@@ -6450,7 +6469,7 @@
             <a:fld id="{26454A93-E770-450C-BF74-798E16E1408D}" type="datetimeFigureOut">
               <a:rPr lang="pl-PL" smtClean="0"/>
               <a:pPr/>
-              <a:t>2016-05-18</a:t>
+              <a:t>2016-05-19</a:t>
             </a:fld>
             <a:endParaRPr lang="pl-PL"/>
           </a:p>
@@ -6565,7 +6584,7 @@
             <a:fld id="{26454A93-E770-450C-BF74-798E16E1408D}" type="datetimeFigureOut">
               <a:rPr lang="pl-PL" smtClean="0"/>
               <a:pPr/>
-              <a:t>2016-05-18</a:t>
+              <a:t>2016-05-19</a:t>
             </a:fld>
             <a:endParaRPr lang="pl-PL"/>
           </a:p>
@@ -6657,7 +6676,7 @@
             <a:fld id="{26454A93-E770-450C-BF74-798E16E1408D}" type="datetimeFigureOut">
               <a:rPr lang="pl-PL" smtClean="0"/>
               <a:pPr/>
-              <a:t>2016-05-18</a:t>
+              <a:t>2016-05-19</a:t>
             </a:fld>
             <a:endParaRPr lang="pl-PL"/>
           </a:p>
@@ -6931,7 +6950,7 @@
             <a:fld id="{26454A93-E770-450C-BF74-798E16E1408D}" type="datetimeFigureOut">
               <a:rPr lang="pl-PL" smtClean="0"/>
               <a:pPr/>
-              <a:t>2016-05-18</a:t>
+              <a:t>2016-05-19</a:t>
             </a:fld>
             <a:endParaRPr lang="pl-PL"/>
           </a:p>
@@ -7181,7 +7200,7 @@
             <a:fld id="{26454A93-E770-450C-BF74-798E16E1408D}" type="datetimeFigureOut">
               <a:rPr lang="pl-PL" smtClean="0"/>
               <a:pPr/>
-              <a:t>2016-05-18</a:t>
+              <a:t>2016-05-19</a:t>
             </a:fld>
             <a:endParaRPr lang="pl-PL"/>
           </a:p>
@@ -7410,7 +7429,7 @@
             <a:fld id="{26454A93-E770-450C-BF74-798E16E1408D}" type="datetimeFigureOut">
               <a:rPr lang="pl-PL" smtClean="0"/>
               <a:pPr/>
-              <a:t>2016-05-18</a:t>
+              <a:t>2016-05-19</a:t>
             </a:fld>
             <a:endParaRPr lang="pl-PL"/>
           </a:p>
@@ -7847,15 +7866,17 @@
                   <a:schemeClr val="tx1"/>
                 </a:solidFill>
               </a:rPr>
-              <a:t>Promotor pracy: dr inż. Paweł </a:t>
-            </a:r>
+              <a:t>Promotor pracy: dr inż. Paweł Wnuk</a:t>
+            </a:r>
+          </a:p>
+          <a:p>
             <a:r>
               <a:rPr lang="pl-PL" sz="2000" dirty="0" smtClean="0">
                 <a:solidFill>
                   <a:schemeClr val="tx1"/>
                 </a:solidFill>
               </a:rPr>
-              <a:t>Wnuk</a:t>
+              <a:t>Kierunek studiów: Automatyka i Robotyka</a:t>
             </a:r>
           </a:p>
           <a:p>
@@ -7865,41 +7886,7 @@
                   <a:schemeClr val="tx1"/>
                 </a:solidFill>
               </a:rPr>
-              <a:t>Kierunek </a:t>
-            </a:r>
-            <a:r>
-              <a:rPr lang="pl-PL" sz="2000" dirty="0" smtClean="0">
-                <a:solidFill>
-                  <a:schemeClr val="tx1"/>
-                </a:solidFill>
-              </a:rPr>
-              <a:t>studiów: Automatyka i Robotyka</a:t>
-            </a:r>
-          </a:p>
-          <a:p>
-            <a:r>
-              <a:rPr lang="pl-PL" sz="2000" dirty="0" smtClean="0">
-                <a:solidFill>
-                  <a:schemeClr val="tx1"/>
-                </a:solidFill>
-              </a:rPr>
-              <a:t>Specjalność: </a:t>
-            </a:r>
-            <a:r>
-              <a:rPr lang="pl-PL" sz="2000" dirty="0" smtClean="0">
-                <a:solidFill>
-                  <a:schemeClr val="tx1"/>
-                </a:solidFill>
-              </a:rPr>
-              <a:t>Informatyka </a:t>
-            </a:r>
-            <a:r>
-              <a:rPr lang="pl-PL" sz="2000" dirty="0" smtClean="0">
-                <a:solidFill>
-                  <a:schemeClr val="tx1"/>
-                </a:solidFill>
-              </a:rPr>
-              <a:t>Przemysłowa</a:t>
+              <a:t>Specjalność: Informatyka Przemysłowa</a:t>
             </a:r>
             <a:endParaRPr lang="pl-PL" sz="2000" dirty="0">
               <a:solidFill>
@@ -7953,8 +7940,11 @@
                   </a:outerShdw>
                 </a:effectLst>
               </a:rPr>
-              <a:t>„Algorytm </a:t>
-            </a:r>
+              <a:t>„Algorytm wyznaczania i wizualizacji obszaru przeszukanego </a:t>
+            </a:r>
+          </a:p>
+          <a:p>
+            <a:pPr algn="ctr"/>
             <a:r>
               <a:rPr lang="pl-PL" sz="2500" b="1" i="1" dirty="0" smtClean="0">
                 <a:effectLst>
@@ -7965,55 +7955,7 @@
                   </a:outerShdw>
                 </a:effectLst>
               </a:rPr>
-              <a:t>wyznaczania i wizualizacji obszaru przeszukanego </a:t>
-            </a:r>
-            <a:endParaRPr lang="pl-PL" sz="2500" b="1" i="1" dirty="0" smtClean="0">
-              <a:effectLst>
-                <a:outerShdw blurRad="38100" dist="38100" dir="2700000" algn="tl">
-                  <a:srgbClr val="000000">
-                    <a:alpha val="43137"/>
-                  </a:srgbClr>
-                </a:outerShdw>
-              </a:effectLst>
-            </a:endParaRPr>
-          </a:p>
-          <a:p>
-            <a:pPr algn="ctr"/>
-            <a:r>
-              <a:rPr lang="pl-PL" sz="2500" b="1" i="1" dirty="0" smtClean="0">
-                <a:effectLst>
-                  <a:outerShdw blurRad="38100" dist="38100" dir="2700000" algn="tl">
-                    <a:srgbClr val="000000">
-                      <a:alpha val="43137"/>
-                    </a:srgbClr>
-                  </a:outerShdw>
-                </a:effectLst>
-              </a:rPr>
-              <a:t>wraz </a:t>
-            </a:r>
-            <a:r>
-              <a:rPr lang="pl-PL" sz="2500" b="1" i="1" dirty="0" smtClean="0">
-                <a:effectLst>
-                  <a:outerShdw blurRad="38100" dist="38100" dir="2700000" algn="tl">
-                    <a:srgbClr val="000000">
-                      <a:alpha val="43137"/>
-                    </a:srgbClr>
-                  </a:outerShdw>
-                </a:effectLst>
-              </a:rPr>
-              <a:t>z implementacją przy wykorzystaniu systemu </a:t>
-            </a:r>
-            <a:r>
-              <a:rPr lang="pl-PL" sz="2500" b="1" i="1" dirty="0" smtClean="0">
-                <a:effectLst>
-                  <a:outerShdw blurRad="38100" dist="38100" dir="2700000" algn="tl">
-                    <a:srgbClr val="000000">
-                      <a:alpha val="43137"/>
-                    </a:srgbClr>
-                  </a:outerShdw>
-                </a:effectLst>
-              </a:rPr>
-              <a:t>OpenStreetMap.”</a:t>
+              <a:t>wraz z implementacją przy wykorzystaniu systemu OpenStreetMap.”</a:t>
             </a:r>
             <a:endParaRPr lang="pl-PL" sz="2500" b="1" dirty="0">
               <a:effectLst>
@@ -8083,15 +8025,7 @@
           <a:p>
             <a:r>
               <a:rPr lang="pl-PL" sz="3500" b="1" dirty="0" smtClean="0"/>
-              <a:t>Algorytm wyznaczania obszarów </a:t>
-            </a:r>
-            <a:r>
-              <a:rPr lang="pl-PL" sz="3500" b="1" dirty="0" smtClean="0"/>
-              <a:t>wewnątrz </a:t>
-            </a:r>
-            <a:r>
-              <a:rPr lang="pl-PL" sz="3500" b="1" dirty="0" smtClean="0"/>
-              <a:t>otoczki niezarejestrowanych przez kamerę</a:t>
+              <a:t>Algorytm wyznaczania obszarów wewnątrz otoczki niezarejestrowanych przez kamerę</a:t>
             </a:r>
             <a:endParaRPr lang="pl-PL" sz="3500" b="1" dirty="0"/>
           </a:p>
@@ -8947,11 +8881,7 @@
           <a:p>
             <a:r>
               <a:rPr lang="pl-PL" sz="3500" b="1" dirty="0" smtClean="0"/>
-              <a:t>Intuicyjny przykład wyznaczania kształtu </a:t>
-            </a:r>
-            <a:r>
-              <a:rPr lang="pl-PL" sz="3500" b="1" dirty="0" smtClean="0"/>
-              <a:t>α</a:t>
+              <a:t>Intuicyjny przykład wyznaczania kształtu α</a:t>
             </a:r>
             <a:endParaRPr lang="pl-PL" sz="3500" b="1" dirty="0"/>
           </a:p>
@@ -9171,6 +9101,13 @@
   <p:clrMapOvr>
     <a:masterClrMapping/>
   </p:clrMapOvr>
+  <p:timing>
+    <p:tnLst>
+      <p:par>
+        <p:cTn id="1" dur="indefinite" restart="never" nodeType="tmRoot"/>
+      </p:par>
+    </p:tnLst>
+  </p:timing>
 </p:sld>
 </file>
 
@@ -9611,11 +9548,7 @@
             </a:r>
             <a:r>
               <a:rPr lang="pl-PL" sz="3500" b="1" dirty="0" smtClean="0"/>
-              <a:t>= </a:t>
-            </a:r>
-            <a:r>
-              <a:rPr lang="pl-PL" sz="3500" b="1" dirty="0" smtClean="0"/>
-              <a:t>0.1 </a:t>
+              <a:t>= 0.1 </a:t>
             </a:r>
             <a:endParaRPr lang="pl-PL" sz="3500" b="1" dirty="0"/>
           </a:p>
@@ -9715,11 +9648,7 @@
             </a:r>
             <a:r>
               <a:rPr lang="pl-PL" sz="3500" b="1" dirty="0" smtClean="0"/>
-              <a:t> = </a:t>
-            </a:r>
-            <a:r>
-              <a:rPr lang="pl-PL" sz="3500" b="1" dirty="0" smtClean="0"/>
-              <a:t>1 </a:t>
+              <a:t> = 1 </a:t>
             </a:r>
             <a:endParaRPr lang="pl-PL" sz="3500" b="1" dirty="0"/>
           </a:p>
@@ -10033,8 +9962,26 @@
                   </a:outerShdw>
                 </a:effectLst>
               </a:rPr>
-              <a:t>a</a:t>
-            </a:r>
+              <a:t>aplikacja mobilna </a:t>
+            </a:r>
+            <a:r>
+              <a:rPr lang="pl-PL" sz="2500" dirty="0" smtClean="0"/>
+              <a:t>– </a:t>
+            </a:r>
+            <a:r>
+              <a:rPr lang="pl-PL" sz="2500" i="1" dirty="0" err="1" smtClean="0"/>
+              <a:t>DronTracker</a:t>
+            </a:r>
+            <a:r>
+              <a:rPr lang="pl-PL" sz="2500" dirty="0" smtClean="0"/>
+              <a:t> - pełniąca rolę geolokalizatora ,do potencjalnego zamontowania na dronie, </a:t>
+            </a:r>
+          </a:p>
+          <a:p>
+            <a:endParaRPr lang="pl-PL" sz="2500" dirty="0" smtClean="0"/>
+          </a:p>
+          <a:p>
+            <a:pPr lvl="0"/>
             <a:r>
               <a:rPr lang="pl-PL" sz="2500" dirty="0" smtClean="0">
                 <a:effectLst>
@@ -10045,7 +9992,7 @@
                   </a:outerShdw>
                 </a:effectLst>
               </a:rPr>
-              <a:t>plikacja mobilna </a:t>
+              <a:t>aplikacja serwerowa </a:t>
             </a:r>
             <a:r>
               <a:rPr lang="pl-PL" sz="2500" dirty="0" smtClean="0"/>
@@ -10053,57 +10000,11 @@
             </a:r>
             <a:r>
               <a:rPr lang="pl-PL" sz="2500" i="1" dirty="0" err="1" smtClean="0"/>
-              <a:t>DronTracker</a:t>
+              <a:t>DronSerwer</a:t>
             </a:r>
             <a:r>
               <a:rPr lang="pl-PL" sz="2500" dirty="0" smtClean="0"/>
-              <a:t> </a:t>
-            </a:r>
-            <a:r>
-              <a:rPr lang="pl-PL" sz="2500" dirty="0" smtClean="0"/>
-              <a:t>-</a:t>
-            </a:r>
-            <a:r>
-              <a:rPr lang="pl-PL" sz="2500" dirty="0" smtClean="0"/>
-              <a:t> pełniąca rolę geolokalizatora ,do potencjalnego zamontowania na dronie, </a:t>
-            </a:r>
-          </a:p>
-          <a:p>
-            <a:endParaRPr lang="pl-PL" sz="2500" dirty="0" smtClean="0"/>
-          </a:p>
-          <a:p>
-            <a:pPr lvl="0"/>
-            <a:r>
-              <a:rPr lang="pl-PL" sz="2500" dirty="0" smtClean="0">
-                <a:effectLst>
-                  <a:outerShdw blurRad="38100" dist="38100" dir="2700000" algn="tl">
-                    <a:srgbClr val="000000">
-                      <a:alpha val="43137"/>
-                    </a:srgbClr>
-                  </a:outerShdw>
-                </a:effectLst>
-              </a:rPr>
-              <a:t>aplikacja serwerowa </a:t>
-            </a:r>
-            <a:r>
-              <a:rPr lang="pl-PL" sz="2500" dirty="0" smtClean="0"/>
-              <a:t>– </a:t>
-            </a:r>
-            <a:r>
-              <a:rPr lang="pl-PL" sz="2500" i="1" dirty="0" err="1" smtClean="0"/>
-              <a:t>DronSerwer</a:t>
-            </a:r>
-            <a:r>
-              <a:rPr lang="pl-PL" sz="2500" dirty="0" smtClean="0"/>
-              <a:t> </a:t>
-            </a:r>
-            <a:r>
-              <a:rPr lang="pl-PL" sz="2500" dirty="0" smtClean="0"/>
-              <a:t>–</a:t>
-            </a:r>
-            <a:r>
-              <a:rPr lang="pl-PL" sz="2500" dirty="0" smtClean="0"/>
-              <a:t> odpowiedzialna za przeprowadzanie skomplikowanych obliczeń i komunikację z pozostałymi elementami systemu oraz</a:t>
+              <a:t> – odpowiedzialna za przeprowadzanie skomplikowanych obliczeń i komunikację z pozostałymi elementami systemu oraz</a:t>
             </a:r>
           </a:p>
           <a:p>
@@ -10194,7 +10095,7 @@
       </p:sp>
       <p:pic>
         <p:nvPicPr>
-          <p:cNvPr id="6" name="Mój film3.mp4">
+          <p:cNvPr id="6" name="Mój film9.mp4">
             <a:hlinkClick r:id="" action="ppaction://media"/>
           </p:cNvPr>
           <p:cNvPicPr>
@@ -10290,7 +10191,7 @@
               </p:nextCondLst>
             </p:seq>
             <p:video>
-              <p:cMediaNode mute="1">
+              <p:cMediaNode>
                 <p:cTn id="7" fill="hold" display="0">
                   <p:stCondLst>
                     <p:cond delay="indefinite"/>
@@ -10555,11 +10456,7 @@
             </a:pPr>
             <a:r>
               <a:rPr lang="pl-PL" sz="2500" dirty="0" smtClean="0"/>
-              <a:t> EGM96</a:t>
-            </a:r>
-            <a:r>
-              <a:rPr lang="pl-PL" sz="2500" dirty="0" smtClean="0"/>
-              <a:t>,</a:t>
+              <a:t> EGM96,</a:t>
             </a:r>
           </a:p>
           <a:p>
@@ -10781,15 +10678,7 @@
           <a:p>
             <a:r>
               <a:rPr lang="pl-PL" sz="2500" dirty="0" smtClean="0"/>
-              <a:t>Misja przeprowadzona </a:t>
-            </a:r>
-            <a:r>
-              <a:rPr lang="pl-PL" sz="2500" dirty="0" smtClean="0"/>
-              <a:t>w 2000 roku przez</a:t>
-            </a:r>
-            <a:r>
-              <a:rPr lang="pl-PL" sz="2500" dirty="0" smtClean="0"/>
-              <a:t>:</a:t>
+              <a:t>Misja przeprowadzona w 2000 roku przez:</a:t>
             </a:r>
           </a:p>
           <a:p>
@@ -10805,27 +10694,7 @@
             </a:pPr>
             <a:r>
               <a:rPr lang="pl-PL" sz="2000" dirty="0" smtClean="0"/>
-              <a:t> Narodową Agencję Aeronautyki i Przestrzeni kosmicznej Stanów </a:t>
-            </a:r>
-            <a:r>
-              <a:rPr lang="pl-PL" sz="2000" dirty="0" smtClean="0"/>
-              <a:t> </a:t>
-            </a:r>
-            <a:r>
-              <a:rPr lang="pl-PL" sz="2000" dirty="0" smtClean="0"/>
-              <a:t>    	</a:t>
-            </a:r>
-            <a:r>
-              <a:rPr lang="pl-PL" sz="2000" dirty="0" smtClean="0"/>
-              <a:t>Zjednoczonych </a:t>
-            </a:r>
-            <a:r>
-              <a:rPr lang="pl-PL" sz="2000" dirty="0" smtClean="0"/>
-              <a:t>NASA</a:t>
-            </a:r>
-            <a:r>
-              <a:rPr lang="pl-PL" sz="2000" dirty="0" smtClean="0"/>
-              <a:t>,</a:t>
+              <a:t> Narodową Agencję Aeronautyki i Przestrzeni kosmicznej Stanów      	Zjednoczonych NASA,</a:t>
             </a:r>
           </a:p>
           <a:p>
@@ -10841,11 +10710,7 @@
             </a:pPr>
             <a:r>
               <a:rPr lang="pl-PL" sz="2000" dirty="0" smtClean="0"/>
-              <a:t>Niemiecką Agencję Kosmiczną DRL</a:t>
-            </a:r>
-            <a:r>
-              <a:rPr lang="pl-PL" sz="2000" dirty="0" smtClean="0"/>
-              <a:t>,</a:t>
+              <a:t>Niemiecką Agencję Kosmiczną DRL,</a:t>
             </a:r>
           </a:p>
           <a:p>
@@ -10923,11 +10788,7 @@
           <a:p>
             <a:r>
               <a:rPr lang="pl-PL" sz="3500" b="1" dirty="0" smtClean="0"/>
-              <a:t>Określanie </a:t>
-            </a:r>
-            <a:r>
-              <a:rPr lang="pl-PL" sz="3500" b="1" dirty="0" smtClean="0"/>
-              <a:t>wysokości</a:t>
+              <a:t>Określanie wysokości</a:t>
             </a:r>
             <a:endParaRPr lang="pl-PL" sz="3500" b="1" dirty="0"/>
           </a:p>
@@ -11024,11 +10885,7 @@
             </a:pPr>
             <a:r>
               <a:rPr lang="pl-PL" sz="2400" dirty="0" smtClean="0"/>
-              <a:t> w</a:t>
-            </a:r>
-            <a:r>
-              <a:rPr lang="pl-PL" sz="2400" dirty="0" smtClean="0"/>
-              <a:t>ysokość elipsoidalna,</a:t>
+              <a:t> wysokość elipsoidalna,</a:t>
             </a:r>
           </a:p>
           <a:p>
@@ -11146,11 +11003,7 @@
             <a:pPr lvl="0"/>
             <a:r>
               <a:rPr lang="pl-PL" sz="2400" dirty="0" smtClean="0"/>
-              <a:t>Dane </a:t>
-            </a:r>
-            <a:r>
-              <a:rPr lang="pl-PL" sz="2400" dirty="0" smtClean="0"/>
-              <a:t>wejściowe</a:t>
+              <a:t>Dane wejściowe</a:t>
             </a:r>
           </a:p>
           <a:p>
@@ -11163,11 +11016,7 @@
             <a:pPr lvl="0"/>
             <a:r>
               <a:rPr lang="pl-PL" sz="2400" dirty="0" smtClean="0"/>
-              <a:t>Podział algorytmu</a:t>
-            </a:r>
-            <a:r>
-              <a:rPr lang="pl-PL" sz="2400" dirty="0" smtClean="0"/>
-              <a:t>:</a:t>
+              <a:t>Podział algorytmu:</a:t>
             </a:r>
           </a:p>
           <a:p>
@@ -11183,11 +11032,7 @@
             </a:pPr>
             <a:r>
               <a:rPr lang="pl-PL" sz="2400" dirty="0" smtClean="0"/>
-              <a:t>algorytm wyznaczania otoczki obszaru przeszukanego</a:t>
-            </a:r>
-            <a:r>
-              <a:rPr lang="pl-PL" sz="2400" dirty="0" smtClean="0"/>
-              <a:t>,</a:t>
+              <a:t>algorytm wyznaczania otoczki obszaru przeszukanego,</a:t>
             </a:r>
           </a:p>
           <a:p>
@@ -11205,7 +11050,6 @@
               <a:rPr lang="pl-PL" sz="2400" dirty="0" smtClean="0"/>
               <a:t>algorytm wyznaczania obszarów wewnątrz otoczki niezarejestrowanych przez kamerę oraz </a:t>
             </a:r>
-            <a:endParaRPr lang="pl-PL" sz="2400" dirty="0" smtClean="0"/>
           </a:p>
           <a:p>
             <a:pPr lvl="1">
@@ -11220,15 +11064,7 @@
             </a:pPr>
             <a:r>
               <a:rPr lang="pl-PL" sz="2400" dirty="0" smtClean="0"/>
-              <a:t>algorytm łączenia </a:t>
-            </a:r>
-            <a:r>
-              <a:rPr lang="pl-PL" sz="2400" dirty="0" smtClean="0"/>
-              <a:t>kolejnych obszarów </a:t>
-            </a:r>
-            <a:r>
-              <a:rPr lang="pl-PL" sz="2400" dirty="0" smtClean="0"/>
-              <a:t>w całość. </a:t>
+              <a:t>algorytm łączenia kolejnych obszarów w całość. </a:t>
             </a:r>
           </a:p>
           <a:p>

--- a/Dokumenty/Obrona/Prezentacja.pptx
+++ b/Dokumenty/Obrona/Prezentacja.pptx
@@ -5,7 +5,7 @@
     <p:sldMasterId id="2147483648" r:id="rId1"/>
   </p:sldMasterIdLst>
   <p:notesMasterIdLst>
-    <p:notesMasterId r:id="rId29"/>
+    <p:notesMasterId r:id="rId28"/>
   </p:notesMasterIdLst>
   <p:sldIdLst>
     <p:sldId id="256" r:id="rId2"/>
@@ -23,18 +23,17 @@
     <p:sldId id="279" r:id="rId14"/>
     <p:sldId id="265" r:id="rId15"/>
     <p:sldId id="280" r:id="rId16"/>
-    <p:sldId id="284" r:id="rId17"/>
-    <p:sldId id="267" r:id="rId18"/>
-    <p:sldId id="285" r:id="rId19"/>
-    <p:sldId id="268" r:id="rId20"/>
-    <p:sldId id="269" r:id="rId21"/>
-    <p:sldId id="270" r:id="rId22"/>
-    <p:sldId id="271" r:id="rId23"/>
-    <p:sldId id="272" r:id="rId24"/>
-    <p:sldId id="273" r:id="rId25"/>
-    <p:sldId id="281" r:id="rId26"/>
-    <p:sldId id="274" r:id="rId27"/>
-    <p:sldId id="282" r:id="rId28"/>
+    <p:sldId id="267" r:id="rId17"/>
+    <p:sldId id="285" r:id="rId18"/>
+    <p:sldId id="268" r:id="rId19"/>
+    <p:sldId id="269" r:id="rId20"/>
+    <p:sldId id="270" r:id="rId21"/>
+    <p:sldId id="271" r:id="rId22"/>
+    <p:sldId id="272" r:id="rId23"/>
+    <p:sldId id="273" r:id="rId24"/>
+    <p:sldId id="281" r:id="rId25"/>
+    <p:sldId id="274" r:id="rId26"/>
+    <p:sldId id="282" r:id="rId27"/>
   </p:sldIdLst>
   <p:sldSz cx="9144000" cy="6858000" type="screen4x3"/>
   <p:notesSz cx="6858000" cy="9144000"/>
@@ -219,7 +218,7 @@
             <a:fld id="{6140D49B-E59E-4DEF-9E25-A60BC4E3CE4F}" type="datetimeFigureOut">
               <a:rPr lang="pl-PL" smtClean="0"/>
               <a:pPr/>
-              <a:t>2016-05-19</a:t>
+              <a:t>2016-05-24</a:t>
             </a:fld>
             <a:endParaRPr lang="pl-PL"/>
           </a:p>
@@ -561,7 +560,7 @@
           <a:p>
             <a:pPr>
               <a:buFont typeface="Arial" pitchFamily="34" charset="0"/>
-              <a:buChar char="•"/>
+              <a:buNone/>
             </a:pPr>
             <a:r>
               <a:rPr lang="pl-PL" sz="1200" kern="1200" baseline="0" dirty="0" smtClean="0">
@@ -572,18 +571,7 @@
                 <a:ea typeface="+mn-ea"/>
                 <a:cs typeface="+mn-cs"/>
               </a:rPr>
-              <a:t> Powiązanie z </a:t>
-            </a:r>
-            <a:r>
-              <a:rPr lang="pl-PL" sz="1200" kern="1200" baseline="0" dirty="0" err="1" smtClean="0">
-                <a:solidFill>
-                  <a:schemeClr val="tx1"/>
-                </a:solidFill>
-                <a:latin typeface="+mn-lt"/>
-                <a:ea typeface="+mn-ea"/>
-                <a:cs typeface="+mn-cs"/>
-              </a:rPr>
-              <a:t>dronami</a:t>
+              <a:t>„Algorytm wyznaczania i wizualizacji obszaru przeszukanego wraz z implementacją przy wykorzystaniu systemu OpenStreetMap”</a:t>
             </a:r>
             <a:endParaRPr lang="pl-PL" sz="1200" kern="1200" baseline="0" dirty="0" smtClean="0">
               <a:solidFill>
@@ -608,8 +596,27 @@
                 <a:ea typeface="+mn-ea"/>
                 <a:cs typeface="+mn-cs"/>
               </a:rPr>
-              <a:t> Rozwiązanie wspomagające wykorzystanie bezzałogowych statków latających</a:t>
-            </a:r>
+              <a:t> Powiązanie z </a:t>
+            </a:r>
+            <a:r>
+              <a:rPr lang="pl-PL" sz="1200" kern="1200" baseline="0" dirty="0" err="1" smtClean="0">
+                <a:solidFill>
+                  <a:schemeClr val="tx1"/>
+                </a:solidFill>
+                <a:latin typeface="+mn-lt"/>
+                <a:ea typeface="+mn-ea"/>
+                <a:cs typeface="+mn-cs"/>
+              </a:rPr>
+              <a:t>dronami</a:t>
+            </a:r>
+            <a:endParaRPr lang="pl-PL" sz="1200" kern="1200" baseline="0" dirty="0" smtClean="0">
+              <a:solidFill>
+                <a:schemeClr val="tx1"/>
+              </a:solidFill>
+              <a:latin typeface="+mn-lt"/>
+              <a:ea typeface="+mn-ea"/>
+              <a:cs typeface="+mn-cs"/>
+            </a:endParaRPr>
           </a:p>
           <a:p>
             <a:pPr>
@@ -625,7 +632,18 @@
                 <a:ea typeface="+mn-ea"/>
                 <a:cs typeface="+mn-cs"/>
               </a:rPr>
-              <a:t> Cel pracy (czym jest obszar przeszukany)</a:t>
+              <a:t> Cel </a:t>
+            </a:r>
+            <a:r>
+              <a:rPr lang="pl-PL" sz="1200" kern="1200" baseline="0" dirty="0" smtClean="0">
+                <a:solidFill>
+                  <a:schemeClr val="tx1"/>
+                </a:solidFill>
+                <a:latin typeface="+mn-lt"/>
+                <a:ea typeface="+mn-ea"/>
+                <a:cs typeface="+mn-cs"/>
+              </a:rPr>
+              <a:t>pracy (czym jest obszar przeszukany)</a:t>
             </a:r>
           </a:p>
           <a:p>
@@ -738,7 +756,7 @@
               <a:t> Rozwinięcie algorytmu </a:t>
             </a:r>
             <a:r>
-              <a:rPr lang="pl-PL" sz="1200" kern="1200" baseline="0" dirty="0" err="1" smtClean="0">
+              <a:rPr lang="pl-PL" sz="1200" kern="1200" baseline="0" dirty="0" smtClean="0">
                 <a:solidFill>
                   <a:schemeClr val="tx1"/>
                 </a:solidFill>
@@ -746,19 +764,16 @@
                 <a:ea typeface="+mn-ea"/>
                 <a:cs typeface="+mn-cs"/>
               </a:rPr>
-              <a:t>podstawoweog</a:t>
-            </a:r>
-            <a:r>
-              <a:rPr lang="pl-PL" sz="1200" kern="1200" baseline="0" dirty="0" smtClean="0">
-                <a:solidFill>
-                  <a:schemeClr val="tx1"/>
-                </a:solidFill>
-                <a:latin typeface="+mn-lt"/>
-                <a:ea typeface="+mn-ea"/>
-                <a:cs typeface="+mn-cs"/>
-              </a:rPr>
-              <a:t>,</a:t>
-            </a:r>
+              <a:t>podstawowego,</a:t>
+            </a:r>
+            <a:endParaRPr lang="pl-PL" sz="1200" kern="1200" baseline="0" dirty="0" smtClean="0">
+              <a:solidFill>
+                <a:schemeClr val="tx1"/>
+              </a:solidFill>
+              <a:latin typeface="+mn-lt"/>
+              <a:ea typeface="+mn-ea"/>
+              <a:cs typeface="+mn-cs"/>
+            </a:endParaRPr>
           </a:p>
           <a:p>
             <a:pPr>
@@ -1196,7 +1211,18 @@
                 <a:ea typeface="+mn-ea"/>
                 <a:cs typeface="+mn-cs"/>
               </a:rPr>
-              <a:t> pogrupowanie</a:t>
+              <a:t> </a:t>
+            </a:r>
+            <a:r>
+              <a:rPr lang="pl-PL" sz="1200" kern="1200" baseline="0" dirty="0" smtClean="0">
+                <a:solidFill>
+                  <a:schemeClr val="tx1"/>
+                </a:solidFill>
+                <a:latin typeface="+mn-lt"/>
+                <a:ea typeface="+mn-ea"/>
+                <a:cs typeface="+mn-cs"/>
+              </a:rPr>
+              <a:t>Dobranie skoku</a:t>
             </a:r>
           </a:p>
           <a:p>
@@ -1213,7 +1239,54 @@
                 <a:ea typeface="+mn-ea"/>
                 <a:cs typeface="+mn-cs"/>
               </a:rPr>
-              <a:t> wielokąt wklęsły</a:t>
+              <a:t> Pogrupowanie</a:t>
+            </a:r>
+            <a:endParaRPr lang="pl-PL" sz="1200" kern="1200" baseline="0" dirty="0" smtClean="0">
+              <a:solidFill>
+                <a:schemeClr val="tx1"/>
+              </a:solidFill>
+              <a:latin typeface="+mn-lt"/>
+              <a:ea typeface="+mn-ea"/>
+              <a:cs typeface="+mn-cs"/>
+            </a:endParaRPr>
+          </a:p>
+          <a:p>
+            <a:pPr>
+              <a:buFont typeface="Arial" pitchFamily="34" charset="0"/>
+              <a:buChar char="•"/>
+            </a:pPr>
+            <a:r>
+              <a:rPr lang="pl-PL" sz="1200" kern="1200" baseline="0" dirty="0" smtClean="0">
+                <a:solidFill>
+                  <a:schemeClr val="tx1"/>
+                </a:solidFill>
+                <a:latin typeface="+mn-lt"/>
+                <a:ea typeface="+mn-ea"/>
+                <a:cs typeface="+mn-cs"/>
+              </a:rPr>
+              <a:t> </a:t>
+            </a:r>
+            <a:r>
+              <a:rPr lang="pl-PL" sz="1200" kern="1200" baseline="0" dirty="0" smtClean="0">
+                <a:solidFill>
+                  <a:schemeClr val="tx1"/>
+                </a:solidFill>
+                <a:latin typeface="+mn-lt"/>
+                <a:ea typeface="+mn-ea"/>
+                <a:cs typeface="+mn-cs"/>
+              </a:rPr>
+              <a:t>Wielokąt </a:t>
+            </a:r>
+            <a:r>
+              <a:rPr lang="pl-PL" sz="1200" kern="1200" baseline="0" dirty="0" smtClean="0">
+                <a:solidFill>
+                  <a:schemeClr val="tx1"/>
+                </a:solidFill>
+                <a:latin typeface="+mn-lt"/>
+                <a:ea typeface="+mn-ea"/>
+                <a:cs typeface="+mn-cs"/>
+              </a:rPr>
+              <a:t>wklęsły</a:t>
             </a:r>
             <a:endParaRPr lang="pl-PL" sz="1200" kern="1200" dirty="0">
               <a:solidFill>
@@ -1341,8 +1414,27 @@
                 <a:ea typeface="+mn-ea"/>
                 <a:cs typeface="+mn-cs"/>
               </a:rPr>
-              <a:t> Zmiana położenia – nowy obszar – o postaci,</a:t>
-            </a:r>
+              <a:t> Zmiana położenia – nowy obszar – </a:t>
+            </a:r>
+            <a:r>
+              <a:rPr lang="pl-PL" sz="1200" kern="1200" baseline="0" dirty="0" smtClean="0">
+                <a:solidFill>
+                  <a:schemeClr val="tx1"/>
+                </a:solidFill>
+                <a:latin typeface="+mn-lt"/>
+                <a:ea typeface="+mn-ea"/>
+                <a:cs typeface="+mn-cs"/>
+              </a:rPr>
+              <a:t>często wielokąt wklęsły</a:t>
+            </a:r>
+            <a:endParaRPr lang="pl-PL" sz="1200" kern="1200" baseline="0" dirty="0" smtClean="0">
+              <a:solidFill>
+                <a:schemeClr val="tx1"/>
+              </a:solidFill>
+              <a:latin typeface="+mn-lt"/>
+              <a:ea typeface="+mn-ea"/>
+              <a:cs typeface="+mn-cs"/>
+            </a:endParaRPr>
           </a:p>
           <a:p>
             <a:pPr>
@@ -1794,29 +1886,16 @@
         <p:spPr/>
         <p:txBody>
           <a:bodyPr>
-            <a:normAutofit/>
+            <a:normAutofit fontScale="92500" lnSpcReduction="20000"/>
           </a:bodyPr>
           <a:lstStyle/>
           <a:p>
-            <a:pPr marL="0" marR="0" indent="0" algn="l" defTabSz="914400" rtl="0" eaLnBrk="1" fontAlgn="auto" latinLnBrk="0" hangingPunct="1">
-              <a:lnSpc>
-                <a:spcPct val="100000"/>
-              </a:lnSpc>
-              <a:spcBef>
-                <a:spcPts val="0"/>
-              </a:spcBef>
-              <a:spcAft>
-                <a:spcPts val="0"/>
-              </a:spcAft>
-              <a:buClrTx/>
-              <a:buSzTx/>
-              <a:buFontTx/>
-              <a:buNone/>
-              <a:tabLst/>
-              <a:defRPr/>
+            <a:pPr>
+              <a:buFont typeface="Arial" pitchFamily="34" charset="0"/>
+              <a:buChar char="•"/>
             </a:pPr>
             <a:r>
-              <a:rPr lang="pl-PL" sz="1200" b="1" kern="1200" dirty="0" smtClean="0">
+              <a:rPr lang="pl-PL" sz="1200" kern="1200" baseline="0" dirty="0" smtClean="0">
                 <a:solidFill>
                   <a:schemeClr val="tx1"/>
                 </a:solidFill>
@@ -1824,33 +1903,16 @@
                 <a:ea typeface="+mn-ea"/>
                 <a:cs typeface="+mn-cs"/>
               </a:rPr>
-              <a:t>Triangulacja </a:t>
-            </a:r>
-            <a:r>
-              <a:rPr lang="pl-PL" sz="1200" b="1" kern="1200" dirty="0" err="1" smtClean="0">
-                <a:solidFill>
-                  <a:schemeClr val="tx1"/>
-                </a:solidFill>
-                <a:latin typeface="+mn-lt"/>
-                <a:ea typeface="+mn-ea"/>
-                <a:cs typeface="+mn-cs"/>
-              </a:rPr>
-              <a:t>Delaunay</a:t>
-            </a:r>
-            <a:r>
-              <a:rPr lang="pl-PL" sz="1200" kern="1200" dirty="0" smtClean="0">
-                <a:solidFill>
-                  <a:schemeClr val="tx1"/>
-                </a:solidFill>
-                <a:latin typeface="+mn-lt"/>
-                <a:ea typeface="+mn-ea"/>
-                <a:cs typeface="+mn-cs"/>
-              </a:rPr>
-              <a:t> zbioru punktów P jest takim podziałem obszaru wyznaczonego przez ten zbiór na trójkąty, że żaden z punktów tego zbioru nie znajduje się we wnętrzu któregokolwiek z okręgów opisanych na trójkątach powstałych podczas triangulacji.</a:t>
-            </a:r>
-          </a:p>
-          <a:p>
-            <a:endParaRPr lang="pl-PL" dirty="0"/>
+              <a:t> generalizacja otoczki wypukłej</a:t>
+            </a:r>
+            <a:endParaRPr lang="pl-PL" sz="1200" kern="1200" dirty="0">
+              <a:solidFill>
+                <a:schemeClr val="tx1"/>
+              </a:solidFill>
+              <a:latin typeface="+mn-lt"/>
+              <a:ea typeface="+mn-ea"/>
+              <a:cs typeface="+mn-cs"/>
+            </a:endParaRPr>
           </a:p>
         </p:txBody>
       </p:sp>
@@ -1928,16 +1990,29 @@
         <p:spPr/>
         <p:txBody>
           <a:bodyPr>
-            <a:normAutofit fontScale="92500" lnSpcReduction="20000"/>
+            <a:normAutofit/>
           </a:bodyPr>
           <a:lstStyle/>
           <a:p>
-            <a:pPr>
+            <a:pPr marL="0" marR="0" indent="0" algn="l" defTabSz="914400" rtl="0" eaLnBrk="1" fontAlgn="auto" latinLnBrk="0" hangingPunct="1">
+              <a:lnSpc>
+                <a:spcPct val="100000"/>
+              </a:lnSpc>
+              <a:spcBef>
+                <a:spcPts val="0"/>
+              </a:spcBef>
+              <a:spcAft>
+                <a:spcPts val="0"/>
+              </a:spcAft>
+              <a:buClrTx/>
+              <a:buSzTx/>
               <a:buFont typeface="Arial" pitchFamily="34" charset="0"/>
               <a:buChar char="•"/>
+              <a:tabLst/>
+              <a:defRPr/>
             </a:pPr>
             <a:r>
-              <a:rPr lang="pl-PL" sz="1200" kern="1200" baseline="0" dirty="0" smtClean="0">
+              <a:rPr lang="pl-PL" sz="1200" kern="1200" dirty="0" smtClean="0">
                 <a:solidFill>
                   <a:schemeClr val="tx1"/>
                 </a:solidFill>
@@ -1945,9 +2020,173 @@
                 <a:ea typeface="+mn-ea"/>
                 <a:cs typeface="+mn-cs"/>
               </a:rPr>
-              <a:t> generalizacja otoczki wypukłej</a:t>
-            </a:r>
-            <a:endParaRPr lang="pl-PL" sz="1200" kern="1200" dirty="0">
+              <a:t> Omówienie poszczególnych kroków</a:t>
+            </a:r>
+          </a:p>
+          <a:p>
+            <a:pPr marL="0" marR="0" indent="0" algn="l" defTabSz="914400" rtl="0" eaLnBrk="1" fontAlgn="auto" latinLnBrk="0" hangingPunct="1">
+              <a:lnSpc>
+                <a:spcPct val="100000"/>
+              </a:lnSpc>
+              <a:spcBef>
+                <a:spcPts val="0"/>
+              </a:spcBef>
+              <a:spcAft>
+                <a:spcPts val="0"/>
+              </a:spcAft>
+              <a:buClrTx/>
+              <a:buSzTx/>
+              <a:buFont typeface="Arial" pitchFamily="34" charset="0"/>
+              <a:buChar char="•"/>
+              <a:tabLst/>
+              <a:defRPr/>
+            </a:pPr>
+            <a:r>
+              <a:rPr lang="pl-PL" sz="1200" kern="1200" dirty="0" smtClean="0">
+                <a:solidFill>
+                  <a:schemeClr val="tx1"/>
+                </a:solidFill>
+                <a:latin typeface="+mn-lt"/>
+                <a:ea typeface="+mn-ea"/>
+                <a:cs typeface="+mn-cs"/>
+              </a:rPr>
+              <a:t> Wykorzystanie biblioteki JTS oraz implementacji otoczki </a:t>
+            </a:r>
+            <a:r>
+              <a:rPr lang="pl-PL" sz="1200" kern="1200" dirty="0" err="1" smtClean="0">
+                <a:solidFill>
+                  <a:schemeClr val="tx1"/>
+                </a:solidFill>
+                <a:latin typeface="+mn-lt"/>
+                <a:ea typeface="+mn-ea"/>
+                <a:cs typeface="+mn-cs"/>
+              </a:rPr>
+              <a:t>α-wklęsłej</a:t>
+            </a:r>
+            <a:r>
+              <a:rPr lang="pl-PL" sz="1200" kern="1200" dirty="0" smtClean="0">
+                <a:solidFill>
+                  <a:schemeClr val="tx1"/>
+                </a:solidFill>
+                <a:latin typeface="+mn-lt"/>
+                <a:ea typeface="+mn-ea"/>
+                <a:cs typeface="+mn-cs"/>
+              </a:rPr>
+              <a:t> autorstwa </a:t>
+            </a:r>
+            <a:r>
+              <a:rPr lang="pl-PL" sz="1200" kern="1200" dirty="0" err="1" smtClean="0">
+                <a:solidFill>
+                  <a:schemeClr val="tx1"/>
+                </a:solidFill>
+                <a:latin typeface="+mn-lt"/>
+                <a:ea typeface="+mn-ea"/>
+                <a:cs typeface="+mn-cs"/>
+              </a:rPr>
+              <a:t>Eric'a</a:t>
+            </a:r>
+            <a:r>
+              <a:rPr lang="pl-PL" sz="1200" kern="1200" dirty="0" smtClean="0">
+                <a:solidFill>
+                  <a:schemeClr val="tx1"/>
+                </a:solidFill>
+                <a:latin typeface="+mn-lt"/>
+                <a:ea typeface="+mn-ea"/>
+                <a:cs typeface="+mn-cs"/>
+              </a:rPr>
+              <a:t> Grosso. </a:t>
+            </a:r>
+          </a:p>
+          <a:p>
+            <a:pPr marL="0" marR="0" indent="0" algn="l" defTabSz="914400" rtl="0" eaLnBrk="1" fontAlgn="auto" latinLnBrk="0" hangingPunct="1">
+              <a:lnSpc>
+                <a:spcPct val="100000"/>
+              </a:lnSpc>
+              <a:spcBef>
+                <a:spcPts val="0"/>
+              </a:spcBef>
+              <a:spcAft>
+                <a:spcPts val="0"/>
+              </a:spcAft>
+              <a:buClrTx/>
+              <a:buSzTx/>
+              <a:buFont typeface="Arial" pitchFamily="34" charset="0"/>
+              <a:buChar char="•"/>
+              <a:tabLst/>
+              <a:defRPr/>
+            </a:pPr>
+            <a:r>
+              <a:rPr lang="pl-PL" sz="1200" kern="1200" dirty="0" smtClean="0">
+                <a:solidFill>
+                  <a:schemeClr val="tx1"/>
+                </a:solidFill>
+                <a:latin typeface="+mn-lt"/>
+                <a:ea typeface="+mn-ea"/>
+                <a:cs typeface="+mn-cs"/>
+              </a:rPr>
+              <a:t> </a:t>
+            </a:r>
+          </a:p>
+          <a:p>
+            <a:pPr marL="0" marR="0" indent="0" algn="l" defTabSz="914400" rtl="0" eaLnBrk="1" fontAlgn="auto" latinLnBrk="0" hangingPunct="1">
+              <a:lnSpc>
+                <a:spcPct val="100000"/>
+              </a:lnSpc>
+              <a:spcBef>
+                <a:spcPts val="0"/>
+              </a:spcBef>
+              <a:spcAft>
+                <a:spcPts val="0"/>
+              </a:spcAft>
+              <a:buClrTx/>
+              <a:buSzTx/>
+              <a:buFont typeface="Arial" pitchFamily="34" charset="0"/>
+              <a:buChar char="•"/>
+              <a:tabLst/>
+              <a:defRPr/>
+            </a:pPr>
+            <a:r>
+              <a:rPr lang="pl-PL" sz="1200" kern="1200" dirty="0" smtClean="0">
+                <a:solidFill>
+                  <a:schemeClr val="tx1"/>
+                </a:solidFill>
+                <a:latin typeface="+mn-lt"/>
+                <a:ea typeface="+mn-ea"/>
+                <a:cs typeface="+mn-cs"/>
+              </a:rPr>
+              <a:t> Dobranie odpowiedniej wartości alfa</a:t>
+            </a:r>
+          </a:p>
+          <a:p>
+            <a:pPr marL="0" marR="0" indent="0" algn="l" defTabSz="914400" rtl="0" eaLnBrk="1" fontAlgn="auto" latinLnBrk="0" hangingPunct="1">
+              <a:lnSpc>
+                <a:spcPct val="100000"/>
+              </a:lnSpc>
+              <a:spcBef>
+                <a:spcPts val="0"/>
+              </a:spcBef>
+              <a:spcAft>
+                <a:spcPts val="0"/>
+              </a:spcAft>
+              <a:buClrTx/>
+              <a:buSzTx/>
+              <a:buFont typeface="Arial" pitchFamily="34" charset="0"/>
+              <a:buChar char="•"/>
+              <a:tabLst/>
+              <a:defRPr/>
+            </a:pPr>
+            <a:r>
+              <a:rPr lang="pl-PL" sz="1200" kern="1200" baseline="0" dirty="0" smtClean="0">
+                <a:solidFill>
+                  <a:schemeClr val="tx1"/>
+                </a:solidFill>
+                <a:latin typeface="+mn-lt"/>
+                <a:ea typeface="+mn-ea"/>
+                <a:cs typeface="+mn-cs"/>
+              </a:rPr>
+              <a:t> Jedynie przybliżenie</a:t>
+            </a:r>
+            <a:endParaRPr lang="pl-PL" sz="1200" kern="1200" dirty="0" smtClean="0">
               <a:solidFill>
                 <a:schemeClr val="tx1"/>
               </a:solidFill>
@@ -1955,6 +2194,9 @@
               <a:ea typeface="+mn-ea"/>
               <a:cs typeface="+mn-cs"/>
             </a:endParaRPr>
+          </a:p>
+          <a:p>
+            <a:endParaRPr lang="pl-PL" dirty="0"/>
           </a:p>
         </p:txBody>
       </p:sp>
@@ -2036,25 +2278,12 @@
           </a:bodyPr>
           <a:lstStyle/>
           <a:p>
-            <a:pPr marL="0" marR="0" indent="0" algn="l" defTabSz="914400" rtl="0" eaLnBrk="1" fontAlgn="auto" latinLnBrk="0" hangingPunct="1">
-              <a:lnSpc>
-                <a:spcPct val="100000"/>
-              </a:lnSpc>
-              <a:spcBef>
-                <a:spcPts val="0"/>
-              </a:spcBef>
-              <a:spcAft>
-                <a:spcPts val="0"/>
-              </a:spcAft>
-              <a:buClrTx/>
-              <a:buSzTx/>
+            <a:pPr>
               <a:buFont typeface="Arial" pitchFamily="34" charset="0"/>
               <a:buChar char="•"/>
-              <a:tabLst/>
-              <a:defRPr/>
             </a:pPr>
             <a:r>
-              <a:rPr lang="pl-PL" sz="1200" kern="1200" dirty="0" smtClean="0">
+              <a:rPr lang="pl-PL" sz="1200" kern="1200" baseline="0" dirty="0" smtClean="0">
                 <a:solidFill>
                   <a:schemeClr val="tx1"/>
                 </a:solidFill>
@@ -2062,173 +2291,9 @@
                 <a:ea typeface="+mn-ea"/>
                 <a:cs typeface="+mn-cs"/>
               </a:rPr>
-              <a:t> Omówienie poszczególnych kroków</a:t>
-            </a:r>
-          </a:p>
-          <a:p>
-            <a:pPr marL="0" marR="0" indent="0" algn="l" defTabSz="914400" rtl="0" eaLnBrk="1" fontAlgn="auto" latinLnBrk="0" hangingPunct="1">
-              <a:lnSpc>
-                <a:spcPct val="100000"/>
-              </a:lnSpc>
-              <a:spcBef>
-                <a:spcPts val="0"/>
-              </a:spcBef>
-              <a:spcAft>
-                <a:spcPts val="0"/>
-              </a:spcAft>
-              <a:buClrTx/>
-              <a:buSzTx/>
-              <a:buFont typeface="Arial" pitchFamily="34" charset="0"/>
-              <a:buChar char="•"/>
-              <a:tabLst/>
-              <a:defRPr/>
-            </a:pPr>
-            <a:r>
-              <a:rPr lang="pl-PL" sz="1200" kern="1200" dirty="0" smtClean="0">
-                <a:solidFill>
-                  <a:schemeClr val="tx1"/>
-                </a:solidFill>
-                <a:latin typeface="+mn-lt"/>
-                <a:ea typeface="+mn-ea"/>
-                <a:cs typeface="+mn-cs"/>
-              </a:rPr>
-              <a:t> Wykorzystanie biblioteki JTS oraz implementacji otoczki </a:t>
-            </a:r>
-            <a:r>
-              <a:rPr lang="pl-PL" sz="1200" kern="1200" dirty="0" err="1" smtClean="0">
-                <a:solidFill>
-                  <a:schemeClr val="tx1"/>
-                </a:solidFill>
-                <a:latin typeface="+mn-lt"/>
-                <a:ea typeface="+mn-ea"/>
-                <a:cs typeface="+mn-cs"/>
-              </a:rPr>
-              <a:t>α-wklęsłej</a:t>
-            </a:r>
-            <a:r>
-              <a:rPr lang="pl-PL" sz="1200" kern="1200" dirty="0" smtClean="0">
-                <a:solidFill>
-                  <a:schemeClr val="tx1"/>
-                </a:solidFill>
-                <a:latin typeface="+mn-lt"/>
-                <a:ea typeface="+mn-ea"/>
-                <a:cs typeface="+mn-cs"/>
-              </a:rPr>
-              <a:t> autorstwa </a:t>
-            </a:r>
-            <a:r>
-              <a:rPr lang="pl-PL" sz="1200" kern="1200" dirty="0" err="1" smtClean="0">
-                <a:solidFill>
-                  <a:schemeClr val="tx1"/>
-                </a:solidFill>
-                <a:latin typeface="+mn-lt"/>
-                <a:ea typeface="+mn-ea"/>
-                <a:cs typeface="+mn-cs"/>
-              </a:rPr>
-              <a:t>Eric'a</a:t>
-            </a:r>
-            <a:r>
-              <a:rPr lang="pl-PL" sz="1200" kern="1200" dirty="0" smtClean="0">
-                <a:solidFill>
-                  <a:schemeClr val="tx1"/>
-                </a:solidFill>
-                <a:latin typeface="+mn-lt"/>
-                <a:ea typeface="+mn-ea"/>
-                <a:cs typeface="+mn-cs"/>
-              </a:rPr>
-              <a:t> Grosso. </a:t>
-            </a:r>
-          </a:p>
-          <a:p>
-            <a:pPr marL="0" marR="0" indent="0" algn="l" defTabSz="914400" rtl="0" eaLnBrk="1" fontAlgn="auto" latinLnBrk="0" hangingPunct="1">
-              <a:lnSpc>
-                <a:spcPct val="100000"/>
-              </a:lnSpc>
-              <a:spcBef>
-                <a:spcPts val="0"/>
-              </a:spcBef>
-              <a:spcAft>
-                <a:spcPts val="0"/>
-              </a:spcAft>
-              <a:buClrTx/>
-              <a:buSzTx/>
-              <a:buFont typeface="Arial" pitchFamily="34" charset="0"/>
-              <a:buChar char="•"/>
-              <a:tabLst/>
-              <a:defRPr/>
-            </a:pPr>
-            <a:r>
-              <a:rPr lang="pl-PL" sz="1200" kern="1200" dirty="0" smtClean="0">
-                <a:solidFill>
-                  <a:schemeClr val="tx1"/>
-                </a:solidFill>
-                <a:latin typeface="+mn-lt"/>
-                <a:ea typeface="+mn-ea"/>
-                <a:cs typeface="+mn-cs"/>
-              </a:rPr>
-              <a:t> </a:t>
-            </a:r>
-          </a:p>
-          <a:p>
-            <a:pPr marL="0" marR="0" indent="0" algn="l" defTabSz="914400" rtl="0" eaLnBrk="1" fontAlgn="auto" latinLnBrk="0" hangingPunct="1">
-              <a:lnSpc>
-                <a:spcPct val="100000"/>
-              </a:lnSpc>
-              <a:spcBef>
-                <a:spcPts val="0"/>
-              </a:spcBef>
-              <a:spcAft>
-                <a:spcPts val="0"/>
-              </a:spcAft>
-              <a:buClrTx/>
-              <a:buSzTx/>
-              <a:buFont typeface="Arial" pitchFamily="34" charset="0"/>
-              <a:buChar char="•"/>
-              <a:tabLst/>
-              <a:defRPr/>
-            </a:pPr>
-            <a:r>
-              <a:rPr lang="pl-PL" sz="1200" kern="1200" dirty="0" smtClean="0">
-                <a:solidFill>
-                  <a:schemeClr val="tx1"/>
-                </a:solidFill>
-                <a:latin typeface="+mn-lt"/>
-                <a:ea typeface="+mn-ea"/>
-                <a:cs typeface="+mn-cs"/>
-              </a:rPr>
-              <a:t> Dobranie odpowiedniej wartości alfa</a:t>
-            </a:r>
-          </a:p>
-          <a:p>
-            <a:pPr marL="0" marR="0" indent="0" algn="l" defTabSz="914400" rtl="0" eaLnBrk="1" fontAlgn="auto" latinLnBrk="0" hangingPunct="1">
-              <a:lnSpc>
-                <a:spcPct val="100000"/>
-              </a:lnSpc>
-              <a:spcBef>
-                <a:spcPts val="0"/>
-              </a:spcBef>
-              <a:spcAft>
-                <a:spcPts val="0"/>
-              </a:spcAft>
-              <a:buClrTx/>
-              <a:buSzTx/>
-              <a:buFont typeface="Arial" pitchFamily="34" charset="0"/>
-              <a:buChar char="•"/>
-              <a:tabLst/>
-              <a:defRPr/>
-            </a:pPr>
-            <a:r>
-              <a:rPr lang="pl-PL" sz="1200" kern="1200" baseline="0" dirty="0" smtClean="0">
-                <a:solidFill>
-                  <a:schemeClr val="tx1"/>
-                </a:solidFill>
-                <a:latin typeface="+mn-lt"/>
-                <a:ea typeface="+mn-ea"/>
-                <a:cs typeface="+mn-cs"/>
-              </a:rPr>
-              <a:t> Jedynie przybliżenie</a:t>
-            </a:r>
-            <a:endParaRPr lang="pl-PL" sz="1200" kern="1200" dirty="0" smtClean="0">
+              <a:t> Zakończenie rozważań algorytmu kształtu alfa,</a:t>
+            </a:r>
+            <a:endParaRPr lang="pl-PL" sz="1200" kern="1200" dirty="0">
               <a:solidFill>
                 <a:schemeClr val="tx1"/>
               </a:solidFill>
@@ -2236,9 +2301,6 @@
               <a:ea typeface="+mn-ea"/>
               <a:cs typeface="+mn-cs"/>
             </a:endParaRPr>
-          </a:p>
-          <a:p>
-            <a:endParaRPr lang="pl-PL" dirty="0"/>
           </a:p>
         </p:txBody>
       </p:sp>
@@ -2320,29 +2382,15 @@
           </a:bodyPr>
           <a:lstStyle/>
           <a:p>
-            <a:pPr>
-              <a:buFont typeface="Arial" pitchFamily="34" charset="0"/>
-              <a:buChar char="•"/>
-            </a:pPr>
-            <a:r>
-              <a:rPr lang="pl-PL" sz="1200" kern="1200" baseline="0" dirty="0" smtClean="0">
-                <a:solidFill>
-                  <a:schemeClr val="tx1"/>
-                </a:solidFill>
-                <a:latin typeface="+mn-lt"/>
-                <a:ea typeface="+mn-ea"/>
-                <a:cs typeface="+mn-cs"/>
-              </a:rPr>
-              <a:t> Zakończenie rozważań algorytmu kształtu alfa,</a:t>
-            </a:r>
-            <a:endParaRPr lang="pl-PL" sz="1200" kern="1200" dirty="0">
-              <a:solidFill>
-                <a:schemeClr val="tx1"/>
-              </a:solidFill>
-              <a:latin typeface="+mn-lt"/>
-              <a:ea typeface="+mn-ea"/>
-              <a:cs typeface="+mn-cs"/>
-            </a:endParaRPr>
+            <a:r>
+              <a:rPr lang="pl-PL" dirty="0" smtClean="0"/>
+              <a:t>Otoczka</a:t>
+            </a:r>
+            <a:r>
+              <a:rPr lang="pl-PL" baseline="0" dirty="0" smtClean="0"/>
+              <a:t> wypukła</a:t>
+            </a:r>
+            <a:endParaRPr lang="pl-PL" dirty="0"/>
           </a:p>
         </p:txBody>
       </p:sp>
@@ -2514,12 +2562,26 @@
           <a:lstStyle/>
           <a:p>
             <a:r>
-              <a:rPr lang="pl-PL" dirty="0" smtClean="0"/>
-              <a:t>Otoczka</a:t>
-            </a:r>
-            <a:r>
-              <a:rPr lang="pl-PL" baseline="0" dirty="0" smtClean="0"/>
-              <a:t> wypukła</a:t>
+              <a:rPr lang="pl-PL" sz="1200" kern="1200" dirty="0" smtClean="0">
+                <a:solidFill>
+                  <a:schemeClr val="tx1"/>
+                </a:solidFill>
+                <a:latin typeface="+mn-lt"/>
+                <a:ea typeface="+mn-ea"/>
+                <a:cs typeface="+mn-cs"/>
+              </a:rPr>
+              <a:t>Efekt triangulacji </a:t>
+            </a:r>
+            <a:r>
+              <a:rPr lang="pl-PL" sz="1200" kern="1200" dirty="0" err="1" smtClean="0">
+                <a:solidFill>
+                  <a:schemeClr val="tx1"/>
+                </a:solidFill>
+                <a:latin typeface="+mn-lt"/>
+                <a:ea typeface="+mn-ea"/>
+                <a:cs typeface="+mn-cs"/>
+              </a:rPr>
+              <a:t>Delaunay</a:t>
             </a:r>
             <a:endParaRPr lang="pl-PL" dirty="0"/>
           </a:p>
@@ -2604,26 +2666,8 @@
           <a:lstStyle/>
           <a:p>
             <a:r>
-              <a:rPr lang="pl-PL" sz="1200" kern="1200" dirty="0" smtClean="0">
-                <a:solidFill>
-                  <a:schemeClr val="tx1"/>
-                </a:solidFill>
-                <a:latin typeface="+mn-lt"/>
-                <a:ea typeface="+mn-ea"/>
-                <a:cs typeface="+mn-cs"/>
-              </a:rPr>
-              <a:t>Efekt triangulacji </a:t>
-            </a:r>
-            <a:r>
-              <a:rPr lang="pl-PL" sz="1200" kern="1200" dirty="0" err="1" smtClean="0">
-                <a:solidFill>
-                  <a:schemeClr val="tx1"/>
-                </a:solidFill>
-                <a:latin typeface="+mn-lt"/>
-                <a:ea typeface="+mn-ea"/>
-                <a:cs typeface="+mn-cs"/>
-              </a:rPr>
-              <a:t>Delaunay</a:t>
+              <a:rPr lang="pl-PL" dirty="0" smtClean="0"/>
+              <a:t>Alfa = 0.1</a:t>
             </a:r>
             <a:endParaRPr lang="pl-PL" dirty="0"/>
           </a:p>
@@ -2709,7 +2753,7 @@
           <a:p>
             <a:r>
               <a:rPr lang="pl-PL" dirty="0" smtClean="0"/>
-              <a:t>Alfa = 0.1</a:t>
+              <a:t>Alfa = 1</a:t>
             </a:r>
             <a:endParaRPr lang="pl-PL" dirty="0"/>
           </a:p>
@@ -2795,7 +2839,7 @@
           <a:p>
             <a:r>
               <a:rPr lang="pl-PL" dirty="0" smtClean="0"/>
-              <a:t>Alfa = 1</a:t>
+              <a:t>Alfa = 0.24</a:t>
             </a:r>
             <a:endParaRPr lang="pl-PL" dirty="0"/>
           </a:p>
@@ -2879,11 +2923,316 @@
           </a:bodyPr>
           <a:lstStyle/>
           <a:p>
-            <a:r>
-              <a:rPr lang="pl-PL" dirty="0" smtClean="0"/>
-              <a:t>Alfa = 0.24</a:t>
-            </a:r>
-            <a:endParaRPr lang="pl-PL" dirty="0"/>
+            <a:pPr>
+              <a:buFont typeface="Arial" pitchFamily="34" charset="0"/>
+              <a:buChar char="•"/>
+            </a:pPr>
+            <a:r>
+              <a:rPr lang="pl-PL" sz="1200" kern="1200" dirty="0" smtClean="0">
+                <a:solidFill>
+                  <a:schemeClr val="tx1"/>
+                </a:solidFill>
+                <a:latin typeface="+mn-lt"/>
+                <a:ea typeface="+mn-ea"/>
+                <a:cs typeface="+mn-cs"/>
+              </a:rPr>
+              <a:t> projekt i implementacja</a:t>
+            </a:r>
+          </a:p>
+          <a:p>
+            <a:pPr>
+              <a:buFont typeface="Arial" pitchFamily="34" charset="0"/>
+              <a:buChar char="•"/>
+            </a:pPr>
+            <a:endParaRPr lang="pl-PL" sz="1200" kern="1200" dirty="0" smtClean="0">
+              <a:solidFill>
+                <a:schemeClr val="tx1"/>
+              </a:solidFill>
+              <a:latin typeface="+mn-lt"/>
+              <a:ea typeface="+mn-ea"/>
+              <a:cs typeface="+mn-cs"/>
+            </a:endParaRPr>
+          </a:p>
+          <a:p>
+            <a:pPr lvl="1">
+              <a:buFont typeface="Arial" pitchFamily="34" charset="0"/>
+              <a:buChar char="•"/>
+            </a:pPr>
+            <a:r>
+              <a:rPr lang="pl-PL" sz="1200" kern="1200" baseline="0" dirty="0" smtClean="0">
+                <a:solidFill>
+                  <a:schemeClr val="tx1"/>
+                </a:solidFill>
+                <a:latin typeface="+mn-lt"/>
+                <a:ea typeface="+mn-ea"/>
+                <a:cs typeface="+mn-cs"/>
+              </a:rPr>
+              <a:t> </a:t>
+            </a:r>
+            <a:r>
+              <a:rPr lang="pl-PL" sz="1200" kern="1200" dirty="0" err="1" smtClean="0">
+                <a:solidFill>
+                  <a:schemeClr val="tx1"/>
+                </a:solidFill>
+                <a:latin typeface="+mn-lt"/>
+                <a:ea typeface="+mn-ea"/>
+                <a:cs typeface="+mn-cs"/>
+              </a:rPr>
+              <a:t>DronTracker</a:t>
+            </a:r>
+            <a:r>
+              <a:rPr lang="pl-PL" sz="1200" kern="1200" dirty="0" smtClean="0">
+                <a:solidFill>
+                  <a:schemeClr val="tx1"/>
+                </a:solidFill>
+                <a:latin typeface="+mn-lt"/>
+                <a:ea typeface="+mn-ea"/>
+                <a:cs typeface="+mn-cs"/>
+              </a:rPr>
+              <a:t>,</a:t>
+            </a:r>
+          </a:p>
+          <a:p>
+            <a:pPr lvl="1">
+              <a:buFont typeface="Arial" pitchFamily="34" charset="0"/>
+              <a:buChar char="•"/>
+            </a:pPr>
+            <a:r>
+              <a:rPr lang="pl-PL" sz="1200" kern="1200" dirty="0" smtClean="0">
+                <a:solidFill>
+                  <a:schemeClr val="tx1"/>
+                </a:solidFill>
+                <a:latin typeface="+mn-lt"/>
+                <a:ea typeface="+mn-ea"/>
+                <a:cs typeface="+mn-cs"/>
+              </a:rPr>
+              <a:t> </a:t>
+            </a:r>
+            <a:r>
+              <a:rPr lang="pl-PL" sz="1200" kern="1200" dirty="0" err="1" smtClean="0">
+                <a:solidFill>
+                  <a:schemeClr val="tx1"/>
+                </a:solidFill>
+                <a:latin typeface="+mn-lt"/>
+                <a:ea typeface="+mn-ea"/>
+                <a:cs typeface="+mn-cs"/>
+              </a:rPr>
+              <a:t>DronSerwer</a:t>
+            </a:r>
+            <a:r>
+              <a:rPr lang="pl-PL" sz="1200" kern="1200" dirty="0" smtClean="0">
+                <a:solidFill>
+                  <a:schemeClr val="tx1"/>
+                </a:solidFill>
+                <a:latin typeface="+mn-lt"/>
+                <a:ea typeface="+mn-ea"/>
+                <a:cs typeface="+mn-cs"/>
+              </a:rPr>
+              <a:t>,</a:t>
+            </a:r>
+          </a:p>
+          <a:p>
+            <a:pPr lvl="1">
+              <a:buFont typeface="Arial" pitchFamily="34" charset="0"/>
+              <a:buChar char="•"/>
+            </a:pPr>
+            <a:r>
+              <a:rPr lang="pl-PL" sz="1200" kern="1200" dirty="0" smtClean="0">
+                <a:solidFill>
+                  <a:schemeClr val="tx1"/>
+                </a:solidFill>
+                <a:latin typeface="+mn-lt"/>
+                <a:ea typeface="+mn-ea"/>
+                <a:cs typeface="+mn-cs"/>
+              </a:rPr>
+              <a:t> </a:t>
+            </a:r>
+            <a:r>
+              <a:rPr lang="pl-PL" sz="1200" kern="1200" dirty="0" err="1" smtClean="0">
+                <a:solidFill>
+                  <a:schemeClr val="tx1"/>
+                </a:solidFill>
+                <a:latin typeface="+mn-lt"/>
+                <a:ea typeface="+mn-ea"/>
+                <a:cs typeface="+mn-cs"/>
+              </a:rPr>
+              <a:t>DronVision</a:t>
+            </a:r>
+            <a:endParaRPr lang="pl-PL" sz="1200" kern="1200" dirty="0" smtClean="0">
+              <a:solidFill>
+                <a:schemeClr val="tx1"/>
+              </a:solidFill>
+              <a:latin typeface="+mn-lt"/>
+              <a:ea typeface="+mn-ea"/>
+              <a:cs typeface="+mn-cs"/>
+            </a:endParaRPr>
+          </a:p>
+          <a:p>
+            <a:pPr lvl="1">
+              <a:buFont typeface="Arial" pitchFamily="34" charset="0"/>
+              <a:buChar char="•"/>
+            </a:pPr>
+            <a:endParaRPr lang="pl-PL" sz="1200" kern="1200" dirty="0">
+              <a:solidFill>
+                <a:schemeClr val="tx1"/>
+              </a:solidFill>
+              <a:latin typeface="+mn-lt"/>
+              <a:ea typeface="+mn-ea"/>
+              <a:cs typeface="+mn-cs"/>
+            </a:endParaRPr>
+          </a:p>
+          <a:p>
+            <a:pPr lvl="1">
+              <a:buFont typeface="Arial" pitchFamily="34" charset="0"/>
+              <a:buChar char="•"/>
+            </a:pPr>
+            <a:r>
+              <a:rPr lang="pl-PL" sz="1200" kern="1200" dirty="0" smtClean="0">
+                <a:solidFill>
+                  <a:schemeClr val="tx1"/>
+                </a:solidFill>
+                <a:latin typeface="+mn-lt"/>
+                <a:ea typeface="+mn-ea"/>
+                <a:cs typeface="+mn-cs"/>
+              </a:rPr>
+              <a:t>Android</a:t>
+            </a:r>
+            <a:r>
+              <a:rPr lang="pl-PL" sz="1200" kern="1200" baseline="0" dirty="0" smtClean="0">
+                <a:solidFill>
+                  <a:schemeClr val="tx1"/>
+                </a:solidFill>
+                <a:latin typeface="+mn-lt"/>
+                <a:ea typeface="+mn-ea"/>
+                <a:cs typeface="+mn-cs"/>
+              </a:rPr>
+              <a:t> – SDK,</a:t>
+            </a:r>
+          </a:p>
+          <a:p>
+            <a:pPr lvl="1">
+              <a:buFont typeface="Arial" pitchFamily="34" charset="0"/>
+              <a:buChar char="•"/>
+            </a:pPr>
+            <a:endParaRPr lang="pl-PL" sz="1200" kern="1200" baseline="0" dirty="0" smtClean="0">
+              <a:solidFill>
+                <a:schemeClr val="tx1"/>
+              </a:solidFill>
+              <a:latin typeface="+mn-lt"/>
+              <a:ea typeface="+mn-ea"/>
+              <a:cs typeface="+mn-cs"/>
+            </a:endParaRPr>
+          </a:p>
+          <a:p>
+            <a:pPr lvl="1">
+              <a:buFont typeface="Arial" pitchFamily="34" charset="0"/>
+              <a:buChar char="•"/>
+            </a:pPr>
+            <a:r>
+              <a:rPr lang="pl-PL" sz="1200" kern="1200" baseline="0" dirty="0" smtClean="0">
+                <a:solidFill>
+                  <a:schemeClr val="tx1"/>
+                </a:solidFill>
+                <a:latin typeface="+mn-lt"/>
+                <a:ea typeface="+mn-ea"/>
+                <a:cs typeface="+mn-cs"/>
+              </a:rPr>
+              <a:t>JAVA – </a:t>
+            </a:r>
+            <a:r>
+              <a:rPr lang="pl-PL" sz="1200" kern="1200" baseline="0" dirty="0" err="1" smtClean="0">
+                <a:solidFill>
+                  <a:schemeClr val="tx1"/>
+                </a:solidFill>
+                <a:latin typeface="+mn-lt"/>
+                <a:ea typeface="+mn-ea"/>
+                <a:cs typeface="+mn-cs"/>
+              </a:rPr>
+              <a:t>JAVA</a:t>
+            </a:r>
+            <a:r>
+              <a:rPr lang="pl-PL" sz="1200" kern="1200" baseline="0" dirty="0" smtClean="0">
+                <a:solidFill>
+                  <a:schemeClr val="tx1"/>
+                </a:solidFill>
+                <a:latin typeface="+mn-lt"/>
+                <a:ea typeface="+mn-ea"/>
+                <a:cs typeface="+mn-cs"/>
+              </a:rPr>
+              <a:t> EE – </a:t>
+            </a:r>
+            <a:r>
+              <a:rPr lang="pl-PL" sz="1200" kern="1200" baseline="0" dirty="0" err="1" smtClean="0">
+                <a:solidFill>
+                  <a:schemeClr val="tx1"/>
+                </a:solidFill>
+                <a:latin typeface="+mn-lt"/>
+                <a:ea typeface="+mn-ea"/>
+                <a:cs typeface="+mn-cs"/>
+              </a:rPr>
+              <a:t>WildFly</a:t>
+            </a:r>
+            <a:r>
+              <a:rPr lang="pl-PL" sz="1200" kern="1200" baseline="0" dirty="0" smtClean="0">
+                <a:solidFill>
+                  <a:schemeClr val="tx1"/>
+                </a:solidFill>
+                <a:latin typeface="+mn-lt"/>
+                <a:ea typeface="+mn-ea"/>
+                <a:cs typeface="+mn-cs"/>
+              </a:rPr>
+              <a:t>,</a:t>
+            </a:r>
+          </a:p>
+          <a:p>
+            <a:pPr lvl="1">
+              <a:buFont typeface="Arial" pitchFamily="34" charset="0"/>
+              <a:buChar char="•"/>
+            </a:pPr>
+            <a:endParaRPr lang="pl-PL" sz="1200" kern="1200" baseline="0" dirty="0" smtClean="0">
+              <a:solidFill>
+                <a:schemeClr val="tx1"/>
+              </a:solidFill>
+              <a:latin typeface="+mn-lt"/>
+              <a:ea typeface="+mn-ea"/>
+              <a:cs typeface="+mn-cs"/>
+            </a:endParaRPr>
+          </a:p>
+          <a:p>
+            <a:pPr lvl="1">
+              <a:buFont typeface="Arial" pitchFamily="34" charset="0"/>
+              <a:buChar char="•"/>
+            </a:pPr>
+            <a:r>
+              <a:rPr lang="pl-PL" sz="1200" kern="1200" baseline="0" dirty="0" smtClean="0">
+                <a:solidFill>
+                  <a:schemeClr val="tx1"/>
+                </a:solidFill>
+                <a:latin typeface="+mn-lt"/>
+                <a:ea typeface="+mn-ea"/>
+                <a:cs typeface="+mn-cs"/>
+              </a:rPr>
+              <a:t>OpenStreetMap - </a:t>
+            </a:r>
+            <a:r>
+              <a:rPr lang="pl-PL" sz="1200" kern="1200" baseline="0" dirty="0" err="1" smtClean="0">
+                <a:solidFill>
+                  <a:schemeClr val="tx1"/>
+                </a:solidFill>
+                <a:latin typeface="+mn-lt"/>
+                <a:ea typeface="+mn-ea"/>
+                <a:cs typeface="+mn-cs"/>
+              </a:rPr>
+              <a:t>OsmDroid</a:t>
+            </a:r>
+            <a:endParaRPr lang="pl-PL" sz="1200" kern="1200" dirty="0" smtClean="0">
+              <a:solidFill>
+                <a:schemeClr val="tx1"/>
+              </a:solidFill>
+              <a:latin typeface="+mn-lt"/>
+              <a:ea typeface="+mn-ea"/>
+              <a:cs typeface="+mn-cs"/>
+            </a:endParaRPr>
           </a:p>
         </p:txBody>
       </p:sp>
@@ -2970,7 +3319,7 @@
               <a:buChar char="•"/>
             </a:pPr>
             <a:r>
-              <a:rPr lang="pl-PL" sz="1200" kern="1200" dirty="0" smtClean="0">
+              <a:rPr lang="pl-PL" sz="1200" kern="1200" baseline="0" dirty="0" smtClean="0">
                 <a:solidFill>
                   <a:schemeClr val="tx1"/>
                 </a:solidFill>
@@ -2978,30 +3327,10 @@
                 <a:ea typeface="+mn-ea"/>
                 <a:cs typeface="+mn-cs"/>
               </a:rPr>
-              <a:t> projekt i implementacja</a:t>
-            </a:r>
-          </a:p>
-          <a:p>
-            <a:pPr>
-              <a:buFont typeface="Arial" pitchFamily="34" charset="0"/>
-              <a:buChar char="•"/>
-            </a:pPr>
-            <a:endParaRPr lang="pl-PL" sz="1200" kern="1200" dirty="0" smtClean="0">
-              <a:solidFill>
-                <a:schemeClr val="tx1"/>
-              </a:solidFill>
-              <a:latin typeface="+mn-lt"/>
-              <a:ea typeface="+mn-ea"/>
-              <a:cs typeface="+mn-cs"/>
-            </a:endParaRPr>
-          </a:p>
-          <a:p>
-            <a:pPr lvl="1">
-              <a:buFont typeface="Arial" pitchFamily="34" charset="0"/>
-              <a:buChar char="•"/>
-            </a:pPr>
-            <a:r>
-              <a:rPr lang="pl-PL" sz="1200" kern="1200" baseline="0" dirty="0" smtClean="0">
+              <a:t> działanie aplikacji </a:t>
+            </a:r>
+            <a:r>
+              <a:rPr lang="pl-PL" sz="1200" kern="1200" baseline="0" dirty="0" err="1" smtClean="0">
                 <a:solidFill>
                   <a:schemeClr val="tx1"/>
                 </a:solidFill>
@@ -3009,111 +3338,8 @@
                 <a:ea typeface="+mn-ea"/>
                 <a:cs typeface="+mn-cs"/>
               </a:rPr>
-              <a:t> </a:t>
-            </a:r>
-            <a:r>
-              <a:rPr lang="pl-PL" sz="1200" kern="1200" dirty="0" err="1" smtClean="0">
-                <a:solidFill>
-                  <a:schemeClr val="tx1"/>
-                </a:solidFill>
-                <a:latin typeface="+mn-lt"/>
-                <a:ea typeface="+mn-ea"/>
-                <a:cs typeface="+mn-cs"/>
-              </a:rPr>
-              <a:t>DronTracker</a:t>
-            </a:r>
-            <a:r>
-              <a:rPr lang="pl-PL" sz="1200" kern="1200" dirty="0" smtClean="0">
-                <a:solidFill>
-                  <a:schemeClr val="tx1"/>
-                </a:solidFill>
-                <a:latin typeface="+mn-lt"/>
-                <a:ea typeface="+mn-ea"/>
-                <a:cs typeface="+mn-cs"/>
-              </a:rPr>
-              <a:t>,</a:t>
-            </a:r>
-          </a:p>
-          <a:p>
-            <a:pPr lvl="1">
-              <a:buFont typeface="Arial" pitchFamily="34" charset="0"/>
-              <a:buChar char="•"/>
-            </a:pPr>
-            <a:r>
-              <a:rPr lang="pl-PL" sz="1200" kern="1200" dirty="0" smtClean="0">
-                <a:solidFill>
-                  <a:schemeClr val="tx1"/>
-                </a:solidFill>
-                <a:latin typeface="+mn-lt"/>
-                <a:ea typeface="+mn-ea"/>
-                <a:cs typeface="+mn-cs"/>
-              </a:rPr>
-              <a:t> </a:t>
-            </a:r>
-            <a:r>
-              <a:rPr lang="pl-PL" sz="1200" kern="1200" dirty="0" err="1" smtClean="0">
-                <a:solidFill>
-                  <a:schemeClr val="tx1"/>
-                </a:solidFill>
-                <a:latin typeface="+mn-lt"/>
-                <a:ea typeface="+mn-ea"/>
-                <a:cs typeface="+mn-cs"/>
-              </a:rPr>
-              <a:t>DronSerwer</a:t>
-            </a:r>
-            <a:r>
-              <a:rPr lang="pl-PL" sz="1200" kern="1200" dirty="0" smtClean="0">
-                <a:solidFill>
-                  <a:schemeClr val="tx1"/>
-                </a:solidFill>
-                <a:latin typeface="+mn-lt"/>
-                <a:ea typeface="+mn-ea"/>
-                <a:cs typeface="+mn-cs"/>
-              </a:rPr>
-              <a:t>,</a:t>
-            </a:r>
-          </a:p>
-          <a:p>
-            <a:pPr lvl="1">
-              <a:buFont typeface="Arial" pitchFamily="34" charset="0"/>
-              <a:buChar char="•"/>
-            </a:pPr>
-            <a:r>
-              <a:rPr lang="pl-PL" sz="1200" kern="1200" dirty="0" smtClean="0">
-                <a:solidFill>
-                  <a:schemeClr val="tx1"/>
-                </a:solidFill>
-                <a:latin typeface="+mn-lt"/>
-                <a:ea typeface="+mn-ea"/>
-                <a:cs typeface="+mn-cs"/>
-              </a:rPr>
-              <a:t> </a:t>
-            </a:r>
-            <a:r>
-              <a:rPr lang="pl-PL" sz="1200" kern="1200" dirty="0" err="1" smtClean="0">
-                <a:solidFill>
-                  <a:schemeClr val="tx1"/>
-                </a:solidFill>
-                <a:latin typeface="+mn-lt"/>
-                <a:ea typeface="+mn-ea"/>
-                <a:cs typeface="+mn-cs"/>
-              </a:rPr>
               <a:t>DronVision</a:t>
             </a:r>
-            <a:endParaRPr lang="pl-PL" sz="1200" kern="1200" dirty="0" smtClean="0">
-              <a:solidFill>
-                <a:schemeClr val="tx1"/>
-              </a:solidFill>
-              <a:latin typeface="+mn-lt"/>
-              <a:ea typeface="+mn-ea"/>
-              <a:cs typeface="+mn-cs"/>
-            </a:endParaRPr>
-          </a:p>
-          <a:p>
-            <a:pPr lvl="1">
-              <a:buFont typeface="Arial" pitchFamily="34" charset="0"/>
-              <a:buChar char="•"/>
-            </a:pPr>
             <a:endParaRPr lang="pl-PL" sz="1200" kern="1200" dirty="0">
               <a:solidFill>
                 <a:schemeClr val="tx1"/>
@@ -3123,159 +3349,6 @@
               <a:cs typeface="+mn-cs"/>
             </a:endParaRPr>
           </a:p>
-          <a:p>
-            <a:pPr lvl="1">
-              <a:buFont typeface="Arial" pitchFamily="34" charset="0"/>
-              <a:buChar char="•"/>
-            </a:pPr>
-            <a:r>
-              <a:rPr lang="pl-PL" sz="1200" kern="1200" dirty="0" smtClean="0">
-                <a:solidFill>
-                  <a:schemeClr val="tx1"/>
-                </a:solidFill>
-                <a:latin typeface="+mn-lt"/>
-                <a:ea typeface="+mn-ea"/>
-                <a:cs typeface="+mn-cs"/>
-              </a:rPr>
-              <a:t>Android</a:t>
-            </a:r>
-            <a:r>
-              <a:rPr lang="pl-PL" sz="1200" kern="1200" baseline="0" dirty="0" smtClean="0">
-                <a:solidFill>
-                  <a:schemeClr val="tx1"/>
-                </a:solidFill>
-                <a:latin typeface="+mn-lt"/>
-                <a:ea typeface="+mn-ea"/>
-                <a:cs typeface="+mn-cs"/>
-              </a:rPr>
-              <a:t> – SDK,</a:t>
-            </a:r>
-          </a:p>
-          <a:p>
-            <a:pPr lvl="1">
-              <a:buFont typeface="Arial" pitchFamily="34" charset="0"/>
-              <a:buChar char="•"/>
-            </a:pPr>
-            <a:endParaRPr lang="pl-PL" sz="1200" kern="1200" baseline="0" dirty="0" smtClean="0">
-              <a:solidFill>
-                <a:schemeClr val="tx1"/>
-              </a:solidFill>
-              <a:latin typeface="+mn-lt"/>
-              <a:ea typeface="+mn-ea"/>
-              <a:cs typeface="+mn-cs"/>
-            </a:endParaRPr>
-          </a:p>
-          <a:p>
-            <a:pPr lvl="1">
-              <a:buFont typeface="Arial" pitchFamily="34" charset="0"/>
-              <a:buChar char="•"/>
-            </a:pPr>
-            <a:r>
-              <a:rPr lang="pl-PL" sz="1200" kern="1200" baseline="0" dirty="0" smtClean="0">
-                <a:solidFill>
-                  <a:schemeClr val="tx1"/>
-                </a:solidFill>
-                <a:latin typeface="+mn-lt"/>
-                <a:ea typeface="+mn-ea"/>
-                <a:cs typeface="+mn-cs"/>
-              </a:rPr>
-              <a:t>JAVA – </a:t>
-            </a:r>
-            <a:r>
-              <a:rPr lang="pl-PL" sz="1200" kern="1200" baseline="0" dirty="0" err="1" smtClean="0">
-                <a:solidFill>
-                  <a:schemeClr val="tx1"/>
-                </a:solidFill>
-                <a:latin typeface="+mn-lt"/>
-                <a:ea typeface="+mn-ea"/>
-                <a:cs typeface="+mn-cs"/>
-              </a:rPr>
-              <a:t>JAVA</a:t>
-            </a:r>
-            <a:r>
-              <a:rPr lang="pl-PL" sz="1200" kern="1200" baseline="0" dirty="0" smtClean="0">
-                <a:solidFill>
-                  <a:schemeClr val="tx1"/>
-                </a:solidFill>
-                <a:latin typeface="+mn-lt"/>
-                <a:ea typeface="+mn-ea"/>
-                <a:cs typeface="+mn-cs"/>
-              </a:rPr>
-              <a:t> EE – </a:t>
-            </a:r>
-            <a:r>
-              <a:rPr lang="pl-PL" sz="1200" kern="1200" baseline="0" dirty="0" err="1" smtClean="0">
-                <a:solidFill>
-                  <a:schemeClr val="tx1"/>
-                </a:solidFill>
-                <a:latin typeface="+mn-lt"/>
-                <a:ea typeface="+mn-ea"/>
-                <a:cs typeface="+mn-cs"/>
-              </a:rPr>
-              <a:t>WildFly</a:t>
-            </a:r>
-            <a:r>
-              <a:rPr lang="pl-PL" sz="1200" kern="1200" baseline="0" dirty="0" smtClean="0">
-                <a:solidFill>
-                  <a:schemeClr val="tx1"/>
-                </a:solidFill>
-                <a:latin typeface="+mn-lt"/>
-                <a:ea typeface="+mn-ea"/>
-                <a:cs typeface="+mn-cs"/>
-              </a:rPr>
-              <a:t>,</a:t>
-            </a:r>
-          </a:p>
-          <a:p>
-            <a:pPr lvl="1">
-              <a:buFont typeface="Arial" pitchFamily="34" charset="0"/>
-              <a:buChar char="•"/>
-            </a:pPr>
-            <a:endParaRPr lang="pl-PL" sz="1200" kern="1200" baseline="0" dirty="0" smtClean="0">
-              <a:solidFill>
-                <a:schemeClr val="tx1"/>
-              </a:solidFill>
-              <a:latin typeface="+mn-lt"/>
-              <a:ea typeface="+mn-ea"/>
-              <a:cs typeface="+mn-cs"/>
-            </a:endParaRPr>
-          </a:p>
-          <a:p>
-            <a:pPr lvl="1">
-              <a:buFont typeface="Arial" pitchFamily="34" charset="0"/>
-              <a:buChar char="•"/>
-            </a:pPr>
-            <a:r>
-              <a:rPr lang="pl-PL" sz="1200" kern="1200" baseline="0" dirty="0" smtClean="0">
-                <a:solidFill>
-                  <a:schemeClr val="tx1"/>
-                </a:solidFill>
-                <a:latin typeface="+mn-lt"/>
-                <a:ea typeface="+mn-ea"/>
-                <a:cs typeface="+mn-cs"/>
-              </a:rPr>
-              <a:t>OpenStreetMap - </a:t>
-            </a:r>
-            <a:r>
-              <a:rPr lang="pl-PL" sz="1200" kern="1200" baseline="0" dirty="0" err="1" smtClean="0">
-                <a:solidFill>
-                  <a:schemeClr val="tx1"/>
-                </a:solidFill>
-                <a:latin typeface="+mn-lt"/>
-                <a:ea typeface="+mn-ea"/>
-                <a:cs typeface="+mn-cs"/>
-              </a:rPr>
-              <a:t>OsmDroid</a:t>
-            </a:r>
-            <a:endParaRPr lang="pl-PL" sz="1200" kern="1200" dirty="0" smtClean="0">
-              <a:solidFill>
-                <a:schemeClr val="tx1"/>
-              </a:solidFill>
-              <a:latin typeface="+mn-lt"/>
-              <a:ea typeface="+mn-ea"/>
-              <a:cs typeface="+mn-cs"/>
-            </a:endParaRPr>
-          </a:p>
         </p:txBody>
       </p:sp>
       <p:sp>
@@ -3297,121 +3370,6 @@
               <a:rPr lang="pl-PL" smtClean="0"/>
               <a:pPr/>
               <a:t>25</a:t>
-            </a:fld>
-            <a:endParaRPr lang="pl-PL"/>
-          </a:p>
-        </p:txBody>
-      </p:sp>
-    </p:spTree>
-  </p:cSld>
-  <p:clrMapOvr>
-    <a:masterClrMapping/>
-  </p:clrMapOvr>
-</p:notes>
-</file>
-
-<file path=ppt/notesSlides/notesSlide26.xml><?xml version="1.0" encoding="utf-8"?>
-<p:notes xmlns:a="http://schemas.openxmlformats.org/drawingml/2006/main" xmlns:r="http://schemas.openxmlformats.org/officeDocument/2006/relationships" xmlns:p="http://schemas.openxmlformats.org/presentationml/2006/main">
-  <p:cSld>
-    <p:spTree>
-      <p:nvGrpSpPr>
-        <p:cNvPr id="1" name=""/>
-        <p:cNvGrpSpPr/>
-        <p:nvPr/>
-      </p:nvGrpSpPr>
-      <p:grpSpPr>
-        <a:xfrm>
-          <a:off x="0" y="0"/>
-          <a:ext cx="0" cy="0"/>
-          <a:chOff x="0" y="0"/>
-          <a:chExt cx="0" cy="0"/>
-        </a:xfrm>
-      </p:grpSpPr>
-      <p:sp>
-        <p:nvSpPr>
-          <p:cNvPr id="2" name="Symbol zastępczy obrazu slajdu 1"/>
-          <p:cNvSpPr>
-            <a:spLocks noGrp="1" noRot="1" noChangeAspect="1"/>
-          </p:cNvSpPr>
-          <p:nvPr>
-            <p:ph type="sldImg"/>
-          </p:nvPr>
-        </p:nvSpPr>
-        <p:spPr/>
-      </p:sp>
-      <p:sp>
-        <p:nvSpPr>
-          <p:cNvPr id="3" name="Symbol zastępczy notatek 2"/>
-          <p:cNvSpPr>
-            <a:spLocks noGrp="1"/>
-          </p:cNvSpPr>
-          <p:nvPr>
-            <p:ph type="body" idx="1"/>
-          </p:nvPr>
-        </p:nvSpPr>
-        <p:spPr/>
-        <p:txBody>
-          <a:bodyPr>
-            <a:normAutofit/>
-          </a:bodyPr>
-          <a:lstStyle/>
-          <a:p>
-            <a:pPr>
-              <a:buFont typeface="Arial" pitchFamily="34" charset="0"/>
-              <a:buChar char="•"/>
-            </a:pPr>
-            <a:r>
-              <a:rPr lang="pl-PL" sz="1200" kern="1200" baseline="0" dirty="0" smtClean="0">
-                <a:solidFill>
-                  <a:schemeClr val="tx1"/>
-                </a:solidFill>
-                <a:latin typeface="+mn-lt"/>
-                <a:ea typeface="+mn-ea"/>
-                <a:cs typeface="+mn-cs"/>
-              </a:rPr>
-              <a:t> działanie aplikacji </a:t>
-            </a:r>
-            <a:r>
-              <a:rPr lang="pl-PL" sz="1200" kern="1200" baseline="0" dirty="0" err="1" smtClean="0">
-                <a:solidFill>
-                  <a:schemeClr val="tx1"/>
-                </a:solidFill>
-                <a:latin typeface="+mn-lt"/>
-                <a:ea typeface="+mn-ea"/>
-                <a:cs typeface="+mn-cs"/>
-              </a:rPr>
-              <a:t>DronVision</a:t>
-            </a:r>
-            <a:endParaRPr lang="pl-PL" sz="1200" kern="1200" dirty="0">
-              <a:solidFill>
-                <a:schemeClr val="tx1"/>
-              </a:solidFill>
-              <a:latin typeface="+mn-lt"/>
-              <a:ea typeface="+mn-ea"/>
-              <a:cs typeface="+mn-cs"/>
-            </a:endParaRPr>
-          </a:p>
-        </p:txBody>
-      </p:sp>
-      <p:sp>
-        <p:nvSpPr>
-          <p:cNvPr id="4" name="Symbol zastępczy numeru slajdu 3"/>
-          <p:cNvSpPr>
-            <a:spLocks noGrp="1"/>
-          </p:cNvSpPr>
-          <p:nvPr>
-            <p:ph type="sldNum" sz="quarter" idx="10"/>
-          </p:nvPr>
-        </p:nvSpPr>
-        <p:spPr/>
-        <p:txBody>
-          <a:bodyPr/>
-          <a:lstStyle/>
-          <a:p>
-            <a:fld id="{A221A992-22D9-4EF5-B468-BF47D09055D6}" type="slidenum">
-              <a:rPr lang="pl-PL" smtClean="0"/>
-              <a:pPr/>
-              <a:t>26</a:t>
             </a:fld>
             <a:endParaRPr lang="pl-PL"/>
           </a:p>
@@ -3616,35 +3574,19 @@
                 <a:ea typeface="+mn-ea"/>
                 <a:cs typeface="+mn-cs"/>
               </a:rPr>
-              <a:t> powierzchni geoidy.</a:t>
-            </a:r>
-            <a:endParaRPr lang="pl-PL" sz="1200" kern="1200" dirty="0" smtClean="0">
-              <a:solidFill>
-                <a:schemeClr val="tx1"/>
-              </a:solidFill>
-              <a:latin typeface="+mn-lt"/>
-              <a:ea typeface="+mn-ea"/>
-              <a:cs typeface="+mn-cs"/>
-            </a:endParaRPr>
-          </a:p>
-          <a:p>
-            <a:pPr marL="0" marR="0" indent="0" algn="l" defTabSz="914400" rtl="0" eaLnBrk="1" fontAlgn="auto" latinLnBrk="0" hangingPunct="1">
-              <a:lnSpc>
-                <a:spcPct val="100000"/>
-              </a:lnSpc>
-              <a:spcBef>
-                <a:spcPts val="0"/>
-              </a:spcBef>
-              <a:spcAft>
-                <a:spcPts val="0"/>
-              </a:spcAft>
-              <a:buClrTx/>
-              <a:buSzTx/>
-              <a:buFont typeface="Arial" pitchFamily="34" charset="0"/>
-              <a:buChar char="•"/>
-              <a:tabLst/>
-              <a:defRPr/>
-            </a:pPr>
+              <a:t> powierzchni geoidy</a:t>
+            </a:r>
+            <a:r>
+              <a:rPr lang="pl-PL" sz="1200" kern="1200" baseline="0" dirty="0" smtClean="0">
+                <a:solidFill>
+                  <a:schemeClr val="tx1"/>
+                </a:solidFill>
+                <a:latin typeface="+mn-lt"/>
+                <a:ea typeface="+mn-ea"/>
+                <a:cs typeface="+mn-cs"/>
+              </a:rPr>
+              <a:t>.</a:t>
+            </a:r>
             <a:endParaRPr lang="pl-PL" sz="1200" kern="1200" dirty="0" smtClean="0">
               <a:solidFill>
                 <a:schemeClr val="tx1"/>
@@ -4209,14 +4151,12 @@
             </a:pPr>
             <a:r>
               <a:rPr lang="pl-PL" baseline="0" dirty="0" smtClean="0"/>
-              <a:t> Pierwsze dwie heurystyka, trzeci – naukowa teoria kształtu alfa,</a:t>
-            </a:r>
-          </a:p>
-          <a:p>
-            <a:pPr>
-              <a:buFont typeface="Arial" pitchFamily="34" charset="0"/>
-              <a:buChar char="•"/>
-            </a:pPr>
+              <a:t> Pierwsze dwie heurystyka, trzeci – naukowa teoria kształtu alfa</a:t>
+            </a:r>
+            <a:r>
+              <a:rPr lang="pl-PL" baseline="0" dirty="0" smtClean="0"/>
+              <a:t>,</a:t>
+            </a:r>
             <a:endParaRPr lang="pl-PL" baseline="0" dirty="0" smtClean="0"/>
           </a:p>
           <a:p>
@@ -4401,7 +4341,7 @@
               <a:t> Wyznaczanie kolejnych </a:t>
             </a:r>
             <a:r>
-              <a:rPr lang="pl-PL" sz="1200" kern="1200" baseline="0" dirty="0" err="1" smtClean="0">
+              <a:rPr lang="pl-PL" sz="1200" kern="1200" baseline="0" dirty="0" smtClean="0">
                 <a:solidFill>
                   <a:schemeClr val="tx1"/>
                 </a:solidFill>
@@ -4409,7 +4349,7 @@
                 <a:ea typeface="+mn-ea"/>
                 <a:cs typeface="+mn-cs"/>
               </a:rPr>
-              <a:t>okręsów</a:t>
+              <a:t>okręgów </a:t>
             </a:r>
             <a:r>
               <a:rPr lang="pl-PL" sz="1200" kern="1200" baseline="0" dirty="0" smtClean="0">
@@ -4420,7 +4360,7 @@
                 <a:ea typeface="+mn-ea"/>
                 <a:cs typeface="+mn-cs"/>
               </a:rPr>
-              <a:t> od wysokości </a:t>
+              <a:t>od wysokości </a:t>
             </a:r>
             <a:r>
               <a:rPr lang="pl-PL" sz="1200" kern="1200" baseline="0" dirty="0" err="1" smtClean="0">
@@ -4714,10 +4654,10 @@
                 <a:ea typeface="+mn-ea"/>
                 <a:cs typeface="+mn-cs"/>
               </a:rPr>
-              <a:t> Fragmenty o mniejszym promieniu – większa </a:t>
-            </a:r>
-            <a:r>
-              <a:rPr lang="pl-PL" sz="1200" kern="1200" baseline="0" dirty="0" err="1" smtClean="0">
+              <a:t> Fragmenty o mniejszym promieniu – </a:t>
+            </a:r>
+            <a:r>
+              <a:rPr lang="pl-PL" sz="1200" kern="1200" baseline="0" dirty="0" smtClean="0">
                 <a:solidFill>
                   <a:schemeClr val="tx1"/>
                 </a:solidFill>
@@ -4725,19 +4665,16 @@
                 <a:ea typeface="+mn-ea"/>
                 <a:cs typeface="+mn-cs"/>
               </a:rPr>
-              <a:t>wyokość</a:t>
-            </a:r>
-            <a:r>
-              <a:rPr lang="pl-PL" sz="1200" kern="1200" baseline="0" dirty="0" smtClean="0">
-                <a:solidFill>
-                  <a:schemeClr val="tx1"/>
-                </a:solidFill>
-                <a:latin typeface="+mn-lt"/>
-                <a:ea typeface="+mn-ea"/>
-                <a:cs typeface="+mn-cs"/>
-              </a:rPr>
-              <a:t>,</a:t>
-            </a:r>
+              <a:t>większa wysokość</a:t>
+            </a:r>
+            <a:endParaRPr lang="pl-PL" sz="1200" kern="1200" baseline="0" dirty="0" smtClean="0">
+              <a:solidFill>
+                <a:schemeClr val="tx1"/>
+              </a:solidFill>
+              <a:latin typeface="+mn-lt"/>
+              <a:ea typeface="+mn-ea"/>
+              <a:cs typeface="+mn-cs"/>
+            </a:endParaRPr>
           </a:p>
           <a:p>
             <a:pPr>
@@ -4753,14 +4690,19 @@
                 <a:ea typeface="+mn-ea"/>
                 <a:cs typeface="+mn-cs"/>
               </a:rPr>
-              <a:t> o mniejszym – mniejsza,</a:t>
-            </a:r>
-          </a:p>
-          <a:p>
-            <a:pPr>
-              <a:buFont typeface="Arial" pitchFamily="34" charset="0"/>
-              <a:buChar char="•"/>
-            </a:pPr>
+              <a:t> o mniejszym – mniejsza</a:t>
+            </a:r>
+            <a:r>
+              <a:rPr lang="pl-PL" sz="1200" kern="1200" baseline="0" dirty="0" smtClean="0">
+                <a:solidFill>
+                  <a:schemeClr val="tx1"/>
+                </a:solidFill>
+                <a:latin typeface="+mn-lt"/>
+                <a:ea typeface="+mn-ea"/>
+                <a:cs typeface="+mn-cs"/>
+              </a:rPr>
+              <a:t>,</a:t>
+            </a:r>
             <a:endParaRPr lang="pl-PL" sz="1200" kern="1200" baseline="0" dirty="0" smtClean="0">
               <a:solidFill>
                 <a:schemeClr val="tx1"/>
@@ -5011,7 +4953,7 @@
             <a:fld id="{26454A93-E770-450C-BF74-798E16E1408D}" type="datetimeFigureOut">
               <a:rPr lang="pl-PL" smtClean="0"/>
               <a:pPr/>
-              <a:t>2016-05-19</a:t>
+              <a:t>2016-05-24</a:t>
             </a:fld>
             <a:endParaRPr lang="pl-PL"/>
           </a:p>
@@ -5178,7 +5120,7 @@
             <a:fld id="{26454A93-E770-450C-BF74-798E16E1408D}" type="datetimeFigureOut">
               <a:rPr lang="pl-PL" smtClean="0"/>
               <a:pPr/>
-              <a:t>2016-05-19</a:t>
+              <a:t>2016-05-24</a:t>
             </a:fld>
             <a:endParaRPr lang="pl-PL"/>
           </a:p>
@@ -5355,7 +5297,7 @@
             <a:fld id="{26454A93-E770-450C-BF74-798E16E1408D}" type="datetimeFigureOut">
               <a:rPr lang="pl-PL" smtClean="0"/>
               <a:pPr/>
-              <a:t>2016-05-19</a:t>
+              <a:t>2016-05-24</a:t>
             </a:fld>
             <a:endParaRPr lang="pl-PL"/>
           </a:p>
@@ -5522,7 +5464,7 @@
             <a:fld id="{26454A93-E770-450C-BF74-798E16E1408D}" type="datetimeFigureOut">
               <a:rPr lang="pl-PL" smtClean="0"/>
               <a:pPr/>
-              <a:t>2016-05-19</a:t>
+              <a:t>2016-05-24</a:t>
             </a:fld>
             <a:endParaRPr lang="pl-PL"/>
           </a:p>
@@ -5765,7 +5707,7 @@
             <a:fld id="{26454A93-E770-450C-BF74-798E16E1408D}" type="datetimeFigureOut">
               <a:rPr lang="pl-PL" smtClean="0"/>
               <a:pPr/>
-              <a:t>2016-05-19</a:t>
+              <a:t>2016-05-24</a:t>
             </a:fld>
             <a:endParaRPr lang="pl-PL"/>
           </a:p>
@@ -6050,7 +5992,7 @@
             <a:fld id="{26454A93-E770-450C-BF74-798E16E1408D}" type="datetimeFigureOut">
               <a:rPr lang="pl-PL" smtClean="0"/>
               <a:pPr/>
-              <a:t>2016-05-19</a:t>
+              <a:t>2016-05-24</a:t>
             </a:fld>
             <a:endParaRPr lang="pl-PL"/>
           </a:p>
@@ -6469,7 +6411,7 @@
             <a:fld id="{26454A93-E770-450C-BF74-798E16E1408D}" type="datetimeFigureOut">
               <a:rPr lang="pl-PL" smtClean="0"/>
               <a:pPr/>
-              <a:t>2016-05-19</a:t>
+              <a:t>2016-05-24</a:t>
             </a:fld>
             <a:endParaRPr lang="pl-PL"/>
           </a:p>
@@ -6584,7 +6526,7 @@
             <a:fld id="{26454A93-E770-450C-BF74-798E16E1408D}" type="datetimeFigureOut">
               <a:rPr lang="pl-PL" smtClean="0"/>
               <a:pPr/>
-              <a:t>2016-05-19</a:t>
+              <a:t>2016-05-24</a:t>
             </a:fld>
             <a:endParaRPr lang="pl-PL"/>
           </a:p>
@@ -6676,7 +6618,7 @@
             <a:fld id="{26454A93-E770-450C-BF74-798E16E1408D}" type="datetimeFigureOut">
               <a:rPr lang="pl-PL" smtClean="0"/>
               <a:pPr/>
-              <a:t>2016-05-19</a:t>
+              <a:t>2016-05-24</a:t>
             </a:fld>
             <a:endParaRPr lang="pl-PL"/>
           </a:p>
@@ -6950,7 +6892,7 @@
             <a:fld id="{26454A93-E770-450C-BF74-798E16E1408D}" type="datetimeFigureOut">
               <a:rPr lang="pl-PL" smtClean="0"/>
               <a:pPr/>
-              <a:t>2016-05-19</a:t>
+              <a:t>2016-05-24</a:t>
             </a:fld>
             <a:endParaRPr lang="pl-PL"/>
           </a:p>
@@ -7200,7 +7142,7 @@
             <a:fld id="{26454A93-E770-450C-BF74-798E16E1408D}" type="datetimeFigureOut">
               <a:rPr lang="pl-PL" smtClean="0"/>
               <a:pPr/>
-              <a:t>2016-05-19</a:t>
+              <a:t>2016-05-24</a:t>
             </a:fld>
             <a:endParaRPr lang="pl-PL"/>
           </a:p>
@@ -7429,7 +7371,7 @@
             <a:fld id="{26454A93-E770-450C-BF74-798E16E1408D}" type="datetimeFigureOut">
               <a:rPr lang="pl-PL" smtClean="0"/>
               <a:pPr/>
-              <a:t>2016-05-19</a:t>
+              <a:t>2016-05-24</a:t>
             </a:fld>
             <a:endParaRPr lang="pl-PL"/>
           </a:p>
@@ -8483,7 +8425,12 @@
             <p:ph type="title"/>
           </p:nvPr>
         </p:nvSpPr>
-        <p:spPr/>
+        <p:spPr>
+          <a:xfrm>
+            <a:off x="467544" y="0"/>
+            <a:ext cx="8229600" cy="1143000"/>
+          </a:xfrm>
+        </p:spPr>
         <p:txBody>
           <a:bodyPr>
             <a:normAutofit/>
@@ -8510,8 +8457,8 @@
         </p:nvSpPr>
         <p:spPr>
           <a:xfrm>
-            <a:off x="467544" y="1484784"/>
-            <a:ext cx="8229600" cy="4525963"/>
+            <a:off x="0" y="1124745"/>
+            <a:ext cx="4644008" cy="1944216"/>
           </a:xfrm>
         </p:spPr>
         <p:txBody>
@@ -8520,47 +8467,50 @@
           </a:bodyPr>
           <a:lstStyle/>
           <a:p>
-            <a:r>
-              <a:rPr lang="pl-PL" sz="2500" b="1" dirty="0" smtClean="0"/>
-              <a:t>Kształt </a:t>
-            </a:r>
-            <a:r>
-              <a:rPr lang="el-GR" sz="2500" b="1" dirty="0" smtClean="0"/>
+            <a:pPr>
+              <a:buNone/>
+            </a:pPr>
+            <a:r>
+              <a:rPr lang="pl-PL" sz="2000" b="1" dirty="0" smtClean="0"/>
+              <a:t>	Kształt </a:t>
+            </a:r>
+            <a:r>
+              <a:rPr lang="el-GR" sz="2000" b="1" dirty="0" smtClean="0"/>
               <a:t>α</a:t>
             </a:r>
             <a:r>
-              <a:rPr lang="pl-PL" sz="2500" b="1" dirty="0" smtClean="0"/>
+              <a:rPr lang="pl-PL" sz="2000" b="1" dirty="0" smtClean="0"/>
               <a:t> </a:t>
             </a:r>
             <a:r>
-              <a:rPr lang="pl-PL" sz="2500" dirty="0" smtClean="0"/>
+              <a:rPr lang="pl-PL" sz="2000" dirty="0" smtClean="0"/>
               <a:t>dowolnego zbioru punktów jest </a:t>
             </a:r>
             <a:r>
-              <a:rPr lang="pl-PL" sz="2500" dirty="0" err="1" smtClean="0"/>
+              <a:rPr lang="pl-PL" sz="2000" dirty="0" err="1" smtClean="0"/>
               <a:t>subgrafem</a:t>
             </a:r>
             <a:r>
-              <a:rPr lang="pl-PL" sz="2500" dirty="0" smtClean="0"/>
+              <a:rPr lang="pl-PL" sz="2000" dirty="0" smtClean="0"/>
               <a:t> triangulacji </a:t>
             </a:r>
             <a:r>
-              <a:rPr lang="pl-PL" sz="2500" dirty="0" err="1" smtClean="0"/>
+              <a:rPr lang="pl-PL" sz="2000" dirty="0" err="1" smtClean="0"/>
               <a:t>Delaunay</a:t>
             </a:r>
             <a:r>
-              <a:rPr lang="pl-PL" sz="2500" dirty="0" smtClean="0"/>
+              <a:rPr lang="pl-PL" sz="2000" dirty="0" smtClean="0"/>
               <a:t> takim, że dwa punkty stanowią jego krawędź jeśli istnieje pusta kula o promieniu 1/</a:t>
             </a:r>
             <a:r>
-              <a:rPr lang="el-GR" sz="2500" dirty="0" smtClean="0"/>
+              <a:rPr lang="el-GR" sz="2000" dirty="0" smtClean="0"/>
               <a:t>α</a:t>
             </a:r>
             <a:r>
-              <a:rPr lang="pl-PL" sz="2500" dirty="0" smtClean="0"/>
+              <a:rPr lang="pl-PL" sz="2000" dirty="0" smtClean="0"/>
               <a:t> stykająca się z tymi dwoma punktami. </a:t>
             </a:r>
-            <a:endParaRPr lang="pl-PL" sz="2500" dirty="0"/>
+            <a:endParaRPr lang="pl-PL" sz="2000" dirty="0"/>
           </a:p>
         </p:txBody>
       </p:sp>
@@ -8579,8 +8529,8 @@
         </p:blipFill>
         <p:spPr bwMode="auto">
           <a:xfrm>
-            <a:off x="1979712" y="3429000"/>
-            <a:ext cx="5400600" cy="2950510"/>
+            <a:off x="4427984" y="1052736"/>
+            <a:ext cx="4464496" cy="2520280"/>
           </a:xfrm>
           <a:prstGeom prst="rect">
             <a:avLst/>
@@ -8594,75 +8544,9 @@
           </a:ln>
         </p:spPr>
       </p:pic>
-    </p:spTree>
-  </p:cSld>
-  <p:clrMapOvr>
-    <a:masterClrMapping/>
-  </p:clrMapOvr>
-  <p:timing>
-    <p:tnLst>
-      <p:par>
-        <p:cTn id="1" dur="indefinite" restart="never" nodeType="tmRoot"/>
-      </p:par>
-    </p:tnLst>
-  </p:timing>
-</p:sld>
-</file>
-
-<file path=ppt/slides/slide16.xml><?xml version="1.0" encoding="utf-8"?>
-<p:sld xmlns:a="http://schemas.openxmlformats.org/drawingml/2006/main" xmlns:r="http://schemas.openxmlformats.org/officeDocument/2006/relationships" xmlns:p="http://schemas.openxmlformats.org/presentationml/2006/main">
-  <p:cSld>
-    <p:spTree>
-      <p:nvGrpSpPr>
-        <p:cNvPr id="1" name=""/>
-        <p:cNvGrpSpPr/>
-        <p:nvPr/>
-      </p:nvGrpSpPr>
-      <p:grpSpPr>
-        <a:xfrm>
-          <a:off x="0" y="0"/>
-          <a:ext cx="0" cy="0"/>
-          <a:chOff x="0" y="0"/>
-          <a:chExt cx="0" cy="0"/>
-        </a:xfrm>
-      </p:grpSpPr>
-      <p:sp>
-        <p:nvSpPr>
-          <p:cNvPr id="2" name="Tytuł 1"/>
-          <p:cNvSpPr>
-            <a:spLocks noGrp="1"/>
-          </p:cNvSpPr>
-          <p:nvPr>
-            <p:ph type="title"/>
-          </p:nvPr>
-        </p:nvSpPr>
-        <p:spPr>
-          <a:xfrm>
-            <a:off x="467544" y="0"/>
-            <a:ext cx="8229600" cy="1143000"/>
-          </a:xfrm>
-        </p:spPr>
-        <p:txBody>
-          <a:bodyPr>
-            <a:normAutofit/>
-          </a:bodyPr>
-          <a:lstStyle/>
-          <a:p>
-            <a:r>
-              <a:rPr lang="pl-PL" sz="3500" b="1" dirty="0" smtClean="0"/>
-              <a:t>Triangulacja </a:t>
-            </a:r>
-            <a:r>
-              <a:rPr lang="pl-PL" sz="3500" b="1" dirty="0" err="1" smtClean="0"/>
-              <a:t>Delaunay</a:t>
-            </a:r>
-            <a:endParaRPr lang="pl-PL" sz="3500" b="1" dirty="0"/>
-          </a:p>
-        </p:txBody>
-      </p:sp>
-      <p:sp>
-        <p:nvSpPr>
-          <p:cNvPr id="3075" name="Rectangle 3"/>
+      <p:sp>
+        <p:nvSpPr>
+          <p:cNvPr id="5" name="Rectangle 3"/>
           <p:cNvSpPr>
             <a:spLocks noChangeArrowheads="1"/>
           </p:cNvSpPr>
@@ -8670,7 +8554,7 @@
         </p:nvSpPr>
         <p:spPr bwMode="auto">
           <a:xfrm>
-            <a:off x="0" y="2276872"/>
+            <a:off x="3923928" y="3897052"/>
             <a:ext cx="4896544" cy="2246769"/>
           </a:xfrm>
           <a:prstGeom prst="rect">
@@ -8719,7 +8603,7 @@
                   <a:schemeClr val="tx1"/>
                 </a:solidFill>
                 <a:effectLst/>
-                <a:latin typeface="Arial" pitchFamily="34" charset="0"/>
+                <a:latin typeface="+mj-lt"/>
                 <a:ea typeface="Calibri" pitchFamily="34" charset="0"/>
                 <a:cs typeface="Times New Roman" pitchFamily="18" charset="0"/>
               </a:rPr>
@@ -8734,7 +8618,7 @@
                   <a:schemeClr val="tx1"/>
                 </a:solidFill>
                 <a:effectLst/>
-                <a:latin typeface="Arial" pitchFamily="34" charset="0"/>
+                <a:latin typeface="+mj-lt"/>
                 <a:ea typeface="Calibri" pitchFamily="34" charset="0"/>
                 <a:cs typeface="Times New Roman" pitchFamily="18" charset="0"/>
               </a:rPr>
@@ -8749,7 +8633,7 @@
                   <a:schemeClr val="tx1"/>
                 </a:solidFill>
                 <a:effectLst/>
-                <a:latin typeface="Arial" pitchFamily="34" charset="0"/>
+                <a:latin typeface="+mj-lt"/>
                 <a:ea typeface="Calibri" pitchFamily="34" charset="0"/>
                 <a:cs typeface="Times New Roman" pitchFamily="18" charset="0"/>
               </a:rPr>
@@ -8764,7 +8648,7 @@
                   <a:schemeClr val="tx1"/>
                 </a:solidFill>
                 <a:effectLst/>
-                <a:latin typeface="Arial" pitchFamily="34" charset="0"/>
+                <a:latin typeface="+mj-lt"/>
                 <a:ea typeface="Calibri" pitchFamily="34" charset="0"/>
                 <a:cs typeface="Times New Roman" pitchFamily="18" charset="0"/>
               </a:rPr>
@@ -8779,7 +8663,7 @@
                   <a:schemeClr val="tx1"/>
                 </a:solidFill>
                 <a:effectLst/>
-                <a:latin typeface="Arial" pitchFamily="34" charset="0"/>
+                <a:latin typeface="+mj-lt"/>
                 <a:ea typeface="Calibri" pitchFamily="34" charset="0"/>
                 <a:cs typeface="Times New Roman" pitchFamily="18" charset="0"/>
               </a:rPr>
@@ -8793,7 +8677,7 @@
                 <a:schemeClr val="tx1"/>
               </a:solidFill>
               <a:effectLst/>
-              <a:latin typeface="Arial" pitchFamily="34" charset="0"/>
+              <a:latin typeface="+mj-lt"/>
               <a:cs typeface="Arial" pitchFamily="34" charset="0"/>
             </a:endParaRPr>
           </a:p>
@@ -8801,14 +8685,14 @@
       </p:sp>
       <p:pic>
         <p:nvPicPr>
-          <p:cNvPr id="3074" name="Picture 2" descr="https://upload.wikimedia.org/wikipedia/commons/thumb/d/db/Delaunay_circumcircles_vectorial.svg/500px-Delaunay_circumcircles_vectorial.svg.png"/>
+          <p:cNvPr id="6" name="Picture 2" descr="https://upload.wikimedia.org/wikipedia/commons/thumb/d/db/Delaunay_circumcircles_vectorial.svg/500px-Delaunay_circumcircles_vectorial.svg.png"/>
           <p:cNvPicPr>
             <a:picLocks noChangeAspect="1" noChangeArrowheads="1"/>
           </p:cNvPicPr>
           <p:nvPr/>
         </p:nvPicPr>
         <p:blipFill>
-          <a:blip r:embed="rId3" cstate="print"/>
+          <a:blip r:embed="rId4" cstate="print"/>
           <a:srcRect/>
           <a:stretch>
             <a:fillRect/>
@@ -8816,8 +8700,8 @@
         </p:blipFill>
         <p:spPr bwMode="auto">
           <a:xfrm>
-            <a:off x="4932040" y="1268760"/>
-            <a:ext cx="4427984" cy="4536504"/>
+            <a:off x="323528" y="3501008"/>
+            <a:ext cx="3022275" cy="3096344"/>
           </a:xfrm>
           <a:prstGeom prst="rect">
             <a:avLst/>
@@ -8840,7 +8724,7 @@
 </p:sld>
 </file>
 
-<file path=ppt/slides/slide17.xml><?xml version="1.0" encoding="utf-8"?>
+<file path=ppt/slides/slide16.xml><?xml version="1.0" encoding="utf-8"?>
 <p:sld xmlns:a="http://schemas.openxmlformats.org/drawingml/2006/main" xmlns:r="http://schemas.openxmlformats.org/officeDocument/2006/relationships" xmlns:p="http://schemas.openxmlformats.org/presentationml/2006/main">
   <p:cSld>
     <p:spTree>
@@ -8932,6 +8816,185 @@
 </p:sld>
 </file>
 
+<file path=ppt/slides/slide17.xml><?xml version="1.0" encoding="utf-8"?>
+<p:sld xmlns:a="http://schemas.openxmlformats.org/drawingml/2006/main" xmlns:r="http://schemas.openxmlformats.org/officeDocument/2006/relationships" xmlns:p="http://schemas.openxmlformats.org/presentationml/2006/main">
+  <p:cSld>
+    <p:spTree>
+      <p:nvGrpSpPr>
+        <p:cNvPr id="1" name=""/>
+        <p:cNvGrpSpPr/>
+        <p:nvPr/>
+      </p:nvGrpSpPr>
+      <p:grpSpPr>
+        <a:xfrm>
+          <a:off x="0" y="0"/>
+          <a:ext cx="0" cy="0"/>
+          <a:chOff x="0" y="0"/>
+          <a:chExt cx="0" cy="0"/>
+        </a:xfrm>
+      </p:grpSpPr>
+      <p:sp>
+        <p:nvSpPr>
+          <p:cNvPr id="2" name="Tytuł 1"/>
+          <p:cNvSpPr>
+            <a:spLocks noGrp="1"/>
+          </p:cNvSpPr>
+          <p:nvPr>
+            <p:ph type="title"/>
+          </p:nvPr>
+        </p:nvSpPr>
+        <p:spPr>
+          <a:xfrm>
+            <a:off x="467544" y="0"/>
+            <a:ext cx="8229600" cy="1143000"/>
+          </a:xfrm>
+        </p:spPr>
+        <p:txBody>
+          <a:bodyPr>
+            <a:normAutofit/>
+          </a:bodyPr>
+          <a:lstStyle/>
+          <a:p>
+            <a:r>
+              <a:rPr lang="pl-PL" sz="3500" b="1" dirty="0" smtClean="0"/>
+              <a:t>Algorytm w praktyce</a:t>
+            </a:r>
+            <a:endParaRPr lang="pl-PL" sz="3500" b="1" dirty="0"/>
+          </a:p>
+        </p:txBody>
+      </p:sp>
+      <p:sp>
+        <p:nvSpPr>
+          <p:cNvPr id="3" name="Symbol zastępczy zawartości 2"/>
+          <p:cNvSpPr>
+            <a:spLocks noGrp="1"/>
+          </p:cNvSpPr>
+          <p:nvPr>
+            <p:ph idx="1"/>
+          </p:nvPr>
+        </p:nvSpPr>
+        <p:spPr>
+          <a:xfrm>
+            <a:off x="395536" y="1772816"/>
+            <a:ext cx="8229600" cy="4525963"/>
+          </a:xfrm>
+        </p:spPr>
+        <p:txBody>
+          <a:bodyPr>
+            <a:normAutofit/>
+          </a:bodyPr>
+          <a:lstStyle/>
+          <a:p>
+            <a:pPr marL="514350" indent="-514350">
+              <a:buFont typeface="+mj-lt"/>
+              <a:buAutoNum type="arabicPeriod"/>
+            </a:pPr>
+            <a:r>
+              <a:rPr lang="pl-PL" sz="2500" dirty="0" err="1" smtClean="0"/>
+              <a:t>Densyfikacja</a:t>
+            </a:r>
+            <a:r>
+              <a:rPr lang="pl-PL" sz="2500" dirty="0" smtClean="0"/>
+              <a:t> punktów należących do obu zbiorów,</a:t>
+            </a:r>
+          </a:p>
+          <a:p>
+            <a:pPr marL="514350" indent="-514350">
+              <a:buFont typeface="+mj-lt"/>
+              <a:buAutoNum type="arabicPeriod"/>
+            </a:pPr>
+            <a:endParaRPr lang="pl-PL" sz="1500" dirty="0" smtClean="0"/>
+          </a:p>
+          <a:p>
+            <a:pPr marL="514350" indent="-514350">
+              <a:buFont typeface="+mj-lt"/>
+              <a:buAutoNum type="arabicPeriod"/>
+            </a:pPr>
+            <a:r>
+              <a:rPr lang="pl-PL" sz="2500" dirty="0" smtClean="0"/>
+              <a:t>Połączenie zbiorów w jeden zbiór </a:t>
+            </a:r>
+            <a:r>
+              <a:rPr lang="pl-PL" sz="2500" b="1" dirty="0" smtClean="0"/>
+              <a:t>P</a:t>
+            </a:r>
+            <a:r>
+              <a:rPr lang="pl-PL" sz="2500" dirty="0" smtClean="0"/>
+              <a:t>,</a:t>
+            </a:r>
+          </a:p>
+          <a:p>
+            <a:pPr marL="514350" indent="-514350">
+              <a:buFont typeface="+mj-lt"/>
+              <a:buAutoNum type="arabicPeriod"/>
+            </a:pPr>
+            <a:endParaRPr lang="pl-PL" sz="1500" dirty="0" smtClean="0"/>
+          </a:p>
+          <a:p>
+            <a:pPr marL="514350" indent="-514350">
+              <a:buFont typeface="+mj-lt"/>
+              <a:buAutoNum type="arabicPeriod"/>
+            </a:pPr>
+            <a:r>
+              <a:rPr lang="pl-PL" sz="2500" dirty="0" smtClean="0"/>
+              <a:t>Triangulacja </a:t>
+            </a:r>
+            <a:r>
+              <a:rPr lang="pl-PL" sz="2500" dirty="0" err="1" smtClean="0"/>
+              <a:t>Delaunay</a:t>
+            </a:r>
+            <a:r>
+              <a:rPr lang="pl-PL" sz="2500" dirty="0" smtClean="0"/>
+              <a:t> na zbiorze </a:t>
+            </a:r>
+            <a:r>
+              <a:rPr lang="pl-PL" sz="2500" b="1" dirty="0" smtClean="0"/>
+              <a:t>P</a:t>
+            </a:r>
+            <a:r>
+              <a:rPr lang="pl-PL" sz="2500" dirty="0" smtClean="0"/>
+              <a:t>,</a:t>
+            </a:r>
+          </a:p>
+          <a:p>
+            <a:pPr marL="514350" indent="-514350">
+              <a:buFont typeface="+mj-lt"/>
+              <a:buAutoNum type="arabicPeriod"/>
+            </a:pPr>
+            <a:endParaRPr lang="pl-PL" sz="1500" dirty="0" smtClean="0"/>
+          </a:p>
+          <a:p>
+            <a:pPr marL="514350" indent="-514350">
+              <a:buFont typeface="+mj-lt"/>
+              <a:buAutoNum type="arabicPeriod"/>
+            </a:pPr>
+            <a:r>
+              <a:rPr lang="pl-PL" sz="2500" dirty="0" smtClean="0"/>
+              <a:t>Wyznaczenie grafu reprezentującego otoczkę poprzez połączenie trójkątów, dla których promień okręgu na nich opisanego jest mniejszy od dobranej wartości parametru </a:t>
+            </a:r>
+            <a:r>
+              <a:rPr lang="el-GR" sz="2500" b="1" dirty="0" smtClean="0"/>
+              <a:t>α</a:t>
+            </a:r>
+            <a:endParaRPr lang="pl-PL" sz="2500" b="1" dirty="0" smtClean="0"/>
+          </a:p>
+        </p:txBody>
+      </p:sp>
+    </p:spTree>
+  </p:cSld>
+  <p:clrMapOvr>
+    <a:masterClrMapping/>
+  </p:clrMapOvr>
+  <p:timing>
+    <p:tnLst>
+      <p:par>
+        <p:cTn id="1" dur="indefinite" restart="never" nodeType="tmRoot"/>
+      </p:par>
+    </p:tnLst>
+  </p:timing>
+</p:sld>
+</file>
+
 <file path=ppt/slides/slide18.xml><?xml version="1.0" encoding="utf-8"?>
 <p:sld xmlns:a="http://schemas.openxmlformats.org/drawingml/2006/main" xmlns:r="http://schemas.openxmlformats.org/officeDocument/2006/relationships" xmlns:p="http://schemas.openxmlformats.org/presentationml/2006/main">
   <p:cSld>
@@ -8973,129 +9036,34 @@
           <a:p>
             <a:r>
               <a:rPr lang="pl-PL" sz="3500" b="1" dirty="0" smtClean="0"/>
-              <a:t>Algorytm w praktyce</a:t>
+              <a:t>Przykładowy zbiór punktów P</a:t>
             </a:r>
             <a:endParaRPr lang="pl-PL" sz="3500" b="1" dirty="0"/>
           </a:p>
         </p:txBody>
       </p:sp>
-      <p:sp>
-        <p:nvSpPr>
-          <p:cNvPr id="3" name="Symbol zastępczy zawartości 2"/>
-          <p:cNvSpPr>
-            <a:spLocks noGrp="1"/>
-          </p:cNvSpPr>
-          <p:nvPr>
-            <p:ph idx="1"/>
-          </p:nvPr>
-        </p:nvSpPr>
+      <p:pic>
+        <p:nvPicPr>
+          <p:cNvPr id="4" name="Obraz 3" descr="alpha11.jpg"/>
+          <p:cNvPicPr/>
+          <p:nvPr/>
+        </p:nvPicPr>
+        <p:blipFill>
+          <a:blip r:embed="rId3" cstate="print"/>
+          <a:stretch>
+            <a:fillRect/>
+          </a:stretch>
+        </p:blipFill>
         <p:spPr>
           <a:xfrm>
-            <a:off x="395536" y="1772816"/>
-            <a:ext cx="8229600" cy="4525963"/>
+            <a:off x="899592" y="1628800"/>
+            <a:ext cx="7560000" cy="4320000"/>
           </a:xfrm>
+          <a:prstGeom prst="rect">
+            <a:avLst/>
+          </a:prstGeom>
         </p:spPr>
-        <p:txBody>
-          <a:bodyPr>
-            <a:normAutofit/>
-          </a:bodyPr>
-          <a:lstStyle/>
-          <a:p>
-            <a:pPr marL="514350" indent="-514350">
-              <a:buFont typeface="+mj-lt"/>
-              <a:buAutoNum type="arabicPeriod"/>
-            </a:pPr>
-            <a:r>
-              <a:rPr lang="pl-PL" sz="2500" dirty="0" err="1" smtClean="0"/>
-              <a:t>Densyfikacja</a:t>
-            </a:r>
-            <a:r>
-              <a:rPr lang="pl-PL" sz="2500" dirty="0" smtClean="0"/>
-              <a:t> punktów należących do obu zbiorów,</a:t>
-            </a:r>
-          </a:p>
-          <a:p>
-            <a:pPr marL="514350" indent="-514350">
-              <a:buFont typeface="+mj-lt"/>
-              <a:buAutoNum type="arabicPeriod"/>
-            </a:pPr>
-            <a:endParaRPr lang="pl-PL" sz="1500" dirty="0" smtClean="0"/>
-          </a:p>
-          <a:p>
-            <a:pPr marL="514350" indent="-514350">
-              <a:buFont typeface="+mj-lt"/>
-              <a:buAutoNum type="arabicPeriod"/>
-            </a:pPr>
-            <a:r>
-              <a:rPr lang="pl-PL" sz="2500" dirty="0" smtClean="0"/>
-              <a:t>Połączenie zbiorów w jeden zbiór </a:t>
-            </a:r>
-            <a:r>
-              <a:rPr lang="pl-PL" sz="2500" b="1" dirty="0" smtClean="0"/>
-              <a:t>P</a:t>
-            </a:r>
-            <a:r>
-              <a:rPr lang="pl-PL" sz="2500" dirty="0" smtClean="0"/>
-              <a:t>,</a:t>
-            </a:r>
-          </a:p>
-          <a:p>
-            <a:pPr marL="514350" indent="-514350">
-              <a:buFont typeface="+mj-lt"/>
-              <a:buAutoNum type="arabicPeriod"/>
-            </a:pPr>
-            <a:endParaRPr lang="pl-PL" sz="1500" dirty="0" smtClean="0"/>
-          </a:p>
-          <a:p>
-            <a:pPr marL="514350" indent="-514350">
-              <a:buFont typeface="+mj-lt"/>
-              <a:buAutoNum type="arabicPeriod"/>
-            </a:pPr>
-            <a:r>
-              <a:rPr lang="pl-PL" sz="2500" dirty="0" smtClean="0"/>
-              <a:t>Triangulacja </a:t>
-            </a:r>
-            <a:r>
-              <a:rPr lang="pl-PL" sz="2500" dirty="0" err="1" smtClean="0"/>
-              <a:t>Delaunay</a:t>
-            </a:r>
-            <a:r>
-              <a:rPr lang="pl-PL" sz="2500" dirty="0" smtClean="0"/>
-              <a:t> na zbiorze </a:t>
-            </a:r>
-            <a:r>
-              <a:rPr lang="pl-PL" sz="2500" b="1" dirty="0" smtClean="0"/>
-              <a:t>P</a:t>
-            </a:r>
-            <a:r>
-              <a:rPr lang="pl-PL" sz="2500" dirty="0" smtClean="0"/>
-              <a:t>,</a:t>
-            </a:r>
-          </a:p>
-          <a:p>
-            <a:pPr marL="514350" indent="-514350">
-              <a:buFont typeface="+mj-lt"/>
-              <a:buAutoNum type="arabicPeriod"/>
-            </a:pPr>
-            <a:endParaRPr lang="pl-PL" sz="1500" dirty="0" smtClean="0"/>
-          </a:p>
-          <a:p>
-            <a:pPr marL="514350" indent="-514350">
-              <a:buFont typeface="+mj-lt"/>
-              <a:buAutoNum type="arabicPeriod"/>
-            </a:pPr>
-            <a:r>
-              <a:rPr lang="pl-PL" sz="2500" dirty="0" smtClean="0"/>
-              <a:t>Wyznaczenie grafu reprezentującego otoczkę poprzez połączenie trójkątów, dla których promień okręgu na nich opisanego jest mniejszy od dobranej wartości parametru </a:t>
-            </a:r>
-            <a:r>
-              <a:rPr lang="el-GR" sz="2500" b="1" dirty="0" smtClean="0"/>
-              <a:t>α</a:t>
-            </a:r>
-            <a:endParaRPr lang="pl-PL" sz="2500" b="1" dirty="0" smtClean="0"/>
-          </a:p>
-        </p:txBody>
-      </p:sp>
+      </p:pic>
     </p:spTree>
   </p:cSld>
   <p:clrMapOvr>
@@ -9152,15 +9120,34 @@
           <a:p>
             <a:r>
               <a:rPr lang="pl-PL" sz="3500" b="1" dirty="0" smtClean="0"/>
-              <a:t>Przykładowy zbiór punktów P</a:t>
+              <a:t>Otoczka wypukła dla zbioru P</a:t>
             </a:r>
             <a:endParaRPr lang="pl-PL" sz="3500" b="1" dirty="0"/>
+          </a:p>
+        </p:txBody>
+      </p:sp>
+      <p:sp>
+        <p:nvSpPr>
+          <p:cNvPr id="3" name="Symbol zastępczy zawartości 2"/>
+          <p:cNvSpPr>
+            <a:spLocks noGrp="1"/>
+          </p:cNvSpPr>
+          <p:nvPr>
+            <p:ph idx="1"/>
+          </p:nvPr>
+        </p:nvSpPr>
+        <p:spPr/>
+        <p:txBody>
+          <a:bodyPr/>
+          <a:lstStyle/>
+          <a:p>
+            <a:endParaRPr lang="pl-PL"/>
           </a:p>
         </p:txBody>
       </p:sp>
       <p:pic>
         <p:nvPicPr>
-          <p:cNvPr id="4" name="Obraz 3" descr="alpha11.jpg"/>
+          <p:cNvPr id="4" name="Obraz 3" descr="alpha22.jpg"/>
           <p:cNvPicPr/>
           <p:nvPr/>
         </p:nvPicPr>
@@ -9172,7 +9159,7 @@
         </p:blipFill>
         <p:spPr>
           <a:xfrm>
-            <a:off x="899592" y="1628800"/>
+            <a:off x="827584" y="1844824"/>
             <a:ext cx="7560000" cy="4320000"/>
           </a:xfrm>
           <a:prstGeom prst="rect">
@@ -9318,46 +9305,42 @@
         </p:nvSpPr>
         <p:spPr>
           <a:xfrm>
-            <a:off x="467544" y="0"/>
-            <a:ext cx="8229600" cy="1143000"/>
+            <a:off x="0" y="0"/>
+            <a:ext cx="9144000" cy="1143000"/>
           </a:xfrm>
         </p:spPr>
         <p:txBody>
           <a:bodyPr>
-            <a:normAutofit/>
+            <a:noAutofit/>
           </a:bodyPr>
           <a:lstStyle/>
           <a:p>
             <a:r>
               <a:rPr lang="pl-PL" sz="3500" b="1" dirty="0" smtClean="0"/>
-              <a:t>Otoczka wypukła dla zbioru P</a:t>
+              <a:t>Efekt triangulacji </a:t>
+            </a:r>
+            <a:r>
+              <a:rPr lang="pl-PL" sz="3500" b="1" dirty="0" err="1" smtClean="0"/>
+              <a:t>Delaunay</a:t>
+            </a:r>
+            <a:r>
+              <a:rPr lang="pl-PL" sz="3500" b="1" dirty="0" smtClean="0"/>
+              <a:t> </a:t>
+            </a:r>
+            <a:br>
+              <a:rPr lang="pl-PL" sz="3500" b="1" dirty="0" smtClean="0"/>
+            </a:br>
+            <a:r>
+              <a:rPr lang="pl-PL" sz="3500" b="1" dirty="0" smtClean="0"/>
+              <a:t>przeprowadzonej na zbiorze P</a:t>
             </a:r>
             <a:endParaRPr lang="pl-PL" sz="3500" b="1" dirty="0"/>
-          </a:p>
-        </p:txBody>
-      </p:sp>
-      <p:sp>
-        <p:nvSpPr>
-          <p:cNvPr id="3" name="Symbol zastępczy zawartości 2"/>
-          <p:cNvSpPr>
-            <a:spLocks noGrp="1"/>
-          </p:cNvSpPr>
-          <p:nvPr>
-            <p:ph idx="1"/>
-          </p:nvPr>
-        </p:nvSpPr>
-        <p:spPr/>
-        <p:txBody>
-          <a:bodyPr/>
-          <a:lstStyle/>
-          <a:p>
-            <a:endParaRPr lang="pl-PL"/>
           </a:p>
         </p:txBody>
       </p:sp>
       <p:pic>
         <p:nvPicPr>
-          <p:cNvPr id="4" name="Obraz 3" descr="alpha22.jpg"/>
+          <p:cNvPr id="4" name="Obraz 3" descr="alpha31.jpg"/>
           <p:cNvPicPr/>
           <p:nvPr/>
         </p:nvPicPr>
@@ -9369,7 +9352,7 @@
         </p:blipFill>
         <p:spPr>
           <a:xfrm>
-            <a:off x="827584" y="1844824"/>
+            <a:off x="899592" y="1844824"/>
             <a:ext cx="7560000" cy="4320000"/>
           </a:xfrm>
           <a:prstGeom prst="rect">
@@ -9421,34 +9404,35 @@
         </p:nvSpPr>
         <p:spPr>
           <a:xfrm>
-            <a:off x="0" y="0"/>
-            <a:ext cx="9144000" cy="1143000"/>
+            <a:off x="467544" y="0"/>
+            <a:ext cx="8229600" cy="1143000"/>
           </a:xfrm>
         </p:spPr>
         <p:txBody>
           <a:bodyPr>
-            <a:noAutofit/>
+            <a:normAutofit/>
           </a:bodyPr>
           <a:lstStyle/>
           <a:p>
             <a:r>
               <a:rPr lang="pl-PL" sz="3500" b="1" dirty="0" smtClean="0"/>
-              <a:t>Efekt triangulacji </a:t>
-            </a:r>
-            <a:r>
-              <a:rPr lang="pl-PL" sz="3500" b="1" dirty="0" err="1" smtClean="0"/>
-              <a:t>Delaunay</a:t>
+              <a:t>Kształt </a:t>
+            </a:r>
+            <a:r>
+              <a:rPr lang="el-GR" sz="3500" b="1" dirty="0" smtClean="0"/>
+              <a:t>α</a:t>
             </a:r>
             <a:r>
               <a:rPr lang="pl-PL" sz="3500" b="1" dirty="0" smtClean="0"/>
-              <a:t> </a:t>
-            </a:r>
-            <a:br>
+              <a:t> dla </a:t>
+            </a:r>
+            <a:r>
+              <a:rPr lang="el-GR" sz="3500" b="1" dirty="0" smtClean="0"/>
+              <a:t>α </a:t>
+            </a:r>
+            <a:r>
               <a:rPr lang="pl-PL" sz="3500" b="1" dirty="0" smtClean="0"/>
-            </a:br>
-            <a:r>
-              <a:rPr lang="pl-PL" sz="3500" b="1" dirty="0" smtClean="0"/>
-              <a:t>przeprowadzonej na zbiorze P</a:t>
+              <a:t>= 0.1 </a:t>
             </a:r>
             <a:endParaRPr lang="pl-PL" sz="3500" b="1" dirty="0"/>
           </a:p>
@@ -9456,7 +9440,7 @@
       </p:sp>
       <p:pic>
         <p:nvPicPr>
-          <p:cNvPr id="4" name="Obraz 3" descr="alpha31.jpg"/>
+          <p:cNvPr id="4" name="Obraz 3" descr="alpha42.jpg"/>
           <p:cNvPicPr/>
           <p:nvPr/>
         </p:nvPicPr>
@@ -9468,7 +9452,7 @@
         </p:blipFill>
         <p:spPr>
           <a:xfrm>
-            <a:off x="899592" y="1844824"/>
+            <a:off x="827584" y="1772816"/>
             <a:ext cx="7560000" cy="4320000"/>
           </a:xfrm>
           <a:prstGeom prst="rect">
@@ -9544,11 +9528,11 @@
             </a:r>
             <a:r>
               <a:rPr lang="el-GR" sz="3500" b="1" dirty="0" smtClean="0"/>
-              <a:t>α </a:t>
+              <a:t>α</a:t>
             </a:r>
             <a:r>
               <a:rPr lang="pl-PL" sz="3500" b="1" dirty="0" smtClean="0"/>
-              <a:t>= 0.1 </a:t>
+              <a:t> = 1 </a:t>
             </a:r>
             <a:endParaRPr lang="pl-PL" sz="3500" b="1" dirty="0"/>
           </a:p>
@@ -9556,7 +9540,7 @@
       </p:sp>
       <p:pic>
         <p:nvPicPr>
-          <p:cNvPr id="4" name="Obraz 3" descr="alpha42.jpg"/>
+          <p:cNvPr id="4" name="Obraz 3" descr="alpha52.jpg"/>
           <p:cNvPicPr/>
           <p:nvPr/>
         </p:nvPicPr>
@@ -9568,7 +9552,7 @@
         </p:blipFill>
         <p:spPr>
           <a:xfrm>
-            <a:off x="827584" y="1772816"/>
+            <a:off x="899592" y="1844824"/>
             <a:ext cx="7560000" cy="4320000"/>
           </a:xfrm>
           <a:prstGeom prst="rect">
@@ -9608,55 +9592,9 @@
           <a:chExt cx="0" cy="0"/>
         </a:xfrm>
       </p:grpSpPr>
-      <p:sp>
-        <p:nvSpPr>
-          <p:cNvPr id="2" name="Tytuł 1"/>
-          <p:cNvSpPr>
-            <a:spLocks noGrp="1"/>
-          </p:cNvSpPr>
-          <p:nvPr>
-            <p:ph type="title"/>
-          </p:nvPr>
-        </p:nvSpPr>
-        <p:spPr>
-          <a:xfrm>
-            <a:off x="467544" y="0"/>
-            <a:ext cx="8229600" cy="1143000"/>
-          </a:xfrm>
-        </p:spPr>
-        <p:txBody>
-          <a:bodyPr>
-            <a:normAutofit/>
-          </a:bodyPr>
-          <a:lstStyle/>
-          <a:p>
-            <a:r>
-              <a:rPr lang="pl-PL" sz="3500" b="1" dirty="0" smtClean="0"/>
-              <a:t>Kształt </a:t>
-            </a:r>
-            <a:r>
-              <a:rPr lang="el-GR" sz="3500" b="1" dirty="0" smtClean="0"/>
-              <a:t>α</a:t>
-            </a:r>
-            <a:r>
-              <a:rPr lang="pl-PL" sz="3500" b="1" dirty="0" smtClean="0"/>
-              <a:t> dla </a:t>
-            </a:r>
-            <a:r>
-              <a:rPr lang="el-GR" sz="3500" b="1" dirty="0" smtClean="0"/>
-              <a:t>α</a:t>
-            </a:r>
-            <a:r>
-              <a:rPr lang="pl-PL" sz="3500" b="1" dirty="0" smtClean="0"/>
-              <a:t> = 1 </a:t>
-            </a:r>
-            <a:endParaRPr lang="pl-PL" sz="3500" b="1" dirty="0"/>
-          </a:p>
-        </p:txBody>
-      </p:sp>
       <p:pic>
         <p:nvPicPr>
-          <p:cNvPr id="4" name="Obraz 3" descr="alpha52.jpg"/>
+          <p:cNvPr id="4" name="Obraz 3" descr="alpha62.jpg"/>
           <p:cNvPicPr/>
           <p:nvPr/>
         </p:nvPicPr>
@@ -9668,7 +9606,7 @@
         </p:blipFill>
         <p:spPr>
           <a:xfrm>
-            <a:off x="899592" y="1844824"/>
+            <a:off x="971600" y="1844824"/>
             <a:ext cx="7560000" cy="4320000"/>
           </a:xfrm>
           <a:prstGeom prst="rect">
@@ -9676,6 +9614,148 @@
           </a:prstGeom>
         </p:spPr>
       </p:pic>
+      <p:sp>
+        <p:nvSpPr>
+          <p:cNvPr id="5" name="Tytuł 1"/>
+          <p:cNvSpPr txBox="1">
+            <a:spLocks/>
+          </p:cNvSpPr>
+          <p:nvPr/>
+        </p:nvSpPr>
+        <p:spPr>
+          <a:xfrm>
+            <a:off x="467544" y="0"/>
+            <a:ext cx="8229600" cy="1143000"/>
+          </a:xfrm>
+          <a:prstGeom prst="rect">
+            <a:avLst/>
+          </a:prstGeom>
+        </p:spPr>
+        <p:txBody>
+          <a:bodyPr vert="horz" lIns="91440" tIns="45720" rIns="91440" bIns="45720" rtlCol="0" anchor="ctr">
+            <a:normAutofit/>
+          </a:bodyPr>
+          <a:lstStyle/>
+          <a:p>
+            <a:pPr marL="0" marR="0" lvl="0" indent="0" algn="ctr" defTabSz="914400" rtl="0" eaLnBrk="1" fontAlgn="auto" latinLnBrk="0" hangingPunct="1">
+              <a:lnSpc>
+                <a:spcPct val="100000"/>
+              </a:lnSpc>
+              <a:spcBef>
+                <a:spcPct val="0"/>
+              </a:spcBef>
+              <a:spcAft>
+                <a:spcPts val="0"/>
+              </a:spcAft>
+              <a:buClrTx/>
+              <a:buSzTx/>
+              <a:buFontTx/>
+              <a:buNone/>
+              <a:tabLst/>
+              <a:defRPr/>
+            </a:pPr>
+            <a:r>
+              <a:rPr kumimoji="0" lang="pl-PL" sz="3500" b="1" i="0" u="none" strike="noStrike" kern="1200" cap="none" spc="0" normalizeH="0" baseline="0" noProof="0" dirty="0" smtClean="0">
+                <a:ln>
+                  <a:noFill/>
+                </a:ln>
+                <a:solidFill>
+                  <a:schemeClr val="tx1"/>
+                </a:solidFill>
+                <a:effectLst/>
+                <a:uLnTx/>
+                <a:uFillTx/>
+                <a:latin typeface="+mj-lt"/>
+                <a:ea typeface="+mj-ea"/>
+                <a:cs typeface="+mj-cs"/>
+              </a:rPr>
+              <a:t>Kształt </a:t>
+            </a:r>
+            <a:r>
+              <a:rPr kumimoji="0" lang="el-GR" sz="3500" b="1" i="0" u="none" strike="noStrike" kern="1200" cap="none" spc="0" normalizeH="0" baseline="0" noProof="0" dirty="0" smtClean="0">
+                <a:ln>
+                  <a:noFill/>
+                </a:ln>
+                <a:solidFill>
+                  <a:schemeClr val="tx1"/>
+                </a:solidFill>
+                <a:effectLst/>
+                <a:uLnTx/>
+                <a:uFillTx/>
+                <a:latin typeface="+mj-lt"/>
+                <a:ea typeface="+mj-ea"/>
+                <a:cs typeface="+mj-cs"/>
+              </a:rPr>
+              <a:t>α</a:t>
+            </a:r>
+            <a:r>
+              <a:rPr kumimoji="0" lang="pl-PL" sz="3500" b="1" i="0" u="none" strike="noStrike" kern="1200" cap="none" spc="0" normalizeH="0" baseline="0" noProof="0" dirty="0" smtClean="0">
+                <a:ln>
+                  <a:noFill/>
+                </a:ln>
+                <a:solidFill>
+                  <a:schemeClr val="tx1"/>
+                </a:solidFill>
+                <a:effectLst/>
+                <a:uLnTx/>
+                <a:uFillTx/>
+                <a:latin typeface="+mj-lt"/>
+                <a:ea typeface="+mj-ea"/>
+                <a:cs typeface="+mj-cs"/>
+              </a:rPr>
+              <a:t> dla </a:t>
+            </a:r>
+            <a:r>
+              <a:rPr kumimoji="0" lang="el-GR" sz="3500" b="1" i="0" u="none" strike="noStrike" kern="1200" cap="none" spc="0" normalizeH="0" baseline="0" noProof="0" dirty="0" smtClean="0">
+                <a:ln>
+                  <a:noFill/>
+                </a:ln>
+                <a:solidFill>
+                  <a:schemeClr val="tx1"/>
+                </a:solidFill>
+                <a:effectLst/>
+                <a:uLnTx/>
+                <a:uFillTx/>
+                <a:latin typeface="+mj-lt"/>
+                <a:ea typeface="+mj-ea"/>
+                <a:cs typeface="+mj-cs"/>
+              </a:rPr>
+              <a:t>α </a:t>
+            </a:r>
+            <a:r>
+              <a:rPr kumimoji="0" lang="pl-PL" sz="3500" b="1" i="0" u="none" strike="noStrike" kern="1200" cap="none" spc="0" normalizeH="0" baseline="0" noProof="0" dirty="0" smtClean="0">
+                <a:ln>
+                  <a:noFill/>
+                </a:ln>
+                <a:solidFill>
+                  <a:schemeClr val="tx1"/>
+                </a:solidFill>
+                <a:effectLst/>
+                <a:uLnTx/>
+                <a:uFillTx/>
+                <a:latin typeface="+mj-lt"/>
+                <a:ea typeface="+mj-ea"/>
+                <a:cs typeface="+mj-cs"/>
+              </a:rPr>
+              <a:t>= 0.24 </a:t>
+            </a:r>
+            <a:endParaRPr kumimoji="0" lang="pl-PL" sz="3500" b="1" i="0" u="none" strike="noStrike" kern="1200" cap="none" spc="0" normalizeH="0" baseline="0" noProof="0" dirty="0">
+              <a:ln>
+                <a:noFill/>
+              </a:ln>
+              <a:solidFill>
+                <a:schemeClr val="tx1"/>
+              </a:solidFill>
+              <a:effectLst/>
+              <a:uLnTx/>
+              <a:uFillTx/>
+              <a:latin typeface="+mj-lt"/>
+              <a:ea typeface="+mj-ea"/>
+              <a:cs typeface="+mj-cs"/>
+            </a:endParaRPr>
+          </a:p>
+        </p:txBody>
+      </p:sp>
     </p:spTree>
   </p:cSld>
   <p:clrMapOvr>
@@ -9708,167 +9788,141 @@
           <a:chExt cx="0" cy="0"/>
         </a:xfrm>
       </p:grpSpPr>
-      <p:pic>
-        <p:nvPicPr>
-          <p:cNvPr id="4" name="Obraz 3" descr="alpha62.jpg"/>
-          <p:cNvPicPr/>
-          <p:nvPr/>
-        </p:nvPicPr>
-        <p:blipFill>
-          <a:blip r:embed="rId3" cstate="print"/>
-          <a:stretch>
-            <a:fillRect/>
-          </a:stretch>
-        </p:blipFill>
-        <p:spPr>
-          <a:xfrm>
-            <a:off x="971600" y="1844824"/>
-            <a:ext cx="7560000" cy="4320000"/>
-          </a:xfrm>
-          <a:prstGeom prst="rect">
-            <a:avLst/>
-          </a:prstGeom>
-        </p:spPr>
-      </p:pic>
-      <p:sp>
-        <p:nvSpPr>
-          <p:cNvPr id="5" name="Tytuł 1"/>
-          <p:cNvSpPr txBox="1">
-            <a:spLocks/>
-          </p:cNvSpPr>
-          <p:nvPr/>
+      <p:sp>
+        <p:nvSpPr>
+          <p:cNvPr id="2" name="Tytuł 1"/>
+          <p:cNvSpPr>
+            <a:spLocks noGrp="1"/>
+          </p:cNvSpPr>
+          <p:nvPr>
+            <p:ph type="title"/>
+          </p:nvPr>
         </p:nvSpPr>
         <p:spPr>
           <a:xfrm>
             <a:off x="467544" y="0"/>
             <a:ext cx="8229600" cy="1143000"/>
           </a:xfrm>
-          <a:prstGeom prst="rect">
-            <a:avLst/>
-          </a:prstGeom>
         </p:spPr>
         <p:txBody>
-          <a:bodyPr vert="horz" lIns="91440" tIns="45720" rIns="91440" bIns="45720" rtlCol="0" anchor="ctr">
+          <a:bodyPr>
             <a:normAutofit/>
           </a:bodyPr>
           <a:lstStyle/>
           <a:p>
-            <a:pPr marL="0" marR="0" lvl="0" indent="0" algn="ctr" defTabSz="914400" rtl="0" eaLnBrk="1" fontAlgn="auto" latinLnBrk="0" hangingPunct="1">
-              <a:lnSpc>
-                <a:spcPct val="100000"/>
-              </a:lnSpc>
-              <a:spcBef>
-                <a:spcPct val="0"/>
-              </a:spcBef>
-              <a:spcAft>
-                <a:spcPts val="0"/>
-              </a:spcAft>
-              <a:buClrTx/>
-              <a:buSzTx/>
-              <a:buFontTx/>
-              <a:buNone/>
-              <a:tabLst/>
-              <a:defRPr/>
-            </a:pPr>
-            <a:r>
-              <a:rPr kumimoji="0" lang="pl-PL" sz="3500" b="1" i="0" u="none" strike="noStrike" kern="1200" cap="none" spc="0" normalizeH="0" baseline="0" noProof="0" dirty="0" smtClean="0">
-                <a:ln>
-                  <a:noFill/>
-                </a:ln>
-                <a:solidFill>
-                  <a:schemeClr val="tx1"/>
-                </a:solidFill>
-                <a:effectLst/>
-                <a:uLnTx/>
-                <a:uFillTx/>
-                <a:latin typeface="+mj-lt"/>
-                <a:ea typeface="+mj-ea"/>
-                <a:cs typeface="+mj-cs"/>
-              </a:rPr>
-              <a:t>Kształt </a:t>
-            </a:r>
-            <a:r>
-              <a:rPr kumimoji="0" lang="el-GR" sz="3500" b="1" i="0" u="none" strike="noStrike" kern="1200" cap="none" spc="0" normalizeH="0" baseline="0" noProof="0" dirty="0" smtClean="0">
-                <a:ln>
-                  <a:noFill/>
-                </a:ln>
-                <a:solidFill>
-                  <a:schemeClr val="tx1"/>
-                </a:solidFill>
-                <a:effectLst/>
-                <a:uLnTx/>
-                <a:uFillTx/>
-                <a:latin typeface="+mj-lt"/>
-                <a:ea typeface="+mj-ea"/>
-                <a:cs typeface="+mj-cs"/>
-              </a:rPr>
-              <a:t>α</a:t>
-            </a:r>
-            <a:r>
-              <a:rPr kumimoji="0" lang="pl-PL" sz="3500" b="1" i="0" u="none" strike="noStrike" kern="1200" cap="none" spc="0" normalizeH="0" baseline="0" noProof="0" dirty="0" smtClean="0">
-                <a:ln>
-                  <a:noFill/>
-                </a:ln>
-                <a:solidFill>
-                  <a:schemeClr val="tx1"/>
-                </a:solidFill>
-                <a:effectLst/>
-                <a:uLnTx/>
-                <a:uFillTx/>
-                <a:latin typeface="+mj-lt"/>
-                <a:ea typeface="+mj-ea"/>
-                <a:cs typeface="+mj-cs"/>
-              </a:rPr>
-              <a:t> dla </a:t>
-            </a:r>
-            <a:r>
-              <a:rPr kumimoji="0" lang="el-GR" sz="3500" b="1" i="0" u="none" strike="noStrike" kern="1200" cap="none" spc="0" normalizeH="0" baseline="0" noProof="0" dirty="0" smtClean="0">
-                <a:ln>
-                  <a:noFill/>
-                </a:ln>
-                <a:solidFill>
-                  <a:schemeClr val="tx1"/>
-                </a:solidFill>
-                <a:effectLst/>
-                <a:uLnTx/>
-                <a:uFillTx/>
-                <a:latin typeface="+mj-lt"/>
-                <a:ea typeface="+mj-ea"/>
-                <a:cs typeface="+mj-cs"/>
-              </a:rPr>
-              <a:t>α </a:t>
-            </a:r>
-            <a:r>
-              <a:rPr kumimoji="0" lang="pl-PL" sz="3500" b="1" i="0" u="none" strike="noStrike" kern="1200" cap="none" spc="0" normalizeH="0" baseline="0" noProof="0" dirty="0" smtClean="0">
-                <a:ln>
-                  <a:noFill/>
-                </a:ln>
-                <a:solidFill>
-                  <a:schemeClr val="tx1"/>
-                </a:solidFill>
-                <a:effectLst/>
-                <a:uLnTx/>
-                <a:uFillTx/>
-                <a:latin typeface="+mj-lt"/>
-                <a:ea typeface="+mj-ea"/>
-                <a:cs typeface="+mj-cs"/>
-              </a:rPr>
-              <a:t>= 0.24 </a:t>
-            </a:r>
-            <a:endParaRPr kumimoji="0" lang="pl-PL" sz="3500" b="1" i="0" u="none" strike="noStrike" kern="1200" cap="none" spc="0" normalizeH="0" baseline="0" noProof="0" dirty="0">
-              <a:ln>
-                <a:noFill/>
-              </a:ln>
-              <a:solidFill>
-                <a:schemeClr val="tx1"/>
-              </a:solidFill>
-              <a:effectLst/>
-              <a:uLnTx/>
-              <a:uFillTx/>
-              <a:latin typeface="+mj-lt"/>
-              <a:ea typeface="+mj-ea"/>
-              <a:cs typeface="+mj-cs"/>
-            </a:endParaRPr>
+            <a:r>
+              <a:rPr lang="pl-PL" sz="3500" b="1" dirty="0" smtClean="0"/>
+              <a:t>Stworzony system informatyczny</a:t>
+            </a:r>
+            <a:endParaRPr lang="pl-PL" sz="3500" b="1" dirty="0"/>
+          </a:p>
+        </p:txBody>
+      </p:sp>
+      <p:sp>
+        <p:nvSpPr>
+          <p:cNvPr id="3" name="Symbol zastępczy zawartości 2"/>
+          <p:cNvSpPr>
+            <a:spLocks noGrp="1"/>
+          </p:cNvSpPr>
+          <p:nvPr>
+            <p:ph idx="1"/>
+          </p:nvPr>
+        </p:nvSpPr>
+        <p:spPr/>
+        <p:txBody>
+          <a:bodyPr>
+            <a:normAutofit/>
+          </a:bodyPr>
+          <a:lstStyle/>
+          <a:p>
+            <a:pPr lvl="0"/>
+            <a:r>
+              <a:rPr lang="pl-PL" sz="2500" dirty="0" smtClean="0">
+                <a:effectLst>
+                  <a:outerShdw blurRad="38100" dist="38100" dir="2700000" algn="tl">
+                    <a:srgbClr val="000000">
+                      <a:alpha val="43137"/>
+                    </a:srgbClr>
+                  </a:outerShdw>
+                </a:effectLst>
+              </a:rPr>
+              <a:t>aplikacja mobilna </a:t>
+            </a:r>
+            <a:r>
+              <a:rPr lang="pl-PL" sz="2500" dirty="0" smtClean="0"/>
+              <a:t>– </a:t>
+            </a:r>
+            <a:r>
+              <a:rPr lang="pl-PL" sz="2500" i="1" dirty="0" err="1" smtClean="0"/>
+              <a:t>DronTracker</a:t>
+            </a:r>
+            <a:r>
+              <a:rPr lang="pl-PL" sz="2500" dirty="0" smtClean="0"/>
+              <a:t> - pełniąca rolę geolokalizatora ,do potencjalnego zamontowania na dronie, </a:t>
+            </a:r>
+          </a:p>
+          <a:p>
+            <a:endParaRPr lang="pl-PL" sz="2500" dirty="0" smtClean="0"/>
+          </a:p>
+          <a:p>
+            <a:pPr lvl="0"/>
+            <a:r>
+              <a:rPr lang="pl-PL" sz="2500" dirty="0" smtClean="0">
+                <a:effectLst>
+                  <a:outerShdw blurRad="38100" dist="38100" dir="2700000" algn="tl">
+                    <a:srgbClr val="000000">
+                      <a:alpha val="43137"/>
+                    </a:srgbClr>
+                  </a:outerShdw>
+                </a:effectLst>
+              </a:rPr>
+              <a:t>aplikacja serwerowa </a:t>
+            </a:r>
+            <a:r>
+              <a:rPr lang="pl-PL" sz="2500" dirty="0" smtClean="0"/>
+              <a:t>– </a:t>
+            </a:r>
+            <a:r>
+              <a:rPr lang="pl-PL" sz="2500" i="1" dirty="0" err="1" smtClean="0"/>
+              <a:t>DronSerwer</a:t>
+            </a:r>
+            <a:r>
+              <a:rPr lang="pl-PL" sz="2500" dirty="0" smtClean="0"/>
+              <a:t> – odpowiedzialna za przeprowadzanie skomplikowanych obliczeń i komunikację z pozostałymi elementami systemu oraz</a:t>
+            </a:r>
+          </a:p>
+          <a:p>
+            <a:endParaRPr lang="pl-PL" sz="2500" dirty="0" smtClean="0"/>
+          </a:p>
+          <a:p>
+            <a:pPr lvl="0"/>
+            <a:r>
+              <a:rPr lang="pl-PL" sz="2500" dirty="0" smtClean="0">
+                <a:effectLst>
+                  <a:outerShdw blurRad="38100" dist="38100" dir="2700000" algn="tl">
+                    <a:srgbClr val="000000">
+                      <a:alpha val="43137"/>
+                    </a:srgbClr>
+                  </a:outerShdw>
+                </a:effectLst>
+              </a:rPr>
+              <a:t>główna mobilna aplikacja kliencka </a:t>
+            </a:r>
+            <a:r>
+              <a:rPr lang="pl-PL" sz="2500" dirty="0" smtClean="0"/>
+              <a:t>– </a:t>
+            </a:r>
+            <a:r>
+              <a:rPr lang="pl-PL" sz="2500" i="1" dirty="0" err="1" smtClean="0"/>
+              <a:t>DronVision</a:t>
+            </a:r>
+            <a:r>
+              <a:rPr lang="pl-PL" sz="2500" dirty="0" smtClean="0"/>
+              <a:t> - służąca do wizualizacji wyznaczonego obszaru przeszukanego.</a:t>
+            </a:r>
+          </a:p>
+          <a:p>
+            <a:endParaRPr lang="pl-PL" sz="2500" dirty="0"/>
           </a:p>
         </p:txBody>
       </p:sp>
@@ -9888,176 +9942,6 @@
 </file>
 
 <file path=ppt/slides/slide25.xml><?xml version="1.0" encoding="utf-8"?>
-<p:sld xmlns:a="http://schemas.openxmlformats.org/drawingml/2006/main" xmlns:r="http://schemas.openxmlformats.org/officeDocument/2006/relationships" xmlns:p="http://schemas.openxmlformats.org/presentationml/2006/main">
-  <p:cSld>
-    <p:spTree>
-      <p:nvGrpSpPr>
-        <p:cNvPr id="1" name=""/>
-        <p:cNvGrpSpPr/>
-        <p:nvPr/>
-      </p:nvGrpSpPr>
-      <p:grpSpPr>
-        <a:xfrm>
-          <a:off x="0" y="0"/>
-          <a:ext cx="0" cy="0"/>
-          <a:chOff x="0" y="0"/>
-          <a:chExt cx="0" cy="0"/>
-        </a:xfrm>
-      </p:grpSpPr>
-      <p:sp>
-        <p:nvSpPr>
-          <p:cNvPr id="2" name="Tytuł 1"/>
-          <p:cNvSpPr>
-            <a:spLocks noGrp="1"/>
-          </p:cNvSpPr>
-          <p:nvPr>
-            <p:ph type="title"/>
-          </p:nvPr>
-        </p:nvSpPr>
-        <p:spPr>
-          <a:xfrm>
-            <a:off x="467544" y="0"/>
-            <a:ext cx="8229600" cy="1143000"/>
-          </a:xfrm>
-        </p:spPr>
-        <p:txBody>
-          <a:bodyPr>
-            <a:normAutofit/>
-          </a:bodyPr>
-          <a:lstStyle/>
-          <a:p>
-            <a:r>
-              <a:rPr lang="pl-PL" sz="3500" b="1" dirty="0" smtClean="0"/>
-              <a:t>Stworzony system informatyczny</a:t>
-            </a:r>
-            <a:endParaRPr lang="pl-PL" sz="3500" b="1" dirty="0"/>
-          </a:p>
-        </p:txBody>
-      </p:sp>
-      <p:sp>
-        <p:nvSpPr>
-          <p:cNvPr id="3" name="Symbol zastępczy zawartości 2"/>
-          <p:cNvSpPr>
-            <a:spLocks noGrp="1"/>
-          </p:cNvSpPr>
-          <p:nvPr>
-            <p:ph idx="1"/>
-          </p:nvPr>
-        </p:nvSpPr>
-        <p:spPr/>
-        <p:txBody>
-          <a:bodyPr>
-            <a:normAutofit/>
-          </a:bodyPr>
-          <a:lstStyle/>
-          <a:p>
-            <a:pPr lvl="0"/>
-            <a:r>
-              <a:rPr lang="pl-PL" sz="2500" dirty="0" smtClean="0">
-                <a:effectLst>
-                  <a:outerShdw blurRad="38100" dist="38100" dir="2700000" algn="tl">
-                    <a:srgbClr val="000000">
-                      <a:alpha val="43137"/>
-                    </a:srgbClr>
-                  </a:outerShdw>
-                </a:effectLst>
-              </a:rPr>
-              <a:t>aplikacja mobilna </a:t>
-            </a:r>
-            <a:r>
-              <a:rPr lang="pl-PL" sz="2500" dirty="0" smtClean="0"/>
-              <a:t>– </a:t>
-            </a:r>
-            <a:r>
-              <a:rPr lang="pl-PL" sz="2500" i="1" dirty="0" err="1" smtClean="0"/>
-              <a:t>DronTracker</a:t>
-            </a:r>
-            <a:r>
-              <a:rPr lang="pl-PL" sz="2500" dirty="0" smtClean="0"/>
-              <a:t> - pełniąca rolę geolokalizatora ,do potencjalnego zamontowania na dronie, </a:t>
-            </a:r>
-          </a:p>
-          <a:p>
-            <a:endParaRPr lang="pl-PL" sz="2500" dirty="0" smtClean="0"/>
-          </a:p>
-          <a:p>
-            <a:pPr lvl="0"/>
-            <a:r>
-              <a:rPr lang="pl-PL" sz="2500" dirty="0" smtClean="0">
-                <a:effectLst>
-                  <a:outerShdw blurRad="38100" dist="38100" dir="2700000" algn="tl">
-                    <a:srgbClr val="000000">
-                      <a:alpha val="43137"/>
-                    </a:srgbClr>
-                  </a:outerShdw>
-                </a:effectLst>
-              </a:rPr>
-              <a:t>aplikacja serwerowa </a:t>
-            </a:r>
-            <a:r>
-              <a:rPr lang="pl-PL" sz="2500" dirty="0" smtClean="0"/>
-              <a:t>– </a:t>
-            </a:r>
-            <a:r>
-              <a:rPr lang="pl-PL" sz="2500" i="1" dirty="0" err="1" smtClean="0"/>
-              <a:t>DronSerwer</a:t>
-            </a:r>
-            <a:r>
-              <a:rPr lang="pl-PL" sz="2500" dirty="0" smtClean="0"/>
-              <a:t> – odpowiedzialna za przeprowadzanie skomplikowanych obliczeń i komunikację z pozostałymi elementami systemu oraz</a:t>
-            </a:r>
-          </a:p>
-          <a:p>
-            <a:endParaRPr lang="pl-PL" sz="2500" dirty="0" smtClean="0"/>
-          </a:p>
-          <a:p>
-            <a:pPr lvl="0"/>
-            <a:r>
-              <a:rPr lang="pl-PL" sz="2500" dirty="0" smtClean="0">
-                <a:effectLst>
-                  <a:outerShdw blurRad="38100" dist="38100" dir="2700000" algn="tl">
-                    <a:srgbClr val="000000">
-                      <a:alpha val="43137"/>
-                    </a:srgbClr>
-                  </a:outerShdw>
-                </a:effectLst>
-              </a:rPr>
-              <a:t>główna mobilna aplikacja kliencka </a:t>
-            </a:r>
-            <a:r>
-              <a:rPr lang="pl-PL" sz="2500" dirty="0" smtClean="0"/>
-              <a:t>– </a:t>
-            </a:r>
-            <a:r>
-              <a:rPr lang="pl-PL" sz="2500" i="1" dirty="0" err="1" smtClean="0"/>
-              <a:t>DronVision</a:t>
-            </a:r>
-            <a:r>
-              <a:rPr lang="pl-PL" sz="2500" dirty="0" smtClean="0"/>
-              <a:t> - służąca do wizualizacji wyznaczonego obszaru przeszukanego.</a:t>
-            </a:r>
-          </a:p>
-          <a:p>
-            <a:endParaRPr lang="pl-PL" sz="2500" dirty="0"/>
-          </a:p>
-        </p:txBody>
-      </p:sp>
-    </p:spTree>
-  </p:cSld>
-  <p:clrMapOvr>
-    <a:masterClrMapping/>
-  </p:clrMapOvr>
-  <p:timing>
-    <p:tnLst>
-      <p:par>
-        <p:cTn id="1" dur="indefinite" restart="never" nodeType="tmRoot"/>
-      </p:par>
-    </p:tnLst>
-  </p:timing>
-</p:sld>
-</file>
-
-<file path=ppt/slides/slide26.xml><?xml version="1.0" encoding="utf-8"?>
 <p:sld xmlns:a="http://schemas.openxmlformats.org/drawingml/2006/main" xmlns:r="http://schemas.openxmlformats.org/officeDocument/2006/relationships" xmlns:p="http://schemas.openxmlformats.org/presentationml/2006/main">
   <p:cSld>
     <p:spTree>
@@ -10222,7 +10106,7 @@
 </p:sld>
 </file>
 
-<file path=ppt/slides/slide27.xml><?xml version="1.0" encoding="utf-8"?>
+<file path=ppt/slides/slide26.xml><?xml version="1.0" encoding="utf-8"?>
 <p:sld xmlns:a="http://schemas.openxmlformats.org/drawingml/2006/main" xmlns:r="http://schemas.openxmlformats.org/officeDocument/2006/relationships" xmlns:p="http://schemas.openxmlformats.org/presentationml/2006/main">
   <p:cSld>
     <p:spTree>
